--- a/mongo/mongo_demo.pptx
+++ b/mongo/mongo_demo.pptx
@@ -14,6 +14,8 @@
     <p:sldId id="263" r:id="rId8"/>
     <p:sldId id="264" r:id="rId9"/>
     <p:sldId id="262" r:id="rId10"/>
+    <p:sldId id="266" r:id="rId11"/>
+    <p:sldId id="265" r:id="rId12"/>
   </p:sldIdLst>
   <p:sldSz cx="12192000" cy="6858000"/>
   <p:notesSz cx="6858000" cy="9144000"/>
@@ -2950,6 +2952,14 @@
 <file path=ppt/slides/slide1.xml><?xml version="1.0" encoding="utf-8"?>
 <p:sld xmlns:a="http://schemas.openxmlformats.org/drawingml/2006/main" xmlns:r="http://schemas.openxmlformats.org/officeDocument/2006/relationships" xmlns:p="http://schemas.openxmlformats.org/presentationml/2006/main">
   <p:cSld>
+    <p:bg>
+      <p:bgPr>
+        <a:solidFill>
+          <a:schemeClr val="bg1"/>
+        </a:solidFill>
+        <a:effectLst/>
+      </p:bgPr>
+    </p:bg>
     <p:spTree>
       <p:nvGrpSpPr>
         <p:cNvPr id="1" name=""/>
@@ -2964,6 +2974,211 @@
           <a:chExt cx="0" cy="0"/>
         </a:xfrm>
       </p:grpSpPr>
+      <p:sp useBgFill="1">
+        <p:nvSpPr>
+          <p:cNvPr id="22" name="Rectangle 21">
+            <a:extLst>
+              <a:ext uri="{FF2B5EF4-FFF2-40B4-BE49-F238E27FC236}">
+                <a16:creationId xmlns:a16="http://schemas.microsoft.com/office/drawing/2014/main" id="{9180DE06-7362-4888-AADA-7AADD57AC49D}"/>
+              </a:ext>
+              <a:ext uri="{C183D7F6-B498-43B3-948B-1728B52AA6E4}">
+                <adec:decorative xmlns:adec="http://schemas.microsoft.com/office/drawing/2017/decorative" val="1"/>
+              </a:ext>
+            </a:extLst>
+          </p:cNvPr>
+          <p:cNvSpPr>
+            <a:spLocks noGrp="1" noRot="1" noChangeAspect="1" noMove="1" noResize="1" noEditPoints="1" noAdjustHandles="1" noChangeArrowheads="1" noChangeShapeType="1" noTextEdit="1"/>
+          </p:cNvSpPr>
+          <p:nvPr>
+            <p:extLst>
+              <p:ext uri="{386F3935-93C4-4BCD-93E2-E3B085C9AB24}">
+                <p16:designElem xmlns:p16="http://schemas.microsoft.com/office/powerpoint/2015/main" val="1"/>
+              </p:ext>
+            </p:extLst>
+          </p:nvPr>
+        </p:nvSpPr>
+        <p:spPr>
+          <a:xfrm>
+            <a:off x="0" y="0"/>
+            <a:ext cx="12191999" cy="6857365"/>
+          </a:xfrm>
+          <a:prstGeom prst="rect">
+            <a:avLst/>
+          </a:prstGeom>
+          <a:ln>
+            <a:noFill/>
+          </a:ln>
+        </p:spPr>
+        <p:style>
+          <a:lnRef idx="2">
+            <a:schemeClr val="accent1">
+              <a:shade val="50000"/>
+            </a:schemeClr>
+          </a:lnRef>
+          <a:fillRef idx="1">
+            <a:schemeClr val="accent1"/>
+          </a:fillRef>
+          <a:effectRef idx="0">
+            <a:schemeClr val="accent1"/>
+          </a:effectRef>
+          <a:fontRef idx="minor">
+            <a:schemeClr val="lt1"/>
+          </a:fontRef>
+        </p:style>
+        <p:txBody>
+          <a:bodyPr rtlCol="0" anchor="ctr"/>
+          <a:lstStyle/>
+          <a:p>
+            <a:pPr algn="ctr"/>
+            <a:endParaRPr lang="en-US"/>
+          </a:p>
+        </p:txBody>
+      </p:sp>
+      <p:grpSp>
+        <p:nvGrpSpPr>
+          <p:cNvPr id="24" name="Group 23">
+            <a:extLst>
+              <a:ext uri="{FF2B5EF4-FFF2-40B4-BE49-F238E27FC236}">
+                <a16:creationId xmlns:a16="http://schemas.microsoft.com/office/drawing/2014/main" id="{3AF6A671-C637-4547-85F4-51B6D1881399}"/>
+              </a:ext>
+              <a:ext uri="{C183D7F6-B498-43B3-948B-1728B52AA6E4}">
+                <adec:decorative xmlns:adec="http://schemas.microsoft.com/office/drawing/2017/decorative" val="1"/>
+              </a:ext>
+            </a:extLst>
+          </p:cNvPr>
+          <p:cNvGrpSpPr>
+            <a:grpSpLocks noGrp="1" noUngrp="1" noRot="1" noChangeAspect="1" noMove="1" noResize="1"/>
+          </p:cNvGrpSpPr>
+          <p:nvPr>
+            <p:extLst>
+              <p:ext uri="{386F3935-93C4-4BCD-93E2-E3B085C9AB24}">
+                <p16:designElem xmlns:p16="http://schemas.microsoft.com/office/powerpoint/2015/main" val="1"/>
+              </p:ext>
+            </p:extLst>
+          </p:nvPr>
+        </p:nvGrpSpPr>
+        <p:grpSpPr>
+          <a:xfrm rot="16200000">
+            <a:off x="2218698" y="2733627"/>
+            <a:ext cx="1340409" cy="5777807"/>
+            <a:chOff x="329184" y="2"/>
+            <a:chExt cx="524256" cy="5777807"/>
+          </a:xfrm>
+        </p:grpSpPr>
+        <p:cxnSp>
+          <p:nvCxnSpPr>
+            <p:cNvPr id="25" name="Straight Connector 24">
+              <a:extLst>
+                <a:ext uri="{FF2B5EF4-FFF2-40B4-BE49-F238E27FC236}">
+                  <a16:creationId xmlns:a16="http://schemas.microsoft.com/office/drawing/2014/main" id="{C575CF26-3D3C-4C5A-A2B7-00432016EF62}"/>
+                </a:ext>
+                <a:ext uri="{C183D7F6-B498-43B3-948B-1728B52AA6E4}">
+                  <adec:decorative xmlns:adec="http://schemas.microsoft.com/office/drawing/2017/decorative" val="1"/>
+                </a:ext>
+              </a:extLst>
+            </p:cNvPr>
+            <p:cNvCxnSpPr>
+              <a:cxnSpLocks/>
+            </p:cNvCxnSpPr>
+            <p:nvPr>
+              <p:extLst>
+                <p:ext uri="{386F3935-93C4-4BCD-93E2-E3B085C9AB24}">
+                  <p16:designElem xmlns:p16="http://schemas.microsoft.com/office/powerpoint/2015/main" val="1"/>
+                </p:ext>
+              </p:extLst>
+            </p:nvPr>
+          </p:nvCxnSpPr>
+          <p:spPr>
+            <a:xfrm flipH="1">
+              <a:off x="329184" y="5777809"/>
+              <a:ext cx="521208" cy="0"/>
+            </a:xfrm>
+            <a:prstGeom prst="line">
+              <a:avLst/>
+            </a:prstGeom>
+            <a:ln w="152400">
+              <a:solidFill>
+                <a:schemeClr val="accent4"/>
+              </a:solidFill>
+            </a:ln>
+          </p:spPr>
+          <p:style>
+            <a:lnRef idx="1">
+              <a:schemeClr val="accent1"/>
+            </a:lnRef>
+            <a:fillRef idx="0">
+              <a:schemeClr val="accent1"/>
+            </a:fillRef>
+            <a:effectRef idx="0">
+              <a:schemeClr val="accent1"/>
+            </a:effectRef>
+            <a:fontRef idx="minor">
+              <a:schemeClr val="tx1"/>
+            </a:fontRef>
+          </p:style>
+        </p:cxnSp>
+        <p:sp>
+          <p:nvSpPr>
+            <p:cNvPr id="26" name="Rectangle 25">
+              <a:extLst>
+                <a:ext uri="{FF2B5EF4-FFF2-40B4-BE49-F238E27FC236}">
+                  <a16:creationId xmlns:a16="http://schemas.microsoft.com/office/drawing/2014/main" id="{99413ED5-9ED4-4772-BCE4-2BCAE6B12E35}"/>
+                </a:ext>
+                <a:ext uri="{C183D7F6-B498-43B3-948B-1728B52AA6E4}">
+                  <adec:decorative xmlns:adec="http://schemas.microsoft.com/office/drawing/2017/decorative" val="1"/>
+                </a:ext>
+              </a:extLst>
+            </p:cNvPr>
+            <p:cNvSpPr/>
+            <p:nvPr>
+              <p:extLst>
+                <p:ext uri="{386F3935-93C4-4BCD-93E2-E3B085C9AB24}">
+                  <p16:designElem xmlns:p16="http://schemas.microsoft.com/office/powerpoint/2015/main" val="1"/>
+                </p:ext>
+              </p:extLst>
+            </p:nvPr>
+          </p:nvSpPr>
+          <p:spPr>
+            <a:xfrm>
+              <a:off x="329184" y="2"/>
+              <a:ext cx="524256" cy="5666779"/>
+            </a:xfrm>
+            <a:prstGeom prst="rect">
+              <a:avLst/>
+            </a:prstGeom>
+            <a:solidFill>
+              <a:schemeClr val="accent4"/>
+            </a:solidFill>
+            <a:ln>
+              <a:noFill/>
+            </a:ln>
+          </p:spPr>
+          <p:style>
+            <a:lnRef idx="2">
+              <a:schemeClr val="accent1">
+                <a:shade val="50000"/>
+              </a:schemeClr>
+            </a:lnRef>
+            <a:fillRef idx="1">
+              <a:schemeClr val="accent1"/>
+            </a:fillRef>
+            <a:effectRef idx="0">
+              <a:schemeClr val="accent1"/>
+            </a:effectRef>
+            <a:fontRef idx="minor">
+              <a:schemeClr val="lt1"/>
+            </a:fontRef>
+          </p:style>
+          <p:txBody>
+            <a:bodyPr rtlCol="0" anchor="ctr"/>
+            <a:lstStyle/>
+            <a:p>
+              <a:pPr algn="ctr"/>
+              <a:endParaRPr lang="en-US" dirty="0"/>
+            </a:p>
+          </p:txBody>
+        </p:sp>
+      </p:grpSp>
       <p:sp>
         <p:nvSpPr>
           <p:cNvPr id="3" name="Subtitle 2"/>
@@ -2976,45 +3191,100 @@
         </p:nvSpPr>
         <p:spPr>
           <a:xfrm>
-            <a:off x="9123680" y="5329238"/>
-            <a:ext cx="2641600" cy="1096962"/>
+            <a:off x="7331383" y="5227455"/>
+            <a:ext cx="3876085" cy="857461"/>
           </a:xfrm>
         </p:spPr>
         <p:txBody>
-          <a:bodyPr vert="horz" lIns="91440" tIns="45720" rIns="91440" bIns="45720" rtlCol="0" anchor="t">
+          <a:bodyPr vert="horz" lIns="91440" tIns="45720" rIns="91440" bIns="45720" rtlCol="0">
             <a:normAutofit/>
           </a:bodyPr>
           <a:lstStyle/>
           <a:p>
-            <a:pPr marL="342900" indent="-342900">
+            <a:pPr marL="342900" indent="-342900" algn="l">
               <a:buFont typeface="Calibri"/>
               <a:buChar char="-"/>
             </a:pPr>
             <a:r>
-              <a:rPr lang="en-US" dirty="0" err="1"/>
-              <a:t>Ruhulla</a:t>
+              <a:rPr lang="en-US"/>
+              <a:t>Ruhulla Sheik </a:t>
             </a:r>
-            <a:r>
-              <a:rPr lang="en-US" dirty="0"/>
-              <a:t> Sheik </a:t>
-            </a:r>
-          </a:p>
-          <a:p>
-            <a:r>
-              <a:rPr lang="en-US" dirty="0"/>
-              <a:t>     </a:t>
-            </a:r>
-            <a:r>
-              <a:rPr lang="en-US" sz="1400" err="1"/>
-              <a:t>OlearnO</a:t>
-            </a:r>
-            <a:endParaRPr lang="en-US" sz="1400"/>
+          </a:p>
+        </p:txBody>
+      </p:sp>
+      <p:sp>
+        <p:nvSpPr>
+          <p:cNvPr id="28" name="Rectangle 27">
+            <a:extLst>
+              <a:ext uri="{FF2B5EF4-FFF2-40B4-BE49-F238E27FC236}">
+                <a16:creationId xmlns:a16="http://schemas.microsoft.com/office/drawing/2014/main" id="{04357C93-F0CB-4A1C-8F77-4E9063789819}"/>
+              </a:ext>
+              <a:ext uri="{C183D7F6-B498-43B3-948B-1728B52AA6E4}">
+                <adec:decorative xmlns:adec="http://schemas.microsoft.com/office/drawing/2017/decorative" val="1"/>
+              </a:ext>
+            </a:extLst>
+          </p:cNvPr>
+          <p:cNvSpPr>
+            <a:spLocks noGrp="1" noRot="1" noChangeAspect="1" noMove="1" noResize="1" noEditPoints="1" noAdjustHandles="1" noChangeArrowheads="1" noChangeShapeType="1" noTextEdit="1"/>
+          </p:cNvSpPr>
+          <p:nvPr>
+            <p:extLst>
+              <p:ext uri="{386F3935-93C4-4BCD-93E2-E3B085C9AB24}">
+                <p16:designElem xmlns:p16="http://schemas.microsoft.com/office/powerpoint/2015/main" val="1"/>
+              </p:ext>
+            </p:extLst>
+          </p:nvPr>
+        </p:nvSpPr>
+        <p:spPr>
+          <a:xfrm>
+            <a:off x="688623" y="372533"/>
+            <a:ext cx="6116779" cy="6068728"/>
+          </a:xfrm>
+          <a:prstGeom prst="rect">
+            <a:avLst/>
+          </a:prstGeom>
+          <a:solidFill>
+            <a:schemeClr val="bg1"/>
+          </a:solidFill>
+          <a:ln>
+            <a:noFill/>
+          </a:ln>
+          <a:effectLst>
+            <a:outerShdw blurRad="139700" dist="127000" dir="5400000" algn="t" rotWithShape="0">
+              <a:prstClr val="black">
+                <a:alpha val="15000"/>
+              </a:prstClr>
+            </a:outerShdw>
+          </a:effectLst>
+        </p:spPr>
+        <p:style>
+          <a:lnRef idx="2">
+            <a:schemeClr val="accent1">
+              <a:shade val="50000"/>
+            </a:schemeClr>
+          </a:lnRef>
+          <a:fillRef idx="1">
+            <a:schemeClr val="accent1"/>
+          </a:fillRef>
+          <a:effectRef idx="0">
+            <a:schemeClr val="accent1"/>
+          </a:effectRef>
+          <a:fontRef idx="minor">
+            <a:schemeClr val="lt1"/>
+          </a:fontRef>
+        </p:style>
+        <p:txBody>
+          <a:bodyPr rtlCol="0" anchor="ctr"/>
+          <a:lstStyle/>
+          <a:p>
+            <a:pPr algn="ctr"/>
+            <a:endParaRPr lang="en-US"/>
           </a:p>
         </p:txBody>
       </p:sp>
       <p:pic>
         <p:nvPicPr>
-          <p:cNvPr id="4" name="Picture 3" descr="¿Qué es MongoDB? Definición | Base de datos relacionales - Tecno Simple">
+          <p:cNvPr id="2" name="Picture 1" descr="¿Qué es MongoDB? Definición | Base de datos relacionales - Tecno Simple">
             <a:extLst>
               <a:ext uri="{FF2B5EF4-FFF2-40B4-BE49-F238E27FC236}">
                 <a16:creationId xmlns:a16="http://schemas.microsoft.com/office/drawing/2014/main" id="{2E0CC1DE-F2AA-E32B-1933-54FDDF0A2A34}"/>
@@ -3034,8 +3304,8 @@
         </p:blipFill>
         <p:spPr>
           <a:xfrm>
-            <a:off x="-5166" y="-2943"/>
-            <a:ext cx="8801486" cy="6870085"/>
+            <a:off x="942597" y="1557053"/>
+            <a:ext cx="5608830" cy="3743893"/>
           </a:xfrm>
           <a:prstGeom prst="rect">
             <a:avLst/>
@@ -3055,9 +3325,17 @@
 </p:sld>
 </file>
 
-<file path=ppt/slides/slide2.xml><?xml version="1.0" encoding="utf-8"?>
+<file path=ppt/slides/slide10.xml><?xml version="1.0" encoding="utf-8"?>
 <p:sld xmlns:a="http://schemas.openxmlformats.org/drawingml/2006/main" xmlns:r="http://schemas.openxmlformats.org/officeDocument/2006/relationships" xmlns:p="http://schemas.openxmlformats.org/presentationml/2006/main">
   <p:cSld>
+    <p:bg>
+      <p:bgPr>
+        <a:solidFill>
+          <a:schemeClr val="bg1"/>
+        </a:solidFill>
+        <a:effectLst/>
+      </p:bgPr>
+    </p:bg>
     <p:spTree>
       <p:nvGrpSpPr>
         <p:cNvPr id="1" name=""/>
@@ -3072,6 +3350,7184 @@
           <a:chExt cx="0" cy="0"/>
         </a:xfrm>
       </p:grpSpPr>
+      <p:sp useBgFill="1">
+        <p:nvSpPr>
+          <p:cNvPr id="9" name="Rectangle 8">
+            <a:extLst>
+              <a:ext uri="{FF2B5EF4-FFF2-40B4-BE49-F238E27FC236}">
+                <a16:creationId xmlns:a16="http://schemas.microsoft.com/office/drawing/2014/main" id="{65219498-D544-41AC-98FE-8F956EF66A62}"/>
+              </a:ext>
+              <a:ext uri="{C183D7F6-B498-43B3-948B-1728B52AA6E4}">
+                <adec:decorative xmlns:adec="http://schemas.microsoft.com/office/drawing/2017/decorative" val="1"/>
+              </a:ext>
+            </a:extLst>
+          </p:cNvPr>
+          <p:cNvSpPr>
+            <a:spLocks noGrp="1" noRot="1" noChangeAspect="1" noMove="1" noResize="1" noEditPoints="1" noAdjustHandles="1" noChangeArrowheads="1" noChangeShapeType="1" noTextEdit="1"/>
+          </p:cNvSpPr>
+          <p:nvPr>
+            <p:extLst>
+              <p:ext uri="{386F3935-93C4-4BCD-93E2-E3B085C9AB24}">
+                <p16:designElem xmlns:p16="http://schemas.microsoft.com/office/powerpoint/2015/main" val="1"/>
+              </p:ext>
+            </p:extLst>
+          </p:nvPr>
+        </p:nvSpPr>
+        <p:spPr>
+          <a:xfrm>
+            <a:off x="0" y="0"/>
+            <a:ext cx="12191695" cy="6858000"/>
+          </a:xfrm>
+          <a:prstGeom prst="rect">
+            <a:avLst/>
+          </a:prstGeom>
+          <a:ln>
+            <a:noFill/>
+          </a:ln>
+        </p:spPr>
+        <p:style>
+          <a:lnRef idx="2">
+            <a:schemeClr val="accent1">
+              <a:shade val="50000"/>
+            </a:schemeClr>
+          </a:lnRef>
+          <a:fillRef idx="1">
+            <a:schemeClr val="accent1"/>
+          </a:fillRef>
+          <a:effectRef idx="0">
+            <a:schemeClr val="accent1"/>
+          </a:effectRef>
+          <a:fontRef idx="minor">
+            <a:schemeClr val="lt1"/>
+          </a:fontRef>
+        </p:style>
+        <p:txBody>
+          <a:bodyPr rtlCol="0" anchor="ctr"/>
+          <a:lstStyle/>
+          <a:p>
+            <a:pPr algn="ctr"/>
+            <a:endParaRPr lang="en-US"/>
+          </a:p>
+        </p:txBody>
+      </p:sp>
+      <p:sp>
+        <p:nvSpPr>
+          <p:cNvPr id="11" name="Rectangle 10">
+            <a:extLst>
+              <a:ext uri="{FF2B5EF4-FFF2-40B4-BE49-F238E27FC236}">
+                <a16:creationId xmlns:a16="http://schemas.microsoft.com/office/drawing/2014/main" id="{F500DBFC-17A9-4E0A-AEE2-A49F9AEEF0FD}"/>
+              </a:ext>
+              <a:ext uri="{C183D7F6-B498-43B3-948B-1728B52AA6E4}">
+                <adec:decorative xmlns:adec="http://schemas.microsoft.com/office/drawing/2017/decorative" val="1"/>
+              </a:ext>
+            </a:extLst>
+          </p:cNvPr>
+          <p:cNvSpPr>
+            <a:spLocks noGrp="1" noRot="1" noChangeAspect="1" noMove="1" noResize="1" noEditPoints="1" noAdjustHandles="1" noChangeArrowheads="1" noChangeShapeType="1" noTextEdit="1"/>
+          </p:cNvSpPr>
+          <p:nvPr>
+            <p:extLst>
+              <p:ext uri="{386F3935-93C4-4BCD-93E2-E3B085C9AB24}">
+                <p16:designElem xmlns:p16="http://schemas.microsoft.com/office/powerpoint/2015/main" val="1"/>
+              </p:ext>
+            </p:extLst>
+          </p:nvPr>
+        </p:nvSpPr>
+        <p:spPr>
+          <a:xfrm>
+            <a:off x="305" y="0"/>
+            <a:ext cx="12191695" cy="6858000"/>
+          </a:xfrm>
+          <a:prstGeom prst="rect">
+            <a:avLst/>
+          </a:prstGeom>
+          <a:solidFill>
+            <a:schemeClr val="bg1"/>
+          </a:solidFill>
+          <a:ln>
+            <a:noFill/>
+          </a:ln>
+        </p:spPr>
+        <p:style>
+          <a:lnRef idx="2">
+            <a:schemeClr val="accent1">
+              <a:shade val="50000"/>
+            </a:schemeClr>
+          </a:lnRef>
+          <a:fillRef idx="1">
+            <a:schemeClr val="accent1"/>
+          </a:fillRef>
+          <a:effectRef idx="0">
+            <a:schemeClr val="accent1"/>
+          </a:effectRef>
+          <a:fontRef idx="minor">
+            <a:schemeClr val="lt1"/>
+          </a:fontRef>
+        </p:style>
+        <p:txBody>
+          <a:bodyPr rtlCol="0" anchor="ctr"/>
+          <a:lstStyle/>
+          <a:p>
+            <a:pPr algn="ctr"/>
+            <a:endParaRPr lang="en-US"/>
+          </a:p>
+        </p:txBody>
+      </p:sp>
+      <p:sp>
+        <p:nvSpPr>
+          <p:cNvPr id="2" name="Title 1">
+            <a:extLst>
+              <a:ext uri="{FF2B5EF4-FFF2-40B4-BE49-F238E27FC236}">
+                <a16:creationId xmlns:a16="http://schemas.microsoft.com/office/drawing/2014/main" id="{8E1B22BF-6CF2-8805-1D60-F23047B75EC9}"/>
+              </a:ext>
+            </a:extLst>
+          </p:cNvPr>
+          <p:cNvSpPr>
+            <a:spLocks noGrp="1"/>
+          </p:cNvSpPr>
+          <p:nvPr>
+            <p:ph type="title"/>
+          </p:nvPr>
+        </p:nvSpPr>
+        <p:spPr>
+          <a:xfrm>
+            <a:off x="804672" y="4267832"/>
+            <a:ext cx="4805996" cy="1297115"/>
+          </a:xfrm>
+        </p:spPr>
+        <p:txBody>
+          <a:bodyPr vert="horz" lIns="91440" tIns="45720" rIns="91440" bIns="45720" rtlCol="0" anchor="t">
+            <a:normAutofit/>
+          </a:bodyPr>
+          <a:lstStyle/>
+          <a:p>
+            <a:r>
+              <a:rPr lang="en-US" sz="4000" kern="1200">
+                <a:solidFill>
+                  <a:schemeClr val="tx2"/>
+                </a:solidFill>
+                <a:latin typeface="+mj-lt"/>
+                <a:ea typeface="+mj-ea"/>
+                <a:cs typeface="+mj-cs"/>
+              </a:rPr>
+              <a:t>Questions ?</a:t>
+            </a:r>
+          </a:p>
+        </p:txBody>
+      </p:sp>
+      <p:grpSp>
+        <p:nvGrpSpPr>
+          <p:cNvPr id="13" name="Group 12">
+            <a:extLst>
+              <a:ext uri="{FF2B5EF4-FFF2-40B4-BE49-F238E27FC236}">
+                <a16:creationId xmlns:a16="http://schemas.microsoft.com/office/drawing/2014/main" id="{D74613BB-817C-4C4F-8A24-4936F2F064C0}"/>
+              </a:ext>
+              <a:ext uri="{C183D7F6-B498-43B3-948B-1728B52AA6E4}">
+                <adec:decorative xmlns:adec="http://schemas.microsoft.com/office/drawing/2017/decorative" val="1"/>
+              </a:ext>
+            </a:extLst>
+          </p:cNvPr>
+          <p:cNvGrpSpPr>
+            <a:grpSpLocks noGrp="1" noUngrp="1" noRot="1" noChangeAspect="1" noMove="1" noResize="1"/>
+          </p:cNvGrpSpPr>
+          <p:nvPr>
+            <p:extLst>
+              <p:ext uri="{386F3935-93C4-4BCD-93E2-E3B085C9AB24}">
+                <p16:designElem xmlns:p16="http://schemas.microsoft.com/office/powerpoint/2015/main" val="1"/>
+              </p:ext>
+            </p:extLst>
+          </p:nvPr>
+        </p:nvGrpSpPr>
+        <p:grpSpPr>
+          <a:xfrm>
+            <a:off x="6101023" y="52996"/>
+            <a:ext cx="6093363" cy="6805005"/>
+            <a:chOff x="6101023" y="52996"/>
+            <a:chExt cx="6093363" cy="6805005"/>
+          </a:xfrm>
+        </p:grpSpPr>
+        <p:sp>
+          <p:nvSpPr>
+            <p:cNvPr id="14" name="Freeform: Shape 13">
+              <a:extLst>
+                <a:ext uri="{FF2B5EF4-FFF2-40B4-BE49-F238E27FC236}">
+                  <a16:creationId xmlns:a16="http://schemas.microsoft.com/office/drawing/2014/main" id="{926C820D-9A01-44F0-AE18-C2DAB089B8C3}"/>
+                </a:ext>
+                <a:ext uri="{C183D7F6-B498-43B3-948B-1728B52AA6E4}">
+                  <adec:decorative xmlns:adec="http://schemas.microsoft.com/office/drawing/2017/decorative" val="1"/>
+                </a:ext>
+              </a:extLst>
+            </p:cNvPr>
+            <p:cNvSpPr/>
+            <p:nvPr>
+              <p:extLst>
+                <p:ext uri="{386F3935-93C4-4BCD-93E2-E3B085C9AB24}">
+                  <p16:designElem xmlns:p16="http://schemas.microsoft.com/office/powerpoint/2015/main" val="1"/>
+                </p:ext>
+              </p:extLst>
+            </p:nvPr>
+          </p:nvSpPr>
+          <p:spPr>
+            <a:xfrm>
+              <a:off x="6101024" y="52997"/>
+              <a:ext cx="6093362" cy="6805004"/>
+            </a:xfrm>
+            <a:custGeom>
+              <a:avLst/>
+              <a:gdLst>
+                <a:gd name="connsiteX0" fmla="*/ 3517682 w 5890490"/>
+                <a:gd name="connsiteY0" fmla="*/ 0 h 6578439"/>
+                <a:gd name="connsiteX1" fmla="*/ 5849513 w 5890490"/>
+                <a:gd name="connsiteY1" fmla="*/ 841730 h 6578439"/>
+                <a:gd name="connsiteX2" fmla="*/ 5890490 w 5890490"/>
+                <a:gd name="connsiteY2" fmla="*/ 879060 h 6578439"/>
+                <a:gd name="connsiteX3" fmla="*/ 5890490 w 5890490"/>
+                <a:gd name="connsiteY3" fmla="*/ 1816052 h 6578439"/>
+                <a:gd name="connsiteX4" fmla="*/ 5856961 w 5890490"/>
+                <a:gd name="connsiteY4" fmla="*/ 1771023 h 6578439"/>
+                <a:gd name="connsiteX5" fmla="*/ 5655397 w 5890490"/>
+                <a:gd name="connsiteY5" fmla="*/ 1548813 h 6578439"/>
+                <a:gd name="connsiteX6" fmla="*/ 3517682 w 5890490"/>
+                <a:gd name="connsiteY6" fmla="*/ 658717 h 6578439"/>
+                <a:gd name="connsiteX7" fmla="*/ 2395696 w 5890490"/>
+                <a:gd name="connsiteY7" fmla="*/ 850721 h 6578439"/>
+                <a:gd name="connsiteX8" fmla="*/ 1519955 w 5890490"/>
+                <a:gd name="connsiteY8" fmla="*/ 1450441 h 6578439"/>
+                <a:gd name="connsiteX9" fmla="*/ 1223630 w 5890490"/>
+                <a:gd name="connsiteY9" fmla="*/ 1841430 h 6578439"/>
+                <a:gd name="connsiteX10" fmla="*/ 1075857 w 5890490"/>
+                <a:gd name="connsiteY10" fmla="*/ 2329343 h 6578439"/>
+                <a:gd name="connsiteX11" fmla="*/ 731010 w 5890490"/>
+                <a:gd name="connsiteY11" fmla="*/ 3483744 h 6578439"/>
+                <a:gd name="connsiteX12" fmla="*/ 741000 w 5890490"/>
+                <a:gd name="connsiteY12" fmla="*/ 4479719 h 6578439"/>
+                <a:gd name="connsiteX13" fmla="*/ 1315615 w 5890490"/>
+                <a:gd name="connsiteY13" fmla="*/ 5443827 h 6578439"/>
+                <a:gd name="connsiteX14" fmla="*/ 2277503 w 5890490"/>
+                <a:gd name="connsiteY14" fmla="*/ 6259386 h 6578439"/>
+                <a:gd name="connsiteX15" fmla="*/ 3439448 w 5890490"/>
+                <a:gd name="connsiteY15" fmla="*/ 6551739 h 6578439"/>
+                <a:gd name="connsiteX16" fmla="*/ 4408732 w 5890490"/>
+                <a:gd name="connsiteY16" fmla="*/ 6255172 h 6578439"/>
+                <a:gd name="connsiteX17" fmla="*/ 5343243 w 5890490"/>
+                <a:gd name="connsiteY17" fmla="*/ 5442509 h 6578439"/>
+                <a:gd name="connsiteX18" fmla="*/ 5745566 w 5890490"/>
+                <a:gd name="connsiteY18" fmla="*/ 5056656 h 6578439"/>
+                <a:gd name="connsiteX19" fmla="*/ 5890490 w 5890490"/>
+                <a:gd name="connsiteY19" fmla="*/ 4920880 h 6578439"/>
+                <a:gd name="connsiteX20" fmla="*/ 5890490 w 5890490"/>
+                <a:gd name="connsiteY20" fmla="*/ 5821966 h 6578439"/>
+                <a:gd name="connsiteX21" fmla="*/ 5802002 w 5890490"/>
+                <a:gd name="connsiteY21" fmla="*/ 5907904 h 6578439"/>
+                <a:gd name="connsiteX22" fmla="*/ 5294358 w 5890490"/>
+                <a:gd name="connsiteY22" fmla="*/ 6397505 h 6578439"/>
+                <a:gd name="connsiteX23" fmla="*/ 5077178 w 5890490"/>
+                <a:gd name="connsiteY23" fmla="*/ 6578439 h 6578439"/>
+                <a:gd name="connsiteX24" fmla="*/ 1567290 w 5890490"/>
+                <a:gd name="connsiteY24" fmla="*/ 6578439 h 6578439"/>
+                <a:gd name="connsiteX25" fmla="*/ 1508588 w 5890490"/>
+                <a:gd name="connsiteY25" fmla="*/ 6535186 h 6578439"/>
+                <a:gd name="connsiteX26" fmla="*/ 826498 w 5890490"/>
+                <a:gd name="connsiteY26" fmla="*/ 5876034 h 6578439"/>
+                <a:gd name="connsiteX27" fmla="*/ 122403 w 5890490"/>
+                <a:gd name="connsiteY27" fmla="*/ 3255655 h 6578439"/>
+                <a:gd name="connsiteX28" fmla="*/ 1061197 w 5890490"/>
+                <a:gd name="connsiteY28" fmla="*/ 984650 h 6578439"/>
+                <a:gd name="connsiteX29" fmla="*/ 3517682 w 5890490"/>
+                <a:gd name="connsiteY29" fmla="*/ 0 h 6578439"/>
+              </a:gdLst>
+              <a:ahLst/>
+              <a:cxnLst>
+                <a:cxn ang="0">
+                  <a:pos x="connsiteX0" y="connsiteY0"/>
+                </a:cxn>
+                <a:cxn ang="0">
+                  <a:pos x="connsiteX1" y="connsiteY1"/>
+                </a:cxn>
+                <a:cxn ang="0">
+                  <a:pos x="connsiteX2" y="connsiteY2"/>
+                </a:cxn>
+                <a:cxn ang="0">
+                  <a:pos x="connsiteX3" y="connsiteY3"/>
+                </a:cxn>
+                <a:cxn ang="0">
+                  <a:pos x="connsiteX4" y="connsiteY4"/>
+                </a:cxn>
+                <a:cxn ang="0">
+                  <a:pos x="connsiteX5" y="connsiteY5"/>
+                </a:cxn>
+                <a:cxn ang="0">
+                  <a:pos x="connsiteX6" y="connsiteY6"/>
+                </a:cxn>
+                <a:cxn ang="0">
+                  <a:pos x="connsiteX7" y="connsiteY7"/>
+                </a:cxn>
+                <a:cxn ang="0">
+                  <a:pos x="connsiteX8" y="connsiteY8"/>
+                </a:cxn>
+                <a:cxn ang="0">
+                  <a:pos x="connsiteX9" y="connsiteY9"/>
+                </a:cxn>
+                <a:cxn ang="0">
+                  <a:pos x="connsiteX10" y="connsiteY10"/>
+                </a:cxn>
+                <a:cxn ang="0">
+                  <a:pos x="connsiteX11" y="connsiteY11"/>
+                </a:cxn>
+                <a:cxn ang="0">
+                  <a:pos x="connsiteX12" y="connsiteY12"/>
+                </a:cxn>
+                <a:cxn ang="0">
+                  <a:pos x="connsiteX13" y="connsiteY13"/>
+                </a:cxn>
+                <a:cxn ang="0">
+                  <a:pos x="connsiteX14" y="connsiteY14"/>
+                </a:cxn>
+                <a:cxn ang="0">
+                  <a:pos x="connsiteX15" y="connsiteY15"/>
+                </a:cxn>
+                <a:cxn ang="0">
+                  <a:pos x="connsiteX16" y="connsiteY16"/>
+                </a:cxn>
+                <a:cxn ang="0">
+                  <a:pos x="connsiteX17" y="connsiteY17"/>
+                </a:cxn>
+                <a:cxn ang="0">
+                  <a:pos x="connsiteX18" y="connsiteY18"/>
+                </a:cxn>
+                <a:cxn ang="0">
+                  <a:pos x="connsiteX19" y="connsiteY19"/>
+                </a:cxn>
+                <a:cxn ang="0">
+                  <a:pos x="connsiteX20" y="connsiteY20"/>
+                </a:cxn>
+                <a:cxn ang="0">
+                  <a:pos x="connsiteX21" y="connsiteY21"/>
+                </a:cxn>
+                <a:cxn ang="0">
+                  <a:pos x="connsiteX22" y="connsiteY22"/>
+                </a:cxn>
+                <a:cxn ang="0">
+                  <a:pos x="connsiteX23" y="connsiteY23"/>
+                </a:cxn>
+                <a:cxn ang="0">
+                  <a:pos x="connsiteX24" y="connsiteY24"/>
+                </a:cxn>
+                <a:cxn ang="0">
+                  <a:pos x="connsiteX25" y="connsiteY25"/>
+                </a:cxn>
+                <a:cxn ang="0">
+                  <a:pos x="connsiteX26" y="connsiteY26"/>
+                </a:cxn>
+                <a:cxn ang="0">
+                  <a:pos x="connsiteX27" y="connsiteY27"/>
+                </a:cxn>
+                <a:cxn ang="0">
+                  <a:pos x="connsiteX28" y="connsiteY28"/>
+                </a:cxn>
+                <a:cxn ang="0">
+                  <a:pos x="connsiteX29" y="connsiteY29"/>
+                </a:cxn>
+              </a:cxnLst>
+              <a:rect l="l" t="t" r="r" b="b"/>
+              <a:pathLst>
+                <a:path w="5890490" h="6578439">
+                  <a:moveTo>
+                    <a:pt x="3517682" y="0"/>
+                  </a:moveTo>
+                  <a:cubicBezTo>
+                    <a:pt x="4402016" y="0"/>
+                    <a:pt x="5213741" y="315483"/>
+                    <a:pt x="5849513" y="841730"/>
+                  </a:cubicBezTo>
+                  <a:lnTo>
+                    <a:pt x="5890490" y="879060"/>
+                  </a:lnTo>
+                  <a:lnTo>
+                    <a:pt x="5890490" y="1816052"/>
+                  </a:lnTo>
+                  <a:lnTo>
+                    <a:pt x="5856961" y="1771023"/>
+                  </a:lnTo>
+                  <a:cubicBezTo>
+                    <a:pt x="5793650" y="1694076"/>
+                    <a:pt x="5726429" y="1619959"/>
+                    <a:pt x="5655397" y="1548813"/>
+                  </a:cubicBezTo>
+                  <a:cubicBezTo>
+                    <a:pt x="5082208" y="974906"/>
+                    <a:pt x="4322973" y="658717"/>
+                    <a:pt x="3517682" y="658717"/>
+                  </a:cubicBezTo>
+                  <a:cubicBezTo>
+                    <a:pt x="3085520" y="658717"/>
+                    <a:pt x="2718488" y="721533"/>
+                    <a:pt x="2395696" y="850721"/>
+                  </a:cubicBezTo>
+                  <a:cubicBezTo>
+                    <a:pt x="2079132" y="977407"/>
+                    <a:pt x="1792668" y="1173626"/>
+                    <a:pt x="1519955" y="1450441"/>
+                  </a:cubicBezTo>
+                  <a:cubicBezTo>
+                    <a:pt x="1330275" y="1642840"/>
+                    <a:pt x="1263719" y="1756094"/>
+                    <a:pt x="1223630" y="1841430"/>
+                  </a:cubicBezTo>
+                  <a:cubicBezTo>
+                    <a:pt x="1166545" y="1962981"/>
+                    <a:pt x="1128532" y="2116663"/>
+                    <a:pt x="1075857" y="2329343"/>
+                  </a:cubicBezTo>
+                  <a:cubicBezTo>
+                    <a:pt x="1008652" y="2601153"/>
+                    <a:pt x="916537" y="2973574"/>
+                    <a:pt x="731010" y="3483744"/>
+                  </a:cubicBezTo>
+                  <a:cubicBezTo>
+                    <a:pt x="617488" y="3795981"/>
+                    <a:pt x="620731" y="4121653"/>
+                    <a:pt x="741000" y="4479719"/>
+                  </a:cubicBezTo>
+                  <a:cubicBezTo>
+                    <a:pt x="847257" y="4796172"/>
+                    <a:pt x="1045888" y="5129481"/>
+                    <a:pt x="1315615" y="5443827"/>
+                  </a:cubicBezTo>
+                  <a:cubicBezTo>
+                    <a:pt x="1630753" y="5810980"/>
+                    <a:pt x="1945371" y="6077784"/>
+                    <a:pt x="2277503" y="6259386"/>
+                  </a:cubicBezTo>
+                  <a:cubicBezTo>
+                    <a:pt x="2637530" y="6456133"/>
+                    <a:pt x="3017536" y="6551739"/>
+                    <a:pt x="3439448" y="6551739"/>
+                  </a:cubicBezTo>
+                  <a:cubicBezTo>
+                    <a:pt x="3781571" y="6551739"/>
+                    <a:pt x="4089573" y="6457449"/>
+                    <a:pt x="4408732" y="6255172"/>
+                  </a:cubicBezTo>
+                  <a:cubicBezTo>
+                    <a:pt x="4738010" y="6046310"/>
+                    <a:pt x="5050941" y="5739207"/>
+                    <a:pt x="5343243" y="5442509"/>
+                  </a:cubicBezTo>
+                  <a:cubicBezTo>
+                    <a:pt x="5479860" y="5303970"/>
+                    <a:pt x="5614918" y="5178206"/>
+                    <a:pt x="5745566" y="5056656"/>
+                  </a:cubicBezTo>
+                  <a:lnTo>
+                    <a:pt x="5890490" y="4920880"/>
+                  </a:lnTo>
+                  <a:lnTo>
+                    <a:pt x="5890490" y="5821966"/>
+                  </a:lnTo>
+                  <a:lnTo>
+                    <a:pt x="5802002" y="5907904"/>
+                  </a:lnTo>
+                  <a:cubicBezTo>
+                    <a:pt x="5634962" y="6077456"/>
+                    <a:pt x="5467509" y="6243625"/>
+                    <a:pt x="5294358" y="6397505"/>
+                  </a:cubicBezTo>
+                  <a:lnTo>
+                    <a:pt x="5077178" y="6578439"/>
+                  </a:lnTo>
+                  <a:lnTo>
+                    <a:pt x="1567290" y="6578439"/>
+                  </a:lnTo>
+                  <a:lnTo>
+                    <a:pt x="1508588" y="6535186"/>
+                  </a:lnTo>
+                  <a:cubicBezTo>
+                    <a:pt x="1263991" y="6345442"/>
+                    <a:pt x="1038054" y="6122666"/>
+                    <a:pt x="826498" y="5876034"/>
+                  </a:cubicBezTo>
+                  <a:cubicBezTo>
+                    <a:pt x="261613" y="5217713"/>
+                    <a:pt x="-239182" y="4250314"/>
+                    <a:pt x="122403" y="3255655"/>
+                  </a:cubicBezTo>
+                  <a:cubicBezTo>
+                    <a:pt x="607497" y="1921629"/>
+                    <a:pt x="393040" y="1662857"/>
+                    <a:pt x="1061197" y="984650"/>
+                  </a:cubicBezTo>
+                  <a:cubicBezTo>
+                    <a:pt x="1729484" y="306444"/>
+                    <a:pt x="2498060" y="0"/>
+                    <a:pt x="3517682" y="0"/>
+                  </a:cubicBezTo>
+                  <a:close/>
+                </a:path>
+              </a:pathLst>
+            </a:custGeom>
+            <a:gradFill flip="none" rotWithShape="1">
+              <a:gsLst>
+                <a:gs pos="2000">
+                  <a:schemeClr val="bg1">
+                    <a:alpha val="10000"/>
+                  </a:schemeClr>
+                </a:gs>
+                <a:gs pos="16000">
+                  <a:schemeClr val="accent6">
+                    <a:alpha val="5000"/>
+                  </a:schemeClr>
+                </a:gs>
+                <a:gs pos="100000">
+                  <a:schemeClr val="bg1">
+                    <a:alpha val="10000"/>
+                  </a:schemeClr>
+                </a:gs>
+                <a:gs pos="85000">
+                  <a:schemeClr val="accent1">
+                    <a:alpha val="5000"/>
+                  </a:schemeClr>
+                </a:gs>
+              </a:gsLst>
+              <a:lin ang="12000000" scaled="0"/>
+              <a:tileRect/>
+            </a:gradFill>
+            <a:ln>
+              <a:noFill/>
+            </a:ln>
+          </p:spPr>
+          <p:style>
+            <a:lnRef idx="2">
+              <a:schemeClr val="accent1">
+                <a:shade val="50000"/>
+              </a:schemeClr>
+            </a:lnRef>
+            <a:fillRef idx="1">
+              <a:schemeClr val="accent1"/>
+            </a:fillRef>
+            <a:effectRef idx="0">
+              <a:schemeClr val="accent1"/>
+            </a:effectRef>
+            <a:fontRef idx="minor">
+              <a:schemeClr val="lt1"/>
+            </a:fontRef>
+          </p:style>
+          <p:txBody>
+            <a:bodyPr rtlCol="0" anchor="ctr"/>
+            <a:lstStyle/>
+            <a:p>
+              <a:pPr algn="ctr"/>
+              <a:endParaRPr lang="en-US"/>
+            </a:p>
+          </p:txBody>
+        </p:sp>
+        <p:sp>
+          <p:nvSpPr>
+            <p:cNvPr id="15" name="Freeform: Shape 14">
+              <a:extLst>
+                <a:ext uri="{FF2B5EF4-FFF2-40B4-BE49-F238E27FC236}">
+                  <a16:creationId xmlns:a16="http://schemas.microsoft.com/office/drawing/2014/main" id="{458B604F-996E-4349-B131-E04ED285D8DA}"/>
+                </a:ext>
+                <a:ext uri="{C183D7F6-B498-43B3-948B-1728B52AA6E4}">
+                  <adec:decorative xmlns:adec="http://schemas.microsoft.com/office/drawing/2017/decorative" val="1"/>
+                </a:ext>
+              </a:extLst>
+            </p:cNvPr>
+            <p:cNvSpPr/>
+            <p:nvPr>
+              <p:extLst>
+                <p:ext uri="{386F3935-93C4-4BCD-93E2-E3B085C9AB24}">
+                  <p16:designElem xmlns:p16="http://schemas.microsoft.com/office/powerpoint/2015/main" val="1"/>
+                </p:ext>
+              </p:extLst>
+            </p:nvPr>
+          </p:nvSpPr>
+          <p:spPr>
+            <a:xfrm>
+              <a:off x="6101025" y="52996"/>
+              <a:ext cx="6093361" cy="6805003"/>
+            </a:xfrm>
+            <a:custGeom>
+              <a:avLst/>
+              <a:gdLst>
+                <a:gd name="connsiteX0" fmla="*/ 3391253 w 5890489"/>
+                <a:gd name="connsiteY0" fmla="*/ 0 h 6578438"/>
+                <a:gd name="connsiteX1" fmla="*/ 3434974 w 5890489"/>
+                <a:gd name="connsiteY1" fmla="*/ 646 h 6578438"/>
+                <a:gd name="connsiteX2" fmla="*/ 3522419 w 5890489"/>
+                <a:gd name="connsiteY2" fmla="*/ 2712 h 6578438"/>
+                <a:gd name="connsiteX3" fmla="*/ 3610261 w 5890489"/>
+                <a:gd name="connsiteY3" fmla="*/ 6458 h 6578438"/>
+                <a:gd name="connsiteX4" fmla="*/ 3786872 w 5890489"/>
+                <a:gd name="connsiteY4" fmla="*/ 20667 h 6578438"/>
+                <a:gd name="connsiteX5" fmla="*/ 3962291 w 5890489"/>
+                <a:gd name="connsiteY5" fmla="*/ 43530 h 6578438"/>
+                <a:gd name="connsiteX6" fmla="*/ 4135855 w 5890489"/>
+                <a:gd name="connsiteY6" fmla="*/ 75176 h 6578438"/>
+                <a:gd name="connsiteX7" fmla="*/ 4307299 w 5890489"/>
+                <a:gd name="connsiteY7" fmla="*/ 114315 h 6578438"/>
+                <a:gd name="connsiteX8" fmla="*/ 4476358 w 5890489"/>
+                <a:gd name="connsiteY8" fmla="*/ 160816 h 6578438"/>
+                <a:gd name="connsiteX9" fmla="*/ 4559829 w 5890489"/>
+                <a:gd name="connsiteY9" fmla="*/ 186779 h 6578438"/>
+                <a:gd name="connsiteX10" fmla="*/ 4642901 w 5890489"/>
+                <a:gd name="connsiteY10" fmla="*/ 213648 h 6578438"/>
+                <a:gd name="connsiteX11" fmla="*/ 5280847 w 5890489"/>
+                <a:gd name="connsiteY11" fmla="*/ 485936 h 6578438"/>
+                <a:gd name="connsiteX12" fmla="*/ 5865400 w 5890489"/>
+                <a:gd name="connsiteY12" fmla="*/ 851099 h 6578438"/>
+                <a:gd name="connsiteX13" fmla="*/ 5890489 w 5890489"/>
+                <a:gd name="connsiteY13" fmla="*/ 870950 h 6578438"/>
+                <a:gd name="connsiteX14" fmla="*/ 5890489 w 5890489"/>
+                <a:gd name="connsiteY14" fmla="*/ 1321814 h 6578438"/>
+                <a:gd name="connsiteX15" fmla="*/ 5887395 w 5890489"/>
+                <a:gd name="connsiteY15" fmla="*/ 1318952 h 6578438"/>
+                <a:gd name="connsiteX16" fmla="*/ 5830291 w 5890489"/>
+                <a:gd name="connsiteY16" fmla="*/ 1265992 h 6578438"/>
+                <a:gd name="connsiteX17" fmla="*/ 5815981 w 5890489"/>
+                <a:gd name="connsiteY17" fmla="*/ 1252687 h 6578438"/>
+                <a:gd name="connsiteX18" fmla="*/ 5801142 w 5890489"/>
+                <a:gd name="connsiteY18" fmla="*/ 1240158 h 6578438"/>
+                <a:gd name="connsiteX19" fmla="*/ 5771464 w 5890489"/>
+                <a:gd name="connsiteY19" fmla="*/ 1214969 h 6578438"/>
+                <a:gd name="connsiteX20" fmla="*/ 5651030 w 5890489"/>
+                <a:gd name="connsiteY20" fmla="*/ 1115767 h 6578438"/>
+                <a:gd name="connsiteX21" fmla="*/ 5123183 w 5890489"/>
+                <a:gd name="connsiteY21" fmla="*/ 780443 h 6578438"/>
+                <a:gd name="connsiteX22" fmla="*/ 4533860 w 5890489"/>
+                <a:gd name="connsiteY22" fmla="*/ 567701 h 6578438"/>
+                <a:gd name="connsiteX23" fmla="*/ 4457281 w 5890489"/>
+                <a:gd name="connsiteY23" fmla="*/ 550780 h 6578438"/>
+                <a:gd name="connsiteX24" fmla="*/ 4380568 w 5890489"/>
+                <a:gd name="connsiteY24" fmla="*/ 535279 h 6578438"/>
+                <a:gd name="connsiteX25" fmla="*/ 4303325 w 5890489"/>
+                <a:gd name="connsiteY25" fmla="*/ 522879 h 6578438"/>
+                <a:gd name="connsiteX26" fmla="*/ 4264769 w 5890489"/>
+                <a:gd name="connsiteY26" fmla="*/ 516679 h 6578438"/>
+                <a:gd name="connsiteX27" fmla="*/ 4226082 w 5890489"/>
+                <a:gd name="connsiteY27" fmla="*/ 511253 h 6578438"/>
+                <a:gd name="connsiteX28" fmla="*/ 4070934 w 5890489"/>
+                <a:gd name="connsiteY28" fmla="*/ 494848 h 6578438"/>
+                <a:gd name="connsiteX29" fmla="*/ 3915521 w 5890489"/>
+                <a:gd name="connsiteY29" fmla="*/ 486065 h 6578438"/>
+                <a:gd name="connsiteX30" fmla="*/ 3760241 w 5890489"/>
+                <a:gd name="connsiteY30" fmla="*/ 484257 h 6578438"/>
+                <a:gd name="connsiteX31" fmla="*/ 3682734 w 5890489"/>
+                <a:gd name="connsiteY31" fmla="*/ 486581 h 6578438"/>
+                <a:gd name="connsiteX32" fmla="*/ 3605491 w 5890489"/>
+                <a:gd name="connsiteY32" fmla="*/ 488907 h 6578438"/>
+                <a:gd name="connsiteX33" fmla="*/ 3527454 w 5890489"/>
+                <a:gd name="connsiteY33" fmla="*/ 493169 h 6578438"/>
+                <a:gd name="connsiteX34" fmla="*/ 3449151 w 5890489"/>
+                <a:gd name="connsiteY34" fmla="*/ 498336 h 6578438"/>
+                <a:gd name="connsiteX35" fmla="*/ 3410067 w 5890489"/>
+                <a:gd name="connsiteY35" fmla="*/ 500532 h 6578438"/>
+                <a:gd name="connsiteX36" fmla="*/ 3371246 w 5890489"/>
+                <a:gd name="connsiteY36" fmla="*/ 504279 h 6578438"/>
+                <a:gd name="connsiteX37" fmla="*/ 3293739 w 5890489"/>
+                <a:gd name="connsiteY37" fmla="*/ 511512 h 6578438"/>
+                <a:gd name="connsiteX38" fmla="*/ 2689445 w 5890489"/>
+                <a:gd name="connsiteY38" fmla="*/ 610198 h 6578438"/>
+                <a:gd name="connsiteX39" fmla="*/ 2117875 w 5890489"/>
+                <a:gd name="connsiteY39" fmla="*/ 800335 h 6578438"/>
+                <a:gd name="connsiteX40" fmla="*/ 1981276 w 5890489"/>
+                <a:gd name="connsiteY40" fmla="*/ 865566 h 6578438"/>
+                <a:gd name="connsiteX41" fmla="*/ 1847991 w 5890489"/>
+                <a:gd name="connsiteY41" fmla="*/ 938676 h 6578438"/>
+                <a:gd name="connsiteX42" fmla="*/ 1783069 w 5890489"/>
+                <a:gd name="connsiteY42" fmla="*/ 978718 h 6578438"/>
+                <a:gd name="connsiteX43" fmla="*/ 1750609 w 5890489"/>
+                <a:gd name="connsiteY43" fmla="*/ 998869 h 6578438"/>
+                <a:gd name="connsiteX44" fmla="*/ 1734312 w 5890489"/>
+                <a:gd name="connsiteY44" fmla="*/ 1008945 h 6578438"/>
+                <a:gd name="connsiteX45" fmla="*/ 1718547 w 5890489"/>
+                <a:gd name="connsiteY45" fmla="*/ 1019924 h 6578438"/>
+                <a:gd name="connsiteX46" fmla="*/ 1655481 w 5890489"/>
+                <a:gd name="connsiteY46" fmla="*/ 1063582 h 6578438"/>
+                <a:gd name="connsiteX47" fmla="*/ 1593077 w 5890489"/>
+                <a:gd name="connsiteY47" fmla="*/ 1108664 h 6578438"/>
+                <a:gd name="connsiteX48" fmla="*/ 1532263 w 5890489"/>
+                <a:gd name="connsiteY48" fmla="*/ 1156197 h 6578438"/>
+                <a:gd name="connsiteX49" fmla="*/ 1472509 w 5890489"/>
+                <a:gd name="connsiteY49" fmla="*/ 1205152 h 6578438"/>
+                <a:gd name="connsiteX50" fmla="*/ 1414212 w 5890489"/>
+                <a:gd name="connsiteY50" fmla="*/ 1256175 h 6578438"/>
+                <a:gd name="connsiteX51" fmla="*/ 1357242 w 5890489"/>
+                <a:gd name="connsiteY51" fmla="*/ 1308359 h 6578438"/>
+                <a:gd name="connsiteX52" fmla="*/ 1153072 w 5890489"/>
+                <a:gd name="connsiteY52" fmla="*/ 1529498 h 6578438"/>
+                <a:gd name="connsiteX53" fmla="*/ 1002694 w 5890489"/>
+                <a:gd name="connsiteY53" fmla="*/ 1770658 h 6578438"/>
+                <a:gd name="connsiteX54" fmla="*/ 974076 w 5890489"/>
+                <a:gd name="connsiteY54" fmla="*/ 1835371 h 6578438"/>
+                <a:gd name="connsiteX55" fmla="*/ 949564 w 5890489"/>
+                <a:gd name="connsiteY55" fmla="*/ 1903573 h 6578438"/>
+                <a:gd name="connsiteX56" fmla="*/ 927173 w 5890489"/>
+                <a:gd name="connsiteY56" fmla="*/ 1974229 h 6578438"/>
+                <a:gd name="connsiteX57" fmla="*/ 906107 w 5890489"/>
+                <a:gd name="connsiteY57" fmla="*/ 2046952 h 6578438"/>
+                <a:gd name="connsiteX58" fmla="*/ 751092 w 5890489"/>
+                <a:gd name="connsiteY58" fmla="*/ 2676266 h 6578438"/>
+                <a:gd name="connsiteX59" fmla="*/ 547189 w 5890489"/>
+                <a:gd name="connsiteY59" fmla="*/ 3308422 h 6578438"/>
+                <a:gd name="connsiteX60" fmla="*/ 441195 w 5890489"/>
+                <a:gd name="connsiteY60" fmla="*/ 3866306 h 6578438"/>
+                <a:gd name="connsiteX61" fmla="*/ 527182 w 5890489"/>
+                <a:gd name="connsiteY61" fmla="*/ 4439174 h 6578438"/>
+                <a:gd name="connsiteX62" fmla="*/ 775073 w 5890489"/>
+                <a:gd name="connsiteY62" fmla="*/ 4987240 h 6578438"/>
+                <a:gd name="connsiteX63" fmla="*/ 943206 w 5890489"/>
+                <a:gd name="connsiteY63" fmla="*/ 5244933 h 6578438"/>
+                <a:gd name="connsiteX64" fmla="*/ 1133728 w 5890489"/>
+                <a:gd name="connsiteY64" fmla="*/ 5490356 h 6578438"/>
+                <a:gd name="connsiteX65" fmla="*/ 1359626 w 5890489"/>
+                <a:gd name="connsiteY65" fmla="*/ 5709815 h 6578438"/>
+                <a:gd name="connsiteX66" fmla="*/ 1481254 w 5890489"/>
+                <a:gd name="connsiteY66" fmla="*/ 5809146 h 6578438"/>
+                <a:gd name="connsiteX67" fmla="*/ 1543260 w 5890489"/>
+                <a:gd name="connsiteY67" fmla="*/ 5856940 h 6578438"/>
+                <a:gd name="connsiteX68" fmla="*/ 1607518 w 5890489"/>
+                <a:gd name="connsiteY68" fmla="*/ 5901374 h 6578438"/>
+                <a:gd name="connsiteX69" fmla="*/ 2145566 w 5890489"/>
+                <a:gd name="connsiteY69" fmla="*/ 6193814 h 6578438"/>
+                <a:gd name="connsiteX70" fmla="*/ 2214991 w 5890489"/>
+                <a:gd name="connsiteY70" fmla="*/ 6221844 h 6578438"/>
+                <a:gd name="connsiteX71" fmla="*/ 2249307 w 5890489"/>
+                <a:gd name="connsiteY71" fmla="*/ 6236182 h 6578438"/>
+                <a:gd name="connsiteX72" fmla="*/ 2284285 w 5890489"/>
+                <a:gd name="connsiteY72" fmla="*/ 6248711 h 6578438"/>
+                <a:gd name="connsiteX73" fmla="*/ 2354241 w 5890489"/>
+                <a:gd name="connsiteY73" fmla="*/ 6273124 h 6578438"/>
+                <a:gd name="connsiteX74" fmla="*/ 2371597 w 5890489"/>
+                <a:gd name="connsiteY74" fmla="*/ 6279324 h 6578438"/>
+                <a:gd name="connsiteX75" fmla="*/ 2387894 w 5890489"/>
+                <a:gd name="connsiteY75" fmla="*/ 6287719 h 6578438"/>
+                <a:gd name="connsiteX76" fmla="*/ 2421414 w 5890489"/>
+                <a:gd name="connsiteY76" fmla="*/ 6302186 h 6578438"/>
+                <a:gd name="connsiteX77" fmla="*/ 2489117 w 5890489"/>
+                <a:gd name="connsiteY77" fmla="*/ 6329441 h 6578438"/>
+                <a:gd name="connsiteX78" fmla="*/ 2522902 w 5890489"/>
+                <a:gd name="connsiteY78" fmla="*/ 6343134 h 6578438"/>
+                <a:gd name="connsiteX79" fmla="*/ 2556953 w 5890489"/>
+                <a:gd name="connsiteY79" fmla="*/ 6356051 h 6578438"/>
+                <a:gd name="connsiteX80" fmla="*/ 2695009 w 5890489"/>
+                <a:gd name="connsiteY80" fmla="*/ 6401905 h 6578438"/>
+                <a:gd name="connsiteX81" fmla="*/ 3268035 w 5890489"/>
+                <a:gd name="connsiteY81" fmla="*/ 6501238 h 6578438"/>
+                <a:gd name="connsiteX82" fmla="*/ 3341038 w 5890489"/>
+                <a:gd name="connsiteY82" fmla="*/ 6506145 h 6578438"/>
+                <a:gd name="connsiteX83" fmla="*/ 3414703 w 5890489"/>
+                <a:gd name="connsiteY83" fmla="*/ 6507050 h 6578438"/>
+                <a:gd name="connsiteX84" fmla="*/ 3488237 w 5890489"/>
+                <a:gd name="connsiteY84" fmla="*/ 6508212 h 6578438"/>
+                <a:gd name="connsiteX85" fmla="*/ 3524142 w 5890489"/>
+                <a:gd name="connsiteY85" fmla="*/ 6507955 h 6578438"/>
+                <a:gd name="connsiteX86" fmla="*/ 3559252 w 5890489"/>
+                <a:gd name="connsiteY86" fmla="*/ 6506921 h 6578438"/>
+                <a:gd name="connsiteX87" fmla="*/ 3629207 w 5890489"/>
+                <a:gd name="connsiteY87" fmla="*/ 6503045 h 6578438"/>
+                <a:gd name="connsiteX88" fmla="*/ 3698633 w 5890489"/>
+                <a:gd name="connsiteY88" fmla="*/ 6496845 h 6578438"/>
+                <a:gd name="connsiteX89" fmla="*/ 3733213 w 5890489"/>
+                <a:gd name="connsiteY89" fmla="*/ 6493357 h 6578438"/>
+                <a:gd name="connsiteX90" fmla="*/ 3767529 w 5890489"/>
+                <a:gd name="connsiteY90" fmla="*/ 6488707 h 6578438"/>
+                <a:gd name="connsiteX91" fmla="*/ 3801845 w 5890489"/>
+                <a:gd name="connsiteY91" fmla="*/ 6484057 h 6578438"/>
+                <a:gd name="connsiteX92" fmla="*/ 3835895 w 5890489"/>
+                <a:gd name="connsiteY92" fmla="*/ 6478116 h 6578438"/>
+                <a:gd name="connsiteX93" fmla="*/ 4364801 w 5890489"/>
+                <a:gd name="connsiteY93" fmla="*/ 6308517 h 6578438"/>
+                <a:gd name="connsiteX94" fmla="*/ 4861379 w 5890489"/>
+                <a:gd name="connsiteY94" fmla="*/ 6000576 h 6578438"/>
+                <a:gd name="connsiteX95" fmla="*/ 5341263 w 5890489"/>
+                <a:gd name="connsiteY95" fmla="*/ 5605834 h 6578438"/>
+                <a:gd name="connsiteX96" fmla="*/ 5587301 w 5890489"/>
+                <a:gd name="connsiteY96" fmla="*/ 5390379 h 6578438"/>
+                <a:gd name="connsiteX97" fmla="*/ 5849105 w 5890489"/>
+                <a:gd name="connsiteY97" fmla="*/ 5176344 h 6578438"/>
+                <a:gd name="connsiteX98" fmla="*/ 5890489 w 5890489"/>
+                <a:gd name="connsiteY98" fmla="*/ 5145260 h 6578438"/>
+                <a:gd name="connsiteX99" fmla="*/ 5890489 w 5890489"/>
+                <a:gd name="connsiteY99" fmla="*/ 5995323 h 6578438"/>
+                <a:gd name="connsiteX100" fmla="*/ 5811477 w 5890489"/>
+                <a:gd name="connsiteY100" fmla="*/ 6077819 h 6578438"/>
+                <a:gd name="connsiteX101" fmla="*/ 5301384 w 5890489"/>
+                <a:gd name="connsiteY101" fmla="*/ 6542958 h 6578438"/>
+                <a:gd name="connsiteX102" fmla="*/ 5252008 w 5890489"/>
+                <a:gd name="connsiteY102" fmla="*/ 6578438 h 6578438"/>
+                <a:gd name="connsiteX103" fmla="*/ 1653730 w 5890489"/>
+                <a:gd name="connsiteY103" fmla="*/ 6578438 h 6578438"/>
+                <a:gd name="connsiteX104" fmla="*/ 1549768 w 5890489"/>
+                <a:gd name="connsiteY104" fmla="*/ 6488821 h 6578438"/>
+                <a:gd name="connsiteX105" fmla="*/ 1298282 w 5890489"/>
+                <a:gd name="connsiteY105" fmla="*/ 6243932 h 6578438"/>
+                <a:gd name="connsiteX106" fmla="*/ 1237999 w 5890489"/>
+                <a:gd name="connsiteY106" fmla="*/ 6181671 h 6578438"/>
+                <a:gd name="connsiteX107" fmla="*/ 1179967 w 5890489"/>
+                <a:gd name="connsiteY107" fmla="*/ 6117862 h 6578438"/>
+                <a:gd name="connsiteX108" fmla="*/ 1121936 w 5890489"/>
+                <a:gd name="connsiteY108" fmla="*/ 6054569 h 6578438"/>
+                <a:gd name="connsiteX109" fmla="*/ 1065628 w 5890489"/>
+                <a:gd name="connsiteY109" fmla="*/ 5990243 h 6578438"/>
+                <a:gd name="connsiteX110" fmla="*/ 954335 w 5890489"/>
+                <a:gd name="connsiteY110" fmla="*/ 5861460 h 6578438"/>
+                <a:gd name="connsiteX111" fmla="*/ 898953 w 5890489"/>
+                <a:gd name="connsiteY111" fmla="*/ 5797393 h 6578438"/>
+                <a:gd name="connsiteX112" fmla="*/ 842908 w 5890489"/>
+                <a:gd name="connsiteY112" fmla="*/ 5733582 h 6578438"/>
+                <a:gd name="connsiteX113" fmla="*/ 622442 w 5890489"/>
+                <a:gd name="connsiteY113" fmla="*/ 5471884 h 6578438"/>
+                <a:gd name="connsiteX114" fmla="*/ 425559 w 5890489"/>
+                <a:gd name="connsiteY114" fmla="*/ 5190036 h 6578438"/>
+                <a:gd name="connsiteX115" fmla="*/ 123877 w 5890489"/>
+                <a:gd name="connsiteY115" fmla="*/ 4564210 h 6578438"/>
+                <a:gd name="connsiteX116" fmla="*/ 130 w 5890489"/>
+                <a:gd name="connsiteY116" fmla="*/ 3865530 h 6578438"/>
+                <a:gd name="connsiteX117" fmla="*/ 30602 w 5890489"/>
+                <a:gd name="connsiteY117" fmla="*/ 3505793 h 6578438"/>
+                <a:gd name="connsiteX118" fmla="*/ 126924 w 5890489"/>
+                <a:gd name="connsiteY118" fmla="*/ 3157164 h 6578438"/>
+                <a:gd name="connsiteX119" fmla="*/ 334803 w 5890489"/>
+                <a:gd name="connsiteY119" fmla="*/ 2560530 h 6578438"/>
+                <a:gd name="connsiteX120" fmla="*/ 381176 w 5890489"/>
+                <a:gd name="connsiteY120" fmla="*/ 2409144 h 6578438"/>
+                <a:gd name="connsiteX121" fmla="*/ 425825 w 5890489"/>
+                <a:gd name="connsiteY121" fmla="*/ 2255819 h 6578438"/>
+                <a:gd name="connsiteX122" fmla="*/ 470210 w 5890489"/>
+                <a:gd name="connsiteY122" fmla="*/ 2099523 h 6578438"/>
+                <a:gd name="connsiteX123" fmla="*/ 492998 w 5890489"/>
+                <a:gd name="connsiteY123" fmla="*/ 2020213 h 6578438"/>
+                <a:gd name="connsiteX124" fmla="*/ 517509 w 5890489"/>
+                <a:gd name="connsiteY124" fmla="*/ 1939224 h 6578438"/>
+                <a:gd name="connsiteX125" fmla="*/ 544007 w 5890489"/>
+                <a:gd name="connsiteY125" fmla="*/ 1857201 h 6578438"/>
+                <a:gd name="connsiteX126" fmla="*/ 573288 w 5890489"/>
+                <a:gd name="connsiteY126" fmla="*/ 1774274 h 6578438"/>
+                <a:gd name="connsiteX127" fmla="*/ 606146 w 5890489"/>
+                <a:gd name="connsiteY127" fmla="*/ 1690832 h 6578438"/>
+                <a:gd name="connsiteX128" fmla="*/ 644569 w 5890489"/>
+                <a:gd name="connsiteY128" fmla="*/ 1607775 h 6578438"/>
+                <a:gd name="connsiteX129" fmla="*/ 837874 w 5890489"/>
+                <a:gd name="connsiteY129" fmla="*/ 1297638 h 6578438"/>
+                <a:gd name="connsiteX130" fmla="*/ 1069602 w 5890489"/>
+                <a:gd name="connsiteY130" fmla="*/ 1032194 h 6578438"/>
+                <a:gd name="connsiteX131" fmla="*/ 1130548 w 5890489"/>
+                <a:gd name="connsiteY131" fmla="*/ 970839 h 6578438"/>
+                <a:gd name="connsiteX132" fmla="*/ 1192024 w 5890489"/>
+                <a:gd name="connsiteY132" fmla="*/ 910129 h 6578438"/>
+                <a:gd name="connsiteX133" fmla="*/ 1255356 w 5890489"/>
+                <a:gd name="connsiteY133" fmla="*/ 850841 h 6578438"/>
+                <a:gd name="connsiteX134" fmla="*/ 1319614 w 5890489"/>
+                <a:gd name="connsiteY134" fmla="*/ 792068 h 6578438"/>
+                <a:gd name="connsiteX135" fmla="*/ 1385728 w 5890489"/>
+                <a:gd name="connsiteY135" fmla="*/ 734975 h 6578438"/>
+                <a:gd name="connsiteX136" fmla="*/ 1452768 w 5890489"/>
+                <a:gd name="connsiteY136" fmla="*/ 678528 h 6578438"/>
+                <a:gd name="connsiteX137" fmla="*/ 1469594 w 5890489"/>
+                <a:gd name="connsiteY137" fmla="*/ 664449 h 6578438"/>
+                <a:gd name="connsiteX138" fmla="*/ 1487083 w 5890489"/>
+                <a:gd name="connsiteY138" fmla="*/ 651015 h 6578438"/>
+                <a:gd name="connsiteX139" fmla="*/ 1522193 w 5890489"/>
+                <a:gd name="connsiteY139" fmla="*/ 624277 h 6578438"/>
+                <a:gd name="connsiteX140" fmla="*/ 1592415 w 5890489"/>
+                <a:gd name="connsiteY140" fmla="*/ 570671 h 6578438"/>
+                <a:gd name="connsiteX141" fmla="*/ 1738287 w 5890489"/>
+                <a:gd name="connsiteY141" fmla="*/ 469402 h 6578438"/>
+                <a:gd name="connsiteX142" fmla="*/ 1890918 w 5890489"/>
+                <a:gd name="connsiteY142" fmla="*/ 376530 h 6578438"/>
+                <a:gd name="connsiteX143" fmla="*/ 2555363 w 5890489"/>
+                <a:gd name="connsiteY143" fmla="*/ 105274 h 6578438"/>
+                <a:gd name="connsiteX144" fmla="*/ 3259291 w 5890489"/>
+                <a:gd name="connsiteY144" fmla="*/ 3229 h 6578438"/>
+                <a:gd name="connsiteX145" fmla="*/ 3347265 w 5890489"/>
+                <a:gd name="connsiteY145" fmla="*/ 903 h 6578438"/>
+              </a:gdLst>
+              <a:ahLst/>
+              <a:cxnLst>
+                <a:cxn ang="0">
+                  <a:pos x="connsiteX0" y="connsiteY0"/>
+                </a:cxn>
+                <a:cxn ang="0">
+                  <a:pos x="connsiteX1" y="connsiteY1"/>
+                </a:cxn>
+                <a:cxn ang="0">
+                  <a:pos x="connsiteX2" y="connsiteY2"/>
+                </a:cxn>
+                <a:cxn ang="0">
+                  <a:pos x="connsiteX3" y="connsiteY3"/>
+                </a:cxn>
+                <a:cxn ang="0">
+                  <a:pos x="connsiteX4" y="connsiteY4"/>
+                </a:cxn>
+                <a:cxn ang="0">
+                  <a:pos x="connsiteX5" y="connsiteY5"/>
+                </a:cxn>
+                <a:cxn ang="0">
+                  <a:pos x="connsiteX6" y="connsiteY6"/>
+                </a:cxn>
+                <a:cxn ang="0">
+                  <a:pos x="connsiteX7" y="connsiteY7"/>
+                </a:cxn>
+                <a:cxn ang="0">
+                  <a:pos x="connsiteX8" y="connsiteY8"/>
+                </a:cxn>
+                <a:cxn ang="0">
+                  <a:pos x="connsiteX9" y="connsiteY9"/>
+                </a:cxn>
+                <a:cxn ang="0">
+                  <a:pos x="connsiteX10" y="connsiteY10"/>
+                </a:cxn>
+                <a:cxn ang="0">
+                  <a:pos x="connsiteX11" y="connsiteY11"/>
+                </a:cxn>
+                <a:cxn ang="0">
+                  <a:pos x="connsiteX12" y="connsiteY12"/>
+                </a:cxn>
+                <a:cxn ang="0">
+                  <a:pos x="connsiteX13" y="connsiteY13"/>
+                </a:cxn>
+                <a:cxn ang="0">
+                  <a:pos x="connsiteX14" y="connsiteY14"/>
+                </a:cxn>
+                <a:cxn ang="0">
+                  <a:pos x="connsiteX15" y="connsiteY15"/>
+                </a:cxn>
+                <a:cxn ang="0">
+                  <a:pos x="connsiteX16" y="connsiteY16"/>
+                </a:cxn>
+                <a:cxn ang="0">
+                  <a:pos x="connsiteX17" y="connsiteY17"/>
+                </a:cxn>
+                <a:cxn ang="0">
+                  <a:pos x="connsiteX18" y="connsiteY18"/>
+                </a:cxn>
+                <a:cxn ang="0">
+                  <a:pos x="connsiteX19" y="connsiteY19"/>
+                </a:cxn>
+                <a:cxn ang="0">
+                  <a:pos x="connsiteX20" y="connsiteY20"/>
+                </a:cxn>
+                <a:cxn ang="0">
+                  <a:pos x="connsiteX21" y="connsiteY21"/>
+                </a:cxn>
+                <a:cxn ang="0">
+                  <a:pos x="connsiteX22" y="connsiteY22"/>
+                </a:cxn>
+                <a:cxn ang="0">
+                  <a:pos x="connsiteX23" y="connsiteY23"/>
+                </a:cxn>
+                <a:cxn ang="0">
+                  <a:pos x="connsiteX24" y="connsiteY24"/>
+                </a:cxn>
+                <a:cxn ang="0">
+                  <a:pos x="connsiteX25" y="connsiteY25"/>
+                </a:cxn>
+                <a:cxn ang="0">
+                  <a:pos x="connsiteX26" y="connsiteY26"/>
+                </a:cxn>
+                <a:cxn ang="0">
+                  <a:pos x="connsiteX27" y="connsiteY27"/>
+                </a:cxn>
+                <a:cxn ang="0">
+                  <a:pos x="connsiteX28" y="connsiteY28"/>
+                </a:cxn>
+                <a:cxn ang="0">
+                  <a:pos x="connsiteX29" y="connsiteY29"/>
+                </a:cxn>
+                <a:cxn ang="0">
+                  <a:pos x="connsiteX30" y="connsiteY30"/>
+                </a:cxn>
+                <a:cxn ang="0">
+                  <a:pos x="connsiteX31" y="connsiteY31"/>
+                </a:cxn>
+                <a:cxn ang="0">
+                  <a:pos x="connsiteX32" y="connsiteY32"/>
+                </a:cxn>
+                <a:cxn ang="0">
+                  <a:pos x="connsiteX33" y="connsiteY33"/>
+                </a:cxn>
+                <a:cxn ang="0">
+                  <a:pos x="connsiteX34" y="connsiteY34"/>
+                </a:cxn>
+                <a:cxn ang="0">
+                  <a:pos x="connsiteX35" y="connsiteY35"/>
+                </a:cxn>
+                <a:cxn ang="0">
+                  <a:pos x="connsiteX36" y="connsiteY36"/>
+                </a:cxn>
+                <a:cxn ang="0">
+                  <a:pos x="connsiteX37" y="connsiteY37"/>
+                </a:cxn>
+                <a:cxn ang="0">
+                  <a:pos x="connsiteX38" y="connsiteY38"/>
+                </a:cxn>
+                <a:cxn ang="0">
+                  <a:pos x="connsiteX39" y="connsiteY39"/>
+                </a:cxn>
+                <a:cxn ang="0">
+                  <a:pos x="connsiteX40" y="connsiteY40"/>
+                </a:cxn>
+                <a:cxn ang="0">
+                  <a:pos x="connsiteX41" y="connsiteY41"/>
+                </a:cxn>
+                <a:cxn ang="0">
+                  <a:pos x="connsiteX42" y="connsiteY42"/>
+                </a:cxn>
+                <a:cxn ang="0">
+                  <a:pos x="connsiteX43" y="connsiteY43"/>
+                </a:cxn>
+                <a:cxn ang="0">
+                  <a:pos x="connsiteX44" y="connsiteY44"/>
+                </a:cxn>
+                <a:cxn ang="0">
+                  <a:pos x="connsiteX45" y="connsiteY45"/>
+                </a:cxn>
+                <a:cxn ang="0">
+                  <a:pos x="connsiteX46" y="connsiteY46"/>
+                </a:cxn>
+                <a:cxn ang="0">
+                  <a:pos x="connsiteX47" y="connsiteY47"/>
+                </a:cxn>
+                <a:cxn ang="0">
+                  <a:pos x="connsiteX48" y="connsiteY48"/>
+                </a:cxn>
+                <a:cxn ang="0">
+                  <a:pos x="connsiteX49" y="connsiteY49"/>
+                </a:cxn>
+                <a:cxn ang="0">
+                  <a:pos x="connsiteX50" y="connsiteY50"/>
+                </a:cxn>
+                <a:cxn ang="0">
+                  <a:pos x="connsiteX51" y="connsiteY51"/>
+                </a:cxn>
+                <a:cxn ang="0">
+                  <a:pos x="connsiteX52" y="connsiteY52"/>
+                </a:cxn>
+                <a:cxn ang="0">
+                  <a:pos x="connsiteX53" y="connsiteY53"/>
+                </a:cxn>
+                <a:cxn ang="0">
+                  <a:pos x="connsiteX54" y="connsiteY54"/>
+                </a:cxn>
+                <a:cxn ang="0">
+                  <a:pos x="connsiteX55" y="connsiteY55"/>
+                </a:cxn>
+                <a:cxn ang="0">
+                  <a:pos x="connsiteX56" y="connsiteY56"/>
+                </a:cxn>
+                <a:cxn ang="0">
+                  <a:pos x="connsiteX57" y="connsiteY57"/>
+                </a:cxn>
+                <a:cxn ang="0">
+                  <a:pos x="connsiteX58" y="connsiteY58"/>
+                </a:cxn>
+                <a:cxn ang="0">
+                  <a:pos x="connsiteX59" y="connsiteY59"/>
+                </a:cxn>
+                <a:cxn ang="0">
+                  <a:pos x="connsiteX60" y="connsiteY60"/>
+                </a:cxn>
+                <a:cxn ang="0">
+                  <a:pos x="connsiteX61" y="connsiteY61"/>
+                </a:cxn>
+                <a:cxn ang="0">
+                  <a:pos x="connsiteX62" y="connsiteY62"/>
+                </a:cxn>
+                <a:cxn ang="0">
+                  <a:pos x="connsiteX63" y="connsiteY63"/>
+                </a:cxn>
+                <a:cxn ang="0">
+                  <a:pos x="connsiteX64" y="connsiteY64"/>
+                </a:cxn>
+                <a:cxn ang="0">
+                  <a:pos x="connsiteX65" y="connsiteY65"/>
+                </a:cxn>
+                <a:cxn ang="0">
+                  <a:pos x="connsiteX66" y="connsiteY66"/>
+                </a:cxn>
+                <a:cxn ang="0">
+                  <a:pos x="connsiteX67" y="connsiteY67"/>
+                </a:cxn>
+                <a:cxn ang="0">
+                  <a:pos x="connsiteX68" y="connsiteY68"/>
+                </a:cxn>
+                <a:cxn ang="0">
+                  <a:pos x="connsiteX69" y="connsiteY69"/>
+                </a:cxn>
+                <a:cxn ang="0">
+                  <a:pos x="connsiteX70" y="connsiteY70"/>
+                </a:cxn>
+                <a:cxn ang="0">
+                  <a:pos x="connsiteX71" y="connsiteY71"/>
+                </a:cxn>
+                <a:cxn ang="0">
+                  <a:pos x="connsiteX72" y="connsiteY72"/>
+                </a:cxn>
+                <a:cxn ang="0">
+                  <a:pos x="connsiteX73" y="connsiteY73"/>
+                </a:cxn>
+                <a:cxn ang="0">
+                  <a:pos x="connsiteX74" y="connsiteY74"/>
+                </a:cxn>
+                <a:cxn ang="0">
+                  <a:pos x="connsiteX75" y="connsiteY75"/>
+                </a:cxn>
+                <a:cxn ang="0">
+                  <a:pos x="connsiteX76" y="connsiteY76"/>
+                </a:cxn>
+                <a:cxn ang="0">
+                  <a:pos x="connsiteX77" y="connsiteY77"/>
+                </a:cxn>
+                <a:cxn ang="0">
+                  <a:pos x="connsiteX78" y="connsiteY78"/>
+                </a:cxn>
+                <a:cxn ang="0">
+                  <a:pos x="connsiteX79" y="connsiteY79"/>
+                </a:cxn>
+                <a:cxn ang="0">
+                  <a:pos x="connsiteX80" y="connsiteY80"/>
+                </a:cxn>
+                <a:cxn ang="0">
+                  <a:pos x="connsiteX81" y="connsiteY81"/>
+                </a:cxn>
+                <a:cxn ang="0">
+                  <a:pos x="connsiteX82" y="connsiteY82"/>
+                </a:cxn>
+                <a:cxn ang="0">
+                  <a:pos x="connsiteX83" y="connsiteY83"/>
+                </a:cxn>
+                <a:cxn ang="0">
+                  <a:pos x="connsiteX84" y="connsiteY84"/>
+                </a:cxn>
+                <a:cxn ang="0">
+                  <a:pos x="connsiteX85" y="connsiteY85"/>
+                </a:cxn>
+                <a:cxn ang="0">
+                  <a:pos x="connsiteX86" y="connsiteY86"/>
+                </a:cxn>
+                <a:cxn ang="0">
+                  <a:pos x="connsiteX87" y="connsiteY87"/>
+                </a:cxn>
+                <a:cxn ang="0">
+                  <a:pos x="connsiteX88" y="connsiteY88"/>
+                </a:cxn>
+                <a:cxn ang="0">
+                  <a:pos x="connsiteX89" y="connsiteY89"/>
+                </a:cxn>
+                <a:cxn ang="0">
+                  <a:pos x="connsiteX90" y="connsiteY90"/>
+                </a:cxn>
+                <a:cxn ang="0">
+                  <a:pos x="connsiteX91" y="connsiteY91"/>
+                </a:cxn>
+                <a:cxn ang="0">
+                  <a:pos x="connsiteX92" y="connsiteY92"/>
+                </a:cxn>
+                <a:cxn ang="0">
+                  <a:pos x="connsiteX93" y="connsiteY93"/>
+                </a:cxn>
+                <a:cxn ang="0">
+                  <a:pos x="connsiteX94" y="connsiteY94"/>
+                </a:cxn>
+                <a:cxn ang="0">
+                  <a:pos x="connsiteX95" y="connsiteY95"/>
+                </a:cxn>
+                <a:cxn ang="0">
+                  <a:pos x="connsiteX96" y="connsiteY96"/>
+                </a:cxn>
+                <a:cxn ang="0">
+                  <a:pos x="connsiteX97" y="connsiteY97"/>
+                </a:cxn>
+                <a:cxn ang="0">
+                  <a:pos x="connsiteX98" y="connsiteY98"/>
+                </a:cxn>
+                <a:cxn ang="0">
+                  <a:pos x="connsiteX99" y="connsiteY99"/>
+                </a:cxn>
+                <a:cxn ang="0">
+                  <a:pos x="connsiteX100" y="connsiteY100"/>
+                </a:cxn>
+                <a:cxn ang="0">
+                  <a:pos x="connsiteX101" y="connsiteY101"/>
+                </a:cxn>
+                <a:cxn ang="0">
+                  <a:pos x="connsiteX102" y="connsiteY102"/>
+                </a:cxn>
+                <a:cxn ang="0">
+                  <a:pos x="connsiteX103" y="connsiteY103"/>
+                </a:cxn>
+                <a:cxn ang="0">
+                  <a:pos x="connsiteX104" y="connsiteY104"/>
+                </a:cxn>
+                <a:cxn ang="0">
+                  <a:pos x="connsiteX105" y="connsiteY105"/>
+                </a:cxn>
+                <a:cxn ang="0">
+                  <a:pos x="connsiteX106" y="connsiteY106"/>
+                </a:cxn>
+                <a:cxn ang="0">
+                  <a:pos x="connsiteX107" y="connsiteY107"/>
+                </a:cxn>
+                <a:cxn ang="0">
+                  <a:pos x="connsiteX108" y="connsiteY108"/>
+                </a:cxn>
+                <a:cxn ang="0">
+                  <a:pos x="connsiteX109" y="connsiteY109"/>
+                </a:cxn>
+                <a:cxn ang="0">
+                  <a:pos x="connsiteX110" y="connsiteY110"/>
+                </a:cxn>
+                <a:cxn ang="0">
+                  <a:pos x="connsiteX111" y="connsiteY111"/>
+                </a:cxn>
+                <a:cxn ang="0">
+                  <a:pos x="connsiteX112" y="connsiteY112"/>
+                </a:cxn>
+                <a:cxn ang="0">
+                  <a:pos x="connsiteX113" y="connsiteY113"/>
+                </a:cxn>
+                <a:cxn ang="0">
+                  <a:pos x="connsiteX114" y="connsiteY114"/>
+                </a:cxn>
+                <a:cxn ang="0">
+                  <a:pos x="connsiteX115" y="connsiteY115"/>
+                </a:cxn>
+                <a:cxn ang="0">
+                  <a:pos x="connsiteX116" y="connsiteY116"/>
+                </a:cxn>
+                <a:cxn ang="0">
+                  <a:pos x="connsiteX117" y="connsiteY117"/>
+                </a:cxn>
+                <a:cxn ang="0">
+                  <a:pos x="connsiteX118" y="connsiteY118"/>
+                </a:cxn>
+                <a:cxn ang="0">
+                  <a:pos x="connsiteX119" y="connsiteY119"/>
+                </a:cxn>
+                <a:cxn ang="0">
+                  <a:pos x="connsiteX120" y="connsiteY120"/>
+                </a:cxn>
+                <a:cxn ang="0">
+                  <a:pos x="connsiteX121" y="connsiteY121"/>
+                </a:cxn>
+                <a:cxn ang="0">
+                  <a:pos x="connsiteX122" y="connsiteY122"/>
+                </a:cxn>
+                <a:cxn ang="0">
+                  <a:pos x="connsiteX123" y="connsiteY123"/>
+                </a:cxn>
+                <a:cxn ang="0">
+                  <a:pos x="connsiteX124" y="connsiteY124"/>
+                </a:cxn>
+                <a:cxn ang="0">
+                  <a:pos x="connsiteX125" y="connsiteY125"/>
+                </a:cxn>
+                <a:cxn ang="0">
+                  <a:pos x="connsiteX126" y="connsiteY126"/>
+                </a:cxn>
+                <a:cxn ang="0">
+                  <a:pos x="connsiteX127" y="connsiteY127"/>
+                </a:cxn>
+                <a:cxn ang="0">
+                  <a:pos x="connsiteX128" y="connsiteY128"/>
+                </a:cxn>
+                <a:cxn ang="0">
+                  <a:pos x="connsiteX129" y="connsiteY129"/>
+                </a:cxn>
+                <a:cxn ang="0">
+                  <a:pos x="connsiteX130" y="connsiteY130"/>
+                </a:cxn>
+                <a:cxn ang="0">
+                  <a:pos x="connsiteX131" y="connsiteY131"/>
+                </a:cxn>
+                <a:cxn ang="0">
+                  <a:pos x="connsiteX132" y="connsiteY132"/>
+                </a:cxn>
+                <a:cxn ang="0">
+                  <a:pos x="connsiteX133" y="connsiteY133"/>
+                </a:cxn>
+                <a:cxn ang="0">
+                  <a:pos x="connsiteX134" y="connsiteY134"/>
+                </a:cxn>
+                <a:cxn ang="0">
+                  <a:pos x="connsiteX135" y="connsiteY135"/>
+                </a:cxn>
+                <a:cxn ang="0">
+                  <a:pos x="connsiteX136" y="connsiteY136"/>
+                </a:cxn>
+                <a:cxn ang="0">
+                  <a:pos x="connsiteX137" y="connsiteY137"/>
+                </a:cxn>
+                <a:cxn ang="0">
+                  <a:pos x="connsiteX138" y="connsiteY138"/>
+                </a:cxn>
+                <a:cxn ang="0">
+                  <a:pos x="connsiteX139" y="connsiteY139"/>
+                </a:cxn>
+                <a:cxn ang="0">
+                  <a:pos x="connsiteX140" y="connsiteY140"/>
+                </a:cxn>
+                <a:cxn ang="0">
+                  <a:pos x="connsiteX141" y="connsiteY141"/>
+                </a:cxn>
+                <a:cxn ang="0">
+                  <a:pos x="connsiteX142" y="connsiteY142"/>
+                </a:cxn>
+                <a:cxn ang="0">
+                  <a:pos x="connsiteX143" y="connsiteY143"/>
+                </a:cxn>
+                <a:cxn ang="0">
+                  <a:pos x="connsiteX144" y="connsiteY144"/>
+                </a:cxn>
+                <a:cxn ang="0">
+                  <a:pos x="connsiteX145" y="connsiteY145"/>
+                </a:cxn>
+              </a:cxnLst>
+              <a:rect l="l" t="t" r="r" b="b"/>
+              <a:pathLst>
+                <a:path w="5890489" h="6578438">
+                  <a:moveTo>
+                    <a:pt x="3391253" y="0"/>
+                  </a:moveTo>
+                  <a:lnTo>
+                    <a:pt x="3434974" y="646"/>
+                  </a:lnTo>
+                  <a:lnTo>
+                    <a:pt x="3522419" y="2712"/>
+                  </a:lnTo>
+                  <a:cubicBezTo>
+                    <a:pt x="3551567" y="3488"/>
+                    <a:pt x="3580451" y="3746"/>
+                    <a:pt x="3610261" y="6458"/>
+                  </a:cubicBezTo>
+                  <a:cubicBezTo>
+                    <a:pt x="3669353" y="10850"/>
+                    <a:pt x="3728179" y="14337"/>
+                    <a:pt x="3786872" y="20667"/>
+                  </a:cubicBezTo>
+                  <a:lnTo>
+                    <a:pt x="3962291" y="43530"/>
+                  </a:lnTo>
+                  <a:lnTo>
+                    <a:pt x="4135855" y="75176"/>
+                  </a:lnTo>
+                  <a:cubicBezTo>
+                    <a:pt x="4193224" y="87836"/>
+                    <a:pt x="4250328" y="101398"/>
+                    <a:pt x="4307299" y="114315"/>
+                  </a:cubicBezTo>
+                  <a:cubicBezTo>
+                    <a:pt x="4364139" y="128394"/>
+                    <a:pt x="4420050" y="145575"/>
+                    <a:pt x="4476358" y="160816"/>
+                  </a:cubicBezTo>
+                  <a:cubicBezTo>
+                    <a:pt x="4504580" y="167921"/>
+                    <a:pt x="4532138" y="177995"/>
+                    <a:pt x="4559829" y="186779"/>
+                  </a:cubicBezTo>
+                  <a:lnTo>
+                    <a:pt x="4642901" y="213648"/>
+                  </a:lnTo>
+                  <a:cubicBezTo>
+                    <a:pt x="4863234" y="288307"/>
+                    <a:pt x="5076414" y="379371"/>
+                    <a:pt x="5280847" y="485936"/>
+                  </a:cubicBezTo>
+                  <a:cubicBezTo>
+                    <a:pt x="5485018" y="592631"/>
+                    <a:pt x="5681768" y="713145"/>
+                    <a:pt x="5865400" y="851099"/>
+                  </a:cubicBezTo>
+                  <a:lnTo>
+                    <a:pt x="5890489" y="870950"/>
+                  </a:lnTo>
+                  <a:lnTo>
+                    <a:pt x="5890489" y="1321814"/>
+                  </a:lnTo>
+                  <a:lnTo>
+                    <a:pt x="5887395" y="1318952"/>
+                  </a:lnTo>
+                  <a:lnTo>
+                    <a:pt x="5830291" y="1265992"/>
+                  </a:lnTo>
+                  <a:lnTo>
+                    <a:pt x="5815981" y="1252687"/>
+                  </a:lnTo>
+                  <a:lnTo>
+                    <a:pt x="5801142" y="1240158"/>
+                  </a:lnTo>
+                  <a:lnTo>
+                    <a:pt x="5771464" y="1214969"/>
+                  </a:lnTo>
+                  <a:cubicBezTo>
+                    <a:pt x="5731849" y="1181385"/>
+                    <a:pt x="5692897" y="1146896"/>
+                    <a:pt x="5651030" y="1115767"/>
+                  </a:cubicBezTo>
+                  <a:cubicBezTo>
+                    <a:pt x="5487534" y="986985"/>
+                    <a:pt x="5311321" y="872542"/>
+                    <a:pt x="5123183" y="780443"/>
+                  </a:cubicBezTo>
+                  <a:cubicBezTo>
+                    <a:pt x="4935309" y="688087"/>
+                    <a:pt x="4737102" y="616398"/>
+                    <a:pt x="4533860" y="567701"/>
+                  </a:cubicBezTo>
+                  <a:lnTo>
+                    <a:pt x="4457281" y="550780"/>
+                  </a:lnTo>
+                  <a:cubicBezTo>
+                    <a:pt x="4431709" y="545484"/>
+                    <a:pt x="4406536" y="538896"/>
+                    <a:pt x="4380568" y="535279"/>
+                  </a:cubicBezTo>
+                  <a:lnTo>
+                    <a:pt x="4303325" y="522879"/>
+                  </a:lnTo>
+                  <a:lnTo>
+                    <a:pt x="4264769" y="516679"/>
+                  </a:lnTo>
+                  <a:cubicBezTo>
+                    <a:pt x="4251918" y="514612"/>
+                    <a:pt x="4239067" y="512415"/>
+                    <a:pt x="4226082" y="511253"/>
+                  </a:cubicBezTo>
+                  <a:cubicBezTo>
+                    <a:pt x="4174145" y="505829"/>
+                    <a:pt x="4122606" y="499498"/>
+                    <a:pt x="4070934" y="494848"/>
+                  </a:cubicBezTo>
+                  <a:lnTo>
+                    <a:pt x="3915521" y="486065"/>
+                  </a:lnTo>
+                  <a:lnTo>
+                    <a:pt x="3760241" y="484257"/>
+                  </a:lnTo>
+                  <a:cubicBezTo>
+                    <a:pt x="3734405" y="483869"/>
+                    <a:pt x="3708571" y="485936"/>
+                    <a:pt x="3682734" y="486581"/>
+                  </a:cubicBezTo>
+                  <a:lnTo>
+                    <a:pt x="3605491" y="488907"/>
+                  </a:lnTo>
+                  <a:cubicBezTo>
+                    <a:pt x="3579921" y="489165"/>
+                    <a:pt x="3553555" y="491490"/>
+                    <a:pt x="3527454" y="493169"/>
+                  </a:cubicBezTo>
+                  <a:lnTo>
+                    <a:pt x="3449151" y="498336"/>
+                  </a:lnTo>
+                  <a:lnTo>
+                    <a:pt x="3410067" y="500532"/>
+                  </a:lnTo>
+                  <a:lnTo>
+                    <a:pt x="3371246" y="504279"/>
+                  </a:lnTo>
+                  <a:cubicBezTo>
+                    <a:pt x="3345410" y="506862"/>
+                    <a:pt x="3319575" y="509315"/>
+                    <a:pt x="3293739" y="511512"/>
+                  </a:cubicBezTo>
+                  <a:cubicBezTo>
+                    <a:pt x="3087450" y="531662"/>
+                    <a:pt x="2885531" y="563180"/>
+                    <a:pt x="2689445" y="610198"/>
+                  </a:cubicBezTo>
+                  <a:cubicBezTo>
+                    <a:pt x="2493357" y="657344"/>
+                    <a:pt x="2302303" y="719088"/>
+                    <a:pt x="2117875" y="800335"/>
+                  </a:cubicBezTo>
+                  <a:cubicBezTo>
+                    <a:pt x="2072298" y="821648"/>
+                    <a:pt x="2026854" y="843606"/>
+                    <a:pt x="1981276" y="865566"/>
+                  </a:cubicBezTo>
+                  <a:cubicBezTo>
+                    <a:pt x="1937025" y="889978"/>
+                    <a:pt x="1891978" y="913229"/>
+                    <a:pt x="1847991" y="938676"/>
+                  </a:cubicBezTo>
+                  <a:lnTo>
+                    <a:pt x="1783069" y="978718"/>
+                  </a:lnTo>
+                  <a:lnTo>
+                    <a:pt x="1750609" y="998869"/>
+                  </a:lnTo>
+                  <a:lnTo>
+                    <a:pt x="1734312" y="1008945"/>
+                  </a:lnTo>
+                  <a:lnTo>
+                    <a:pt x="1718547" y="1019924"/>
+                  </a:lnTo>
+                  <a:lnTo>
+                    <a:pt x="1655481" y="1063582"/>
+                  </a:lnTo>
+                  <a:cubicBezTo>
+                    <a:pt x="1634414" y="1078178"/>
+                    <a:pt x="1612950" y="1092259"/>
+                    <a:pt x="1593077" y="1108664"/>
+                  </a:cubicBezTo>
+                  <a:lnTo>
+                    <a:pt x="1532263" y="1156197"/>
+                  </a:lnTo>
+                  <a:cubicBezTo>
+                    <a:pt x="1511992" y="1172085"/>
+                    <a:pt x="1491587" y="1187844"/>
+                    <a:pt x="1472509" y="1205152"/>
+                  </a:cubicBezTo>
+                  <a:lnTo>
+                    <a:pt x="1414212" y="1256175"/>
+                  </a:lnTo>
+                  <a:cubicBezTo>
+                    <a:pt x="1395001" y="1273354"/>
+                    <a:pt x="1375127" y="1290147"/>
+                    <a:pt x="1357242" y="1308359"/>
+                  </a:cubicBezTo>
+                  <a:cubicBezTo>
+                    <a:pt x="1283178" y="1379532"/>
+                    <a:pt x="1212163" y="1452513"/>
+                    <a:pt x="1153072" y="1529498"/>
+                  </a:cubicBezTo>
+                  <a:cubicBezTo>
+                    <a:pt x="1090933" y="1605578"/>
+                    <a:pt x="1043501" y="1685794"/>
+                    <a:pt x="1002694" y="1770658"/>
+                  </a:cubicBezTo>
+                  <a:lnTo>
+                    <a:pt x="974076" y="1835371"/>
+                  </a:lnTo>
+                  <a:lnTo>
+                    <a:pt x="949564" y="1903573"/>
+                  </a:lnTo>
+                  <a:cubicBezTo>
+                    <a:pt x="940820" y="1925661"/>
+                    <a:pt x="934593" y="1950719"/>
+                    <a:pt x="927173" y="1974229"/>
+                  </a:cubicBezTo>
+                  <a:cubicBezTo>
+                    <a:pt x="920019" y="1998254"/>
+                    <a:pt x="912468" y="2021504"/>
+                    <a:pt x="906107" y="2046952"/>
+                  </a:cubicBezTo>
+                  <a:cubicBezTo>
+                    <a:pt x="853906" y="2245614"/>
+                    <a:pt x="809918" y="2463136"/>
+                    <a:pt x="751092" y="2676266"/>
+                  </a:cubicBezTo>
+                  <a:cubicBezTo>
+                    <a:pt x="693458" y="2889912"/>
+                    <a:pt x="624166" y="3100976"/>
+                    <a:pt x="547189" y="3308422"/>
+                  </a:cubicBezTo>
+                  <a:cubicBezTo>
+                    <a:pt x="479617" y="3487580"/>
+                    <a:pt x="444109" y="3675523"/>
+                    <a:pt x="441195" y="3866306"/>
+                  </a:cubicBezTo>
+                  <a:cubicBezTo>
+                    <a:pt x="438014" y="4057089"/>
+                    <a:pt x="469282" y="4250456"/>
+                    <a:pt x="527182" y="4439174"/>
+                  </a:cubicBezTo>
+                  <a:cubicBezTo>
+                    <a:pt x="584815" y="4628278"/>
+                    <a:pt x="671067" y="4811828"/>
+                    <a:pt x="775073" y="4987240"/>
+                  </a:cubicBezTo>
+                  <a:cubicBezTo>
+                    <a:pt x="827009" y="5075075"/>
+                    <a:pt x="884246" y="5160327"/>
+                    <a:pt x="943206" y="5244933"/>
+                  </a:cubicBezTo>
+                  <a:cubicBezTo>
+                    <a:pt x="1002296" y="5329411"/>
+                    <a:pt x="1064964" y="5412337"/>
+                    <a:pt x="1133728" y="5490356"/>
+                  </a:cubicBezTo>
+                  <a:cubicBezTo>
+                    <a:pt x="1203949" y="5567728"/>
+                    <a:pt x="1279337" y="5642259"/>
+                    <a:pt x="1359626" y="5709815"/>
+                  </a:cubicBezTo>
+                  <a:cubicBezTo>
+                    <a:pt x="1398711" y="5744949"/>
+                    <a:pt x="1439916" y="5777241"/>
+                    <a:pt x="1481254" y="5809146"/>
+                  </a:cubicBezTo>
+                  <a:cubicBezTo>
+                    <a:pt x="1501922" y="5825163"/>
+                    <a:pt x="1522325" y="5841309"/>
+                    <a:pt x="1543260" y="5856940"/>
+                  </a:cubicBezTo>
+                  <a:cubicBezTo>
+                    <a:pt x="1564591" y="5871923"/>
+                    <a:pt x="1585921" y="5886777"/>
+                    <a:pt x="1607518" y="5901374"/>
+                  </a:cubicBezTo>
+                  <a:cubicBezTo>
+                    <a:pt x="1778565" y="6019693"/>
+                    <a:pt x="1961271" y="6115924"/>
+                    <a:pt x="2145566" y="6193814"/>
+                  </a:cubicBezTo>
+                  <a:lnTo>
+                    <a:pt x="2214991" y="6221844"/>
+                  </a:lnTo>
+                  <a:lnTo>
+                    <a:pt x="2249307" y="6236182"/>
+                  </a:lnTo>
+                  <a:cubicBezTo>
+                    <a:pt x="2260702" y="6241089"/>
+                    <a:pt x="2272625" y="6244577"/>
+                    <a:pt x="2284285" y="6248711"/>
+                  </a:cubicBezTo>
+                  <a:lnTo>
+                    <a:pt x="2354241" y="6273124"/>
+                  </a:lnTo>
+                  <a:cubicBezTo>
+                    <a:pt x="2360070" y="6275190"/>
+                    <a:pt x="2365899" y="6277128"/>
+                    <a:pt x="2371597" y="6279324"/>
+                  </a:cubicBezTo>
+                  <a:cubicBezTo>
+                    <a:pt x="2377161" y="6281778"/>
+                    <a:pt x="2382329" y="6285007"/>
+                    <a:pt x="2387894" y="6287719"/>
+                  </a:cubicBezTo>
+                  <a:cubicBezTo>
+                    <a:pt x="2398757" y="6293274"/>
+                    <a:pt x="2410153" y="6297666"/>
+                    <a:pt x="2421414" y="6302186"/>
+                  </a:cubicBezTo>
+                  <a:lnTo>
+                    <a:pt x="2489117" y="6329441"/>
+                  </a:lnTo>
+                  <a:lnTo>
+                    <a:pt x="2522902" y="6343134"/>
+                  </a:lnTo>
+                  <a:cubicBezTo>
+                    <a:pt x="2534165" y="6347654"/>
+                    <a:pt x="2545294" y="6352563"/>
+                    <a:pt x="2556953" y="6356051"/>
+                  </a:cubicBezTo>
+                  <a:lnTo>
+                    <a:pt x="2695009" y="6401905"/>
+                  </a:lnTo>
+                  <a:cubicBezTo>
+                    <a:pt x="2880895" y="6457190"/>
+                    <a:pt x="3073141" y="6489095"/>
+                    <a:pt x="3268035" y="6501238"/>
+                  </a:cubicBezTo>
+                  <a:cubicBezTo>
+                    <a:pt x="3292413" y="6502659"/>
+                    <a:pt x="3316527" y="6505629"/>
+                    <a:pt x="3341038" y="6506145"/>
+                  </a:cubicBezTo>
+                  <a:lnTo>
+                    <a:pt x="3414703" y="6507050"/>
+                  </a:lnTo>
+                  <a:lnTo>
+                    <a:pt x="3488237" y="6508212"/>
+                  </a:lnTo>
+                  <a:cubicBezTo>
+                    <a:pt x="3500690" y="6508729"/>
+                    <a:pt x="3512483" y="6508471"/>
+                    <a:pt x="3524142" y="6507955"/>
+                  </a:cubicBezTo>
+                  <a:lnTo>
+                    <a:pt x="3559252" y="6506921"/>
+                  </a:lnTo>
+                  <a:cubicBezTo>
+                    <a:pt x="3582835" y="6506792"/>
+                    <a:pt x="3605889" y="6504467"/>
+                    <a:pt x="3629207" y="6503045"/>
+                  </a:cubicBezTo>
+                  <a:cubicBezTo>
+                    <a:pt x="3652526" y="6502012"/>
+                    <a:pt x="3675579" y="6499171"/>
+                    <a:pt x="3698633" y="6496845"/>
+                  </a:cubicBezTo>
+                  <a:cubicBezTo>
+                    <a:pt x="3710160" y="6495683"/>
+                    <a:pt x="3721819" y="6494907"/>
+                    <a:pt x="3733213" y="6493357"/>
+                  </a:cubicBezTo>
+                  <a:lnTo>
+                    <a:pt x="3767529" y="6488707"/>
+                  </a:lnTo>
+                  <a:lnTo>
+                    <a:pt x="3801845" y="6484057"/>
+                  </a:lnTo>
+                  <a:lnTo>
+                    <a:pt x="3835895" y="6478116"/>
+                  </a:lnTo>
+                  <a:cubicBezTo>
+                    <a:pt x="4017673" y="6446727"/>
+                    <a:pt x="4194152" y="6390281"/>
+                    <a:pt x="4364801" y="6308517"/>
+                  </a:cubicBezTo>
+                  <a:cubicBezTo>
+                    <a:pt x="4535583" y="6227139"/>
+                    <a:pt x="4700138" y="6120962"/>
+                    <a:pt x="4861379" y="6000576"/>
+                  </a:cubicBezTo>
+                  <a:cubicBezTo>
+                    <a:pt x="5022621" y="5879931"/>
+                    <a:pt x="5180684" y="5745337"/>
+                    <a:pt x="5341263" y="5605834"/>
+                  </a:cubicBezTo>
+                  <a:lnTo>
+                    <a:pt x="5587301" y="5390379"/>
+                  </a:lnTo>
+                  <a:cubicBezTo>
+                    <a:pt x="5674216" y="5315718"/>
+                    <a:pt x="5761527" y="5244416"/>
+                    <a:pt x="5849105" y="5176344"/>
+                  </a:cubicBezTo>
+                  <a:lnTo>
+                    <a:pt x="5890489" y="5145260"/>
+                  </a:lnTo>
+                  <a:lnTo>
+                    <a:pt x="5890489" y="5995323"/>
+                  </a:lnTo>
+                  <a:lnTo>
+                    <a:pt x="5811477" y="6077819"/>
+                  </a:lnTo>
+                  <a:cubicBezTo>
+                    <a:pt x="5654739" y="6238377"/>
+                    <a:pt x="5487138" y="6396093"/>
+                    <a:pt x="5301384" y="6542958"/>
+                  </a:cubicBezTo>
+                  <a:lnTo>
+                    <a:pt x="5252008" y="6578438"/>
+                  </a:lnTo>
+                  <a:lnTo>
+                    <a:pt x="1653730" y="6578438"/>
+                  </a:lnTo>
+                  <a:lnTo>
+                    <a:pt x="1549768" y="6488821"/>
+                  </a:lnTo>
+                  <a:cubicBezTo>
+                    <a:pt x="1461976" y="6409495"/>
+                    <a:pt x="1378573" y="6327182"/>
+                    <a:pt x="1298282" y="6243932"/>
+                  </a:cubicBezTo>
+                  <a:cubicBezTo>
+                    <a:pt x="1278277" y="6223006"/>
+                    <a:pt x="1258138" y="6202210"/>
+                    <a:pt x="1237999" y="6181671"/>
+                  </a:cubicBezTo>
+                  <a:lnTo>
+                    <a:pt x="1179967" y="6117862"/>
+                  </a:lnTo>
+                  <a:lnTo>
+                    <a:pt x="1121936" y="6054569"/>
+                  </a:lnTo>
+                  <a:cubicBezTo>
+                    <a:pt x="1102328" y="6033644"/>
+                    <a:pt x="1084573" y="6011427"/>
+                    <a:pt x="1065628" y="5990243"/>
+                  </a:cubicBezTo>
+                  <a:cubicBezTo>
+                    <a:pt x="1028662" y="5947099"/>
+                    <a:pt x="990239" y="5904991"/>
+                    <a:pt x="954335" y="5861460"/>
+                  </a:cubicBezTo>
+                  <a:cubicBezTo>
+                    <a:pt x="936050" y="5840018"/>
+                    <a:pt x="917634" y="5818446"/>
+                    <a:pt x="898953" y="5797393"/>
+                  </a:cubicBezTo>
+                  <a:cubicBezTo>
+                    <a:pt x="880404" y="5776208"/>
+                    <a:pt x="861325" y="5755412"/>
+                    <a:pt x="842908" y="5733582"/>
+                  </a:cubicBezTo>
+                  <a:cubicBezTo>
+                    <a:pt x="767919" y="5647942"/>
+                    <a:pt x="693061" y="5561786"/>
+                    <a:pt x="622442" y="5471884"/>
+                  </a:cubicBezTo>
+                  <a:cubicBezTo>
+                    <a:pt x="551559" y="5382112"/>
+                    <a:pt x="486639" y="5287430"/>
+                    <a:pt x="425559" y="5190036"/>
+                  </a:cubicBezTo>
+                  <a:cubicBezTo>
+                    <a:pt x="303668" y="4994990"/>
+                    <a:pt x="200193" y="4786123"/>
+                    <a:pt x="123877" y="4564210"/>
+                  </a:cubicBezTo>
+                  <a:cubicBezTo>
+                    <a:pt x="47694" y="4342555"/>
+                    <a:pt x="2249" y="4106045"/>
+                    <a:pt x="130" y="3865530"/>
+                  </a:cubicBezTo>
+                  <a:cubicBezTo>
+                    <a:pt x="-1328" y="3745403"/>
+                    <a:pt x="9537" y="3624629"/>
+                    <a:pt x="30602" y="3505793"/>
+                  </a:cubicBezTo>
+                  <a:cubicBezTo>
+                    <a:pt x="51802" y="3386828"/>
+                    <a:pt x="84659" y="3270059"/>
+                    <a:pt x="126924" y="3157164"/>
+                  </a:cubicBezTo>
+                  <a:cubicBezTo>
+                    <a:pt x="200457" y="2959276"/>
+                    <a:pt x="271737" y="2761388"/>
+                    <a:pt x="334803" y="2560530"/>
+                  </a:cubicBezTo>
+                  <a:lnTo>
+                    <a:pt x="381176" y="2409144"/>
+                  </a:lnTo>
+                  <a:lnTo>
+                    <a:pt x="425825" y="2255819"/>
+                  </a:lnTo>
+                  <a:lnTo>
+                    <a:pt x="470210" y="2099523"/>
+                  </a:lnTo>
+                  <a:lnTo>
+                    <a:pt x="492998" y="2020213"/>
+                  </a:lnTo>
+                  <a:lnTo>
+                    <a:pt x="517509" y="1939224"/>
+                  </a:lnTo>
+                  <a:cubicBezTo>
+                    <a:pt x="525061" y="1912485"/>
+                    <a:pt x="534866" y="1884586"/>
+                    <a:pt x="544007" y="1857201"/>
+                  </a:cubicBezTo>
+                  <a:cubicBezTo>
+                    <a:pt x="553680" y="1829559"/>
+                    <a:pt x="561496" y="1802304"/>
+                    <a:pt x="573288" y="1774274"/>
+                  </a:cubicBezTo>
+                  <a:lnTo>
+                    <a:pt x="606146" y="1690832"/>
+                  </a:lnTo>
+                  <a:cubicBezTo>
+                    <a:pt x="618467" y="1663060"/>
+                    <a:pt x="631716" y="1635417"/>
+                    <a:pt x="644569" y="1607775"/>
+                  </a:cubicBezTo>
+                  <a:cubicBezTo>
+                    <a:pt x="698625" y="1498368"/>
+                    <a:pt x="763413" y="1391287"/>
+                    <a:pt x="837874" y="1297638"/>
+                  </a:cubicBezTo>
+                  <a:cubicBezTo>
+                    <a:pt x="910348" y="1201278"/>
+                    <a:pt x="990107" y="1115897"/>
+                    <a:pt x="1069602" y="1032194"/>
+                  </a:cubicBezTo>
+                  <a:cubicBezTo>
+                    <a:pt x="1089079" y="1010624"/>
+                    <a:pt x="1110012" y="990990"/>
+                    <a:pt x="1130548" y="970839"/>
+                  </a:cubicBezTo>
+                  <a:lnTo>
+                    <a:pt x="1192024" y="910129"/>
+                  </a:lnTo>
+                  <a:cubicBezTo>
+                    <a:pt x="1212031" y="889462"/>
+                    <a:pt x="1234024" y="870475"/>
+                    <a:pt x="1255356" y="850841"/>
+                  </a:cubicBezTo>
+                  <a:lnTo>
+                    <a:pt x="1319614" y="792068"/>
+                  </a:lnTo>
+                  <a:cubicBezTo>
+                    <a:pt x="1340680" y="772176"/>
+                    <a:pt x="1363469" y="753834"/>
+                    <a:pt x="1385728" y="734975"/>
+                  </a:cubicBezTo>
+                  <a:lnTo>
+                    <a:pt x="1452768" y="678528"/>
+                  </a:lnTo>
+                  <a:lnTo>
+                    <a:pt x="1469594" y="664449"/>
+                  </a:lnTo>
+                  <a:lnTo>
+                    <a:pt x="1487083" y="651015"/>
+                  </a:lnTo>
+                  <a:lnTo>
+                    <a:pt x="1522193" y="624277"/>
+                  </a:lnTo>
+                  <a:lnTo>
+                    <a:pt x="1592415" y="570671"/>
+                  </a:lnTo>
+                  <a:cubicBezTo>
+                    <a:pt x="1640110" y="535925"/>
+                    <a:pt x="1689531" y="503245"/>
+                    <a:pt x="1738287" y="469402"/>
+                  </a:cubicBezTo>
+                  <a:cubicBezTo>
+                    <a:pt x="1788634" y="438015"/>
+                    <a:pt x="1839643" y="407013"/>
+                    <a:pt x="1890918" y="376530"/>
+                  </a:cubicBezTo>
+                  <a:cubicBezTo>
+                    <a:pt x="2098400" y="258209"/>
+                    <a:pt x="2323503" y="166241"/>
+                    <a:pt x="2555363" y="105274"/>
+                  </a:cubicBezTo>
+                  <a:cubicBezTo>
+                    <a:pt x="2787223" y="44047"/>
+                    <a:pt x="3024516" y="12013"/>
+                    <a:pt x="3259291" y="3229"/>
+                  </a:cubicBezTo>
+                  <a:lnTo>
+                    <a:pt x="3347265" y="903"/>
+                  </a:lnTo>
+                  <a:close/>
+                </a:path>
+              </a:pathLst>
+            </a:custGeom>
+            <a:gradFill flip="none" rotWithShape="1">
+              <a:gsLst>
+                <a:gs pos="2000">
+                  <a:schemeClr val="bg1">
+                    <a:alpha val="10000"/>
+                  </a:schemeClr>
+                </a:gs>
+                <a:gs pos="16000">
+                  <a:schemeClr val="accent6">
+                    <a:alpha val="5000"/>
+                  </a:schemeClr>
+                </a:gs>
+                <a:gs pos="100000">
+                  <a:schemeClr val="bg1">
+                    <a:alpha val="10000"/>
+                  </a:schemeClr>
+                </a:gs>
+                <a:gs pos="85000">
+                  <a:schemeClr val="accent1">
+                    <a:alpha val="5000"/>
+                  </a:schemeClr>
+                </a:gs>
+              </a:gsLst>
+              <a:lin ang="12000000" scaled="0"/>
+              <a:tileRect/>
+            </a:gradFill>
+            <a:ln>
+              <a:noFill/>
+            </a:ln>
+          </p:spPr>
+          <p:style>
+            <a:lnRef idx="2">
+              <a:schemeClr val="accent1">
+                <a:shade val="50000"/>
+              </a:schemeClr>
+            </a:lnRef>
+            <a:fillRef idx="1">
+              <a:schemeClr val="accent1"/>
+            </a:fillRef>
+            <a:effectRef idx="0">
+              <a:schemeClr val="accent1"/>
+            </a:effectRef>
+            <a:fontRef idx="minor">
+              <a:schemeClr val="lt1"/>
+            </a:fontRef>
+          </p:style>
+          <p:txBody>
+            <a:bodyPr rtlCol="0" anchor="ctr"/>
+            <a:lstStyle/>
+            <a:p>
+              <a:pPr algn="ctr"/>
+              <a:endParaRPr lang="en-US"/>
+            </a:p>
+          </p:txBody>
+        </p:sp>
+        <p:sp>
+          <p:nvSpPr>
+            <p:cNvPr id="16" name="Freeform: Shape 15">
+              <a:extLst>
+                <a:ext uri="{FF2B5EF4-FFF2-40B4-BE49-F238E27FC236}">
+                  <a16:creationId xmlns:a16="http://schemas.microsoft.com/office/drawing/2014/main" id="{27CCEAF3-651B-4605-AE58-F96E22703636}"/>
+                </a:ext>
+                <a:ext uri="{C183D7F6-B498-43B3-948B-1728B52AA6E4}">
+                  <adec:decorative xmlns:adec="http://schemas.microsoft.com/office/drawing/2017/decorative" val="1"/>
+                </a:ext>
+              </a:extLst>
+            </p:cNvPr>
+            <p:cNvSpPr/>
+            <p:nvPr>
+              <p:extLst>
+                <p:ext uri="{386F3935-93C4-4BCD-93E2-E3B085C9AB24}">
+                  <p16:designElem xmlns:p16="http://schemas.microsoft.com/office/powerpoint/2015/main" val="1"/>
+                </p:ext>
+              </p:extLst>
+            </p:nvPr>
+          </p:nvSpPr>
+          <p:spPr>
+            <a:xfrm>
+              <a:off x="6101023" y="52997"/>
+              <a:ext cx="6093363" cy="6805004"/>
+            </a:xfrm>
+            <a:custGeom>
+              <a:avLst/>
+              <a:gdLst>
+                <a:gd name="connsiteX0" fmla="*/ 3517682 w 5890491"/>
+                <a:gd name="connsiteY0" fmla="*/ 0 h 6578439"/>
+                <a:gd name="connsiteX1" fmla="*/ 5849513 w 5890491"/>
+                <a:gd name="connsiteY1" fmla="*/ 841730 h 6578439"/>
+                <a:gd name="connsiteX2" fmla="*/ 5890491 w 5890491"/>
+                <a:gd name="connsiteY2" fmla="*/ 879061 h 6578439"/>
+                <a:gd name="connsiteX3" fmla="*/ 5890491 w 5890491"/>
+                <a:gd name="connsiteY3" fmla="*/ 2034114 h 6578439"/>
+                <a:gd name="connsiteX4" fmla="*/ 5757065 w 5890491"/>
+                <a:gd name="connsiteY4" fmla="*/ 1854938 h 6578439"/>
+                <a:gd name="connsiteX5" fmla="*/ 5564060 w 5890491"/>
+                <a:gd name="connsiteY5" fmla="*/ 1642182 h 6578439"/>
+                <a:gd name="connsiteX6" fmla="*/ 3517551 w 5890491"/>
+                <a:gd name="connsiteY6" fmla="*/ 790012 h 6578439"/>
+                <a:gd name="connsiteX7" fmla="*/ 1611552 w 5890491"/>
+                <a:gd name="connsiteY7" fmla="*/ 1543282 h 6578439"/>
+                <a:gd name="connsiteX8" fmla="*/ 1340656 w 5890491"/>
+                <a:gd name="connsiteY8" fmla="*/ 1897925 h 6578439"/>
+                <a:gd name="connsiteX9" fmla="*/ 1201705 w 5890491"/>
+                <a:gd name="connsiteY9" fmla="*/ 2361213 h 6578439"/>
+                <a:gd name="connsiteX10" fmla="*/ 852705 w 5890491"/>
+                <a:gd name="connsiteY10" fmla="*/ 3529176 h 6578439"/>
+                <a:gd name="connsiteX11" fmla="*/ 863863 w 5890491"/>
+                <a:gd name="connsiteY11" fmla="*/ 4437051 h 6578439"/>
+                <a:gd name="connsiteX12" fmla="*/ 1413569 w 5890491"/>
+                <a:gd name="connsiteY12" fmla="*/ 5357174 h 6578439"/>
+                <a:gd name="connsiteX13" fmla="*/ 2339129 w 5890491"/>
+                <a:gd name="connsiteY13" fmla="*/ 6143367 h 6578439"/>
+                <a:gd name="connsiteX14" fmla="*/ 3439449 w 5890491"/>
+                <a:gd name="connsiteY14" fmla="*/ 6420049 h 6578439"/>
+                <a:gd name="connsiteX15" fmla="*/ 5251388 w 5890491"/>
+                <a:gd name="connsiteY15" fmla="*/ 5349009 h 6578439"/>
+                <a:gd name="connsiteX16" fmla="*/ 5657731 w 5890491"/>
+                <a:gd name="connsiteY16" fmla="*/ 4959205 h 6578439"/>
+                <a:gd name="connsiteX17" fmla="*/ 5836127 w 5890491"/>
+                <a:gd name="connsiteY17" fmla="*/ 4792052 h 6578439"/>
+                <a:gd name="connsiteX18" fmla="*/ 5890491 w 5890491"/>
+                <a:gd name="connsiteY18" fmla="*/ 4738662 h 6578439"/>
+                <a:gd name="connsiteX19" fmla="*/ 5890491 w 5890491"/>
+                <a:gd name="connsiteY19" fmla="*/ 5821964 h 6578439"/>
+                <a:gd name="connsiteX20" fmla="*/ 5802001 w 5890491"/>
+                <a:gd name="connsiteY20" fmla="*/ 5907904 h 6578439"/>
+                <a:gd name="connsiteX21" fmla="*/ 5294358 w 5890491"/>
+                <a:gd name="connsiteY21" fmla="*/ 6397505 h 6578439"/>
+                <a:gd name="connsiteX22" fmla="*/ 5077178 w 5890491"/>
+                <a:gd name="connsiteY22" fmla="*/ 6578439 h 6578439"/>
+                <a:gd name="connsiteX23" fmla="*/ 1567290 w 5890491"/>
+                <a:gd name="connsiteY23" fmla="*/ 6578439 h 6578439"/>
+                <a:gd name="connsiteX24" fmla="*/ 1508588 w 5890491"/>
+                <a:gd name="connsiteY24" fmla="*/ 6535186 h 6578439"/>
+                <a:gd name="connsiteX25" fmla="*/ 826498 w 5890491"/>
+                <a:gd name="connsiteY25" fmla="*/ 5876034 h 6578439"/>
+                <a:gd name="connsiteX26" fmla="*/ 122403 w 5890491"/>
+                <a:gd name="connsiteY26" fmla="*/ 3255655 h 6578439"/>
+                <a:gd name="connsiteX27" fmla="*/ 1061197 w 5890491"/>
+                <a:gd name="connsiteY27" fmla="*/ 984650 h 6578439"/>
+                <a:gd name="connsiteX28" fmla="*/ 3517682 w 5890491"/>
+                <a:gd name="connsiteY28" fmla="*/ 0 h 6578439"/>
+              </a:gdLst>
+              <a:ahLst/>
+              <a:cxnLst>
+                <a:cxn ang="0">
+                  <a:pos x="connsiteX0" y="connsiteY0"/>
+                </a:cxn>
+                <a:cxn ang="0">
+                  <a:pos x="connsiteX1" y="connsiteY1"/>
+                </a:cxn>
+                <a:cxn ang="0">
+                  <a:pos x="connsiteX2" y="connsiteY2"/>
+                </a:cxn>
+                <a:cxn ang="0">
+                  <a:pos x="connsiteX3" y="connsiteY3"/>
+                </a:cxn>
+                <a:cxn ang="0">
+                  <a:pos x="connsiteX4" y="connsiteY4"/>
+                </a:cxn>
+                <a:cxn ang="0">
+                  <a:pos x="connsiteX5" y="connsiteY5"/>
+                </a:cxn>
+                <a:cxn ang="0">
+                  <a:pos x="connsiteX6" y="connsiteY6"/>
+                </a:cxn>
+                <a:cxn ang="0">
+                  <a:pos x="connsiteX7" y="connsiteY7"/>
+                </a:cxn>
+                <a:cxn ang="0">
+                  <a:pos x="connsiteX8" y="connsiteY8"/>
+                </a:cxn>
+                <a:cxn ang="0">
+                  <a:pos x="connsiteX9" y="connsiteY9"/>
+                </a:cxn>
+                <a:cxn ang="0">
+                  <a:pos x="connsiteX10" y="connsiteY10"/>
+                </a:cxn>
+                <a:cxn ang="0">
+                  <a:pos x="connsiteX11" y="connsiteY11"/>
+                </a:cxn>
+                <a:cxn ang="0">
+                  <a:pos x="connsiteX12" y="connsiteY12"/>
+                </a:cxn>
+                <a:cxn ang="0">
+                  <a:pos x="connsiteX13" y="connsiteY13"/>
+                </a:cxn>
+                <a:cxn ang="0">
+                  <a:pos x="connsiteX14" y="connsiteY14"/>
+                </a:cxn>
+                <a:cxn ang="0">
+                  <a:pos x="connsiteX15" y="connsiteY15"/>
+                </a:cxn>
+                <a:cxn ang="0">
+                  <a:pos x="connsiteX16" y="connsiteY16"/>
+                </a:cxn>
+                <a:cxn ang="0">
+                  <a:pos x="connsiteX17" y="connsiteY17"/>
+                </a:cxn>
+                <a:cxn ang="0">
+                  <a:pos x="connsiteX18" y="connsiteY18"/>
+                </a:cxn>
+                <a:cxn ang="0">
+                  <a:pos x="connsiteX19" y="connsiteY19"/>
+                </a:cxn>
+                <a:cxn ang="0">
+                  <a:pos x="connsiteX20" y="connsiteY20"/>
+                </a:cxn>
+                <a:cxn ang="0">
+                  <a:pos x="connsiteX21" y="connsiteY21"/>
+                </a:cxn>
+                <a:cxn ang="0">
+                  <a:pos x="connsiteX22" y="connsiteY22"/>
+                </a:cxn>
+                <a:cxn ang="0">
+                  <a:pos x="connsiteX23" y="connsiteY23"/>
+                </a:cxn>
+                <a:cxn ang="0">
+                  <a:pos x="connsiteX24" y="connsiteY24"/>
+                </a:cxn>
+                <a:cxn ang="0">
+                  <a:pos x="connsiteX25" y="connsiteY25"/>
+                </a:cxn>
+                <a:cxn ang="0">
+                  <a:pos x="connsiteX26" y="connsiteY26"/>
+                </a:cxn>
+                <a:cxn ang="0">
+                  <a:pos x="connsiteX27" y="connsiteY27"/>
+                </a:cxn>
+                <a:cxn ang="0">
+                  <a:pos x="connsiteX28" y="connsiteY28"/>
+                </a:cxn>
+              </a:cxnLst>
+              <a:rect l="l" t="t" r="r" b="b"/>
+              <a:pathLst>
+                <a:path w="5890491" h="6578439">
+                  <a:moveTo>
+                    <a:pt x="3517682" y="0"/>
+                  </a:moveTo>
+                  <a:cubicBezTo>
+                    <a:pt x="4402017" y="0"/>
+                    <a:pt x="5213742" y="315483"/>
+                    <a:pt x="5849513" y="841730"/>
+                  </a:cubicBezTo>
+                  <a:lnTo>
+                    <a:pt x="5890491" y="879061"/>
+                  </a:lnTo>
+                  <a:lnTo>
+                    <a:pt x="5890491" y="2034114"/>
+                  </a:lnTo>
+                  <a:lnTo>
+                    <a:pt x="5757065" y="1854938"/>
+                  </a:lnTo>
+                  <a:cubicBezTo>
+                    <a:pt x="5696443" y="1781264"/>
+                    <a:pt x="5632076" y="1710299"/>
+                    <a:pt x="5564060" y="1642182"/>
+                  </a:cubicBezTo>
+                  <a:cubicBezTo>
+                    <a:pt x="5015393" y="1092636"/>
+                    <a:pt x="4288592" y="790012"/>
+                    <a:pt x="3517551" y="790012"/>
+                  </a:cubicBezTo>
+                  <a:cubicBezTo>
+                    <a:pt x="2701750" y="790012"/>
+                    <a:pt x="2131676" y="1015335"/>
+                    <a:pt x="1611552" y="1543282"/>
+                  </a:cubicBezTo>
+                  <a:cubicBezTo>
+                    <a:pt x="1435754" y="1721722"/>
+                    <a:pt x="1375945" y="1822729"/>
+                    <a:pt x="1340656" y="1897925"/>
+                  </a:cubicBezTo>
+                  <a:cubicBezTo>
+                    <a:pt x="1289148" y="2007623"/>
+                    <a:pt x="1252432" y="2155907"/>
+                    <a:pt x="1201705" y="2361213"/>
+                  </a:cubicBezTo>
+                  <a:cubicBezTo>
+                    <a:pt x="1133721" y="2635919"/>
+                    <a:pt x="1040568" y="3012290"/>
+                    <a:pt x="852705" y="3529176"/>
+                  </a:cubicBezTo>
+                  <a:cubicBezTo>
+                    <a:pt x="749952" y="3811784"/>
+                    <a:pt x="753584" y="4108747"/>
+                    <a:pt x="863863" y="4437051"/>
+                  </a:cubicBezTo>
+                  <a:cubicBezTo>
+                    <a:pt x="964800" y="4737438"/>
+                    <a:pt x="1154869" y="5055603"/>
+                    <a:pt x="1413569" y="5357174"/>
+                  </a:cubicBezTo>
+                  <a:cubicBezTo>
+                    <a:pt x="1718326" y="5712343"/>
+                    <a:pt x="2021008" y="5969404"/>
+                    <a:pt x="2339129" y="6143367"/>
+                  </a:cubicBezTo>
+                  <a:cubicBezTo>
+                    <a:pt x="2679565" y="6329577"/>
+                    <a:pt x="3039591" y="6420049"/>
+                    <a:pt x="3439449" y="6420049"/>
+                  </a:cubicBezTo>
+                  <a:cubicBezTo>
+                    <a:pt x="4142246" y="6420049"/>
+                    <a:pt x="4633828" y="5976251"/>
+                    <a:pt x="5251388" y="5349009"/>
+                  </a:cubicBezTo>
+                  <a:cubicBezTo>
+                    <a:pt x="5389949" y="5208364"/>
+                    <a:pt x="5526047" y="5081677"/>
+                    <a:pt x="5657731" y="4959205"/>
+                  </a:cubicBezTo>
+                  <a:cubicBezTo>
+                    <a:pt x="5719520" y="4901722"/>
+                    <a:pt x="5779200" y="4846206"/>
+                    <a:pt x="5836127" y="4792052"/>
+                  </a:cubicBezTo>
+                  <a:lnTo>
+                    <a:pt x="5890491" y="4738662"/>
+                  </a:lnTo>
+                  <a:lnTo>
+                    <a:pt x="5890491" y="5821964"/>
+                  </a:lnTo>
+                  <a:lnTo>
+                    <a:pt x="5802001" y="5907904"/>
+                  </a:lnTo>
+                  <a:cubicBezTo>
+                    <a:pt x="5634962" y="6077456"/>
+                    <a:pt x="5467509" y="6243625"/>
+                    <a:pt x="5294358" y="6397505"/>
+                  </a:cubicBezTo>
+                  <a:lnTo>
+                    <a:pt x="5077178" y="6578439"/>
+                  </a:lnTo>
+                  <a:lnTo>
+                    <a:pt x="1567290" y="6578439"/>
+                  </a:lnTo>
+                  <a:lnTo>
+                    <a:pt x="1508588" y="6535186"/>
+                  </a:lnTo>
+                  <a:cubicBezTo>
+                    <a:pt x="1263991" y="6345442"/>
+                    <a:pt x="1038054" y="6122666"/>
+                    <a:pt x="826498" y="5876034"/>
+                  </a:cubicBezTo>
+                  <a:cubicBezTo>
+                    <a:pt x="261613" y="5217713"/>
+                    <a:pt x="-239182" y="4250314"/>
+                    <a:pt x="122403" y="3255655"/>
+                  </a:cubicBezTo>
+                  <a:cubicBezTo>
+                    <a:pt x="607497" y="1921629"/>
+                    <a:pt x="393040" y="1662857"/>
+                    <a:pt x="1061197" y="984650"/>
+                  </a:cubicBezTo>
+                  <a:cubicBezTo>
+                    <a:pt x="1729484" y="306444"/>
+                    <a:pt x="2498060" y="0"/>
+                    <a:pt x="3517682" y="0"/>
+                  </a:cubicBezTo>
+                  <a:close/>
+                </a:path>
+              </a:pathLst>
+            </a:custGeom>
+            <a:gradFill flip="none" rotWithShape="1">
+              <a:gsLst>
+                <a:gs pos="2000">
+                  <a:schemeClr val="bg1"/>
+                </a:gs>
+                <a:gs pos="16000">
+                  <a:schemeClr val="accent6">
+                    <a:alpha val="10000"/>
+                  </a:schemeClr>
+                </a:gs>
+                <a:gs pos="100000">
+                  <a:schemeClr val="bg1">
+                    <a:alpha val="10000"/>
+                  </a:schemeClr>
+                </a:gs>
+                <a:gs pos="85000">
+                  <a:schemeClr val="accent1">
+                    <a:alpha val="10000"/>
+                  </a:schemeClr>
+                </a:gs>
+              </a:gsLst>
+              <a:lin ang="12000000" scaled="0"/>
+              <a:tileRect/>
+            </a:gradFill>
+            <a:ln>
+              <a:noFill/>
+            </a:ln>
+          </p:spPr>
+          <p:style>
+            <a:lnRef idx="2">
+              <a:schemeClr val="accent1">
+                <a:shade val="50000"/>
+              </a:schemeClr>
+            </a:lnRef>
+            <a:fillRef idx="1">
+              <a:schemeClr val="accent1"/>
+            </a:fillRef>
+            <a:effectRef idx="0">
+              <a:schemeClr val="accent1"/>
+            </a:effectRef>
+            <a:fontRef idx="minor">
+              <a:schemeClr val="lt1"/>
+            </a:fontRef>
+          </p:style>
+          <p:txBody>
+            <a:bodyPr rtlCol="0" anchor="ctr"/>
+            <a:lstStyle/>
+            <a:p>
+              <a:pPr algn="ctr"/>
+              <a:endParaRPr lang="en-US" dirty="0"/>
+            </a:p>
+          </p:txBody>
+        </p:sp>
+        <p:sp>
+          <p:nvSpPr>
+            <p:cNvPr id="17" name="Freeform: Shape 16">
+              <a:extLst>
+                <a:ext uri="{FF2B5EF4-FFF2-40B4-BE49-F238E27FC236}">
+                  <a16:creationId xmlns:a16="http://schemas.microsoft.com/office/drawing/2014/main" id="{ED519330-E5F1-4248-B58C-1AA0D9E6DABA}"/>
+                </a:ext>
+                <a:ext uri="{C183D7F6-B498-43B3-948B-1728B52AA6E4}">
+                  <adec:decorative xmlns:adec="http://schemas.microsoft.com/office/drawing/2017/decorative" val="1"/>
+                </a:ext>
+              </a:extLst>
+            </p:cNvPr>
+            <p:cNvSpPr/>
+            <p:nvPr>
+              <p:extLst>
+                <p:ext uri="{386F3935-93C4-4BCD-93E2-E3B085C9AB24}">
+                  <p16:designElem xmlns:p16="http://schemas.microsoft.com/office/powerpoint/2015/main" val="1"/>
+                </p:ext>
+              </p:extLst>
+            </p:nvPr>
+          </p:nvSpPr>
+          <p:spPr>
+            <a:xfrm>
+              <a:off x="6101024" y="52997"/>
+              <a:ext cx="6093362" cy="6805004"/>
+            </a:xfrm>
+            <a:custGeom>
+              <a:avLst/>
+              <a:gdLst>
+                <a:gd name="connsiteX0" fmla="*/ 5890490 w 5890490"/>
+                <a:gd name="connsiteY0" fmla="*/ 5389037 h 6578439"/>
+                <a:gd name="connsiteX1" fmla="*/ 5890490 w 5890490"/>
+                <a:gd name="connsiteY1" fmla="*/ 5855587 h 6578439"/>
+                <a:gd name="connsiteX2" fmla="*/ 5784593 w 5890490"/>
+                <a:gd name="connsiteY2" fmla="*/ 5962054 h 6578439"/>
+                <a:gd name="connsiteX3" fmla="*/ 5663414 w 5890490"/>
+                <a:gd name="connsiteY3" fmla="*/ 6082564 h 6578439"/>
+                <a:gd name="connsiteX4" fmla="*/ 5147099 w 5890490"/>
+                <a:gd name="connsiteY4" fmla="*/ 6547726 h 6578439"/>
+                <a:gd name="connsiteX5" fmla="*/ 5105015 w 5890490"/>
+                <a:gd name="connsiteY5" fmla="*/ 6578439 h 6578439"/>
+                <a:gd name="connsiteX6" fmla="*/ 4385601 w 5890490"/>
+                <a:gd name="connsiteY6" fmla="*/ 6578439 h 6578439"/>
+                <a:gd name="connsiteX7" fmla="*/ 4507252 w 5890490"/>
+                <a:gd name="connsiteY7" fmla="*/ 6515968 h 6578439"/>
+                <a:gd name="connsiteX8" fmla="*/ 4909330 w 5890490"/>
+                <a:gd name="connsiteY8" fmla="*/ 6253453 h 6578439"/>
+                <a:gd name="connsiteX9" fmla="*/ 5411374 w 5890490"/>
+                <a:gd name="connsiteY9" fmla="*/ 5828544 h 6578439"/>
+                <a:gd name="connsiteX10" fmla="*/ 5533570 w 5890490"/>
+                <a:gd name="connsiteY10" fmla="*/ 5714534 h 6578439"/>
+                <a:gd name="connsiteX11" fmla="*/ 5657425 w 5890490"/>
+                <a:gd name="connsiteY11" fmla="*/ 5597650 h 6578439"/>
+                <a:gd name="connsiteX12" fmla="*/ 3336813 w 5890490"/>
+                <a:gd name="connsiteY12" fmla="*/ 499 h 6578439"/>
+                <a:gd name="connsiteX13" fmla="*/ 3513674 w 5890490"/>
+                <a:gd name="connsiteY13" fmla="*/ 1202 h 6578439"/>
+                <a:gd name="connsiteX14" fmla="*/ 3602743 w 5890490"/>
+                <a:gd name="connsiteY14" fmla="*/ 4827 h 6578439"/>
+                <a:gd name="connsiteX15" fmla="*/ 3647213 w 5890490"/>
+                <a:gd name="connsiteY15" fmla="*/ 6703 h 6578439"/>
+                <a:gd name="connsiteX16" fmla="*/ 3691684 w 5890490"/>
+                <a:gd name="connsiteY16" fmla="*/ 9453 h 6578439"/>
+                <a:gd name="connsiteX17" fmla="*/ 3868927 w 5890490"/>
+                <a:gd name="connsiteY17" fmla="*/ 27080 h 6578439"/>
+                <a:gd name="connsiteX18" fmla="*/ 5200872 w 5890490"/>
+                <a:gd name="connsiteY18" fmla="*/ 472240 h 6578439"/>
+                <a:gd name="connsiteX19" fmla="*/ 5772711 w 5890490"/>
+                <a:gd name="connsiteY19" fmla="*/ 866334 h 6578439"/>
+                <a:gd name="connsiteX20" fmla="*/ 5890490 w 5890490"/>
+                <a:gd name="connsiteY20" fmla="*/ 972426 h 6578439"/>
+                <a:gd name="connsiteX21" fmla="*/ 5890490 w 5890490"/>
+                <a:gd name="connsiteY21" fmla="*/ 1158576 h 6578439"/>
+                <a:gd name="connsiteX22" fmla="*/ 5676045 w 5890490"/>
+                <a:gd name="connsiteY22" fmla="*/ 986969 h 6578439"/>
+                <a:gd name="connsiteX23" fmla="*/ 5103776 w 5890490"/>
+                <a:gd name="connsiteY23" fmla="*/ 655879 h 6578439"/>
+                <a:gd name="connsiteX24" fmla="*/ 4482465 w 5890490"/>
+                <a:gd name="connsiteY24" fmla="*/ 440363 h 6578439"/>
+                <a:gd name="connsiteX25" fmla="*/ 4402444 w 5890490"/>
+                <a:gd name="connsiteY25" fmla="*/ 422111 h 6578439"/>
+                <a:gd name="connsiteX26" fmla="*/ 4322423 w 5890490"/>
+                <a:gd name="connsiteY26" fmla="*/ 404610 h 6578439"/>
+                <a:gd name="connsiteX27" fmla="*/ 4241892 w 5890490"/>
+                <a:gd name="connsiteY27" fmla="*/ 389858 h 6578439"/>
+                <a:gd name="connsiteX28" fmla="*/ 4201627 w 5890490"/>
+                <a:gd name="connsiteY28" fmla="*/ 382483 h 6578439"/>
+                <a:gd name="connsiteX29" fmla="*/ 4161234 w 5890490"/>
+                <a:gd name="connsiteY29" fmla="*/ 375857 h 6578439"/>
+                <a:gd name="connsiteX30" fmla="*/ 3999280 w 5890490"/>
+                <a:gd name="connsiteY30" fmla="*/ 353606 h 6578439"/>
+                <a:gd name="connsiteX31" fmla="*/ 3836817 w 5890490"/>
+                <a:gd name="connsiteY31" fmla="*/ 338480 h 6578439"/>
+                <a:gd name="connsiteX32" fmla="*/ 3673972 w 5890490"/>
+                <a:gd name="connsiteY32" fmla="*/ 330604 h 6578439"/>
+                <a:gd name="connsiteX33" fmla="*/ 3511126 w 5890490"/>
+                <a:gd name="connsiteY33" fmla="*/ 328978 h 6578439"/>
+                <a:gd name="connsiteX34" fmla="*/ 3183142 w 5890490"/>
+                <a:gd name="connsiteY34" fmla="*/ 342854 h 6578439"/>
+                <a:gd name="connsiteX35" fmla="*/ 2541444 w 5890490"/>
+                <a:gd name="connsiteY35" fmla="*/ 439988 h 6578439"/>
+                <a:gd name="connsiteX36" fmla="*/ 1933895 w 5890490"/>
+                <a:gd name="connsiteY36" fmla="*/ 650505 h 6578439"/>
+                <a:gd name="connsiteX37" fmla="*/ 1378079 w 5890490"/>
+                <a:gd name="connsiteY37" fmla="*/ 983905 h 6578439"/>
+                <a:gd name="connsiteX38" fmla="*/ 1312967 w 5890490"/>
+                <a:gd name="connsiteY38" fmla="*/ 1033660 h 6578439"/>
+                <a:gd name="connsiteX39" fmla="*/ 1248364 w 5890490"/>
+                <a:gd name="connsiteY39" fmla="*/ 1084413 h 6578439"/>
+                <a:gd name="connsiteX40" fmla="*/ 1185163 w 5890490"/>
+                <a:gd name="connsiteY40" fmla="*/ 1137168 h 6578439"/>
+                <a:gd name="connsiteX41" fmla="*/ 1122852 w 5890490"/>
+                <a:gd name="connsiteY41" fmla="*/ 1190922 h 6578439"/>
+                <a:gd name="connsiteX42" fmla="*/ 892092 w 5890490"/>
+                <a:gd name="connsiteY42" fmla="*/ 1421440 h 6578439"/>
+                <a:gd name="connsiteX43" fmla="*/ 707202 w 5890490"/>
+                <a:gd name="connsiteY43" fmla="*/ 1684212 h 6578439"/>
+                <a:gd name="connsiteX44" fmla="*/ 670121 w 5890490"/>
+                <a:gd name="connsiteY44" fmla="*/ 1756093 h 6578439"/>
+                <a:gd name="connsiteX45" fmla="*/ 637630 w 5890490"/>
+                <a:gd name="connsiteY45" fmla="*/ 1830724 h 6578439"/>
+                <a:gd name="connsiteX46" fmla="*/ 607685 w 5890490"/>
+                <a:gd name="connsiteY46" fmla="*/ 1907105 h 6578439"/>
+                <a:gd name="connsiteX47" fmla="*/ 580034 w 5890490"/>
+                <a:gd name="connsiteY47" fmla="*/ 1984986 h 6578439"/>
+                <a:gd name="connsiteX48" fmla="*/ 481919 w 5890490"/>
+                <a:gd name="connsiteY48" fmla="*/ 2304386 h 6578439"/>
+                <a:gd name="connsiteX49" fmla="*/ 433881 w 5890490"/>
+                <a:gd name="connsiteY49" fmla="*/ 2465399 h 6578439"/>
+                <a:gd name="connsiteX50" fmla="*/ 384442 w 5890490"/>
+                <a:gd name="connsiteY50" fmla="*/ 2626163 h 6578439"/>
+                <a:gd name="connsiteX51" fmla="*/ 166039 w 5890490"/>
+                <a:gd name="connsiteY51" fmla="*/ 3261338 h 6578439"/>
+                <a:gd name="connsiteX52" fmla="*/ 56202 w 5890490"/>
+                <a:gd name="connsiteY52" fmla="*/ 3910265 h 6578439"/>
+                <a:gd name="connsiteX53" fmla="*/ 93664 w 5890490"/>
+                <a:gd name="connsiteY53" fmla="*/ 4237292 h 6578439"/>
+                <a:gd name="connsiteX54" fmla="*/ 111758 w 5890490"/>
+                <a:gd name="connsiteY54" fmla="*/ 4317548 h 6578439"/>
+                <a:gd name="connsiteX55" fmla="*/ 133038 w 5890490"/>
+                <a:gd name="connsiteY55" fmla="*/ 4397054 h 6578439"/>
+                <a:gd name="connsiteX56" fmla="*/ 157757 w 5890490"/>
+                <a:gd name="connsiteY56" fmla="*/ 4475560 h 6578439"/>
+                <a:gd name="connsiteX57" fmla="*/ 185153 w 5890490"/>
+                <a:gd name="connsiteY57" fmla="*/ 4553066 h 6578439"/>
+                <a:gd name="connsiteX58" fmla="*/ 493642 w 5890490"/>
+                <a:gd name="connsiteY58" fmla="*/ 5132239 h 6578439"/>
+                <a:gd name="connsiteX59" fmla="*/ 914391 w 5890490"/>
+                <a:gd name="connsiteY59" fmla="*/ 5636528 h 6578439"/>
+                <a:gd name="connsiteX60" fmla="*/ 1402034 w 5890490"/>
+                <a:gd name="connsiteY60" fmla="*/ 6076188 h 6578439"/>
+                <a:gd name="connsiteX61" fmla="*/ 1664397 w 5890490"/>
+                <a:gd name="connsiteY61" fmla="*/ 6267079 h 6578439"/>
+                <a:gd name="connsiteX62" fmla="*/ 1938992 w 5890490"/>
+                <a:gd name="connsiteY62" fmla="*/ 6434343 h 6578439"/>
+                <a:gd name="connsiteX63" fmla="*/ 2225931 w 5890490"/>
+                <a:gd name="connsiteY63" fmla="*/ 6574322 h 6578439"/>
+                <a:gd name="connsiteX64" fmla="*/ 2236328 w 5890490"/>
+                <a:gd name="connsiteY64" fmla="*/ 6578439 h 6578439"/>
+                <a:gd name="connsiteX65" fmla="*/ 1504665 w 5890490"/>
+                <a:gd name="connsiteY65" fmla="*/ 6578439 h 6578439"/>
+                <a:gd name="connsiteX66" fmla="*/ 1456827 w 5890490"/>
+                <a:gd name="connsiteY66" fmla="*/ 6543476 h 6578439"/>
+                <a:gd name="connsiteX67" fmla="*/ 1188475 w 5890490"/>
+                <a:gd name="connsiteY67" fmla="*/ 6314083 h 6578439"/>
+                <a:gd name="connsiteX68" fmla="*/ 721728 w 5890490"/>
+                <a:gd name="connsiteY68" fmla="*/ 5798666 h 6578439"/>
+                <a:gd name="connsiteX69" fmla="*/ 344175 w 5890490"/>
+                <a:gd name="connsiteY69" fmla="*/ 5219495 h 6578439"/>
+                <a:gd name="connsiteX70" fmla="*/ 87293 w 5890490"/>
+                <a:gd name="connsiteY70" fmla="*/ 4583569 h 6578439"/>
+                <a:gd name="connsiteX71" fmla="*/ 65886 w 5890490"/>
+                <a:gd name="connsiteY71" fmla="*/ 4500813 h 6578439"/>
+                <a:gd name="connsiteX72" fmla="*/ 47409 w 5890490"/>
+                <a:gd name="connsiteY72" fmla="*/ 4417431 h 6578439"/>
+                <a:gd name="connsiteX73" fmla="*/ 39000 w 5890490"/>
+                <a:gd name="connsiteY73" fmla="*/ 4375677 h 6578439"/>
+                <a:gd name="connsiteX74" fmla="*/ 31610 w 5890490"/>
+                <a:gd name="connsiteY74" fmla="*/ 4333674 h 6578439"/>
+                <a:gd name="connsiteX75" fmla="*/ 18868 w 5890490"/>
+                <a:gd name="connsiteY75" fmla="*/ 4249417 h 6578439"/>
+                <a:gd name="connsiteX76" fmla="*/ 646 w 5890490"/>
+                <a:gd name="connsiteY76" fmla="*/ 3910265 h 6578439"/>
+                <a:gd name="connsiteX77" fmla="*/ 130234 w 5890490"/>
+                <a:gd name="connsiteY77" fmla="*/ 3248337 h 6578439"/>
+                <a:gd name="connsiteX78" fmla="*/ 335383 w 5890490"/>
+                <a:gd name="connsiteY78" fmla="*/ 2611911 h 6578439"/>
+                <a:gd name="connsiteX79" fmla="*/ 487272 w 5890490"/>
+                <a:gd name="connsiteY79" fmla="*/ 1958609 h 6578439"/>
+                <a:gd name="connsiteX80" fmla="*/ 508550 w 5890490"/>
+                <a:gd name="connsiteY80" fmla="*/ 1876227 h 6578439"/>
+                <a:gd name="connsiteX81" fmla="*/ 531742 w 5890490"/>
+                <a:gd name="connsiteY81" fmla="*/ 1793721 h 6578439"/>
+                <a:gd name="connsiteX82" fmla="*/ 558245 w 5890490"/>
+                <a:gd name="connsiteY82" fmla="*/ 1711465 h 6578439"/>
+                <a:gd name="connsiteX83" fmla="*/ 590100 w 5890490"/>
+                <a:gd name="connsiteY83" fmla="*/ 1630332 h 6578439"/>
+                <a:gd name="connsiteX84" fmla="*/ 758680 w 5890490"/>
+                <a:gd name="connsiteY84" fmla="*/ 1322433 h 6578439"/>
+                <a:gd name="connsiteX85" fmla="*/ 976317 w 5890490"/>
+                <a:gd name="connsiteY85" fmla="*/ 1049286 h 6578439"/>
+                <a:gd name="connsiteX86" fmla="*/ 1035314 w 5890490"/>
+                <a:gd name="connsiteY86" fmla="*/ 985406 h 6578439"/>
+                <a:gd name="connsiteX87" fmla="*/ 1095329 w 5890490"/>
+                <a:gd name="connsiteY87" fmla="*/ 922526 h 6578439"/>
+                <a:gd name="connsiteX88" fmla="*/ 1157384 w 5890490"/>
+                <a:gd name="connsiteY88" fmla="*/ 861271 h 6578439"/>
+                <a:gd name="connsiteX89" fmla="*/ 1220841 w 5890490"/>
+                <a:gd name="connsiteY89" fmla="*/ 801017 h 6578439"/>
+                <a:gd name="connsiteX90" fmla="*/ 1286462 w 5890490"/>
+                <a:gd name="connsiteY90" fmla="*/ 742886 h 6578439"/>
+                <a:gd name="connsiteX91" fmla="*/ 1353233 w 5890490"/>
+                <a:gd name="connsiteY91" fmla="*/ 685632 h 6578439"/>
+                <a:gd name="connsiteX92" fmla="*/ 1369924 w 5890490"/>
+                <a:gd name="connsiteY92" fmla="*/ 671256 h 6578439"/>
+                <a:gd name="connsiteX93" fmla="*/ 1387380 w 5890490"/>
+                <a:gd name="connsiteY93" fmla="*/ 657755 h 6578439"/>
+                <a:gd name="connsiteX94" fmla="*/ 1422422 w 5890490"/>
+                <a:gd name="connsiteY94" fmla="*/ 630877 h 6578439"/>
+                <a:gd name="connsiteX95" fmla="*/ 1492759 w 5890490"/>
+                <a:gd name="connsiteY95" fmla="*/ 577248 h 6578439"/>
+                <a:gd name="connsiteX96" fmla="*/ 1528820 w 5890490"/>
+                <a:gd name="connsiteY96" fmla="*/ 551496 h 6578439"/>
+                <a:gd name="connsiteX97" fmla="*/ 1565390 w 5890490"/>
+                <a:gd name="connsiteY97" fmla="*/ 526370 h 6578439"/>
+                <a:gd name="connsiteX98" fmla="*/ 1639040 w 5890490"/>
+                <a:gd name="connsiteY98" fmla="*/ 476490 h 6578439"/>
+                <a:gd name="connsiteX99" fmla="*/ 1792075 w 5890490"/>
+                <a:gd name="connsiteY99" fmla="*/ 384859 h 6578439"/>
+                <a:gd name="connsiteX100" fmla="*/ 2455943 w 5890490"/>
+                <a:gd name="connsiteY100" fmla="*/ 117836 h 6578439"/>
+                <a:gd name="connsiteX101" fmla="*/ 3159952 w 5890490"/>
+                <a:gd name="connsiteY101" fmla="*/ 7203 h 6578439"/>
+                <a:gd name="connsiteX102" fmla="*/ 3336813 w 5890490"/>
+                <a:gd name="connsiteY102" fmla="*/ 499 h 6578439"/>
+              </a:gdLst>
+              <a:ahLst/>
+              <a:cxnLst>
+                <a:cxn ang="0">
+                  <a:pos x="connsiteX0" y="connsiteY0"/>
+                </a:cxn>
+                <a:cxn ang="0">
+                  <a:pos x="connsiteX1" y="connsiteY1"/>
+                </a:cxn>
+                <a:cxn ang="0">
+                  <a:pos x="connsiteX2" y="connsiteY2"/>
+                </a:cxn>
+                <a:cxn ang="0">
+                  <a:pos x="connsiteX3" y="connsiteY3"/>
+                </a:cxn>
+                <a:cxn ang="0">
+                  <a:pos x="connsiteX4" y="connsiteY4"/>
+                </a:cxn>
+                <a:cxn ang="0">
+                  <a:pos x="connsiteX5" y="connsiteY5"/>
+                </a:cxn>
+                <a:cxn ang="0">
+                  <a:pos x="connsiteX6" y="connsiteY6"/>
+                </a:cxn>
+                <a:cxn ang="0">
+                  <a:pos x="connsiteX7" y="connsiteY7"/>
+                </a:cxn>
+                <a:cxn ang="0">
+                  <a:pos x="connsiteX8" y="connsiteY8"/>
+                </a:cxn>
+                <a:cxn ang="0">
+                  <a:pos x="connsiteX9" y="connsiteY9"/>
+                </a:cxn>
+                <a:cxn ang="0">
+                  <a:pos x="connsiteX10" y="connsiteY10"/>
+                </a:cxn>
+                <a:cxn ang="0">
+                  <a:pos x="connsiteX11" y="connsiteY11"/>
+                </a:cxn>
+                <a:cxn ang="0">
+                  <a:pos x="connsiteX12" y="connsiteY12"/>
+                </a:cxn>
+                <a:cxn ang="0">
+                  <a:pos x="connsiteX13" y="connsiteY13"/>
+                </a:cxn>
+                <a:cxn ang="0">
+                  <a:pos x="connsiteX14" y="connsiteY14"/>
+                </a:cxn>
+                <a:cxn ang="0">
+                  <a:pos x="connsiteX15" y="connsiteY15"/>
+                </a:cxn>
+                <a:cxn ang="0">
+                  <a:pos x="connsiteX16" y="connsiteY16"/>
+                </a:cxn>
+                <a:cxn ang="0">
+                  <a:pos x="connsiteX17" y="connsiteY17"/>
+                </a:cxn>
+                <a:cxn ang="0">
+                  <a:pos x="connsiteX18" y="connsiteY18"/>
+                </a:cxn>
+                <a:cxn ang="0">
+                  <a:pos x="connsiteX19" y="connsiteY19"/>
+                </a:cxn>
+                <a:cxn ang="0">
+                  <a:pos x="connsiteX20" y="connsiteY20"/>
+                </a:cxn>
+                <a:cxn ang="0">
+                  <a:pos x="connsiteX21" y="connsiteY21"/>
+                </a:cxn>
+                <a:cxn ang="0">
+                  <a:pos x="connsiteX22" y="connsiteY22"/>
+                </a:cxn>
+                <a:cxn ang="0">
+                  <a:pos x="connsiteX23" y="connsiteY23"/>
+                </a:cxn>
+                <a:cxn ang="0">
+                  <a:pos x="connsiteX24" y="connsiteY24"/>
+                </a:cxn>
+                <a:cxn ang="0">
+                  <a:pos x="connsiteX25" y="connsiteY25"/>
+                </a:cxn>
+                <a:cxn ang="0">
+                  <a:pos x="connsiteX26" y="connsiteY26"/>
+                </a:cxn>
+                <a:cxn ang="0">
+                  <a:pos x="connsiteX27" y="connsiteY27"/>
+                </a:cxn>
+                <a:cxn ang="0">
+                  <a:pos x="connsiteX28" y="connsiteY28"/>
+                </a:cxn>
+                <a:cxn ang="0">
+                  <a:pos x="connsiteX29" y="connsiteY29"/>
+                </a:cxn>
+                <a:cxn ang="0">
+                  <a:pos x="connsiteX30" y="connsiteY30"/>
+                </a:cxn>
+                <a:cxn ang="0">
+                  <a:pos x="connsiteX31" y="connsiteY31"/>
+                </a:cxn>
+                <a:cxn ang="0">
+                  <a:pos x="connsiteX32" y="connsiteY32"/>
+                </a:cxn>
+                <a:cxn ang="0">
+                  <a:pos x="connsiteX33" y="connsiteY33"/>
+                </a:cxn>
+                <a:cxn ang="0">
+                  <a:pos x="connsiteX34" y="connsiteY34"/>
+                </a:cxn>
+                <a:cxn ang="0">
+                  <a:pos x="connsiteX35" y="connsiteY35"/>
+                </a:cxn>
+                <a:cxn ang="0">
+                  <a:pos x="connsiteX36" y="connsiteY36"/>
+                </a:cxn>
+                <a:cxn ang="0">
+                  <a:pos x="connsiteX37" y="connsiteY37"/>
+                </a:cxn>
+                <a:cxn ang="0">
+                  <a:pos x="connsiteX38" y="connsiteY38"/>
+                </a:cxn>
+                <a:cxn ang="0">
+                  <a:pos x="connsiteX39" y="connsiteY39"/>
+                </a:cxn>
+                <a:cxn ang="0">
+                  <a:pos x="connsiteX40" y="connsiteY40"/>
+                </a:cxn>
+                <a:cxn ang="0">
+                  <a:pos x="connsiteX41" y="connsiteY41"/>
+                </a:cxn>
+                <a:cxn ang="0">
+                  <a:pos x="connsiteX42" y="connsiteY42"/>
+                </a:cxn>
+                <a:cxn ang="0">
+                  <a:pos x="connsiteX43" y="connsiteY43"/>
+                </a:cxn>
+                <a:cxn ang="0">
+                  <a:pos x="connsiteX44" y="connsiteY44"/>
+                </a:cxn>
+                <a:cxn ang="0">
+                  <a:pos x="connsiteX45" y="connsiteY45"/>
+                </a:cxn>
+                <a:cxn ang="0">
+                  <a:pos x="connsiteX46" y="connsiteY46"/>
+                </a:cxn>
+                <a:cxn ang="0">
+                  <a:pos x="connsiteX47" y="connsiteY47"/>
+                </a:cxn>
+                <a:cxn ang="0">
+                  <a:pos x="connsiteX48" y="connsiteY48"/>
+                </a:cxn>
+                <a:cxn ang="0">
+                  <a:pos x="connsiteX49" y="connsiteY49"/>
+                </a:cxn>
+                <a:cxn ang="0">
+                  <a:pos x="connsiteX50" y="connsiteY50"/>
+                </a:cxn>
+                <a:cxn ang="0">
+                  <a:pos x="connsiteX51" y="connsiteY51"/>
+                </a:cxn>
+                <a:cxn ang="0">
+                  <a:pos x="connsiteX52" y="connsiteY52"/>
+                </a:cxn>
+                <a:cxn ang="0">
+                  <a:pos x="connsiteX53" y="connsiteY53"/>
+                </a:cxn>
+                <a:cxn ang="0">
+                  <a:pos x="connsiteX54" y="connsiteY54"/>
+                </a:cxn>
+                <a:cxn ang="0">
+                  <a:pos x="connsiteX55" y="connsiteY55"/>
+                </a:cxn>
+                <a:cxn ang="0">
+                  <a:pos x="connsiteX56" y="connsiteY56"/>
+                </a:cxn>
+                <a:cxn ang="0">
+                  <a:pos x="connsiteX57" y="connsiteY57"/>
+                </a:cxn>
+                <a:cxn ang="0">
+                  <a:pos x="connsiteX58" y="connsiteY58"/>
+                </a:cxn>
+                <a:cxn ang="0">
+                  <a:pos x="connsiteX59" y="connsiteY59"/>
+                </a:cxn>
+                <a:cxn ang="0">
+                  <a:pos x="connsiteX60" y="connsiteY60"/>
+                </a:cxn>
+                <a:cxn ang="0">
+                  <a:pos x="connsiteX61" y="connsiteY61"/>
+                </a:cxn>
+                <a:cxn ang="0">
+                  <a:pos x="connsiteX62" y="connsiteY62"/>
+                </a:cxn>
+                <a:cxn ang="0">
+                  <a:pos x="connsiteX63" y="connsiteY63"/>
+                </a:cxn>
+                <a:cxn ang="0">
+                  <a:pos x="connsiteX64" y="connsiteY64"/>
+                </a:cxn>
+                <a:cxn ang="0">
+                  <a:pos x="connsiteX65" y="connsiteY65"/>
+                </a:cxn>
+                <a:cxn ang="0">
+                  <a:pos x="connsiteX66" y="connsiteY66"/>
+                </a:cxn>
+                <a:cxn ang="0">
+                  <a:pos x="connsiteX67" y="connsiteY67"/>
+                </a:cxn>
+                <a:cxn ang="0">
+                  <a:pos x="connsiteX68" y="connsiteY68"/>
+                </a:cxn>
+                <a:cxn ang="0">
+                  <a:pos x="connsiteX69" y="connsiteY69"/>
+                </a:cxn>
+                <a:cxn ang="0">
+                  <a:pos x="connsiteX70" y="connsiteY70"/>
+                </a:cxn>
+                <a:cxn ang="0">
+                  <a:pos x="connsiteX71" y="connsiteY71"/>
+                </a:cxn>
+                <a:cxn ang="0">
+                  <a:pos x="connsiteX72" y="connsiteY72"/>
+                </a:cxn>
+                <a:cxn ang="0">
+                  <a:pos x="connsiteX73" y="connsiteY73"/>
+                </a:cxn>
+                <a:cxn ang="0">
+                  <a:pos x="connsiteX74" y="connsiteY74"/>
+                </a:cxn>
+                <a:cxn ang="0">
+                  <a:pos x="connsiteX75" y="connsiteY75"/>
+                </a:cxn>
+                <a:cxn ang="0">
+                  <a:pos x="connsiteX76" y="connsiteY76"/>
+                </a:cxn>
+                <a:cxn ang="0">
+                  <a:pos x="connsiteX77" y="connsiteY77"/>
+                </a:cxn>
+                <a:cxn ang="0">
+                  <a:pos x="connsiteX78" y="connsiteY78"/>
+                </a:cxn>
+                <a:cxn ang="0">
+                  <a:pos x="connsiteX79" y="connsiteY79"/>
+                </a:cxn>
+                <a:cxn ang="0">
+                  <a:pos x="connsiteX80" y="connsiteY80"/>
+                </a:cxn>
+                <a:cxn ang="0">
+                  <a:pos x="connsiteX81" y="connsiteY81"/>
+                </a:cxn>
+                <a:cxn ang="0">
+                  <a:pos x="connsiteX82" y="connsiteY82"/>
+                </a:cxn>
+                <a:cxn ang="0">
+                  <a:pos x="connsiteX83" y="connsiteY83"/>
+                </a:cxn>
+                <a:cxn ang="0">
+                  <a:pos x="connsiteX84" y="connsiteY84"/>
+                </a:cxn>
+                <a:cxn ang="0">
+                  <a:pos x="connsiteX85" y="connsiteY85"/>
+                </a:cxn>
+                <a:cxn ang="0">
+                  <a:pos x="connsiteX86" y="connsiteY86"/>
+                </a:cxn>
+                <a:cxn ang="0">
+                  <a:pos x="connsiteX87" y="connsiteY87"/>
+                </a:cxn>
+                <a:cxn ang="0">
+                  <a:pos x="connsiteX88" y="connsiteY88"/>
+                </a:cxn>
+                <a:cxn ang="0">
+                  <a:pos x="connsiteX89" y="connsiteY89"/>
+                </a:cxn>
+                <a:cxn ang="0">
+                  <a:pos x="connsiteX90" y="connsiteY90"/>
+                </a:cxn>
+                <a:cxn ang="0">
+                  <a:pos x="connsiteX91" y="connsiteY91"/>
+                </a:cxn>
+                <a:cxn ang="0">
+                  <a:pos x="connsiteX92" y="connsiteY92"/>
+                </a:cxn>
+                <a:cxn ang="0">
+                  <a:pos x="connsiteX93" y="connsiteY93"/>
+                </a:cxn>
+                <a:cxn ang="0">
+                  <a:pos x="connsiteX94" y="connsiteY94"/>
+                </a:cxn>
+                <a:cxn ang="0">
+                  <a:pos x="connsiteX95" y="connsiteY95"/>
+                </a:cxn>
+                <a:cxn ang="0">
+                  <a:pos x="connsiteX96" y="connsiteY96"/>
+                </a:cxn>
+                <a:cxn ang="0">
+                  <a:pos x="connsiteX97" y="connsiteY97"/>
+                </a:cxn>
+                <a:cxn ang="0">
+                  <a:pos x="connsiteX98" y="connsiteY98"/>
+                </a:cxn>
+                <a:cxn ang="0">
+                  <a:pos x="connsiteX99" y="connsiteY99"/>
+                </a:cxn>
+                <a:cxn ang="0">
+                  <a:pos x="connsiteX100" y="connsiteY100"/>
+                </a:cxn>
+                <a:cxn ang="0">
+                  <a:pos x="connsiteX101" y="connsiteY101"/>
+                </a:cxn>
+                <a:cxn ang="0">
+                  <a:pos x="connsiteX102" y="connsiteY102"/>
+                </a:cxn>
+              </a:cxnLst>
+              <a:rect l="l" t="t" r="r" b="b"/>
+              <a:pathLst>
+                <a:path w="5890490" h="6578439">
+                  <a:moveTo>
+                    <a:pt x="5890490" y="5389037"/>
+                  </a:moveTo>
+                  <a:lnTo>
+                    <a:pt x="5890490" y="5855587"/>
+                  </a:lnTo>
+                  <a:lnTo>
+                    <a:pt x="5784593" y="5962054"/>
+                  </a:lnTo>
+                  <a:cubicBezTo>
+                    <a:pt x="5744454" y="6002308"/>
+                    <a:pt x="5704062" y="6042436"/>
+                    <a:pt x="5663414" y="6082564"/>
+                  </a:cubicBezTo>
+                  <a:cubicBezTo>
+                    <a:pt x="5500314" y="6242577"/>
+                    <a:pt x="5330970" y="6400714"/>
+                    <a:pt x="5147099" y="6547726"/>
+                  </a:cubicBezTo>
+                  <a:lnTo>
+                    <a:pt x="5105015" y="6578439"/>
+                  </a:lnTo>
+                  <a:lnTo>
+                    <a:pt x="4385601" y="6578439"/>
+                  </a:lnTo>
+                  <a:lnTo>
+                    <a:pt x="4507252" y="6515968"/>
+                  </a:lnTo>
+                  <a:cubicBezTo>
+                    <a:pt x="4645901" y="6439679"/>
+                    <a:pt x="4779837" y="6350961"/>
+                    <a:pt x="4909330" y="6253453"/>
+                  </a:cubicBezTo>
+                  <a:cubicBezTo>
+                    <a:pt x="5082369" y="6123567"/>
+                    <a:pt x="5248145" y="5979180"/>
+                    <a:pt x="5411374" y="5828544"/>
+                  </a:cubicBezTo>
+                  <a:cubicBezTo>
+                    <a:pt x="5452149" y="5790791"/>
+                    <a:pt x="5492924" y="5752788"/>
+                    <a:pt x="5533570" y="5714534"/>
+                  </a:cubicBezTo>
+                  <a:lnTo>
+                    <a:pt x="5657425" y="5597650"/>
+                  </a:lnTo>
+                  <a:close/>
+                  <a:moveTo>
+                    <a:pt x="3336813" y="499"/>
+                  </a:moveTo>
+                  <a:cubicBezTo>
+                    <a:pt x="3395682" y="-392"/>
+                    <a:pt x="3454550" y="-48"/>
+                    <a:pt x="3513674" y="1202"/>
+                  </a:cubicBezTo>
+                  <a:lnTo>
+                    <a:pt x="3602743" y="4827"/>
+                  </a:lnTo>
+                  <a:lnTo>
+                    <a:pt x="3647213" y="6703"/>
+                  </a:lnTo>
+                  <a:cubicBezTo>
+                    <a:pt x="3661994" y="7327"/>
+                    <a:pt x="3676903" y="7703"/>
+                    <a:pt x="3691684" y="9453"/>
+                  </a:cubicBezTo>
+                  <a:lnTo>
+                    <a:pt x="3868927" y="27080"/>
+                  </a:lnTo>
+                  <a:cubicBezTo>
+                    <a:pt x="4340645" y="85584"/>
+                    <a:pt x="4795160" y="243221"/>
+                    <a:pt x="5200872" y="472240"/>
+                  </a:cubicBezTo>
+                  <a:cubicBezTo>
+                    <a:pt x="5403855" y="587124"/>
+                    <a:pt x="5594988" y="719447"/>
+                    <a:pt x="5772711" y="866334"/>
+                  </a:cubicBezTo>
+                  <a:lnTo>
+                    <a:pt x="5890490" y="972426"/>
+                  </a:lnTo>
+                  <a:lnTo>
+                    <a:pt x="5890490" y="1158576"/>
+                  </a:lnTo>
+                  <a:lnTo>
+                    <a:pt x="5676045" y="986969"/>
+                  </a:lnTo>
+                  <a:cubicBezTo>
+                    <a:pt x="5496587" y="857740"/>
+                    <a:pt x="5304275" y="746699"/>
+                    <a:pt x="5103776" y="655879"/>
+                  </a:cubicBezTo>
+                  <a:cubicBezTo>
+                    <a:pt x="4903214" y="564747"/>
+                    <a:pt x="4695006" y="492492"/>
+                    <a:pt x="4482465" y="440363"/>
+                  </a:cubicBezTo>
+                  <a:lnTo>
+                    <a:pt x="4402444" y="422111"/>
+                  </a:lnTo>
+                  <a:cubicBezTo>
+                    <a:pt x="4375813" y="416111"/>
+                    <a:pt x="4349436" y="408859"/>
+                    <a:pt x="4322423" y="404610"/>
+                  </a:cubicBezTo>
+                  <a:lnTo>
+                    <a:pt x="4241892" y="389858"/>
+                  </a:lnTo>
+                  <a:lnTo>
+                    <a:pt x="4201627" y="382483"/>
+                  </a:lnTo>
+                  <a:cubicBezTo>
+                    <a:pt x="4188248" y="379983"/>
+                    <a:pt x="4174869" y="377483"/>
+                    <a:pt x="4161234" y="375857"/>
+                  </a:cubicBezTo>
+                  <a:cubicBezTo>
+                    <a:pt x="4107208" y="368482"/>
+                    <a:pt x="4053308" y="360482"/>
+                    <a:pt x="3999280" y="353606"/>
+                  </a:cubicBezTo>
+                  <a:cubicBezTo>
+                    <a:pt x="3944999" y="348855"/>
+                    <a:pt x="3890844" y="343854"/>
+                    <a:pt x="3836817" y="338480"/>
+                  </a:cubicBezTo>
+                  <a:lnTo>
+                    <a:pt x="3673972" y="330604"/>
+                  </a:lnTo>
+                  <a:cubicBezTo>
+                    <a:pt x="3619690" y="329104"/>
+                    <a:pt x="3565281" y="329604"/>
+                    <a:pt x="3511126" y="328978"/>
+                  </a:cubicBezTo>
+                  <a:cubicBezTo>
+                    <a:pt x="3402054" y="330728"/>
+                    <a:pt x="3291706" y="334604"/>
+                    <a:pt x="3183142" y="342854"/>
+                  </a:cubicBezTo>
+                  <a:cubicBezTo>
+                    <a:pt x="2965505" y="358855"/>
+                    <a:pt x="2750670" y="389733"/>
+                    <a:pt x="2541444" y="439988"/>
+                  </a:cubicBezTo>
+                  <a:cubicBezTo>
+                    <a:pt x="2332216" y="490117"/>
+                    <a:pt x="2128850" y="559997"/>
+                    <a:pt x="1933895" y="650505"/>
+                  </a:cubicBezTo>
+                  <a:cubicBezTo>
+                    <a:pt x="1738939" y="741261"/>
+                    <a:pt x="1553540" y="854146"/>
+                    <a:pt x="1378079" y="983905"/>
+                  </a:cubicBezTo>
+                  <a:lnTo>
+                    <a:pt x="1312967" y="1033660"/>
+                  </a:lnTo>
+                  <a:cubicBezTo>
+                    <a:pt x="1291178" y="1050286"/>
+                    <a:pt x="1269006" y="1066412"/>
+                    <a:pt x="1248364" y="1084413"/>
+                  </a:cubicBezTo>
+                  <a:lnTo>
+                    <a:pt x="1185163" y="1137168"/>
+                  </a:lnTo>
+                  <a:cubicBezTo>
+                    <a:pt x="1164138" y="1154794"/>
+                    <a:pt x="1142603" y="1172046"/>
+                    <a:pt x="1122852" y="1190922"/>
+                  </a:cubicBezTo>
+                  <a:cubicBezTo>
+                    <a:pt x="1041557" y="1264303"/>
+                    <a:pt x="961663" y="1339309"/>
+                    <a:pt x="892092" y="1421440"/>
+                  </a:cubicBezTo>
+                  <a:cubicBezTo>
+                    <a:pt x="819589" y="1501822"/>
+                    <a:pt x="759827" y="1590329"/>
+                    <a:pt x="707202" y="1684212"/>
+                  </a:cubicBezTo>
+                  <a:cubicBezTo>
+                    <a:pt x="694715" y="1708089"/>
+                    <a:pt x="682227" y="1731841"/>
+                    <a:pt x="670121" y="1756093"/>
+                  </a:cubicBezTo>
+                  <a:lnTo>
+                    <a:pt x="637630" y="1830724"/>
+                  </a:lnTo>
+                  <a:cubicBezTo>
+                    <a:pt x="626161" y="1855350"/>
+                    <a:pt x="617624" y="1881603"/>
+                    <a:pt x="607685" y="1907105"/>
+                  </a:cubicBezTo>
+                  <a:cubicBezTo>
+                    <a:pt x="598128" y="1932857"/>
+                    <a:pt x="588317" y="1958483"/>
+                    <a:pt x="580034" y="1984986"/>
+                  </a:cubicBezTo>
+                  <a:cubicBezTo>
+                    <a:pt x="544611" y="2089620"/>
+                    <a:pt x="513393" y="2197128"/>
+                    <a:pt x="481919" y="2304386"/>
+                  </a:cubicBezTo>
+                  <a:lnTo>
+                    <a:pt x="433881" y="2465399"/>
+                  </a:lnTo>
+                  <a:lnTo>
+                    <a:pt x="384442" y="2626163"/>
+                  </a:lnTo>
+                  <a:cubicBezTo>
+                    <a:pt x="317672" y="2839680"/>
+                    <a:pt x="243129" y="3050946"/>
+                    <a:pt x="166039" y="3261338"/>
+                  </a:cubicBezTo>
+                  <a:cubicBezTo>
+                    <a:pt x="88822" y="3468979"/>
+                    <a:pt x="50850" y="3690248"/>
+                    <a:pt x="56202" y="3910265"/>
+                  </a:cubicBezTo>
+                  <a:cubicBezTo>
+                    <a:pt x="58495" y="4020274"/>
+                    <a:pt x="71493" y="4129783"/>
+                    <a:pt x="93664" y="4237292"/>
+                  </a:cubicBezTo>
+                  <a:cubicBezTo>
+                    <a:pt x="99143" y="4264168"/>
+                    <a:pt x="104623" y="4291045"/>
+                    <a:pt x="111758" y="4317548"/>
+                  </a:cubicBezTo>
+                  <a:cubicBezTo>
+                    <a:pt x="118384" y="4344176"/>
+                    <a:pt x="124627" y="4370802"/>
+                    <a:pt x="133038" y="4397054"/>
+                  </a:cubicBezTo>
+                  <a:cubicBezTo>
+                    <a:pt x="140810" y="4423307"/>
+                    <a:pt x="148456" y="4449683"/>
+                    <a:pt x="157757" y="4475560"/>
+                  </a:cubicBezTo>
+                  <a:cubicBezTo>
+                    <a:pt x="166549" y="4501562"/>
+                    <a:pt x="175087" y="4527564"/>
+                    <a:pt x="185153" y="4553066"/>
+                  </a:cubicBezTo>
+                  <a:cubicBezTo>
+                    <a:pt x="262371" y="4758458"/>
+                    <a:pt x="368895" y="4951974"/>
+                    <a:pt x="493642" y="5132239"/>
+                  </a:cubicBezTo>
+                  <a:cubicBezTo>
+                    <a:pt x="618389" y="5312627"/>
+                    <a:pt x="760846" y="5480391"/>
+                    <a:pt x="914391" y="5636528"/>
+                  </a:cubicBezTo>
+                  <a:cubicBezTo>
+                    <a:pt x="1069081" y="5793166"/>
+                    <a:pt x="1231544" y="5941677"/>
+                    <a:pt x="1402034" y="6076188"/>
+                  </a:cubicBezTo>
+                  <a:cubicBezTo>
+                    <a:pt x="1487535" y="6143320"/>
+                    <a:pt x="1574565" y="6207574"/>
+                    <a:pt x="1664397" y="6267079"/>
+                  </a:cubicBezTo>
+                  <a:cubicBezTo>
+                    <a:pt x="1753592" y="6327459"/>
+                    <a:pt x="1845336" y="6383088"/>
+                    <a:pt x="1938992" y="6434343"/>
+                  </a:cubicBezTo>
+                  <a:cubicBezTo>
+                    <a:pt x="2032647" y="6485659"/>
+                    <a:pt x="2128309" y="6532600"/>
+                    <a:pt x="2225931" y="6574322"/>
+                  </a:cubicBezTo>
+                  <a:lnTo>
+                    <a:pt x="2236328" y="6578439"/>
+                  </a:lnTo>
+                  <a:lnTo>
+                    <a:pt x="1504665" y="6578439"/>
+                  </a:lnTo>
+                  <a:lnTo>
+                    <a:pt x="1456827" y="6543476"/>
+                  </a:lnTo>
+                  <a:cubicBezTo>
+                    <a:pt x="1363554" y="6470595"/>
+                    <a:pt x="1273848" y="6394340"/>
+                    <a:pt x="1188475" y="6314083"/>
+                  </a:cubicBezTo>
+                  <a:cubicBezTo>
+                    <a:pt x="1017856" y="6153445"/>
+                    <a:pt x="863803" y="5979931"/>
+                    <a:pt x="721728" y="5798666"/>
+                  </a:cubicBezTo>
+                  <a:cubicBezTo>
+                    <a:pt x="579397" y="5616027"/>
+                    <a:pt x="452103" y="5422511"/>
+                    <a:pt x="344175" y="5219495"/>
+                  </a:cubicBezTo>
+                  <a:cubicBezTo>
+                    <a:pt x="236505" y="5016354"/>
+                    <a:pt x="147946" y="4803586"/>
+                    <a:pt x="87293" y="4583569"/>
+                  </a:cubicBezTo>
+                  <a:cubicBezTo>
+                    <a:pt x="79138" y="4556193"/>
+                    <a:pt x="72639" y="4528440"/>
+                    <a:pt x="65886" y="4500813"/>
+                  </a:cubicBezTo>
+                  <a:cubicBezTo>
+                    <a:pt x="58751" y="4473311"/>
+                    <a:pt x="53144" y="4445308"/>
+                    <a:pt x="47409" y="4417431"/>
+                  </a:cubicBezTo>
+                  <a:cubicBezTo>
+                    <a:pt x="44733" y="4403430"/>
+                    <a:pt x="41294" y="4389679"/>
+                    <a:pt x="39000" y="4375677"/>
+                  </a:cubicBezTo>
+                  <a:lnTo>
+                    <a:pt x="31610" y="4333674"/>
+                  </a:lnTo>
+                  <a:cubicBezTo>
+                    <a:pt x="26258" y="4305797"/>
+                    <a:pt x="22563" y="4277544"/>
+                    <a:pt x="18868" y="4249417"/>
+                  </a:cubicBezTo>
+                  <a:cubicBezTo>
+                    <a:pt x="4214" y="4136784"/>
+                    <a:pt x="-2158" y="4023275"/>
+                    <a:pt x="646" y="3910265"/>
+                  </a:cubicBezTo>
+                  <a:cubicBezTo>
+                    <a:pt x="5997" y="3683872"/>
+                    <a:pt x="50596" y="3459605"/>
+                    <a:pt x="130234" y="3248337"/>
+                  </a:cubicBezTo>
+                  <a:cubicBezTo>
+                    <a:pt x="207961" y="3039196"/>
+                    <a:pt x="278044" y="2827179"/>
+                    <a:pt x="335383" y="2611911"/>
+                  </a:cubicBezTo>
+                  <a:cubicBezTo>
+                    <a:pt x="393743" y="2396644"/>
+                    <a:pt x="435792" y="2178627"/>
+                    <a:pt x="487272" y="1958609"/>
+                  </a:cubicBezTo>
+                  <a:cubicBezTo>
+                    <a:pt x="493259" y="1931107"/>
+                    <a:pt x="501287" y="1903730"/>
+                    <a:pt x="508550" y="1876227"/>
+                  </a:cubicBezTo>
+                  <a:cubicBezTo>
+                    <a:pt x="516195" y="1848725"/>
+                    <a:pt x="522312" y="1820972"/>
+                    <a:pt x="531742" y="1793721"/>
+                  </a:cubicBezTo>
+                  <a:lnTo>
+                    <a:pt x="558245" y="1711465"/>
+                  </a:lnTo>
+                  <a:cubicBezTo>
+                    <a:pt x="568439" y="1684337"/>
+                    <a:pt x="579652" y="1657459"/>
+                    <a:pt x="590100" y="1630332"/>
+                  </a:cubicBezTo>
+                  <a:cubicBezTo>
+                    <a:pt x="635080" y="1523075"/>
+                    <a:pt x="690637" y="1417566"/>
+                    <a:pt x="758680" y="1322433"/>
+                  </a:cubicBezTo>
+                  <a:cubicBezTo>
+                    <a:pt x="824430" y="1225051"/>
+                    <a:pt x="899610" y="1136168"/>
+                    <a:pt x="976317" y="1049286"/>
+                  </a:cubicBezTo>
+                  <a:cubicBezTo>
+                    <a:pt x="995049" y="1027035"/>
+                    <a:pt x="1015436" y="1006533"/>
+                    <a:pt x="1035314" y="985406"/>
+                  </a:cubicBezTo>
+                  <a:lnTo>
+                    <a:pt x="1095329" y="922526"/>
+                  </a:lnTo>
+                  <a:cubicBezTo>
+                    <a:pt x="1114953" y="901149"/>
+                    <a:pt x="1136359" y="881397"/>
+                    <a:pt x="1157384" y="861271"/>
+                  </a:cubicBezTo>
+                  <a:lnTo>
+                    <a:pt x="1220841" y="801017"/>
+                  </a:lnTo>
+                  <a:cubicBezTo>
+                    <a:pt x="1241610" y="780514"/>
+                    <a:pt x="1264418" y="762014"/>
+                    <a:pt x="1286462" y="742886"/>
+                  </a:cubicBezTo>
+                  <a:lnTo>
+                    <a:pt x="1353233" y="685632"/>
+                  </a:lnTo>
+                  <a:lnTo>
+                    <a:pt x="1369924" y="671256"/>
+                  </a:lnTo>
+                  <a:cubicBezTo>
+                    <a:pt x="1375658" y="666631"/>
+                    <a:pt x="1381520" y="662255"/>
+                    <a:pt x="1387380" y="657755"/>
+                  </a:cubicBezTo>
+                  <a:lnTo>
+                    <a:pt x="1422422" y="630877"/>
+                  </a:lnTo>
+                  <a:lnTo>
+                    <a:pt x="1492759" y="577248"/>
+                  </a:lnTo>
+                  <a:cubicBezTo>
+                    <a:pt x="1504355" y="567997"/>
+                    <a:pt x="1516714" y="559997"/>
+                    <a:pt x="1528820" y="551496"/>
+                  </a:cubicBezTo>
+                  <a:lnTo>
+                    <a:pt x="1565390" y="526370"/>
+                  </a:lnTo>
+                  <a:lnTo>
+                    <a:pt x="1639040" y="476490"/>
+                  </a:lnTo>
+                  <a:cubicBezTo>
+                    <a:pt x="1689754" y="445613"/>
+                    <a:pt x="1740723" y="414986"/>
+                    <a:pt x="1792075" y="384859"/>
+                  </a:cubicBezTo>
+                  <a:cubicBezTo>
+                    <a:pt x="2000282" y="268724"/>
+                    <a:pt x="2224927" y="179467"/>
+                    <a:pt x="2455943" y="117836"/>
+                  </a:cubicBezTo>
+                  <a:cubicBezTo>
+                    <a:pt x="2687088" y="55957"/>
+                    <a:pt x="2923964" y="21204"/>
+                    <a:pt x="3159952" y="7203"/>
+                  </a:cubicBezTo>
+                  <a:cubicBezTo>
+                    <a:pt x="3219076" y="3515"/>
+                    <a:pt x="3277945" y="1389"/>
+                    <a:pt x="3336813" y="499"/>
+                  </a:cubicBezTo>
+                  <a:close/>
+                </a:path>
+              </a:pathLst>
+            </a:custGeom>
+            <a:gradFill flip="none" rotWithShape="1">
+              <a:gsLst>
+                <a:gs pos="2000">
+                  <a:schemeClr val="bg1">
+                    <a:alpha val="10000"/>
+                  </a:schemeClr>
+                </a:gs>
+                <a:gs pos="16000">
+                  <a:schemeClr val="accent6">
+                    <a:alpha val="5000"/>
+                  </a:schemeClr>
+                </a:gs>
+                <a:gs pos="100000">
+                  <a:schemeClr val="bg1">
+                    <a:alpha val="10000"/>
+                  </a:schemeClr>
+                </a:gs>
+                <a:gs pos="85000">
+                  <a:schemeClr val="accent1">
+                    <a:alpha val="10000"/>
+                  </a:schemeClr>
+                </a:gs>
+              </a:gsLst>
+              <a:lin ang="12000000" scaled="0"/>
+              <a:tileRect/>
+            </a:gradFill>
+            <a:ln>
+              <a:noFill/>
+            </a:ln>
+          </p:spPr>
+          <p:style>
+            <a:lnRef idx="2">
+              <a:schemeClr val="accent1">
+                <a:shade val="50000"/>
+              </a:schemeClr>
+            </a:lnRef>
+            <a:fillRef idx="1">
+              <a:schemeClr val="accent1"/>
+            </a:fillRef>
+            <a:effectRef idx="0">
+              <a:schemeClr val="accent1"/>
+            </a:effectRef>
+            <a:fontRef idx="minor">
+              <a:schemeClr val="lt1"/>
+            </a:fontRef>
+          </p:style>
+          <p:txBody>
+            <a:bodyPr rtlCol="0" anchor="ctr"/>
+            <a:lstStyle/>
+            <a:p>
+              <a:pPr algn="ctr"/>
+              <a:endParaRPr lang="en-US" dirty="0"/>
+            </a:p>
+          </p:txBody>
+        </p:sp>
+      </p:grpSp>
+      <p:pic>
+        <p:nvPicPr>
+          <p:cNvPr id="6" name="Graphic 5" descr="Questions">
+            <a:extLst>
+              <a:ext uri="{FF2B5EF4-FFF2-40B4-BE49-F238E27FC236}">
+                <a16:creationId xmlns:a16="http://schemas.microsoft.com/office/drawing/2014/main" id="{5175CB1B-1AA4-A112-D1DD-CBB7035D05DC}"/>
+              </a:ext>
+            </a:extLst>
+          </p:cNvPr>
+          <p:cNvPicPr>
+            <a:picLocks noChangeAspect="1"/>
+          </p:cNvPicPr>
+          <p:nvPr/>
+        </p:nvPicPr>
+        <p:blipFill>
+          <a:blip r:embed="rId2">
+            <a:extLst>
+              <a:ext uri="{28A0092B-C50C-407E-A947-70E740481C1C}">
+                <a14:useLocalDpi xmlns:a14="http://schemas.microsoft.com/office/drawing/2010/main" val="0"/>
+              </a:ext>
+              <a:ext uri="{96DAC541-7B7A-43D3-8B79-37D633B846F1}">
+                <asvg:svgBlip xmlns:asvg="http://schemas.microsoft.com/office/drawing/2016/SVG/main" r:embed="rId3"/>
+              </a:ext>
+            </a:extLst>
+          </a:blip>
+          <a:stretch>
+            <a:fillRect/>
+          </a:stretch>
+        </p:blipFill>
+        <p:spPr>
+          <a:xfrm>
+            <a:off x="7729652" y="1859078"/>
+            <a:ext cx="3821102" cy="3821102"/>
+          </a:xfrm>
+          <a:prstGeom prst="rect">
+            <a:avLst/>
+          </a:prstGeom>
+          <a:ln>
+            <a:noFill/>
+          </a:ln>
+        </p:spPr>
+      </p:pic>
+    </p:spTree>
+    <p:extLst>
+      <p:ext uri="{BB962C8B-B14F-4D97-AF65-F5344CB8AC3E}">
+        <p14:creationId xmlns:p14="http://schemas.microsoft.com/office/powerpoint/2010/main" val="3053707135"/>
+      </p:ext>
+    </p:extLst>
+  </p:cSld>
+  <p:clrMapOvr>
+    <a:masterClrMapping/>
+  </p:clrMapOvr>
+</p:sld>
+</file>
+
+<file path=ppt/slides/slide11.xml><?xml version="1.0" encoding="utf-8"?>
+<p:sld xmlns:a="http://schemas.openxmlformats.org/drawingml/2006/main" xmlns:r="http://schemas.openxmlformats.org/officeDocument/2006/relationships" xmlns:p="http://schemas.openxmlformats.org/presentationml/2006/main">
+  <p:cSld>
+    <p:bg>
+      <p:bgPr>
+        <a:solidFill>
+          <a:schemeClr val="bg1"/>
+        </a:solidFill>
+        <a:effectLst/>
+      </p:bgPr>
+    </p:bg>
+    <p:spTree>
+      <p:nvGrpSpPr>
+        <p:cNvPr id="1" name=""/>
+        <p:cNvGrpSpPr/>
+        <p:nvPr/>
+      </p:nvGrpSpPr>
+      <p:grpSpPr>
+        <a:xfrm>
+          <a:off x="0" y="0"/>
+          <a:ext cx="0" cy="0"/>
+          <a:chOff x="0" y="0"/>
+          <a:chExt cx="0" cy="0"/>
+        </a:xfrm>
+      </p:grpSpPr>
+      <p:sp useBgFill="1">
+        <p:nvSpPr>
+          <p:cNvPr id="9" name="Rectangle 8">
+            <a:extLst>
+              <a:ext uri="{FF2B5EF4-FFF2-40B4-BE49-F238E27FC236}">
+                <a16:creationId xmlns:a16="http://schemas.microsoft.com/office/drawing/2014/main" id="{65219498-D544-41AC-98FE-8F956EF66A62}"/>
+              </a:ext>
+              <a:ext uri="{C183D7F6-B498-43B3-948B-1728B52AA6E4}">
+                <adec:decorative xmlns:adec="http://schemas.microsoft.com/office/drawing/2017/decorative" val="1"/>
+              </a:ext>
+            </a:extLst>
+          </p:cNvPr>
+          <p:cNvSpPr>
+            <a:spLocks noGrp="1" noRot="1" noChangeAspect="1" noMove="1" noResize="1" noEditPoints="1" noAdjustHandles="1" noChangeArrowheads="1" noChangeShapeType="1" noTextEdit="1"/>
+          </p:cNvSpPr>
+          <p:nvPr>
+            <p:extLst>
+              <p:ext uri="{386F3935-93C4-4BCD-93E2-E3B085C9AB24}">
+                <p16:designElem xmlns:p16="http://schemas.microsoft.com/office/powerpoint/2015/main" val="1"/>
+              </p:ext>
+            </p:extLst>
+          </p:nvPr>
+        </p:nvSpPr>
+        <p:spPr>
+          <a:xfrm>
+            <a:off x="0" y="0"/>
+            <a:ext cx="12191695" cy="6858000"/>
+          </a:xfrm>
+          <a:prstGeom prst="rect">
+            <a:avLst/>
+          </a:prstGeom>
+          <a:ln>
+            <a:noFill/>
+          </a:ln>
+        </p:spPr>
+        <p:style>
+          <a:lnRef idx="2">
+            <a:schemeClr val="accent1">
+              <a:shade val="50000"/>
+            </a:schemeClr>
+          </a:lnRef>
+          <a:fillRef idx="1">
+            <a:schemeClr val="accent1"/>
+          </a:fillRef>
+          <a:effectRef idx="0">
+            <a:schemeClr val="accent1"/>
+          </a:effectRef>
+          <a:fontRef idx="minor">
+            <a:schemeClr val="lt1"/>
+          </a:fontRef>
+        </p:style>
+        <p:txBody>
+          <a:bodyPr rtlCol="0" anchor="ctr"/>
+          <a:lstStyle/>
+          <a:p>
+            <a:pPr algn="ctr"/>
+            <a:endParaRPr lang="en-US"/>
+          </a:p>
+        </p:txBody>
+      </p:sp>
+      <p:sp>
+        <p:nvSpPr>
+          <p:cNvPr id="11" name="Rectangle 10">
+            <a:extLst>
+              <a:ext uri="{FF2B5EF4-FFF2-40B4-BE49-F238E27FC236}">
+                <a16:creationId xmlns:a16="http://schemas.microsoft.com/office/drawing/2014/main" id="{F500DBFC-17A9-4E0A-AEE2-A49F9AEEF0FD}"/>
+              </a:ext>
+              <a:ext uri="{C183D7F6-B498-43B3-948B-1728B52AA6E4}">
+                <adec:decorative xmlns:adec="http://schemas.microsoft.com/office/drawing/2017/decorative" val="1"/>
+              </a:ext>
+            </a:extLst>
+          </p:cNvPr>
+          <p:cNvSpPr>
+            <a:spLocks noGrp="1" noRot="1" noChangeAspect="1" noMove="1" noResize="1" noEditPoints="1" noAdjustHandles="1" noChangeArrowheads="1" noChangeShapeType="1" noTextEdit="1"/>
+          </p:cNvSpPr>
+          <p:nvPr>
+            <p:extLst>
+              <p:ext uri="{386F3935-93C4-4BCD-93E2-E3B085C9AB24}">
+                <p16:designElem xmlns:p16="http://schemas.microsoft.com/office/powerpoint/2015/main" val="1"/>
+              </p:ext>
+            </p:extLst>
+          </p:nvPr>
+        </p:nvSpPr>
+        <p:spPr>
+          <a:xfrm>
+            <a:off x="305" y="0"/>
+            <a:ext cx="12191695" cy="6858000"/>
+          </a:xfrm>
+          <a:prstGeom prst="rect">
+            <a:avLst/>
+          </a:prstGeom>
+          <a:solidFill>
+            <a:schemeClr val="bg1"/>
+          </a:solidFill>
+          <a:ln>
+            <a:noFill/>
+          </a:ln>
+        </p:spPr>
+        <p:style>
+          <a:lnRef idx="2">
+            <a:schemeClr val="accent1">
+              <a:shade val="50000"/>
+            </a:schemeClr>
+          </a:lnRef>
+          <a:fillRef idx="1">
+            <a:schemeClr val="accent1"/>
+          </a:fillRef>
+          <a:effectRef idx="0">
+            <a:schemeClr val="accent1"/>
+          </a:effectRef>
+          <a:fontRef idx="minor">
+            <a:schemeClr val="lt1"/>
+          </a:fontRef>
+        </p:style>
+        <p:txBody>
+          <a:bodyPr rtlCol="0" anchor="ctr"/>
+          <a:lstStyle/>
+          <a:p>
+            <a:pPr algn="ctr"/>
+            <a:endParaRPr lang="en-US"/>
+          </a:p>
+        </p:txBody>
+      </p:sp>
+      <p:sp>
+        <p:nvSpPr>
+          <p:cNvPr id="2" name="Title 1">
+            <a:extLst>
+              <a:ext uri="{FF2B5EF4-FFF2-40B4-BE49-F238E27FC236}">
+                <a16:creationId xmlns:a16="http://schemas.microsoft.com/office/drawing/2014/main" id="{7F40B946-1050-1CCC-0BC4-95834BA1FDB7}"/>
+              </a:ext>
+            </a:extLst>
+          </p:cNvPr>
+          <p:cNvSpPr>
+            <a:spLocks noGrp="1"/>
+          </p:cNvSpPr>
+          <p:nvPr>
+            <p:ph type="title"/>
+          </p:nvPr>
+        </p:nvSpPr>
+        <p:spPr>
+          <a:xfrm>
+            <a:off x="804672" y="4267832"/>
+            <a:ext cx="4805996" cy="1297115"/>
+          </a:xfrm>
+        </p:spPr>
+        <p:txBody>
+          <a:bodyPr vert="horz" lIns="91440" tIns="45720" rIns="91440" bIns="45720" rtlCol="0" anchor="t">
+            <a:normAutofit/>
+          </a:bodyPr>
+          <a:lstStyle/>
+          <a:p>
+            <a:r>
+              <a:rPr lang="en-US" sz="4000" kern="1200">
+                <a:solidFill>
+                  <a:schemeClr val="tx2"/>
+                </a:solidFill>
+                <a:latin typeface="+mj-lt"/>
+                <a:ea typeface="+mj-ea"/>
+                <a:cs typeface="+mj-cs"/>
+              </a:rPr>
+              <a:t>Thanks</a:t>
+            </a:r>
+          </a:p>
+        </p:txBody>
+      </p:sp>
+      <p:grpSp>
+        <p:nvGrpSpPr>
+          <p:cNvPr id="13" name="Group 12">
+            <a:extLst>
+              <a:ext uri="{FF2B5EF4-FFF2-40B4-BE49-F238E27FC236}">
+                <a16:creationId xmlns:a16="http://schemas.microsoft.com/office/drawing/2014/main" id="{D74613BB-817C-4C4F-8A24-4936F2F064C0}"/>
+              </a:ext>
+              <a:ext uri="{C183D7F6-B498-43B3-948B-1728B52AA6E4}">
+                <adec:decorative xmlns:adec="http://schemas.microsoft.com/office/drawing/2017/decorative" val="1"/>
+              </a:ext>
+            </a:extLst>
+          </p:cNvPr>
+          <p:cNvGrpSpPr>
+            <a:grpSpLocks noGrp="1" noUngrp="1" noRot="1" noChangeAspect="1" noMove="1" noResize="1"/>
+          </p:cNvGrpSpPr>
+          <p:nvPr>
+            <p:extLst>
+              <p:ext uri="{386F3935-93C4-4BCD-93E2-E3B085C9AB24}">
+                <p16:designElem xmlns:p16="http://schemas.microsoft.com/office/powerpoint/2015/main" val="1"/>
+              </p:ext>
+            </p:extLst>
+          </p:nvPr>
+        </p:nvGrpSpPr>
+        <p:grpSpPr>
+          <a:xfrm>
+            <a:off x="6101023" y="52996"/>
+            <a:ext cx="6093363" cy="6805005"/>
+            <a:chOff x="6101023" y="52996"/>
+            <a:chExt cx="6093363" cy="6805005"/>
+          </a:xfrm>
+        </p:grpSpPr>
+        <p:sp>
+          <p:nvSpPr>
+            <p:cNvPr id="14" name="Freeform: Shape 13">
+              <a:extLst>
+                <a:ext uri="{FF2B5EF4-FFF2-40B4-BE49-F238E27FC236}">
+                  <a16:creationId xmlns:a16="http://schemas.microsoft.com/office/drawing/2014/main" id="{926C820D-9A01-44F0-AE18-C2DAB089B8C3}"/>
+                </a:ext>
+                <a:ext uri="{C183D7F6-B498-43B3-948B-1728B52AA6E4}">
+                  <adec:decorative xmlns:adec="http://schemas.microsoft.com/office/drawing/2017/decorative" val="1"/>
+                </a:ext>
+              </a:extLst>
+            </p:cNvPr>
+            <p:cNvSpPr/>
+            <p:nvPr>
+              <p:extLst>
+                <p:ext uri="{386F3935-93C4-4BCD-93E2-E3B085C9AB24}">
+                  <p16:designElem xmlns:p16="http://schemas.microsoft.com/office/powerpoint/2015/main" val="1"/>
+                </p:ext>
+              </p:extLst>
+            </p:nvPr>
+          </p:nvSpPr>
+          <p:spPr>
+            <a:xfrm>
+              <a:off x="6101024" y="52997"/>
+              <a:ext cx="6093362" cy="6805004"/>
+            </a:xfrm>
+            <a:custGeom>
+              <a:avLst/>
+              <a:gdLst>
+                <a:gd name="connsiteX0" fmla="*/ 3517682 w 5890490"/>
+                <a:gd name="connsiteY0" fmla="*/ 0 h 6578439"/>
+                <a:gd name="connsiteX1" fmla="*/ 5849513 w 5890490"/>
+                <a:gd name="connsiteY1" fmla="*/ 841730 h 6578439"/>
+                <a:gd name="connsiteX2" fmla="*/ 5890490 w 5890490"/>
+                <a:gd name="connsiteY2" fmla="*/ 879060 h 6578439"/>
+                <a:gd name="connsiteX3" fmla="*/ 5890490 w 5890490"/>
+                <a:gd name="connsiteY3" fmla="*/ 1816052 h 6578439"/>
+                <a:gd name="connsiteX4" fmla="*/ 5856961 w 5890490"/>
+                <a:gd name="connsiteY4" fmla="*/ 1771023 h 6578439"/>
+                <a:gd name="connsiteX5" fmla="*/ 5655397 w 5890490"/>
+                <a:gd name="connsiteY5" fmla="*/ 1548813 h 6578439"/>
+                <a:gd name="connsiteX6" fmla="*/ 3517682 w 5890490"/>
+                <a:gd name="connsiteY6" fmla="*/ 658717 h 6578439"/>
+                <a:gd name="connsiteX7" fmla="*/ 2395696 w 5890490"/>
+                <a:gd name="connsiteY7" fmla="*/ 850721 h 6578439"/>
+                <a:gd name="connsiteX8" fmla="*/ 1519955 w 5890490"/>
+                <a:gd name="connsiteY8" fmla="*/ 1450441 h 6578439"/>
+                <a:gd name="connsiteX9" fmla="*/ 1223630 w 5890490"/>
+                <a:gd name="connsiteY9" fmla="*/ 1841430 h 6578439"/>
+                <a:gd name="connsiteX10" fmla="*/ 1075857 w 5890490"/>
+                <a:gd name="connsiteY10" fmla="*/ 2329343 h 6578439"/>
+                <a:gd name="connsiteX11" fmla="*/ 731010 w 5890490"/>
+                <a:gd name="connsiteY11" fmla="*/ 3483744 h 6578439"/>
+                <a:gd name="connsiteX12" fmla="*/ 741000 w 5890490"/>
+                <a:gd name="connsiteY12" fmla="*/ 4479719 h 6578439"/>
+                <a:gd name="connsiteX13" fmla="*/ 1315615 w 5890490"/>
+                <a:gd name="connsiteY13" fmla="*/ 5443827 h 6578439"/>
+                <a:gd name="connsiteX14" fmla="*/ 2277503 w 5890490"/>
+                <a:gd name="connsiteY14" fmla="*/ 6259386 h 6578439"/>
+                <a:gd name="connsiteX15" fmla="*/ 3439448 w 5890490"/>
+                <a:gd name="connsiteY15" fmla="*/ 6551739 h 6578439"/>
+                <a:gd name="connsiteX16" fmla="*/ 4408732 w 5890490"/>
+                <a:gd name="connsiteY16" fmla="*/ 6255172 h 6578439"/>
+                <a:gd name="connsiteX17" fmla="*/ 5343243 w 5890490"/>
+                <a:gd name="connsiteY17" fmla="*/ 5442509 h 6578439"/>
+                <a:gd name="connsiteX18" fmla="*/ 5745566 w 5890490"/>
+                <a:gd name="connsiteY18" fmla="*/ 5056656 h 6578439"/>
+                <a:gd name="connsiteX19" fmla="*/ 5890490 w 5890490"/>
+                <a:gd name="connsiteY19" fmla="*/ 4920880 h 6578439"/>
+                <a:gd name="connsiteX20" fmla="*/ 5890490 w 5890490"/>
+                <a:gd name="connsiteY20" fmla="*/ 5821966 h 6578439"/>
+                <a:gd name="connsiteX21" fmla="*/ 5802002 w 5890490"/>
+                <a:gd name="connsiteY21" fmla="*/ 5907904 h 6578439"/>
+                <a:gd name="connsiteX22" fmla="*/ 5294358 w 5890490"/>
+                <a:gd name="connsiteY22" fmla="*/ 6397505 h 6578439"/>
+                <a:gd name="connsiteX23" fmla="*/ 5077178 w 5890490"/>
+                <a:gd name="connsiteY23" fmla="*/ 6578439 h 6578439"/>
+                <a:gd name="connsiteX24" fmla="*/ 1567290 w 5890490"/>
+                <a:gd name="connsiteY24" fmla="*/ 6578439 h 6578439"/>
+                <a:gd name="connsiteX25" fmla="*/ 1508588 w 5890490"/>
+                <a:gd name="connsiteY25" fmla="*/ 6535186 h 6578439"/>
+                <a:gd name="connsiteX26" fmla="*/ 826498 w 5890490"/>
+                <a:gd name="connsiteY26" fmla="*/ 5876034 h 6578439"/>
+                <a:gd name="connsiteX27" fmla="*/ 122403 w 5890490"/>
+                <a:gd name="connsiteY27" fmla="*/ 3255655 h 6578439"/>
+                <a:gd name="connsiteX28" fmla="*/ 1061197 w 5890490"/>
+                <a:gd name="connsiteY28" fmla="*/ 984650 h 6578439"/>
+                <a:gd name="connsiteX29" fmla="*/ 3517682 w 5890490"/>
+                <a:gd name="connsiteY29" fmla="*/ 0 h 6578439"/>
+              </a:gdLst>
+              <a:ahLst/>
+              <a:cxnLst>
+                <a:cxn ang="0">
+                  <a:pos x="connsiteX0" y="connsiteY0"/>
+                </a:cxn>
+                <a:cxn ang="0">
+                  <a:pos x="connsiteX1" y="connsiteY1"/>
+                </a:cxn>
+                <a:cxn ang="0">
+                  <a:pos x="connsiteX2" y="connsiteY2"/>
+                </a:cxn>
+                <a:cxn ang="0">
+                  <a:pos x="connsiteX3" y="connsiteY3"/>
+                </a:cxn>
+                <a:cxn ang="0">
+                  <a:pos x="connsiteX4" y="connsiteY4"/>
+                </a:cxn>
+                <a:cxn ang="0">
+                  <a:pos x="connsiteX5" y="connsiteY5"/>
+                </a:cxn>
+                <a:cxn ang="0">
+                  <a:pos x="connsiteX6" y="connsiteY6"/>
+                </a:cxn>
+                <a:cxn ang="0">
+                  <a:pos x="connsiteX7" y="connsiteY7"/>
+                </a:cxn>
+                <a:cxn ang="0">
+                  <a:pos x="connsiteX8" y="connsiteY8"/>
+                </a:cxn>
+                <a:cxn ang="0">
+                  <a:pos x="connsiteX9" y="connsiteY9"/>
+                </a:cxn>
+                <a:cxn ang="0">
+                  <a:pos x="connsiteX10" y="connsiteY10"/>
+                </a:cxn>
+                <a:cxn ang="0">
+                  <a:pos x="connsiteX11" y="connsiteY11"/>
+                </a:cxn>
+                <a:cxn ang="0">
+                  <a:pos x="connsiteX12" y="connsiteY12"/>
+                </a:cxn>
+                <a:cxn ang="0">
+                  <a:pos x="connsiteX13" y="connsiteY13"/>
+                </a:cxn>
+                <a:cxn ang="0">
+                  <a:pos x="connsiteX14" y="connsiteY14"/>
+                </a:cxn>
+                <a:cxn ang="0">
+                  <a:pos x="connsiteX15" y="connsiteY15"/>
+                </a:cxn>
+                <a:cxn ang="0">
+                  <a:pos x="connsiteX16" y="connsiteY16"/>
+                </a:cxn>
+                <a:cxn ang="0">
+                  <a:pos x="connsiteX17" y="connsiteY17"/>
+                </a:cxn>
+                <a:cxn ang="0">
+                  <a:pos x="connsiteX18" y="connsiteY18"/>
+                </a:cxn>
+                <a:cxn ang="0">
+                  <a:pos x="connsiteX19" y="connsiteY19"/>
+                </a:cxn>
+                <a:cxn ang="0">
+                  <a:pos x="connsiteX20" y="connsiteY20"/>
+                </a:cxn>
+                <a:cxn ang="0">
+                  <a:pos x="connsiteX21" y="connsiteY21"/>
+                </a:cxn>
+                <a:cxn ang="0">
+                  <a:pos x="connsiteX22" y="connsiteY22"/>
+                </a:cxn>
+                <a:cxn ang="0">
+                  <a:pos x="connsiteX23" y="connsiteY23"/>
+                </a:cxn>
+                <a:cxn ang="0">
+                  <a:pos x="connsiteX24" y="connsiteY24"/>
+                </a:cxn>
+                <a:cxn ang="0">
+                  <a:pos x="connsiteX25" y="connsiteY25"/>
+                </a:cxn>
+                <a:cxn ang="0">
+                  <a:pos x="connsiteX26" y="connsiteY26"/>
+                </a:cxn>
+                <a:cxn ang="0">
+                  <a:pos x="connsiteX27" y="connsiteY27"/>
+                </a:cxn>
+                <a:cxn ang="0">
+                  <a:pos x="connsiteX28" y="connsiteY28"/>
+                </a:cxn>
+                <a:cxn ang="0">
+                  <a:pos x="connsiteX29" y="connsiteY29"/>
+                </a:cxn>
+              </a:cxnLst>
+              <a:rect l="l" t="t" r="r" b="b"/>
+              <a:pathLst>
+                <a:path w="5890490" h="6578439">
+                  <a:moveTo>
+                    <a:pt x="3517682" y="0"/>
+                  </a:moveTo>
+                  <a:cubicBezTo>
+                    <a:pt x="4402016" y="0"/>
+                    <a:pt x="5213741" y="315483"/>
+                    <a:pt x="5849513" y="841730"/>
+                  </a:cubicBezTo>
+                  <a:lnTo>
+                    <a:pt x="5890490" y="879060"/>
+                  </a:lnTo>
+                  <a:lnTo>
+                    <a:pt x="5890490" y="1816052"/>
+                  </a:lnTo>
+                  <a:lnTo>
+                    <a:pt x="5856961" y="1771023"/>
+                  </a:lnTo>
+                  <a:cubicBezTo>
+                    <a:pt x="5793650" y="1694076"/>
+                    <a:pt x="5726429" y="1619959"/>
+                    <a:pt x="5655397" y="1548813"/>
+                  </a:cubicBezTo>
+                  <a:cubicBezTo>
+                    <a:pt x="5082208" y="974906"/>
+                    <a:pt x="4322973" y="658717"/>
+                    <a:pt x="3517682" y="658717"/>
+                  </a:cubicBezTo>
+                  <a:cubicBezTo>
+                    <a:pt x="3085520" y="658717"/>
+                    <a:pt x="2718488" y="721533"/>
+                    <a:pt x="2395696" y="850721"/>
+                  </a:cubicBezTo>
+                  <a:cubicBezTo>
+                    <a:pt x="2079132" y="977407"/>
+                    <a:pt x="1792668" y="1173626"/>
+                    <a:pt x="1519955" y="1450441"/>
+                  </a:cubicBezTo>
+                  <a:cubicBezTo>
+                    <a:pt x="1330275" y="1642840"/>
+                    <a:pt x="1263719" y="1756094"/>
+                    <a:pt x="1223630" y="1841430"/>
+                  </a:cubicBezTo>
+                  <a:cubicBezTo>
+                    <a:pt x="1166545" y="1962981"/>
+                    <a:pt x="1128532" y="2116663"/>
+                    <a:pt x="1075857" y="2329343"/>
+                  </a:cubicBezTo>
+                  <a:cubicBezTo>
+                    <a:pt x="1008652" y="2601153"/>
+                    <a:pt x="916537" y="2973574"/>
+                    <a:pt x="731010" y="3483744"/>
+                  </a:cubicBezTo>
+                  <a:cubicBezTo>
+                    <a:pt x="617488" y="3795981"/>
+                    <a:pt x="620731" y="4121653"/>
+                    <a:pt x="741000" y="4479719"/>
+                  </a:cubicBezTo>
+                  <a:cubicBezTo>
+                    <a:pt x="847257" y="4796172"/>
+                    <a:pt x="1045888" y="5129481"/>
+                    <a:pt x="1315615" y="5443827"/>
+                  </a:cubicBezTo>
+                  <a:cubicBezTo>
+                    <a:pt x="1630753" y="5810980"/>
+                    <a:pt x="1945371" y="6077784"/>
+                    <a:pt x="2277503" y="6259386"/>
+                  </a:cubicBezTo>
+                  <a:cubicBezTo>
+                    <a:pt x="2637530" y="6456133"/>
+                    <a:pt x="3017536" y="6551739"/>
+                    <a:pt x="3439448" y="6551739"/>
+                  </a:cubicBezTo>
+                  <a:cubicBezTo>
+                    <a:pt x="3781571" y="6551739"/>
+                    <a:pt x="4089573" y="6457449"/>
+                    <a:pt x="4408732" y="6255172"/>
+                  </a:cubicBezTo>
+                  <a:cubicBezTo>
+                    <a:pt x="4738010" y="6046310"/>
+                    <a:pt x="5050941" y="5739207"/>
+                    <a:pt x="5343243" y="5442509"/>
+                  </a:cubicBezTo>
+                  <a:cubicBezTo>
+                    <a:pt x="5479860" y="5303970"/>
+                    <a:pt x="5614918" y="5178206"/>
+                    <a:pt x="5745566" y="5056656"/>
+                  </a:cubicBezTo>
+                  <a:lnTo>
+                    <a:pt x="5890490" y="4920880"/>
+                  </a:lnTo>
+                  <a:lnTo>
+                    <a:pt x="5890490" y="5821966"/>
+                  </a:lnTo>
+                  <a:lnTo>
+                    <a:pt x="5802002" y="5907904"/>
+                  </a:lnTo>
+                  <a:cubicBezTo>
+                    <a:pt x="5634962" y="6077456"/>
+                    <a:pt x="5467509" y="6243625"/>
+                    <a:pt x="5294358" y="6397505"/>
+                  </a:cubicBezTo>
+                  <a:lnTo>
+                    <a:pt x="5077178" y="6578439"/>
+                  </a:lnTo>
+                  <a:lnTo>
+                    <a:pt x="1567290" y="6578439"/>
+                  </a:lnTo>
+                  <a:lnTo>
+                    <a:pt x="1508588" y="6535186"/>
+                  </a:lnTo>
+                  <a:cubicBezTo>
+                    <a:pt x="1263991" y="6345442"/>
+                    <a:pt x="1038054" y="6122666"/>
+                    <a:pt x="826498" y="5876034"/>
+                  </a:cubicBezTo>
+                  <a:cubicBezTo>
+                    <a:pt x="261613" y="5217713"/>
+                    <a:pt x="-239182" y="4250314"/>
+                    <a:pt x="122403" y="3255655"/>
+                  </a:cubicBezTo>
+                  <a:cubicBezTo>
+                    <a:pt x="607497" y="1921629"/>
+                    <a:pt x="393040" y="1662857"/>
+                    <a:pt x="1061197" y="984650"/>
+                  </a:cubicBezTo>
+                  <a:cubicBezTo>
+                    <a:pt x="1729484" y="306444"/>
+                    <a:pt x="2498060" y="0"/>
+                    <a:pt x="3517682" y="0"/>
+                  </a:cubicBezTo>
+                  <a:close/>
+                </a:path>
+              </a:pathLst>
+            </a:custGeom>
+            <a:gradFill flip="none" rotWithShape="1">
+              <a:gsLst>
+                <a:gs pos="2000">
+                  <a:schemeClr val="bg1">
+                    <a:alpha val="10000"/>
+                  </a:schemeClr>
+                </a:gs>
+                <a:gs pos="16000">
+                  <a:schemeClr val="accent6">
+                    <a:alpha val="5000"/>
+                  </a:schemeClr>
+                </a:gs>
+                <a:gs pos="100000">
+                  <a:schemeClr val="bg1">
+                    <a:alpha val="10000"/>
+                  </a:schemeClr>
+                </a:gs>
+                <a:gs pos="85000">
+                  <a:schemeClr val="accent1">
+                    <a:alpha val="5000"/>
+                  </a:schemeClr>
+                </a:gs>
+              </a:gsLst>
+              <a:lin ang="12000000" scaled="0"/>
+              <a:tileRect/>
+            </a:gradFill>
+            <a:ln>
+              <a:noFill/>
+            </a:ln>
+          </p:spPr>
+          <p:style>
+            <a:lnRef idx="2">
+              <a:schemeClr val="accent1">
+                <a:shade val="50000"/>
+              </a:schemeClr>
+            </a:lnRef>
+            <a:fillRef idx="1">
+              <a:schemeClr val="accent1"/>
+            </a:fillRef>
+            <a:effectRef idx="0">
+              <a:schemeClr val="accent1"/>
+            </a:effectRef>
+            <a:fontRef idx="minor">
+              <a:schemeClr val="lt1"/>
+            </a:fontRef>
+          </p:style>
+          <p:txBody>
+            <a:bodyPr rtlCol="0" anchor="ctr"/>
+            <a:lstStyle/>
+            <a:p>
+              <a:pPr algn="ctr"/>
+              <a:endParaRPr lang="en-US"/>
+            </a:p>
+          </p:txBody>
+        </p:sp>
+        <p:sp>
+          <p:nvSpPr>
+            <p:cNvPr id="15" name="Freeform: Shape 14">
+              <a:extLst>
+                <a:ext uri="{FF2B5EF4-FFF2-40B4-BE49-F238E27FC236}">
+                  <a16:creationId xmlns:a16="http://schemas.microsoft.com/office/drawing/2014/main" id="{458B604F-996E-4349-B131-E04ED285D8DA}"/>
+                </a:ext>
+                <a:ext uri="{C183D7F6-B498-43B3-948B-1728B52AA6E4}">
+                  <adec:decorative xmlns:adec="http://schemas.microsoft.com/office/drawing/2017/decorative" val="1"/>
+                </a:ext>
+              </a:extLst>
+            </p:cNvPr>
+            <p:cNvSpPr/>
+            <p:nvPr>
+              <p:extLst>
+                <p:ext uri="{386F3935-93C4-4BCD-93E2-E3B085C9AB24}">
+                  <p16:designElem xmlns:p16="http://schemas.microsoft.com/office/powerpoint/2015/main" val="1"/>
+                </p:ext>
+              </p:extLst>
+            </p:nvPr>
+          </p:nvSpPr>
+          <p:spPr>
+            <a:xfrm>
+              <a:off x="6101025" y="52996"/>
+              <a:ext cx="6093361" cy="6805003"/>
+            </a:xfrm>
+            <a:custGeom>
+              <a:avLst/>
+              <a:gdLst>
+                <a:gd name="connsiteX0" fmla="*/ 3391253 w 5890489"/>
+                <a:gd name="connsiteY0" fmla="*/ 0 h 6578438"/>
+                <a:gd name="connsiteX1" fmla="*/ 3434974 w 5890489"/>
+                <a:gd name="connsiteY1" fmla="*/ 646 h 6578438"/>
+                <a:gd name="connsiteX2" fmla="*/ 3522419 w 5890489"/>
+                <a:gd name="connsiteY2" fmla="*/ 2712 h 6578438"/>
+                <a:gd name="connsiteX3" fmla="*/ 3610261 w 5890489"/>
+                <a:gd name="connsiteY3" fmla="*/ 6458 h 6578438"/>
+                <a:gd name="connsiteX4" fmla="*/ 3786872 w 5890489"/>
+                <a:gd name="connsiteY4" fmla="*/ 20667 h 6578438"/>
+                <a:gd name="connsiteX5" fmla="*/ 3962291 w 5890489"/>
+                <a:gd name="connsiteY5" fmla="*/ 43530 h 6578438"/>
+                <a:gd name="connsiteX6" fmla="*/ 4135855 w 5890489"/>
+                <a:gd name="connsiteY6" fmla="*/ 75176 h 6578438"/>
+                <a:gd name="connsiteX7" fmla="*/ 4307299 w 5890489"/>
+                <a:gd name="connsiteY7" fmla="*/ 114315 h 6578438"/>
+                <a:gd name="connsiteX8" fmla="*/ 4476358 w 5890489"/>
+                <a:gd name="connsiteY8" fmla="*/ 160816 h 6578438"/>
+                <a:gd name="connsiteX9" fmla="*/ 4559829 w 5890489"/>
+                <a:gd name="connsiteY9" fmla="*/ 186779 h 6578438"/>
+                <a:gd name="connsiteX10" fmla="*/ 4642901 w 5890489"/>
+                <a:gd name="connsiteY10" fmla="*/ 213648 h 6578438"/>
+                <a:gd name="connsiteX11" fmla="*/ 5280847 w 5890489"/>
+                <a:gd name="connsiteY11" fmla="*/ 485936 h 6578438"/>
+                <a:gd name="connsiteX12" fmla="*/ 5865400 w 5890489"/>
+                <a:gd name="connsiteY12" fmla="*/ 851099 h 6578438"/>
+                <a:gd name="connsiteX13" fmla="*/ 5890489 w 5890489"/>
+                <a:gd name="connsiteY13" fmla="*/ 870950 h 6578438"/>
+                <a:gd name="connsiteX14" fmla="*/ 5890489 w 5890489"/>
+                <a:gd name="connsiteY14" fmla="*/ 1321814 h 6578438"/>
+                <a:gd name="connsiteX15" fmla="*/ 5887395 w 5890489"/>
+                <a:gd name="connsiteY15" fmla="*/ 1318952 h 6578438"/>
+                <a:gd name="connsiteX16" fmla="*/ 5830291 w 5890489"/>
+                <a:gd name="connsiteY16" fmla="*/ 1265992 h 6578438"/>
+                <a:gd name="connsiteX17" fmla="*/ 5815981 w 5890489"/>
+                <a:gd name="connsiteY17" fmla="*/ 1252687 h 6578438"/>
+                <a:gd name="connsiteX18" fmla="*/ 5801142 w 5890489"/>
+                <a:gd name="connsiteY18" fmla="*/ 1240158 h 6578438"/>
+                <a:gd name="connsiteX19" fmla="*/ 5771464 w 5890489"/>
+                <a:gd name="connsiteY19" fmla="*/ 1214969 h 6578438"/>
+                <a:gd name="connsiteX20" fmla="*/ 5651030 w 5890489"/>
+                <a:gd name="connsiteY20" fmla="*/ 1115767 h 6578438"/>
+                <a:gd name="connsiteX21" fmla="*/ 5123183 w 5890489"/>
+                <a:gd name="connsiteY21" fmla="*/ 780443 h 6578438"/>
+                <a:gd name="connsiteX22" fmla="*/ 4533860 w 5890489"/>
+                <a:gd name="connsiteY22" fmla="*/ 567701 h 6578438"/>
+                <a:gd name="connsiteX23" fmla="*/ 4457281 w 5890489"/>
+                <a:gd name="connsiteY23" fmla="*/ 550780 h 6578438"/>
+                <a:gd name="connsiteX24" fmla="*/ 4380568 w 5890489"/>
+                <a:gd name="connsiteY24" fmla="*/ 535279 h 6578438"/>
+                <a:gd name="connsiteX25" fmla="*/ 4303325 w 5890489"/>
+                <a:gd name="connsiteY25" fmla="*/ 522879 h 6578438"/>
+                <a:gd name="connsiteX26" fmla="*/ 4264769 w 5890489"/>
+                <a:gd name="connsiteY26" fmla="*/ 516679 h 6578438"/>
+                <a:gd name="connsiteX27" fmla="*/ 4226082 w 5890489"/>
+                <a:gd name="connsiteY27" fmla="*/ 511253 h 6578438"/>
+                <a:gd name="connsiteX28" fmla="*/ 4070934 w 5890489"/>
+                <a:gd name="connsiteY28" fmla="*/ 494848 h 6578438"/>
+                <a:gd name="connsiteX29" fmla="*/ 3915521 w 5890489"/>
+                <a:gd name="connsiteY29" fmla="*/ 486065 h 6578438"/>
+                <a:gd name="connsiteX30" fmla="*/ 3760241 w 5890489"/>
+                <a:gd name="connsiteY30" fmla="*/ 484257 h 6578438"/>
+                <a:gd name="connsiteX31" fmla="*/ 3682734 w 5890489"/>
+                <a:gd name="connsiteY31" fmla="*/ 486581 h 6578438"/>
+                <a:gd name="connsiteX32" fmla="*/ 3605491 w 5890489"/>
+                <a:gd name="connsiteY32" fmla="*/ 488907 h 6578438"/>
+                <a:gd name="connsiteX33" fmla="*/ 3527454 w 5890489"/>
+                <a:gd name="connsiteY33" fmla="*/ 493169 h 6578438"/>
+                <a:gd name="connsiteX34" fmla="*/ 3449151 w 5890489"/>
+                <a:gd name="connsiteY34" fmla="*/ 498336 h 6578438"/>
+                <a:gd name="connsiteX35" fmla="*/ 3410067 w 5890489"/>
+                <a:gd name="connsiteY35" fmla="*/ 500532 h 6578438"/>
+                <a:gd name="connsiteX36" fmla="*/ 3371246 w 5890489"/>
+                <a:gd name="connsiteY36" fmla="*/ 504279 h 6578438"/>
+                <a:gd name="connsiteX37" fmla="*/ 3293739 w 5890489"/>
+                <a:gd name="connsiteY37" fmla="*/ 511512 h 6578438"/>
+                <a:gd name="connsiteX38" fmla="*/ 2689445 w 5890489"/>
+                <a:gd name="connsiteY38" fmla="*/ 610198 h 6578438"/>
+                <a:gd name="connsiteX39" fmla="*/ 2117875 w 5890489"/>
+                <a:gd name="connsiteY39" fmla="*/ 800335 h 6578438"/>
+                <a:gd name="connsiteX40" fmla="*/ 1981276 w 5890489"/>
+                <a:gd name="connsiteY40" fmla="*/ 865566 h 6578438"/>
+                <a:gd name="connsiteX41" fmla="*/ 1847991 w 5890489"/>
+                <a:gd name="connsiteY41" fmla="*/ 938676 h 6578438"/>
+                <a:gd name="connsiteX42" fmla="*/ 1783069 w 5890489"/>
+                <a:gd name="connsiteY42" fmla="*/ 978718 h 6578438"/>
+                <a:gd name="connsiteX43" fmla="*/ 1750609 w 5890489"/>
+                <a:gd name="connsiteY43" fmla="*/ 998869 h 6578438"/>
+                <a:gd name="connsiteX44" fmla="*/ 1734312 w 5890489"/>
+                <a:gd name="connsiteY44" fmla="*/ 1008945 h 6578438"/>
+                <a:gd name="connsiteX45" fmla="*/ 1718547 w 5890489"/>
+                <a:gd name="connsiteY45" fmla="*/ 1019924 h 6578438"/>
+                <a:gd name="connsiteX46" fmla="*/ 1655481 w 5890489"/>
+                <a:gd name="connsiteY46" fmla="*/ 1063582 h 6578438"/>
+                <a:gd name="connsiteX47" fmla="*/ 1593077 w 5890489"/>
+                <a:gd name="connsiteY47" fmla="*/ 1108664 h 6578438"/>
+                <a:gd name="connsiteX48" fmla="*/ 1532263 w 5890489"/>
+                <a:gd name="connsiteY48" fmla="*/ 1156197 h 6578438"/>
+                <a:gd name="connsiteX49" fmla="*/ 1472509 w 5890489"/>
+                <a:gd name="connsiteY49" fmla="*/ 1205152 h 6578438"/>
+                <a:gd name="connsiteX50" fmla="*/ 1414212 w 5890489"/>
+                <a:gd name="connsiteY50" fmla="*/ 1256175 h 6578438"/>
+                <a:gd name="connsiteX51" fmla="*/ 1357242 w 5890489"/>
+                <a:gd name="connsiteY51" fmla="*/ 1308359 h 6578438"/>
+                <a:gd name="connsiteX52" fmla="*/ 1153072 w 5890489"/>
+                <a:gd name="connsiteY52" fmla="*/ 1529498 h 6578438"/>
+                <a:gd name="connsiteX53" fmla="*/ 1002694 w 5890489"/>
+                <a:gd name="connsiteY53" fmla="*/ 1770658 h 6578438"/>
+                <a:gd name="connsiteX54" fmla="*/ 974076 w 5890489"/>
+                <a:gd name="connsiteY54" fmla="*/ 1835371 h 6578438"/>
+                <a:gd name="connsiteX55" fmla="*/ 949564 w 5890489"/>
+                <a:gd name="connsiteY55" fmla="*/ 1903573 h 6578438"/>
+                <a:gd name="connsiteX56" fmla="*/ 927173 w 5890489"/>
+                <a:gd name="connsiteY56" fmla="*/ 1974229 h 6578438"/>
+                <a:gd name="connsiteX57" fmla="*/ 906107 w 5890489"/>
+                <a:gd name="connsiteY57" fmla="*/ 2046952 h 6578438"/>
+                <a:gd name="connsiteX58" fmla="*/ 751092 w 5890489"/>
+                <a:gd name="connsiteY58" fmla="*/ 2676266 h 6578438"/>
+                <a:gd name="connsiteX59" fmla="*/ 547189 w 5890489"/>
+                <a:gd name="connsiteY59" fmla="*/ 3308422 h 6578438"/>
+                <a:gd name="connsiteX60" fmla="*/ 441195 w 5890489"/>
+                <a:gd name="connsiteY60" fmla="*/ 3866306 h 6578438"/>
+                <a:gd name="connsiteX61" fmla="*/ 527182 w 5890489"/>
+                <a:gd name="connsiteY61" fmla="*/ 4439174 h 6578438"/>
+                <a:gd name="connsiteX62" fmla="*/ 775073 w 5890489"/>
+                <a:gd name="connsiteY62" fmla="*/ 4987240 h 6578438"/>
+                <a:gd name="connsiteX63" fmla="*/ 943206 w 5890489"/>
+                <a:gd name="connsiteY63" fmla="*/ 5244933 h 6578438"/>
+                <a:gd name="connsiteX64" fmla="*/ 1133728 w 5890489"/>
+                <a:gd name="connsiteY64" fmla="*/ 5490356 h 6578438"/>
+                <a:gd name="connsiteX65" fmla="*/ 1359626 w 5890489"/>
+                <a:gd name="connsiteY65" fmla="*/ 5709815 h 6578438"/>
+                <a:gd name="connsiteX66" fmla="*/ 1481254 w 5890489"/>
+                <a:gd name="connsiteY66" fmla="*/ 5809146 h 6578438"/>
+                <a:gd name="connsiteX67" fmla="*/ 1543260 w 5890489"/>
+                <a:gd name="connsiteY67" fmla="*/ 5856940 h 6578438"/>
+                <a:gd name="connsiteX68" fmla="*/ 1607518 w 5890489"/>
+                <a:gd name="connsiteY68" fmla="*/ 5901374 h 6578438"/>
+                <a:gd name="connsiteX69" fmla="*/ 2145566 w 5890489"/>
+                <a:gd name="connsiteY69" fmla="*/ 6193814 h 6578438"/>
+                <a:gd name="connsiteX70" fmla="*/ 2214991 w 5890489"/>
+                <a:gd name="connsiteY70" fmla="*/ 6221844 h 6578438"/>
+                <a:gd name="connsiteX71" fmla="*/ 2249307 w 5890489"/>
+                <a:gd name="connsiteY71" fmla="*/ 6236182 h 6578438"/>
+                <a:gd name="connsiteX72" fmla="*/ 2284285 w 5890489"/>
+                <a:gd name="connsiteY72" fmla="*/ 6248711 h 6578438"/>
+                <a:gd name="connsiteX73" fmla="*/ 2354241 w 5890489"/>
+                <a:gd name="connsiteY73" fmla="*/ 6273124 h 6578438"/>
+                <a:gd name="connsiteX74" fmla="*/ 2371597 w 5890489"/>
+                <a:gd name="connsiteY74" fmla="*/ 6279324 h 6578438"/>
+                <a:gd name="connsiteX75" fmla="*/ 2387894 w 5890489"/>
+                <a:gd name="connsiteY75" fmla="*/ 6287719 h 6578438"/>
+                <a:gd name="connsiteX76" fmla="*/ 2421414 w 5890489"/>
+                <a:gd name="connsiteY76" fmla="*/ 6302186 h 6578438"/>
+                <a:gd name="connsiteX77" fmla="*/ 2489117 w 5890489"/>
+                <a:gd name="connsiteY77" fmla="*/ 6329441 h 6578438"/>
+                <a:gd name="connsiteX78" fmla="*/ 2522902 w 5890489"/>
+                <a:gd name="connsiteY78" fmla="*/ 6343134 h 6578438"/>
+                <a:gd name="connsiteX79" fmla="*/ 2556953 w 5890489"/>
+                <a:gd name="connsiteY79" fmla="*/ 6356051 h 6578438"/>
+                <a:gd name="connsiteX80" fmla="*/ 2695009 w 5890489"/>
+                <a:gd name="connsiteY80" fmla="*/ 6401905 h 6578438"/>
+                <a:gd name="connsiteX81" fmla="*/ 3268035 w 5890489"/>
+                <a:gd name="connsiteY81" fmla="*/ 6501238 h 6578438"/>
+                <a:gd name="connsiteX82" fmla="*/ 3341038 w 5890489"/>
+                <a:gd name="connsiteY82" fmla="*/ 6506145 h 6578438"/>
+                <a:gd name="connsiteX83" fmla="*/ 3414703 w 5890489"/>
+                <a:gd name="connsiteY83" fmla="*/ 6507050 h 6578438"/>
+                <a:gd name="connsiteX84" fmla="*/ 3488237 w 5890489"/>
+                <a:gd name="connsiteY84" fmla="*/ 6508212 h 6578438"/>
+                <a:gd name="connsiteX85" fmla="*/ 3524142 w 5890489"/>
+                <a:gd name="connsiteY85" fmla="*/ 6507955 h 6578438"/>
+                <a:gd name="connsiteX86" fmla="*/ 3559252 w 5890489"/>
+                <a:gd name="connsiteY86" fmla="*/ 6506921 h 6578438"/>
+                <a:gd name="connsiteX87" fmla="*/ 3629207 w 5890489"/>
+                <a:gd name="connsiteY87" fmla="*/ 6503045 h 6578438"/>
+                <a:gd name="connsiteX88" fmla="*/ 3698633 w 5890489"/>
+                <a:gd name="connsiteY88" fmla="*/ 6496845 h 6578438"/>
+                <a:gd name="connsiteX89" fmla="*/ 3733213 w 5890489"/>
+                <a:gd name="connsiteY89" fmla="*/ 6493357 h 6578438"/>
+                <a:gd name="connsiteX90" fmla="*/ 3767529 w 5890489"/>
+                <a:gd name="connsiteY90" fmla="*/ 6488707 h 6578438"/>
+                <a:gd name="connsiteX91" fmla="*/ 3801845 w 5890489"/>
+                <a:gd name="connsiteY91" fmla="*/ 6484057 h 6578438"/>
+                <a:gd name="connsiteX92" fmla="*/ 3835895 w 5890489"/>
+                <a:gd name="connsiteY92" fmla="*/ 6478116 h 6578438"/>
+                <a:gd name="connsiteX93" fmla="*/ 4364801 w 5890489"/>
+                <a:gd name="connsiteY93" fmla="*/ 6308517 h 6578438"/>
+                <a:gd name="connsiteX94" fmla="*/ 4861379 w 5890489"/>
+                <a:gd name="connsiteY94" fmla="*/ 6000576 h 6578438"/>
+                <a:gd name="connsiteX95" fmla="*/ 5341263 w 5890489"/>
+                <a:gd name="connsiteY95" fmla="*/ 5605834 h 6578438"/>
+                <a:gd name="connsiteX96" fmla="*/ 5587301 w 5890489"/>
+                <a:gd name="connsiteY96" fmla="*/ 5390379 h 6578438"/>
+                <a:gd name="connsiteX97" fmla="*/ 5849105 w 5890489"/>
+                <a:gd name="connsiteY97" fmla="*/ 5176344 h 6578438"/>
+                <a:gd name="connsiteX98" fmla="*/ 5890489 w 5890489"/>
+                <a:gd name="connsiteY98" fmla="*/ 5145260 h 6578438"/>
+                <a:gd name="connsiteX99" fmla="*/ 5890489 w 5890489"/>
+                <a:gd name="connsiteY99" fmla="*/ 5995323 h 6578438"/>
+                <a:gd name="connsiteX100" fmla="*/ 5811477 w 5890489"/>
+                <a:gd name="connsiteY100" fmla="*/ 6077819 h 6578438"/>
+                <a:gd name="connsiteX101" fmla="*/ 5301384 w 5890489"/>
+                <a:gd name="connsiteY101" fmla="*/ 6542958 h 6578438"/>
+                <a:gd name="connsiteX102" fmla="*/ 5252008 w 5890489"/>
+                <a:gd name="connsiteY102" fmla="*/ 6578438 h 6578438"/>
+                <a:gd name="connsiteX103" fmla="*/ 1653730 w 5890489"/>
+                <a:gd name="connsiteY103" fmla="*/ 6578438 h 6578438"/>
+                <a:gd name="connsiteX104" fmla="*/ 1549768 w 5890489"/>
+                <a:gd name="connsiteY104" fmla="*/ 6488821 h 6578438"/>
+                <a:gd name="connsiteX105" fmla="*/ 1298282 w 5890489"/>
+                <a:gd name="connsiteY105" fmla="*/ 6243932 h 6578438"/>
+                <a:gd name="connsiteX106" fmla="*/ 1237999 w 5890489"/>
+                <a:gd name="connsiteY106" fmla="*/ 6181671 h 6578438"/>
+                <a:gd name="connsiteX107" fmla="*/ 1179967 w 5890489"/>
+                <a:gd name="connsiteY107" fmla="*/ 6117862 h 6578438"/>
+                <a:gd name="connsiteX108" fmla="*/ 1121936 w 5890489"/>
+                <a:gd name="connsiteY108" fmla="*/ 6054569 h 6578438"/>
+                <a:gd name="connsiteX109" fmla="*/ 1065628 w 5890489"/>
+                <a:gd name="connsiteY109" fmla="*/ 5990243 h 6578438"/>
+                <a:gd name="connsiteX110" fmla="*/ 954335 w 5890489"/>
+                <a:gd name="connsiteY110" fmla="*/ 5861460 h 6578438"/>
+                <a:gd name="connsiteX111" fmla="*/ 898953 w 5890489"/>
+                <a:gd name="connsiteY111" fmla="*/ 5797393 h 6578438"/>
+                <a:gd name="connsiteX112" fmla="*/ 842908 w 5890489"/>
+                <a:gd name="connsiteY112" fmla="*/ 5733582 h 6578438"/>
+                <a:gd name="connsiteX113" fmla="*/ 622442 w 5890489"/>
+                <a:gd name="connsiteY113" fmla="*/ 5471884 h 6578438"/>
+                <a:gd name="connsiteX114" fmla="*/ 425559 w 5890489"/>
+                <a:gd name="connsiteY114" fmla="*/ 5190036 h 6578438"/>
+                <a:gd name="connsiteX115" fmla="*/ 123877 w 5890489"/>
+                <a:gd name="connsiteY115" fmla="*/ 4564210 h 6578438"/>
+                <a:gd name="connsiteX116" fmla="*/ 130 w 5890489"/>
+                <a:gd name="connsiteY116" fmla="*/ 3865530 h 6578438"/>
+                <a:gd name="connsiteX117" fmla="*/ 30602 w 5890489"/>
+                <a:gd name="connsiteY117" fmla="*/ 3505793 h 6578438"/>
+                <a:gd name="connsiteX118" fmla="*/ 126924 w 5890489"/>
+                <a:gd name="connsiteY118" fmla="*/ 3157164 h 6578438"/>
+                <a:gd name="connsiteX119" fmla="*/ 334803 w 5890489"/>
+                <a:gd name="connsiteY119" fmla="*/ 2560530 h 6578438"/>
+                <a:gd name="connsiteX120" fmla="*/ 381176 w 5890489"/>
+                <a:gd name="connsiteY120" fmla="*/ 2409144 h 6578438"/>
+                <a:gd name="connsiteX121" fmla="*/ 425825 w 5890489"/>
+                <a:gd name="connsiteY121" fmla="*/ 2255819 h 6578438"/>
+                <a:gd name="connsiteX122" fmla="*/ 470210 w 5890489"/>
+                <a:gd name="connsiteY122" fmla="*/ 2099523 h 6578438"/>
+                <a:gd name="connsiteX123" fmla="*/ 492998 w 5890489"/>
+                <a:gd name="connsiteY123" fmla="*/ 2020213 h 6578438"/>
+                <a:gd name="connsiteX124" fmla="*/ 517509 w 5890489"/>
+                <a:gd name="connsiteY124" fmla="*/ 1939224 h 6578438"/>
+                <a:gd name="connsiteX125" fmla="*/ 544007 w 5890489"/>
+                <a:gd name="connsiteY125" fmla="*/ 1857201 h 6578438"/>
+                <a:gd name="connsiteX126" fmla="*/ 573288 w 5890489"/>
+                <a:gd name="connsiteY126" fmla="*/ 1774274 h 6578438"/>
+                <a:gd name="connsiteX127" fmla="*/ 606146 w 5890489"/>
+                <a:gd name="connsiteY127" fmla="*/ 1690832 h 6578438"/>
+                <a:gd name="connsiteX128" fmla="*/ 644569 w 5890489"/>
+                <a:gd name="connsiteY128" fmla="*/ 1607775 h 6578438"/>
+                <a:gd name="connsiteX129" fmla="*/ 837874 w 5890489"/>
+                <a:gd name="connsiteY129" fmla="*/ 1297638 h 6578438"/>
+                <a:gd name="connsiteX130" fmla="*/ 1069602 w 5890489"/>
+                <a:gd name="connsiteY130" fmla="*/ 1032194 h 6578438"/>
+                <a:gd name="connsiteX131" fmla="*/ 1130548 w 5890489"/>
+                <a:gd name="connsiteY131" fmla="*/ 970839 h 6578438"/>
+                <a:gd name="connsiteX132" fmla="*/ 1192024 w 5890489"/>
+                <a:gd name="connsiteY132" fmla="*/ 910129 h 6578438"/>
+                <a:gd name="connsiteX133" fmla="*/ 1255356 w 5890489"/>
+                <a:gd name="connsiteY133" fmla="*/ 850841 h 6578438"/>
+                <a:gd name="connsiteX134" fmla="*/ 1319614 w 5890489"/>
+                <a:gd name="connsiteY134" fmla="*/ 792068 h 6578438"/>
+                <a:gd name="connsiteX135" fmla="*/ 1385728 w 5890489"/>
+                <a:gd name="connsiteY135" fmla="*/ 734975 h 6578438"/>
+                <a:gd name="connsiteX136" fmla="*/ 1452768 w 5890489"/>
+                <a:gd name="connsiteY136" fmla="*/ 678528 h 6578438"/>
+                <a:gd name="connsiteX137" fmla="*/ 1469594 w 5890489"/>
+                <a:gd name="connsiteY137" fmla="*/ 664449 h 6578438"/>
+                <a:gd name="connsiteX138" fmla="*/ 1487083 w 5890489"/>
+                <a:gd name="connsiteY138" fmla="*/ 651015 h 6578438"/>
+                <a:gd name="connsiteX139" fmla="*/ 1522193 w 5890489"/>
+                <a:gd name="connsiteY139" fmla="*/ 624277 h 6578438"/>
+                <a:gd name="connsiteX140" fmla="*/ 1592415 w 5890489"/>
+                <a:gd name="connsiteY140" fmla="*/ 570671 h 6578438"/>
+                <a:gd name="connsiteX141" fmla="*/ 1738287 w 5890489"/>
+                <a:gd name="connsiteY141" fmla="*/ 469402 h 6578438"/>
+                <a:gd name="connsiteX142" fmla="*/ 1890918 w 5890489"/>
+                <a:gd name="connsiteY142" fmla="*/ 376530 h 6578438"/>
+                <a:gd name="connsiteX143" fmla="*/ 2555363 w 5890489"/>
+                <a:gd name="connsiteY143" fmla="*/ 105274 h 6578438"/>
+                <a:gd name="connsiteX144" fmla="*/ 3259291 w 5890489"/>
+                <a:gd name="connsiteY144" fmla="*/ 3229 h 6578438"/>
+                <a:gd name="connsiteX145" fmla="*/ 3347265 w 5890489"/>
+                <a:gd name="connsiteY145" fmla="*/ 903 h 6578438"/>
+              </a:gdLst>
+              <a:ahLst/>
+              <a:cxnLst>
+                <a:cxn ang="0">
+                  <a:pos x="connsiteX0" y="connsiteY0"/>
+                </a:cxn>
+                <a:cxn ang="0">
+                  <a:pos x="connsiteX1" y="connsiteY1"/>
+                </a:cxn>
+                <a:cxn ang="0">
+                  <a:pos x="connsiteX2" y="connsiteY2"/>
+                </a:cxn>
+                <a:cxn ang="0">
+                  <a:pos x="connsiteX3" y="connsiteY3"/>
+                </a:cxn>
+                <a:cxn ang="0">
+                  <a:pos x="connsiteX4" y="connsiteY4"/>
+                </a:cxn>
+                <a:cxn ang="0">
+                  <a:pos x="connsiteX5" y="connsiteY5"/>
+                </a:cxn>
+                <a:cxn ang="0">
+                  <a:pos x="connsiteX6" y="connsiteY6"/>
+                </a:cxn>
+                <a:cxn ang="0">
+                  <a:pos x="connsiteX7" y="connsiteY7"/>
+                </a:cxn>
+                <a:cxn ang="0">
+                  <a:pos x="connsiteX8" y="connsiteY8"/>
+                </a:cxn>
+                <a:cxn ang="0">
+                  <a:pos x="connsiteX9" y="connsiteY9"/>
+                </a:cxn>
+                <a:cxn ang="0">
+                  <a:pos x="connsiteX10" y="connsiteY10"/>
+                </a:cxn>
+                <a:cxn ang="0">
+                  <a:pos x="connsiteX11" y="connsiteY11"/>
+                </a:cxn>
+                <a:cxn ang="0">
+                  <a:pos x="connsiteX12" y="connsiteY12"/>
+                </a:cxn>
+                <a:cxn ang="0">
+                  <a:pos x="connsiteX13" y="connsiteY13"/>
+                </a:cxn>
+                <a:cxn ang="0">
+                  <a:pos x="connsiteX14" y="connsiteY14"/>
+                </a:cxn>
+                <a:cxn ang="0">
+                  <a:pos x="connsiteX15" y="connsiteY15"/>
+                </a:cxn>
+                <a:cxn ang="0">
+                  <a:pos x="connsiteX16" y="connsiteY16"/>
+                </a:cxn>
+                <a:cxn ang="0">
+                  <a:pos x="connsiteX17" y="connsiteY17"/>
+                </a:cxn>
+                <a:cxn ang="0">
+                  <a:pos x="connsiteX18" y="connsiteY18"/>
+                </a:cxn>
+                <a:cxn ang="0">
+                  <a:pos x="connsiteX19" y="connsiteY19"/>
+                </a:cxn>
+                <a:cxn ang="0">
+                  <a:pos x="connsiteX20" y="connsiteY20"/>
+                </a:cxn>
+                <a:cxn ang="0">
+                  <a:pos x="connsiteX21" y="connsiteY21"/>
+                </a:cxn>
+                <a:cxn ang="0">
+                  <a:pos x="connsiteX22" y="connsiteY22"/>
+                </a:cxn>
+                <a:cxn ang="0">
+                  <a:pos x="connsiteX23" y="connsiteY23"/>
+                </a:cxn>
+                <a:cxn ang="0">
+                  <a:pos x="connsiteX24" y="connsiteY24"/>
+                </a:cxn>
+                <a:cxn ang="0">
+                  <a:pos x="connsiteX25" y="connsiteY25"/>
+                </a:cxn>
+                <a:cxn ang="0">
+                  <a:pos x="connsiteX26" y="connsiteY26"/>
+                </a:cxn>
+                <a:cxn ang="0">
+                  <a:pos x="connsiteX27" y="connsiteY27"/>
+                </a:cxn>
+                <a:cxn ang="0">
+                  <a:pos x="connsiteX28" y="connsiteY28"/>
+                </a:cxn>
+                <a:cxn ang="0">
+                  <a:pos x="connsiteX29" y="connsiteY29"/>
+                </a:cxn>
+                <a:cxn ang="0">
+                  <a:pos x="connsiteX30" y="connsiteY30"/>
+                </a:cxn>
+                <a:cxn ang="0">
+                  <a:pos x="connsiteX31" y="connsiteY31"/>
+                </a:cxn>
+                <a:cxn ang="0">
+                  <a:pos x="connsiteX32" y="connsiteY32"/>
+                </a:cxn>
+                <a:cxn ang="0">
+                  <a:pos x="connsiteX33" y="connsiteY33"/>
+                </a:cxn>
+                <a:cxn ang="0">
+                  <a:pos x="connsiteX34" y="connsiteY34"/>
+                </a:cxn>
+                <a:cxn ang="0">
+                  <a:pos x="connsiteX35" y="connsiteY35"/>
+                </a:cxn>
+                <a:cxn ang="0">
+                  <a:pos x="connsiteX36" y="connsiteY36"/>
+                </a:cxn>
+                <a:cxn ang="0">
+                  <a:pos x="connsiteX37" y="connsiteY37"/>
+                </a:cxn>
+                <a:cxn ang="0">
+                  <a:pos x="connsiteX38" y="connsiteY38"/>
+                </a:cxn>
+                <a:cxn ang="0">
+                  <a:pos x="connsiteX39" y="connsiteY39"/>
+                </a:cxn>
+                <a:cxn ang="0">
+                  <a:pos x="connsiteX40" y="connsiteY40"/>
+                </a:cxn>
+                <a:cxn ang="0">
+                  <a:pos x="connsiteX41" y="connsiteY41"/>
+                </a:cxn>
+                <a:cxn ang="0">
+                  <a:pos x="connsiteX42" y="connsiteY42"/>
+                </a:cxn>
+                <a:cxn ang="0">
+                  <a:pos x="connsiteX43" y="connsiteY43"/>
+                </a:cxn>
+                <a:cxn ang="0">
+                  <a:pos x="connsiteX44" y="connsiteY44"/>
+                </a:cxn>
+                <a:cxn ang="0">
+                  <a:pos x="connsiteX45" y="connsiteY45"/>
+                </a:cxn>
+                <a:cxn ang="0">
+                  <a:pos x="connsiteX46" y="connsiteY46"/>
+                </a:cxn>
+                <a:cxn ang="0">
+                  <a:pos x="connsiteX47" y="connsiteY47"/>
+                </a:cxn>
+                <a:cxn ang="0">
+                  <a:pos x="connsiteX48" y="connsiteY48"/>
+                </a:cxn>
+                <a:cxn ang="0">
+                  <a:pos x="connsiteX49" y="connsiteY49"/>
+                </a:cxn>
+                <a:cxn ang="0">
+                  <a:pos x="connsiteX50" y="connsiteY50"/>
+                </a:cxn>
+                <a:cxn ang="0">
+                  <a:pos x="connsiteX51" y="connsiteY51"/>
+                </a:cxn>
+                <a:cxn ang="0">
+                  <a:pos x="connsiteX52" y="connsiteY52"/>
+                </a:cxn>
+                <a:cxn ang="0">
+                  <a:pos x="connsiteX53" y="connsiteY53"/>
+                </a:cxn>
+                <a:cxn ang="0">
+                  <a:pos x="connsiteX54" y="connsiteY54"/>
+                </a:cxn>
+                <a:cxn ang="0">
+                  <a:pos x="connsiteX55" y="connsiteY55"/>
+                </a:cxn>
+                <a:cxn ang="0">
+                  <a:pos x="connsiteX56" y="connsiteY56"/>
+                </a:cxn>
+                <a:cxn ang="0">
+                  <a:pos x="connsiteX57" y="connsiteY57"/>
+                </a:cxn>
+                <a:cxn ang="0">
+                  <a:pos x="connsiteX58" y="connsiteY58"/>
+                </a:cxn>
+                <a:cxn ang="0">
+                  <a:pos x="connsiteX59" y="connsiteY59"/>
+                </a:cxn>
+                <a:cxn ang="0">
+                  <a:pos x="connsiteX60" y="connsiteY60"/>
+                </a:cxn>
+                <a:cxn ang="0">
+                  <a:pos x="connsiteX61" y="connsiteY61"/>
+                </a:cxn>
+                <a:cxn ang="0">
+                  <a:pos x="connsiteX62" y="connsiteY62"/>
+                </a:cxn>
+                <a:cxn ang="0">
+                  <a:pos x="connsiteX63" y="connsiteY63"/>
+                </a:cxn>
+                <a:cxn ang="0">
+                  <a:pos x="connsiteX64" y="connsiteY64"/>
+                </a:cxn>
+                <a:cxn ang="0">
+                  <a:pos x="connsiteX65" y="connsiteY65"/>
+                </a:cxn>
+                <a:cxn ang="0">
+                  <a:pos x="connsiteX66" y="connsiteY66"/>
+                </a:cxn>
+                <a:cxn ang="0">
+                  <a:pos x="connsiteX67" y="connsiteY67"/>
+                </a:cxn>
+                <a:cxn ang="0">
+                  <a:pos x="connsiteX68" y="connsiteY68"/>
+                </a:cxn>
+                <a:cxn ang="0">
+                  <a:pos x="connsiteX69" y="connsiteY69"/>
+                </a:cxn>
+                <a:cxn ang="0">
+                  <a:pos x="connsiteX70" y="connsiteY70"/>
+                </a:cxn>
+                <a:cxn ang="0">
+                  <a:pos x="connsiteX71" y="connsiteY71"/>
+                </a:cxn>
+                <a:cxn ang="0">
+                  <a:pos x="connsiteX72" y="connsiteY72"/>
+                </a:cxn>
+                <a:cxn ang="0">
+                  <a:pos x="connsiteX73" y="connsiteY73"/>
+                </a:cxn>
+                <a:cxn ang="0">
+                  <a:pos x="connsiteX74" y="connsiteY74"/>
+                </a:cxn>
+                <a:cxn ang="0">
+                  <a:pos x="connsiteX75" y="connsiteY75"/>
+                </a:cxn>
+                <a:cxn ang="0">
+                  <a:pos x="connsiteX76" y="connsiteY76"/>
+                </a:cxn>
+                <a:cxn ang="0">
+                  <a:pos x="connsiteX77" y="connsiteY77"/>
+                </a:cxn>
+                <a:cxn ang="0">
+                  <a:pos x="connsiteX78" y="connsiteY78"/>
+                </a:cxn>
+                <a:cxn ang="0">
+                  <a:pos x="connsiteX79" y="connsiteY79"/>
+                </a:cxn>
+                <a:cxn ang="0">
+                  <a:pos x="connsiteX80" y="connsiteY80"/>
+                </a:cxn>
+                <a:cxn ang="0">
+                  <a:pos x="connsiteX81" y="connsiteY81"/>
+                </a:cxn>
+                <a:cxn ang="0">
+                  <a:pos x="connsiteX82" y="connsiteY82"/>
+                </a:cxn>
+                <a:cxn ang="0">
+                  <a:pos x="connsiteX83" y="connsiteY83"/>
+                </a:cxn>
+                <a:cxn ang="0">
+                  <a:pos x="connsiteX84" y="connsiteY84"/>
+                </a:cxn>
+                <a:cxn ang="0">
+                  <a:pos x="connsiteX85" y="connsiteY85"/>
+                </a:cxn>
+                <a:cxn ang="0">
+                  <a:pos x="connsiteX86" y="connsiteY86"/>
+                </a:cxn>
+                <a:cxn ang="0">
+                  <a:pos x="connsiteX87" y="connsiteY87"/>
+                </a:cxn>
+                <a:cxn ang="0">
+                  <a:pos x="connsiteX88" y="connsiteY88"/>
+                </a:cxn>
+                <a:cxn ang="0">
+                  <a:pos x="connsiteX89" y="connsiteY89"/>
+                </a:cxn>
+                <a:cxn ang="0">
+                  <a:pos x="connsiteX90" y="connsiteY90"/>
+                </a:cxn>
+                <a:cxn ang="0">
+                  <a:pos x="connsiteX91" y="connsiteY91"/>
+                </a:cxn>
+                <a:cxn ang="0">
+                  <a:pos x="connsiteX92" y="connsiteY92"/>
+                </a:cxn>
+                <a:cxn ang="0">
+                  <a:pos x="connsiteX93" y="connsiteY93"/>
+                </a:cxn>
+                <a:cxn ang="0">
+                  <a:pos x="connsiteX94" y="connsiteY94"/>
+                </a:cxn>
+                <a:cxn ang="0">
+                  <a:pos x="connsiteX95" y="connsiteY95"/>
+                </a:cxn>
+                <a:cxn ang="0">
+                  <a:pos x="connsiteX96" y="connsiteY96"/>
+                </a:cxn>
+                <a:cxn ang="0">
+                  <a:pos x="connsiteX97" y="connsiteY97"/>
+                </a:cxn>
+                <a:cxn ang="0">
+                  <a:pos x="connsiteX98" y="connsiteY98"/>
+                </a:cxn>
+                <a:cxn ang="0">
+                  <a:pos x="connsiteX99" y="connsiteY99"/>
+                </a:cxn>
+                <a:cxn ang="0">
+                  <a:pos x="connsiteX100" y="connsiteY100"/>
+                </a:cxn>
+                <a:cxn ang="0">
+                  <a:pos x="connsiteX101" y="connsiteY101"/>
+                </a:cxn>
+                <a:cxn ang="0">
+                  <a:pos x="connsiteX102" y="connsiteY102"/>
+                </a:cxn>
+                <a:cxn ang="0">
+                  <a:pos x="connsiteX103" y="connsiteY103"/>
+                </a:cxn>
+                <a:cxn ang="0">
+                  <a:pos x="connsiteX104" y="connsiteY104"/>
+                </a:cxn>
+                <a:cxn ang="0">
+                  <a:pos x="connsiteX105" y="connsiteY105"/>
+                </a:cxn>
+                <a:cxn ang="0">
+                  <a:pos x="connsiteX106" y="connsiteY106"/>
+                </a:cxn>
+                <a:cxn ang="0">
+                  <a:pos x="connsiteX107" y="connsiteY107"/>
+                </a:cxn>
+                <a:cxn ang="0">
+                  <a:pos x="connsiteX108" y="connsiteY108"/>
+                </a:cxn>
+                <a:cxn ang="0">
+                  <a:pos x="connsiteX109" y="connsiteY109"/>
+                </a:cxn>
+                <a:cxn ang="0">
+                  <a:pos x="connsiteX110" y="connsiteY110"/>
+                </a:cxn>
+                <a:cxn ang="0">
+                  <a:pos x="connsiteX111" y="connsiteY111"/>
+                </a:cxn>
+                <a:cxn ang="0">
+                  <a:pos x="connsiteX112" y="connsiteY112"/>
+                </a:cxn>
+                <a:cxn ang="0">
+                  <a:pos x="connsiteX113" y="connsiteY113"/>
+                </a:cxn>
+                <a:cxn ang="0">
+                  <a:pos x="connsiteX114" y="connsiteY114"/>
+                </a:cxn>
+                <a:cxn ang="0">
+                  <a:pos x="connsiteX115" y="connsiteY115"/>
+                </a:cxn>
+                <a:cxn ang="0">
+                  <a:pos x="connsiteX116" y="connsiteY116"/>
+                </a:cxn>
+                <a:cxn ang="0">
+                  <a:pos x="connsiteX117" y="connsiteY117"/>
+                </a:cxn>
+                <a:cxn ang="0">
+                  <a:pos x="connsiteX118" y="connsiteY118"/>
+                </a:cxn>
+                <a:cxn ang="0">
+                  <a:pos x="connsiteX119" y="connsiteY119"/>
+                </a:cxn>
+                <a:cxn ang="0">
+                  <a:pos x="connsiteX120" y="connsiteY120"/>
+                </a:cxn>
+                <a:cxn ang="0">
+                  <a:pos x="connsiteX121" y="connsiteY121"/>
+                </a:cxn>
+                <a:cxn ang="0">
+                  <a:pos x="connsiteX122" y="connsiteY122"/>
+                </a:cxn>
+                <a:cxn ang="0">
+                  <a:pos x="connsiteX123" y="connsiteY123"/>
+                </a:cxn>
+                <a:cxn ang="0">
+                  <a:pos x="connsiteX124" y="connsiteY124"/>
+                </a:cxn>
+                <a:cxn ang="0">
+                  <a:pos x="connsiteX125" y="connsiteY125"/>
+                </a:cxn>
+                <a:cxn ang="0">
+                  <a:pos x="connsiteX126" y="connsiteY126"/>
+                </a:cxn>
+                <a:cxn ang="0">
+                  <a:pos x="connsiteX127" y="connsiteY127"/>
+                </a:cxn>
+                <a:cxn ang="0">
+                  <a:pos x="connsiteX128" y="connsiteY128"/>
+                </a:cxn>
+                <a:cxn ang="0">
+                  <a:pos x="connsiteX129" y="connsiteY129"/>
+                </a:cxn>
+                <a:cxn ang="0">
+                  <a:pos x="connsiteX130" y="connsiteY130"/>
+                </a:cxn>
+                <a:cxn ang="0">
+                  <a:pos x="connsiteX131" y="connsiteY131"/>
+                </a:cxn>
+                <a:cxn ang="0">
+                  <a:pos x="connsiteX132" y="connsiteY132"/>
+                </a:cxn>
+                <a:cxn ang="0">
+                  <a:pos x="connsiteX133" y="connsiteY133"/>
+                </a:cxn>
+                <a:cxn ang="0">
+                  <a:pos x="connsiteX134" y="connsiteY134"/>
+                </a:cxn>
+                <a:cxn ang="0">
+                  <a:pos x="connsiteX135" y="connsiteY135"/>
+                </a:cxn>
+                <a:cxn ang="0">
+                  <a:pos x="connsiteX136" y="connsiteY136"/>
+                </a:cxn>
+                <a:cxn ang="0">
+                  <a:pos x="connsiteX137" y="connsiteY137"/>
+                </a:cxn>
+                <a:cxn ang="0">
+                  <a:pos x="connsiteX138" y="connsiteY138"/>
+                </a:cxn>
+                <a:cxn ang="0">
+                  <a:pos x="connsiteX139" y="connsiteY139"/>
+                </a:cxn>
+                <a:cxn ang="0">
+                  <a:pos x="connsiteX140" y="connsiteY140"/>
+                </a:cxn>
+                <a:cxn ang="0">
+                  <a:pos x="connsiteX141" y="connsiteY141"/>
+                </a:cxn>
+                <a:cxn ang="0">
+                  <a:pos x="connsiteX142" y="connsiteY142"/>
+                </a:cxn>
+                <a:cxn ang="0">
+                  <a:pos x="connsiteX143" y="connsiteY143"/>
+                </a:cxn>
+                <a:cxn ang="0">
+                  <a:pos x="connsiteX144" y="connsiteY144"/>
+                </a:cxn>
+                <a:cxn ang="0">
+                  <a:pos x="connsiteX145" y="connsiteY145"/>
+                </a:cxn>
+              </a:cxnLst>
+              <a:rect l="l" t="t" r="r" b="b"/>
+              <a:pathLst>
+                <a:path w="5890489" h="6578438">
+                  <a:moveTo>
+                    <a:pt x="3391253" y="0"/>
+                  </a:moveTo>
+                  <a:lnTo>
+                    <a:pt x="3434974" y="646"/>
+                  </a:lnTo>
+                  <a:lnTo>
+                    <a:pt x="3522419" y="2712"/>
+                  </a:lnTo>
+                  <a:cubicBezTo>
+                    <a:pt x="3551567" y="3488"/>
+                    <a:pt x="3580451" y="3746"/>
+                    <a:pt x="3610261" y="6458"/>
+                  </a:cubicBezTo>
+                  <a:cubicBezTo>
+                    <a:pt x="3669353" y="10850"/>
+                    <a:pt x="3728179" y="14337"/>
+                    <a:pt x="3786872" y="20667"/>
+                  </a:cubicBezTo>
+                  <a:lnTo>
+                    <a:pt x="3962291" y="43530"/>
+                  </a:lnTo>
+                  <a:lnTo>
+                    <a:pt x="4135855" y="75176"/>
+                  </a:lnTo>
+                  <a:cubicBezTo>
+                    <a:pt x="4193224" y="87836"/>
+                    <a:pt x="4250328" y="101398"/>
+                    <a:pt x="4307299" y="114315"/>
+                  </a:cubicBezTo>
+                  <a:cubicBezTo>
+                    <a:pt x="4364139" y="128394"/>
+                    <a:pt x="4420050" y="145575"/>
+                    <a:pt x="4476358" y="160816"/>
+                  </a:cubicBezTo>
+                  <a:cubicBezTo>
+                    <a:pt x="4504580" y="167921"/>
+                    <a:pt x="4532138" y="177995"/>
+                    <a:pt x="4559829" y="186779"/>
+                  </a:cubicBezTo>
+                  <a:lnTo>
+                    <a:pt x="4642901" y="213648"/>
+                  </a:lnTo>
+                  <a:cubicBezTo>
+                    <a:pt x="4863234" y="288307"/>
+                    <a:pt x="5076414" y="379371"/>
+                    <a:pt x="5280847" y="485936"/>
+                  </a:cubicBezTo>
+                  <a:cubicBezTo>
+                    <a:pt x="5485018" y="592631"/>
+                    <a:pt x="5681768" y="713145"/>
+                    <a:pt x="5865400" y="851099"/>
+                  </a:cubicBezTo>
+                  <a:lnTo>
+                    <a:pt x="5890489" y="870950"/>
+                  </a:lnTo>
+                  <a:lnTo>
+                    <a:pt x="5890489" y="1321814"/>
+                  </a:lnTo>
+                  <a:lnTo>
+                    <a:pt x="5887395" y="1318952"/>
+                  </a:lnTo>
+                  <a:lnTo>
+                    <a:pt x="5830291" y="1265992"/>
+                  </a:lnTo>
+                  <a:lnTo>
+                    <a:pt x="5815981" y="1252687"/>
+                  </a:lnTo>
+                  <a:lnTo>
+                    <a:pt x="5801142" y="1240158"/>
+                  </a:lnTo>
+                  <a:lnTo>
+                    <a:pt x="5771464" y="1214969"/>
+                  </a:lnTo>
+                  <a:cubicBezTo>
+                    <a:pt x="5731849" y="1181385"/>
+                    <a:pt x="5692897" y="1146896"/>
+                    <a:pt x="5651030" y="1115767"/>
+                  </a:cubicBezTo>
+                  <a:cubicBezTo>
+                    <a:pt x="5487534" y="986985"/>
+                    <a:pt x="5311321" y="872542"/>
+                    <a:pt x="5123183" y="780443"/>
+                  </a:cubicBezTo>
+                  <a:cubicBezTo>
+                    <a:pt x="4935309" y="688087"/>
+                    <a:pt x="4737102" y="616398"/>
+                    <a:pt x="4533860" y="567701"/>
+                  </a:cubicBezTo>
+                  <a:lnTo>
+                    <a:pt x="4457281" y="550780"/>
+                  </a:lnTo>
+                  <a:cubicBezTo>
+                    <a:pt x="4431709" y="545484"/>
+                    <a:pt x="4406536" y="538896"/>
+                    <a:pt x="4380568" y="535279"/>
+                  </a:cubicBezTo>
+                  <a:lnTo>
+                    <a:pt x="4303325" y="522879"/>
+                  </a:lnTo>
+                  <a:lnTo>
+                    <a:pt x="4264769" y="516679"/>
+                  </a:lnTo>
+                  <a:cubicBezTo>
+                    <a:pt x="4251918" y="514612"/>
+                    <a:pt x="4239067" y="512415"/>
+                    <a:pt x="4226082" y="511253"/>
+                  </a:cubicBezTo>
+                  <a:cubicBezTo>
+                    <a:pt x="4174145" y="505829"/>
+                    <a:pt x="4122606" y="499498"/>
+                    <a:pt x="4070934" y="494848"/>
+                  </a:cubicBezTo>
+                  <a:lnTo>
+                    <a:pt x="3915521" y="486065"/>
+                  </a:lnTo>
+                  <a:lnTo>
+                    <a:pt x="3760241" y="484257"/>
+                  </a:lnTo>
+                  <a:cubicBezTo>
+                    <a:pt x="3734405" y="483869"/>
+                    <a:pt x="3708571" y="485936"/>
+                    <a:pt x="3682734" y="486581"/>
+                  </a:cubicBezTo>
+                  <a:lnTo>
+                    <a:pt x="3605491" y="488907"/>
+                  </a:lnTo>
+                  <a:cubicBezTo>
+                    <a:pt x="3579921" y="489165"/>
+                    <a:pt x="3553555" y="491490"/>
+                    <a:pt x="3527454" y="493169"/>
+                  </a:cubicBezTo>
+                  <a:lnTo>
+                    <a:pt x="3449151" y="498336"/>
+                  </a:lnTo>
+                  <a:lnTo>
+                    <a:pt x="3410067" y="500532"/>
+                  </a:lnTo>
+                  <a:lnTo>
+                    <a:pt x="3371246" y="504279"/>
+                  </a:lnTo>
+                  <a:cubicBezTo>
+                    <a:pt x="3345410" y="506862"/>
+                    <a:pt x="3319575" y="509315"/>
+                    <a:pt x="3293739" y="511512"/>
+                  </a:cubicBezTo>
+                  <a:cubicBezTo>
+                    <a:pt x="3087450" y="531662"/>
+                    <a:pt x="2885531" y="563180"/>
+                    <a:pt x="2689445" y="610198"/>
+                  </a:cubicBezTo>
+                  <a:cubicBezTo>
+                    <a:pt x="2493357" y="657344"/>
+                    <a:pt x="2302303" y="719088"/>
+                    <a:pt x="2117875" y="800335"/>
+                  </a:cubicBezTo>
+                  <a:cubicBezTo>
+                    <a:pt x="2072298" y="821648"/>
+                    <a:pt x="2026854" y="843606"/>
+                    <a:pt x="1981276" y="865566"/>
+                  </a:cubicBezTo>
+                  <a:cubicBezTo>
+                    <a:pt x="1937025" y="889978"/>
+                    <a:pt x="1891978" y="913229"/>
+                    <a:pt x="1847991" y="938676"/>
+                  </a:cubicBezTo>
+                  <a:lnTo>
+                    <a:pt x="1783069" y="978718"/>
+                  </a:lnTo>
+                  <a:lnTo>
+                    <a:pt x="1750609" y="998869"/>
+                  </a:lnTo>
+                  <a:lnTo>
+                    <a:pt x="1734312" y="1008945"/>
+                  </a:lnTo>
+                  <a:lnTo>
+                    <a:pt x="1718547" y="1019924"/>
+                  </a:lnTo>
+                  <a:lnTo>
+                    <a:pt x="1655481" y="1063582"/>
+                  </a:lnTo>
+                  <a:cubicBezTo>
+                    <a:pt x="1634414" y="1078178"/>
+                    <a:pt x="1612950" y="1092259"/>
+                    <a:pt x="1593077" y="1108664"/>
+                  </a:cubicBezTo>
+                  <a:lnTo>
+                    <a:pt x="1532263" y="1156197"/>
+                  </a:lnTo>
+                  <a:cubicBezTo>
+                    <a:pt x="1511992" y="1172085"/>
+                    <a:pt x="1491587" y="1187844"/>
+                    <a:pt x="1472509" y="1205152"/>
+                  </a:cubicBezTo>
+                  <a:lnTo>
+                    <a:pt x="1414212" y="1256175"/>
+                  </a:lnTo>
+                  <a:cubicBezTo>
+                    <a:pt x="1395001" y="1273354"/>
+                    <a:pt x="1375127" y="1290147"/>
+                    <a:pt x="1357242" y="1308359"/>
+                  </a:cubicBezTo>
+                  <a:cubicBezTo>
+                    <a:pt x="1283178" y="1379532"/>
+                    <a:pt x="1212163" y="1452513"/>
+                    <a:pt x="1153072" y="1529498"/>
+                  </a:cubicBezTo>
+                  <a:cubicBezTo>
+                    <a:pt x="1090933" y="1605578"/>
+                    <a:pt x="1043501" y="1685794"/>
+                    <a:pt x="1002694" y="1770658"/>
+                  </a:cubicBezTo>
+                  <a:lnTo>
+                    <a:pt x="974076" y="1835371"/>
+                  </a:lnTo>
+                  <a:lnTo>
+                    <a:pt x="949564" y="1903573"/>
+                  </a:lnTo>
+                  <a:cubicBezTo>
+                    <a:pt x="940820" y="1925661"/>
+                    <a:pt x="934593" y="1950719"/>
+                    <a:pt x="927173" y="1974229"/>
+                  </a:cubicBezTo>
+                  <a:cubicBezTo>
+                    <a:pt x="920019" y="1998254"/>
+                    <a:pt x="912468" y="2021504"/>
+                    <a:pt x="906107" y="2046952"/>
+                  </a:cubicBezTo>
+                  <a:cubicBezTo>
+                    <a:pt x="853906" y="2245614"/>
+                    <a:pt x="809918" y="2463136"/>
+                    <a:pt x="751092" y="2676266"/>
+                  </a:cubicBezTo>
+                  <a:cubicBezTo>
+                    <a:pt x="693458" y="2889912"/>
+                    <a:pt x="624166" y="3100976"/>
+                    <a:pt x="547189" y="3308422"/>
+                  </a:cubicBezTo>
+                  <a:cubicBezTo>
+                    <a:pt x="479617" y="3487580"/>
+                    <a:pt x="444109" y="3675523"/>
+                    <a:pt x="441195" y="3866306"/>
+                  </a:cubicBezTo>
+                  <a:cubicBezTo>
+                    <a:pt x="438014" y="4057089"/>
+                    <a:pt x="469282" y="4250456"/>
+                    <a:pt x="527182" y="4439174"/>
+                  </a:cubicBezTo>
+                  <a:cubicBezTo>
+                    <a:pt x="584815" y="4628278"/>
+                    <a:pt x="671067" y="4811828"/>
+                    <a:pt x="775073" y="4987240"/>
+                  </a:cubicBezTo>
+                  <a:cubicBezTo>
+                    <a:pt x="827009" y="5075075"/>
+                    <a:pt x="884246" y="5160327"/>
+                    <a:pt x="943206" y="5244933"/>
+                  </a:cubicBezTo>
+                  <a:cubicBezTo>
+                    <a:pt x="1002296" y="5329411"/>
+                    <a:pt x="1064964" y="5412337"/>
+                    <a:pt x="1133728" y="5490356"/>
+                  </a:cubicBezTo>
+                  <a:cubicBezTo>
+                    <a:pt x="1203949" y="5567728"/>
+                    <a:pt x="1279337" y="5642259"/>
+                    <a:pt x="1359626" y="5709815"/>
+                  </a:cubicBezTo>
+                  <a:cubicBezTo>
+                    <a:pt x="1398711" y="5744949"/>
+                    <a:pt x="1439916" y="5777241"/>
+                    <a:pt x="1481254" y="5809146"/>
+                  </a:cubicBezTo>
+                  <a:cubicBezTo>
+                    <a:pt x="1501922" y="5825163"/>
+                    <a:pt x="1522325" y="5841309"/>
+                    <a:pt x="1543260" y="5856940"/>
+                  </a:cubicBezTo>
+                  <a:cubicBezTo>
+                    <a:pt x="1564591" y="5871923"/>
+                    <a:pt x="1585921" y="5886777"/>
+                    <a:pt x="1607518" y="5901374"/>
+                  </a:cubicBezTo>
+                  <a:cubicBezTo>
+                    <a:pt x="1778565" y="6019693"/>
+                    <a:pt x="1961271" y="6115924"/>
+                    <a:pt x="2145566" y="6193814"/>
+                  </a:cubicBezTo>
+                  <a:lnTo>
+                    <a:pt x="2214991" y="6221844"/>
+                  </a:lnTo>
+                  <a:lnTo>
+                    <a:pt x="2249307" y="6236182"/>
+                  </a:lnTo>
+                  <a:cubicBezTo>
+                    <a:pt x="2260702" y="6241089"/>
+                    <a:pt x="2272625" y="6244577"/>
+                    <a:pt x="2284285" y="6248711"/>
+                  </a:cubicBezTo>
+                  <a:lnTo>
+                    <a:pt x="2354241" y="6273124"/>
+                  </a:lnTo>
+                  <a:cubicBezTo>
+                    <a:pt x="2360070" y="6275190"/>
+                    <a:pt x="2365899" y="6277128"/>
+                    <a:pt x="2371597" y="6279324"/>
+                  </a:cubicBezTo>
+                  <a:cubicBezTo>
+                    <a:pt x="2377161" y="6281778"/>
+                    <a:pt x="2382329" y="6285007"/>
+                    <a:pt x="2387894" y="6287719"/>
+                  </a:cubicBezTo>
+                  <a:cubicBezTo>
+                    <a:pt x="2398757" y="6293274"/>
+                    <a:pt x="2410153" y="6297666"/>
+                    <a:pt x="2421414" y="6302186"/>
+                  </a:cubicBezTo>
+                  <a:lnTo>
+                    <a:pt x="2489117" y="6329441"/>
+                  </a:lnTo>
+                  <a:lnTo>
+                    <a:pt x="2522902" y="6343134"/>
+                  </a:lnTo>
+                  <a:cubicBezTo>
+                    <a:pt x="2534165" y="6347654"/>
+                    <a:pt x="2545294" y="6352563"/>
+                    <a:pt x="2556953" y="6356051"/>
+                  </a:cubicBezTo>
+                  <a:lnTo>
+                    <a:pt x="2695009" y="6401905"/>
+                  </a:lnTo>
+                  <a:cubicBezTo>
+                    <a:pt x="2880895" y="6457190"/>
+                    <a:pt x="3073141" y="6489095"/>
+                    <a:pt x="3268035" y="6501238"/>
+                  </a:cubicBezTo>
+                  <a:cubicBezTo>
+                    <a:pt x="3292413" y="6502659"/>
+                    <a:pt x="3316527" y="6505629"/>
+                    <a:pt x="3341038" y="6506145"/>
+                  </a:cubicBezTo>
+                  <a:lnTo>
+                    <a:pt x="3414703" y="6507050"/>
+                  </a:lnTo>
+                  <a:lnTo>
+                    <a:pt x="3488237" y="6508212"/>
+                  </a:lnTo>
+                  <a:cubicBezTo>
+                    <a:pt x="3500690" y="6508729"/>
+                    <a:pt x="3512483" y="6508471"/>
+                    <a:pt x="3524142" y="6507955"/>
+                  </a:cubicBezTo>
+                  <a:lnTo>
+                    <a:pt x="3559252" y="6506921"/>
+                  </a:lnTo>
+                  <a:cubicBezTo>
+                    <a:pt x="3582835" y="6506792"/>
+                    <a:pt x="3605889" y="6504467"/>
+                    <a:pt x="3629207" y="6503045"/>
+                  </a:cubicBezTo>
+                  <a:cubicBezTo>
+                    <a:pt x="3652526" y="6502012"/>
+                    <a:pt x="3675579" y="6499171"/>
+                    <a:pt x="3698633" y="6496845"/>
+                  </a:cubicBezTo>
+                  <a:cubicBezTo>
+                    <a:pt x="3710160" y="6495683"/>
+                    <a:pt x="3721819" y="6494907"/>
+                    <a:pt x="3733213" y="6493357"/>
+                  </a:cubicBezTo>
+                  <a:lnTo>
+                    <a:pt x="3767529" y="6488707"/>
+                  </a:lnTo>
+                  <a:lnTo>
+                    <a:pt x="3801845" y="6484057"/>
+                  </a:lnTo>
+                  <a:lnTo>
+                    <a:pt x="3835895" y="6478116"/>
+                  </a:lnTo>
+                  <a:cubicBezTo>
+                    <a:pt x="4017673" y="6446727"/>
+                    <a:pt x="4194152" y="6390281"/>
+                    <a:pt x="4364801" y="6308517"/>
+                  </a:cubicBezTo>
+                  <a:cubicBezTo>
+                    <a:pt x="4535583" y="6227139"/>
+                    <a:pt x="4700138" y="6120962"/>
+                    <a:pt x="4861379" y="6000576"/>
+                  </a:cubicBezTo>
+                  <a:cubicBezTo>
+                    <a:pt x="5022621" y="5879931"/>
+                    <a:pt x="5180684" y="5745337"/>
+                    <a:pt x="5341263" y="5605834"/>
+                  </a:cubicBezTo>
+                  <a:lnTo>
+                    <a:pt x="5587301" y="5390379"/>
+                  </a:lnTo>
+                  <a:cubicBezTo>
+                    <a:pt x="5674216" y="5315718"/>
+                    <a:pt x="5761527" y="5244416"/>
+                    <a:pt x="5849105" y="5176344"/>
+                  </a:cubicBezTo>
+                  <a:lnTo>
+                    <a:pt x="5890489" y="5145260"/>
+                  </a:lnTo>
+                  <a:lnTo>
+                    <a:pt x="5890489" y="5995323"/>
+                  </a:lnTo>
+                  <a:lnTo>
+                    <a:pt x="5811477" y="6077819"/>
+                  </a:lnTo>
+                  <a:cubicBezTo>
+                    <a:pt x="5654739" y="6238377"/>
+                    <a:pt x="5487138" y="6396093"/>
+                    <a:pt x="5301384" y="6542958"/>
+                  </a:cubicBezTo>
+                  <a:lnTo>
+                    <a:pt x="5252008" y="6578438"/>
+                  </a:lnTo>
+                  <a:lnTo>
+                    <a:pt x="1653730" y="6578438"/>
+                  </a:lnTo>
+                  <a:lnTo>
+                    <a:pt x="1549768" y="6488821"/>
+                  </a:lnTo>
+                  <a:cubicBezTo>
+                    <a:pt x="1461976" y="6409495"/>
+                    <a:pt x="1378573" y="6327182"/>
+                    <a:pt x="1298282" y="6243932"/>
+                  </a:cubicBezTo>
+                  <a:cubicBezTo>
+                    <a:pt x="1278277" y="6223006"/>
+                    <a:pt x="1258138" y="6202210"/>
+                    <a:pt x="1237999" y="6181671"/>
+                  </a:cubicBezTo>
+                  <a:lnTo>
+                    <a:pt x="1179967" y="6117862"/>
+                  </a:lnTo>
+                  <a:lnTo>
+                    <a:pt x="1121936" y="6054569"/>
+                  </a:lnTo>
+                  <a:cubicBezTo>
+                    <a:pt x="1102328" y="6033644"/>
+                    <a:pt x="1084573" y="6011427"/>
+                    <a:pt x="1065628" y="5990243"/>
+                  </a:cubicBezTo>
+                  <a:cubicBezTo>
+                    <a:pt x="1028662" y="5947099"/>
+                    <a:pt x="990239" y="5904991"/>
+                    <a:pt x="954335" y="5861460"/>
+                  </a:cubicBezTo>
+                  <a:cubicBezTo>
+                    <a:pt x="936050" y="5840018"/>
+                    <a:pt x="917634" y="5818446"/>
+                    <a:pt x="898953" y="5797393"/>
+                  </a:cubicBezTo>
+                  <a:cubicBezTo>
+                    <a:pt x="880404" y="5776208"/>
+                    <a:pt x="861325" y="5755412"/>
+                    <a:pt x="842908" y="5733582"/>
+                  </a:cubicBezTo>
+                  <a:cubicBezTo>
+                    <a:pt x="767919" y="5647942"/>
+                    <a:pt x="693061" y="5561786"/>
+                    <a:pt x="622442" y="5471884"/>
+                  </a:cubicBezTo>
+                  <a:cubicBezTo>
+                    <a:pt x="551559" y="5382112"/>
+                    <a:pt x="486639" y="5287430"/>
+                    <a:pt x="425559" y="5190036"/>
+                  </a:cubicBezTo>
+                  <a:cubicBezTo>
+                    <a:pt x="303668" y="4994990"/>
+                    <a:pt x="200193" y="4786123"/>
+                    <a:pt x="123877" y="4564210"/>
+                  </a:cubicBezTo>
+                  <a:cubicBezTo>
+                    <a:pt x="47694" y="4342555"/>
+                    <a:pt x="2249" y="4106045"/>
+                    <a:pt x="130" y="3865530"/>
+                  </a:cubicBezTo>
+                  <a:cubicBezTo>
+                    <a:pt x="-1328" y="3745403"/>
+                    <a:pt x="9537" y="3624629"/>
+                    <a:pt x="30602" y="3505793"/>
+                  </a:cubicBezTo>
+                  <a:cubicBezTo>
+                    <a:pt x="51802" y="3386828"/>
+                    <a:pt x="84659" y="3270059"/>
+                    <a:pt x="126924" y="3157164"/>
+                  </a:cubicBezTo>
+                  <a:cubicBezTo>
+                    <a:pt x="200457" y="2959276"/>
+                    <a:pt x="271737" y="2761388"/>
+                    <a:pt x="334803" y="2560530"/>
+                  </a:cubicBezTo>
+                  <a:lnTo>
+                    <a:pt x="381176" y="2409144"/>
+                  </a:lnTo>
+                  <a:lnTo>
+                    <a:pt x="425825" y="2255819"/>
+                  </a:lnTo>
+                  <a:lnTo>
+                    <a:pt x="470210" y="2099523"/>
+                  </a:lnTo>
+                  <a:lnTo>
+                    <a:pt x="492998" y="2020213"/>
+                  </a:lnTo>
+                  <a:lnTo>
+                    <a:pt x="517509" y="1939224"/>
+                  </a:lnTo>
+                  <a:cubicBezTo>
+                    <a:pt x="525061" y="1912485"/>
+                    <a:pt x="534866" y="1884586"/>
+                    <a:pt x="544007" y="1857201"/>
+                  </a:cubicBezTo>
+                  <a:cubicBezTo>
+                    <a:pt x="553680" y="1829559"/>
+                    <a:pt x="561496" y="1802304"/>
+                    <a:pt x="573288" y="1774274"/>
+                  </a:cubicBezTo>
+                  <a:lnTo>
+                    <a:pt x="606146" y="1690832"/>
+                  </a:lnTo>
+                  <a:cubicBezTo>
+                    <a:pt x="618467" y="1663060"/>
+                    <a:pt x="631716" y="1635417"/>
+                    <a:pt x="644569" y="1607775"/>
+                  </a:cubicBezTo>
+                  <a:cubicBezTo>
+                    <a:pt x="698625" y="1498368"/>
+                    <a:pt x="763413" y="1391287"/>
+                    <a:pt x="837874" y="1297638"/>
+                  </a:cubicBezTo>
+                  <a:cubicBezTo>
+                    <a:pt x="910348" y="1201278"/>
+                    <a:pt x="990107" y="1115897"/>
+                    <a:pt x="1069602" y="1032194"/>
+                  </a:cubicBezTo>
+                  <a:cubicBezTo>
+                    <a:pt x="1089079" y="1010624"/>
+                    <a:pt x="1110012" y="990990"/>
+                    <a:pt x="1130548" y="970839"/>
+                  </a:cubicBezTo>
+                  <a:lnTo>
+                    <a:pt x="1192024" y="910129"/>
+                  </a:lnTo>
+                  <a:cubicBezTo>
+                    <a:pt x="1212031" y="889462"/>
+                    <a:pt x="1234024" y="870475"/>
+                    <a:pt x="1255356" y="850841"/>
+                  </a:cubicBezTo>
+                  <a:lnTo>
+                    <a:pt x="1319614" y="792068"/>
+                  </a:lnTo>
+                  <a:cubicBezTo>
+                    <a:pt x="1340680" y="772176"/>
+                    <a:pt x="1363469" y="753834"/>
+                    <a:pt x="1385728" y="734975"/>
+                  </a:cubicBezTo>
+                  <a:lnTo>
+                    <a:pt x="1452768" y="678528"/>
+                  </a:lnTo>
+                  <a:lnTo>
+                    <a:pt x="1469594" y="664449"/>
+                  </a:lnTo>
+                  <a:lnTo>
+                    <a:pt x="1487083" y="651015"/>
+                  </a:lnTo>
+                  <a:lnTo>
+                    <a:pt x="1522193" y="624277"/>
+                  </a:lnTo>
+                  <a:lnTo>
+                    <a:pt x="1592415" y="570671"/>
+                  </a:lnTo>
+                  <a:cubicBezTo>
+                    <a:pt x="1640110" y="535925"/>
+                    <a:pt x="1689531" y="503245"/>
+                    <a:pt x="1738287" y="469402"/>
+                  </a:cubicBezTo>
+                  <a:cubicBezTo>
+                    <a:pt x="1788634" y="438015"/>
+                    <a:pt x="1839643" y="407013"/>
+                    <a:pt x="1890918" y="376530"/>
+                  </a:cubicBezTo>
+                  <a:cubicBezTo>
+                    <a:pt x="2098400" y="258209"/>
+                    <a:pt x="2323503" y="166241"/>
+                    <a:pt x="2555363" y="105274"/>
+                  </a:cubicBezTo>
+                  <a:cubicBezTo>
+                    <a:pt x="2787223" y="44047"/>
+                    <a:pt x="3024516" y="12013"/>
+                    <a:pt x="3259291" y="3229"/>
+                  </a:cubicBezTo>
+                  <a:lnTo>
+                    <a:pt x="3347265" y="903"/>
+                  </a:lnTo>
+                  <a:close/>
+                </a:path>
+              </a:pathLst>
+            </a:custGeom>
+            <a:gradFill flip="none" rotWithShape="1">
+              <a:gsLst>
+                <a:gs pos="2000">
+                  <a:schemeClr val="bg1">
+                    <a:alpha val="10000"/>
+                  </a:schemeClr>
+                </a:gs>
+                <a:gs pos="16000">
+                  <a:schemeClr val="accent6">
+                    <a:alpha val="5000"/>
+                  </a:schemeClr>
+                </a:gs>
+                <a:gs pos="100000">
+                  <a:schemeClr val="bg1">
+                    <a:alpha val="10000"/>
+                  </a:schemeClr>
+                </a:gs>
+                <a:gs pos="85000">
+                  <a:schemeClr val="accent1">
+                    <a:alpha val="5000"/>
+                  </a:schemeClr>
+                </a:gs>
+              </a:gsLst>
+              <a:lin ang="12000000" scaled="0"/>
+              <a:tileRect/>
+            </a:gradFill>
+            <a:ln>
+              <a:noFill/>
+            </a:ln>
+          </p:spPr>
+          <p:style>
+            <a:lnRef idx="2">
+              <a:schemeClr val="accent1">
+                <a:shade val="50000"/>
+              </a:schemeClr>
+            </a:lnRef>
+            <a:fillRef idx="1">
+              <a:schemeClr val="accent1"/>
+            </a:fillRef>
+            <a:effectRef idx="0">
+              <a:schemeClr val="accent1"/>
+            </a:effectRef>
+            <a:fontRef idx="minor">
+              <a:schemeClr val="lt1"/>
+            </a:fontRef>
+          </p:style>
+          <p:txBody>
+            <a:bodyPr rtlCol="0" anchor="ctr"/>
+            <a:lstStyle/>
+            <a:p>
+              <a:pPr algn="ctr"/>
+              <a:endParaRPr lang="en-US"/>
+            </a:p>
+          </p:txBody>
+        </p:sp>
+        <p:sp>
+          <p:nvSpPr>
+            <p:cNvPr id="16" name="Freeform: Shape 15">
+              <a:extLst>
+                <a:ext uri="{FF2B5EF4-FFF2-40B4-BE49-F238E27FC236}">
+                  <a16:creationId xmlns:a16="http://schemas.microsoft.com/office/drawing/2014/main" id="{27CCEAF3-651B-4605-AE58-F96E22703636}"/>
+                </a:ext>
+                <a:ext uri="{C183D7F6-B498-43B3-948B-1728B52AA6E4}">
+                  <adec:decorative xmlns:adec="http://schemas.microsoft.com/office/drawing/2017/decorative" val="1"/>
+                </a:ext>
+              </a:extLst>
+            </p:cNvPr>
+            <p:cNvSpPr/>
+            <p:nvPr>
+              <p:extLst>
+                <p:ext uri="{386F3935-93C4-4BCD-93E2-E3B085C9AB24}">
+                  <p16:designElem xmlns:p16="http://schemas.microsoft.com/office/powerpoint/2015/main" val="1"/>
+                </p:ext>
+              </p:extLst>
+            </p:nvPr>
+          </p:nvSpPr>
+          <p:spPr>
+            <a:xfrm>
+              <a:off x="6101023" y="52997"/>
+              <a:ext cx="6093363" cy="6805004"/>
+            </a:xfrm>
+            <a:custGeom>
+              <a:avLst/>
+              <a:gdLst>
+                <a:gd name="connsiteX0" fmla="*/ 3517682 w 5890491"/>
+                <a:gd name="connsiteY0" fmla="*/ 0 h 6578439"/>
+                <a:gd name="connsiteX1" fmla="*/ 5849513 w 5890491"/>
+                <a:gd name="connsiteY1" fmla="*/ 841730 h 6578439"/>
+                <a:gd name="connsiteX2" fmla="*/ 5890491 w 5890491"/>
+                <a:gd name="connsiteY2" fmla="*/ 879061 h 6578439"/>
+                <a:gd name="connsiteX3" fmla="*/ 5890491 w 5890491"/>
+                <a:gd name="connsiteY3" fmla="*/ 2034114 h 6578439"/>
+                <a:gd name="connsiteX4" fmla="*/ 5757065 w 5890491"/>
+                <a:gd name="connsiteY4" fmla="*/ 1854938 h 6578439"/>
+                <a:gd name="connsiteX5" fmla="*/ 5564060 w 5890491"/>
+                <a:gd name="connsiteY5" fmla="*/ 1642182 h 6578439"/>
+                <a:gd name="connsiteX6" fmla="*/ 3517551 w 5890491"/>
+                <a:gd name="connsiteY6" fmla="*/ 790012 h 6578439"/>
+                <a:gd name="connsiteX7" fmla="*/ 1611552 w 5890491"/>
+                <a:gd name="connsiteY7" fmla="*/ 1543282 h 6578439"/>
+                <a:gd name="connsiteX8" fmla="*/ 1340656 w 5890491"/>
+                <a:gd name="connsiteY8" fmla="*/ 1897925 h 6578439"/>
+                <a:gd name="connsiteX9" fmla="*/ 1201705 w 5890491"/>
+                <a:gd name="connsiteY9" fmla="*/ 2361213 h 6578439"/>
+                <a:gd name="connsiteX10" fmla="*/ 852705 w 5890491"/>
+                <a:gd name="connsiteY10" fmla="*/ 3529176 h 6578439"/>
+                <a:gd name="connsiteX11" fmla="*/ 863863 w 5890491"/>
+                <a:gd name="connsiteY11" fmla="*/ 4437051 h 6578439"/>
+                <a:gd name="connsiteX12" fmla="*/ 1413569 w 5890491"/>
+                <a:gd name="connsiteY12" fmla="*/ 5357174 h 6578439"/>
+                <a:gd name="connsiteX13" fmla="*/ 2339129 w 5890491"/>
+                <a:gd name="connsiteY13" fmla="*/ 6143367 h 6578439"/>
+                <a:gd name="connsiteX14" fmla="*/ 3439449 w 5890491"/>
+                <a:gd name="connsiteY14" fmla="*/ 6420049 h 6578439"/>
+                <a:gd name="connsiteX15" fmla="*/ 5251388 w 5890491"/>
+                <a:gd name="connsiteY15" fmla="*/ 5349009 h 6578439"/>
+                <a:gd name="connsiteX16" fmla="*/ 5657731 w 5890491"/>
+                <a:gd name="connsiteY16" fmla="*/ 4959205 h 6578439"/>
+                <a:gd name="connsiteX17" fmla="*/ 5836127 w 5890491"/>
+                <a:gd name="connsiteY17" fmla="*/ 4792052 h 6578439"/>
+                <a:gd name="connsiteX18" fmla="*/ 5890491 w 5890491"/>
+                <a:gd name="connsiteY18" fmla="*/ 4738662 h 6578439"/>
+                <a:gd name="connsiteX19" fmla="*/ 5890491 w 5890491"/>
+                <a:gd name="connsiteY19" fmla="*/ 5821964 h 6578439"/>
+                <a:gd name="connsiteX20" fmla="*/ 5802001 w 5890491"/>
+                <a:gd name="connsiteY20" fmla="*/ 5907904 h 6578439"/>
+                <a:gd name="connsiteX21" fmla="*/ 5294358 w 5890491"/>
+                <a:gd name="connsiteY21" fmla="*/ 6397505 h 6578439"/>
+                <a:gd name="connsiteX22" fmla="*/ 5077178 w 5890491"/>
+                <a:gd name="connsiteY22" fmla="*/ 6578439 h 6578439"/>
+                <a:gd name="connsiteX23" fmla="*/ 1567290 w 5890491"/>
+                <a:gd name="connsiteY23" fmla="*/ 6578439 h 6578439"/>
+                <a:gd name="connsiteX24" fmla="*/ 1508588 w 5890491"/>
+                <a:gd name="connsiteY24" fmla="*/ 6535186 h 6578439"/>
+                <a:gd name="connsiteX25" fmla="*/ 826498 w 5890491"/>
+                <a:gd name="connsiteY25" fmla="*/ 5876034 h 6578439"/>
+                <a:gd name="connsiteX26" fmla="*/ 122403 w 5890491"/>
+                <a:gd name="connsiteY26" fmla="*/ 3255655 h 6578439"/>
+                <a:gd name="connsiteX27" fmla="*/ 1061197 w 5890491"/>
+                <a:gd name="connsiteY27" fmla="*/ 984650 h 6578439"/>
+                <a:gd name="connsiteX28" fmla="*/ 3517682 w 5890491"/>
+                <a:gd name="connsiteY28" fmla="*/ 0 h 6578439"/>
+              </a:gdLst>
+              <a:ahLst/>
+              <a:cxnLst>
+                <a:cxn ang="0">
+                  <a:pos x="connsiteX0" y="connsiteY0"/>
+                </a:cxn>
+                <a:cxn ang="0">
+                  <a:pos x="connsiteX1" y="connsiteY1"/>
+                </a:cxn>
+                <a:cxn ang="0">
+                  <a:pos x="connsiteX2" y="connsiteY2"/>
+                </a:cxn>
+                <a:cxn ang="0">
+                  <a:pos x="connsiteX3" y="connsiteY3"/>
+                </a:cxn>
+                <a:cxn ang="0">
+                  <a:pos x="connsiteX4" y="connsiteY4"/>
+                </a:cxn>
+                <a:cxn ang="0">
+                  <a:pos x="connsiteX5" y="connsiteY5"/>
+                </a:cxn>
+                <a:cxn ang="0">
+                  <a:pos x="connsiteX6" y="connsiteY6"/>
+                </a:cxn>
+                <a:cxn ang="0">
+                  <a:pos x="connsiteX7" y="connsiteY7"/>
+                </a:cxn>
+                <a:cxn ang="0">
+                  <a:pos x="connsiteX8" y="connsiteY8"/>
+                </a:cxn>
+                <a:cxn ang="0">
+                  <a:pos x="connsiteX9" y="connsiteY9"/>
+                </a:cxn>
+                <a:cxn ang="0">
+                  <a:pos x="connsiteX10" y="connsiteY10"/>
+                </a:cxn>
+                <a:cxn ang="0">
+                  <a:pos x="connsiteX11" y="connsiteY11"/>
+                </a:cxn>
+                <a:cxn ang="0">
+                  <a:pos x="connsiteX12" y="connsiteY12"/>
+                </a:cxn>
+                <a:cxn ang="0">
+                  <a:pos x="connsiteX13" y="connsiteY13"/>
+                </a:cxn>
+                <a:cxn ang="0">
+                  <a:pos x="connsiteX14" y="connsiteY14"/>
+                </a:cxn>
+                <a:cxn ang="0">
+                  <a:pos x="connsiteX15" y="connsiteY15"/>
+                </a:cxn>
+                <a:cxn ang="0">
+                  <a:pos x="connsiteX16" y="connsiteY16"/>
+                </a:cxn>
+                <a:cxn ang="0">
+                  <a:pos x="connsiteX17" y="connsiteY17"/>
+                </a:cxn>
+                <a:cxn ang="0">
+                  <a:pos x="connsiteX18" y="connsiteY18"/>
+                </a:cxn>
+                <a:cxn ang="0">
+                  <a:pos x="connsiteX19" y="connsiteY19"/>
+                </a:cxn>
+                <a:cxn ang="0">
+                  <a:pos x="connsiteX20" y="connsiteY20"/>
+                </a:cxn>
+                <a:cxn ang="0">
+                  <a:pos x="connsiteX21" y="connsiteY21"/>
+                </a:cxn>
+                <a:cxn ang="0">
+                  <a:pos x="connsiteX22" y="connsiteY22"/>
+                </a:cxn>
+                <a:cxn ang="0">
+                  <a:pos x="connsiteX23" y="connsiteY23"/>
+                </a:cxn>
+                <a:cxn ang="0">
+                  <a:pos x="connsiteX24" y="connsiteY24"/>
+                </a:cxn>
+                <a:cxn ang="0">
+                  <a:pos x="connsiteX25" y="connsiteY25"/>
+                </a:cxn>
+                <a:cxn ang="0">
+                  <a:pos x="connsiteX26" y="connsiteY26"/>
+                </a:cxn>
+                <a:cxn ang="0">
+                  <a:pos x="connsiteX27" y="connsiteY27"/>
+                </a:cxn>
+                <a:cxn ang="0">
+                  <a:pos x="connsiteX28" y="connsiteY28"/>
+                </a:cxn>
+              </a:cxnLst>
+              <a:rect l="l" t="t" r="r" b="b"/>
+              <a:pathLst>
+                <a:path w="5890491" h="6578439">
+                  <a:moveTo>
+                    <a:pt x="3517682" y="0"/>
+                  </a:moveTo>
+                  <a:cubicBezTo>
+                    <a:pt x="4402017" y="0"/>
+                    <a:pt x="5213742" y="315483"/>
+                    <a:pt x="5849513" y="841730"/>
+                  </a:cubicBezTo>
+                  <a:lnTo>
+                    <a:pt x="5890491" y="879061"/>
+                  </a:lnTo>
+                  <a:lnTo>
+                    <a:pt x="5890491" y="2034114"/>
+                  </a:lnTo>
+                  <a:lnTo>
+                    <a:pt x="5757065" y="1854938"/>
+                  </a:lnTo>
+                  <a:cubicBezTo>
+                    <a:pt x="5696443" y="1781264"/>
+                    <a:pt x="5632076" y="1710299"/>
+                    <a:pt x="5564060" y="1642182"/>
+                  </a:cubicBezTo>
+                  <a:cubicBezTo>
+                    <a:pt x="5015393" y="1092636"/>
+                    <a:pt x="4288592" y="790012"/>
+                    <a:pt x="3517551" y="790012"/>
+                  </a:cubicBezTo>
+                  <a:cubicBezTo>
+                    <a:pt x="2701750" y="790012"/>
+                    <a:pt x="2131676" y="1015335"/>
+                    <a:pt x="1611552" y="1543282"/>
+                  </a:cubicBezTo>
+                  <a:cubicBezTo>
+                    <a:pt x="1435754" y="1721722"/>
+                    <a:pt x="1375945" y="1822729"/>
+                    <a:pt x="1340656" y="1897925"/>
+                  </a:cubicBezTo>
+                  <a:cubicBezTo>
+                    <a:pt x="1289148" y="2007623"/>
+                    <a:pt x="1252432" y="2155907"/>
+                    <a:pt x="1201705" y="2361213"/>
+                  </a:cubicBezTo>
+                  <a:cubicBezTo>
+                    <a:pt x="1133721" y="2635919"/>
+                    <a:pt x="1040568" y="3012290"/>
+                    <a:pt x="852705" y="3529176"/>
+                  </a:cubicBezTo>
+                  <a:cubicBezTo>
+                    <a:pt x="749952" y="3811784"/>
+                    <a:pt x="753584" y="4108747"/>
+                    <a:pt x="863863" y="4437051"/>
+                  </a:cubicBezTo>
+                  <a:cubicBezTo>
+                    <a:pt x="964800" y="4737438"/>
+                    <a:pt x="1154869" y="5055603"/>
+                    <a:pt x="1413569" y="5357174"/>
+                  </a:cubicBezTo>
+                  <a:cubicBezTo>
+                    <a:pt x="1718326" y="5712343"/>
+                    <a:pt x="2021008" y="5969404"/>
+                    <a:pt x="2339129" y="6143367"/>
+                  </a:cubicBezTo>
+                  <a:cubicBezTo>
+                    <a:pt x="2679565" y="6329577"/>
+                    <a:pt x="3039591" y="6420049"/>
+                    <a:pt x="3439449" y="6420049"/>
+                  </a:cubicBezTo>
+                  <a:cubicBezTo>
+                    <a:pt x="4142246" y="6420049"/>
+                    <a:pt x="4633828" y="5976251"/>
+                    <a:pt x="5251388" y="5349009"/>
+                  </a:cubicBezTo>
+                  <a:cubicBezTo>
+                    <a:pt x="5389949" y="5208364"/>
+                    <a:pt x="5526047" y="5081677"/>
+                    <a:pt x="5657731" y="4959205"/>
+                  </a:cubicBezTo>
+                  <a:cubicBezTo>
+                    <a:pt x="5719520" y="4901722"/>
+                    <a:pt x="5779200" y="4846206"/>
+                    <a:pt x="5836127" y="4792052"/>
+                  </a:cubicBezTo>
+                  <a:lnTo>
+                    <a:pt x="5890491" y="4738662"/>
+                  </a:lnTo>
+                  <a:lnTo>
+                    <a:pt x="5890491" y="5821964"/>
+                  </a:lnTo>
+                  <a:lnTo>
+                    <a:pt x="5802001" y="5907904"/>
+                  </a:lnTo>
+                  <a:cubicBezTo>
+                    <a:pt x="5634962" y="6077456"/>
+                    <a:pt x="5467509" y="6243625"/>
+                    <a:pt x="5294358" y="6397505"/>
+                  </a:cubicBezTo>
+                  <a:lnTo>
+                    <a:pt x="5077178" y="6578439"/>
+                  </a:lnTo>
+                  <a:lnTo>
+                    <a:pt x="1567290" y="6578439"/>
+                  </a:lnTo>
+                  <a:lnTo>
+                    <a:pt x="1508588" y="6535186"/>
+                  </a:lnTo>
+                  <a:cubicBezTo>
+                    <a:pt x="1263991" y="6345442"/>
+                    <a:pt x="1038054" y="6122666"/>
+                    <a:pt x="826498" y="5876034"/>
+                  </a:cubicBezTo>
+                  <a:cubicBezTo>
+                    <a:pt x="261613" y="5217713"/>
+                    <a:pt x="-239182" y="4250314"/>
+                    <a:pt x="122403" y="3255655"/>
+                  </a:cubicBezTo>
+                  <a:cubicBezTo>
+                    <a:pt x="607497" y="1921629"/>
+                    <a:pt x="393040" y="1662857"/>
+                    <a:pt x="1061197" y="984650"/>
+                  </a:cubicBezTo>
+                  <a:cubicBezTo>
+                    <a:pt x="1729484" y="306444"/>
+                    <a:pt x="2498060" y="0"/>
+                    <a:pt x="3517682" y="0"/>
+                  </a:cubicBezTo>
+                  <a:close/>
+                </a:path>
+              </a:pathLst>
+            </a:custGeom>
+            <a:gradFill flip="none" rotWithShape="1">
+              <a:gsLst>
+                <a:gs pos="2000">
+                  <a:schemeClr val="bg1"/>
+                </a:gs>
+                <a:gs pos="16000">
+                  <a:schemeClr val="accent6">
+                    <a:alpha val="10000"/>
+                  </a:schemeClr>
+                </a:gs>
+                <a:gs pos="100000">
+                  <a:schemeClr val="bg1">
+                    <a:alpha val="10000"/>
+                  </a:schemeClr>
+                </a:gs>
+                <a:gs pos="85000">
+                  <a:schemeClr val="accent1">
+                    <a:alpha val="10000"/>
+                  </a:schemeClr>
+                </a:gs>
+              </a:gsLst>
+              <a:lin ang="12000000" scaled="0"/>
+              <a:tileRect/>
+            </a:gradFill>
+            <a:ln>
+              <a:noFill/>
+            </a:ln>
+          </p:spPr>
+          <p:style>
+            <a:lnRef idx="2">
+              <a:schemeClr val="accent1">
+                <a:shade val="50000"/>
+              </a:schemeClr>
+            </a:lnRef>
+            <a:fillRef idx="1">
+              <a:schemeClr val="accent1"/>
+            </a:fillRef>
+            <a:effectRef idx="0">
+              <a:schemeClr val="accent1"/>
+            </a:effectRef>
+            <a:fontRef idx="minor">
+              <a:schemeClr val="lt1"/>
+            </a:fontRef>
+          </p:style>
+          <p:txBody>
+            <a:bodyPr rtlCol="0" anchor="ctr"/>
+            <a:lstStyle/>
+            <a:p>
+              <a:pPr algn="ctr"/>
+              <a:endParaRPr lang="en-US" dirty="0"/>
+            </a:p>
+          </p:txBody>
+        </p:sp>
+        <p:sp>
+          <p:nvSpPr>
+            <p:cNvPr id="17" name="Freeform: Shape 16">
+              <a:extLst>
+                <a:ext uri="{FF2B5EF4-FFF2-40B4-BE49-F238E27FC236}">
+                  <a16:creationId xmlns:a16="http://schemas.microsoft.com/office/drawing/2014/main" id="{ED519330-E5F1-4248-B58C-1AA0D9E6DABA}"/>
+                </a:ext>
+                <a:ext uri="{C183D7F6-B498-43B3-948B-1728B52AA6E4}">
+                  <adec:decorative xmlns:adec="http://schemas.microsoft.com/office/drawing/2017/decorative" val="1"/>
+                </a:ext>
+              </a:extLst>
+            </p:cNvPr>
+            <p:cNvSpPr/>
+            <p:nvPr>
+              <p:extLst>
+                <p:ext uri="{386F3935-93C4-4BCD-93E2-E3B085C9AB24}">
+                  <p16:designElem xmlns:p16="http://schemas.microsoft.com/office/powerpoint/2015/main" val="1"/>
+                </p:ext>
+              </p:extLst>
+            </p:nvPr>
+          </p:nvSpPr>
+          <p:spPr>
+            <a:xfrm>
+              <a:off x="6101024" y="52997"/>
+              <a:ext cx="6093362" cy="6805004"/>
+            </a:xfrm>
+            <a:custGeom>
+              <a:avLst/>
+              <a:gdLst>
+                <a:gd name="connsiteX0" fmla="*/ 5890490 w 5890490"/>
+                <a:gd name="connsiteY0" fmla="*/ 5389037 h 6578439"/>
+                <a:gd name="connsiteX1" fmla="*/ 5890490 w 5890490"/>
+                <a:gd name="connsiteY1" fmla="*/ 5855587 h 6578439"/>
+                <a:gd name="connsiteX2" fmla="*/ 5784593 w 5890490"/>
+                <a:gd name="connsiteY2" fmla="*/ 5962054 h 6578439"/>
+                <a:gd name="connsiteX3" fmla="*/ 5663414 w 5890490"/>
+                <a:gd name="connsiteY3" fmla="*/ 6082564 h 6578439"/>
+                <a:gd name="connsiteX4" fmla="*/ 5147099 w 5890490"/>
+                <a:gd name="connsiteY4" fmla="*/ 6547726 h 6578439"/>
+                <a:gd name="connsiteX5" fmla="*/ 5105015 w 5890490"/>
+                <a:gd name="connsiteY5" fmla="*/ 6578439 h 6578439"/>
+                <a:gd name="connsiteX6" fmla="*/ 4385601 w 5890490"/>
+                <a:gd name="connsiteY6" fmla="*/ 6578439 h 6578439"/>
+                <a:gd name="connsiteX7" fmla="*/ 4507252 w 5890490"/>
+                <a:gd name="connsiteY7" fmla="*/ 6515968 h 6578439"/>
+                <a:gd name="connsiteX8" fmla="*/ 4909330 w 5890490"/>
+                <a:gd name="connsiteY8" fmla="*/ 6253453 h 6578439"/>
+                <a:gd name="connsiteX9" fmla="*/ 5411374 w 5890490"/>
+                <a:gd name="connsiteY9" fmla="*/ 5828544 h 6578439"/>
+                <a:gd name="connsiteX10" fmla="*/ 5533570 w 5890490"/>
+                <a:gd name="connsiteY10" fmla="*/ 5714534 h 6578439"/>
+                <a:gd name="connsiteX11" fmla="*/ 5657425 w 5890490"/>
+                <a:gd name="connsiteY11" fmla="*/ 5597650 h 6578439"/>
+                <a:gd name="connsiteX12" fmla="*/ 3336813 w 5890490"/>
+                <a:gd name="connsiteY12" fmla="*/ 499 h 6578439"/>
+                <a:gd name="connsiteX13" fmla="*/ 3513674 w 5890490"/>
+                <a:gd name="connsiteY13" fmla="*/ 1202 h 6578439"/>
+                <a:gd name="connsiteX14" fmla="*/ 3602743 w 5890490"/>
+                <a:gd name="connsiteY14" fmla="*/ 4827 h 6578439"/>
+                <a:gd name="connsiteX15" fmla="*/ 3647213 w 5890490"/>
+                <a:gd name="connsiteY15" fmla="*/ 6703 h 6578439"/>
+                <a:gd name="connsiteX16" fmla="*/ 3691684 w 5890490"/>
+                <a:gd name="connsiteY16" fmla="*/ 9453 h 6578439"/>
+                <a:gd name="connsiteX17" fmla="*/ 3868927 w 5890490"/>
+                <a:gd name="connsiteY17" fmla="*/ 27080 h 6578439"/>
+                <a:gd name="connsiteX18" fmla="*/ 5200872 w 5890490"/>
+                <a:gd name="connsiteY18" fmla="*/ 472240 h 6578439"/>
+                <a:gd name="connsiteX19" fmla="*/ 5772711 w 5890490"/>
+                <a:gd name="connsiteY19" fmla="*/ 866334 h 6578439"/>
+                <a:gd name="connsiteX20" fmla="*/ 5890490 w 5890490"/>
+                <a:gd name="connsiteY20" fmla="*/ 972426 h 6578439"/>
+                <a:gd name="connsiteX21" fmla="*/ 5890490 w 5890490"/>
+                <a:gd name="connsiteY21" fmla="*/ 1158576 h 6578439"/>
+                <a:gd name="connsiteX22" fmla="*/ 5676045 w 5890490"/>
+                <a:gd name="connsiteY22" fmla="*/ 986969 h 6578439"/>
+                <a:gd name="connsiteX23" fmla="*/ 5103776 w 5890490"/>
+                <a:gd name="connsiteY23" fmla="*/ 655879 h 6578439"/>
+                <a:gd name="connsiteX24" fmla="*/ 4482465 w 5890490"/>
+                <a:gd name="connsiteY24" fmla="*/ 440363 h 6578439"/>
+                <a:gd name="connsiteX25" fmla="*/ 4402444 w 5890490"/>
+                <a:gd name="connsiteY25" fmla="*/ 422111 h 6578439"/>
+                <a:gd name="connsiteX26" fmla="*/ 4322423 w 5890490"/>
+                <a:gd name="connsiteY26" fmla="*/ 404610 h 6578439"/>
+                <a:gd name="connsiteX27" fmla="*/ 4241892 w 5890490"/>
+                <a:gd name="connsiteY27" fmla="*/ 389858 h 6578439"/>
+                <a:gd name="connsiteX28" fmla="*/ 4201627 w 5890490"/>
+                <a:gd name="connsiteY28" fmla="*/ 382483 h 6578439"/>
+                <a:gd name="connsiteX29" fmla="*/ 4161234 w 5890490"/>
+                <a:gd name="connsiteY29" fmla="*/ 375857 h 6578439"/>
+                <a:gd name="connsiteX30" fmla="*/ 3999280 w 5890490"/>
+                <a:gd name="connsiteY30" fmla="*/ 353606 h 6578439"/>
+                <a:gd name="connsiteX31" fmla="*/ 3836817 w 5890490"/>
+                <a:gd name="connsiteY31" fmla="*/ 338480 h 6578439"/>
+                <a:gd name="connsiteX32" fmla="*/ 3673972 w 5890490"/>
+                <a:gd name="connsiteY32" fmla="*/ 330604 h 6578439"/>
+                <a:gd name="connsiteX33" fmla="*/ 3511126 w 5890490"/>
+                <a:gd name="connsiteY33" fmla="*/ 328978 h 6578439"/>
+                <a:gd name="connsiteX34" fmla="*/ 3183142 w 5890490"/>
+                <a:gd name="connsiteY34" fmla="*/ 342854 h 6578439"/>
+                <a:gd name="connsiteX35" fmla="*/ 2541444 w 5890490"/>
+                <a:gd name="connsiteY35" fmla="*/ 439988 h 6578439"/>
+                <a:gd name="connsiteX36" fmla="*/ 1933895 w 5890490"/>
+                <a:gd name="connsiteY36" fmla="*/ 650505 h 6578439"/>
+                <a:gd name="connsiteX37" fmla="*/ 1378079 w 5890490"/>
+                <a:gd name="connsiteY37" fmla="*/ 983905 h 6578439"/>
+                <a:gd name="connsiteX38" fmla="*/ 1312967 w 5890490"/>
+                <a:gd name="connsiteY38" fmla="*/ 1033660 h 6578439"/>
+                <a:gd name="connsiteX39" fmla="*/ 1248364 w 5890490"/>
+                <a:gd name="connsiteY39" fmla="*/ 1084413 h 6578439"/>
+                <a:gd name="connsiteX40" fmla="*/ 1185163 w 5890490"/>
+                <a:gd name="connsiteY40" fmla="*/ 1137168 h 6578439"/>
+                <a:gd name="connsiteX41" fmla="*/ 1122852 w 5890490"/>
+                <a:gd name="connsiteY41" fmla="*/ 1190922 h 6578439"/>
+                <a:gd name="connsiteX42" fmla="*/ 892092 w 5890490"/>
+                <a:gd name="connsiteY42" fmla="*/ 1421440 h 6578439"/>
+                <a:gd name="connsiteX43" fmla="*/ 707202 w 5890490"/>
+                <a:gd name="connsiteY43" fmla="*/ 1684212 h 6578439"/>
+                <a:gd name="connsiteX44" fmla="*/ 670121 w 5890490"/>
+                <a:gd name="connsiteY44" fmla="*/ 1756093 h 6578439"/>
+                <a:gd name="connsiteX45" fmla="*/ 637630 w 5890490"/>
+                <a:gd name="connsiteY45" fmla="*/ 1830724 h 6578439"/>
+                <a:gd name="connsiteX46" fmla="*/ 607685 w 5890490"/>
+                <a:gd name="connsiteY46" fmla="*/ 1907105 h 6578439"/>
+                <a:gd name="connsiteX47" fmla="*/ 580034 w 5890490"/>
+                <a:gd name="connsiteY47" fmla="*/ 1984986 h 6578439"/>
+                <a:gd name="connsiteX48" fmla="*/ 481919 w 5890490"/>
+                <a:gd name="connsiteY48" fmla="*/ 2304386 h 6578439"/>
+                <a:gd name="connsiteX49" fmla="*/ 433881 w 5890490"/>
+                <a:gd name="connsiteY49" fmla="*/ 2465399 h 6578439"/>
+                <a:gd name="connsiteX50" fmla="*/ 384442 w 5890490"/>
+                <a:gd name="connsiteY50" fmla="*/ 2626163 h 6578439"/>
+                <a:gd name="connsiteX51" fmla="*/ 166039 w 5890490"/>
+                <a:gd name="connsiteY51" fmla="*/ 3261338 h 6578439"/>
+                <a:gd name="connsiteX52" fmla="*/ 56202 w 5890490"/>
+                <a:gd name="connsiteY52" fmla="*/ 3910265 h 6578439"/>
+                <a:gd name="connsiteX53" fmla="*/ 93664 w 5890490"/>
+                <a:gd name="connsiteY53" fmla="*/ 4237292 h 6578439"/>
+                <a:gd name="connsiteX54" fmla="*/ 111758 w 5890490"/>
+                <a:gd name="connsiteY54" fmla="*/ 4317548 h 6578439"/>
+                <a:gd name="connsiteX55" fmla="*/ 133038 w 5890490"/>
+                <a:gd name="connsiteY55" fmla="*/ 4397054 h 6578439"/>
+                <a:gd name="connsiteX56" fmla="*/ 157757 w 5890490"/>
+                <a:gd name="connsiteY56" fmla="*/ 4475560 h 6578439"/>
+                <a:gd name="connsiteX57" fmla="*/ 185153 w 5890490"/>
+                <a:gd name="connsiteY57" fmla="*/ 4553066 h 6578439"/>
+                <a:gd name="connsiteX58" fmla="*/ 493642 w 5890490"/>
+                <a:gd name="connsiteY58" fmla="*/ 5132239 h 6578439"/>
+                <a:gd name="connsiteX59" fmla="*/ 914391 w 5890490"/>
+                <a:gd name="connsiteY59" fmla="*/ 5636528 h 6578439"/>
+                <a:gd name="connsiteX60" fmla="*/ 1402034 w 5890490"/>
+                <a:gd name="connsiteY60" fmla="*/ 6076188 h 6578439"/>
+                <a:gd name="connsiteX61" fmla="*/ 1664397 w 5890490"/>
+                <a:gd name="connsiteY61" fmla="*/ 6267079 h 6578439"/>
+                <a:gd name="connsiteX62" fmla="*/ 1938992 w 5890490"/>
+                <a:gd name="connsiteY62" fmla="*/ 6434343 h 6578439"/>
+                <a:gd name="connsiteX63" fmla="*/ 2225931 w 5890490"/>
+                <a:gd name="connsiteY63" fmla="*/ 6574322 h 6578439"/>
+                <a:gd name="connsiteX64" fmla="*/ 2236328 w 5890490"/>
+                <a:gd name="connsiteY64" fmla="*/ 6578439 h 6578439"/>
+                <a:gd name="connsiteX65" fmla="*/ 1504665 w 5890490"/>
+                <a:gd name="connsiteY65" fmla="*/ 6578439 h 6578439"/>
+                <a:gd name="connsiteX66" fmla="*/ 1456827 w 5890490"/>
+                <a:gd name="connsiteY66" fmla="*/ 6543476 h 6578439"/>
+                <a:gd name="connsiteX67" fmla="*/ 1188475 w 5890490"/>
+                <a:gd name="connsiteY67" fmla="*/ 6314083 h 6578439"/>
+                <a:gd name="connsiteX68" fmla="*/ 721728 w 5890490"/>
+                <a:gd name="connsiteY68" fmla="*/ 5798666 h 6578439"/>
+                <a:gd name="connsiteX69" fmla="*/ 344175 w 5890490"/>
+                <a:gd name="connsiteY69" fmla="*/ 5219495 h 6578439"/>
+                <a:gd name="connsiteX70" fmla="*/ 87293 w 5890490"/>
+                <a:gd name="connsiteY70" fmla="*/ 4583569 h 6578439"/>
+                <a:gd name="connsiteX71" fmla="*/ 65886 w 5890490"/>
+                <a:gd name="connsiteY71" fmla="*/ 4500813 h 6578439"/>
+                <a:gd name="connsiteX72" fmla="*/ 47409 w 5890490"/>
+                <a:gd name="connsiteY72" fmla="*/ 4417431 h 6578439"/>
+                <a:gd name="connsiteX73" fmla="*/ 39000 w 5890490"/>
+                <a:gd name="connsiteY73" fmla="*/ 4375677 h 6578439"/>
+                <a:gd name="connsiteX74" fmla="*/ 31610 w 5890490"/>
+                <a:gd name="connsiteY74" fmla="*/ 4333674 h 6578439"/>
+                <a:gd name="connsiteX75" fmla="*/ 18868 w 5890490"/>
+                <a:gd name="connsiteY75" fmla="*/ 4249417 h 6578439"/>
+                <a:gd name="connsiteX76" fmla="*/ 646 w 5890490"/>
+                <a:gd name="connsiteY76" fmla="*/ 3910265 h 6578439"/>
+                <a:gd name="connsiteX77" fmla="*/ 130234 w 5890490"/>
+                <a:gd name="connsiteY77" fmla="*/ 3248337 h 6578439"/>
+                <a:gd name="connsiteX78" fmla="*/ 335383 w 5890490"/>
+                <a:gd name="connsiteY78" fmla="*/ 2611911 h 6578439"/>
+                <a:gd name="connsiteX79" fmla="*/ 487272 w 5890490"/>
+                <a:gd name="connsiteY79" fmla="*/ 1958609 h 6578439"/>
+                <a:gd name="connsiteX80" fmla="*/ 508550 w 5890490"/>
+                <a:gd name="connsiteY80" fmla="*/ 1876227 h 6578439"/>
+                <a:gd name="connsiteX81" fmla="*/ 531742 w 5890490"/>
+                <a:gd name="connsiteY81" fmla="*/ 1793721 h 6578439"/>
+                <a:gd name="connsiteX82" fmla="*/ 558245 w 5890490"/>
+                <a:gd name="connsiteY82" fmla="*/ 1711465 h 6578439"/>
+                <a:gd name="connsiteX83" fmla="*/ 590100 w 5890490"/>
+                <a:gd name="connsiteY83" fmla="*/ 1630332 h 6578439"/>
+                <a:gd name="connsiteX84" fmla="*/ 758680 w 5890490"/>
+                <a:gd name="connsiteY84" fmla="*/ 1322433 h 6578439"/>
+                <a:gd name="connsiteX85" fmla="*/ 976317 w 5890490"/>
+                <a:gd name="connsiteY85" fmla="*/ 1049286 h 6578439"/>
+                <a:gd name="connsiteX86" fmla="*/ 1035314 w 5890490"/>
+                <a:gd name="connsiteY86" fmla="*/ 985406 h 6578439"/>
+                <a:gd name="connsiteX87" fmla="*/ 1095329 w 5890490"/>
+                <a:gd name="connsiteY87" fmla="*/ 922526 h 6578439"/>
+                <a:gd name="connsiteX88" fmla="*/ 1157384 w 5890490"/>
+                <a:gd name="connsiteY88" fmla="*/ 861271 h 6578439"/>
+                <a:gd name="connsiteX89" fmla="*/ 1220841 w 5890490"/>
+                <a:gd name="connsiteY89" fmla="*/ 801017 h 6578439"/>
+                <a:gd name="connsiteX90" fmla="*/ 1286462 w 5890490"/>
+                <a:gd name="connsiteY90" fmla="*/ 742886 h 6578439"/>
+                <a:gd name="connsiteX91" fmla="*/ 1353233 w 5890490"/>
+                <a:gd name="connsiteY91" fmla="*/ 685632 h 6578439"/>
+                <a:gd name="connsiteX92" fmla="*/ 1369924 w 5890490"/>
+                <a:gd name="connsiteY92" fmla="*/ 671256 h 6578439"/>
+                <a:gd name="connsiteX93" fmla="*/ 1387380 w 5890490"/>
+                <a:gd name="connsiteY93" fmla="*/ 657755 h 6578439"/>
+                <a:gd name="connsiteX94" fmla="*/ 1422422 w 5890490"/>
+                <a:gd name="connsiteY94" fmla="*/ 630877 h 6578439"/>
+                <a:gd name="connsiteX95" fmla="*/ 1492759 w 5890490"/>
+                <a:gd name="connsiteY95" fmla="*/ 577248 h 6578439"/>
+                <a:gd name="connsiteX96" fmla="*/ 1528820 w 5890490"/>
+                <a:gd name="connsiteY96" fmla="*/ 551496 h 6578439"/>
+                <a:gd name="connsiteX97" fmla="*/ 1565390 w 5890490"/>
+                <a:gd name="connsiteY97" fmla="*/ 526370 h 6578439"/>
+                <a:gd name="connsiteX98" fmla="*/ 1639040 w 5890490"/>
+                <a:gd name="connsiteY98" fmla="*/ 476490 h 6578439"/>
+                <a:gd name="connsiteX99" fmla="*/ 1792075 w 5890490"/>
+                <a:gd name="connsiteY99" fmla="*/ 384859 h 6578439"/>
+                <a:gd name="connsiteX100" fmla="*/ 2455943 w 5890490"/>
+                <a:gd name="connsiteY100" fmla="*/ 117836 h 6578439"/>
+                <a:gd name="connsiteX101" fmla="*/ 3159952 w 5890490"/>
+                <a:gd name="connsiteY101" fmla="*/ 7203 h 6578439"/>
+                <a:gd name="connsiteX102" fmla="*/ 3336813 w 5890490"/>
+                <a:gd name="connsiteY102" fmla="*/ 499 h 6578439"/>
+              </a:gdLst>
+              <a:ahLst/>
+              <a:cxnLst>
+                <a:cxn ang="0">
+                  <a:pos x="connsiteX0" y="connsiteY0"/>
+                </a:cxn>
+                <a:cxn ang="0">
+                  <a:pos x="connsiteX1" y="connsiteY1"/>
+                </a:cxn>
+                <a:cxn ang="0">
+                  <a:pos x="connsiteX2" y="connsiteY2"/>
+                </a:cxn>
+                <a:cxn ang="0">
+                  <a:pos x="connsiteX3" y="connsiteY3"/>
+                </a:cxn>
+                <a:cxn ang="0">
+                  <a:pos x="connsiteX4" y="connsiteY4"/>
+                </a:cxn>
+                <a:cxn ang="0">
+                  <a:pos x="connsiteX5" y="connsiteY5"/>
+                </a:cxn>
+                <a:cxn ang="0">
+                  <a:pos x="connsiteX6" y="connsiteY6"/>
+                </a:cxn>
+                <a:cxn ang="0">
+                  <a:pos x="connsiteX7" y="connsiteY7"/>
+                </a:cxn>
+                <a:cxn ang="0">
+                  <a:pos x="connsiteX8" y="connsiteY8"/>
+                </a:cxn>
+                <a:cxn ang="0">
+                  <a:pos x="connsiteX9" y="connsiteY9"/>
+                </a:cxn>
+                <a:cxn ang="0">
+                  <a:pos x="connsiteX10" y="connsiteY10"/>
+                </a:cxn>
+                <a:cxn ang="0">
+                  <a:pos x="connsiteX11" y="connsiteY11"/>
+                </a:cxn>
+                <a:cxn ang="0">
+                  <a:pos x="connsiteX12" y="connsiteY12"/>
+                </a:cxn>
+                <a:cxn ang="0">
+                  <a:pos x="connsiteX13" y="connsiteY13"/>
+                </a:cxn>
+                <a:cxn ang="0">
+                  <a:pos x="connsiteX14" y="connsiteY14"/>
+                </a:cxn>
+                <a:cxn ang="0">
+                  <a:pos x="connsiteX15" y="connsiteY15"/>
+                </a:cxn>
+                <a:cxn ang="0">
+                  <a:pos x="connsiteX16" y="connsiteY16"/>
+                </a:cxn>
+                <a:cxn ang="0">
+                  <a:pos x="connsiteX17" y="connsiteY17"/>
+                </a:cxn>
+                <a:cxn ang="0">
+                  <a:pos x="connsiteX18" y="connsiteY18"/>
+                </a:cxn>
+                <a:cxn ang="0">
+                  <a:pos x="connsiteX19" y="connsiteY19"/>
+                </a:cxn>
+                <a:cxn ang="0">
+                  <a:pos x="connsiteX20" y="connsiteY20"/>
+                </a:cxn>
+                <a:cxn ang="0">
+                  <a:pos x="connsiteX21" y="connsiteY21"/>
+                </a:cxn>
+                <a:cxn ang="0">
+                  <a:pos x="connsiteX22" y="connsiteY22"/>
+                </a:cxn>
+                <a:cxn ang="0">
+                  <a:pos x="connsiteX23" y="connsiteY23"/>
+                </a:cxn>
+                <a:cxn ang="0">
+                  <a:pos x="connsiteX24" y="connsiteY24"/>
+                </a:cxn>
+                <a:cxn ang="0">
+                  <a:pos x="connsiteX25" y="connsiteY25"/>
+                </a:cxn>
+                <a:cxn ang="0">
+                  <a:pos x="connsiteX26" y="connsiteY26"/>
+                </a:cxn>
+                <a:cxn ang="0">
+                  <a:pos x="connsiteX27" y="connsiteY27"/>
+                </a:cxn>
+                <a:cxn ang="0">
+                  <a:pos x="connsiteX28" y="connsiteY28"/>
+                </a:cxn>
+                <a:cxn ang="0">
+                  <a:pos x="connsiteX29" y="connsiteY29"/>
+                </a:cxn>
+                <a:cxn ang="0">
+                  <a:pos x="connsiteX30" y="connsiteY30"/>
+                </a:cxn>
+                <a:cxn ang="0">
+                  <a:pos x="connsiteX31" y="connsiteY31"/>
+                </a:cxn>
+                <a:cxn ang="0">
+                  <a:pos x="connsiteX32" y="connsiteY32"/>
+                </a:cxn>
+                <a:cxn ang="0">
+                  <a:pos x="connsiteX33" y="connsiteY33"/>
+                </a:cxn>
+                <a:cxn ang="0">
+                  <a:pos x="connsiteX34" y="connsiteY34"/>
+                </a:cxn>
+                <a:cxn ang="0">
+                  <a:pos x="connsiteX35" y="connsiteY35"/>
+                </a:cxn>
+                <a:cxn ang="0">
+                  <a:pos x="connsiteX36" y="connsiteY36"/>
+                </a:cxn>
+                <a:cxn ang="0">
+                  <a:pos x="connsiteX37" y="connsiteY37"/>
+                </a:cxn>
+                <a:cxn ang="0">
+                  <a:pos x="connsiteX38" y="connsiteY38"/>
+                </a:cxn>
+                <a:cxn ang="0">
+                  <a:pos x="connsiteX39" y="connsiteY39"/>
+                </a:cxn>
+                <a:cxn ang="0">
+                  <a:pos x="connsiteX40" y="connsiteY40"/>
+                </a:cxn>
+                <a:cxn ang="0">
+                  <a:pos x="connsiteX41" y="connsiteY41"/>
+                </a:cxn>
+                <a:cxn ang="0">
+                  <a:pos x="connsiteX42" y="connsiteY42"/>
+                </a:cxn>
+                <a:cxn ang="0">
+                  <a:pos x="connsiteX43" y="connsiteY43"/>
+                </a:cxn>
+                <a:cxn ang="0">
+                  <a:pos x="connsiteX44" y="connsiteY44"/>
+                </a:cxn>
+                <a:cxn ang="0">
+                  <a:pos x="connsiteX45" y="connsiteY45"/>
+                </a:cxn>
+                <a:cxn ang="0">
+                  <a:pos x="connsiteX46" y="connsiteY46"/>
+                </a:cxn>
+                <a:cxn ang="0">
+                  <a:pos x="connsiteX47" y="connsiteY47"/>
+                </a:cxn>
+                <a:cxn ang="0">
+                  <a:pos x="connsiteX48" y="connsiteY48"/>
+                </a:cxn>
+                <a:cxn ang="0">
+                  <a:pos x="connsiteX49" y="connsiteY49"/>
+                </a:cxn>
+                <a:cxn ang="0">
+                  <a:pos x="connsiteX50" y="connsiteY50"/>
+                </a:cxn>
+                <a:cxn ang="0">
+                  <a:pos x="connsiteX51" y="connsiteY51"/>
+                </a:cxn>
+                <a:cxn ang="0">
+                  <a:pos x="connsiteX52" y="connsiteY52"/>
+                </a:cxn>
+                <a:cxn ang="0">
+                  <a:pos x="connsiteX53" y="connsiteY53"/>
+                </a:cxn>
+                <a:cxn ang="0">
+                  <a:pos x="connsiteX54" y="connsiteY54"/>
+                </a:cxn>
+                <a:cxn ang="0">
+                  <a:pos x="connsiteX55" y="connsiteY55"/>
+                </a:cxn>
+                <a:cxn ang="0">
+                  <a:pos x="connsiteX56" y="connsiteY56"/>
+                </a:cxn>
+                <a:cxn ang="0">
+                  <a:pos x="connsiteX57" y="connsiteY57"/>
+                </a:cxn>
+                <a:cxn ang="0">
+                  <a:pos x="connsiteX58" y="connsiteY58"/>
+                </a:cxn>
+                <a:cxn ang="0">
+                  <a:pos x="connsiteX59" y="connsiteY59"/>
+                </a:cxn>
+                <a:cxn ang="0">
+                  <a:pos x="connsiteX60" y="connsiteY60"/>
+                </a:cxn>
+                <a:cxn ang="0">
+                  <a:pos x="connsiteX61" y="connsiteY61"/>
+                </a:cxn>
+                <a:cxn ang="0">
+                  <a:pos x="connsiteX62" y="connsiteY62"/>
+                </a:cxn>
+                <a:cxn ang="0">
+                  <a:pos x="connsiteX63" y="connsiteY63"/>
+                </a:cxn>
+                <a:cxn ang="0">
+                  <a:pos x="connsiteX64" y="connsiteY64"/>
+                </a:cxn>
+                <a:cxn ang="0">
+                  <a:pos x="connsiteX65" y="connsiteY65"/>
+                </a:cxn>
+                <a:cxn ang="0">
+                  <a:pos x="connsiteX66" y="connsiteY66"/>
+                </a:cxn>
+                <a:cxn ang="0">
+                  <a:pos x="connsiteX67" y="connsiteY67"/>
+                </a:cxn>
+                <a:cxn ang="0">
+                  <a:pos x="connsiteX68" y="connsiteY68"/>
+                </a:cxn>
+                <a:cxn ang="0">
+                  <a:pos x="connsiteX69" y="connsiteY69"/>
+                </a:cxn>
+                <a:cxn ang="0">
+                  <a:pos x="connsiteX70" y="connsiteY70"/>
+                </a:cxn>
+                <a:cxn ang="0">
+                  <a:pos x="connsiteX71" y="connsiteY71"/>
+                </a:cxn>
+                <a:cxn ang="0">
+                  <a:pos x="connsiteX72" y="connsiteY72"/>
+                </a:cxn>
+                <a:cxn ang="0">
+                  <a:pos x="connsiteX73" y="connsiteY73"/>
+                </a:cxn>
+                <a:cxn ang="0">
+                  <a:pos x="connsiteX74" y="connsiteY74"/>
+                </a:cxn>
+                <a:cxn ang="0">
+                  <a:pos x="connsiteX75" y="connsiteY75"/>
+                </a:cxn>
+                <a:cxn ang="0">
+                  <a:pos x="connsiteX76" y="connsiteY76"/>
+                </a:cxn>
+                <a:cxn ang="0">
+                  <a:pos x="connsiteX77" y="connsiteY77"/>
+                </a:cxn>
+                <a:cxn ang="0">
+                  <a:pos x="connsiteX78" y="connsiteY78"/>
+                </a:cxn>
+                <a:cxn ang="0">
+                  <a:pos x="connsiteX79" y="connsiteY79"/>
+                </a:cxn>
+                <a:cxn ang="0">
+                  <a:pos x="connsiteX80" y="connsiteY80"/>
+                </a:cxn>
+                <a:cxn ang="0">
+                  <a:pos x="connsiteX81" y="connsiteY81"/>
+                </a:cxn>
+                <a:cxn ang="0">
+                  <a:pos x="connsiteX82" y="connsiteY82"/>
+                </a:cxn>
+                <a:cxn ang="0">
+                  <a:pos x="connsiteX83" y="connsiteY83"/>
+                </a:cxn>
+                <a:cxn ang="0">
+                  <a:pos x="connsiteX84" y="connsiteY84"/>
+                </a:cxn>
+                <a:cxn ang="0">
+                  <a:pos x="connsiteX85" y="connsiteY85"/>
+                </a:cxn>
+                <a:cxn ang="0">
+                  <a:pos x="connsiteX86" y="connsiteY86"/>
+                </a:cxn>
+                <a:cxn ang="0">
+                  <a:pos x="connsiteX87" y="connsiteY87"/>
+                </a:cxn>
+                <a:cxn ang="0">
+                  <a:pos x="connsiteX88" y="connsiteY88"/>
+                </a:cxn>
+                <a:cxn ang="0">
+                  <a:pos x="connsiteX89" y="connsiteY89"/>
+                </a:cxn>
+                <a:cxn ang="0">
+                  <a:pos x="connsiteX90" y="connsiteY90"/>
+                </a:cxn>
+                <a:cxn ang="0">
+                  <a:pos x="connsiteX91" y="connsiteY91"/>
+                </a:cxn>
+                <a:cxn ang="0">
+                  <a:pos x="connsiteX92" y="connsiteY92"/>
+                </a:cxn>
+                <a:cxn ang="0">
+                  <a:pos x="connsiteX93" y="connsiteY93"/>
+                </a:cxn>
+                <a:cxn ang="0">
+                  <a:pos x="connsiteX94" y="connsiteY94"/>
+                </a:cxn>
+                <a:cxn ang="0">
+                  <a:pos x="connsiteX95" y="connsiteY95"/>
+                </a:cxn>
+                <a:cxn ang="0">
+                  <a:pos x="connsiteX96" y="connsiteY96"/>
+                </a:cxn>
+                <a:cxn ang="0">
+                  <a:pos x="connsiteX97" y="connsiteY97"/>
+                </a:cxn>
+                <a:cxn ang="0">
+                  <a:pos x="connsiteX98" y="connsiteY98"/>
+                </a:cxn>
+                <a:cxn ang="0">
+                  <a:pos x="connsiteX99" y="connsiteY99"/>
+                </a:cxn>
+                <a:cxn ang="0">
+                  <a:pos x="connsiteX100" y="connsiteY100"/>
+                </a:cxn>
+                <a:cxn ang="0">
+                  <a:pos x="connsiteX101" y="connsiteY101"/>
+                </a:cxn>
+                <a:cxn ang="0">
+                  <a:pos x="connsiteX102" y="connsiteY102"/>
+                </a:cxn>
+              </a:cxnLst>
+              <a:rect l="l" t="t" r="r" b="b"/>
+              <a:pathLst>
+                <a:path w="5890490" h="6578439">
+                  <a:moveTo>
+                    <a:pt x="5890490" y="5389037"/>
+                  </a:moveTo>
+                  <a:lnTo>
+                    <a:pt x="5890490" y="5855587"/>
+                  </a:lnTo>
+                  <a:lnTo>
+                    <a:pt x="5784593" y="5962054"/>
+                  </a:lnTo>
+                  <a:cubicBezTo>
+                    <a:pt x="5744454" y="6002308"/>
+                    <a:pt x="5704062" y="6042436"/>
+                    <a:pt x="5663414" y="6082564"/>
+                  </a:cubicBezTo>
+                  <a:cubicBezTo>
+                    <a:pt x="5500314" y="6242577"/>
+                    <a:pt x="5330970" y="6400714"/>
+                    <a:pt x="5147099" y="6547726"/>
+                  </a:cubicBezTo>
+                  <a:lnTo>
+                    <a:pt x="5105015" y="6578439"/>
+                  </a:lnTo>
+                  <a:lnTo>
+                    <a:pt x="4385601" y="6578439"/>
+                  </a:lnTo>
+                  <a:lnTo>
+                    <a:pt x="4507252" y="6515968"/>
+                  </a:lnTo>
+                  <a:cubicBezTo>
+                    <a:pt x="4645901" y="6439679"/>
+                    <a:pt x="4779837" y="6350961"/>
+                    <a:pt x="4909330" y="6253453"/>
+                  </a:cubicBezTo>
+                  <a:cubicBezTo>
+                    <a:pt x="5082369" y="6123567"/>
+                    <a:pt x="5248145" y="5979180"/>
+                    <a:pt x="5411374" y="5828544"/>
+                  </a:cubicBezTo>
+                  <a:cubicBezTo>
+                    <a:pt x="5452149" y="5790791"/>
+                    <a:pt x="5492924" y="5752788"/>
+                    <a:pt x="5533570" y="5714534"/>
+                  </a:cubicBezTo>
+                  <a:lnTo>
+                    <a:pt x="5657425" y="5597650"/>
+                  </a:lnTo>
+                  <a:close/>
+                  <a:moveTo>
+                    <a:pt x="3336813" y="499"/>
+                  </a:moveTo>
+                  <a:cubicBezTo>
+                    <a:pt x="3395682" y="-392"/>
+                    <a:pt x="3454550" y="-48"/>
+                    <a:pt x="3513674" y="1202"/>
+                  </a:cubicBezTo>
+                  <a:lnTo>
+                    <a:pt x="3602743" y="4827"/>
+                  </a:lnTo>
+                  <a:lnTo>
+                    <a:pt x="3647213" y="6703"/>
+                  </a:lnTo>
+                  <a:cubicBezTo>
+                    <a:pt x="3661994" y="7327"/>
+                    <a:pt x="3676903" y="7703"/>
+                    <a:pt x="3691684" y="9453"/>
+                  </a:cubicBezTo>
+                  <a:lnTo>
+                    <a:pt x="3868927" y="27080"/>
+                  </a:lnTo>
+                  <a:cubicBezTo>
+                    <a:pt x="4340645" y="85584"/>
+                    <a:pt x="4795160" y="243221"/>
+                    <a:pt x="5200872" y="472240"/>
+                  </a:cubicBezTo>
+                  <a:cubicBezTo>
+                    <a:pt x="5403855" y="587124"/>
+                    <a:pt x="5594988" y="719447"/>
+                    <a:pt x="5772711" y="866334"/>
+                  </a:cubicBezTo>
+                  <a:lnTo>
+                    <a:pt x="5890490" y="972426"/>
+                  </a:lnTo>
+                  <a:lnTo>
+                    <a:pt x="5890490" y="1158576"/>
+                  </a:lnTo>
+                  <a:lnTo>
+                    <a:pt x="5676045" y="986969"/>
+                  </a:lnTo>
+                  <a:cubicBezTo>
+                    <a:pt x="5496587" y="857740"/>
+                    <a:pt x="5304275" y="746699"/>
+                    <a:pt x="5103776" y="655879"/>
+                  </a:cubicBezTo>
+                  <a:cubicBezTo>
+                    <a:pt x="4903214" y="564747"/>
+                    <a:pt x="4695006" y="492492"/>
+                    <a:pt x="4482465" y="440363"/>
+                  </a:cubicBezTo>
+                  <a:lnTo>
+                    <a:pt x="4402444" y="422111"/>
+                  </a:lnTo>
+                  <a:cubicBezTo>
+                    <a:pt x="4375813" y="416111"/>
+                    <a:pt x="4349436" y="408859"/>
+                    <a:pt x="4322423" y="404610"/>
+                  </a:cubicBezTo>
+                  <a:lnTo>
+                    <a:pt x="4241892" y="389858"/>
+                  </a:lnTo>
+                  <a:lnTo>
+                    <a:pt x="4201627" y="382483"/>
+                  </a:lnTo>
+                  <a:cubicBezTo>
+                    <a:pt x="4188248" y="379983"/>
+                    <a:pt x="4174869" y="377483"/>
+                    <a:pt x="4161234" y="375857"/>
+                  </a:cubicBezTo>
+                  <a:cubicBezTo>
+                    <a:pt x="4107208" y="368482"/>
+                    <a:pt x="4053308" y="360482"/>
+                    <a:pt x="3999280" y="353606"/>
+                  </a:cubicBezTo>
+                  <a:cubicBezTo>
+                    <a:pt x="3944999" y="348855"/>
+                    <a:pt x="3890844" y="343854"/>
+                    <a:pt x="3836817" y="338480"/>
+                  </a:cubicBezTo>
+                  <a:lnTo>
+                    <a:pt x="3673972" y="330604"/>
+                  </a:lnTo>
+                  <a:cubicBezTo>
+                    <a:pt x="3619690" y="329104"/>
+                    <a:pt x="3565281" y="329604"/>
+                    <a:pt x="3511126" y="328978"/>
+                  </a:cubicBezTo>
+                  <a:cubicBezTo>
+                    <a:pt x="3402054" y="330728"/>
+                    <a:pt x="3291706" y="334604"/>
+                    <a:pt x="3183142" y="342854"/>
+                  </a:cubicBezTo>
+                  <a:cubicBezTo>
+                    <a:pt x="2965505" y="358855"/>
+                    <a:pt x="2750670" y="389733"/>
+                    <a:pt x="2541444" y="439988"/>
+                  </a:cubicBezTo>
+                  <a:cubicBezTo>
+                    <a:pt x="2332216" y="490117"/>
+                    <a:pt x="2128850" y="559997"/>
+                    <a:pt x="1933895" y="650505"/>
+                  </a:cubicBezTo>
+                  <a:cubicBezTo>
+                    <a:pt x="1738939" y="741261"/>
+                    <a:pt x="1553540" y="854146"/>
+                    <a:pt x="1378079" y="983905"/>
+                  </a:cubicBezTo>
+                  <a:lnTo>
+                    <a:pt x="1312967" y="1033660"/>
+                  </a:lnTo>
+                  <a:cubicBezTo>
+                    <a:pt x="1291178" y="1050286"/>
+                    <a:pt x="1269006" y="1066412"/>
+                    <a:pt x="1248364" y="1084413"/>
+                  </a:cubicBezTo>
+                  <a:lnTo>
+                    <a:pt x="1185163" y="1137168"/>
+                  </a:lnTo>
+                  <a:cubicBezTo>
+                    <a:pt x="1164138" y="1154794"/>
+                    <a:pt x="1142603" y="1172046"/>
+                    <a:pt x="1122852" y="1190922"/>
+                  </a:cubicBezTo>
+                  <a:cubicBezTo>
+                    <a:pt x="1041557" y="1264303"/>
+                    <a:pt x="961663" y="1339309"/>
+                    <a:pt x="892092" y="1421440"/>
+                  </a:cubicBezTo>
+                  <a:cubicBezTo>
+                    <a:pt x="819589" y="1501822"/>
+                    <a:pt x="759827" y="1590329"/>
+                    <a:pt x="707202" y="1684212"/>
+                  </a:cubicBezTo>
+                  <a:cubicBezTo>
+                    <a:pt x="694715" y="1708089"/>
+                    <a:pt x="682227" y="1731841"/>
+                    <a:pt x="670121" y="1756093"/>
+                  </a:cubicBezTo>
+                  <a:lnTo>
+                    <a:pt x="637630" y="1830724"/>
+                  </a:lnTo>
+                  <a:cubicBezTo>
+                    <a:pt x="626161" y="1855350"/>
+                    <a:pt x="617624" y="1881603"/>
+                    <a:pt x="607685" y="1907105"/>
+                  </a:cubicBezTo>
+                  <a:cubicBezTo>
+                    <a:pt x="598128" y="1932857"/>
+                    <a:pt x="588317" y="1958483"/>
+                    <a:pt x="580034" y="1984986"/>
+                  </a:cubicBezTo>
+                  <a:cubicBezTo>
+                    <a:pt x="544611" y="2089620"/>
+                    <a:pt x="513393" y="2197128"/>
+                    <a:pt x="481919" y="2304386"/>
+                  </a:cubicBezTo>
+                  <a:lnTo>
+                    <a:pt x="433881" y="2465399"/>
+                  </a:lnTo>
+                  <a:lnTo>
+                    <a:pt x="384442" y="2626163"/>
+                  </a:lnTo>
+                  <a:cubicBezTo>
+                    <a:pt x="317672" y="2839680"/>
+                    <a:pt x="243129" y="3050946"/>
+                    <a:pt x="166039" y="3261338"/>
+                  </a:cubicBezTo>
+                  <a:cubicBezTo>
+                    <a:pt x="88822" y="3468979"/>
+                    <a:pt x="50850" y="3690248"/>
+                    <a:pt x="56202" y="3910265"/>
+                  </a:cubicBezTo>
+                  <a:cubicBezTo>
+                    <a:pt x="58495" y="4020274"/>
+                    <a:pt x="71493" y="4129783"/>
+                    <a:pt x="93664" y="4237292"/>
+                  </a:cubicBezTo>
+                  <a:cubicBezTo>
+                    <a:pt x="99143" y="4264168"/>
+                    <a:pt x="104623" y="4291045"/>
+                    <a:pt x="111758" y="4317548"/>
+                  </a:cubicBezTo>
+                  <a:cubicBezTo>
+                    <a:pt x="118384" y="4344176"/>
+                    <a:pt x="124627" y="4370802"/>
+                    <a:pt x="133038" y="4397054"/>
+                  </a:cubicBezTo>
+                  <a:cubicBezTo>
+                    <a:pt x="140810" y="4423307"/>
+                    <a:pt x="148456" y="4449683"/>
+                    <a:pt x="157757" y="4475560"/>
+                  </a:cubicBezTo>
+                  <a:cubicBezTo>
+                    <a:pt x="166549" y="4501562"/>
+                    <a:pt x="175087" y="4527564"/>
+                    <a:pt x="185153" y="4553066"/>
+                  </a:cubicBezTo>
+                  <a:cubicBezTo>
+                    <a:pt x="262371" y="4758458"/>
+                    <a:pt x="368895" y="4951974"/>
+                    <a:pt x="493642" y="5132239"/>
+                  </a:cubicBezTo>
+                  <a:cubicBezTo>
+                    <a:pt x="618389" y="5312627"/>
+                    <a:pt x="760846" y="5480391"/>
+                    <a:pt x="914391" y="5636528"/>
+                  </a:cubicBezTo>
+                  <a:cubicBezTo>
+                    <a:pt x="1069081" y="5793166"/>
+                    <a:pt x="1231544" y="5941677"/>
+                    <a:pt x="1402034" y="6076188"/>
+                  </a:cubicBezTo>
+                  <a:cubicBezTo>
+                    <a:pt x="1487535" y="6143320"/>
+                    <a:pt x="1574565" y="6207574"/>
+                    <a:pt x="1664397" y="6267079"/>
+                  </a:cubicBezTo>
+                  <a:cubicBezTo>
+                    <a:pt x="1753592" y="6327459"/>
+                    <a:pt x="1845336" y="6383088"/>
+                    <a:pt x="1938992" y="6434343"/>
+                  </a:cubicBezTo>
+                  <a:cubicBezTo>
+                    <a:pt x="2032647" y="6485659"/>
+                    <a:pt x="2128309" y="6532600"/>
+                    <a:pt x="2225931" y="6574322"/>
+                  </a:cubicBezTo>
+                  <a:lnTo>
+                    <a:pt x="2236328" y="6578439"/>
+                  </a:lnTo>
+                  <a:lnTo>
+                    <a:pt x="1504665" y="6578439"/>
+                  </a:lnTo>
+                  <a:lnTo>
+                    <a:pt x="1456827" y="6543476"/>
+                  </a:lnTo>
+                  <a:cubicBezTo>
+                    <a:pt x="1363554" y="6470595"/>
+                    <a:pt x="1273848" y="6394340"/>
+                    <a:pt x="1188475" y="6314083"/>
+                  </a:cubicBezTo>
+                  <a:cubicBezTo>
+                    <a:pt x="1017856" y="6153445"/>
+                    <a:pt x="863803" y="5979931"/>
+                    <a:pt x="721728" y="5798666"/>
+                  </a:cubicBezTo>
+                  <a:cubicBezTo>
+                    <a:pt x="579397" y="5616027"/>
+                    <a:pt x="452103" y="5422511"/>
+                    <a:pt x="344175" y="5219495"/>
+                  </a:cubicBezTo>
+                  <a:cubicBezTo>
+                    <a:pt x="236505" y="5016354"/>
+                    <a:pt x="147946" y="4803586"/>
+                    <a:pt x="87293" y="4583569"/>
+                  </a:cubicBezTo>
+                  <a:cubicBezTo>
+                    <a:pt x="79138" y="4556193"/>
+                    <a:pt x="72639" y="4528440"/>
+                    <a:pt x="65886" y="4500813"/>
+                  </a:cubicBezTo>
+                  <a:cubicBezTo>
+                    <a:pt x="58751" y="4473311"/>
+                    <a:pt x="53144" y="4445308"/>
+                    <a:pt x="47409" y="4417431"/>
+                  </a:cubicBezTo>
+                  <a:cubicBezTo>
+                    <a:pt x="44733" y="4403430"/>
+                    <a:pt x="41294" y="4389679"/>
+                    <a:pt x="39000" y="4375677"/>
+                  </a:cubicBezTo>
+                  <a:lnTo>
+                    <a:pt x="31610" y="4333674"/>
+                  </a:lnTo>
+                  <a:cubicBezTo>
+                    <a:pt x="26258" y="4305797"/>
+                    <a:pt x="22563" y="4277544"/>
+                    <a:pt x="18868" y="4249417"/>
+                  </a:cubicBezTo>
+                  <a:cubicBezTo>
+                    <a:pt x="4214" y="4136784"/>
+                    <a:pt x="-2158" y="4023275"/>
+                    <a:pt x="646" y="3910265"/>
+                  </a:cubicBezTo>
+                  <a:cubicBezTo>
+                    <a:pt x="5997" y="3683872"/>
+                    <a:pt x="50596" y="3459605"/>
+                    <a:pt x="130234" y="3248337"/>
+                  </a:cubicBezTo>
+                  <a:cubicBezTo>
+                    <a:pt x="207961" y="3039196"/>
+                    <a:pt x="278044" y="2827179"/>
+                    <a:pt x="335383" y="2611911"/>
+                  </a:cubicBezTo>
+                  <a:cubicBezTo>
+                    <a:pt x="393743" y="2396644"/>
+                    <a:pt x="435792" y="2178627"/>
+                    <a:pt x="487272" y="1958609"/>
+                  </a:cubicBezTo>
+                  <a:cubicBezTo>
+                    <a:pt x="493259" y="1931107"/>
+                    <a:pt x="501287" y="1903730"/>
+                    <a:pt x="508550" y="1876227"/>
+                  </a:cubicBezTo>
+                  <a:cubicBezTo>
+                    <a:pt x="516195" y="1848725"/>
+                    <a:pt x="522312" y="1820972"/>
+                    <a:pt x="531742" y="1793721"/>
+                  </a:cubicBezTo>
+                  <a:lnTo>
+                    <a:pt x="558245" y="1711465"/>
+                  </a:lnTo>
+                  <a:cubicBezTo>
+                    <a:pt x="568439" y="1684337"/>
+                    <a:pt x="579652" y="1657459"/>
+                    <a:pt x="590100" y="1630332"/>
+                  </a:cubicBezTo>
+                  <a:cubicBezTo>
+                    <a:pt x="635080" y="1523075"/>
+                    <a:pt x="690637" y="1417566"/>
+                    <a:pt x="758680" y="1322433"/>
+                  </a:cubicBezTo>
+                  <a:cubicBezTo>
+                    <a:pt x="824430" y="1225051"/>
+                    <a:pt x="899610" y="1136168"/>
+                    <a:pt x="976317" y="1049286"/>
+                  </a:cubicBezTo>
+                  <a:cubicBezTo>
+                    <a:pt x="995049" y="1027035"/>
+                    <a:pt x="1015436" y="1006533"/>
+                    <a:pt x="1035314" y="985406"/>
+                  </a:cubicBezTo>
+                  <a:lnTo>
+                    <a:pt x="1095329" y="922526"/>
+                  </a:lnTo>
+                  <a:cubicBezTo>
+                    <a:pt x="1114953" y="901149"/>
+                    <a:pt x="1136359" y="881397"/>
+                    <a:pt x="1157384" y="861271"/>
+                  </a:cubicBezTo>
+                  <a:lnTo>
+                    <a:pt x="1220841" y="801017"/>
+                  </a:lnTo>
+                  <a:cubicBezTo>
+                    <a:pt x="1241610" y="780514"/>
+                    <a:pt x="1264418" y="762014"/>
+                    <a:pt x="1286462" y="742886"/>
+                  </a:cubicBezTo>
+                  <a:lnTo>
+                    <a:pt x="1353233" y="685632"/>
+                  </a:lnTo>
+                  <a:lnTo>
+                    <a:pt x="1369924" y="671256"/>
+                  </a:lnTo>
+                  <a:cubicBezTo>
+                    <a:pt x="1375658" y="666631"/>
+                    <a:pt x="1381520" y="662255"/>
+                    <a:pt x="1387380" y="657755"/>
+                  </a:cubicBezTo>
+                  <a:lnTo>
+                    <a:pt x="1422422" y="630877"/>
+                  </a:lnTo>
+                  <a:lnTo>
+                    <a:pt x="1492759" y="577248"/>
+                  </a:lnTo>
+                  <a:cubicBezTo>
+                    <a:pt x="1504355" y="567997"/>
+                    <a:pt x="1516714" y="559997"/>
+                    <a:pt x="1528820" y="551496"/>
+                  </a:cubicBezTo>
+                  <a:lnTo>
+                    <a:pt x="1565390" y="526370"/>
+                  </a:lnTo>
+                  <a:lnTo>
+                    <a:pt x="1639040" y="476490"/>
+                  </a:lnTo>
+                  <a:cubicBezTo>
+                    <a:pt x="1689754" y="445613"/>
+                    <a:pt x="1740723" y="414986"/>
+                    <a:pt x="1792075" y="384859"/>
+                  </a:cubicBezTo>
+                  <a:cubicBezTo>
+                    <a:pt x="2000282" y="268724"/>
+                    <a:pt x="2224927" y="179467"/>
+                    <a:pt x="2455943" y="117836"/>
+                  </a:cubicBezTo>
+                  <a:cubicBezTo>
+                    <a:pt x="2687088" y="55957"/>
+                    <a:pt x="2923964" y="21204"/>
+                    <a:pt x="3159952" y="7203"/>
+                  </a:cubicBezTo>
+                  <a:cubicBezTo>
+                    <a:pt x="3219076" y="3515"/>
+                    <a:pt x="3277945" y="1389"/>
+                    <a:pt x="3336813" y="499"/>
+                  </a:cubicBezTo>
+                  <a:close/>
+                </a:path>
+              </a:pathLst>
+            </a:custGeom>
+            <a:gradFill flip="none" rotWithShape="1">
+              <a:gsLst>
+                <a:gs pos="2000">
+                  <a:schemeClr val="bg1">
+                    <a:alpha val="10000"/>
+                  </a:schemeClr>
+                </a:gs>
+                <a:gs pos="16000">
+                  <a:schemeClr val="accent6">
+                    <a:alpha val="5000"/>
+                  </a:schemeClr>
+                </a:gs>
+                <a:gs pos="100000">
+                  <a:schemeClr val="bg1">
+                    <a:alpha val="10000"/>
+                  </a:schemeClr>
+                </a:gs>
+                <a:gs pos="85000">
+                  <a:schemeClr val="accent1">
+                    <a:alpha val="10000"/>
+                  </a:schemeClr>
+                </a:gs>
+              </a:gsLst>
+              <a:lin ang="12000000" scaled="0"/>
+              <a:tileRect/>
+            </a:gradFill>
+            <a:ln>
+              <a:noFill/>
+            </a:ln>
+          </p:spPr>
+          <p:style>
+            <a:lnRef idx="2">
+              <a:schemeClr val="accent1">
+                <a:shade val="50000"/>
+              </a:schemeClr>
+            </a:lnRef>
+            <a:fillRef idx="1">
+              <a:schemeClr val="accent1"/>
+            </a:fillRef>
+            <a:effectRef idx="0">
+              <a:schemeClr val="accent1"/>
+            </a:effectRef>
+            <a:fontRef idx="minor">
+              <a:schemeClr val="lt1"/>
+            </a:fontRef>
+          </p:style>
+          <p:txBody>
+            <a:bodyPr rtlCol="0" anchor="ctr"/>
+            <a:lstStyle/>
+            <a:p>
+              <a:pPr algn="ctr"/>
+              <a:endParaRPr lang="en-US" dirty="0"/>
+            </a:p>
+          </p:txBody>
+        </p:sp>
+      </p:grpSp>
+      <p:pic>
+        <p:nvPicPr>
+          <p:cNvPr id="6" name="Graphic 5" descr="Smiling Face with No Fill">
+            <a:extLst>
+              <a:ext uri="{FF2B5EF4-FFF2-40B4-BE49-F238E27FC236}">
+                <a16:creationId xmlns:a16="http://schemas.microsoft.com/office/drawing/2014/main" id="{FD955426-5546-3C53-B05F-B0245C038105}"/>
+              </a:ext>
+            </a:extLst>
+          </p:cNvPr>
+          <p:cNvPicPr>
+            <a:picLocks noChangeAspect="1"/>
+          </p:cNvPicPr>
+          <p:nvPr/>
+        </p:nvPicPr>
+        <p:blipFill>
+          <a:blip r:embed="rId2">
+            <a:extLst>
+              <a:ext uri="{28A0092B-C50C-407E-A947-70E740481C1C}">
+                <a14:useLocalDpi xmlns:a14="http://schemas.microsoft.com/office/drawing/2010/main" val="0"/>
+              </a:ext>
+              <a:ext uri="{96DAC541-7B7A-43D3-8B79-37D633B846F1}">
+                <asvg:svgBlip xmlns:asvg="http://schemas.microsoft.com/office/drawing/2016/SVG/main" r:embed="rId3"/>
+              </a:ext>
+            </a:extLst>
+          </a:blip>
+          <a:stretch>
+            <a:fillRect/>
+          </a:stretch>
+        </p:blipFill>
+        <p:spPr>
+          <a:xfrm>
+            <a:off x="7729652" y="1859078"/>
+            <a:ext cx="3821102" cy="3821102"/>
+          </a:xfrm>
+          <a:prstGeom prst="rect">
+            <a:avLst/>
+          </a:prstGeom>
+          <a:ln>
+            <a:noFill/>
+          </a:ln>
+        </p:spPr>
+      </p:pic>
+    </p:spTree>
+    <p:extLst>
+      <p:ext uri="{BB962C8B-B14F-4D97-AF65-F5344CB8AC3E}">
+        <p14:creationId xmlns:p14="http://schemas.microsoft.com/office/powerpoint/2010/main" val="2538044288"/>
+      </p:ext>
+    </p:extLst>
+  </p:cSld>
+  <p:clrMapOvr>
+    <a:masterClrMapping/>
+  </p:clrMapOvr>
+</p:sld>
+</file>
+
+<file path=ppt/slides/slide2.xml><?xml version="1.0" encoding="utf-8"?>
+<p:sld xmlns:a="http://schemas.openxmlformats.org/drawingml/2006/main" xmlns:r="http://schemas.openxmlformats.org/officeDocument/2006/relationships" xmlns:p="http://schemas.openxmlformats.org/presentationml/2006/main">
+  <p:cSld>
+    <p:bg>
+      <p:bgPr>
+        <a:solidFill>
+          <a:schemeClr val="bg1"/>
+        </a:solidFill>
+        <a:effectLst/>
+      </p:bgPr>
+    </p:bg>
+    <p:spTree>
+      <p:nvGrpSpPr>
+        <p:cNvPr id="1" name=""/>
+        <p:cNvGrpSpPr/>
+        <p:nvPr/>
+      </p:nvGrpSpPr>
+      <p:grpSpPr>
+        <a:xfrm>
+          <a:off x="0" y="0"/>
+          <a:ext cx="0" cy="0"/>
+          <a:chOff x="0" y="0"/>
+          <a:chExt cx="0" cy="0"/>
+        </a:xfrm>
+      </p:grpSpPr>
+      <p:sp useBgFill="1">
+        <p:nvSpPr>
+          <p:cNvPr id="16" name="Rectangle 15">
+            <a:extLst>
+              <a:ext uri="{FF2B5EF4-FFF2-40B4-BE49-F238E27FC236}">
+                <a16:creationId xmlns:a16="http://schemas.microsoft.com/office/drawing/2014/main" id="{907EF6B7-1338-4443-8C46-6A318D952DFD}"/>
+              </a:ext>
+              <a:ext uri="{C183D7F6-B498-43B3-948B-1728B52AA6E4}">
+                <adec:decorative xmlns:adec="http://schemas.microsoft.com/office/drawing/2017/decorative" val="1"/>
+              </a:ext>
+            </a:extLst>
+          </p:cNvPr>
+          <p:cNvSpPr>
+            <a:spLocks noGrp="1" noRot="1" noChangeAspect="1" noMove="1" noResize="1" noEditPoints="1" noAdjustHandles="1" noChangeArrowheads="1" noChangeShapeType="1" noTextEdit="1"/>
+          </p:cNvSpPr>
+          <p:nvPr>
+            <p:extLst>
+              <p:ext uri="{386F3935-93C4-4BCD-93E2-E3B085C9AB24}">
+                <p16:designElem xmlns:p16="http://schemas.microsoft.com/office/powerpoint/2015/main" val="1"/>
+              </p:ext>
+            </p:extLst>
+          </p:nvPr>
+        </p:nvSpPr>
+        <p:spPr>
+          <a:xfrm>
+            <a:off x="3048" y="0"/>
+            <a:ext cx="12188952" cy="6858000"/>
+          </a:xfrm>
+          <a:prstGeom prst="rect">
+            <a:avLst/>
+          </a:prstGeom>
+          <a:ln>
+            <a:noFill/>
+          </a:ln>
+        </p:spPr>
+        <p:style>
+          <a:lnRef idx="2">
+            <a:schemeClr val="accent1">
+              <a:shade val="50000"/>
+            </a:schemeClr>
+          </a:lnRef>
+          <a:fillRef idx="1">
+            <a:schemeClr val="accent1"/>
+          </a:fillRef>
+          <a:effectRef idx="0">
+            <a:schemeClr val="accent1"/>
+          </a:effectRef>
+          <a:fontRef idx="minor">
+            <a:schemeClr val="lt1"/>
+          </a:fontRef>
+        </p:style>
+        <p:txBody>
+          <a:bodyPr rtlCol="0" anchor="ctr"/>
+          <a:lstStyle/>
+          <a:p>
+            <a:pPr algn="ctr"/>
+            <a:endParaRPr lang="en-US"/>
+          </a:p>
+        </p:txBody>
+      </p:sp>
+      <p:sp>
+        <p:nvSpPr>
+          <p:cNvPr id="10" name="Freeform: Shape 9">
+            <a:extLst>
+              <a:ext uri="{FF2B5EF4-FFF2-40B4-BE49-F238E27FC236}">
+                <a16:creationId xmlns:a16="http://schemas.microsoft.com/office/drawing/2014/main" id="{DAAE4CDD-124C-4DCF-9584-B6033B545DD5}"/>
+              </a:ext>
+              <a:ext uri="{C183D7F6-B498-43B3-948B-1728B52AA6E4}">
+                <adec:decorative xmlns:adec="http://schemas.microsoft.com/office/drawing/2017/decorative" val="1"/>
+              </a:ext>
+            </a:extLst>
+          </p:cNvPr>
+          <p:cNvSpPr>
+            <a:spLocks noGrp="1" noRot="1" noChangeAspect="1" noMove="1" noResize="1" noEditPoints="1" noAdjustHandles="1" noChangeArrowheads="1" noChangeShapeType="1" noTextEdit="1"/>
+          </p:cNvSpPr>
+          <p:nvPr>
+            <p:extLst>
+              <p:ext uri="{386F3935-93C4-4BCD-93E2-E3B085C9AB24}">
+                <p16:designElem xmlns:p16="http://schemas.microsoft.com/office/powerpoint/2015/main" val="1"/>
+              </p:ext>
+            </p:extLst>
+          </p:nvPr>
+        </p:nvSpPr>
+        <p:spPr>
+          <a:xfrm>
+            <a:off x="1" y="0"/>
+            <a:ext cx="4167271" cy="6858000"/>
+          </a:xfrm>
+          <a:custGeom>
+            <a:avLst/>
+            <a:gdLst>
+              <a:gd name="connsiteX0" fmla="*/ 0 w 4167271"/>
+              <a:gd name="connsiteY0" fmla="*/ 0 h 6858000"/>
+              <a:gd name="connsiteX1" fmla="*/ 2259550 w 4167271"/>
+              <a:gd name="connsiteY1" fmla="*/ 0 h 6858000"/>
+              <a:gd name="connsiteX2" fmla="*/ 2387803 w 4167271"/>
+              <a:gd name="connsiteY2" fmla="*/ 82222 h 6858000"/>
+              <a:gd name="connsiteX3" fmla="*/ 4167271 w 4167271"/>
+              <a:gd name="connsiteY3" fmla="*/ 3429000 h 6858000"/>
+              <a:gd name="connsiteX4" fmla="*/ 2387803 w 4167271"/>
+              <a:gd name="connsiteY4" fmla="*/ 6775779 h 6858000"/>
+              <a:gd name="connsiteX5" fmla="*/ 2259550 w 4167271"/>
+              <a:gd name="connsiteY5" fmla="*/ 6858000 h 6858000"/>
+              <a:gd name="connsiteX6" fmla="*/ 0 w 4167271"/>
+              <a:gd name="connsiteY6" fmla="*/ 6858000 h 6858000"/>
+            </a:gdLst>
+            <a:ahLst/>
+            <a:cxnLst>
+              <a:cxn ang="0">
+                <a:pos x="connsiteX0" y="connsiteY0"/>
+              </a:cxn>
+              <a:cxn ang="0">
+                <a:pos x="connsiteX1" y="connsiteY1"/>
+              </a:cxn>
+              <a:cxn ang="0">
+                <a:pos x="connsiteX2" y="connsiteY2"/>
+              </a:cxn>
+              <a:cxn ang="0">
+                <a:pos x="connsiteX3" y="connsiteY3"/>
+              </a:cxn>
+              <a:cxn ang="0">
+                <a:pos x="connsiteX4" y="connsiteY4"/>
+              </a:cxn>
+              <a:cxn ang="0">
+                <a:pos x="connsiteX5" y="connsiteY5"/>
+              </a:cxn>
+              <a:cxn ang="0">
+                <a:pos x="connsiteX6" y="connsiteY6"/>
+              </a:cxn>
+            </a:cxnLst>
+            <a:rect l="l" t="t" r="r" b="b"/>
+            <a:pathLst>
+              <a:path w="4167271" h="6858000">
+                <a:moveTo>
+                  <a:pt x="0" y="0"/>
+                </a:moveTo>
+                <a:lnTo>
+                  <a:pt x="2259550" y="0"/>
+                </a:lnTo>
+                <a:lnTo>
+                  <a:pt x="2387803" y="82222"/>
+                </a:lnTo>
+                <a:cubicBezTo>
+                  <a:pt x="3461407" y="807534"/>
+                  <a:pt x="4167271" y="2035835"/>
+                  <a:pt x="4167271" y="3429000"/>
+                </a:cubicBezTo>
+                <a:cubicBezTo>
+                  <a:pt x="4167271" y="4822165"/>
+                  <a:pt x="3461407" y="6050467"/>
+                  <a:pt x="2387803" y="6775779"/>
+                </a:cubicBezTo>
+                <a:lnTo>
+                  <a:pt x="2259550" y="6858000"/>
+                </a:lnTo>
+                <a:lnTo>
+                  <a:pt x="0" y="6858000"/>
+                </a:lnTo>
+                <a:close/>
+              </a:path>
+            </a:pathLst>
+          </a:custGeom>
+          <a:solidFill>
+            <a:schemeClr val="accent2"/>
+          </a:solidFill>
+          <a:ln>
+            <a:noFill/>
+          </a:ln>
+        </p:spPr>
+        <p:style>
+          <a:lnRef idx="2">
+            <a:schemeClr val="accent1">
+              <a:shade val="50000"/>
+            </a:schemeClr>
+          </a:lnRef>
+          <a:fillRef idx="1">
+            <a:schemeClr val="accent1"/>
+          </a:fillRef>
+          <a:effectRef idx="0">
+            <a:schemeClr val="accent1"/>
+          </a:effectRef>
+          <a:fontRef idx="minor">
+            <a:schemeClr val="lt1"/>
+          </a:fontRef>
+        </p:style>
+        <p:txBody>
+          <a:bodyPr rtlCol="0" anchor="ctr"/>
+          <a:lstStyle/>
+          <a:p>
+            <a:pPr algn="ctr"/>
+            <a:endParaRPr lang="en-US"/>
+          </a:p>
+        </p:txBody>
+      </p:sp>
       <p:sp>
         <p:nvSpPr>
           <p:cNvPr id="2" name="Title 1">
@@ -3088,15 +10544,87 @@
             <p:ph type="title"/>
           </p:nvPr>
         </p:nvSpPr>
-        <p:spPr/>
+        <p:spPr>
+          <a:xfrm>
+            <a:off x="686834" y="1153572"/>
+            <a:ext cx="3200400" cy="4461163"/>
+          </a:xfrm>
+        </p:spPr>
         <p:txBody>
-          <a:bodyPr/>
+          <a:bodyPr>
+            <a:normAutofit/>
+          </a:bodyPr>
           <a:lstStyle/>
           <a:p>
             <a:r>
-              <a:rPr lang="en-US" dirty="0"/>
+              <a:rPr lang="en-US">
+                <a:solidFill>
+                  <a:srgbClr val="FFFFFF"/>
+                </a:solidFill>
+              </a:rPr>
               <a:t>DBMS</a:t>
             </a:r>
+          </a:p>
+        </p:txBody>
+      </p:sp>
+      <p:sp>
+        <p:nvSpPr>
+          <p:cNvPr id="17" name="Arc 16">
+            <a:extLst>
+              <a:ext uri="{FF2B5EF4-FFF2-40B4-BE49-F238E27FC236}">
+                <a16:creationId xmlns:a16="http://schemas.microsoft.com/office/drawing/2014/main" id="{081E4A58-353D-44AE-B2FC-2A74E2E400F7}"/>
+              </a:ext>
+              <a:ext uri="{C183D7F6-B498-43B3-948B-1728B52AA6E4}">
+                <adec:decorative xmlns:adec="http://schemas.microsoft.com/office/drawing/2017/decorative" val="1"/>
+              </a:ext>
+            </a:extLst>
+          </p:cNvPr>
+          <p:cNvSpPr>
+            <a:spLocks noGrp="1" noRot="1" noChangeAspect="1" noMove="1" noResize="1" noEditPoints="1" noAdjustHandles="1" noChangeArrowheads="1" noChangeShapeType="1" noTextEdit="1"/>
+          </p:cNvSpPr>
+          <p:nvPr>
+            <p:extLst>
+              <p:ext uri="{386F3935-93C4-4BCD-93E2-E3B085C9AB24}">
+                <p16:designElem xmlns:p16="http://schemas.microsoft.com/office/powerpoint/2015/main" val="1"/>
+              </p:ext>
+            </p:extLst>
+          </p:nvPr>
+        </p:nvSpPr>
+        <p:spPr>
+          <a:xfrm flipV="1">
+            <a:off x="7550402" y="2455479"/>
+            <a:ext cx="4083433" cy="4083433"/>
+          </a:xfrm>
+          <a:prstGeom prst="arc">
+            <a:avLst/>
+          </a:prstGeom>
+          <a:ln w="127000" cap="rnd">
+            <a:solidFill>
+              <a:schemeClr val="accent4"/>
+            </a:solidFill>
+            <a:prstDash val="dash"/>
+          </a:ln>
+        </p:spPr>
+        <p:style>
+          <a:lnRef idx="1">
+            <a:schemeClr val="accent1"/>
+          </a:lnRef>
+          <a:fillRef idx="0">
+            <a:schemeClr val="accent1"/>
+          </a:fillRef>
+          <a:effectRef idx="0">
+            <a:schemeClr val="accent1"/>
+          </a:effectRef>
+          <a:fontRef idx="minor">
+            <a:schemeClr val="tx1"/>
+          </a:fontRef>
+        </p:style>
+        <p:txBody>
+          <a:bodyPr rtlCol="0" anchor="ctr"/>
+          <a:lstStyle/>
+          <a:p>
+            <a:pPr algn="ctr"/>
+            <a:endParaRPr lang="en-US" dirty="0"/>
           </a:p>
         </p:txBody>
       </p:sp>
@@ -3118,166 +10646,166 @@
         </p:nvSpPr>
         <p:spPr>
           <a:xfrm>
-            <a:off x="584200" y="1541145"/>
-            <a:ext cx="11257280" cy="4574858"/>
+            <a:off x="4447308" y="591344"/>
+            <a:ext cx="6906491" cy="5585619"/>
           </a:xfrm>
         </p:spPr>
         <p:txBody>
-          <a:bodyPr vert="horz" lIns="91440" tIns="45720" rIns="91440" bIns="45720" rtlCol="0" anchor="t">
-            <a:normAutofit fontScale="85000" lnSpcReduction="20000"/>
+          <a:bodyPr vert="horz" lIns="91440" tIns="45720" rIns="91440" bIns="45720" rtlCol="0" anchor="ctr">
+            <a:normAutofit/>
           </a:bodyPr>
           <a:lstStyle/>
           <a:p>
             <a:r>
-              <a:rPr lang="en-US" dirty="0">
+              <a:rPr lang="en-US" sz="1800">
                 <a:ea typeface="+mn-lt"/>
                 <a:cs typeface="+mn-lt"/>
               </a:rPr>
               <a:t>A </a:t>
             </a:r>
             <a:r>
-              <a:rPr lang="en-US" b="1" dirty="0">
+              <a:rPr lang="en-US" sz="1800" b="1">
                 <a:ea typeface="+mn-lt"/>
                 <a:cs typeface="+mn-lt"/>
               </a:rPr>
               <a:t>Database Management System (DBMS)</a:t>
             </a:r>
             <a:r>
-              <a:rPr lang="en-US" dirty="0">
+              <a:rPr lang="en-US" sz="1800">
                 <a:ea typeface="+mn-lt"/>
                 <a:cs typeface="+mn-lt"/>
               </a:rPr>
               <a:t> is software that manages databases, enabling users to store, retrieve, update, and organize data efficiently. It acts as an intermediary between users/applications and the database, ensuring data integrity, security, and consistency.</a:t>
             </a:r>
-            <a:endParaRPr lang="en-US" dirty="0"/>
+            <a:endParaRPr lang="en-US" sz="1800"/>
           </a:p>
           <a:p>
             <a:pPr marL="0" indent="0">
               <a:buNone/>
             </a:pPr>
             <a:r>
-              <a:rPr lang="en-US" b="1" dirty="0">
+              <a:rPr lang="en-US" sz="1800" b="1">
                 <a:ea typeface="+mn-lt"/>
                 <a:cs typeface="+mn-lt"/>
               </a:rPr>
               <a:t>Key functions of a DBMS include:</a:t>
             </a:r>
-            <a:endParaRPr lang="en-US" b="1" dirty="0"/>
+            <a:endParaRPr lang="en-US" sz="1800" b="1"/>
           </a:p>
           <a:p>
             <a:r>
-              <a:rPr lang="en-US" b="1" dirty="0">
+              <a:rPr lang="en-US" sz="1800" b="1">
                 <a:ea typeface="+mn-lt"/>
                 <a:cs typeface="+mn-lt"/>
               </a:rPr>
               <a:t>Data Storage</a:t>
             </a:r>
             <a:r>
-              <a:rPr lang="en-US" dirty="0">
+              <a:rPr lang="en-US" sz="1800">
                 <a:ea typeface="+mn-lt"/>
                 <a:cs typeface="+mn-lt"/>
               </a:rPr>
               <a:t>: Organizes data in structured formats (e.g., tables in relational DBMS).</a:t>
             </a:r>
-            <a:endParaRPr lang="en-US" dirty="0"/>
+            <a:endParaRPr lang="en-US" sz="1800"/>
           </a:p>
           <a:p>
             <a:r>
-              <a:rPr lang="en-US" b="1" dirty="0">
+              <a:rPr lang="en-US" sz="1800" b="1">
                 <a:ea typeface="+mn-lt"/>
                 <a:cs typeface="+mn-lt"/>
               </a:rPr>
               <a:t>Data Retrieval</a:t>
             </a:r>
             <a:r>
-              <a:rPr lang="en-US" dirty="0">
+              <a:rPr lang="en-US" sz="1800">
                 <a:ea typeface="+mn-lt"/>
                 <a:cs typeface="+mn-lt"/>
               </a:rPr>
               <a:t>: Allows querying data using languages like SQL.</a:t>
             </a:r>
-            <a:endParaRPr lang="en-US" dirty="0"/>
+            <a:endParaRPr lang="en-US" sz="1800"/>
           </a:p>
           <a:p>
             <a:r>
-              <a:rPr lang="en-US" b="1" dirty="0">
+              <a:rPr lang="en-US" sz="1800" b="1">
                 <a:ea typeface="+mn-lt"/>
                 <a:cs typeface="+mn-lt"/>
               </a:rPr>
               <a:t>Data Manipulation</a:t>
             </a:r>
             <a:r>
-              <a:rPr lang="en-US" dirty="0">
+              <a:rPr lang="en-US" sz="1800">
                 <a:ea typeface="+mn-lt"/>
                 <a:cs typeface="+mn-lt"/>
               </a:rPr>
               <a:t>: Supports adding, updating, or deleting data.</a:t>
             </a:r>
-            <a:endParaRPr lang="en-US" dirty="0"/>
+            <a:endParaRPr lang="en-US" sz="1800"/>
           </a:p>
           <a:p>
             <a:r>
-              <a:rPr lang="en-US" b="1" dirty="0">
+              <a:rPr lang="en-US" sz="1800" b="1">
                 <a:ea typeface="+mn-lt"/>
                 <a:cs typeface="+mn-lt"/>
               </a:rPr>
               <a:t>Data Security</a:t>
             </a:r>
             <a:r>
-              <a:rPr lang="en-US" dirty="0">
+              <a:rPr lang="en-US" sz="1800">
                 <a:ea typeface="+mn-lt"/>
                 <a:cs typeface="+mn-lt"/>
               </a:rPr>
               <a:t>: Enforces access controls and authentication.</a:t>
             </a:r>
-            <a:endParaRPr lang="en-US" dirty="0"/>
+            <a:endParaRPr lang="en-US" sz="1800"/>
           </a:p>
           <a:p>
             <a:r>
-              <a:rPr lang="en-US" b="1" dirty="0">
+              <a:rPr lang="en-US" sz="1800" b="1">
                 <a:ea typeface="+mn-lt"/>
                 <a:cs typeface="+mn-lt"/>
               </a:rPr>
               <a:t>Concurrency Control</a:t>
             </a:r>
             <a:r>
-              <a:rPr lang="en-US" dirty="0">
+              <a:rPr lang="en-US" sz="1800">
                 <a:ea typeface="+mn-lt"/>
                 <a:cs typeface="+mn-lt"/>
               </a:rPr>
               <a:t>: Manages simultaneous data access by multiple users.</a:t>
             </a:r>
-            <a:endParaRPr lang="en-US" dirty="0"/>
+            <a:endParaRPr lang="en-US" sz="1800"/>
           </a:p>
           <a:p>
             <a:r>
-              <a:rPr lang="en-US" b="1" dirty="0">
+              <a:rPr lang="en-US" sz="1800" b="1">
                 <a:ea typeface="+mn-lt"/>
                 <a:cs typeface="+mn-lt"/>
               </a:rPr>
               <a:t>Backup and Recovery</a:t>
             </a:r>
             <a:r>
-              <a:rPr lang="en-US" dirty="0">
+              <a:rPr lang="en-US" sz="1800">
                 <a:ea typeface="+mn-lt"/>
                 <a:cs typeface="+mn-lt"/>
               </a:rPr>
               <a:t>: Protects data from loss or corruption.</a:t>
             </a:r>
-            <a:endParaRPr lang="en-US" dirty="0"/>
+            <a:endParaRPr lang="en-US" sz="1800"/>
           </a:p>
           <a:p>
             <a:r>
-              <a:rPr lang="en-US" dirty="0">
+              <a:rPr lang="en-US" sz="1800">
                 <a:ea typeface="+mn-lt"/>
                 <a:cs typeface="+mn-lt"/>
               </a:rPr>
               <a:t>Examples: MySQL, PostgreSQL, Oracle, MongoDB (NoSQL), Microsoft SQL Server.</a:t>
             </a:r>
-            <a:endParaRPr lang="en-US" dirty="0"/>
-          </a:p>
-          <a:p>
-            <a:endParaRPr lang="en-US" dirty="0"/>
+            <a:endParaRPr lang="en-US" sz="1800"/>
+          </a:p>
+          <a:p>
+            <a:endParaRPr lang="en-US" sz="1800"/>
           </a:p>
         </p:txBody>
       </p:sp>
@@ -3297,6 +10825,14 @@
 <file path=ppt/slides/slide3.xml><?xml version="1.0" encoding="utf-8"?>
 <p:sld xmlns:a="http://schemas.openxmlformats.org/drawingml/2006/main" xmlns:r="http://schemas.openxmlformats.org/officeDocument/2006/relationships" xmlns:p="http://schemas.openxmlformats.org/presentationml/2006/main">
   <p:cSld>
+    <p:bg>
+      <p:bgPr>
+        <a:solidFill>
+          <a:schemeClr val="bg1"/>
+        </a:solidFill>
+        <a:effectLst/>
+      </p:bgPr>
+    </p:bg>
     <p:spTree>
       <p:nvGrpSpPr>
         <p:cNvPr id="1" name=""/>
@@ -3311,6 +10847,66 @@
           <a:chExt cx="0" cy="0"/>
         </a:xfrm>
       </p:grpSpPr>
+      <p:sp useBgFill="1">
+        <p:nvSpPr>
+          <p:cNvPr id="8" name="Rectangle 7">
+            <a:extLst>
+              <a:ext uri="{FF2B5EF4-FFF2-40B4-BE49-F238E27FC236}">
+                <a16:creationId xmlns:a16="http://schemas.microsoft.com/office/drawing/2014/main" id="{DBF61EA3-B236-439E-9C0B-340980D56BEE}"/>
+              </a:ext>
+              <a:ext uri="{C183D7F6-B498-43B3-948B-1728B52AA6E4}">
+                <adec:decorative xmlns:adec="http://schemas.microsoft.com/office/drawing/2017/decorative" val="1"/>
+              </a:ext>
+            </a:extLst>
+          </p:cNvPr>
+          <p:cNvSpPr>
+            <a:spLocks noGrp="1" noRot="1" noChangeAspect="1" noMove="1" noResize="1" noEditPoints="1" noAdjustHandles="1" noChangeArrowheads="1" noChangeShapeType="1" noTextEdit="1"/>
+          </p:cNvSpPr>
+          <p:nvPr>
+            <p:extLst>
+              <p:ext uri="{386F3935-93C4-4BCD-93E2-E3B085C9AB24}">
+                <p16:designElem xmlns:p16="http://schemas.microsoft.com/office/powerpoint/2015/main" val="1"/>
+              </p:ext>
+            </p:extLst>
+          </p:nvPr>
+        </p:nvSpPr>
+        <p:spPr>
+          <a:xfrm>
+            <a:off x="0" y="0"/>
+            <a:ext cx="12191999" cy="6857365"/>
+          </a:xfrm>
+          <a:prstGeom prst="rect">
+            <a:avLst/>
+          </a:prstGeom>
+          <a:ln>
+            <a:noFill/>
+          </a:ln>
+        </p:spPr>
+        <p:style>
+          <a:lnRef idx="2">
+            <a:schemeClr val="accent1">
+              <a:shade val="50000"/>
+            </a:schemeClr>
+          </a:lnRef>
+          <a:fillRef idx="1">
+            <a:schemeClr val="accent1"/>
+          </a:fillRef>
+          <a:effectRef idx="0">
+            <a:schemeClr val="accent1"/>
+          </a:effectRef>
+          <a:fontRef idx="minor">
+            <a:schemeClr val="lt1"/>
+          </a:fontRef>
+        </p:style>
+        <p:txBody>
+          <a:bodyPr rtlCol="0" anchor="ctr"/>
+          <a:lstStyle/>
+          <a:p>
+            <a:pPr algn="ctr"/>
+            <a:endParaRPr lang="en-US"/>
+          </a:p>
+        </p:txBody>
+      </p:sp>
       <p:sp>
         <p:nvSpPr>
           <p:cNvPr id="2" name="Title 1">
@@ -3327,19 +10923,250 @@
             <p:ph type="title"/>
           </p:nvPr>
         </p:nvSpPr>
-        <p:spPr/>
+        <p:spPr>
+          <a:xfrm>
+            <a:off x="808638" y="386930"/>
+            <a:ext cx="9236700" cy="1188950"/>
+          </a:xfrm>
+        </p:spPr>
         <p:txBody>
-          <a:bodyPr/>
+          <a:bodyPr anchor="b">
+            <a:normAutofit/>
+          </a:bodyPr>
           <a:lstStyle/>
           <a:p>
             <a:r>
-              <a:rPr lang="en-US" dirty="0">
+              <a:rPr lang="en-US" sz="5400">
                 <a:ea typeface="+mj-lt"/>
                 <a:cs typeface="+mj-lt"/>
               </a:rPr>
               <a:t>Types of DBMS</a:t>
             </a:r>
-            <a:endParaRPr lang="en-US" dirty="0"/>
+            <a:endParaRPr lang="en-US" sz="5400"/>
+          </a:p>
+        </p:txBody>
+      </p:sp>
+      <p:grpSp>
+        <p:nvGrpSpPr>
+          <p:cNvPr id="10" name="Group 9">
+            <a:extLst>
+              <a:ext uri="{FF2B5EF4-FFF2-40B4-BE49-F238E27FC236}">
+                <a16:creationId xmlns:a16="http://schemas.microsoft.com/office/drawing/2014/main" id="{28FAF094-D087-493F-8DF9-A486C2D6BBAA}"/>
+              </a:ext>
+              <a:ext uri="{C183D7F6-B498-43B3-948B-1728B52AA6E4}">
+                <adec:decorative xmlns:adec="http://schemas.microsoft.com/office/drawing/2017/decorative" val="1"/>
+              </a:ext>
+            </a:extLst>
+          </p:cNvPr>
+          <p:cNvGrpSpPr>
+            <a:grpSpLocks noGrp="1" noUngrp="1" noRot="1" noChangeAspect="1" noMove="1" noResize="1"/>
+          </p:cNvGrpSpPr>
+          <p:nvPr>
+            <p:extLst>
+              <p:ext uri="{386F3935-93C4-4BCD-93E2-E3B085C9AB24}">
+                <p16:designElem xmlns:p16="http://schemas.microsoft.com/office/powerpoint/2015/main" val="1"/>
+              </p:ext>
+            </p:extLst>
+          </p:nvPr>
+        </p:nvGrpSpPr>
+        <p:grpSpPr>
+          <a:xfrm>
+            <a:off x="-2" y="1998368"/>
+            <a:ext cx="11695083" cy="782176"/>
+            <a:chOff x="-2" y="1998368"/>
+            <a:chExt cx="11695083" cy="782176"/>
+          </a:xfrm>
+        </p:grpSpPr>
+        <p:sp>
+          <p:nvSpPr>
+            <p:cNvPr id="11" name="Rectangle 10">
+              <a:extLst>
+                <a:ext uri="{FF2B5EF4-FFF2-40B4-BE49-F238E27FC236}">
+                  <a16:creationId xmlns:a16="http://schemas.microsoft.com/office/drawing/2014/main" id="{8D7C88D8-5509-4514-925A-9CE148E5CBD6}"/>
+                </a:ext>
+                <a:ext uri="{C183D7F6-B498-43B3-948B-1728B52AA6E4}">
+                  <adec:decorative xmlns:adec="http://schemas.microsoft.com/office/drawing/2017/decorative" val="1"/>
+                </a:ext>
+              </a:extLst>
+            </p:cNvPr>
+            <p:cNvSpPr/>
+            <p:nvPr>
+              <p:extLst>
+                <p:ext uri="{386F3935-93C4-4BCD-93E2-E3B085C9AB24}">
+                  <p16:designElem xmlns:p16="http://schemas.microsoft.com/office/powerpoint/2015/main" val="1"/>
+                </p:ext>
+              </p:extLst>
+            </p:nvPr>
+          </p:nvSpPr>
+          <p:spPr>
+            <a:xfrm rot="5400000">
+              <a:off x="11228040" y="2313027"/>
+              <a:ext cx="781700" cy="152382"/>
+            </a:xfrm>
+            <a:prstGeom prst="rect">
+              <a:avLst/>
+            </a:prstGeom>
+            <a:solidFill>
+              <a:schemeClr val="accent4"/>
+            </a:solidFill>
+            <a:ln>
+              <a:noFill/>
+            </a:ln>
+          </p:spPr>
+          <p:style>
+            <a:lnRef idx="2">
+              <a:schemeClr val="accent1">
+                <a:shade val="50000"/>
+              </a:schemeClr>
+            </a:lnRef>
+            <a:fillRef idx="1">
+              <a:schemeClr val="accent1"/>
+            </a:fillRef>
+            <a:effectRef idx="0">
+              <a:schemeClr val="accent1"/>
+            </a:effectRef>
+            <a:fontRef idx="minor">
+              <a:schemeClr val="lt1"/>
+            </a:fontRef>
+          </p:style>
+          <p:txBody>
+            <a:bodyPr rtlCol="0" anchor="ctr"/>
+            <a:lstStyle/>
+            <a:p>
+              <a:pPr algn="ctr"/>
+              <a:endParaRPr lang="en-US"/>
+            </a:p>
+          </p:txBody>
+        </p:sp>
+        <p:sp>
+          <p:nvSpPr>
+            <p:cNvPr id="12" name="Rectangle 11">
+              <a:extLst>
+                <a:ext uri="{FF2B5EF4-FFF2-40B4-BE49-F238E27FC236}">
+                  <a16:creationId xmlns:a16="http://schemas.microsoft.com/office/drawing/2014/main" id="{7275593D-F75E-4426-AE3E-2CDEFD228D25}"/>
+                </a:ext>
+                <a:ext uri="{C183D7F6-B498-43B3-948B-1728B52AA6E4}">
+                  <adec:decorative xmlns:adec="http://schemas.microsoft.com/office/drawing/2017/decorative" val="1"/>
+                </a:ext>
+              </a:extLst>
+            </p:cNvPr>
+            <p:cNvSpPr/>
+            <p:nvPr>
+              <p:extLst>
+                <p:ext uri="{386F3935-93C4-4BCD-93E2-E3B085C9AB24}">
+                  <p16:designElem xmlns:p16="http://schemas.microsoft.com/office/powerpoint/2015/main" val="1"/>
+                </p:ext>
+              </p:extLst>
+            </p:nvPr>
+          </p:nvSpPr>
+          <p:spPr>
+            <a:xfrm flipH="1" flipV="1">
+              <a:off x="-2" y="1998845"/>
+              <a:ext cx="11454595" cy="781699"/>
+            </a:xfrm>
+            <a:prstGeom prst="rect">
+              <a:avLst/>
+            </a:prstGeom>
+            <a:solidFill>
+              <a:schemeClr val="accent4"/>
+            </a:solidFill>
+            <a:ln>
+              <a:noFill/>
+            </a:ln>
+          </p:spPr>
+          <p:style>
+            <a:lnRef idx="2">
+              <a:schemeClr val="accent1">
+                <a:shade val="50000"/>
+              </a:schemeClr>
+            </a:lnRef>
+            <a:fillRef idx="1">
+              <a:schemeClr val="accent1"/>
+            </a:fillRef>
+            <a:effectRef idx="0">
+              <a:schemeClr val="accent1"/>
+            </a:effectRef>
+            <a:fontRef idx="minor">
+              <a:schemeClr val="lt1"/>
+            </a:fontRef>
+          </p:style>
+          <p:txBody>
+            <a:bodyPr rtlCol="0" anchor="ctr"/>
+            <a:lstStyle/>
+            <a:p>
+              <a:pPr algn="ctr"/>
+              <a:endParaRPr lang="en-US"/>
+            </a:p>
+          </p:txBody>
+        </p:sp>
+      </p:grpSp>
+      <p:sp>
+        <p:nvSpPr>
+          <p:cNvPr id="14" name="Rectangle 13">
+            <a:extLst>
+              <a:ext uri="{FF2B5EF4-FFF2-40B4-BE49-F238E27FC236}">
+                <a16:creationId xmlns:a16="http://schemas.microsoft.com/office/drawing/2014/main" id="{E659831F-0D9A-4C63-9EBB-8435B85A440F}"/>
+              </a:ext>
+              <a:ext uri="{C183D7F6-B498-43B3-948B-1728B52AA6E4}">
+                <adec:decorative xmlns:adec="http://schemas.microsoft.com/office/drawing/2017/decorative" val="1"/>
+              </a:ext>
+            </a:extLst>
+          </p:cNvPr>
+          <p:cNvSpPr>
+            <a:spLocks noGrp="1" noRot="1" noChangeAspect="1" noMove="1" noResize="1" noEditPoints="1" noAdjustHandles="1" noChangeArrowheads="1" noChangeShapeType="1" noTextEdit="1"/>
+          </p:cNvSpPr>
+          <p:nvPr>
+            <p:extLst>
+              <p:ext uri="{386F3935-93C4-4BCD-93E2-E3B085C9AB24}">
+                <p16:designElem xmlns:p16="http://schemas.microsoft.com/office/powerpoint/2015/main" val="1"/>
+              </p:ext>
+            </p:extLst>
+          </p:nvPr>
+        </p:nvSpPr>
+        <p:spPr>
+          <a:xfrm>
+            <a:off x="0" y="2203079"/>
+            <a:ext cx="11383362" cy="4147845"/>
+          </a:xfrm>
+          <a:prstGeom prst="rect">
+            <a:avLst/>
+          </a:prstGeom>
+          <a:solidFill>
+            <a:schemeClr val="bg1"/>
+          </a:solidFill>
+          <a:ln>
+            <a:noFill/>
+          </a:ln>
+          <a:effectLst>
+            <a:outerShdw blurRad="139700" dist="127000" dir="5400000" algn="t" rotWithShape="0">
+              <a:prstClr val="black">
+                <a:alpha val="15000"/>
+              </a:prstClr>
+            </a:outerShdw>
+          </a:effectLst>
+        </p:spPr>
+        <p:style>
+          <a:lnRef idx="2">
+            <a:schemeClr val="accent1">
+              <a:shade val="50000"/>
+            </a:schemeClr>
+          </a:lnRef>
+          <a:fillRef idx="1">
+            <a:schemeClr val="accent1"/>
+          </a:fillRef>
+          <a:effectRef idx="0">
+            <a:schemeClr val="accent1"/>
+          </a:effectRef>
+          <a:fontRef idx="minor">
+            <a:schemeClr val="lt1"/>
+          </a:fontRef>
+        </p:style>
+        <p:txBody>
+          <a:bodyPr rtlCol="0" anchor="ctr"/>
+          <a:lstStyle/>
+          <a:p>
+            <a:pPr algn="ctr"/>
+            <a:endParaRPr lang="en-US"/>
           </a:p>
         </p:txBody>
       </p:sp>
@@ -3361,85 +11188,85 @@
         </p:nvSpPr>
         <p:spPr>
           <a:xfrm>
-            <a:off x="838200" y="1825625"/>
-            <a:ext cx="10515600" cy="3365818"/>
+            <a:off x="793660" y="2599509"/>
+            <a:ext cx="10143668" cy="3435531"/>
           </a:xfrm>
         </p:spPr>
         <p:txBody>
-          <a:bodyPr vert="horz" lIns="91440" tIns="45720" rIns="91440" bIns="45720" rtlCol="0" anchor="t">
+          <a:bodyPr vert="horz" lIns="91440" tIns="45720" rIns="91440" bIns="45720" rtlCol="0" anchor="ctr">
             <a:normAutofit/>
           </a:bodyPr>
           <a:lstStyle/>
           <a:p>
             <a:r>
-              <a:rPr lang="en-US" b="1" dirty="0">
+              <a:rPr lang="en-US" sz="2400" b="1">
                 <a:ea typeface="+mn-lt"/>
                 <a:cs typeface="+mn-lt"/>
               </a:rPr>
               <a:t>Relational DBMS</a:t>
             </a:r>
             <a:r>
-              <a:rPr lang="en-US" dirty="0">
+              <a:rPr lang="en-US" sz="2400">
                 <a:ea typeface="+mn-lt"/>
                 <a:cs typeface="+mn-lt"/>
               </a:rPr>
               <a:t>: Uses tables with rows and columns (e.g., MySQL).</a:t>
             </a:r>
-            <a:endParaRPr lang="en-US" dirty="0"/>
+            <a:endParaRPr lang="en-US" sz="2400"/>
           </a:p>
           <a:p>
             <a:r>
-              <a:rPr lang="en-US" b="1" dirty="0">
+              <a:rPr lang="en-US" sz="2400" b="1">
                 <a:ea typeface="+mn-lt"/>
                 <a:cs typeface="+mn-lt"/>
               </a:rPr>
               <a:t>NoSQL DBMS</a:t>
             </a:r>
             <a:r>
-              <a:rPr lang="en-US" dirty="0">
+              <a:rPr lang="en-US" sz="2400">
                 <a:ea typeface="+mn-lt"/>
                 <a:cs typeface="+mn-lt"/>
               </a:rPr>
               <a:t>: Handles unstructured/semi-structured data (e.g., MongoDB).</a:t>
             </a:r>
-            <a:endParaRPr lang="en-US" dirty="0"/>
+            <a:endParaRPr lang="en-US" sz="2400"/>
           </a:p>
           <a:p>
             <a:r>
-              <a:rPr lang="en-US" b="1" dirty="0">
+              <a:rPr lang="en-US" sz="2400" b="1">
                 <a:ea typeface="+mn-lt"/>
                 <a:cs typeface="+mn-lt"/>
               </a:rPr>
               <a:t>Hierarchical DBMS</a:t>
             </a:r>
             <a:r>
-              <a:rPr lang="en-US" dirty="0">
+              <a:rPr lang="en-US" sz="2400">
                 <a:ea typeface="+mn-lt"/>
                 <a:cs typeface="+mn-lt"/>
               </a:rPr>
               <a:t>: Organizes data in a tree-like structure.</a:t>
             </a:r>
-            <a:endParaRPr lang="en-US" dirty="0"/>
+            <a:endParaRPr lang="en-US" sz="2400"/>
           </a:p>
           <a:p>
             <a:r>
-              <a:rPr lang="en-US" b="1" dirty="0">
+              <a:rPr lang="en-US" sz="2400" b="1">
                 <a:ea typeface="+mn-lt"/>
                 <a:cs typeface="+mn-lt"/>
               </a:rPr>
               <a:t>Network DBMS</a:t>
             </a:r>
             <a:r>
-              <a:rPr lang="en-US" dirty="0">
+              <a:rPr lang="en-US" sz="2400">
                 <a:ea typeface="+mn-lt"/>
                 <a:cs typeface="+mn-lt"/>
               </a:rPr>
               <a:t>: Uses a graph structure.</a:t>
             </a:r>
-            <a:endParaRPr lang="en-US" dirty="0"/>
-          </a:p>
-          <a:p>
-            <a:endParaRPr lang="en-US" dirty="0"/>
+            <a:endParaRPr lang="en-US" sz="2400"/>
+          </a:p>
+          <a:p>
+            <a:endParaRPr lang="en-US" sz="2400"/>
           </a:p>
         </p:txBody>
       </p:sp>
@@ -3481,41 +11308,12 @@
           <a:chExt cx="0" cy="0"/>
         </a:xfrm>
       </p:grpSpPr>
-      <p:pic>
-        <p:nvPicPr>
-          <p:cNvPr id="4" name="Picture 3" descr="Database Schema Design">
+      <p:sp useBgFill="1">
+        <p:nvSpPr>
+          <p:cNvPr id="33" name="Rectangle 32">
             <a:extLst>
               <a:ext uri="{FF2B5EF4-FFF2-40B4-BE49-F238E27FC236}">
-                <a16:creationId xmlns:a16="http://schemas.microsoft.com/office/drawing/2014/main" id="{16E1E44B-9D3C-8E9C-F3B0-801D39B87DE1}"/>
-              </a:ext>
-            </a:extLst>
-          </p:cNvPr>
-          <p:cNvPicPr>
-            <a:picLocks noChangeAspect="1"/>
-          </p:cNvPicPr>
-          <p:nvPr/>
-        </p:nvPicPr>
-        <p:blipFill>
-          <a:blip r:embed="rId2"/>
-          <a:srcRect/>
-          <a:stretch/>
-        </p:blipFill>
-        <p:spPr>
-          <a:xfrm>
-            <a:off x="20" y="10"/>
-            <a:ext cx="12191980" cy="6857990"/>
-          </a:xfrm>
-          <a:prstGeom prst="rect">
-            <a:avLst/>
-          </a:prstGeom>
-        </p:spPr>
-      </p:pic>
-      <p:sp>
-        <p:nvSpPr>
-          <p:cNvPr id="22" name="Rectangle 21">
-            <a:extLst>
-              <a:ext uri="{FF2B5EF4-FFF2-40B4-BE49-F238E27FC236}">
-                <a16:creationId xmlns:a16="http://schemas.microsoft.com/office/drawing/2014/main" id="{37C89E4B-3C9F-44B9-8B86-D9E3D112D8EC}"/>
+                <a16:creationId xmlns:a16="http://schemas.microsoft.com/office/drawing/2014/main" id="{F0A604E4-7307-451C-93BE-F1F7E1BF3BF8}"/>
               </a:ext>
               <a:ext uri="{C183D7F6-B498-43B3-948B-1728B52AA6E4}">
                 <adec:decorative xmlns:adec="http://schemas.microsoft.com/office/drawing/2017/decorative" val="1"/>
@@ -3535,17 +11333,12 @@
         </p:nvSpPr>
         <p:spPr>
           <a:xfrm>
-            <a:off x="0" y="5320142"/>
-            <a:ext cx="12192000" cy="736551"/>
+            <a:off x="-2" y="0"/>
+            <a:ext cx="12192004" cy="6858000"/>
           </a:xfrm>
           <a:prstGeom prst="rect">
             <a:avLst/>
           </a:prstGeom>
-          <a:solidFill>
-            <a:schemeClr val="bg1">
-              <a:alpha val="93000"/>
-            </a:schemeClr>
-          </a:solidFill>
           <a:ln>
             <a:noFill/>
           </a:ln>
@@ -3577,6 +11370,230 @@
       </p:sp>
       <p:sp>
         <p:nvSpPr>
+          <p:cNvPr id="35" name="Rectangle 34">
+            <a:extLst>
+              <a:ext uri="{FF2B5EF4-FFF2-40B4-BE49-F238E27FC236}">
+                <a16:creationId xmlns:a16="http://schemas.microsoft.com/office/drawing/2014/main" id="{F7F3A0AA-35E5-4085-942B-737839030604}"/>
+              </a:ext>
+              <a:ext uri="{C183D7F6-B498-43B3-948B-1728B52AA6E4}">
+                <adec:decorative xmlns:adec="http://schemas.microsoft.com/office/drawing/2017/decorative" val="1"/>
+              </a:ext>
+            </a:extLst>
+          </p:cNvPr>
+          <p:cNvSpPr>
+            <a:spLocks noGrp="1" noRot="1" noChangeAspect="1" noMove="1" noResize="1" noEditPoints="1" noAdjustHandles="1" noChangeArrowheads="1" noChangeShapeType="1" noTextEdit="1"/>
+          </p:cNvSpPr>
+          <p:nvPr>
+            <p:extLst>
+              <p:ext uri="{386F3935-93C4-4BCD-93E2-E3B085C9AB24}">
+                <p16:designElem xmlns:p16="http://schemas.microsoft.com/office/powerpoint/2015/main" val="1"/>
+              </p:ext>
+            </p:extLst>
+          </p:nvPr>
+        </p:nvSpPr>
+        <p:spPr>
+          <a:xfrm flipH="1">
+            <a:off x="-1" y="5282344"/>
+            <a:ext cx="12191998" cy="1590742"/>
+          </a:xfrm>
+          <a:prstGeom prst="rect">
+            <a:avLst/>
+          </a:prstGeom>
+          <a:gradFill>
+            <a:gsLst>
+              <a:gs pos="34000">
+                <a:srgbClr val="000000">
+                  <a:alpha val="96000"/>
+                </a:srgbClr>
+              </a:gs>
+              <a:gs pos="100000">
+                <a:schemeClr val="accent1"/>
+              </a:gs>
+            </a:gsLst>
+            <a:lin ang="8400000" scaled="0"/>
+          </a:gradFill>
+          <a:ln>
+            <a:noFill/>
+          </a:ln>
+        </p:spPr>
+        <p:style>
+          <a:lnRef idx="2">
+            <a:schemeClr val="accent1">
+              <a:shade val="50000"/>
+            </a:schemeClr>
+          </a:lnRef>
+          <a:fillRef idx="1">
+            <a:schemeClr val="accent1"/>
+          </a:fillRef>
+          <a:effectRef idx="0">
+            <a:schemeClr val="accent1"/>
+          </a:effectRef>
+          <a:fontRef idx="minor">
+            <a:schemeClr val="lt1"/>
+          </a:fontRef>
+        </p:style>
+        <p:txBody>
+          <a:bodyPr rtlCol="0" anchor="ctr"/>
+          <a:lstStyle/>
+          <a:p>
+            <a:pPr algn="ctr"/>
+            <a:endParaRPr lang="en-US"/>
+          </a:p>
+        </p:txBody>
+      </p:sp>
+      <p:sp>
+        <p:nvSpPr>
+          <p:cNvPr id="32" name="Rectangle 31">
+            <a:extLst>
+              <a:ext uri="{FF2B5EF4-FFF2-40B4-BE49-F238E27FC236}">
+                <a16:creationId xmlns:a16="http://schemas.microsoft.com/office/drawing/2014/main" id="{402F5C38-C747-4173-ABBF-656E39E82130}"/>
+              </a:ext>
+              <a:ext uri="{C183D7F6-B498-43B3-948B-1728B52AA6E4}">
+                <adec:decorative xmlns:adec="http://schemas.microsoft.com/office/drawing/2017/decorative" val="1"/>
+              </a:ext>
+            </a:extLst>
+          </p:cNvPr>
+          <p:cNvSpPr>
+            <a:spLocks noGrp="1" noRot="1" noChangeAspect="1" noMove="1" noResize="1" noEditPoints="1" noAdjustHandles="1" noChangeArrowheads="1" noChangeShapeType="1" noTextEdit="1"/>
+          </p:cNvSpPr>
+          <p:nvPr>
+            <p:extLst>
+              <p:ext uri="{386F3935-93C4-4BCD-93E2-E3B085C9AB24}">
+                <p16:designElem xmlns:p16="http://schemas.microsoft.com/office/powerpoint/2015/main" val="1"/>
+              </p:ext>
+            </p:extLst>
+          </p:nvPr>
+        </p:nvSpPr>
+        <p:spPr>
+          <a:xfrm flipH="1">
+            <a:off x="-4" y="5282344"/>
+            <a:ext cx="8115300" cy="1590742"/>
+          </a:xfrm>
+          <a:prstGeom prst="rect">
+            <a:avLst/>
+          </a:prstGeom>
+          <a:gradFill>
+            <a:gsLst>
+              <a:gs pos="28000">
+                <a:schemeClr val="accent1">
+                  <a:lumMod val="75000"/>
+                  <a:alpha val="59000"/>
+                </a:schemeClr>
+              </a:gs>
+              <a:gs pos="100000">
+                <a:srgbClr val="000000">
+                  <a:alpha val="70000"/>
+                </a:srgbClr>
+              </a:gs>
+            </a:gsLst>
+            <a:lin ang="11400000" scaled="0"/>
+          </a:gradFill>
+          <a:ln>
+            <a:noFill/>
+          </a:ln>
+        </p:spPr>
+        <p:style>
+          <a:lnRef idx="2">
+            <a:schemeClr val="accent1">
+              <a:shade val="50000"/>
+            </a:schemeClr>
+          </a:lnRef>
+          <a:fillRef idx="1">
+            <a:schemeClr val="accent1"/>
+          </a:fillRef>
+          <a:effectRef idx="0">
+            <a:schemeClr val="accent1"/>
+          </a:effectRef>
+          <a:fontRef idx="minor">
+            <a:schemeClr val="lt1"/>
+          </a:fontRef>
+        </p:style>
+        <p:txBody>
+          <a:bodyPr rtlCol="0" anchor="ctr"/>
+          <a:lstStyle/>
+          <a:p>
+            <a:pPr algn="ctr"/>
+            <a:endParaRPr lang="en-US"/>
+          </a:p>
+        </p:txBody>
+      </p:sp>
+      <p:sp>
+        <p:nvSpPr>
+          <p:cNvPr id="34" name="Rectangle 33">
+            <a:extLst>
+              <a:ext uri="{FF2B5EF4-FFF2-40B4-BE49-F238E27FC236}">
+                <a16:creationId xmlns:a16="http://schemas.microsoft.com/office/drawing/2014/main" id="{E37EECFC-A684-4391-AE85-4CDAF5565F61}"/>
+              </a:ext>
+              <a:ext uri="{C183D7F6-B498-43B3-948B-1728B52AA6E4}">
+                <adec:decorative xmlns:adec="http://schemas.microsoft.com/office/drawing/2017/decorative" val="1"/>
+              </a:ext>
+            </a:extLst>
+          </p:cNvPr>
+          <p:cNvSpPr>
+            <a:spLocks noGrp="1" noRot="1" noChangeAspect="1" noMove="1" noResize="1" noEditPoints="1" noAdjustHandles="1" noChangeArrowheads="1" noChangeShapeType="1" noTextEdit="1"/>
+          </p:cNvSpPr>
+          <p:nvPr>
+            <p:extLst>
+              <p:ext uri="{386F3935-93C4-4BCD-93E2-E3B085C9AB24}">
+                <p16:designElem xmlns:p16="http://schemas.microsoft.com/office/powerpoint/2015/main" val="1"/>
+              </p:ext>
+            </p:extLst>
+          </p:nvPr>
+        </p:nvSpPr>
+        <p:spPr>
+          <a:xfrm flipH="1">
+            <a:off x="-4" y="5282344"/>
+            <a:ext cx="12191998" cy="1590742"/>
+          </a:xfrm>
+          <a:prstGeom prst="rect">
+            <a:avLst/>
+          </a:prstGeom>
+          <a:gradFill>
+            <a:gsLst>
+              <a:gs pos="0">
+                <a:srgbClr val="000000">
+                  <a:alpha val="71765"/>
+                </a:srgbClr>
+              </a:gs>
+              <a:gs pos="100000">
+                <a:schemeClr val="accent1">
+                  <a:alpha val="0"/>
+                </a:schemeClr>
+              </a:gs>
+            </a:gsLst>
+            <a:lin ang="15600000" scaled="0"/>
+          </a:gradFill>
+          <a:ln>
+            <a:noFill/>
+          </a:ln>
+        </p:spPr>
+        <p:style>
+          <a:lnRef idx="2">
+            <a:schemeClr val="accent1">
+              <a:shade val="50000"/>
+            </a:schemeClr>
+          </a:lnRef>
+          <a:fillRef idx="1">
+            <a:schemeClr val="accent1"/>
+          </a:fillRef>
+          <a:effectRef idx="0">
+            <a:schemeClr val="accent1"/>
+          </a:effectRef>
+          <a:fontRef idx="minor">
+            <a:schemeClr val="lt1"/>
+          </a:fontRef>
+        </p:style>
+        <p:txBody>
+          <a:bodyPr rtlCol="0" anchor="ctr"/>
+          <a:lstStyle/>
+          <a:p>
+            <a:pPr algn="ctr"/>
+            <a:endParaRPr lang="en-US"/>
+          </a:p>
+        </p:txBody>
+      </p:sp>
+      <p:sp>
+        <p:nvSpPr>
           <p:cNvPr id="2" name="Title 1">
             <a:extLst>
               <a:ext uri="{FF2B5EF4-FFF2-40B4-BE49-F238E27FC236}">
@@ -3593,8 +11610,8 @@
         </p:nvSpPr>
         <p:spPr>
           <a:xfrm>
-            <a:off x="523875" y="5305695"/>
-            <a:ext cx="10333471" cy="767926"/>
+            <a:off x="699714" y="5490971"/>
+            <a:ext cx="6962072" cy="1159200"/>
           </a:xfrm>
         </p:spPr>
         <p:txBody>
@@ -3603,129 +11620,48 @@
           </a:bodyPr>
           <a:lstStyle/>
           <a:p>
-            <a:pPr algn="ctr"/>
             <a:r>
-              <a:rPr lang="en-US" sz="3600">
+              <a:rPr lang="en-US" sz="4000" kern="1200">
                 <a:solidFill>
-                  <a:schemeClr val="tx1">
-                    <a:lumMod val="85000"/>
-                    <a:lumOff val="15000"/>
-                  </a:schemeClr>
+                  <a:srgbClr val="FFFFFF"/>
                 </a:solidFill>
+                <a:latin typeface="+mj-lt"/>
+                <a:ea typeface="+mj-ea"/>
+                <a:cs typeface="+mj-cs"/>
               </a:rPr>
               <a:t>SQL/NoSQL</a:t>
             </a:r>
           </a:p>
         </p:txBody>
       </p:sp>
-      <p:cxnSp>
-        <p:nvCxnSpPr>
-          <p:cNvPr id="23" name="Straight Connector 22">
+      <p:pic>
+        <p:nvPicPr>
+          <p:cNvPr id="4" name="Picture 3" descr="Database Schema Design">
             <a:extLst>
               <a:ext uri="{FF2B5EF4-FFF2-40B4-BE49-F238E27FC236}">
-                <a16:creationId xmlns:a16="http://schemas.microsoft.com/office/drawing/2014/main" id="{AA2EAA10-076F-46BD-8F0F-B9A2FB77A85C}"/>
-              </a:ext>
-              <a:ext uri="{C183D7F6-B498-43B3-948B-1728B52AA6E4}">
-                <adec:decorative xmlns:adec="http://schemas.microsoft.com/office/drawing/2017/decorative" val="1"/>
+                <a16:creationId xmlns:a16="http://schemas.microsoft.com/office/drawing/2014/main" id="{16E1E44B-9D3C-8E9C-F3B0-801D39B87DE1}"/>
               </a:ext>
             </a:extLst>
           </p:cNvPr>
-          <p:cNvCxnSpPr>
-            <a:cxnSpLocks noGrp="1" noRot="1" noChangeAspect="1" noMove="1" noResize="1" noEditPoints="1" noAdjustHandles="1" noChangeArrowheads="1" noChangeShapeType="1"/>
-          </p:cNvCxnSpPr>
-          <p:nvPr>
-            <p:extLst>
-              <p:ext uri="{386F3935-93C4-4BCD-93E2-E3B085C9AB24}">
-                <p16:designElem xmlns:p16="http://schemas.microsoft.com/office/powerpoint/2015/main" val="1"/>
-              </p:ext>
-            </p:extLst>
-          </p:nvPr>
-        </p:nvCxnSpPr>
+          <p:cNvPicPr>
+            <a:picLocks noChangeAspect="1"/>
+          </p:cNvPicPr>
+          <p:nvPr/>
+        </p:nvPicPr>
+        <p:blipFill>
+          <a:blip r:embed="rId2"/>
+          <a:stretch/>
+        </p:blipFill>
         <p:spPr>
           <a:xfrm>
-            <a:off x="0" y="5241983"/>
-            <a:ext cx="12192000" cy="0"/>
+            <a:off x="2125319" y="390832"/>
+            <a:ext cx="8033981" cy="4519114"/>
           </a:xfrm>
-          <a:prstGeom prst="line">
+          <a:prstGeom prst="rect">
             <a:avLst/>
           </a:prstGeom>
-          <a:ln w="41275">
-            <a:solidFill>
-              <a:schemeClr val="bg1">
-                <a:alpha val="90000"/>
-              </a:schemeClr>
-            </a:solidFill>
-          </a:ln>
         </p:spPr>
-        <p:style>
-          <a:lnRef idx="1">
-            <a:schemeClr val="accent1"/>
-          </a:lnRef>
-          <a:fillRef idx="0">
-            <a:schemeClr val="accent1"/>
-          </a:fillRef>
-          <a:effectRef idx="0">
-            <a:schemeClr val="accent1"/>
-          </a:effectRef>
-          <a:fontRef idx="minor">
-            <a:schemeClr val="tx1"/>
-          </a:fontRef>
-        </p:style>
-      </p:cxnSp>
-      <p:cxnSp>
-        <p:nvCxnSpPr>
-          <p:cNvPr id="13" name="Straight Connector 12">
-            <a:extLst>
-              <a:ext uri="{FF2B5EF4-FFF2-40B4-BE49-F238E27FC236}">
-                <a16:creationId xmlns:a16="http://schemas.microsoft.com/office/drawing/2014/main" id="{D891E407-403B-4764-86C9-33A56D3BCAA3}"/>
-              </a:ext>
-              <a:ext uri="{C183D7F6-B498-43B3-948B-1728B52AA6E4}">
-                <adec:decorative xmlns:adec="http://schemas.microsoft.com/office/drawing/2017/decorative" val="1"/>
-              </a:ext>
-            </a:extLst>
-          </p:cNvPr>
-          <p:cNvCxnSpPr>
-            <a:cxnSpLocks noGrp="1" noRot="1" noChangeAspect="1" noMove="1" noResize="1" noEditPoints="1" noAdjustHandles="1" noChangeArrowheads="1" noChangeShapeType="1"/>
-          </p:cNvCxnSpPr>
-          <p:nvPr>
-            <p:extLst>
-              <p:ext uri="{386F3935-93C4-4BCD-93E2-E3B085C9AB24}">
-                <p16:designElem xmlns:p16="http://schemas.microsoft.com/office/powerpoint/2015/main" val="1"/>
-              </p:ext>
-            </p:extLst>
-          </p:nvPr>
-        </p:nvCxnSpPr>
-        <p:spPr>
-          <a:xfrm>
-            <a:off x="0" y="6134852"/>
-            <a:ext cx="12192000" cy="0"/>
-          </a:xfrm>
-          <a:prstGeom prst="line">
-            <a:avLst/>
-          </a:prstGeom>
-          <a:ln w="41275">
-            <a:solidFill>
-              <a:schemeClr val="bg1">
-                <a:alpha val="90000"/>
-              </a:schemeClr>
-            </a:solidFill>
-          </a:ln>
-        </p:spPr>
-        <p:style>
-          <a:lnRef idx="1">
-            <a:schemeClr val="accent1"/>
-          </a:lnRef>
-          <a:fillRef idx="0">
-            <a:schemeClr val="accent1"/>
-          </a:fillRef>
-          <a:effectRef idx="0">
-            <a:schemeClr val="accent1"/>
-          </a:effectRef>
-          <a:fontRef idx="minor">
-            <a:schemeClr val="tx1"/>
-          </a:fontRef>
-        </p:style>
-      </p:cxnSp>
+      </p:pic>
     </p:spTree>
     <p:extLst>
       <p:ext uri="{BB962C8B-B14F-4D97-AF65-F5344CB8AC3E}">
@@ -3871,9 +11807,10 @@
           <a:lstStyle/>
           <a:p>
             <a:r>
-              <a:rPr lang="en-US" dirty="0"/>
+              <a:rPr lang="en-US"/>
               <a:t>Mongo Installation</a:t>
             </a:r>
+            <a:endParaRPr lang="en-US" dirty="0"/>
           </a:p>
         </p:txBody>
       </p:sp>
@@ -3982,9 +11919,10 @@
           <a:lstStyle/>
           <a:p>
             <a:r>
-              <a:rPr lang="en-US" dirty="0"/>
+              <a:rPr lang="en-US"/>
               <a:t>Mongo Concepts</a:t>
             </a:r>
+            <a:endParaRPr lang="en-US" dirty="0"/>
           </a:p>
         </p:txBody>
       </p:sp>

--- a/mongo/mongo_demo.pptx
+++ b/mongo/mongo_demo.pptx
@@ -8,13 +8,13 @@
     <p:sldId id="256" r:id="rId2"/>
     <p:sldId id="257" r:id="rId3"/>
     <p:sldId id="258" r:id="rId4"/>
-    <p:sldId id="260" r:id="rId5"/>
-    <p:sldId id="259" r:id="rId6"/>
-    <p:sldId id="261" r:id="rId7"/>
-    <p:sldId id="263" r:id="rId8"/>
-    <p:sldId id="264" r:id="rId9"/>
-    <p:sldId id="262" r:id="rId10"/>
-    <p:sldId id="266" r:id="rId11"/>
+    <p:sldId id="259" r:id="rId5"/>
+    <p:sldId id="261" r:id="rId6"/>
+    <p:sldId id="263" r:id="rId7"/>
+    <p:sldId id="264" r:id="rId8"/>
+    <p:sldId id="262" r:id="rId9"/>
+    <p:sldId id="266" r:id="rId10"/>
+    <p:sldId id="267" r:id="rId11"/>
     <p:sldId id="265" r:id="rId12"/>
   </p:sldIdLst>
   <p:sldSz cx="12192000" cy="6858000"/>
@@ -2976,10 +2976,10 @@
       </p:grpSpPr>
       <p:sp useBgFill="1">
         <p:nvSpPr>
-          <p:cNvPr id="22" name="Rectangle 21">
+          <p:cNvPr id="1055" name="Rectangle 1054">
             <a:extLst>
               <a:ext uri="{FF2B5EF4-FFF2-40B4-BE49-F238E27FC236}">
-                <a16:creationId xmlns:a16="http://schemas.microsoft.com/office/drawing/2014/main" id="{9180DE06-7362-4888-AADA-7AADD57AC49D}"/>
+                <a16:creationId xmlns:a16="http://schemas.microsoft.com/office/drawing/2014/main" id="{93245F62-CCC4-49E4-B95B-EA6C1E790510}"/>
               </a:ext>
               <a:ext uri="{C183D7F6-B498-43B3-948B-1728B52AA6E4}">
                 <adec:decorative xmlns:adec="http://schemas.microsoft.com/office/drawing/2017/decorative" val="1"/>
@@ -3000,7 +3000,7 @@
         <p:spPr>
           <a:xfrm>
             <a:off x="0" y="0"/>
-            <a:ext cx="12191999" cy="6857365"/>
+            <a:ext cx="12192000" cy="6858000"/>
           </a:xfrm>
           <a:prstGeom prst="rect">
             <a:avLst/>
@@ -3034,12 +3034,681 @@
           </a:p>
         </p:txBody>
       </p:sp>
+      <p:sp>
+        <p:nvSpPr>
+          <p:cNvPr id="3" name="Subtitle 2"/>
+          <p:cNvSpPr>
+            <a:spLocks noGrp="1"/>
+          </p:cNvSpPr>
+          <p:nvPr>
+            <p:ph type="subTitle" idx="1"/>
+          </p:nvPr>
+        </p:nvSpPr>
+        <p:spPr>
+          <a:xfrm>
+            <a:off x="638881" y="5660607"/>
+            <a:ext cx="10909643" cy="552659"/>
+          </a:xfrm>
+        </p:spPr>
+        <p:txBody>
+          <a:bodyPr vert="horz" lIns="91440" tIns="45720" rIns="91440" bIns="45720" rtlCol="0" anchor="t">
+            <a:normAutofit/>
+          </a:bodyPr>
+          <a:lstStyle/>
+          <a:p>
+            <a:pPr marL="342900" indent="-342900">
+              <a:buFont typeface="Calibri"/>
+              <a:buChar char="-"/>
+            </a:pPr>
+            <a:r>
+              <a:rPr lang="en-US"/>
+              <a:t>Ruhulla Sheik </a:t>
+            </a:r>
+          </a:p>
+        </p:txBody>
+      </p:sp>
+      <p:sp>
+        <p:nvSpPr>
+          <p:cNvPr id="1057" name="sketch line">
+            <a:extLst>
+              <a:ext uri="{FF2B5EF4-FFF2-40B4-BE49-F238E27FC236}">
+                <a16:creationId xmlns:a16="http://schemas.microsoft.com/office/drawing/2014/main" id="{E6C0DD6B-6AA3-448F-9B99-8386295BC1B4}"/>
+              </a:ext>
+              <a:ext uri="{C183D7F6-B498-43B3-948B-1728B52AA6E4}">
+                <adec:decorative xmlns:adec="http://schemas.microsoft.com/office/drawing/2017/decorative" val="1"/>
+              </a:ext>
+            </a:extLst>
+          </p:cNvPr>
+          <p:cNvSpPr>
+            <a:spLocks noGrp="1" noRot="1" noChangeAspect="1" noMove="1" noResize="1" noEditPoints="1" noAdjustHandles="1" noChangeArrowheads="1" noChangeShapeType="1" noTextEdit="1"/>
+          </p:cNvSpPr>
+          <p:nvPr>
+            <p:extLst>
+              <p:ext uri="{386F3935-93C4-4BCD-93E2-E3B085C9AB24}">
+                <p16:designElem xmlns:p16="http://schemas.microsoft.com/office/powerpoint/2015/main" val="1"/>
+              </p:ext>
+            </p:extLst>
+          </p:nvPr>
+        </p:nvSpPr>
+        <p:spPr>
+          <a:xfrm>
+            <a:off x="3807702" y="5509052"/>
+            <a:ext cx="4572000" cy="18288"/>
+          </a:xfrm>
+          <a:custGeom>
+            <a:avLst/>
+            <a:gdLst>
+              <a:gd name="connsiteX0" fmla="*/ 0 w 4572000"/>
+              <a:gd name="connsiteY0" fmla="*/ 0 h 18288"/>
+              <a:gd name="connsiteX1" fmla="*/ 515983 w 4572000"/>
+              <a:gd name="connsiteY1" fmla="*/ 0 h 18288"/>
+              <a:gd name="connsiteX2" fmla="*/ 1031966 w 4572000"/>
+              <a:gd name="connsiteY2" fmla="*/ 0 h 18288"/>
+              <a:gd name="connsiteX3" fmla="*/ 1639389 w 4572000"/>
+              <a:gd name="connsiteY3" fmla="*/ 0 h 18288"/>
+              <a:gd name="connsiteX4" fmla="*/ 2383971 w 4572000"/>
+              <a:gd name="connsiteY4" fmla="*/ 0 h 18288"/>
+              <a:gd name="connsiteX5" fmla="*/ 2945674 w 4572000"/>
+              <a:gd name="connsiteY5" fmla="*/ 0 h 18288"/>
+              <a:gd name="connsiteX6" fmla="*/ 3507377 w 4572000"/>
+              <a:gd name="connsiteY6" fmla="*/ 0 h 18288"/>
+              <a:gd name="connsiteX7" fmla="*/ 4572000 w 4572000"/>
+              <a:gd name="connsiteY7" fmla="*/ 0 h 18288"/>
+              <a:gd name="connsiteX8" fmla="*/ 4572000 w 4572000"/>
+              <a:gd name="connsiteY8" fmla="*/ 18288 h 18288"/>
+              <a:gd name="connsiteX9" fmla="*/ 3873137 w 4572000"/>
+              <a:gd name="connsiteY9" fmla="*/ 18288 h 18288"/>
+              <a:gd name="connsiteX10" fmla="*/ 3311434 w 4572000"/>
+              <a:gd name="connsiteY10" fmla="*/ 18288 h 18288"/>
+              <a:gd name="connsiteX11" fmla="*/ 2749731 w 4572000"/>
+              <a:gd name="connsiteY11" fmla="*/ 18288 h 18288"/>
+              <a:gd name="connsiteX12" fmla="*/ 2050869 w 4572000"/>
+              <a:gd name="connsiteY12" fmla="*/ 18288 h 18288"/>
+              <a:gd name="connsiteX13" fmla="*/ 1306286 w 4572000"/>
+              <a:gd name="connsiteY13" fmla="*/ 18288 h 18288"/>
+              <a:gd name="connsiteX14" fmla="*/ 790303 w 4572000"/>
+              <a:gd name="connsiteY14" fmla="*/ 18288 h 18288"/>
+              <a:gd name="connsiteX15" fmla="*/ 0 w 4572000"/>
+              <a:gd name="connsiteY15" fmla="*/ 18288 h 18288"/>
+              <a:gd name="connsiteX16" fmla="*/ 0 w 4572000"/>
+              <a:gd name="connsiteY16" fmla="*/ 0 h 18288"/>
+            </a:gdLst>
+            <a:ahLst/>
+            <a:cxnLst>
+              <a:cxn ang="0">
+                <a:pos x="connsiteX0" y="connsiteY0"/>
+              </a:cxn>
+              <a:cxn ang="0">
+                <a:pos x="connsiteX1" y="connsiteY1"/>
+              </a:cxn>
+              <a:cxn ang="0">
+                <a:pos x="connsiteX2" y="connsiteY2"/>
+              </a:cxn>
+              <a:cxn ang="0">
+                <a:pos x="connsiteX3" y="connsiteY3"/>
+              </a:cxn>
+              <a:cxn ang="0">
+                <a:pos x="connsiteX4" y="connsiteY4"/>
+              </a:cxn>
+              <a:cxn ang="0">
+                <a:pos x="connsiteX5" y="connsiteY5"/>
+              </a:cxn>
+              <a:cxn ang="0">
+                <a:pos x="connsiteX6" y="connsiteY6"/>
+              </a:cxn>
+              <a:cxn ang="0">
+                <a:pos x="connsiteX7" y="connsiteY7"/>
+              </a:cxn>
+              <a:cxn ang="0">
+                <a:pos x="connsiteX8" y="connsiteY8"/>
+              </a:cxn>
+              <a:cxn ang="0">
+                <a:pos x="connsiteX9" y="connsiteY9"/>
+              </a:cxn>
+              <a:cxn ang="0">
+                <a:pos x="connsiteX10" y="connsiteY10"/>
+              </a:cxn>
+              <a:cxn ang="0">
+                <a:pos x="connsiteX11" y="connsiteY11"/>
+              </a:cxn>
+              <a:cxn ang="0">
+                <a:pos x="connsiteX12" y="connsiteY12"/>
+              </a:cxn>
+              <a:cxn ang="0">
+                <a:pos x="connsiteX13" y="connsiteY13"/>
+              </a:cxn>
+              <a:cxn ang="0">
+                <a:pos x="connsiteX14" y="connsiteY14"/>
+              </a:cxn>
+              <a:cxn ang="0">
+                <a:pos x="connsiteX15" y="connsiteY15"/>
+              </a:cxn>
+              <a:cxn ang="0">
+                <a:pos x="connsiteX16" y="connsiteY16"/>
+              </a:cxn>
+            </a:cxnLst>
+            <a:rect l="l" t="t" r="r" b="b"/>
+            <a:pathLst>
+              <a:path w="4572000" h="18288" fill="none" extrusionOk="0">
+                <a:moveTo>
+                  <a:pt x="0" y="0"/>
+                </a:moveTo>
+                <a:cubicBezTo>
+                  <a:pt x="105156" y="-20963"/>
+                  <a:pt x="340432" y="822"/>
+                  <a:pt x="515983" y="0"/>
+                </a:cubicBezTo>
+                <a:cubicBezTo>
+                  <a:pt x="691534" y="-822"/>
+                  <a:pt x="850679" y="16479"/>
+                  <a:pt x="1031966" y="0"/>
+                </a:cubicBezTo>
+                <a:cubicBezTo>
+                  <a:pt x="1213253" y="-16479"/>
+                  <a:pt x="1443646" y="-18730"/>
+                  <a:pt x="1639389" y="0"/>
+                </a:cubicBezTo>
+                <a:cubicBezTo>
+                  <a:pt x="1835132" y="18730"/>
+                  <a:pt x="2159975" y="18531"/>
+                  <a:pt x="2383971" y="0"/>
+                </a:cubicBezTo>
+                <a:cubicBezTo>
+                  <a:pt x="2607967" y="-18531"/>
+                  <a:pt x="2719096" y="-12030"/>
+                  <a:pt x="2945674" y="0"/>
+                </a:cubicBezTo>
+                <a:cubicBezTo>
+                  <a:pt x="3172252" y="12030"/>
+                  <a:pt x="3269167" y="27666"/>
+                  <a:pt x="3507377" y="0"/>
+                </a:cubicBezTo>
+                <a:cubicBezTo>
+                  <a:pt x="3745587" y="-27666"/>
+                  <a:pt x="4116741" y="18705"/>
+                  <a:pt x="4572000" y="0"/>
+                </a:cubicBezTo>
+                <a:cubicBezTo>
+                  <a:pt x="4572895" y="8974"/>
+                  <a:pt x="4571454" y="9359"/>
+                  <a:pt x="4572000" y="18288"/>
+                </a:cubicBezTo>
+                <a:cubicBezTo>
+                  <a:pt x="4374698" y="3942"/>
+                  <a:pt x="4098874" y="-11042"/>
+                  <a:pt x="3873137" y="18288"/>
+                </a:cubicBezTo>
+                <a:cubicBezTo>
+                  <a:pt x="3647400" y="47618"/>
+                  <a:pt x="3517055" y="5421"/>
+                  <a:pt x="3311434" y="18288"/>
+                </a:cubicBezTo>
+                <a:cubicBezTo>
+                  <a:pt x="3105813" y="31155"/>
+                  <a:pt x="3025168" y="17856"/>
+                  <a:pt x="2749731" y="18288"/>
+                </a:cubicBezTo>
+                <a:cubicBezTo>
+                  <a:pt x="2474294" y="18720"/>
+                  <a:pt x="2291766" y="-14168"/>
+                  <a:pt x="2050869" y="18288"/>
+                </a:cubicBezTo>
+                <a:cubicBezTo>
+                  <a:pt x="1809972" y="50744"/>
+                  <a:pt x="1540276" y="46798"/>
+                  <a:pt x="1306286" y="18288"/>
+                </a:cubicBezTo>
+                <a:cubicBezTo>
+                  <a:pt x="1072296" y="-10222"/>
+                  <a:pt x="972445" y="19645"/>
+                  <a:pt x="790303" y="18288"/>
+                </a:cubicBezTo>
+                <a:cubicBezTo>
+                  <a:pt x="608161" y="16931"/>
+                  <a:pt x="200981" y="8241"/>
+                  <a:pt x="0" y="18288"/>
+                </a:cubicBezTo>
+                <a:cubicBezTo>
+                  <a:pt x="-229" y="14222"/>
+                  <a:pt x="509" y="5816"/>
+                  <a:pt x="0" y="0"/>
+                </a:cubicBezTo>
+                <a:close/>
+              </a:path>
+              <a:path w="4572000" h="18288" stroke="0" extrusionOk="0">
+                <a:moveTo>
+                  <a:pt x="0" y="0"/>
+                </a:moveTo>
+                <a:cubicBezTo>
+                  <a:pt x="143285" y="-9565"/>
+                  <a:pt x="327959" y="-11498"/>
+                  <a:pt x="561703" y="0"/>
+                </a:cubicBezTo>
+                <a:cubicBezTo>
+                  <a:pt x="795447" y="11498"/>
+                  <a:pt x="838260" y="18255"/>
+                  <a:pt x="1077686" y="0"/>
+                </a:cubicBezTo>
+                <a:cubicBezTo>
+                  <a:pt x="1317112" y="-18255"/>
+                  <a:pt x="1437472" y="23514"/>
+                  <a:pt x="1639389" y="0"/>
+                </a:cubicBezTo>
+                <a:cubicBezTo>
+                  <a:pt x="1841306" y="-23514"/>
+                  <a:pt x="2037142" y="-12551"/>
+                  <a:pt x="2292531" y="0"/>
+                </a:cubicBezTo>
+                <a:cubicBezTo>
+                  <a:pt x="2547920" y="12551"/>
+                  <a:pt x="2810436" y="-20352"/>
+                  <a:pt x="2991394" y="0"/>
+                </a:cubicBezTo>
+                <a:cubicBezTo>
+                  <a:pt x="3172352" y="20352"/>
+                  <a:pt x="3530025" y="-13347"/>
+                  <a:pt x="3735977" y="0"/>
+                </a:cubicBezTo>
+                <a:cubicBezTo>
+                  <a:pt x="3941929" y="13347"/>
+                  <a:pt x="4161497" y="34086"/>
+                  <a:pt x="4572000" y="0"/>
+                </a:cubicBezTo>
+                <a:cubicBezTo>
+                  <a:pt x="4571545" y="6162"/>
+                  <a:pt x="4571903" y="11775"/>
+                  <a:pt x="4572000" y="18288"/>
+                </a:cubicBezTo>
+                <a:cubicBezTo>
+                  <a:pt x="4228040" y="36490"/>
+                  <a:pt x="4199736" y="42557"/>
+                  <a:pt x="3873137" y="18288"/>
+                </a:cubicBezTo>
+                <a:cubicBezTo>
+                  <a:pt x="3546538" y="-5981"/>
+                  <a:pt x="3472124" y="16809"/>
+                  <a:pt x="3128554" y="18288"/>
+                </a:cubicBezTo>
+                <a:cubicBezTo>
+                  <a:pt x="2784984" y="19767"/>
+                  <a:pt x="2735896" y="-17781"/>
+                  <a:pt x="2383971" y="18288"/>
+                </a:cubicBezTo>
+                <a:cubicBezTo>
+                  <a:pt x="2032046" y="54357"/>
+                  <a:pt x="2019324" y="2920"/>
+                  <a:pt x="1867989" y="18288"/>
+                </a:cubicBezTo>
+                <a:cubicBezTo>
+                  <a:pt x="1716654" y="33656"/>
+                  <a:pt x="1418675" y="32575"/>
+                  <a:pt x="1169126" y="18288"/>
+                </a:cubicBezTo>
+                <a:cubicBezTo>
+                  <a:pt x="919577" y="4001"/>
+                  <a:pt x="798537" y="16165"/>
+                  <a:pt x="561703" y="18288"/>
+                </a:cubicBezTo>
+                <a:cubicBezTo>
+                  <a:pt x="324869" y="20411"/>
+                  <a:pt x="221395" y="-912"/>
+                  <a:pt x="0" y="18288"/>
+                </a:cubicBezTo>
+                <a:cubicBezTo>
+                  <a:pt x="766" y="10800"/>
+                  <a:pt x="-457" y="8180"/>
+                  <a:pt x="0" y="0"/>
+                </a:cubicBezTo>
+                <a:close/>
+              </a:path>
+            </a:pathLst>
+          </a:custGeom>
+          <a:solidFill>
+            <a:schemeClr val="accent2"/>
+          </a:solidFill>
+          <a:ln w="41275" cap="rnd">
+            <a:solidFill>
+              <a:schemeClr val="accent2"/>
+            </a:solidFill>
+            <a:round/>
+            <a:extLst>
+              <a:ext uri="{C807C97D-BFC1-408E-A445-0C87EB9F89A2}">
+                <ask:lineSketchStyleProps xmlns:ask="http://schemas.microsoft.com/office/drawing/2018/sketchyshapes" sd="2727557108">
+                  <a:prstGeom prst="rect">
+                    <a:avLst/>
+                  </a:prstGeom>
+                  <ask:type>
+                    <ask:lineSketchFreehand/>
+                  </ask:type>
+                </ask:lineSketchStyleProps>
+              </a:ext>
+            </a:extLst>
+          </a:ln>
+        </p:spPr>
+        <p:style>
+          <a:lnRef idx="2">
+            <a:schemeClr val="accent1">
+              <a:shade val="50000"/>
+            </a:schemeClr>
+          </a:lnRef>
+          <a:fillRef idx="1">
+            <a:schemeClr val="accent1"/>
+          </a:fillRef>
+          <a:effectRef idx="0">
+            <a:schemeClr val="accent1"/>
+          </a:effectRef>
+          <a:fontRef idx="minor">
+            <a:schemeClr val="lt1"/>
+          </a:fontRef>
+        </p:style>
+        <p:txBody>
+          <a:bodyPr rtlCol="0" anchor="ctr"/>
+          <a:lstStyle/>
+          <a:p>
+            <a:pPr algn="ctr"/>
+            <a:endParaRPr lang="en-US"/>
+          </a:p>
+        </p:txBody>
+      </p:sp>
+      <p:sp>
+        <p:nvSpPr>
+          <p:cNvPr id="4" name="TextBox 3">
+            <a:extLst>
+              <a:ext uri="{FF2B5EF4-FFF2-40B4-BE49-F238E27FC236}">
+                <a16:creationId xmlns:a16="http://schemas.microsoft.com/office/drawing/2014/main" id="{6FA85089-C129-7003-53C0-6F2A9FCF9EC3}"/>
+              </a:ext>
+            </a:extLst>
+          </p:cNvPr>
+          <p:cNvSpPr txBox="1"/>
+          <p:nvPr/>
+        </p:nvSpPr>
+        <p:spPr>
+          <a:xfrm>
+            <a:off x="5288973" y="591670"/>
+            <a:ext cx="1895071" cy="369332"/>
+          </a:xfrm>
+          <a:prstGeom prst="rect">
+            <a:avLst/>
+          </a:prstGeom>
+          <a:noFill/>
+        </p:spPr>
+        <p:txBody>
+          <a:bodyPr wrap="none" rtlCol="0">
+            <a:spAutoFit/>
+          </a:bodyPr>
+          <a:lstStyle/>
+          <a:p>
+            <a:r>
+              <a:rPr lang="en-US" dirty="0">
+                <a:latin typeface="Aharoni" panose="02010803020104030203" pitchFamily="2" charset="-79"/>
+                <a:cs typeface="Aharoni" panose="02010803020104030203" pitchFamily="2" charset="-79"/>
+              </a:rPr>
+              <a:t>A workshop on</a:t>
+            </a:r>
+          </a:p>
+        </p:txBody>
+      </p:sp>
+      <p:pic>
+        <p:nvPicPr>
+          <p:cNvPr id="5" name="Picture 2" descr="MongoDB Launches Advanced Data Management Capabilities to Run ...">
+            <a:extLst>
+              <a:ext uri="{FF2B5EF4-FFF2-40B4-BE49-F238E27FC236}">
+                <a16:creationId xmlns:a16="http://schemas.microsoft.com/office/drawing/2014/main" id="{AB86326E-94BE-0CC5-3F4C-8C0A557A5182}"/>
+              </a:ext>
+            </a:extLst>
+          </p:cNvPr>
+          <p:cNvPicPr>
+            <a:picLocks noChangeAspect="1" noChangeArrowheads="1"/>
+          </p:cNvPicPr>
+          <p:nvPr/>
+        </p:nvPicPr>
+        <p:blipFill>
+          <a:blip r:embed="rId2">
+            <a:extLst>
+              <a:ext uri="{28A0092B-C50C-407E-A947-70E740481C1C}">
+                <a14:useLocalDpi xmlns:a14="http://schemas.microsoft.com/office/drawing/2010/main" val="0"/>
+              </a:ext>
+            </a:extLst>
+          </a:blip>
+          <a:stretch>
+            <a:fillRect/>
+          </a:stretch>
+        </p:blipFill>
+        <p:spPr bwMode="auto">
+          <a:xfrm>
+            <a:off x="3482270" y="1307747"/>
+            <a:ext cx="5222864" cy="2742004"/>
+          </a:xfrm>
+          <a:prstGeom prst="rect">
+            <a:avLst/>
+          </a:prstGeom>
+          <a:noFill/>
+          <a:extLst>
+            <a:ext uri="{909E8E84-426E-40DD-AFC4-6F175D3DCCD1}">
+              <a14:hiddenFill xmlns:a14="http://schemas.microsoft.com/office/drawing/2010/main">
+                <a:solidFill>
+                  <a:srgbClr val="FFFFFF"/>
+                </a:solidFill>
+              </a14:hiddenFill>
+            </a:ext>
+          </a:extLst>
+        </p:spPr>
+      </p:pic>
+    </p:spTree>
+    <p:extLst>
+      <p:ext uri="{BB962C8B-B14F-4D97-AF65-F5344CB8AC3E}">
+        <p14:creationId xmlns:p14="http://schemas.microsoft.com/office/powerpoint/2010/main" val="109857222"/>
+      </p:ext>
+    </p:extLst>
+  </p:cSld>
+  <p:clrMapOvr>
+    <a:masterClrMapping/>
+  </p:clrMapOvr>
+</p:sld>
+</file>
+
+<file path=ppt/slides/slide10.xml><?xml version="1.0" encoding="utf-8"?>
+<p:sld xmlns:a="http://schemas.openxmlformats.org/drawingml/2006/main" xmlns:r="http://schemas.openxmlformats.org/officeDocument/2006/relationships" xmlns:p="http://schemas.openxmlformats.org/presentationml/2006/main">
+  <p:cSld>
+    <p:bg>
+      <p:bgPr>
+        <a:solidFill>
+          <a:schemeClr val="bg1"/>
+        </a:solidFill>
+        <a:effectLst/>
+      </p:bgPr>
+    </p:bg>
+    <p:spTree>
+      <p:nvGrpSpPr>
+        <p:cNvPr id="1" name="">
+          <a:extLst>
+            <a:ext uri="{FF2B5EF4-FFF2-40B4-BE49-F238E27FC236}">
+              <a16:creationId xmlns:a16="http://schemas.microsoft.com/office/drawing/2014/main" id="{672EC5A0-558E-7404-65FB-AAC426274DC7}"/>
+            </a:ext>
+          </a:extLst>
+        </p:cNvPr>
+        <p:cNvGrpSpPr/>
+        <p:nvPr/>
+      </p:nvGrpSpPr>
+      <p:grpSpPr>
+        <a:xfrm>
+          <a:off x="0" y="0"/>
+          <a:ext cx="0" cy="0"/>
+          <a:chOff x="0" y="0"/>
+          <a:chExt cx="0" cy="0"/>
+        </a:xfrm>
+      </p:grpSpPr>
+      <p:sp useBgFill="1">
+        <p:nvSpPr>
+          <p:cNvPr id="9" name="Rectangle 8">
+            <a:extLst>
+              <a:ext uri="{FF2B5EF4-FFF2-40B4-BE49-F238E27FC236}">
+                <a16:creationId xmlns:a16="http://schemas.microsoft.com/office/drawing/2014/main" id="{4BEBE8E4-4FA6-375F-3DAF-70267C7AEF16}"/>
+              </a:ext>
+              <a:ext uri="{C183D7F6-B498-43B3-948B-1728B52AA6E4}">
+                <adec:decorative xmlns:adec="http://schemas.microsoft.com/office/drawing/2017/decorative" val="1"/>
+              </a:ext>
+            </a:extLst>
+          </p:cNvPr>
+          <p:cNvSpPr>
+            <a:spLocks noGrp="1" noRot="1" noChangeAspect="1" noMove="1" noResize="1" noEditPoints="1" noAdjustHandles="1" noChangeArrowheads="1" noChangeShapeType="1" noTextEdit="1"/>
+          </p:cNvSpPr>
+          <p:nvPr>
+            <p:extLst>
+              <p:ext uri="{386F3935-93C4-4BCD-93E2-E3B085C9AB24}">
+                <p16:designElem xmlns:p16="http://schemas.microsoft.com/office/powerpoint/2015/main" val="1"/>
+              </p:ext>
+            </p:extLst>
+          </p:nvPr>
+        </p:nvSpPr>
+        <p:spPr>
+          <a:xfrm>
+            <a:off x="0" y="0"/>
+            <a:ext cx="12191695" cy="6858000"/>
+          </a:xfrm>
+          <a:prstGeom prst="rect">
+            <a:avLst/>
+          </a:prstGeom>
+          <a:ln>
+            <a:noFill/>
+          </a:ln>
+        </p:spPr>
+        <p:style>
+          <a:lnRef idx="2">
+            <a:schemeClr val="accent1">
+              <a:shade val="50000"/>
+            </a:schemeClr>
+          </a:lnRef>
+          <a:fillRef idx="1">
+            <a:schemeClr val="accent1"/>
+          </a:fillRef>
+          <a:effectRef idx="0">
+            <a:schemeClr val="accent1"/>
+          </a:effectRef>
+          <a:fontRef idx="minor">
+            <a:schemeClr val="lt1"/>
+          </a:fontRef>
+        </p:style>
+        <p:txBody>
+          <a:bodyPr rtlCol="0" anchor="ctr"/>
+          <a:lstStyle/>
+          <a:p>
+            <a:pPr algn="ctr"/>
+            <a:endParaRPr lang="en-US"/>
+          </a:p>
+        </p:txBody>
+      </p:sp>
+      <p:sp>
+        <p:nvSpPr>
+          <p:cNvPr id="11" name="Rectangle 10">
+            <a:extLst>
+              <a:ext uri="{FF2B5EF4-FFF2-40B4-BE49-F238E27FC236}">
+                <a16:creationId xmlns:a16="http://schemas.microsoft.com/office/drawing/2014/main" id="{C20121C8-3BF6-D213-A857-06852A96A7F9}"/>
+              </a:ext>
+              <a:ext uri="{C183D7F6-B498-43B3-948B-1728B52AA6E4}">
+                <adec:decorative xmlns:adec="http://schemas.microsoft.com/office/drawing/2017/decorative" val="1"/>
+              </a:ext>
+            </a:extLst>
+          </p:cNvPr>
+          <p:cNvSpPr>
+            <a:spLocks noGrp="1" noRot="1" noChangeAspect="1" noMove="1" noResize="1" noEditPoints="1" noAdjustHandles="1" noChangeArrowheads="1" noChangeShapeType="1" noTextEdit="1"/>
+          </p:cNvSpPr>
+          <p:nvPr>
+            <p:extLst>
+              <p:ext uri="{386F3935-93C4-4BCD-93E2-E3B085C9AB24}">
+                <p16:designElem xmlns:p16="http://schemas.microsoft.com/office/powerpoint/2015/main" val="1"/>
+              </p:ext>
+            </p:extLst>
+          </p:nvPr>
+        </p:nvSpPr>
+        <p:spPr>
+          <a:xfrm>
+            <a:off x="305" y="0"/>
+            <a:ext cx="12191695" cy="6858000"/>
+          </a:xfrm>
+          <a:prstGeom prst="rect">
+            <a:avLst/>
+          </a:prstGeom>
+          <a:solidFill>
+            <a:schemeClr val="bg1"/>
+          </a:solidFill>
+          <a:ln>
+            <a:noFill/>
+          </a:ln>
+        </p:spPr>
+        <p:style>
+          <a:lnRef idx="2">
+            <a:schemeClr val="accent1">
+              <a:shade val="50000"/>
+            </a:schemeClr>
+          </a:lnRef>
+          <a:fillRef idx="1">
+            <a:schemeClr val="accent1"/>
+          </a:fillRef>
+          <a:effectRef idx="0">
+            <a:schemeClr val="accent1"/>
+          </a:effectRef>
+          <a:fontRef idx="minor">
+            <a:schemeClr val="lt1"/>
+          </a:fontRef>
+        </p:style>
+        <p:txBody>
+          <a:bodyPr rtlCol="0" anchor="ctr"/>
+          <a:lstStyle/>
+          <a:p>
+            <a:pPr algn="ctr"/>
+            <a:endParaRPr lang="en-US"/>
+          </a:p>
+        </p:txBody>
+      </p:sp>
+      <p:sp>
+        <p:nvSpPr>
+          <p:cNvPr id="2" name="Title 1">
+            <a:extLst>
+              <a:ext uri="{FF2B5EF4-FFF2-40B4-BE49-F238E27FC236}">
+                <a16:creationId xmlns:a16="http://schemas.microsoft.com/office/drawing/2014/main" id="{40733FC3-3343-9131-9F58-B262B7FA7C39}"/>
+              </a:ext>
+            </a:extLst>
+          </p:cNvPr>
+          <p:cNvSpPr>
+            <a:spLocks noGrp="1"/>
+          </p:cNvSpPr>
+          <p:nvPr>
+            <p:ph type="title"/>
+          </p:nvPr>
+        </p:nvSpPr>
+        <p:spPr>
+          <a:xfrm>
+            <a:off x="804672" y="4267832"/>
+            <a:ext cx="4805996" cy="1297115"/>
+          </a:xfrm>
+        </p:spPr>
+        <p:txBody>
+          <a:bodyPr vert="horz" lIns="91440" tIns="45720" rIns="91440" bIns="45720" rtlCol="0" anchor="t">
+            <a:normAutofit/>
+          </a:bodyPr>
+          <a:lstStyle/>
+          <a:p>
+            <a:r>
+              <a:rPr lang="en-US" sz="4000" kern="1200">
+                <a:solidFill>
+                  <a:schemeClr val="tx2"/>
+                </a:solidFill>
+                <a:latin typeface="+mj-lt"/>
+                <a:ea typeface="+mj-ea"/>
+                <a:cs typeface="+mj-cs"/>
+              </a:rPr>
+              <a:t>Questions ?</a:t>
+            </a:r>
+          </a:p>
+        </p:txBody>
+      </p:sp>
       <p:grpSp>
         <p:nvGrpSpPr>
-          <p:cNvPr id="24" name="Group 23">
+          <p:cNvPr id="13" name="Group 12">
             <a:extLst>
               <a:ext uri="{FF2B5EF4-FFF2-40B4-BE49-F238E27FC236}">
-                <a16:creationId xmlns:a16="http://schemas.microsoft.com/office/drawing/2014/main" id="{3AF6A671-C637-4547-85F4-51B6D1881399}"/>
+                <a16:creationId xmlns:a16="http://schemas.microsoft.com/office/drawing/2014/main" id="{1A877983-FD2C-04B4-56E4-9C69D7639308}"/>
               </a:ext>
               <a:ext uri="{C183D7F6-B498-43B3-948B-1728B52AA6E4}">
                 <adec:decorative xmlns:adec="http://schemas.microsoft.com/office/drawing/2017/decorative" val="1"/>
@@ -3058,71 +3727,19 @@
           </p:nvPr>
         </p:nvGrpSpPr>
         <p:grpSpPr>
-          <a:xfrm rot="16200000">
-            <a:off x="2218698" y="2733627"/>
-            <a:ext cx="1340409" cy="5777807"/>
-            <a:chOff x="329184" y="2"/>
-            <a:chExt cx="524256" cy="5777807"/>
+          <a:xfrm>
+            <a:off x="6101023" y="52996"/>
+            <a:ext cx="6093363" cy="6805005"/>
+            <a:chOff x="6101023" y="52996"/>
+            <a:chExt cx="6093363" cy="6805005"/>
           </a:xfrm>
         </p:grpSpPr>
-        <p:cxnSp>
-          <p:nvCxnSpPr>
-            <p:cNvPr id="25" name="Straight Connector 24">
+        <p:sp>
+          <p:nvSpPr>
+            <p:cNvPr id="14" name="Freeform: Shape 13">
               <a:extLst>
                 <a:ext uri="{FF2B5EF4-FFF2-40B4-BE49-F238E27FC236}">
-                  <a16:creationId xmlns:a16="http://schemas.microsoft.com/office/drawing/2014/main" id="{C575CF26-3D3C-4C5A-A2B7-00432016EF62}"/>
-                </a:ext>
-                <a:ext uri="{C183D7F6-B498-43B3-948B-1728B52AA6E4}">
-                  <adec:decorative xmlns:adec="http://schemas.microsoft.com/office/drawing/2017/decorative" val="1"/>
-                </a:ext>
-              </a:extLst>
-            </p:cNvPr>
-            <p:cNvCxnSpPr>
-              <a:cxnSpLocks/>
-            </p:cNvCxnSpPr>
-            <p:nvPr>
-              <p:extLst>
-                <p:ext uri="{386F3935-93C4-4BCD-93E2-E3B085C9AB24}">
-                  <p16:designElem xmlns:p16="http://schemas.microsoft.com/office/powerpoint/2015/main" val="1"/>
-                </p:ext>
-              </p:extLst>
-            </p:nvPr>
-          </p:nvCxnSpPr>
-          <p:spPr>
-            <a:xfrm flipH="1">
-              <a:off x="329184" y="5777809"/>
-              <a:ext cx="521208" cy="0"/>
-            </a:xfrm>
-            <a:prstGeom prst="line">
-              <a:avLst/>
-            </a:prstGeom>
-            <a:ln w="152400">
-              <a:solidFill>
-                <a:schemeClr val="accent4"/>
-              </a:solidFill>
-            </a:ln>
-          </p:spPr>
-          <p:style>
-            <a:lnRef idx="1">
-              <a:schemeClr val="accent1"/>
-            </a:lnRef>
-            <a:fillRef idx="0">
-              <a:schemeClr val="accent1"/>
-            </a:fillRef>
-            <a:effectRef idx="0">
-              <a:schemeClr val="accent1"/>
-            </a:effectRef>
-            <a:fontRef idx="minor">
-              <a:schemeClr val="tx1"/>
-            </a:fontRef>
-          </p:style>
-        </p:cxnSp>
-        <p:sp>
-          <p:nvSpPr>
-            <p:cNvPr id="26" name="Rectangle 25">
-              <a:extLst>
-                <a:ext uri="{FF2B5EF4-FFF2-40B4-BE49-F238E27FC236}">
-                  <a16:creationId xmlns:a16="http://schemas.microsoft.com/office/drawing/2014/main" id="{99413ED5-9ED4-4772-BCE4-2BCAE6B12E35}"/>
+                  <a16:creationId xmlns:a16="http://schemas.microsoft.com/office/drawing/2014/main" id="{02C8AD0D-D5A5-D83A-0C04-C5FFB4683235}"/>
                 </a:ext>
                 <a:ext uri="{C183D7F6-B498-43B3-948B-1728B52AA6E4}">
                   <adec:decorative xmlns:adec="http://schemas.microsoft.com/office/drawing/2017/decorative" val="1"/>
@@ -3140,15 +3757,3169 @@
           </p:nvSpPr>
           <p:spPr>
             <a:xfrm>
-              <a:off x="329184" y="2"/>
-              <a:ext cx="524256" cy="5666779"/>
+              <a:off x="6101024" y="52997"/>
+              <a:ext cx="6093362" cy="6805004"/>
             </a:xfrm>
-            <a:prstGeom prst="rect">
+            <a:custGeom>
               <a:avLst/>
-            </a:prstGeom>
-            <a:solidFill>
-              <a:schemeClr val="accent4"/>
-            </a:solidFill>
+              <a:gdLst>
+                <a:gd name="connsiteX0" fmla="*/ 3517682 w 5890490"/>
+                <a:gd name="connsiteY0" fmla="*/ 0 h 6578439"/>
+                <a:gd name="connsiteX1" fmla="*/ 5849513 w 5890490"/>
+                <a:gd name="connsiteY1" fmla="*/ 841730 h 6578439"/>
+                <a:gd name="connsiteX2" fmla="*/ 5890490 w 5890490"/>
+                <a:gd name="connsiteY2" fmla="*/ 879060 h 6578439"/>
+                <a:gd name="connsiteX3" fmla="*/ 5890490 w 5890490"/>
+                <a:gd name="connsiteY3" fmla="*/ 1816052 h 6578439"/>
+                <a:gd name="connsiteX4" fmla="*/ 5856961 w 5890490"/>
+                <a:gd name="connsiteY4" fmla="*/ 1771023 h 6578439"/>
+                <a:gd name="connsiteX5" fmla="*/ 5655397 w 5890490"/>
+                <a:gd name="connsiteY5" fmla="*/ 1548813 h 6578439"/>
+                <a:gd name="connsiteX6" fmla="*/ 3517682 w 5890490"/>
+                <a:gd name="connsiteY6" fmla="*/ 658717 h 6578439"/>
+                <a:gd name="connsiteX7" fmla="*/ 2395696 w 5890490"/>
+                <a:gd name="connsiteY7" fmla="*/ 850721 h 6578439"/>
+                <a:gd name="connsiteX8" fmla="*/ 1519955 w 5890490"/>
+                <a:gd name="connsiteY8" fmla="*/ 1450441 h 6578439"/>
+                <a:gd name="connsiteX9" fmla="*/ 1223630 w 5890490"/>
+                <a:gd name="connsiteY9" fmla="*/ 1841430 h 6578439"/>
+                <a:gd name="connsiteX10" fmla="*/ 1075857 w 5890490"/>
+                <a:gd name="connsiteY10" fmla="*/ 2329343 h 6578439"/>
+                <a:gd name="connsiteX11" fmla="*/ 731010 w 5890490"/>
+                <a:gd name="connsiteY11" fmla="*/ 3483744 h 6578439"/>
+                <a:gd name="connsiteX12" fmla="*/ 741000 w 5890490"/>
+                <a:gd name="connsiteY12" fmla="*/ 4479719 h 6578439"/>
+                <a:gd name="connsiteX13" fmla="*/ 1315615 w 5890490"/>
+                <a:gd name="connsiteY13" fmla="*/ 5443827 h 6578439"/>
+                <a:gd name="connsiteX14" fmla="*/ 2277503 w 5890490"/>
+                <a:gd name="connsiteY14" fmla="*/ 6259386 h 6578439"/>
+                <a:gd name="connsiteX15" fmla="*/ 3439448 w 5890490"/>
+                <a:gd name="connsiteY15" fmla="*/ 6551739 h 6578439"/>
+                <a:gd name="connsiteX16" fmla="*/ 4408732 w 5890490"/>
+                <a:gd name="connsiteY16" fmla="*/ 6255172 h 6578439"/>
+                <a:gd name="connsiteX17" fmla="*/ 5343243 w 5890490"/>
+                <a:gd name="connsiteY17" fmla="*/ 5442509 h 6578439"/>
+                <a:gd name="connsiteX18" fmla="*/ 5745566 w 5890490"/>
+                <a:gd name="connsiteY18" fmla="*/ 5056656 h 6578439"/>
+                <a:gd name="connsiteX19" fmla="*/ 5890490 w 5890490"/>
+                <a:gd name="connsiteY19" fmla="*/ 4920880 h 6578439"/>
+                <a:gd name="connsiteX20" fmla="*/ 5890490 w 5890490"/>
+                <a:gd name="connsiteY20" fmla="*/ 5821966 h 6578439"/>
+                <a:gd name="connsiteX21" fmla="*/ 5802002 w 5890490"/>
+                <a:gd name="connsiteY21" fmla="*/ 5907904 h 6578439"/>
+                <a:gd name="connsiteX22" fmla="*/ 5294358 w 5890490"/>
+                <a:gd name="connsiteY22" fmla="*/ 6397505 h 6578439"/>
+                <a:gd name="connsiteX23" fmla="*/ 5077178 w 5890490"/>
+                <a:gd name="connsiteY23" fmla="*/ 6578439 h 6578439"/>
+                <a:gd name="connsiteX24" fmla="*/ 1567290 w 5890490"/>
+                <a:gd name="connsiteY24" fmla="*/ 6578439 h 6578439"/>
+                <a:gd name="connsiteX25" fmla="*/ 1508588 w 5890490"/>
+                <a:gd name="connsiteY25" fmla="*/ 6535186 h 6578439"/>
+                <a:gd name="connsiteX26" fmla="*/ 826498 w 5890490"/>
+                <a:gd name="connsiteY26" fmla="*/ 5876034 h 6578439"/>
+                <a:gd name="connsiteX27" fmla="*/ 122403 w 5890490"/>
+                <a:gd name="connsiteY27" fmla="*/ 3255655 h 6578439"/>
+                <a:gd name="connsiteX28" fmla="*/ 1061197 w 5890490"/>
+                <a:gd name="connsiteY28" fmla="*/ 984650 h 6578439"/>
+                <a:gd name="connsiteX29" fmla="*/ 3517682 w 5890490"/>
+                <a:gd name="connsiteY29" fmla="*/ 0 h 6578439"/>
+              </a:gdLst>
+              <a:ahLst/>
+              <a:cxnLst>
+                <a:cxn ang="0">
+                  <a:pos x="connsiteX0" y="connsiteY0"/>
+                </a:cxn>
+                <a:cxn ang="0">
+                  <a:pos x="connsiteX1" y="connsiteY1"/>
+                </a:cxn>
+                <a:cxn ang="0">
+                  <a:pos x="connsiteX2" y="connsiteY2"/>
+                </a:cxn>
+                <a:cxn ang="0">
+                  <a:pos x="connsiteX3" y="connsiteY3"/>
+                </a:cxn>
+                <a:cxn ang="0">
+                  <a:pos x="connsiteX4" y="connsiteY4"/>
+                </a:cxn>
+                <a:cxn ang="0">
+                  <a:pos x="connsiteX5" y="connsiteY5"/>
+                </a:cxn>
+                <a:cxn ang="0">
+                  <a:pos x="connsiteX6" y="connsiteY6"/>
+                </a:cxn>
+                <a:cxn ang="0">
+                  <a:pos x="connsiteX7" y="connsiteY7"/>
+                </a:cxn>
+                <a:cxn ang="0">
+                  <a:pos x="connsiteX8" y="connsiteY8"/>
+                </a:cxn>
+                <a:cxn ang="0">
+                  <a:pos x="connsiteX9" y="connsiteY9"/>
+                </a:cxn>
+                <a:cxn ang="0">
+                  <a:pos x="connsiteX10" y="connsiteY10"/>
+                </a:cxn>
+                <a:cxn ang="0">
+                  <a:pos x="connsiteX11" y="connsiteY11"/>
+                </a:cxn>
+                <a:cxn ang="0">
+                  <a:pos x="connsiteX12" y="connsiteY12"/>
+                </a:cxn>
+                <a:cxn ang="0">
+                  <a:pos x="connsiteX13" y="connsiteY13"/>
+                </a:cxn>
+                <a:cxn ang="0">
+                  <a:pos x="connsiteX14" y="connsiteY14"/>
+                </a:cxn>
+                <a:cxn ang="0">
+                  <a:pos x="connsiteX15" y="connsiteY15"/>
+                </a:cxn>
+                <a:cxn ang="0">
+                  <a:pos x="connsiteX16" y="connsiteY16"/>
+                </a:cxn>
+                <a:cxn ang="0">
+                  <a:pos x="connsiteX17" y="connsiteY17"/>
+                </a:cxn>
+                <a:cxn ang="0">
+                  <a:pos x="connsiteX18" y="connsiteY18"/>
+                </a:cxn>
+                <a:cxn ang="0">
+                  <a:pos x="connsiteX19" y="connsiteY19"/>
+                </a:cxn>
+                <a:cxn ang="0">
+                  <a:pos x="connsiteX20" y="connsiteY20"/>
+                </a:cxn>
+                <a:cxn ang="0">
+                  <a:pos x="connsiteX21" y="connsiteY21"/>
+                </a:cxn>
+                <a:cxn ang="0">
+                  <a:pos x="connsiteX22" y="connsiteY22"/>
+                </a:cxn>
+                <a:cxn ang="0">
+                  <a:pos x="connsiteX23" y="connsiteY23"/>
+                </a:cxn>
+                <a:cxn ang="0">
+                  <a:pos x="connsiteX24" y="connsiteY24"/>
+                </a:cxn>
+                <a:cxn ang="0">
+                  <a:pos x="connsiteX25" y="connsiteY25"/>
+                </a:cxn>
+                <a:cxn ang="0">
+                  <a:pos x="connsiteX26" y="connsiteY26"/>
+                </a:cxn>
+                <a:cxn ang="0">
+                  <a:pos x="connsiteX27" y="connsiteY27"/>
+                </a:cxn>
+                <a:cxn ang="0">
+                  <a:pos x="connsiteX28" y="connsiteY28"/>
+                </a:cxn>
+                <a:cxn ang="0">
+                  <a:pos x="connsiteX29" y="connsiteY29"/>
+                </a:cxn>
+              </a:cxnLst>
+              <a:rect l="l" t="t" r="r" b="b"/>
+              <a:pathLst>
+                <a:path w="5890490" h="6578439">
+                  <a:moveTo>
+                    <a:pt x="3517682" y="0"/>
+                  </a:moveTo>
+                  <a:cubicBezTo>
+                    <a:pt x="4402016" y="0"/>
+                    <a:pt x="5213741" y="315483"/>
+                    <a:pt x="5849513" y="841730"/>
+                  </a:cubicBezTo>
+                  <a:lnTo>
+                    <a:pt x="5890490" y="879060"/>
+                  </a:lnTo>
+                  <a:lnTo>
+                    <a:pt x="5890490" y="1816052"/>
+                  </a:lnTo>
+                  <a:lnTo>
+                    <a:pt x="5856961" y="1771023"/>
+                  </a:lnTo>
+                  <a:cubicBezTo>
+                    <a:pt x="5793650" y="1694076"/>
+                    <a:pt x="5726429" y="1619959"/>
+                    <a:pt x="5655397" y="1548813"/>
+                  </a:cubicBezTo>
+                  <a:cubicBezTo>
+                    <a:pt x="5082208" y="974906"/>
+                    <a:pt x="4322973" y="658717"/>
+                    <a:pt x="3517682" y="658717"/>
+                  </a:cubicBezTo>
+                  <a:cubicBezTo>
+                    <a:pt x="3085520" y="658717"/>
+                    <a:pt x="2718488" y="721533"/>
+                    <a:pt x="2395696" y="850721"/>
+                  </a:cubicBezTo>
+                  <a:cubicBezTo>
+                    <a:pt x="2079132" y="977407"/>
+                    <a:pt x="1792668" y="1173626"/>
+                    <a:pt x="1519955" y="1450441"/>
+                  </a:cubicBezTo>
+                  <a:cubicBezTo>
+                    <a:pt x="1330275" y="1642840"/>
+                    <a:pt x="1263719" y="1756094"/>
+                    <a:pt x="1223630" y="1841430"/>
+                  </a:cubicBezTo>
+                  <a:cubicBezTo>
+                    <a:pt x="1166545" y="1962981"/>
+                    <a:pt x="1128532" y="2116663"/>
+                    <a:pt x="1075857" y="2329343"/>
+                  </a:cubicBezTo>
+                  <a:cubicBezTo>
+                    <a:pt x="1008652" y="2601153"/>
+                    <a:pt x="916537" y="2973574"/>
+                    <a:pt x="731010" y="3483744"/>
+                  </a:cubicBezTo>
+                  <a:cubicBezTo>
+                    <a:pt x="617488" y="3795981"/>
+                    <a:pt x="620731" y="4121653"/>
+                    <a:pt x="741000" y="4479719"/>
+                  </a:cubicBezTo>
+                  <a:cubicBezTo>
+                    <a:pt x="847257" y="4796172"/>
+                    <a:pt x="1045888" y="5129481"/>
+                    <a:pt x="1315615" y="5443827"/>
+                  </a:cubicBezTo>
+                  <a:cubicBezTo>
+                    <a:pt x="1630753" y="5810980"/>
+                    <a:pt x="1945371" y="6077784"/>
+                    <a:pt x="2277503" y="6259386"/>
+                  </a:cubicBezTo>
+                  <a:cubicBezTo>
+                    <a:pt x="2637530" y="6456133"/>
+                    <a:pt x="3017536" y="6551739"/>
+                    <a:pt x="3439448" y="6551739"/>
+                  </a:cubicBezTo>
+                  <a:cubicBezTo>
+                    <a:pt x="3781571" y="6551739"/>
+                    <a:pt x="4089573" y="6457449"/>
+                    <a:pt x="4408732" y="6255172"/>
+                  </a:cubicBezTo>
+                  <a:cubicBezTo>
+                    <a:pt x="4738010" y="6046310"/>
+                    <a:pt x="5050941" y="5739207"/>
+                    <a:pt x="5343243" y="5442509"/>
+                  </a:cubicBezTo>
+                  <a:cubicBezTo>
+                    <a:pt x="5479860" y="5303970"/>
+                    <a:pt x="5614918" y="5178206"/>
+                    <a:pt x="5745566" y="5056656"/>
+                  </a:cubicBezTo>
+                  <a:lnTo>
+                    <a:pt x="5890490" y="4920880"/>
+                  </a:lnTo>
+                  <a:lnTo>
+                    <a:pt x="5890490" y="5821966"/>
+                  </a:lnTo>
+                  <a:lnTo>
+                    <a:pt x="5802002" y="5907904"/>
+                  </a:lnTo>
+                  <a:cubicBezTo>
+                    <a:pt x="5634962" y="6077456"/>
+                    <a:pt x="5467509" y="6243625"/>
+                    <a:pt x="5294358" y="6397505"/>
+                  </a:cubicBezTo>
+                  <a:lnTo>
+                    <a:pt x="5077178" y="6578439"/>
+                  </a:lnTo>
+                  <a:lnTo>
+                    <a:pt x="1567290" y="6578439"/>
+                  </a:lnTo>
+                  <a:lnTo>
+                    <a:pt x="1508588" y="6535186"/>
+                  </a:lnTo>
+                  <a:cubicBezTo>
+                    <a:pt x="1263991" y="6345442"/>
+                    <a:pt x="1038054" y="6122666"/>
+                    <a:pt x="826498" y="5876034"/>
+                  </a:cubicBezTo>
+                  <a:cubicBezTo>
+                    <a:pt x="261613" y="5217713"/>
+                    <a:pt x="-239182" y="4250314"/>
+                    <a:pt x="122403" y="3255655"/>
+                  </a:cubicBezTo>
+                  <a:cubicBezTo>
+                    <a:pt x="607497" y="1921629"/>
+                    <a:pt x="393040" y="1662857"/>
+                    <a:pt x="1061197" y="984650"/>
+                  </a:cubicBezTo>
+                  <a:cubicBezTo>
+                    <a:pt x="1729484" y="306444"/>
+                    <a:pt x="2498060" y="0"/>
+                    <a:pt x="3517682" y="0"/>
+                  </a:cubicBezTo>
+                  <a:close/>
+                </a:path>
+              </a:pathLst>
+            </a:custGeom>
+            <a:gradFill flip="none" rotWithShape="1">
+              <a:gsLst>
+                <a:gs pos="2000">
+                  <a:schemeClr val="bg1">
+                    <a:alpha val="10000"/>
+                  </a:schemeClr>
+                </a:gs>
+                <a:gs pos="16000">
+                  <a:schemeClr val="accent6">
+                    <a:alpha val="5000"/>
+                  </a:schemeClr>
+                </a:gs>
+                <a:gs pos="100000">
+                  <a:schemeClr val="bg1">
+                    <a:alpha val="10000"/>
+                  </a:schemeClr>
+                </a:gs>
+                <a:gs pos="85000">
+                  <a:schemeClr val="accent1">
+                    <a:alpha val="5000"/>
+                  </a:schemeClr>
+                </a:gs>
+              </a:gsLst>
+              <a:lin ang="12000000" scaled="0"/>
+              <a:tileRect/>
+            </a:gradFill>
+            <a:ln>
+              <a:noFill/>
+            </a:ln>
+          </p:spPr>
+          <p:style>
+            <a:lnRef idx="2">
+              <a:schemeClr val="accent1">
+                <a:shade val="50000"/>
+              </a:schemeClr>
+            </a:lnRef>
+            <a:fillRef idx="1">
+              <a:schemeClr val="accent1"/>
+            </a:fillRef>
+            <a:effectRef idx="0">
+              <a:schemeClr val="accent1"/>
+            </a:effectRef>
+            <a:fontRef idx="minor">
+              <a:schemeClr val="lt1"/>
+            </a:fontRef>
+          </p:style>
+          <p:txBody>
+            <a:bodyPr rtlCol="0" anchor="ctr"/>
+            <a:lstStyle/>
+            <a:p>
+              <a:pPr algn="ctr"/>
+              <a:endParaRPr lang="en-US"/>
+            </a:p>
+          </p:txBody>
+        </p:sp>
+        <p:sp>
+          <p:nvSpPr>
+            <p:cNvPr id="15" name="Freeform: Shape 14">
+              <a:extLst>
+                <a:ext uri="{FF2B5EF4-FFF2-40B4-BE49-F238E27FC236}">
+                  <a16:creationId xmlns:a16="http://schemas.microsoft.com/office/drawing/2014/main" id="{4D1B5AD0-C659-CC94-D3AC-1DEA05BE3172}"/>
+                </a:ext>
+                <a:ext uri="{C183D7F6-B498-43B3-948B-1728B52AA6E4}">
+                  <adec:decorative xmlns:adec="http://schemas.microsoft.com/office/drawing/2017/decorative" val="1"/>
+                </a:ext>
+              </a:extLst>
+            </p:cNvPr>
+            <p:cNvSpPr/>
+            <p:nvPr>
+              <p:extLst>
+                <p:ext uri="{386F3935-93C4-4BCD-93E2-E3B085C9AB24}">
+                  <p16:designElem xmlns:p16="http://schemas.microsoft.com/office/powerpoint/2015/main" val="1"/>
+                </p:ext>
+              </p:extLst>
+            </p:nvPr>
+          </p:nvSpPr>
+          <p:spPr>
+            <a:xfrm>
+              <a:off x="6101025" y="52996"/>
+              <a:ext cx="6093361" cy="6805003"/>
+            </a:xfrm>
+            <a:custGeom>
+              <a:avLst/>
+              <a:gdLst>
+                <a:gd name="connsiteX0" fmla="*/ 3391253 w 5890489"/>
+                <a:gd name="connsiteY0" fmla="*/ 0 h 6578438"/>
+                <a:gd name="connsiteX1" fmla="*/ 3434974 w 5890489"/>
+                <a:gd name="connsiteY1" fmla="*/ 646 h 6578438"/>
+                <a:gd name="connsiteX2" fmla="*/ 3522419 w 5890489"/>
+                <a:gd name="connsiteY2" fmla="*/ 2712 h 6578438"/>
+                <a:gd name="connsiteX3" fmla="*/ 3610261 w 5890489"/>
+                <a:gd name="connsiteY3" fmla="*/ 6458 h 6578438"/>
+                <a:gd name="connsiteX4" fmla="*/ 3786872 w 5890489"/>
+                <a:gd name="connsiteY4" fmla="*/ 20667 h 6578438"/>
+                <a:gd name="connsiteX5" fmla="*/ 3962291 w 5890489"/>
+                <a:gd name="connsiteY5" fmla="*/ 43530 h 6578438"/>
+                <a:gd name="connsiteX6" fmla="*/ 4135855 w 5890489"/>
+                <a:gd name="connsiteY6" fmla="*/ 75176 h 6578438"/>
+                <a:gd name="connsiteX7" fmla="*/ 4307299 w 5890489"/>
+                <a:gd name="connsiteY7" fmla="*/ 114315 h 6578438"/>
+                <a:gd name="connsiteX8" fmla="*/ 4476358 w 5890489"/>
+                <a:gd name="connsiteY8" fmla="*/ 160816 h 6578438"/>
+                <a:gd name="connsiteX9" fmla="*/ 4559829 w 5890489"/>
+                <a:gd name="connsiteY9" fmla="*/ 186779 h 6578438"/>
+                <a:gd name="connsiteX10" fmla="*/ 4642901 w 5890489"/>
+                <a:gd name="connsiteY10" fmla="*/ 213648 h 6578438"/>
+                <a:gd name="connsiteX11" fmla="*/ 5280847 w 5890489"/>
+                <a:gd name="connsiteY11" fmla="*/ 485936 h 6578438"/>
+                <a:gd name="connsiteX12" fmla="*/ 5865400 w 5890489"/>
+                <a:gd name="connsiteY12" fmla="*/ 851099 h 6578438"/>
+                <a:gd name="connsiteX13" fmla="*/ 5890489 w 5890489"/>
+                <a:gd name="connsiteY13" fmla="*/ 870950 h 6578438"/>
+                <a:gd name="connsiteX14" fmla="*/ 5890489 w 5890489"/>
+                <a:gd name="connsiteY14" fmla="*/ 1321814 h 6578438"/>
+                <a:gd name="connsiteX15" fmla="*/ 5887395 w 5890489"/>
+                <a:gd name="connsiteY15" fmla="*/ 1318952 h 6578438"/>
+                <a:gd name="connsiteX16" fmla="*/ 5830291 w 5890489"/>
+                <a:gd name="connsiteY16" fmla="*/ 1265992 h 6578438"/>
+                <a:gd name="connsiteX17" fmla="*/ 5815981 w 5890489"/>
+                <a:gd name="connsiteY17" fmla="*/ 1252687 h 6578438"/>
+                <a:gd name="connsiteX18" fmla="*/ 5801142 w 5890489"/>
+                <a:gd name="connsiteY18" fmla="*/ 1240158 h 6578438"/>
+                <a:gd name="connsiteX19" fmla="*/ 5771464 w 5890489"/>
+                <a:gd name="connsiteY19" fmla="*/ 1214969 h 6578438"/>
+                <a:gd name="connsiteX20" fmla="*/ 5651030 w 5890489"/>
+                <a:gd name="connsiteY20" fmla="*/ 1115767 h 6578438"/>
+                <a:gd name="connsiteX21" fmla="*/ 5123183 w 5890489"/>
+                <a:gd name="connsiteY21" fmla="*/ 780443 h 6578438"/>
+                <a:gd name="connsiteX22" fmla="*/ 4533860 w 5890489"/>
+                <a:gd name="connsiteY22" fmla="*/ 567701 h 6578438"/>
+                <a:gd name="connsiteX23" fmla="*/ 4457281 w 5890489"/>
+                <a:gd name="connsiteY23" fmla="*/ 550780 h 6578438"/>
+                <a:gd name="connsiteX24" fmla="*/ 4380568 w 5890489"/>
+                <a:gd name="connsiteY24" fmla="*/ 535279 h 6578438"/>
+                <a:gd name="connsiteX25" fmla="*/ 4303325 w 5890489"/>
+                <a:gd name="connsiteY25" fmla="*/ 522879 h 6578438"/>
+                <a:gd name="connsiteX26" fmla="*/ 4264769 w 5890489"/>
+                <a:gd name="connsiteY26" fmla="*/ 516679 h 6578438"/>
+                <a:gd name="connsiteX27" fmla="*/ 4226082 w 5890489"/>
+                <a:gd name="connsiteY27" fmla="*/ 511253 h 6578438"/>
+                <a:gd name="connsiteX28" fmla="*/ 4070934 w 5890489"/>
+                <a:gd name="connsiteY28" fmla="*/ 494848 h 6578438"/>
+                <a:gd name="connsiteX29" fmla="*/ 3915521 w 5890489"/>
+                <a:gd name="connsiteY29" fmla="*/ 486065 h 6578438"/>
+                <a:gd name="connsiteX30" fmla="*/ 3760241 w 5890489"/>
+                <a:gd name="connsiteY30" fmla="*/ 484257 h 6578438"/>
+                <a:gd name="connsiteX31" fmla="*/ 3682734 w 5890489"/>
+                <a:gd name="connsiteY31" fmla="*/ 486581 h 6578438"/>
+                <a:gd name="connsiteX32" fmla="*/ 3605491 w 5890489"/>
+                <a:gd name="connsiteY32" fmla="*/ 488907 h 6578438"/>
+                <a:gd name="connsiteX33" fmla="*/ 3527454 w 5890489"/>
+                <a:gd name="connsiteY33" fmla="*/ 493169 h 6578438"/>
+                <a:gd name="connsiteX34" fmla="*/ 3449151 w 5890489"/>
+                <a:gd name="connsiteY34" fmla="*/ 498336 h 6578438"/>
+                <a:gd name="connsiteX35" fmla="*/ 3410067 w 5890489"/>
+                <a:gd name="connsiteY35" fmla="*/ 500532 h 6578438"/>
+                <a:gd name="connsiteX36" fmla="*/ 3371246 w 5890489"/>
+                <a:gd name="connsiteY36" fmla="*/ 504279 h 6578438"/>
+                <a:gd name="connsiteX37" fmla="*/ 3293739 w 5890489"/>
+                <a:gd name="connsiteY37" fmla="*/ 511512 h 6578438"/>
+                <a:gd name="connsiteX38" fmla="*/ 2689445 w 5890489"/>
+                <a:gd name="connsiteY38" fmla="*/ 610198 h 6578438"/>
+                <a:gd name="connsiteX39" fmla="*/ 2117875 w 5890489"/>
+                <a:gd name="connsiteY39" fmla="*/ 800335 h 6578438"/>
+                <a:gd name="connsiteX40" fmla="*/ 1981276 w 5890489"/>
+                <a:gd name="connsiteY40" fmla="*/ 865566 h 6578438"/>
+                <a:gd name="connsiteX41" fmla="*/ 1847991 w 5890489"/>
+                <a:gd name="connsiteY41" fmla="*/ 938676 h 6578438"/>
+                <a:gd name="connsiteX42" fmla="*/ 1783069 w 5890489"/>
+                <a:gd name="connsiteY42" fmla="*/ 978718 h 6578438"/>
+                <a:gd name="connsiteX43" fmla="*/ 1750609 w 5890489"/>
+                <a:gd name="connsiteY43" fmla="*/ 998869 h 6578438"/>
+                <a:gd name="connsiteX44" fmla="*/ 1734312 w 5890489"/>
+                <a:gd name="connsiteY44" fmla="*/ 1008945 h 6578438"/>
+                <a:gd name="connsiteX45" fmla="*/ 1718547 w 5890489"/>
+                <a:gd name="connsiteY45" fmla="*/ 1019924 h 6578438"/>
+                <a:gd name="connsiteX46" fmla="*/ 1655481 w 5890489"/>
+                <a:gd name="connsiteY46" fmla="*/ 1063582 h 6578438"/>
+                <a:gd name="connsiteX47" fmla="*/ 1593077 w 5890489"/>
+                <a:gd name="connsiteY47" fmla="*/ 1108664 h 6578438"/>
+                <a:gd name="connsiteX48" fmla="*/ 1532263 w 5890489"/>
+                <a:gd name="connsiteY48" fmla="*/ 1156197 h 6578438"/>
+                <a:gd name="connsiteX49" fmla="*/ 1472509 w 5890489"/>
+                <a:gd name="connsiteY49" fmla="*/ 1205152 h 6578438"/>
+                <a:gd name="connsiteX50" fmla="*/ 1414212 w 5890489"/>
+                <a:gd name="connsiteY50" fmla="*/ 1256175 h 6578438"/>
+                <a:gd name="connsiteX51" fmla="*/ 1357242 w 5890489"/>
+                <a:gd name="connsiteY51" fmla="*/ 1308359 h 6578438"/>
+                <a:gd name="connsiteX52" fmla="*/ 1153072 w 5890489"/>
+                <a:gd name="connsiteY52" fmla="*/ 1529498 h 6578438"/>
+                <a:gd name="connsiteX53" fmla="*/ 1002694 w 5890489"/>
+                <a:gd name="connsiteY53" fmla="*/ 1770658 h 6578438"/>
+                <a:gd name="connsiteX54" fmla="*/ 974076 w 5890489"/>
+                <a:gd name="connsiteY54" fmla="*/ 1835371 h 6578438"/>
+                <a:gd name="connsiteX55" fmla="*/ 949564 w 5890489"/>
+                <a:gd name="connsiteY55" fmla="*/ 1903573 h 6578438"/>
+                <a:gd name="connsiteX56" fmla="*/ 927173 w 5890489"/>
+                <a:gd name="connsiteY56" fmla="*/ 1974229 h 6578438"/>
+                <a:gd name="connsiteX57" fmla="*/ 906107 w 5890489"/>
+                <a:gd name="connsiteY57" fmla="*/ 2046952 h 6578438"/>
+                <a:gd name="connsiteX58" fmla="*/ 751092 w 5890489"/>
+                <a:gd name="connsiteY58" fmla="*/ 2676266 h 6578438"/>
+                <a:gd name="connsiteX59" fmla="*/ 547189 w 5890489"/>
+                <a:gd name="connsiteY59" fmla="*/ 3308422 h 6578438"/>
+                <a:gd name="connsiteX60" fmla="*/ 441195 w 5890489"/>
+                <a:gd name="connsiteY60" fmla="*/ 3866306 h 6578438"/>
+                <a:gd name="connsiteX61" fmla="*/ 527182 w 5890489"/>
+                <a:gd name="connsiteY61" fmla="*/ 4439174 h 6578438"/>
+                <a:gd name="connsiteX62" fmla="*/ 775073 w 5890489"/>
+                <a:gd name="connsiteY62" fmla="*/ 4987240 h 6578438"/>
+                <a:gd name="connsiteX63" fmla="*/ 943206 w 5890489"/>
+                <a:gd name="connsiteY63" fmla="*/ 5244933 h 6578438"/>
+                <a:gd name="connsiteX64" fmla="*/ 1133728 w 5890489"/>
+                <a:gd name="connsiteY64" fmla="*/ 5490356 h 6578438"/>
+                <a:gd name="connsiteX65" fmla="*/ 1359626 w 5890489"/>
+                <a:gd name="connsiteY65" fmla="*/ 5709815 h 6578438"/>
+                <a:gd name="connsiteX66" fmla="*/ 1481254 w 5890489"/>
+                <a:gd name="connsiteY66" fmla="*/ 5809146 h 6578438"/>
+                <a:gd name="connsiteX67" fmla="*/ 1543260 w 5890489"/>
+                <a:gd name="connsiteY67" fmla="*/ 5856940 h 6578438"/>
+                <a:gd name="connsiteX68" fmla="*/ 1607518 w 5890489"/>
+                <a:gd name="connsiteY68" fmla="*/ 5901374 h 6578438"/>
+                <a:gd name="connsiteX69" fmla="*/ 2145566 w 5890489"/>
+                <a:gd name="connsiteY69" fmla="*/ 6193814 h 6578438"/>
+                <a:gd name="connsiteX70" fmla="*/ 2214991 w 5890489"/>
+                <a:gd name="connsiteY70" fmla="*/ 6221844 h 6578438"/>
+                <a:gd name="connsiteX71" fmla="*/ 2249307 w 5890489"/>
+                <a:gd name="connsiteY71" fmla="*/ 6236182 h 6578438"/>
+                <a:gd name="connsiteX72" fmla="*/ 2284285 w 5890489"/>
+                <a:gd name="connsiteY72" fmla="*/ 6248711 h 6578438"/>
+                <a:gd name="connsiteX73" fmla="*/ 2354241 w 5890489"/>
+                <a:gd name="connsiteY73" fmla="*/ 6273124 h 6578438"/>
+                <a:gd name="connsiteX74" fmla="*/ 2371597 w 5890489"/>
+                <a:gd name="connsiteY74" fmla="*/ 6279324 h 6578438"/>
+                <a:gd name="connsiteX75" fmla="*/ 2387894 w 5890489"/>
+                <a:gd name="connsiteY75" fmla="*/ 6287719 h 6578438"/>
+                <a:gd name="connsiteX76" fmla="*/ 2421414 w 5890489"/>
+                <a:gd name="connsiteY76" fmla="*/ 6302186 h 6578438"/>
+                <a:gd name="connsiteX77" fmla="*/ 2489117 w 5890489"/>
+                <a:gd name="connsiteY77" fmla="*/ 6329441 h 6578438"/>
+                <a:gd name="connsiteX78" fmla="*/ 2522902 w 5890489"/>
+                <a:gd name="connsiteY78" fmla="*/ 6343134 h 6578438"/>
+                <a:gd name="connsiteX79" fmla="*/ 2556953 w 5890489"/>
+                <a:gd name="connsiteY79" fmla="*/ 6356051 h 6578438"/>
+                <a:gd name="connsiteX80" fmla="*/ 2695009 w 5890489"/>
+                <a:gd name="connsiteY80" fmla="*/ 6401905 h 6578438"/>
+                <a:gd name="connsiteX81" fmla="*/ 3268035 w 5890489"/>
+                <a:gd name="connsiteY81" fmla="*/ 6501238 h 6578438"/>
+                <a:gd name="connsiteX82" fmla="*/ 3341038 w 5890489"/>
+                <a:gd name="connsiteY82" fmla="*/ 6506145 h 6578438"/>
+                <a:gd name="connsiteX83" fmla="*/ 3414703 w 5890489"/>
+                <a:gd name="connsiteY83" fmla="*/ 6507050 h 6578438"/>
+                <a:gd name="connsiteX84" fmla="*/ 3488237 w 5890489"/>
+                <a:gd name="connsiteY84" fmla="*/ 6508212 h 6578438"/>
+                <a:gd name="connsiteX85" fmla="*/ 3524142 w 5890489"/>
+                <a:gd name="connsiteY85" fmla="*/ 6507955 h 6578438"/>
+                <a:gd name="connsiteX86" fmla="*/ 3559252 w 5890489"/>
+                <a:gd name="connsiteY86" fmla="*/ 6506921 h 6578438"/>
+                <a:gd name="connsiteX87" fmla="*/ 3629207 w 5890489"/>
+                <a:gd name="connsiteY87" fmla="*/ 6503045 h 6578438"/>
+                <a:gd name="connsiteX88" fmla="*/ 3698633 w 5890489"/>
+                <a:gd name="connsiteY88" fmla="*/ 6496845 h 6578438"/>
+                <a:gd name="connsiteX89" fmla="*/ 3733213 w 5890489"/>
+                <a:gd name="connsiteY89" fmla="*/ 6493357 h 6578438"/>
+                <a:gd name="connsiteX90" fmla="*/ 3767529 w 5890489"/>
+                <a:gd name="connsiteY90" fmla="*/ 6488707 h 6578438"/>
+                <a:gd name="connsiteX91" fmla="*/ 3801845 w 5890489"/>
+                <a:gd name="connsiteY91" fmla="*/ 6484057 h 6578438"/>
+                <a:gd name="connsiteX92" fmla="*/ 3835895 w 5890489"/>
+                <a:gd name="connsiteY92" fmla="*/ 6478116 h 6578438"/>
+                <a:gd name="connsiteX93" fmla="*/ 4364801 w 5890489"/>
+                <a:gd name="connsiteY93" fmla="*/ 6308517 h 6578438"/>
+                <a:gd name="connsiteX94" fmla="*/ 4861379 w 5890489"/>
+                <a:gd name="connsiteY94" fmla="*/ 6000576 h 6578438"/>
+                <a:gd name="connsiteX95" fmla="*/ 5341263 w 5890489"/>
+                <a:gd name="connsiteY95" fmla="*/ 5605834 h 6578438"/>
+                <a:gd name="connsiteX96" fmla="*/ 5587301 w 5890489"/>
+                <a:gd name="connsiteY96" fmla="*/ 5390379 h 6578438"/>
+                <a:gd name="connsiteX97" fmla="*/ 5849105 w 5890489"/>
+                <a:gd name="connsiteY97" fmla="*/ 5176344 h 6578438"/>
+                <a:gd name="connsiteX98" fmla="*/ 5890489 w 5890489"/>
+                <a:gd name="connsiteY98" fmla="*/ 5145260 h 6578438"/>
+                <a:gd name="connsiteX99" fmla="*/ 5890489 w 5890489"/>
+                <a:gd name="connsiteY99" fmla="*/ 5995323 h 6578438"/>
+                <a:gd name="connsiteX100" fmla="*/ 5811477 w 5890489"/>
+                <a:gd name="connsiteY100" fmla="*/ 6077819 h 6578438"/>
+                <a:gd name="connsiteX101" fmla="*/ 5301384 w 5890489"/>
+                <a:gd name="connsiteY101" fmla="*/ 6542958 h 6578438"/>
+                <a:gd name="connsiteX102" fmla="*/ 5252008 w 5890489"/>
+                <a:gd name="connsiteY102" fmla="*/ 6578438 h 6578438"/>
+                <a:gd name="connsiteX103" fmla="*/ 1653730 w 5890489"/>
+                <a:gd name="connsiteY103" fmla="*/ 6578438 h 6578438"/>
+                <a:gd name="connsiteX104" fmla="*/ 1549768 w 5890489"/>
+                <a:gd name="connsiteY104" fmla="*/ 6488821 h 6578438"/>
+                <a:gd name="connsiteX105" fmla="*/ 1298282 w 5890489"/>
+                <a:gd name="connsiteY105" fmla="*/ 6243932 h 6578438"/>
+                <a:gd name="connsiteX106" fmla="*/ 1237999 w 5890489"/>
+                <a:gd name="connsiteY106" fmla="*/ 6181671 h 6578438"/>
+                <a:gd name="connsiteX107" fmla="*/ 1179967 w 5890489"/>
+                <a:gd name="connsiteY107" fmla="*/ 6117862 h 6578438"/>
+                <a:gd name="connsiteX108" fmla="*/ 1121936 w 5890489"/>
+                <a:gd name="connsiteY108" fmla="*/ 6054569 h 6578438"/>
+                <a:gd name="connsiteX109" fmla="*/ 1065628 w 5890489"/>
+                <a:gd name="connsiteY109" fmla="*/ 5990243 h 6578438"/>
+                <a:gd name="connsiteX110" fmla="*/ 954335 w 5890489"/>
+                <a:gd name="connsiteY110" fmla="*/ 5861460 h 6578438"/>
+                <a:gd name="connsiteX111" fmla="*/ 898953 w 5890489"/>
+                <a:gd name="connsiteY111" fmla="*/ 5797393 h 6578438"/>
+                <a:gd name="connsiteX112" fmla="*/ 842908 w 5890489"/>
+                <a:gd name="connsiteY112" fmla="*/ 5733582 h 6578438"/>
+                <a:gd name="connsiteX113" fmla="*/ 622442 w 5890489"/>
+                <a:gd name="connsiteY113" fmla="*/ 5471884 h 6578438"/>
+                <a:gd name="connsiteX114" fmla="*/ 425559 w 5890489"/>
+                <a:gd name="connsiteY114" fmla="*/ 5190036 h 6578438"/>
+                <a:gd name="connsiteX115" fmla="*/ 123877 w 5890489"/>
+                <a:gd name="connsiteY115" fmla="*/ 4564210 h 6578438"/>
+                <a:gd name="connsiteX116" fmla="*/ 130 w 5890489"/>
+                <a:gd name="connsiteY116" fmla="*/ 3865530 h 6578438"/>
+                <a:gd name="connsiteX117" fmla="*/ 30602 w 5890489"/>
+                <a:gd name="connsiteY117" fmla="*/ 3505793 h 6578438"/>
+                <a:gd name="connsiteX118" fmla="*/ 126924 w 5890489"/>
+                <a:gd name="connsiteY118" fmla="*/ 3157164 h 6578438"/>
+                <a:gd name="connsiteX119" fmla="*/ 334803 w 5890489"/>
+                <a:gd name="connsiteY119" fmla="*/ 2560530 h 6578438"/>
+                <a:gd name="connsiteX120" fmla="*/ 381176 w 5890489"/>
+                <a:gd name="connsiteY120" fmla="*/ 2409144 h 6578438"/>
+                <a:gd name="connsiteX121" fmla="*/ 425825 w 5890489"/>
+                <a:gd name="connsiteY121" fmla="*/ 2255819 h 6578438"/>
+                <a:gd name="connsiteX122" fmla="*/ 470210 w 5890489"/>
+                <a:gd name="connsiteY122" fmla="*/ 2099523 h 6578438"/>
+                <a:gd name="connsiteX123" fmla="*/ 492998 w 5890489"/>
+                <a:gd name="connsiteY123" fmla="*/ 2020213 h 6578438"/>
+                <a:gd name="connsiteX124" fmla="*/ 517509 w 5890489"/>
+                <a:gd name="connsiteY124" fmla="*/ 1939224 h 6578438"/>
+                <a:gd name="connsiteX125" fmla="*/ 544007 w 5890489"/>
+                <a:gd name="connsiteY125" fmla="*/ 1857201 h 6578438"/>
+                <a:gd name="connsiteX126" fmla="*/ 573288 w 5890489"/>
+                <a:gd name="connsiteY126" fmla="*/ 1774274 h 6578438"/>
+                <a:gd name="connsiteX127" fmla="*/ 606146 w 5890489"/>
+                <a:gd name="connsiteY127" fmla="*/ 1690832 h 6578438"/>
+                <a:gd name="connsiteX128" fmla="*/ 644569 w 5890489"/>
+                <a:gd name="connsiteY128" fmla="*/ 1607775 h 6578438"/>
+                <a:gd name="connsiteX129" fmla="*/ 837874 w 5890489"/>
+                <a:gd name="connsiteY129" fmla="*/ 1297638 h 6578438"/>
+                <a:gd name="connsiteX130" fmla="*/ 1069602 w 5890489"/>
+                <a:gd name="connsiteY130" fmla="*/ 1032194 h 6578438"/>
+                <a:gd name="connsiteX131" fmla="*/ 1130548 w 5890489"/>
+                <a:gd name="connsiteY131" fmla="*/ 970839 h 6578438"/>
+                <a:gd name="connsiteX132" fmla="*/ 1192024 w 5890489"/>
+                <a:gd name="connsiteY132" fmla="*/ 910129 h 6578438"/>
+                <a:gd name="connsiteX133" fmla="*/ 1255356 w 5890489"/>
+                <a:gd name="connsiteY133" fmla="*/ 850841 h 6578438"/>
+                <a:gd name="connsiteX134" fmla="*/ 1319614 w 5890489"/>
+                <a:gd name="connsiteY134" fmla="*/ 792068 h 6578438"/>
+                <a:gd name="connsiteX135" fmla="*/ 1385728 w 5890489"/>
+                <a:gd name="connsiteY135" fmla="*/ 734975 h 6578438"/>
+                <a:gd name="connsiteX136" fmla="*/ 1452768 w 5890489"/>
+                <a:gd name="connsiteY136" fmla="*/ 678528 h 6578438"/>
+                <a:gd name="connsiteX137" fmla="*/ 1469594 w 5890489"/>
+                <a:gd name="connsiteY137" fmla="*/ 664449 h 6578438"/>
+                <a:gd name="connsiteX138" fmla="*/ 1487083 w 5890489"/>
+                <a:gd name="connsiteY138" fmla="*/ 651015 h 6578438"/>
+                <a:gd name="connsiteX139" fmla="*/ 1522193 w 5890489"/>
+                <a:gd name="connsiteY139" fmla="*/ 624277 h 6578438"/>
+                <a:gd name="connsiteX140" fmla="*/ 1592415 w 5890489"/>
+                <a:gd name="connsiteY140" fmla="*/ 570671 h 6578438"/>
+                <a:gd name="connsiteX141" fmla="*/ 1738287 w 5890489"/>
+                <a:gd name="connsiteY141" fmla="*/ 469402 h 6578438"/>
+                <a:gd name="connsiteX142" fmla="*/ 1890918 w 5890489"/>
+                <a:gd name="connsiteY142" fmla="*/ 376530 h 6578438"/>
+                <a:gd name="connsiteX143" fmla="*/ 2555363 w 5890489"/>
+                <a:gd name="connsiteY143" fmla="*/ 105274 h 6578438"/>
+                <a:gd name="connsiteX144" fmla="*/ 3259291 w 5890489"/>
+                <a:gd name="connsiteY144" fmla="*/ 3229 h 6578438"/>
+                <a:gd name="connsiteX145" fmla="*/ 3347265 w 5890489"/>
+                <a:gd name="connsiteY145" fmla="*/ 903 h 6578438"/>
+              </a:gdLst>
+              <a:ahLst/>
+              <a:cxnLst>
+                <a:cxn ang="0">
+                  <a:pos x="connsiteX0" y="connsiteY0"/>
+                </a:cxn>
+                <a:cxn ang="0">
+                  <a:pos x="connsiteX1" y="connsiteY1"/>
+                </a:cxn>
+                <a:cxn ang="0">
+                  <a:pos x="connsiteX2" y="connsiteY2"/>
+                </a:cxn>
+                <a:cxn ang="0">
+                  <a:pos x="connsiteX3" y="connsiteY3"/>
+                </a:cxn>
+                <a:cxn ang="0">
+                  <a:pos x="connsiteX4" y="connsiteY4"/>
+                </a:cxn>
+                <a:cxn ang="0">
+                  <a:pos x="connsiteX5" y="connsiteY5"/>
+                </a:cxn>
+                <a:cxn ang="0">
+                  <a:pos x="connsiteX6" y="connsiteY6"/>
+                </a:cxn>
+                <a:cxn ang="0">
+                  <a:pos x="connsiteX7" y="connsiteY7"/>
+                </a:cxn>
+                <a:cxn ang="0">
+                  <a:pos x="connsiteX8" y="connsiteY8"/>
+                </a:cxn>
+                <a:cxn ang="0">
+                  <a:pos x="connsiteX9" y="connsiteY9"/>
+                </a:cxn>
+                <a:cxn ang="0">
+                  <a:pos x="connsiteX10" y="connsiteY10"/>
+                </a:cxn>
+                <a:cxn ang="0">
+                  <a:pos x="connsiteX11" y="connsiteY11"/>
+                </a:cxn>
+                <a:cxn ang="0">
+                  <a:pos x="connsiteX12" y="connsiteY12"/>
+                </a:cxn>
+                <a:cxn ang="0">
+                  <a:pos x="connsiteX13" y="connsiteY13"/>
+                </a:cxn>
+                <a:cxn ang="0">
+                  <a:pos x="connsiteX14" y="connsiteY14"/>
+                </a:cxn>
+                <a:cxn ang="0">
+                  <a:pos x="connsiteX15" y="connsiteY15"/>
+                </a:cxn>
+                <a:cxn ang="0">
+                  <a:pos x="connsiteX16" y="connsiteY16"/>
+                </a:cxn>
+                <a:cxn ang="0">
+                  <a:pos x="connsiteX17" y="connsiteY17"/>
+                </a:cxn>
+                <a:cxn ang="0">
+                  <a:pos x="connsiteX18" y="connsiteY18"/>
+                </a:cxn>
+                <a:cxn ang="0">
+                  <a:pos x="connsiteX19" y="connsiteY19"/>
+                </a:cxn>
+                <a:cxn ang="0">
+                  <a:pos x="connsiteX20" y="connsiteY20"/>
+                </a:cxn>
+                <a:cxn ang="0">
+                  <a:pos x="connsiteX21" y="connsiteY21"/>
+                </a:cxn>
+                <a:cxn ang="0">
+                  <a:pos x="connsiteX22" y="connsiteY22"/>
+                </a:cxn>
+                <a:cxn ang="0">
+                  <a:pos x="connsiteX23" y="connsiteY23"/>
+                </a:cxn>
+                <a:cxn ang="0">
+                  <a:pos x="connsiteX24" y="connsiteY24"/>
+                </a:cxn>
+                <a:cxn ang="0">
+                  <a:pos x="connsiteX25" y="connsiteY25"/>
+                </a:cxn>
+                <a:cxn ang="0">
+                  <a:pos x="connsiteX26" y="connsiteY26"/>
+                </a:cxn>
+                <a:cxn ang="0">
+                  <a:pos x="connsiteX27" y="connsiteY27"/>
+                </a:cxn>
+                <a:cxn ang="0">
+                  <a:pos x="connsiteX28" y="connsiteY28"/>
+                </a:cxn>
+                <a:cxn ang="0">
+                  <a:pos x="connsiteX29" y="connsiteY29"/>
+                </a:cxn>
+                <a:cxn ang="0">
+                  <a:pos x="connsiteX30" y="connsiteY30"/>
+                </a:cxn>
+                <a:cxn ang="0">
+                  <a:pos x="connsiteX31" y="connsiteY31"/>
+                </a:cxn>
+                <a:cxn ang="0">
+                  <a:pos x="connsiteX32" y="connsiteY32"/>
+                </a:cxn>
+                <a:cxn ang="0">
+                  <a:pos x="connsiteX33" y="connsiteY33"/>
+                </a:cxn>
+                <a:cxn ang="0">
+                  <a:pos x="connsiteX34" y="connsiteY34"/>
+                </a:cxn>
+                <a:cxn ang="0">
+                  <a:pos x="connsiteX35" y="connsiteY35"/>
+                </a:cxn>
+                <a:cxn ang="0">
+                  <a:pos x="connsiteX36" y="connsiteY36"/>
+                </a:cxn>
+                <a:cxn ang="0">
+                  <a:pos x="connsiteX37" y="connsiteY37"/>
+                </a:cxn>
+                <a:cxn ang="0">
+                  <a:pos x="connsiteX38" y="connsiteY38"/>
+                </a:cxn>
+                <a:cxn ang="0">
+                  <a:pos x="connsiteX39" y="connsiteY39"/>
+                </a:cxn>
+                <a:cxn ang="0">
+                  <a:pos x="connsiteX40" y="connsiteY40"/>
+                </a:cxn>
+                <a:cxn ang="0">
+                  <a:pos x="connsiteX41" y="connsiteY41"/>
+                </a:cxn>
+                <a:cxn ang="0">
+                  <a:pos x="connsiteX42" y="connsiteY42"/>
+                </a:cxn>
+                <a:cxn ang="0">
+                  <a:pos x="connsiteX43" y="connsiteY43"/>
+                </a:cxn>
+                <a:cxn ang="0">
+                  <a:pos x="connsiteX44" y="connsiteY44"/>
+                </a:cxn>
+                <a:cxn ang="0">
+                  <a:pos x="connsiteX45" y="connsiteY45"/>
+                </a:cxn>
+                <a:cxn ang="0">
+                  <a:pos x="connsiteX46" y="connsiteY46"/>
+                </a:cxn>
+                <a:cxn ang="0">
+                  <a:pos x="connsiteX47" y="connsiteY47"/>
+                </a:cxn>
+                <a:cxn ang="0">
+                  <a:pos x="connsiteX48" y="connsiteY48"/>
+                </a:cxn>
+                <a:cxn ang="0">
+                  <a:pos x="connsiteX49" y="connsiteY49"/>
+                </a:cxn>
+                <a:cxn ang="0">
+                  <a:pos x="connsiteX50" y="connsiteY50"/>
+                </a:cxn>
+                <a:cxn ang="0">
+                  <a:pos x="connsiteX51" y="connsiteY51"/>
+                </a:cxn>
+                <a:cxn ang="0">
+                  <a:pos x="connsiteX52" y="connsiteY52"/>
+                </a:cxn>
+                <a:cxn ang="0">
+                  <a:pos x="connsiteX53" y="connsiteY53"/>
+                </a:cxn>
+                <a:cxn ang="0">
+                  <a:pos x="connsiteX54" y="connsiteY54"/>
+                </a:cxn>
+                <a:cxn ang="0">
+                  <a:pos x="connsiteX55" y="connsiteY55"/>
+                </a:cxn>
+                <a:cxn ang="0">
+                  <a:pos x="connsiteX56" y="connsiteY56"/>
+                </a:cxn>
+                <a:cxn ang="0">
+                  <a:pos x="connsiteX57" y="connsiteY57"/>
+                </a:cxn>
+                <a:cxn ang="0">
+                  <a:pos x="connsiteX58" y="connsiteY58"/>
+                </a:cxn>
+                <a:cxn ang="0">
+                  <a:pos x="connsiteX59" y="connsiteY59"/>
+                </a:cxn>
+                <a:cxn ang="0">
+                  <a:pos x="connsiteX60" y="connsiteY60"/>
+                </a:cxn>
+                <a:cxn ang="0">
+                  <a:pos x="connsiteX61" y="connsiteY61"/>
+                </a:cxn>
+                <a:cxn ang="0">
+                  <a:pos x="connsiteX62" y="connsiteY62"/>
+                </a:cxn>
+                <a:cxn ang="0">
+                  <a:pos x="connsiteX63" y="connsiteY63"/>
+                </a:cxn>
+                <a:cxn ang="0">
+                  <a:pos x="connsiteX64" y="connsiteY64"/>
+                </a:cxn>
+                <a:cxn ang="0">
+                  <a:pos x="connsiteX65" y="connsiteY65"/>
+                </a:cxn>
+                <a:cxn ang="0">
+                  <a:pos x="connsiteX66" y="connsiteY66"/>
+                </a:cxn>
+                <a:cxn ang="0">
+                  <a:pos x="connsiteX67" y="connsiteY67"/>
+                </a:cxn>
+                <a:cxn ang="0">
+                  <a:pos x="connsiteX68" y="connsiteY68"/>
+                </a:cxn>
+                <a:cxn ang="0">
+                  <a:pos x="connsiteX69" y="connsiteY69"/>
+                </a:cxn>
+                <a:cxn ang="0">
+                  <a:pos x="connsiteX70" y="connsiteY70"/>
+                </a:cxn>
+                <a:cxn ang="0">
+                  <a:pos x="connsiteX71" y="connsiteY71"/>
+                </a:cxn>
+                <a:cxn ang="0">
+                  <a:pos x="connsiteX72" y="connsiteY72"/>
+                </a:cxn>
+                <a:cxn ang="0">
+                  <a:pos x="connsiteX73" y="connsiteY73"/>
+                </a:cxn>
+                <a:cxn ang="0">
+                  <a:pos x="connsiteX74" y="connsiteY74"/>
+                </a:cxn>
+                <a:cxn ang="0">
+                  <a:pos x="connsiteX75" y="connsiteY75"/>
+                </a:cxn>
+                <a:cxn ang="0">
+                  <a:pos x="connsiteX76" y="connsiteY76"/>
+                </a:cxn>
+                <a:cxn ang="0">
+                  <a:pos x="connsiteX77" y="connsiteY77"/>
+                </a:cxn>
+                <a:cxn ang="0">
+                  <a:pos x="connsiteX78" y="connsiteY78"/>
+                </a:cxn>
+                <a:cxn ang="0">
+                  <a:pos x="connsiteX79" y="connsiteY79"/>
+                </a:cxn>
+                <a:cxn ang="0">
+                  <a:pos x="connsiteX80" y="connsiteY80"/>
+                </a:cxn>
+                <a:cxn ang="0">
+                  <a:pos x="connsiteX81" y="connsiteY81"/>
+                </a:cxn>
+                <a:cxn ang="0">
+                  <a:pos x="connsiteX82" y="connsiteY82"/>
+                </a:cxn>
+                <a:cxn ang="0">
+                  <a:pos x="connsiteX83" y="connsiteY83"/>
+                </a:cxn>
+                <a:cxn ang="0">
+                  <a:pos x="connsiteX84" y="connsiteY84"/>
+                </a:cxn>
+                <a:cxn ang="0">
+                  <a:pos x="connsiteX85" y="connsiteY85"/>
+                </a:cxn>
+                <a:cxn ang="0">
+                  <a:pos x="connsiteX86" y="connsiteY86"/>
+                </a:cxn>
+                <a:cxn ang="0">
+                  <a:pos x="connsiteX87" y="connsiteY87"/>
+                </a:cxn>
+                <a:cxn ang="0">
+                  <a:pos x="connsiteX88" y="connsiteY88"/>
+                </a:cxn>
+                <a:cxn ang="0">
+                  <a:pos x="connsiteX89" y="connsiteY89"/>
+                </a:cxn>
+                <a:cxn ang="0">
+                  <a:pos x="connsiteX90" y="connsiteY90"/>
+                </a:cxn>
+                <a:cxn ang="0">
+                  <a:pos x="connsiteX91" y="connsiteY91"/>
+                </a:cxn>
+                <a:cxn ang="0">
+                  <a:pos x="connsiteX92" y="connsiteY92"/>
+                </a:cxn>
+                <a:cxn ang="0">
+                  <a:pos x="connsiteX93" y="connsiteY93"/>
+                </a:cxn>
+                <a:cxn ang="0">
+                  <a:pos x="connsiteX94" y="connsiteY94"/>
+                </a:cxn>
+                <a:cxn ang="0">
+                  <a:pos x="connsiteX95" y="connsiteY95"/>
+                </a:cxn>
+                <a:cxn ang="0">
+                  <a:pos x="connsiteX96" y="connsiteY96"/>
+                </a:cxn>
+                <a:cxn ang="0">
+                  <a:pos x="connsiteX97" y="connsiteY97"/>
+                </a:cxn>
+                <a:cxn ang="0">
+                  <a:pos x="connsiteX98" y="connsiteY98"/>
+                </a:cxn>
+                <a:cxn ang="0">
+                  <a:pos x="connsiteX99" y="connsiteY99"/>
+                </a:cxn>
+                <a:cxn ang="0">
+                  <a:pos x="connsiteX100" y="connsiteY100"/>
+                </a:cxn>
+                <a:cxn ang="0">
+                  <a:pos x="connsiteX101" y="connsiteY101"/>
+                </a:cxn>
+                <a:cxn ang="0">
+                  <a:pos x="connsiteX102" y="connsiteY102"/>
+                </a:cxn>
+                <a:cxn ang="0">
+                  <a:pos x="connsiteX103" y="connsiteY103"/>
+                </a:cxn>
+                <a:cxn ang="0">
+                  <a:pos x="connsiteX104" y="connsiteY104"/>
+                </a:cxn>
+                <a:cxn ang="0">
+                  <a:pos x="connsiteX105" y="connsiteY105"/>
+                </a:cxn>
+                <a:cxn ang="0">
+                  <a:pos x="connsiteX106" y="connsiteY106"/>
+                </a:cxn>
+                <a:cxn ang="0">
+                  <a:pos x="connsiteX107" y="connsiteY107"/>
+                </a:cxn>
+                <a:cxn ang="0">
+                  <a:pos x="connsiteX108" y="connsiteY108"/>
+                </a:cxn>
+                <a:cxn ang="0">
+                  <a:pos x="connsiteX109" y="connsiteY109"/>
+                </a:cxn>
+                <a:cxn ang="0">
+                  <a:pos x="connsiteX110" y="connsiteY110"/>
+                </a:cxn>
+                <a:cxn ang="0">
+                  <a:pos x="connsiteX111" y="connsiteY111"/>
+                </a:cxn>
+                <a:cxn ang="0">
+                  <a:pos x="connsiteX112" y="connsiteY112"/>
+                </a:cxn>
+                <a:cxn ang="0">
+                  <a:pos x="connsiteX113" y="connsiteY113"/>
+                </a:cxn>
+                <a:cxn ang="0">
+                  <a:pos x="connsiteX114" y="connsiteY114"/>
+                </a:cxn>
+                <a:cxn ang="0">
+                  <a:pos x="connsiteX115" y="connsiteY115"/>
+                </a:cxn>
+                <a:cxn ang="0">
+                  <a:pos x="connsiteX116" y="connsiteY116"/>
+                </a:cxn>
+                <a:cxn ang="0">
+                  <a:pos x="connsiteX117" y="connsiteY117"/>
+                </a:cxn>
+                <a:cxn ang="0">
+                  <a:pos x="connsiteX118" y="connsiteY118"/>
+                </a:cxn>
+                <a:cxn ang="0">
+                  <a:pos x="connsiteX119" y="connsiteY119"/>
+                </a:cxn>
+                <a:cxn ang="0">
+                  <a:pos x="connsiteX120" y="connsiteY120"/>
+                </a:cxn>
+                <a:cxn ang="0">
+                  <a:pos x="connsiteX121" y="connsiteY121"/>
+                </a:cxn>
+                <a:cxn ang="0">
+                  <a:pos x="connsiteX122" y="connsiteY122"/>
+                </a:cxn>
+                <a:cxn ang="0">
+                  <a:pos x="connsiteX123" y="connsiteY123"/>
+                </a:cxn>
+                <a:cxn ang="0">
+                  <a:pos x="connsiteX124" y="connsiteY124"/>
+                </a:cxn>
+                <a:cxn ang="0">
+                  <a:pos x="connsiteX125" y="connsiteY125"/>
+                </a:cxn>
+                <a:cxn ang="0">
+                  <a:pos x="connsiteX126" y="connsiteY126"/>
+                </a:cxn>
+                <a:cxn ang="0">
+                  <a:pos x="connsiteX127" y="connsiteY127"/>
+                </a:cxn>
+                <a:cxn ang="0">
+                  <a:pos x="connsiteX128" y="connsiteY128"/>
+                </a:cxn>
+                <a:cxn ang="0">
+                  <a:pos x="connsiteX129" y="connsiteY129"/>
+                </a:cxn>
+                <a:cxn ang="0">
+                  <a:pos x="connsiteX130" y="connsiteY130"/>
+                </a:cxn>
+                <a:cxn ang="0">
+                  <a:pos x="connsiteX131" y="connsiteY131"/>
+                </a:cxn>
+                <a:cxn ang="0">
+                  <a:pos x="connsiteX132" y="connsiteY132"/>
+                </a:cxn>
+                <a:cxn ang="0">
+                  <a:pos x="connsiteX133" y="connsiteY133"/>
+                </a:cxn>
+                <a:cxn ang="0">
+                  <a:pos x="connsiteX134" y="connsiteY134"/>
+                </a:cxn>
+                <a:cxn ang="0">
+                  <a:pos x="connsiteX135" y="connsiteY135"/>
+                </a:cxn>
+                <a:cxn ang="0">
+                  <a:pos x="connsiteX136" y="connsiteY136"/>
+                </a:cxn>
+                <a:cxn ang="0">
+                  <a:pos x="connsiteX137" y="connsiteY137"/>
+                </a:cxn>
+                <a:cxn ang="0">
+                  <a:pos x="connsiteX138" y="connsiteY138"/>
+                </a:cxn>
+                <a:cxn ang="0">
+                  <a:pos x="connsiteX139" y="connsiteY139"/>
+                </a:cxn>
+                <a:cxn ang="0">
+                  <a:pos x="connsiteX140" y="connsiteY140"/>
+                </a:cxn>
+                <a:cxn ang="0">
+                  <a:pos x="connsiteX141" y="connsiteY141"/>
+                </a:cxn>
+                <a:cxn ang="0">
+                  <a:pos x="connsiteX142" y="connsiteY142"/>
+                </a:cxn>
+                <a:cxn ang="0">
+                  <a:pos x="connsiteX143" y="connsiteY143"/>
+                </a:cxn>
+                <a:cxn ang="0">
+                  <a:pos x="connsiteX144" y="connsiteY144"/>
+                </a:cxn>
+                <a:cxn ang="0">
+                  <a:pos x="connsiteX145" y="connsiteY145"/>
+                </a:cxn>
+              </a:cxnLst>
+              <a:rect l="l" t="t" r="r" b="b"/>
+              <a:pathLst>
+                <a:path w="5890489" h="6578438">
+                  <a:moveTo>
+                    <a:pt x="3391253" y="0"/>
+                  </a:moveTo>
+                  <a:lnTo>
+                    <a:pt x="3434974" y="646"/>
+                  </a:lnTo>
+                  <a:lnTo>
+                    <a:pt x="3522419" y="2712"/>
+                  </a:lnTo>
+                  <a:cubicBezTo>
+                    <a:pt x="3551567" y="3488"/>
+                    <a:pt x="3580451" y="3746"/>
+                    <a:pt x="3610261" y="6458"/>
+                  </a:cubicBezTo>
+                  <a:cubicBezTo>
+                    <a:pt x="3669353" y="10850"/>
+                    <a:pt x="3728179" y="14337"/>
+                    <a:pt x="3786872" y="20667"/>
+                  </a:cubicBezTo>
+                  <a:lnTo>
+                    <a:pt x="3962291" y="43530"/>
+                  </a:lnTo>
+                  <a:lnTo>
+                    <a:pt x="4135855" y="75176"/>
+                  </a:lnTo>
+                  <a:cubicBezTo>
+                    <a:pt x="4193224" y="87836"/>
+                    <a:pt x="4250328" y="101398"/>
+                    <a:pt x="4307299" y="114315"/>
+                  </a:cubicBezTo>
+                  <a:cubicBezTo>
+                    <a:pt x="4364139" y="128394"/>
+                    <a:pt x="4420050" y="145575"/>
+                    <a:pt x="4476358" y="160816"/>
+                  </a:cubicBezTo>
+                  <a:cubicBezTo>
+                    <a:pt x="4504580" y="167921"/>
+                    <a:pt x="4532138" y="177995"/>
+                    <a:pt x="4559829" y="186779"/>
+                  </a:cubicBezTo>
+                  <a:lnTo>
+                    <a:pt x="4642901" y="213648"/>
+                  </a:lnTo>
+                  <a:cubicBezTo>
+                    <a:pt x="4863234" y="288307"/>
+                    <a:pt x="5076414" y="379371"/>
+                    <a:pt x="5280847" y="485936"/>
+                  </a:cubicBezTo>
+                  <a:cubicBezTo>
+                    <a:pt x="5485018" y="592631"/>
+                    <a:pt x="5681768" y="713145"/>
+                    <a:pt x="5865400" y="851099"/>
+                  </a:cubicBezTo>
+                  <a:lnTo>
+                    <a:pt x="5890489" y="870950"/>
+                  </a:lnTo>
+                  <a:lnTo>
+                    <a:pt x="5890489" y="1321814"/>
+                  </a:lnTo>
+                  <a:lnTo>
+                    <a:pt x="5887395" y="1318952"/>
+                  </a:lnTo>
+                  <a:lnTo>
+                    <a:pt x="5830291" y="1265992"/>
+                  </a:lnTo>
+                  <a:lnTo>
+                    <a:pt x="5815981" y="1252687"/>
+                  </a:lnTo>
+                  <a:lnTo>
+                    <a:pt x="5801142" y="1240158"/>
+                  </a:lnTo>
+                  <a:lnTo>
+                    <a:pt x="5771464" y="1214969"/>
+                  </a:lnTo>
+                  <a:cubicBezTo>
+                    <a:pt x="5731849" y="1181385"/>
+                    <a:pt x="5692897" y="1146896"/>
+                    <a:pt x="5651030" y="1115767"/>
+                  </a:cubicBezTo>
+                  <a:cubicBezTo>
+                    <a:pt x="5487534" y="986985"/>
+                    <a:pt x="5311321" y="872542"/>
+                    <a:pt x="5123183" y="780443"/>
+                  </a:cubicBezTo>
+                  <a:cubicBezTo>
+                    <a:pt x="4935309" y="688087"/>
+                    <a:pt x="4737102" y="616398"/>
+                    <a:pt x="4533860" y="567701"/>
+                  </a:cubicBezTo>
+                  <a:lnTo>
+                    <a:pt x="4457281" y="550780"/>
+                  </a:lnTo>
+                  <a:cubicBezTo>
+                    <a:pt x="4431709" y="545484"/>
+                    <a:pt x="4406536" y="538896"/>
+                    <a:pt x="4380568" y="535279"/>
+                  </a:cubicBezTo>
+                  <a:lnTo>
+                    <a:pt x="4303325" y="522879"/>
+                  </a:lnTo>
+                  <a:lnTo>
+                    <a:pt x="4264769" y="516679"/>
+                  </a:lnTo>
+                  <a:cubicBezTo>
+                    <a:pt x="4251918" y="514612"/>
+                    <a:pt x="4239067" y="512415"/>
+                    <a:pt x="4226082" y="511253"/>
+                  </a:cubicBezTo>
+                  <a:cubicBezTo>
+                    <a:pt x="4174145" y="505829"/>
+                    <a:pt x="4122606" y="499498"/>
+                    <a:pt x="4070934" y="494848"/>
+                  </a:cubicBezTo>
+                  <a:lnTo>
+                    <a:pt x="3915521" y="486065"/>
+                  </a:lnTo>
+                  <a:lnTo>
+                    <a:pt x="3760241" y="484257"/>
+                  </a:lnTo>
+                  <a:cubicBezTo>
+                    <a:pt x="3734405" y="483869"/>
+                    <a:pt x="3708571" y="485936"/>
+                    <a:pt x="3682734" y="486581"/>
+                  </a:cubicBezTo>
+                  <a:lnTo>
+                    <a:pt x="3605491" y="488907"/>
+                  </a:lnTo>
+                  <a:cubicBezTo>
+                    <a:pt x="3579921" y="489165"/>
+                    <a:pt x="3553555" y="491490"/>
+                    <a:pt x="3527454" y="493169"/>
+                  </a:cubicBezTo>
+                  <a:lnTo>
+                    <a:pt x="3449151" y="498336"/>
+                  </a:lnTo>
+                  <a:lnTo>
+                    <a:pt x="3410067" y="500532"/>
+                  </a:lnTo>
+                  <a:lnTo>
+                    <a:pt x="3371246" y="504279"/>
+                  </a:lnTo>
+                  <a:cubicBezTo>
+                    <a:pt x="3345410" y="506862"/>
+                    <a:pt x="3319575" y="509315"/>
+                    <a:pt x="3293739" y="511512"/>
+                  </a:cubicBezTo>
+                  <a:cubicBezTo>
+                    <a:pt x="3087450" y="531662"/>
+                    <a:pt x="2885531" y="563180"/>
+                    <a:pt x="2689445" y="610198"/>
+                  </a:cubicBezTo>
+                  <a:cubicBezTo>
+                    <a:pt x="2493357" y="657344"/>
+                    <a:pt x="2302303" y="719088"/>
+                    <a:pt x="2117875" y="800335"/>
+                  </a:cubicBezTo>
+                  <a:cubicBezTo>
+                    <a:pt x="2072298" y="821648"/>
+                    <a:pt x="2026854" y="843606"/>
+                    <a:pt x="1981276" y="865566"/>
+                  </a:cubicBezTo>
+                  <a:cubicBezTo>
+                    <a:pt x="1937025" y="889978"/>
+                    <a:pt x="1891978" y="913229"/>
+                    <a:pt x="1847991" y="938676"/>
+                  </a:cubicBezTo>
+                  <a:lnTo>
+                    <a:pt x="1783069" y="978718"/>
+                  </a:lnTo>
+                  <a:lnTo>
+                    <a:pt x="1750609" y="998869"/>
+                  </a:lnTo>
+                  <a:lnTo>
+                    <a:pt x="1734312" y="1008945"/>
+                  </a:lnTo>
+                  <a:lnTo>
+                    <a:pt x="1718547" y="1019924"/>
+                  </a:lnTo>
+                  <a:lnTo>
+                    <a:pt x="1655481" y="1063582"/>
+                  </a:lnTo>
+                  <a:cubicBezTo>
+                    <a:pt x="1634414" y="1078178"/>
+                    <a:pt x="1612950" y="1092259"/>
+                    <a:pt x="1593077" y="1108664"/>
+                  </a:cubicBezTo>
+                  <a:lnTo>
+                    <a:pt x="1532263" y="1156197"/>
+                  </a:lnTo>
+                  <a:cubicBezTo>
+                    <a:pt x="1511992" y="1172085"/>
+                    <a:pt x="1491587" y="1187844"/>
+                    <a:pt x="1472509" y="1205152"/>
+                  </a:cubicBezTo>
+                  <a:lnTo>
+                    <a:pt x="1414212" y="1256175"/>
+                  </a:lnTo>
+                  <a:cubicBezTo>
+                    <a:pt x="1395001" y="1273354"/>
+                    <a:pt x="1375127" y="1290147"/>
+                    <a:pt x="1357242" y="1308359"/>
+                  </a:cubicBezTo>
+                  <a:cubicBezTo>
+                    <a:pt x="1283178" y="1379532"/>
+                    <a:pt x="1212163" y="1452513"/>
+                    <a:pt x="1153072" y="1529498"/>
+                  </a:cubicBezTo>
+                  <a:cubicBezTo>
+                    <a:pt x="1090933" y="1605578"/>
+                    <a:pt x="1043501" y="1685794"/>
+                    <a:pt x="1002694" y="1770658"/>
+                  </a:cubicBezTo>
+                  <a:lnTo>
+                    <a:pt x="974076" y="1835371"/>
+                  </a:lnTo>
+                  <a:lnTo>
+                    <a:pt x="949564" y="1903573"/>
+                  </a:lnTo>
+                  <a:cubicBezTo>
+                    <a:pt x="940820" y="1925661"/>
+                    <a:pt x="934593" y="1950719"/>
+                    <a:pt x="927173" y="1974229"/>
+                  </a:cubicBezTo>
+                  <a:cubicBezTo>
+                    <a:pt x="920019" y="1998254"/>
+                    <a:pt x="912468" y="2021504"/>
+                    <a:pt x="906107" y="2046952"/>
+                  </a:cubicBezTo>
+                  <a:cubicBezTo>
+                    <a:pt x="853906" y="2245614"/>
+                    <a:pt x="809918" y="2463136"/>
+                    <a:pt x="751092" y="2676266"/>
+                  </a:cubicBezTo>
+                  <a:cubicBezTo>
+                    <a:pt x="693458" y="2889912"/>
+                    <a:pt x="624166" y="3100976"/>
+                    <a:pt x="547189" y="3308422"/>
+                  </a:cubicBezTo>
+                  <a:cubicBezTo>
+                    <a:pt x="479617" y="3487580"/>
+                    <a:pt x="444109" y="3675523"/>
+                    <a:pt x="441195" y="3866306"/>
+                  </a:cubicBezTo>
+                  <a:cubicBezTo>
+                    <a:pt x="438014" y="4057089"/>
+                    <a:pt x="469282" y="4250456"/>
+                    <a:pt x="527182" y="4439174"/>
+                  </a:cubicBezTo>
+                  <a:cubicBezTo>
+                    <a:pt x="584815" y="4628278"/>
+                    <a:pt x="671067" y="4811828"/>
+                    <a:pt x="775073" y="4987240"/>
+                  </a:cubicBezTo>
+                  <a:cubicBezTo>
+                    <a:pt x="827009" y="5075075"/>
+                    <a:pt x="884246" y="5160327"/>
+                    <a:pt x="943206" y="5244933"/>
+                  </a:cubicBezTo>
+                  <a:cubicBezTo>
+                    <a:pt x="1002296" y="5329411"/>
+                    <a:pt x="1064964" y="5412337"/>
+                    <a:pt x="1133728" y="5490356"/>
+                  </a:cubicBezTo>
+                  <a:cubicBezTo>
+                    <a:pt x="1203949" y="5567728"/>
+                    <a:pt x="1279337" y="5642259"/>
+                    <a:pt x="1359626" y="5709815"/>
+                  </a:cubicBezTo>
+                  <a:cubicBezTo>
+                    <a:pt x="1398711" y="5744949"/>
+                    <a:pt x="1439916" y="5777241"/>
+                    <a:pt x="1481254" y="5809146"/>
+                  </a:cubicBezTo>
+                  <a:cubicBezTo>
+                    <a:pt x="1501922" y="5825163"/>
+                    <a:pt x="1522325" y="5841309"/>
+                    <a:pt x="1543260" y="5856940"/>
+                  </a:cubicBezTo>
+                  <a:cubicBezTo>
+                    <a:pt x="1564591" y="5871923"/>
+                    <a:pt x="1585921" y="5886777"/>
+                    <a:pt x="1607518" y="5901374"/>
+                  </a:cubicBezTo>
+                  <a:cubicBezTo>
+                    <a:pt x="1778565" y="6019693"/>
+                    <a:pt x="1961271" y="6115924"/>
+                    <a:pt x="2145566" y="6193814"/>
+                  </a:cubicBezTo>
+                  <a:lnTo>
+                    <a:pt x="2214991" y="6221844"/>
+                  </a:lnTo>
+                  <a:lnTo>
+                    <a:pt x="2249307" y="6236182"/>
+                  </a:lnTo>
+                  <a:cubicBezTo>
+                    <a:pt x="2260702" y="6241089"/>
+                    <a:pt x="2272625" y="6244577"/>
+                    <a:pt x="2284285" y="6248711"/>
+                  </a:cubicBezTo>
+                  <a:lnTo>
+                    <a:pt x="2354241" y="6273124"/>
+                  </a:lnTo>
+                  <a:cubicBezTo>
+                    <a:pt x="2360070" y="6275190"/>
+                    <a:pt x="2365899" y="6277128"/>
+                    <a:pt x="2371597" y="6279324"/>
+                  </a:cubicBezTo>
+                  <a:cubicBezTo>
+                    <a:pt x="2377161" y="6281778"/>
+                    <a:pt x="2382329" y="6285007"/>
+                    <a:pt x="2387894" y="6287719"/>
+                  </a:cubicBezTo>
+                  <a:cubicBezTo>
+                    <a:pt x="2398757" y="6293274"/>
+                    <a:pt x="2410153" y="6297666"/>
+                    <a:pt x="2421414" y="6302186"/>
+                  </a:cubicBezTo>
+                  <a:lnTo>
+                    <a:pt x="2489117" y="6329441"/>
+                  </a:lnTo>
+                  <a:lnTo>
+                    <a:pt x="2522902" y="6343134"/>
+                  </a:lnTo>
+                  <a:cubicBezTo>
+                    <a:pt x="2534165" y="6347654"/>
+                    <a:pt x="2545294" y="6352563"/>
+                    <a:pt x="2556953" y="6356051"/>
+                  </a:cubicBezTo>
+                  <a:lnTo>
+                    <a:pt x="2695009" y="6401905"/>
+                  </a:lnTo>
+                  <a:cubicBezTo>
+                    <a:pt x="2880895" y="6457190"/>
+                    <a:pt x="3073141" y="6489095"/>
+                    <a:pt x="3268035" y="6501238"/>
+                  </a:cubicBezTo>
+                  <a:cubicBezTo>
+                    <a:pt x="3292413" y="6502659"/>
+                    <a:pt x="3316527" y="6505629"/>
+                    <a:pt x="3341038" y="6506145"/>
+                  </a:cubicBezTo>
+                  <a:lnTo>
+                    <a:pt x="3414703" y="6507050"/>
+                  </a:lnTo>
+                  <a:lnTo>
+                    <a:pt x="3488237" y="6508212"/>
+                  </a:lnTo>
+                  <a:cubicBezTo>
+                    <a:pt x="3500690" y="6508729"/>
+                    <a:pt x="3512483" y="6508471"/>
+                    <a:pt x="3524142" y="6507955"/>
+                  </a:cubicBezTo>
+                  <a:lnTo>
+                    <a:pt x="3559252" y="6506921"/>
+                  </a:lnTo>
+                  <a:cubicBezTo>
+                    <a:pt x="3582835" y="6506792"/>
+                    <a:pt x="3605889" y="6504467"/>
+                    <a:pt x="3629207" y="6503045"/>
+                  </a:cubicBezTo>
+                  <a:cubicBezTo>
+                    <a:pt x="3652526" y="6502012"/>
+                    <a:pt x="3675579" y="6499171"/>
+                    <a:pt x="3698633" y="6496845"/>
+                  </a:cubicBezTo>
+                  <a:cubicBezTo>
+                    <a:pt x="3710160" y="6495683"/>
+                    <a:pt x="3721819" y="6494907"/>
+                    <a:pt x="3733213" y="6493357"/>
+                  </a:cubicBezTo>
+                  <a:lnTo>
+                    <a:pt x="3767529" y="6488707"/>
+                  </a:lnTo>
+                  <a:lnTo>
+                    <a:pt x="3801845" y="6484057"/>
+                  </a:lnTo>
+                  <a:lnTo>
+                    <a:pt x="3835895" y="6478116"/>
+                  </a:lnTo>
+                  <a:cubicBezTo>
+                    <a:pt x="4017673" y="6446727"/>
+                    <a:pt x="4194152" y="6390281"/>
+                    <a:pt x="4364801" y="6308517"/>
+                  </a:cubicBezTo>
+                  <a:cubicBezTo>
+                    <a:pt x="4535583" y="6227139"/>
+                    <a:pt x="4700138" y="6120962"/>
+                    <a:pt x="4861379" y="6000576"/>
+                  </a:cubicBezTo>
+                  <a:cubicBezTo>
+                    <a:pt x="5022621" y="5879931"/>
+                    <a:pt x="5180684" y="5745337"/>
+                    <a:pt x="5341263" y="5605834"/>
+                  </a:cubicBezTo>
+                  <a:lnTo>
+                    <a:pt x="5587301" y="5390379"/>
+                  </a:lnTo>
+                  <a:cubicBezTo>
+                    <a:pt x="5674216" y="5315718"/>
+                    <a:pt x="5761527" y="5244416"/>
+                    <a:pt x="5849105" y="5176344"/>
+                  </a:cubicBezTo>
+                  <a:lnTo>
+                    <a:pt x="5890489" y="5145260"/>
+                  </a:lnTo>
+                  <a:lnTo>
+                    <a:pt x="5890489" y="5995323"/>
+                  </a:lnTo>
+                  <a:lnTo>
+                    <a:pt x="5811477" y="6077819"/>
+                  </a:lnTo>
+                  <a:cubicBezTo>
+                    <a:pt x="5654739" y="6238377"/>
+                    <a:pt x="5487138" y="6396093"/>
+                    <a:pt x="5301384" y="6542958"/>
+                  </a:cubicBezTo>
+                  <a:lnTo>
+                    <a:pt x="5252008" y="6578438"/>
+                  </a:lnTo>
+                  <a:lnTo>
+                    <a:pt x="1653730" y="6578438"/>
+                  </a:lnTo>
+                  <a:lnTo>
+                    <a:pt x="1549768" y="6488821"/>
+                  </a:lnTo>
+                  <a:cubicBezTo>
+                    <a:pt x="1461976" y="6409495"/>
+                    <a:pt x="1378573" y="6327182"/>
+                    <a:pt x="1298282" y="6243932"/>
+                  </a:cubicBezTo>
+                  <a:cubicBezTo>
+                    <a:pt x="1278277" y="6223006"/>
+                    <a:pt x="1258138" y="6202210"/>
+                    <a:pt x="1237999" y="6181671"/>
+                  </a:cubicBezTo>
+                  <a:lnTo>
+                    <a:pt x="1179967" y="6117862"/>
+                  </a:lnTo>
+                  <a:lnTo>
+                    <a:pt x="1121936" y="6054569"/>
+                  </a:lnTo>
+                  <a:cubicBezTo>
+                    <a:pt x="1102328" y="6033644"/>
+                    <a:pt x="1084573" y="6011427"/>
+                    <a:pt x="1065628" y="5990243"/>
+                  </a:cubicBezTo>
+                  <a:cubicBezTo>
+                    <a:pt x="1028662" y="5947099"/>
+                    <a:pt x="990239" y="5904991"/>
+                    <a:pt x="954335" y="5861460"/>
+                  </a:cubicBezTo>
+                  <a:cubicBezTo>
+                    <a:pt x="936050" y="5840018"/>
+                    <a:pt x="917634" y="5818446"/>
+                    <a:pt x="898953" y="5797393"/>
+                  </a:cubicBezTo>
+                  <a:cubicBezTo>
+                    <a:pt x="880404" y="5776208"/>
+                    <a:pt x="861325" y="5755412"/>
+                    <a:pt x="842908" y="5733582"/>
+                  </a:cubicBezTo>
+                  <a:cubicBezTo>
+                    <a:pt x="767919" y="5647942"/>
+                    <a:pt x="693061" y="5561786"/>
+                    <a:pt x="622442" y="5471884"/>
+                  </a:cubicBezTo>
+                  <a:cubicBezTo>
+                    <a:pt x="551559" y="5382112"/>
+                    <a:pt x="486639" y="5287430"/>
+                    <a:pt x="425559" y="5190036"/>
+                  </a:cubicBezTo>
+                  <a:cubicBezTo>
+                    <a:pt x="303668" y="4994990"/>
+                    <a:pt x="200193" y="4786123"/>
+                    <a:pt x="123877" y="4564210"/>
+                  </a:cubicBezTo>
+                  <a:cubicBezTo>
+                    <a:pt x="47694" y="4342555"/>
+                    <a:pt x="2249" y="4106045"/>
+                    <a:pt x="130" y="3865530"/>
+                  </a:cubicBezTo>
+                  <a:cubicBezTo>
+                    <a:pt x="-1328" y="3745403"/>
+                    <a:pt x="9537" y="3624629"/>
+                    <a:pt x="30602" y="3505793"/>
+                  </a:cubicBezTo>
+                  <a:cubicBezTo>
+                    <a:pt x="51802" y="3386828"/>
+                    <a:pt x="84659" y="3270059"/>
+                    <a:pt x="126924" y="3157164"/>
+                  </a:cubicBezTo>
+                  <a:cubicBezTo>
+                    <a:pt x="200457" y="2959276"/>
+                    <a:pt x="271737" y="2761388"/>
+                    <a:pt x="334803" y="2560530"/>
+                  </a:cubicBezTo>
+                  <a:lnTo>
+                    <a:pt x="381176" y="2409144"/>
+                  </a:lnTo>
+                  <a:lnTo>
+                    <a:pt x="425825" y="2255819"/>
+                  </a:lnTo>
+                  <a:lnTo>
+                    <a:pt x="470210" y="2099523"/>
+                  </a:lnTo>
+                  <a:lnTo>
+                    <a:pt x="492998" y="2020213"/>
+                  </a:lnTo>
+                  <a:lnTo>
+                    <a:pt x="517509" y="1939224"/>
+                  </a:lnTo>
+                  <a:cubicBezTo>
+                    <a:pt x="525061" y="1912485"/>
+                    <a:pt x="534866" y="1884586"/>
+                    <a:pt x="544007" y="1857201"/>
+                  </a:cubicBezTo>
+                  <a:cubicBezTo>
+                    <a:pt x="553680" y="1829559"/>
+                    <a:pt x="561496" y="1802304"/>
+                    <a:pt x="573288" y="1774274"/>
+                  </a:cubicBezTo>
+                  <a:lnTo>
+                    <a:pt x="606146" y="1690832"/>
+                  </a:lnTo>
+                  <a:cubicBezTo>
+                    <a:pt x="618467" y="1663060"/>
+                    <a:pt x="631716" y="1635417"/>
+                    <a:pt x="644569" y="1607775"/>
+                  </a:cubicBezTo>
+                  <a:cubicBezTo>
+                    <a:pt x="698625" y="1498368"/>
+                    <a:pt x="763413" y="1391287"/>
+                    <a:pt x="837874" y="1297638"/>
+                  </a:cubicBezTo>
+                  <a:cubicBezTo>
+                    <a:pt x="910348" y="1201278"/>
+                    <a:pt x="990107" y="1115897"/>
+                    <a:pt x="1069602" y="1032194"/>
+                  </a:cubicBezTo>
+                  <a:cubicBezTo>
+                    <a:pt x="1089079" y="1010624"/>
+                    <a:pt x="1110012" y="990990"/>
+                    <a:pt x="1130548" y="970839"/>
+                  </a:cubicBezTo>
+                  <a:lnTo>
+                    <a:pt x="1192024" y="910129"/>
+                  </a:lnTo>
+                  <a:cubicBezTo>
+                    <a:pt x="1212031" y="889462"/>
+                    <a:pt x="1234024" y="870475"/>
+                    <a:pt x="1255356" y="850841"/>
+                  </a:cubicBezTo>
+                  <a:lnTo>
+                    <a:pt x="1319614" y="792068"/>
+                  </a:lnTo>
+                  <a:cubicBezTo>
+                    <a:pt x="1340680" y="772176"/>
+                    <a:pt x="1363469" y="753834"/>
+                    <a:pt x="1385728" y="734975"/>
+                  </a:cubicBezTo>
+                  <a:lnTo>
+                    <a:pt x="1452768" y="678528"/>
+                  </a:lnTo>
+                  <a:lnTo>
+                    <a:pt x="1469594" y="664449"/>
+                  </a:lnTo>
+                  <a:lnTo>
+                    <a:pt x="1487083" y="651015"/>
+                  </a:lnTo>
+                  <a:lnTo>
+                    <a:pt x="1522193" y="624277"/>
+                  </a:lnTo>
+                  <a:lnTo>
+                    <a:pt x="1592415" y="570671"/>
+                  </a:lnTo>
+                  <a:cubicBezTo>
+                    <a:pt x="1640110" y="535925"/>
+                    <a:pt x="1689531" y="503245"/>
+                    <a:pt x="1738287" y="469402"/>
+                  </a:cubicBezTo>
+                  <a:cubicBezTo>
+                    <a:pt x="1788634" y="438015"/>
+                    <a:pt x="1839643" y="407013"/>
+                    <a:pt x="1890918" y="376530"/>
+                  </a:cubicBezTo>
+                  <a:cubicBezTo>
+                    <a:pt x="2098400" y="258209"/>
+                    <a:pt x="2323503" y="166241"/>
+                    <a:pt x="2555363" y="105274"/>
+                  </a:cubicBezTo>
+                  <a:cubicBezTo>
+                    <a:pt x="2787223" y="44047"/>
+                    <a:pt x="3024516" y="12013"/>
+                    <a:pt x="3259291" y="3229"/>
+                  </a:cubicBezTo>
+                  <a:lnTo>
+                    <a:pt x="3347265" y="903"/>
+                  </a:lnTo>
+                  <a:close/>
+                </a:path>
+              </a:pathLst>
+            </a:custGeom>
+            <a:gradFill flip="none" rotWithShape="1">
+              <a:gsLst>
+                <a:gs pos="2000">
+                  <a:schemeClr val="bg1">
+                    <a:alpha val="10000"/>
+                  </a:schemeClr>
+                </a:gs>
+                <a:gs pos="16000">
+                  <a:schemeClr val="accent6">
+                    <a:alpha val="5000"/>
+                  </a:schemeClr>
+                </a:gs>
+                <a:gs pos="100000">
+                  <a:schemeClr val="bg1">
+                    <a:alpha val="10000"/>
+                  </a:schemeClr>
+                </a:gs>
+                <a:gs pos="85000">
+                  <a:schemeClr val="accent1">
+                    <a:alpha val="5000"/>
+                  </a:schemeClr>
+                </a:gs>
+              </a:gsLst>
+              <a:lin ang="12000000" scaled="0"/>
+              <a:tileRect/>
+            </a:gradFill>
+            <a:ln>
+              <a:noFill/>
+            </a:ln>
+          </p:spPr>
+          <p:style>
+            <a:lnRef idx="2">
+              <a:schemeClr val="accent1">
+                <a:shade val="50000"/>
+              </a:schemeClr>
+            </a:lnRef>
+            <a:fillRef idx="1">
+              <a:schemeClr val="accent1"/>
+            </a:fillRef>
+            <a:effectRef idx="0">
+              <a:schemeClr val="accent1"/>
+            </a:effectRef>
+            <a:fontRef idx="minor">
+              <a:schemeClr val="lt1"/>
+            </a:fontRef>
+          </p:style>
+          <p:txBody>
+            <a:bodyPr rtlCol="0" anchor="ctr"/>
+            <a:lstStyle/>
+            <a:p>
+              <a:pPr algn="ctr"/>
+              <a:endParaRPr lang="en-US"/>
+            </a:p>
+          </p:txBody>
+        </p:sp>
+        <p:sp>
+          <p:nvSpPr>
+            <p:cNvPr id="16" name="Freeform: Shape 15">
+              <a:extLst>
+                <a:ext uri="{FF2B5EF4-FFF2-40B4-BE49-F238E27FC236}">
+                  <a16:creationId xmlns:a16="http://schemas.microsoft.com/office/drawing/2014/main" id="{1122162E-5BAB-A7BA-567B-0F1B8EF6467A}"/>
+                </a:ext>
+                <a:ext uri="{C183D7F6-B498-43B3-948B-1728B52AA6E4}">
+                  <adec:decorative xmlns:adec="http://schemas.microsoft.com/office/drawing/2017/decorative" val="1"/>
+                </a:ext>
+              </a:extLst>
+            </p:cNvPr>
+            <p:cNvSpPr/>
+            <p:nvPr>
+              <p:extLst>
+                <p:ext uri="{386F3935-93C4-4BCD-93E2-E3B085C9AB24}">
+                  <p16:designElem xmlns:p16="http://schemas.microsoft.com/office/powerpoint/2015/main" val="1"/>
+                </p:ext>
+              </p:extLst>
+            </p:nvPr>
+          </p:nvSpPr>
+          <p:spPr>
+            <a:xfrm>
+              <a:off x="6101023" y="52997"/>
+              <a:ext cx="6093363" cy="6805004"/>
+            </a:xfrm>
+            <a:custGeom>
+              <a:avLst/>
+              <a:gdLst>
+                <a:gd name="connsiteX0" fmla="*/ 3517682 w 5890491"/>
+                <a:gd name="connsiteY0" fmla="*/ 0 h 6578439"/>
+                <a:gd name="connsiteX1" fmla="*/ 5849513 w 5890491"/>
+                <a:gd name="connsiteY1" fmla="*/ 841730 h 6578439"/>
+                <a:gd name="connsiteX2" fmla="*/ 5890491 w 5890491"/>
+                <a:gd name="connsiteY2" fmla="*/ 879061 h 6578439"/>
+                <a:gd name="connsiteX3" fmla="*/ 5890491 w 5890491"/>
+                <a:gd name="connsiteY3" fmla="*/ 2034114 h 6578439"/>
+                <a:gd name="connsiteX4" fmla="*/ 5757065 w 5890491"/>
+                <a:gd name="connsiteY4" fmla="*/ 1854938 h 6578439"/>
+                <a:gd name="connsiteX5" fmla="*/ 5564060 w 5890491"/>
+                <a:gd name="connsiteY5" fmla="*/ 1642182 h 6578439"/>
+                <a:gd name="connsiteX6" fmla="*/ 3517551 w 5890491"/>
+                <a:gd name="connsiteY6" fmla="*/ 790012 h 6578439"/>
+                <a:gd name="connsiteX7" fmla="*/ 1611552 w 5890491"/>
+                <a:gd name="connsiteY7" fmla="*/ 1543282 h 6578439"/>
+                <a:gd name="connsiteX8" fmla="*/ 1340656 w 5890491"/>
+                <a:gd name="connsiteY8" fmla="*/ 1897925 h 6578439"/>
+                <a:gd name="connsiteX9" fmla="*/ 1201705 w 5890491"/>
+                <a:gd name="connsiteY9" fmla="*/ 2361213 h 6578439"/>
+                <a:gd name="connsiteX10" fmla="*/ 852705 w 5890491"/>
+                <a:gd name="connsiteY10" fmla="*/ 3529176 h 6578439"/>
+                <a:gd name="connsiteX11" fmla="*/ 863863 w 5890491"/>
+                <a:gd name="connsiteY11" fmla="*/ 4437051 h 6578439"/>
+                <a:gd name="connsiteX12" fmla="*/ 1413569 w 5890491"/>
+                <a:gd name="connsiteY12" fmla="*/ 5357174 h 6578439"/>
+                <a:gd name="connsiteX13" fmla="*/ 2339129 w 5890491"/>
+                <a:gd name="connsiteY13" fmla="*/ 6143367 h 6578439"/>
+                <a:gd name="connsiteX14" fmla="*/ 3439449 w 5890491"/>
+                <a:gd name="connsiteY14" fmla="*/ 6420049 h 6578439"/>
+                <a:gd name="connsiteX15" fmla="*/ 5251388 w 5890491"/>
+                <a:gd name="connsiteY15" fmla="*/ 5349009 h 6578439"/>
+                <a:gd name="connsiteX16" fmla="*/ 5657731 w 5890491"/>
+                <a:gd name="connsiteY16" fmla="*/ 4959205 h 6578439"/>
+                <a:gd name="connsiteX17" fmla="*/ 5836127 w 5890491"/>
+                <a:gd name="connsiteY17" fmla="*/ 4792052 h 6578439"/>
+                <a:gd name="connsiteX18" fmla="*/ 5890491 w 5890491"/>
+                <a:gd name="connsiteY18" fmla="*/ 4738662 h 6578439"/>
+                <a:gd name="connsiteX19" fmla="*/ 5890491 w 5890491"/>
+                <a:gd name="connsiteY19" fmla="*/ 5821964 h 6578439"/>
+                <a:gd name="connsiteX20" fmla="*/ 5802001 w 5890491"/>
+                <a:gd name="connsiteY20" fmla="*/ 5907904 h 6578439"/>
+                <a:gd name="connsiteX21" fmla="*/ 5294358 w 5890491"/>
+                <a:gd name="connsiteY21" fmla="*/ 6397505 h 6578439"/>
+                <a:gd name="connsiteX22" fmla="*/ 5077178 w 5890491"/>
+                <a:gd name="connsiteY22" fmla="*/ 6578439 h 6578439"/>
+                <a:gd name="connsiteX23" fmla="*/ 1567290 w 5890491"/>
+                <a:gd name="connsiteY23" fmla="*/ 6578439 h 6578439"/>
+                <a:gd name="connsiteX24" fmla="*/ 1508588 w 5890491"/>
+                <a:gd name="connsiteY24" fmla="*/ 6535186 h 6578439"/>
+                <a:gd name="connsiteX25" fmla="*/ 826498 w 5890491"/>
+                <a:gd name="connsiteY25" fmla="*/ 5876034 h 6578439"/>
+                <a:gd name="connsiteX26" fmla="*/ 122403 w 5890491"/>
+                <a:gd name="connsiteY26" fmla="*/ 3255655 h 6578439"/>
+                <a:gd name="connsiteX27" fmla="*/ 1061197 w 5890491"/>
+                <a:gd name="connsiteY27" fmla="*/ 984650 h 6578439"/>
+                <a:gd name="connsiteX28" fmla="*/ 3517682 w 5890491"/>
+                <a:gd name="connsiteY28" fmla="*/ 0 h 6578439"/>
+              </a:gdLst>
+              <a:ahLst/>
+              <a:cxnLst>
+                <a:cxn ang="0">
+                  <a:pos x="connsiteX0" y="connsiteY0"/>
+                </a:cxn>
+                <a:cxn ang="0">
+                  <a:pos x="connsiteX1" y="connsiteY1"/>
+                </a:cxn>
+                <a:cxn ang="0">
+                  <a:pos x="connsiteX2" y="connsiteY2"/>
+                </a:cxn>
+                <a:cxn ang="0">
+                  <a:pos x="connsiteX3" y="connsiteY3"/>
+                </a:cxn>
+                <a:cxn ang="0">
+                  <a:pos x="connsiteX4" y="connsiteY4"/>
+                </a:cxn>
+                <a:cxn ang="0">
+                  <a:pos x="connsiteX5" y="connsiteY5"/>
+                </a:cxn>
+                <a:cxn ang="0">
+                  <a:pos x="connsiteX6" y="connsiteY6"/>
+                </a:cxn>
+                <a:cxn ang="0">
+                  <a:pos x="connsiteX7" y="connsiteY7"/>
+                </a:cxn>
+                <a:cxn ang="0">
+                  <a:pos x="connsiteX8" y="connsiteY8"/>
+                </a:cxn>
+                <a:cxn ang="0">
+                  <a:pos x="connsiteX9" y="connsiteY9"/>
+                </a:cxn>
+                <a:cxn ang="0">
+                  <a:pos x="connsiteX10" y="connsiteY10"/>
+                </a:cxn>
+                <a:cxn ang="0">
+                  <a:pos x="connsiteX11" y="connsiteY11"/>
+                </a:cxn>
+                <a:cxn ang="0">
+                  <a:pos x="connsiteX12" y="connsiteY12"/>
+                </a:cxn>
+                <a:cxn ang="0">
+                  <a:pos x="connsiteX13" y="connsiteY13"/>
+                </a:cxn>
+                <a:cxn ang="0">
+                  <a:pos x="connsiteX14" y="connsiteY14"/>
+                </a:cxn>
+                <a:cxn ang="0">
+                  <a:pos x="connsiteX15" y="connsiteY15"/>
+                </a:cxn>
+                <a:cxn ang="0">
+                  <a:pos x="connsiteX16" y="connsiteY16"/>
+                </a:cxn>
+                <a:cxn ang="0">
+                  <a:pos x="connsiteX17" y="connsiteY17"/>
+                </a:cxn>
+                <a:cxn ang="0">
+                  <a:pos x="connsiteX18" y="connsiteY18"/>
+                </a:cxn>
+                <a:cxn ang="0">
+                  <a:pos x="connsiteX19" y="connsiteY19"/>
+                </a:cxn>
+                <a:cxn ang="0">
+                  <a:pos x="connsiteX20" y="connsiteY20"/>
+                </a:cxn>
+                <a:cxn ang="0">
+                  <a:pos x="connsiteX21" y="connsiteY21"/>
+                </a:cxn>
+                <a:cxn ang="0">
+                  <a:pos x="connsiteX22" y="connsiteY22"/>
+                </a:cxn>
+                <a:cxn ang="0">
+                  <a:pos x="connsiteX23" y="connsiteY23"/>
+                </a:cxn>
+                <a:cxn ang="0">
+                  <a:pos x="connsiteX24" y="connsiteY24"/>
+                </a:cxn>
+                <a:cxn ang="0">
+                  <a:pos x="connsiteX25" y="connsiteY25"/>
+                </a:cxn>
+                <a:cxn ang="0">
+                  <a:pos x="connsiteX26" y="connsiteY26"/>
+                </a:cxn>
+                <a:cxn ang="0">
+                  <a:pos x="connsiteX27" y="connsiteY27"/>
+                </a:cxn>
+                <a:cxn ang="0">
+                  <a:pos x="connsiteX28" y="connsiteY28"/>
+                </a:cxn>
+              </a:cxnLst>
+              <a:rect l="l" t="t" r="r" b="b"/>
+              <a:pathLst>
+                <a:path w="5890491" h="6578439">
+                  <a:moveTo>
+                    <a:pt x="3517682" y="0"/>
+                  </a:moveTo>
+                  <a:cubicBezTo>
+                    <a:pt x="4402017" y="0"/>
+                    <a:pt x="5213742" y="315483"/>
+                    <a:pt x="5849513" y="841730"/>
+                  </a:cubicBezTo>
+                  <a:lnTo>
+                    <a:pt x="5890491" y="879061"/>
+                  </a:lnTo>
+                  <a:lnTo>
+                    <a:pt x="5890491" y="2034114"/>
+                  </a:lnTo>
+                  <a:lnTo>
+                    <a:pt x="5757065" y="1854938"/>
+                  </a:lnTo>
+                  <a:cubicBezTo>
+                    <a:pt x="5696443" y="1781264"/>
+                    <a:pt x="5632076" y="1710299"/>
+                    <a:pt x="5564060" y="1642182"/>
+                  </a:cubicBezTo>
+                  <a:cubicBezTo>
+                    <a:pt x="5015393" y="1092636"/>
+                    <a:pt x="4288592" y="790012"/>
+                    <a:pt x="3517551" y="790012"/>
+                  </a:cubicBezTo>
+                  <a:cubicBezTo>
+                    <a:pt x="2701750" y="790012"/>
+                    <a:pt x="2131676" y="1015335"/>
+                    <a:pt x="1611552" y="1543282"/>
+                  </a:cubicBezTo>
+                  <a:cubicBezTo>
+                    <a:pt x="1435754" y="1721722"/>
+                    <a:pt x="1375945" y="1822729"/>
+                    <a:pt x="1340656" y="1897925"/>
+                  </a:cubicBezTo>
+                  <a:cubicBezTo>
+                    <a:pt x="1289148" y="2007623"/>
+                    <a:pt x="1252432" y="2155907"/>
+                    <a:pt x="1201705" y="2361213"/>
+                  </a:cubicBezTo>
+                  <a:cubicBezTo>
+                    <a:pt x="1133721" y="2635919"/>
+                    <a:pt x="1040568" y="3012290"/>
+                    <a:pt x="852705" y="3529176"/>
+                  </a:cubicBezTo>
+                  <a:cubicBezTo>
+                    <a:pt x="749952" y="3811784"/>
+                    <a:pt x="753584" y="4108747"/>
+                    <a:pt x="863863" y="4437051"/>
+                  </a:cubicBezTo>
+                  <a:cubicBezTo>
+                    <a:pt x="964800" y="4737438"/>
+                    <a:pt x="1154869" y="5055603"/>
+                    <a:pt x="1413569" y="5357174"/>
+                  </a:cubicBezTo>
+                  <a:cubicBezTo>
+                    <a:pt x="1718326" y="5712343"/>
+                    <a:pt x="2021008" y="5969404"/>
+                    <a:pt x="2339129" y="6143367"/>
+                  </a:cubicBezTo>
+                  <a:cubicBezTo>
+                    <a:pt x="2679565" y="6329577"/>
+                    <a:pt x="3039591" y="6420049"/>
+                    <a:pt x="3439449" y="6420049"/>
+                  </a:cubicBezTo>
+                  <a:cubicBezTo>
+                    <a:pt x="4142246" y="6420049"/>
+                    <a:pt x="4633828" y="5976251"/>
+                    <a:pt x="5251388" y="5349009"/>
+                  </a:cubicBezTo>
+                  <a:cubicBezTo>
+                    <a:pt x="5389949" y="5208364"/>
+                    <a:pt x="5526047" y="5081677"/>
+                    <a:pt x="5657731" y="4959205"/>
+                  </a:cubicBezTo>
+                  <a:cubicBezTo>
+                    <a:pt x="5719520" y="4901722"/>
+                    <a:pt x="5779200" y="4846206"/>
+                    <a:pt x="5836127" y="4792052"/>
+                  </a:cubicBezTo>
+                  <a:lnTo>
+                    <a:pt x="5890491" y="4738662"/>
+                  </a:lnTo>
+                  <a:lnTo>
+                    <a:pt x="5890491" y="5821964"/>
+                  </a:lnTo>
+                  <a:lnTo>
+                    <a:pt x="5802001" y="5907904"/>
+                  </a:lnTo>
+                  <a:cubicBezTo>
+                    <a:pt x="5634962" y="6077456"/>
+                    <a:pt x="5467509" y="6243625"/>
+                    <a:pt x="5294358" y="6397505"/>
+                  </a:cubicBezTo>
+                  <a:lnTo>
+                    <a:pt x="5077178" y="6578439"/>
+                  </a:lnTo>
+                  <a:lnTo>
+                    <a:pt x="1567290" y="6578439"/>
+                  </a:lnTo>
+                  <a:lnTo>
+                    <a:pt x="1508588" y="6535186"/>
+                  </a:lnTo>
+                  <a:cubicBezTo>
+                    <a:pt x="1263991" y="6345442"/>
+                    <a:pt x="1038054" y="6122666"/>
+                    <a:pt x="826498" y="5876034"/>
+                  </a:cubicBezTo>
+                  <a:cubicBezTo>
+                    <a:pt x="261613" y="5217713"/>
+                    <a:pt x="-239182" y="4250314"/>
+                    <a:pt x="122403" y="3255655"/>
+                  </a:cubicBezTo>
+                  <a:cubicBezTo>
+                    <a:pt x="607497" y="1921629"/>
+                    <a:pt x="393040" y="1662857"/>
+                    <a:pt x="1061197" y="984650"/>
+                  </a:cubicBezTo>
+                  <a:cubicBezTo>
+                    <a:pt x="1729484" y="306444"/>
+                    <a:pt x="2498060" y="0"/>
+                    <a:pt x="3517682" y="0"/>
+                  </a:cubicBezTo>
+                  <a:close/>
+                </a:path>
+              </a:pathLst>
+            </a:custGeom>
+            <a:gradFill flip="none" rotWithShape="1">
+              <a:gsLst>
+                <a:gs pos="2000">
+                  <a:schemeClr val="bg1"/>
+                </a:gs>
+                <a:gs pos="16000">
+                  <a:schemeClr val="accent6">
+                    <a:alpha val="10000"/>
+                  </a:schemeClr>
+                </a:gs>
+                <a:gs pos="100000">
+                  <a:schemeClr val="bg1">
+                    <a:alpha val="10000"/>
+                  </a:schemeClr>
+                </a:gs>
+                <a:gs pos="85000">
+                  <a:schemeClr val="accent1">
+                    <a:alpha val="10000"/>
+                  </a:schemeClr>
+                </a:gs>
+              </a:gsLst>
+              <a:lin ang="12000000" scaled="0"/>
+              <a:tileRect/>
+            </a:gradFill>
+            <a:ln>
+              <a:noFill/>
+            </a:ln>
+          </p:spPr>
+          <p:style>
+            <a:lnRef idx="2">
+              <a:schemeClr val="accent1">
+                <a:shade val="50000"/>
+              </a:schemeClr>
+            </a:lnRef>
+            <a:fillRef idx="1">
+              <a:schemeClr val="accent1"/>
+            </a:fillRef>
+            <a:effectRef idx="0">
+              <a:schemeClr val="accent1"/>
+            </a:effectRef>
+            <a:fontRef idx="minor">
+              <a:schemeClr val="lt1"/>
+            </a:fontRef>
+          </p:style>
+          <p:txBody>
+            <a:bodyPr rtlCol="0" anchor="ctr"/>
+            <a:lstStyle/>
+            <a:p>
+              <a:pPr algn="ctr"/>
+              <a:endParaRPr lang="en-US" dirty="0"/>
+            </a:p>
+          </p:txBody>
+        </p:sp>
+        <p:sp>
+          <p:nvSpPr>
+            <p:cNvPr id="17" name="Freeform: Shape 16">
+              <a:extLst>
+                <a:ext uri="{FF2B5EF4-FFF2-40B4-BE49-F238E27FC236}">
+                  <a16:creationId xmlns:a16="http://schemas.microsoft.com/office/drawing/2014/main" id="{E90B5642-C443-19C8-9CB6-01CB747EF9C6}"/>
+                </a:ext>
+                <a:ext uri="{C183D7F6-B498-43B3-948B-1728B52AA6E4}">
+                  <adec:decorative xmlns:adec="http://schemas.microsoft.com/office/drawing/2017/decorative" val="1"/>
+                </a:ext>
+              </a:extLst>
+            </p:cNvPr>
+            <p:cNvSpPr/>
+            <p:nvPr>
+              <p:extLst>
+                <p:ext uri="{386F3935-93C4-4BCD-93E2-E3B085C9AB24}">
+                  <p16:designElem xmlns:p16="http://schemas.microsoft.com/office/powerpoint/2015/main" val="1"/>
+                </p:ext>
+              </p:extLst>
+            </p:nvPr>
+          </p:nvSpPr>
+          <p:spPr>
+            <a:xfrm>
+              <a:off x="6101024" y="52997"/>
+              <a:ext cx="6093362" cy="6805004"/>
+            </a:xfrm>
+            <a:custGeom>
+              <a:avLst/>
+              <a:gdLst>
+                <a:gd name="connsiteX0" fmla="*/ 5890490 w 5890490"/>
+                <a:gd name="connsiteY0" fmla="*/ 5389037 h 6578439"/>
+                <a:gd name="connsiteX1" fmla="*/ 5890490 w 5890490"/>
+                <a:gd name="connsiteY1" fmla="*/ 5855587 h 6578439"/>
+                <a:gd name="connsiteX2" fmla="*/ 5784593 w 5890490"/>
+                <a:gd name="connsiteY2" fmla="*/ 5962054 h 6578439"/>
+                <a:gd name="connsiteX3" fmla="*/ 5663414 w 5890490"/>
+                <a:gd name="connsiteY3" fmla="*/ 6082564 h 6578439"/>
+                <a:gd name="connsiteX4" fmla="*/ 5147099 w 5890490"/>
+                <a:gd name="connsiteY4" fmla="*/ 6547726 h 6578439"/>
+                <a:gd name="connsiteX5" fmla="*/ 5105015 w 5890490"/>
+                <a:gd name="connsiteY5" fmla="*/ 6578439 h 6578439"/>
+                <a:gd name="connsiteX6" fmla="*/ 4385601 w 5890490"/>
+                <a:gd name="connsiteY6" fmla="*/ 6578439 h 6578439"/>
+                <a:gd name="connsiteX7" fmla="*/ 4507252 w 5890490"/>
+                <a:gd name="connsiteY7" fmla="*/ 6515968 h 6578439"/>
+                <a:gd name="connsiteX8" fmla="*/ 4909330 w 5890490"/>
+                <a:gd name="connsiteY8" fmla="*/ 6253453 h 6578439"/>
+                <a:gd name="connsiteX9" fmla="*/ 5411374 w 5890490"/>
+                <a:gd name="connsiteY9" fmla="*/ 5828544 h 6578439"/>
+                <a:gd name="connsiteX10" fmla="*/ 5533570 w 5890490"/>
+                <a:gd name="connsiteY10" fmla="*/ 5714534 h 6578439"/>
+                <a:gd name="connsiteX11" fmla="*/ 5657425 w 5890490"/>
+                <a:gd name="connsiteY11" fmla="*/ 5597650 h 6578439"/>
+                <a:gd name="connsiteX12" fmla="*/ 3336813 w 5890490"/>
+                <a:gd name="connsiteY12" fmla="*/ 499 h 6578439"/>
+                <a:gd name="connsiteX13" fmla="*/ 3513674 w 5890490"/>
+                <a:gd name="connsiteY13" fmla="*/ 1202 h 6578439"/>
+                <a:gd name="connsiteX14" fmla="*/ 3602743 w 5890490"/>
+                <a:gd name="connsiteY14" fmla="*/ 4827 h 6578439"/>
+                <a:gd name="connsiteX15" fmla="*/ 3647213 w 5890490"/>
+                <a:gd name="connsiteY15" fmla="*/ 6703 h 6578439"/>
+                <a:gd name="connsiteX16" fmla="*/ 3691684 w 5890490"/>
+                <a:gd name="connsiteY16" fmla="*/ 9453 h 6578439"/>
+                <a:gd name="connsiteX17" fmla="*/ 3868927 w 5890490"/>
+                <a:gd name="connsiteY17" fmla="*/ 27080 h 6578439"/>
+                <a:gd name="connsiteX18" fmla="*/ 5200872 w 5890490"/>
+                <a:gd name="connsiteY18" fmla="*/ 472240 h 6578439"/>
+                <a:gd name="connsiteX19" fmla="*/ 5772711 w 5890490"/>
+                <a:gd name="connsiteY19" fmla="*/ 866334 h 6578439"/>
+                <a:gd name="connsiteX20" fmla="*/ 5890490 w 5890490"/>
+                <a:gd name="connsiteY20" fmla="*/ 972426 h 6578439"/>
+                <a:gd name="connsiteX21" fmla="*/ 5890490 w 5890490"/>
+                <a:gd name="connsiteY21" fmla="*/ 1158576 h 6578439"/>
+                <a:gd name="connsiteX22" fmla="*/ 5676045 w 5890490"/>
+                <a:gd name="connsiteY22" fmla="*/ 986969 h 6578439"/>
+                <a:gd name="connsiteX23" fmla="*/ 5103776 w 5890490"/>
+                <a:gd name="connsiteY23" fmla="*/ 655879 h 6578439"/>
+                <a:gd name="connsiteX24" fmla="*/ 4482465 w 5890490"/>
+                <a:gd name="connsiteY24" fmla="*/ 440363 h 6578439"/>
+                <a:gd name="connsiteX25" fmla="*/ 4402444 w 5890490"/>
+                <a:gd name="connsiteY25" fmla="*/ 422111 h 6578439"/>
+                <a:gd name="connsiteX26" fmla="*/ 4322423 w 5890490"/>
+                <a:gd name="connsiteY26" fmla="*/ 404610 h 6578439"/>
+                <a:gd name="connsiteX27" fmla="*/ 4241892 w 5890490"/>
+                <a:gd name="connsiteY27" fmla="*/ 389858 h 6578439"/>
+                <a:gd name="connsiteX28" fmla="*/ 4201627 w 5890490"/>
+                <a:gd name="connsiteY28" fmla="*/ 382483 h 6578439"/>
+                <a:gd name="connsiteX29" fmla="*/ 4161234 w 5890490"/>
+                <a:gd name="connsiteY29" fmla="*/ 375857 h 6578439"/>
+                <a:gd name="connsiteX30" fmla="*/ 3999280 w 5890490"/>
+                <a:gd name="connsiteY30" fmla="*/ 353606 h 6578439"/>
+                <a:gd name="connsiteX31" fmla="*/ 3836817 w 5890490"/>
+                <a:gd name="connsiteY31" fmla="*/ 338480 h 6578439"/>
+                <a:gd name="connsiteX32" fmla="*/ 3673972 w 5890490"/>
+                <a:gd name="connsiteY32" fmla="*/ 330604 h 6578439"/>
+                <a:gd name="connsiteX33" fmla="*/ 3511126 w 5890490"/>
+                <a:gd name="connsiteY33" fmla="*/ 328978 h 6578439"/>
+                <a:gd name="connsiteX34" fmla="*/ 3183142 w 5890490"/>
+                <a:gd name="connsiteY34" fmla="*/ 342854 h 6578439"/>
+                <a:gd name="connsiteX35" fmla="*/ 2541444 w 5890490"/>
+                <a:gd name="connsiteY35" fmla="*/ 439988 h 6578439"/>
+                <a:gd name="connsiteX36" fmla="*/ 1933895 w 5890490"/>
+                <a:gd name="connsiteY36" fmla="*/ 650505 h 6578439"/>
+                <a:gd name="connsiteX37" fmla="*/ 1378079 w 5890490"/>
+                <a:gd name="connsiteY37" fmla="*/ 983905 h 6578439"/>
+                <a:gd name="connsiteX38" fmla="*/ 1312967 w 5890490"/>
+                <a:gd name="connsiteY38" fmla="*/ 1033660 h 6578439"/>
+                <a:gd name="connsiteX39" fmla="*/ 1248364 w 5890490"/>
+                <a:gd name="connsiteY39" fmla="*/ 1084413 h 6578439"/>
+                <a:gd name="connsiteX40" fmla="*/ 1185163 w 5890490"/>
+                <a:gd name="connsiteY40" fmla="*/ 1137168 h 6578439"/>
+                <a:gd name="connsiteX41" fmla="*/ 1122852 w 5890490"/>
+                <a:gd name="connsiteY41" fmla="*/ 1190922 h 6578439"/>
+                <a:gd name="connsiteX42" fmla="*/ 892092 w 5890490"/>
+                <a:gd name="connsiteY42" fmla="*/ 1421440 h 6578439"/>
+                <a:gd name="connsiteX43" fmla="*/ 707202 w 5890490"/>
+                <a:gd name="connsiteY43" fmla="*/ 1684212 h 6578439"/>
+                <a:gd name="connsiteX44" fmla="*/ 670121 w 5890490"/>
+                <a:gd name="connsiteY44" fmla="*/ 1756093 h 6578439"/>
+                <a:gd name="connsiteX45" fmla="*/ 637630 w 5890490"/>
+                <a:gd name="connsiteY45" fmla="*/ 1830724 h 6578439"/>
+                <a:gd name="connsiteX46" fmla="*/ 607685 w 5890490"/>
+                <a:gd name="connsiteY46" fmla="*/ 1907105 h 6578439"/>
+                <a:gd name="connsiteX47" fmla="*/ 580034 w 5890490"/>
+                <a:gd name="connsiteY47" fmla="*/ 1984986 h 6578439"/>
+                <a:gd name="connsiteX48" fmla="*/ 481919 w 5890490"/>
+                <a:gd name="connsiteY48" fmla="*/ 2304386 h 6578439"/>
+                <a:gd name="connsiteX49" fmla="*/ 433881 w 5890490"/>
+                <a:gd name="connsiteY49" fmla="*/ 2465399 h 6578439"/>
+                <a:gd name="connsiteX50" fmla="*/ 384442 w 5890490"/>
+                <a:gd name="connsiteY50" fmla="*/ 2626163 h 6578439"/>
+                <a:gd name="connsiteX51" fmla="*/ 166039 w 5890490"/>
+                <a:gd name="connsiteY51" fmla="*/ 3261338 h 6578439"/>
+                <a:gd name="connsiteX52" fmla="*/ 56202 w 5890490"/>
+                <a:gd name="connsiteY52" fmla="*/ 3910265 h 6578439"/>
+                <a:gd name="connsiteX53" fmla="*/ 93664 w 5890490"/>
+                <a:gd name="connsiteY53" fmla="*/ 4237292 h 6578439"/>
+                <a:gd name="connsiteX54" fmla="*/ 111758 w 5890490"/>
+                <a:gd name="connsiteY54" fmla="*/ 4317548 h 6578439"/>
+                <a:gd name="connsiteX55" fmla="*/ 133038 w 5890490"/>
+                <a:gd name="connsiteY55" fmla="*/ 4397054 h 6578439"/>
+                <a:gd name="connsiteX56" fmla="*/ 157757 w 5890490"/>
+                <a:gd name="connsiteY56" fmla="*/ 4475560 h 6578439"/>
+                <a:gd name="connsiteX57" fmla="*/ 185153 w 5890490"/>
+                <a:gd name="connsiteY57" fmla="*/ 4553066 h 6578439"/>
+                <a:gd name="connsiteX58" fmla="*/ 493642 w 5890490"/>
+                <a:gd name="connsiteY58" fmla="*/ 5132239 h 6578439"/>
+                <a:gd name="connsiteX59" fmla="*/ 914391 w 5890490"/>
+                <a:gd name="connsiteY59" fmla="*/ 5636528 h 6578439"/>
+                <a:gd name="connsiteX60" fmla="*/ 1402034 w 5890490"/>
+                <a:gd name="connsiteY60" fmla="*/ 6076188 h 6578439"/>
+                <a:gd name="connsiteX61" fmla="*/ 1664397 w 5890490"/>
+                <a:gd name="connsiteY61" fmla="*/ 6267079 h 6578439"/>
+                <a:gd name="connsiteX62" fmla="*/ 1938992 w 5890490"/>
+                <a:gd name="connsiteY62" fmla="*/ 6434343 h 6578439"/>
+                <a:gd name="connsiteX63" fmla="*/ 2225931 w 5890490"/>
+                <a:gd name="connsiteY63" fmla="*/ 6574322 h 6578439"/>
+                <a:gd name="connsiteX64" fmla="*/ 2236328 w 5890490"/>
+                <a:gd name="connsiteY64" fmla="*/ 6578439 h 6578439"/>
+                <a:gd name="connsiteX65" fmla="*/ 1504665 w 5890490"/>
+                <a:gd name="connsiteY65" fmla="*/ 6578439 h 6578439"/>
+                <a:gd name="connsiteX66" fmla="*/ 1456827 w 5890490"/>
+                <a:gd name="connsiteY66" fmla="*/ 6543476 h 6578439"/>
+                <a:gd name="connsiteX67" fmla="*/ 1188475 w 5890490"/>
+                <a:gd name="connsiteY67" fmla="*/ 6314083 h 6578439"/>
+                <a:gd name="connsiteX68" fmla="*/ 721728 w 5890490"/>
+                <a:gd name="connsiteY68" fmla="*/ 5798666 h 6578439"/>
+                <a:gd name="connsiteX69" fmla="*/ 344175 w 5890490"/>
+                <a:gd name="connsiteY69" fmla="*/ 5219495 h 6578439"/>
+                <a:gd name="connsiteX70" fmla="*/ 87293 w 5890490"/>
+                <a:gd name="connsiteY70" fmla="*/ 4583569 h 6578439"/>
+                <a:gd name="connsiteX71" fmla="*/ 65886 w 5890490"/>
+                <a:gd name="connsiteY71" fmla="*/ 4500813 h 6578439"/>
+                <a:gd name="connsiteX72" fmla="*/ 47409 w 5890490"/>
+                <a:gd name="connsiteY72" fmla="*/ 4417431 h 6578439"/>
+                <a:gd name="connsiteX73" fmla="*/ 39000 w 5890490"/>
+                <a:gd name="connsiteY73" fmla="*/ 4375677 h 6578439"/>
+                <a:gd name="connsiteX74" fmla="*/ 31610 w 5890490"/>
+                <a:gd name="connsiteY74" fmla="*/ 4333674 h 6578439"/>
+                <a:gd name="connsiteX75" fmla="*/ 18868 w 5890490"/>
+                <a:gd name="connsiteY75" fmla="*/ 4249417 h 6578439"/>
+                <a:gd name="connsiteX76" fmla="*/ 646 w 5890490"/>
+                <a:gd name="connsiteY76" fmla="*/ 3910265 h 6578439"/>
+                <a:gd name="connsiteX77" fmla="*/ 130234 w 5890490"/>
+                <a:gd name="connsiteY77" fmla="*/ 3248337 h 6578439"/>
+                <a:gd name="connsiteX78" fmla="*/ 335383 w 5890490"/>
+                <a:gd name="connsiteY78" fmla="*/ 2611911 h 6578439"/>
+                <a:gd name="connsiteX79" fmla="*/ 487272 w 5890490"/>
+                <a:gd name="connsiteY79" fmla="*/ 1958609 h 6578439"/>
+                <a:gd name="connsiteX80" fmla="*/ 508550 w 5890490"/>
+                <a:gd name="connsiteY80" fmla="*/ 1876227 h 6578439"/>
+                <a:gd name="connsiteX81" fmla="*/ 531742 w 5890490"/>
+                <a:gd name="connsiteY81" fmla="*/ 1793721 h 6578439"/>
+                <a:gd name="connsiteX82" fmla="*/ 558245 w 5890490"/>
+                <a:gd name="connsiteY82" fmla="*/ 1711465 h 6578439"/>
+                <a:gd name="connsiteX83" fmla="*/ 590100 w 5890490"/>
+                <a:gd name="connsiteY83" fmla="*/ 1630332 h 6578439"/>
+                <a:gd name="connsiteX84" fmla="*/ 758680 w 5890490"/>
+                <a:gd name="connsiteY84" fmla="*/ 1322433 h 6578439"/>
+                <a:gd name="connsiteX85" fmla="*/ 976317 w 5890490"/>
+                <a:gd name="connsiteY85" fmla="*/ 1049286 h 6578439"/>
+                <a:gd name="connsiteX86" fmla="*/ 1035314 w 5890490"/>
+                <a:gd name="connsiteY86" fmla="*/ 985406 h 6578439"/>
+                <a:gd name="connsiteX87" fmla="*/ 1095329 w 5890490"/>
+                <a:gd name="connsiteY87" fmla="*/ 922526 h 6578439"/>
+                <a:gd name="connsiteX88" fmla="*/ 1157384 w 5890490"/>
+                <a:gd name="connsiteY88" fmla="*/ 861271 h 6578439"/>
+                <a:gd name="connsiteX89" fmla="*/ 1220841 w 5890490"/>
+                <a:gd name="connsiteY89" fmla="*/ 801017 h 6578439"/>
+                <a:gd name="connsiteX90" fmla="*/ 1286462 w 5890490"/>
+                <a:gd name="connsiteY90" fmla="*/ 742886 h 6578439"/>
+                <a:gd name="connsiteX91" fmla="*/ 1353233 w 5890490"/>
+                <a:gd name="connsiteY91" fmla="*/ 685632 h 6578439"/>
+                <a:gd name="connsiteX92" fmla="*/ 1369924 w 5890490"/>
+                <a:gd name="connsiteY92" fmla="*/ 671256 h 6578439"/>
+                <a:gd name="connsiteX93" fmla="*/ 1387380 w 5890490"/>
+                <a:gd name="connsiteY93" fmla="*/ 657755 h 6578439"/>
+                <a:gd name="connsiteX94" fmla="*/ 1422422 w 5890490"/>
+                <a:gd name="connsiteY94" fmla="*/ 630877 h 6578439"/>
+                <a:gd name="connsiteX95" fmla="*/ 1492759 w 5890490"/>
+                <a:gd name="connsiteY95" fmla="*/ 577248 h 6578439"/>
+                <a:gd name="connsiteX96" fmla="*/ 1528820 w 5890490"/>
+                <a:gd name="connsiteY96" fmla="*/ 551496 h 6578439"/>
+                <a:gd name="connsiteX97" fmla="*/ 1565390 w 5890490"/>
+                <a:gd name="connsiteY97" fmla="*/ 526370 h 6578439"/>
+                <a:gd name="connsiteX98" fmla="*/ 1639040 w 5890490"/>
+                <a:gd name="connsiteY98" fmla="*/ 476490 h 6578439"/>
+                <a:gd name="connsiteX99" fmla="*/ 1792075 w 5890490"/>
+                <a:gd name="connsiteY99" fmla="*/ 384859 h 6578439"/>
+                <a:gd name="connsiteX100" fmla="*/ 2455943 w 5890490"/>
+                <a:gd name="connsiteY100" fmla="*/ 117836 h 6578439"/>
+                <a:gd name="connsiteX101" fmla="*/ 3159952 w 5890490"/>
+                <a:gd name="connsiteY101" fmla="*/ 7203 h 6578439"/>
+                <a:gd name="connsiteX102" fmla="*/ 3336813 w 5890490"/>
+                <a:gd name="connsiteY102" fmla="*/ 499 h 6578439"/>
+              </a:gdLst>
+              <a:ahLst/>
+              <a:cxnLst>
+                <a:cxn ang="0">
+                  <a:pos x="connsiteX0" y="connsiteY0"/>
+                </a:cxn>
+                <a:cxn ang="0">
+                  <a:pos x="connsiteX1" y="connsiteY1"/>
+                </a:cxn>
+                <a:cxn ang="0">
+                  <a:pos x="connsiteX2" y="connsiteY2"/>
+                </a:cxn>
+                <a:cxn ang="0">
+                  <a:pos x="connsiteX3" y="connsiteY3"/>
+                </a:cxn>
+                <a:cxn ang="0">
+                  <a:pos x="connsiteX4" y="connsiteY4"/>
+                </a:cxn>
+                <a:cxn ang="0">
+                  <a:pos x="connsiteX5" y="connsiteY5"/>
+                </a:cxn>
+                <a:cxn ang="0">
+                  <a:pos x="connsiteX6" y="connsiteY6"/>
+                </a:cxn>
+                <a:cxn ang="0">
+                  <a:pos x="connsiteX7" y="connsiteY7"/>
+                </a:cxn>
+                <a:cxn ang="0">
+                  <a:pos x="connsiteX8" y="connsiteY8"/>
+                </a:cxn>
+                <a:cxn ang="0">
+                  <a:pos x="connsiteX9" y="connsiteY9"/>
+                </a:cxn>
+                <a:cxn ang="0">
+                  <a:pos x="connsiteX10" y="connsiteY10"/>
+                </a:cxn>
+                <a:cxn ang="0">
+                  <a:pos x="connsiteX11" y="connsiteY11"/>
+                </a:cxn>
+                <a:cxn ang="0">
+                  <a:pos x="connsiteX12" y="connsiteY12"/>
+                </a:cxn>
+                <a:cxn ang="0">
+                  <a:pos x="connsiteX13" y="connsiteY13"/>
+                </a:cxn>
+                <a:cxn ang="0">
+                  <a:pos x="connsiteX14" y="connsiteY14"/>
+                </a:cxn>
+                <a:cxn ang="0">
+                  <a:pos x="connsiteX15" y="connsiteY15"/>
+                </a:cxn>
+                <a:cxn ang="0">
+                  <a:pos x="connsiteX16" y="connsiteY16"/>
+                </a:cxn>
+                <a:cxn ang="0">
+                  <a:pos x="connsiteX17" y="connsiteY17"/>
+                </a:cxn>
+                <a:cxn ang="0">
+                  <a:pos x="connsiteX18" y="connsiteY18"/>
+                </a:cxn>
+                <a:cxn ang="0">
+                  <a:pos x="connsiteX19" y="connsiteY19"/>
+                </a:cxn>
+                <a:cxn ang="0">
+                  <a:pos x="connsiteX20" y="connsiteY20"/>
+                </a:cxn>
+                <a:cxn ang="0">
+                  <a:pos x="connsiteX21" y="connsiteY21"/>
+                </a:cxn>
+                <a:cxn ang="0">
+                  <a:pos x="connsiteX22" y="connsiteY22"/>
+                </a:cxn>
+                <a:cxn ang="0">
+                  <a:pos x="connsiteX23" y="connsiteY23"/>
+                </a:cxn>
+                <a:cxn ang="0">
+                  <a:pos x="connsiteX24" y="connsiteY24"/>
+                </a:cxn>
+                <a:cxn ang="0">
+                  <a:pos x="connsiteX25" y="connsiteY25"/>
+                </a:cxn>
+                <a:cxn ang="0">
+                  <a:pos x="connsiteX26" y="connsiteY26"/>
+                </a:cxn>
+                <a:cxn ang="0">
+                  <a:pos x="connsiteX27" y="connsiteY27"/>
+                </a:cxn>
+                <a:cxn ang="0">
+                  <a:pos x="connsiteX28" y="connsiteY28"/>
+                </a:cxn>
+                <a:cxn ang="0">
+                  <a:pos x="connsiteX29" y="connsiteY29"/>
+                </a:cxn>
+                <a:cxn ang="0">
+                  <a:pos x="connsiteX30" y="connsiteY30"/>
+                </a:cxn>
+                <a:cxn ang="0">
+                  <a:pos x="connsiteX31" y="connsiteY31"/>
+                </a:cxn>
+                <a:cxn ang="0">
+                  <a:pos x="connsiteX32" y="connsiteY32"/>
+                </a:cxn>
+                <a:cxn ang="0">
+                  <a:pos x="connsiteX33" y="connsiteY33"/>
+                </a:cxn>
+                <a:cxn ang="0">
+                  <a:pos x="connsiteX34" y="connsiteY34"/>
+                </a:cxn>
+                <a:cxn ang="0">
+                  <a:pos x="connsiteX35" y="connsiteY35"/>
+                </a:cxn>
+                <a:cxn ang="0">
+                  <a:pos x="connsiteX36" y="connsiteY36"/>
+                </a:cxn>
+                <a:cxn ang="0">
+                  <a:pos x="connsiteX37" y="connsiteY37"/>
+                </a:cxn>
+                <a:cxn ang="0">
+                  <a:pos x="connsiteX38" y="connsiteY38"/>
+                </a:cxn>
+                <a:cxn ang="0">
+                  <a:pos x="connsiteX39" y="connsiteY39"/>
+                </a:cxn>
+                <a:cxn ang="0">
+                  <a:pos x="connsiteX40" y="connsiteY40"/>
+                </a:cxn>
+                <a:cxn ang="0">
+                  <a:pos x="connsiteX41" y="connsiteY41"/>
+                </a:cxn>
+                <a:cxn ang="0">
+                  <a:pos x="connsiteX42" y="connsiteY42"/>
+                </a:cxn>
+                <a:cxn ang="0">
+                  <a:pos x="connsiteX43" y="connsiteY43"/>
+                </a:cxn>
+                <a:cxn ang="0">
+                  <a:pos x="connsiteX44" y="connsiteY44"/>
+                </a:cxn>
+                <a:cxn ang="0">
+                  <a:pos x="connsiteX45" y="connsiteY45"/>
+                </a:cxn>
+                <a:cxn ang="0">
+                  <a:pos x="connsiteX46" y="connsiteY46"/>
+                </a:cxn>
+                <a:cxn ang="0">
+                  <a:pos x="connsiteX47" y="connsiteY47"/>
+                </a:cxn>
+                <a:cxn ang="0">
+                  <a:pos x="connsiteX48" y="connsiteY48"/>
+                </a:cxn>
+                <a:cxn ang="0">
+                  <a:pos x="connsiteX49" y="connsiteY49"/>
+                </a:cxn>
+                <a:cxn ang="0">
+                  <a:pos x="connsiteX50" y="connsiteY50"/>
+                </a:cxn>
+                <a:cxn ang="0">
+                  <a:pos x="connsiteX51" y="connsiteY51"/>
+                </a:cxn>
+                <a:cxn ang="0">
+                  <a:pos x="connsiteX52" y="connsiteY52"/>
+                </a:cxn>
+                <a:cxn ang="0">
+                  <a:pos x="connsiteX53" y="connsiteY53"/>
+                </a:cxn>
+                <a:cxn ang="0">
+                  <a:pos x="connsiteX54" y="connsiteY54"/>
+                </a:cxn>
+                <a:cxn ang="0">
+                  <a:pos x="connsiteX55" y="connsiteY55"/>
+                </a:cxn>
+                <a:cxn ang="0">
+                  <a:pos x="connsiteX56" y="connsiteY56"/>
+                </a:cxn>
+                <a:cxn ang="0">
+                  <a:pos x="connsiteX57" y="connsiteY57"/>
+                </a:cxn>
+                <a:cxn ang="0">
+                  <a:pos x="connsiteX58" y="connsiteY58"/>
+                </a:cxn>
+                <a:cxn ang="0">
+                  <a:pos x="connsiteX59" y="connsiteY59"/>
+                </a:cxn>
+                <a:cxn ang="0">
+                  <a:pos x="connsiteX60" y="connsiteY60"/>
+                </a:cxn>
+                <a:cxn ang="0">
+                  <a:pos x="connsiteX61" y="connsiteY61"/>
+                </a:cxn>
+                <a:cxn ang="0">
+                  <a:pos x="connsiteX62" y="connsiteY62"/>
+                </a:cxn>
+                <a:cxn ang="0">
+                  <a:pos x="connsiteX63" y="connsiteY63"/>
+                </a:cxn>
+                <a:cxn ang="0">
+                  <a:pos x="connsiteX64" y="connsiteY64"/>
+                </a:cxn>
+                <a:cxn ang="0">
+                  <a:pos x="connsiteX65" y="connsiteY65"/>
+                </a:cxn>
+                <a:cxn ang="0">
+                  <a:pos x="connsiteX66" y="connsiteY66"/>
+                </a:cxn>
+                <a:cxn ang="0">
+                  <a:pos x="connsiteX67" y="connsiteY67"/>
+                </a:cxn>
+                <a:cxn ang="0">
+                  <a:pos x="connsiteX68" y="connsiteY68"/>
+                </a:cxn>
+                <a:cxn ang="0">
+                  <a:pos x="connsiteX69" y="connsiteY69"/>
+                </a:cxn>
+                <a:cxn ang="0">
+                  <a:pos x="connsiteX70" y="connsiteY70"/>
+                </a:cxn>
+                <a:cxn ang="0">
+                  <a:pos x="connsiteX71" y="connsiteY71"/>
+                </a:cxn>
+                <a:cxn ang="0">
+                  <a:pos x="connsiteX72" y="connsiteY72"/>
+                </a:cxn>
+                <a:cxn ang="0">
+                  <a:pos x="connsiteX73" y="connsiteY73"/>
+                </a:cxn>
+                <a:cxn ang="0">
+                  <a:pos x="connsiteX74" y="connsiteY74"/>
+                </a:cxn>
+                <a:cxn ang="0">
+                  <a:pos x="connsiteX75" y="connsiteY75"/>
+                </a:cxn>
+                <a:cxn ang="0">
+                  <a:pos x="connsiteX76" y="connsiteY76"/>
+                </a:cxn>
+                <a:cxn ang="0">
+                  <a:pos x="connsiteX77" y="connsiteY77"/>
+                </a:cxn>
+                <a:cxn ang="0">
+                  <a:pos x="connsiteX78" y="connsiteY78"/>
+                </a:cxn>
+                <a:cxn ang="0">
+                  <a:pos x="connsiteX79" y="connsiteY79"/>
+                </a:cxn>
+                <a:cxn ang="0">
+                  <a:pos x="connsiteX80" y="connsiteY80"/>
+                </a:cxn>
+                <a:cxn ang="0">
+                  <a:pos x="connsiteX81" y="connsiteY81"/>
+                </a:cxn>
+                <a:cxn ang="0">
+                  <a:pos x="connsiteX82" y="connsiteY82"/>
+                </a:cxn>
+                <a:cxn ang="0">
+                  <a:pos x="connsiteX83" y="connsiteY83"/>
+                </a:cxn>
+                <a:cxn ang="0">
+                  <a:pos x="connsiteX84" y="connsiteY84"/>
+                </a:cxn>
+                <a:cxn ang="0">
+                  <a:pos x="connsiteX85" y="connsiteY85"/>
+                </a:cxn>
+                <a:cxn ang="0">
+                  <a:pos x="connsiteX86" y="connsiteY86"/>
+                </a:cxn>
+                <a:cxn ang="0">
+                  <a:pos x="connsiteX87" y="connsiteY87"/>
+                </a:cxn>
+                <a:cxn ang="0">
+                  <a:pos x="connsiteX88" y="connsiteY88"/>
+                </a:cxn>
+                <a:cxn ang="0">
+                  <a:pos x="connsiteX89" y="connsiteY89"/>
+                </a:cxn>
+                <a:cxn ang="0">
+                  <a:pos x="connsiteX90" y="connsiteY90"/>
+                </a:cxn>
+                <a:cxn ang="0">
+                  <a:pos x="connsiteX91" y="connsiteY91"/>
+                </a:cxn>
+                <a:cxn ang="0">
+                  <a:pos x="connsiteX92" y="connsiteY92"/>
+                </a:cxn>
+                <a:cxn ang="0">
+                  <a:pos x="connsiteX93" y="connsiteY93"/>
+                </a:cxn>
+                <a:cxn ang="0">
+                  <a:pos x="connsiteX94" y="connsiteY94"/>
+                </a:cxn>
+                <a:cxn ang="0">
+                  <a:pos x="connsiteX95" y="connsiteY95"/>
+                </a:cxn>
+                <a:cxn ang="0">
+                  <a:pos x="connsiteX96" y="connsiteY96"/>
+                </a:cxn>
+                <a:cxn ang="0">
+                  <a:pos x="connsiteX97" y="connsiteY97"/>
+                </a:cxn>
+                <a:cxn ang="0">
+                  <a:pos x="connsiteX98" y="connsiteY98"/>
+                </a:cxn>
+                <a:cxn ang="0">
+                  <a:pos x="connsiteX99" y="connsiteY99"/>
+                </a:cxn>
+                <a:cxn ang="0">
+                  <a:pos x="connsiteX100" y="connsiteY100"/>
+                </a:cxn>
+                <a:cxn ang="0">
+                  <a:pos x="connsiteX101" y="connsiteY101"/>
+                </a:cxn>
+                <a:cxn ang="0">
+                  <a:pos x="connsiteX102" y="connsiteY102"/>
+                </a:cxn>
+              </a:cxnLst>
+              <a:rect l="l" t="t" r="r" b="b"/>
+              <a:pathLst>
+                <a:path w="5890490" h="6578439">
+                  <a:moveTo>
+                    <a:pt x="5890490" y="5389037"/>
+                  </a:moveTo>
+                  <a:lnTo>
+                    <a:pt x="5890490" y="5855587"/>
+                  </a:lnTo>
+                  <a:lnTo>
+                    <a:pt x="5784593" y="5962054"/>
+                  </a:lnTo>
+                  <a:cubicBezTo>
+                    <a:pt x="5744454" y="6002308"/>
+                    <a:pt x="5704062" y="6042436"/>
+                    <a:pt x="5663414" y="6082564"/>
+                  </a:cubicBezTo>
+                  <a:cubicBezTo>
+                    <a:pt x="5500314" y="6242577"/>
+                    <a:pt x="5330970" y="6400714"/>
+                    <a:pt x="5147099" y="6547726"/>
+                  </a:cubicBezTo>
+                  <a:lnTo>
+                    <a:pt x="5105015" y="6578439"/>
+                  </a:lnTo>
+                  <a:lnTo>
+                    <a:pt x="4385601" y="6578439"/>
+                  </a:lnTo>
+                  <a:lnTo>
+                    <a:pt x="4507252" y="6515968"/>
+                  </a:lnTo>
+                  <a:cubicBezTo>
+                    <a:pt x="4645901" y="6439679"/>
+                    <a:pt x="4779837" y="6350961"/>
+                    <a:pt x="4909330" y="6253453"/>
+                  </a:cubicBezTo>
+                  <a:cubicBezTo>
+                    <a:pt x="5082369" y="6123567"/>
+                    <a:pt x="5248145" y="5979180"/>
+                    <a:pt x="5411374" y="5828544"/>
+                  </a:cubicBezTo>
+                  <a:cubicBezTo>
+                    <a:pt x="5452149" y="5790791"/>
+                    <a:pt x="5492924" y="5752788"/>
+                    <a:pt x="5533570" y="5714534"/>
+                  </a:cubicBezTo>
+                  <a:lnTo>
+                    <a:pt x="5657425" y="5597650"/>
+                  </a:lnTo>
+                  <a:close/>
+                  <a:moveTo>
+                    <a:pt x="3336813" y="499"/>
+                  </a:moveTo>
+                  <a:cubicBezTo>
+                    <a:pt x="3395682" y="-392"/>
+                    <a:pt x="3454550" y="-48"/>
+                    <a:pt x="3513674" y="1202"/>
+                  </a:cubicBezTo>
+                  <a:lnTo>
+                    <a:pt x="3602743" y="4827"/>
+                  </a:lnTo>
+                  <a:lnTo>
+                    <a:pt x="3647213" y="6703"/>
+                  </a:lnTo>
+                  <a:cubicBezTo>
+                    <a:pt x="3661994" y="7327"/>
+                    <a:pt x="3676903" y="7703"/>
+                    <a:pt x="3691684" y="9453"/>
+                  </a:cubicBezTo>
+                  <a:lnTo>
+                    <a:pt x="3868927" y="27080"/>
+                  </a:lnTo>
+                  <a:cubicBezTo>
+                    <a:pt x="4340645" y="85584"/>
+                    <a:pt x="4795160" y="243221"/>
+                    <a:pt x="5200872" y="472240"/>
+                  </a:cubicBezTo>
+                  <a:cubicBezTo>
+                    <a:pt x="5403855" y="587124"/>
+                    <a:pt x="5594988" y="719447"/>
+                    <a:pt x="5772711" y="866334"/>
+                  </a:cubicBezTo>
+                  <a:lnTo>
+                    <a:pt x="5890490" y="972426"/>
+                  </a:lnTo>
+                  <a:lnTo>
+                    <a:pt x="5890490" y="1158576"/>
+                  </a:lnTo>
+                  <a:lnTo>
+                    <a:pt x="5676045" y="986969"/>
+                  </a:lnTo>
+                  <a:cubicBezTo>
+                    <a:pt x="5496587" y="857740"/>
+                    <a:pt x="5304275" y="746699"/>
+                    <a:pt x="5103776" y="655879"/>
+                  </a:cubicBezTo>
+                  <a:cubicBezTo>
+                    <a:pt x="4903214" y="564747"/>
+                    <a:pt x="4695006" y="492492"/>
+                    <a:pt x="4482465" y="440363"/>
+                  </a:cubicBezTo>
+                  <a:lnTo>
+                    <a:pt x="4402444" y="422111"/>
+                  </a:lnTo>
+                  <a:cubicBezTo>
+                    <a:pt x="4375813" y="416111"/>
+                    <a:pt x="4349436" y="408859"/>
+                    <a:pt x="4322423" y="404610"/>
+                  </a:cubicBezTo>
+                  <a:lnTo>
+                    <a:pt x="4241892" y="389858"/>
+                  </a:lnTo>
+                  <a:lnTo>
+                    <a:pt x="4201627" y="382483"/>
+                  </a:lnTo>
+                  <a:cubicBezTo>
+                    <a:pt x="4188248" y="379983"/>
+                    <a:pt x="4174869" y="377483"/>
+                    <a:pt x="4161234" y="375857"/>
+                  </a:cubicBezTo>
+                  <a:cubicBezTo>
+                    <a:pt x="4107208" y="368482"/>
+                    <a:pt x="4053308" y="360482"/>
+                    <a:pt x="3999280" y="353606"/>
+                  </a:cubicBezTo>
+                  <a:cubicBezTo>
+                    <a:pt x="3944999" y="348855"/>
+                    <a:pt x="3890844" y="343854"/>
+                    <a:pt x="3836817" y="338480"/>
+                  </a:cubicBezTo>
+                  <a:lnTo>
+                    <a:pt x="3673972" y="330604"/>
+                  </a:lnTo>
+                  <a:cubicBezTo>
+                    <a:pt x="3619690" y="329104"/>
+                    <a:pt x="3565281" y="329604"/>
+                    <a:pt x="3511126" y="328978"/>
+                  </a:cubicBezTo>
+                  <a:cubicBezTo>
+                    <a:pt x="3402054" y="330728"/>
+                    <a:pt x="3291706" y="334604"/>
+                    <a:pt x="3183142" y="342854"/>
+                  </a:cubicBezTo>
+                  <a:cubicBezTo>
+                    <a:pt x="2965505" y="358855"/>
+                    <a:pt x="2750670" y="389733"/>
+                    <a:pt x="2541444" y="439988"/>
+                  </a:cubicBezTo>
+                  <a:cubicBezTo>
+                    <a:pt x="2332216" y="490117"/>
+                    <a:pt x="2128850" y="559997"/>
+                    <a:pt x="1933895" y="650505"/>
+                  </a:cubicBezTo>
+                  <a:cubicBezTo>
+                    <a:pt x="1738939" y="741261"/>
+                    <a:pt x="1553540" y="854146"/>
+                    <a:pt x="1378079" y="983905"/>
+                  </a:cubicBezTo>
+                  <a:lnTo>
+                    <a:pt x="1312967" y="1033660"/>
+                  </a:lnTo>
+                  <a:cubicBezTo>
+                    <a:pt x="1291178" y="1050286"/>
+                    <a:pt x="1269006" y="1066412"/>
+                    <a:pt x="1248364" y="1084413"/>
+                  </a:cubicBezTo>
+                  <a:lnTo>
+                    <a:pt x="1185163" y="1137168"/>
+                  </a:lnTo>
+                  <a:cubicBezTo>
+                    <a:pt x="1164138" y="1154794"/>
+                    <a:pt x="1142603" y="1172046"/>
+                    <a:pt x="1122852" y="1190922"/>
+                  </a:cubicBezTo>
+                  <a:cubicBezTo>
+                    <a:pt x="1041557" y="1264303"/>
+                    <a:pt x="961663" y="1339309"/>
+                    <a:pt x="892092" y="1421440"/>
+                  </a:cubicBezTo>
+                  <a:cubicBezTo>
+                    <a:pt x="819589" y="1501822"/>
+                    <a:pt x="759827" y="1590329"/>
+                    <a:pt x="707202" y="1684212"/>
+                  </a:cubicBezTo>
+                  <a:cubicBezTo>
+                    <a:pt x="694715" y="1708089"/>
+                    <a:pt x="682227" y="1731841"/>
+                    <a:pt x="670121" y="1756093"/>
+                  </a:cubicBezTo>
+                  <a:lnTo>
+                    <a:pt x="637630" y="1830724"/>
+                  </a:lnTo>
+                  <a:cubicBezTo>
+                    <a:pt x="626161" y="1855350"/>
+                    <a:pt x="617624" y="1881603"/>
+                    <a:pt x="607685" y="1907105"/>
+                  </a:cubicBezTo>
+                  <a:cubicBezTo>
+                    <a:pt x="598128" y="1932857"/>
+                    <a:pt x="588317" y="1958483"/>
+                    <a:pt x="580034" y="1984986"/>
+                  </a:cubicBezTo>
+                  <a:cubicBezTo>
+                    <a:pt x="544611" y="2089620"/>
+                    <a:pt x="513393" y="2197128"/>
+                    <a:pt x="481919" y="2304386"/>
+                  </a:cubicBezTo>
+                  <a:lnTo>
+                    <a:pt x="433881" y="2465399"/>
+                  </a:lnTo>
+                  <a:lnTo>
+                    <a:pt x="384442" y="2626163"/>
+                  </a:lnTo>
+                  <a:cubicBezTo>
+                    <a:pt x="317672" y="2839680"/>
+                    <a:pt x="243129" y="3050946"/>
+                    <a:pt x="166039" y="3261338"/>
+                  </a:cubicBezTo>
+                  <a:cubicBezTo>
+                    <a:pt x="88822" y="3468979"/>
+                    <a:pt x="50850" y="3690248"/>
+                    <a:pt x="56202" y="3910265"/>
+                  </a:cubicBezTo>
+                  <a:cubicBezTo>
+                    <a:pt x="58495" y="4020274"/>
+                    <a:pt x="71493" y="4129783"/>
+                    <a:pt x="93664" y="4237292"/>
+                  </a:cubicBezTo>
+                  <a:cubicBezTo>
+                    <a:pt x="99143" y="4264168"/>
+                    <a:pt x="104623" y="4291045"/>
+                    <a:pt x="111758" y="4317548"/>
+                  </a:cubicBezTo>
+                  <a:cubicBezTo>
+                    <a:pt x="118384" y="4344176"/>
+                    <a:pt x="124627" y="4370802"/>
+                    <a:pt x="133038" y="4397054"/>
+                  </a:cubicBezTo>
+                  <a:cubicBezTo>
+                    <a:pt x="140810" y="4423307"/>
+                    <a:pt x="148456" y="4449683"/>
+                    <a:pt x="157757" y="4475560"/>
+                  </a:cubicBezTo>
+                  <a:cubicBezTo>
+                    <a:pt x="166549" y="4501562"/>
+                    <a:pt x="175087" y="4527564"/>
+                    <a:pt x="185153" y="4553066"/>
+                  </a:cubicBezTo>
+                  <a:cubicBezTo>
+                    <a:pt x="262371" y="4758458"/>
+                    <a:pt x="368895" y="4951974"/>
+                    <a:pt x="493642" y="5132239"/>
+                  </a:cubicBezTo>
+                  <a:cubicBezTo>
+                    <a:pt x="618389" y="5312627"/>
+                    <a:pt x="760846" y="5480391"/>
+                    <a:pt x="914391" y="5636528"/>
+                  </a:cubicBezTo>
+                  <a:cubicBezTo>
+                    <a:pt x="1069081" y="5793166"/>
+                    <a:pt x="1231544" y="5941677"/>
+                    <a:pt x="1402034" y="6076188"/>
+                  </a:cubicBezTo>
+                  <a:cubicBezTo>
+                    <a:pt x="1487535" y="6143320"/>
+                    <a:pt x="1574565" y="6207574"/>
+                    <a:pt x="1664397" y="6267079"/>
+                  </a:cubicBezTo>
+                  <a:cubicBezTo>
+                    <a:pt x="1753592" y="6327459"/>
+                    <a:pt x="1845336" y="6383088"/>
+                    <a:pt x="1938992" y="6434343"/>
+                  </a:cubicBezTo>
+                  <a:cubicBezTo>
+                    <a:pt x="2032647" y="6485659"/>
+                    <a:pt x="2128309" y="6532600"/>
+                    <a:pt x="2225931" y="6574322"/>
+                  </a:cubicBezTo>
+                  <a:lnTo>
+                    <a:pt x="2236328" y="6578439"/>
+                  </a:lnTo>
+                  <a:lnTo>
+                    <a:pt x="1504665" y="6578439"/>
+                  </a:lnTo>
+                  <a:lnTo>
+                    <a:pt x="1456827" y="6543476"/>
+                  </a:lnTo>
+                  <a:cubicBezTo>
+                    <a:pt x="1363554" y="6470595"/>
+                    <a:pt x="1273848" y="6394340"/>
+                    <a:pt x="1188475" y="6314083"/>
+                  </a:cubicBezTo>
+                  <a:cubicBezTo>
+                    <a:pt x="1017856" y="6153445"/>
+                    <a:pt x="863803" y="5979931"/>
+                    <a:pt x="721728" y="5798666"/>
+                  </a:cubicBezTo>
+                  <a:cubicBezTo>
+                    <a:pt x="579397" y="5616027"/>
+                    <a:pt x="452103" y="5422511"/>
+                    <a:pt x="344175" y="5219495"/>
+                  </a:cubicBezTo>
+                  <a:cubicBezTo>
+                    <a:pt x="236505" y="5016354"/>
+                    <a:pt x="147946" y="4803586"/>
+                    <a:pt x="87293" y="4583569"/>
+                  </a:cubicBezTo>
+                  <a:cubicBezTo>
+                    <a:pt x="79138" y="4556193"/>
+                    <a:pt x="72639" y="4528440"/>
+                    <a:pt x="65886" y="4500813"/>
+                  </a:cubicBezTo>
+                  <a:cubicBezTo>
+                    <a:pt x="58751" y="4473311"/>
+                    <a:pt x="53144" y="4445308"/>
+                    <a:pt x="47409" y="4417431"/>
+                  </a:cubicBezTo>
+                  <a:cubicBezTo>
+                    <a:pt x="44733" y="4403430"/>
+                    <a:pt x="41294" y="4389679"/>
+                    <a:pt x="39000" y="4375677"/>
+                  </a:cubicBezTo>
+                  <a:lnTo>
+                    <a:pt x="31610" y="4333674"/>
+                  </a:lnTo>
+                  <a:cubicBezTo>
+                    <a:pt x="26258" y="4305797"/>
+                    <a:pt x="22563" y="4277544"/>
+                    <a:pt x="18868" y="4249417"/>
+                  </a:cubicBezTo>
+                  <a:cubicBezTo>
+                    <a:pt x="4214" y="4136784"/>
+                    <a:pt x="-2158" y="4023275"/>
+                    <a:pt x="646" y="3910265"/>
+                  </a:cubicBezTo>
+                  <a:cubicBezTo>
+                    <a:pt x="5997" y="3683872"/>
+                    <a:pt x="50596" y="3459605"/>
+                    <a:pt x="130234" y="3248337"/>
+                  </a:cubicBezTo>
+                  <a:cubicBezTo>
+                    <a:pt x="207961" y="3039196"/>
+                    <a:pt x="278044" y="2827179"/>
+                    <a:pt x="335383" y="2611911"/>
+                  </a:cubicBezTo>
+                  <a:cubicBezTo>
+                    <a:pt x="393743" y="2396644"/>
+                    <a:pt x="435792" y="2178627"/>
+                    <a:pt x="487272" y="1958609"/>
+                  </a:cubicBezTo>
+                  <a:cubicBezTo>
+                    <a:pt x="493259" y="1931107"/>
+                    <a:pt x="501287" y="1903730"/>
+                    <a:pt x="508550" y="1876227"/>
+                  </a:cubicBezTo>
+                  <a:cubicBezTo>
+                    <a:pt x="516195" y="1848725"/>
+                    <a:pt x="522312" y="1820972"/>
+                    <a:pt x="531742" y="1793721"/>
+                  </a:cubicBezTo>
+                  <a:lnTo>
+                    <a:pt x="558245" y="1711465"/>
+                  </a:lnTo>
+                  <a:cubicBezTo>
+                    <a:pt x="568439" y="1684337"/>
+                    <a:pt x="579652" y="1657459"/>
+                    <a:pt x="590100" y="1630332"/>
+                  </a:cubicBezTo>
+                  <a:cubicBezTo>
+                    <a:pt x="635080" y="1523075"/>
+                    <a:pt x="690637" y="1417566"/>
+                    <a:pt x="758680" y="1322433"/>
+                  </a:cubicBezTo>
+                  <a:cubicBezTo>
+                    <a:pt x="824430" y="1225051"/>
+                    <a:pt x="899610" y="1136168"/>
+                    <a:pt x="976317" y="1049286"/>
+                  </a:cubicBezTo>
+                  <a:cubicBezTo>
+                    <a:pt x="995049" y="1027035"/>
+                    <a:pt x="1015436" y="1006533"/>
+                    <a:pt x="1035314" y="985406"/>
+                  </a:cubicBezTo>
+                  <a:lnTo>
+                    <a:pt x="1095329" y="922526"/>
+                  </a:lnTo>
+                  <a:cubicBezTo>
+                    <a:pt x="1114953" y="901149"/>
+                    <a:pt x="1136359" y="881397"/>
+                    <a:pt x="1157384" y="861271"/>
+                  </a:cubicBezTo>
+                  <a:lnTo>
+                    <a:pt x="1220841" y="801017"/>
+                  </a:lnTo>
+                  <a:cubicBezTo>
+                    <a:pt x="1241610" y="780514"/>
+                    <a:pt x="1264418" y="762014"/>
+                    <a:pt x="1286462" y="742886"/>
+                  </a:cubicBezTo>
+                  <a:lnTo>
+                    <a:pt x="1353233" y="685632"/>
+                  </a:lnTo>
+                  <a:lnTo>
+                    <a:pt x="1369924" y="671256"/>
+                  </a:lnTo>
+                  <a:cubicBezTo>
+                    <a:pt x="1375658" y="666631"/>
+                    <a:pt x="1381520" y="662255"/>
+                    <a:pt x="1387380" y="657755"/>
+                  </a:cubicBezTo>
+                  <a:lnTo>
+                    <a:pt x="1422422" y="630877"/>
+                  </a:lnTo>
+                  <a:lnTo>
+                    <a:pt x="1492759" y="577248"/>
+                  </a:lnTo>
+                  <a:cubicBezTo>
+                    <a:pt x="1504355" y="567997"/>
+                    <a:pt x="1516714" y="559997"/>
+                    <a:pt x="1528820" y="551496"/>
+                  </a:cubicBezTo>
+                  <a:lnTo>
+                    <a:pt x="1565390" y="526370"/>
+                  </a:lnTo>
+                  <a:lnTo>
+                    <a:pt x="1639040" y="476490"/>
+                  </a:lnTo>
+                  <a:cubicBezTo>
+                    <a:pt x="1689754" y="445613"/>
+                    <a:pt x="1740723" y="414986"/>
+                    <a:pt x="1792075" y="384859"/>
+                  </a:cubicBezTo>
+                  <a:cubicBezTo>
+                    <a:pt x="2000282" y="268724"/>
+                    <a:pt x="2224927" y="179467"/>
+                    <a:pt x="2455943" y="117836"/>
+                  </a:cubicBezTo>
+                  <a:cubicBezTo>
+                    <a:pt x="2687088" y="55957"/>
+                    <a:pt x="2923964" y="21204"/>
+                    <a:pt x="3159952" y="7203"/>
+                  </a:cubicBezTo>
+                  <a:cubicBezTo>
+                    <a:pt x="3219076" y="3515"/>
+                    <a:pt x="3277945" y="1389"/>
+                    <a:pt x="3336813" y="499"/>
+                  </a:cubicBezTo>
+                  <a:close/>
+                </a:path>
+              </a:pathLst>
+            </a:custGeom>
+            <a:gradFill flip="none" rotWithShape="1">
+              <a:gsLst>
+                <a:gs pos="2000">
+                  <a:schemeClr val="bg1">
+                    <a:alpha val="10000"/>
+                  </a:schemeClr>
+                </a:gs>
+                <a:gs pos="16000">
+                  <a:schemeClr val="accent6">
+                    <a:alpha val="5000"/>
+                  </a:schemeClr>
+                </a:gs>
+                <a:gs pos="100000">
+                  <a:schemeClr val="bg1">
+                    <a:alpha val="10000"/>
+                  </a:schemeClr>
+                </a:gs>
+                <a:gs pos="85000">
+                  <a:schemeClr val="accent1">
+                    <a:alpha val="10000"/>
+                  </a:schemeClr>
+                </a:gs>
+              </a:gsLst>
+              <a:lin ang="12000000" scaled="0"/>
+              <a:tileRect/>
+            </a:gradFill>
             <a:ln>
               <a:noFill/>
             </a:ln>
@@ -3179,115 +6950,12 @@
           </p:txBody>
         </p:sp>
       </p:grpSp>
-      <p:sp>
-        <p:nvSpPr>
-          <p:cNvPr id="3" name="Subtitle 2"/>
-          <p:cNvSpPr>
-            <a:spLocks noGrp="1"/>
-          </p:cNvSpPr>
-          <p:nvPr>
-            <p:ph type="subTitle" idx="1"/>
-          </p:nvPr>
-        </p:nvSpPr>
-        <p:spPr>
-          <a:xfrm>
-            <a:off x="7331383" y="5227455"/>
-            <a:ext cx="3876085" cy="857461"/>
-          </a:xfrm>
-        </p:spPr>
-        <p:txBody>
-          <a:bodyPr vert="horz" lIns="91440" tIns="45720" rIns="91440" bIns="45720" rtlCol="0">
-            <a:normAutofit/>
-          </a:bodyPr>
-          <a:lstStyle/>
-          <a:p>
-            <a:pPr marL="342900" indent="-342900" algn="l">
-              <a:buFont typeface="Calibri"/>
-              <a:buChar char="-"/>
-            </a:pPr>
-            <a:r>
-              <a:rPr lang="en-US"/>
-              <a:t>Ruhulla Sheik </a:t>
-            </a:r>
-          </a:p>
-        </p:txBody>
-      </p:sp>
-      <p:sp>
-        <p:nvSpPr>
-          <p:cNvPr id="28" name="Rectangle 27">
+      <p:pic>
+        <p:nvPicPr>
+          <p:cNvPr id="6" name="Graphic 5" descr="Questions">
             <a:extLst>
               <a:ext uri="{FF2B5EF4-FFF2-40B4-BE49-F238E27FC236}">
-                <a16:creationId xmlns:a16="http://schemas.microsoft.com/office/drawing/2014/main" id="{04357C93-F0CB-4A1C-8F77-4E9063789819}"/>
-              </a:ext>
-              <a:ext uri="{C183D7F6-B498-43B3-948B-1728B52AA6E4}">
-                <adec:decorative xmlns:adec="http://schemas.microsoft.com/office/drawing/2017/decorative" val="1"/>
-              </a:ext>
-            </a:extLst>
-          </p:cNvPr>
-          <p:cNvSpPr>
-            <a:spLocks noGrp="1" noRot="1" noChangeAspect="1" noMove="1" noResize="1" noEditPoints="1" noAdjustHandles="1" noChangeArrowheads="1" noChangeShapeType="1" noTextEdit="1"/>
-          </p:cNvSpPr>
-          <p:nvPr>
-            <p:extLst>
-              <p:ext uri="{386F3935-93C4-4BCD-93E2-E3B085C9AB24}">
-                <p16:designElem xmlns:p16="http://schemas.microsoft.com/office/powerpoint/2015/main" val="1"/>
-              </p:ext>
-            </p:extLst>
-          </p:nvPr>
-        </p:nvSpPr>
-        <p:spPr>
-          <a:xfrm>
-            <a:off x="688623" y="372533"/>
-            <a:ext cx="6116779" cy="6068728"/>
-          </a:xfrm>
-          <a:prstGeom prst="rect">
-            <a:avLst/>
-          </a:prstGeom>
-          <a:solidFill>
-            <a:schemeClr val="bg1"/>
-          </a:solidFill>
-          <a:ln>
-            <a:noFill/>
-          </a:ln>
-          <a:effectLst>
-            <a:outerShdw blurRad="139700" dist="127000" dir="5400000" algn="t" rotWithShape="0">
-              <a:prstClr val="black">
-                <a:alpha val="15000"/>
-              </a:prstClr>
-            </a:outerShdw>
-          </a:effectLst>
-        </p:spPr>
-        <p:style>
-          <a:lnRef idx="2">
-            <a:schemeClr val="accent1">
-              <a:shade val="50000"/>
-            </a:schemeClr>
-          </a:lnRef>
-          <a:fillRef idx="1">
-            <a:schemeClr val="accent1"/>
-          </a:fillRef>
-          <a:effectRef idx="0">
-            <a:schemeClr val="accent1"/>
-          </a:effectRef>
-          <a:fontRef idx="minor">
-            <a:schemeClr val="lt1"/>
-          </a:fontRef>
-        </p:style>
-        <p:txBody>
-          <a:bodyPr rtlCol="0" anchor="ctr"/>
-          <a:lstStyle/>
-          <a:p>
-            <a:pPr algn="ctr"/>
-            <a:endParaRPr lang="en-US"/>
-          </a:p>
-        </p:txBody>
-      </p:sp>
-      <p:pic>
-        <p:nvPicPr>
-          <p:cNvPr id="2" name="Picture 1" descr="¿Qué es MongoDB? Definición | Base de datos relacionales - Tecno Simple">
-            <a:extLst>
-              <a:ext uri="{FF2B5EF4-FFF2-40B4-BE49-F238E27FC236}">
-                <a16:creationId xmlns:a16="http://schemas.microsoft.com/office/drawing/2014/main" id="{2E0CC1DE-F2AA-E32B-1933-54FDDF0A2A34}"/>
+                <a16:creationId xmlns:a16="http://schemas.microsoft.com/office/drawing/2014/main" id="{77573D83-F0BB-022C-FB92-87DFE372F8A5}"/>
               </a:ext>
             </a:extLst>
           </p:cNvPr>
@@ -3297,25 +6965,37 @@
           <p:nvPr/>
         </p:nvPicPr>
         <p:blipFill>
-          <a:blip r:embed="rId2"/>
+          <a:blip r:embed="rId2">
+            <a:extLst>
+              <a:ext uri="{28A0092B-C50C-407E-A947-70E740481C1C}">
+                <a14:useLocalDpi xmlns:a14="http://schemas.microsoft.com/office/drawing/2010/main" val="0"/>
+              </a:ext>
+              <a:ext uri="{96DAC541-7B7A-43D3-8B79-37D633B846F1}">
+                <asvg:svgBlip xmlns:asvg="http://schemas.microsoft.com/office/drawing/2016/SVG/main" r:embed="rId3"/>
+              </a:ext>
+            </a:extLst>
+          </a:blip>
           <a:stretch>
             <a:fillRect/>
           </a:stretch>
         </p:blipFill>
         <p:spPr>
           <a:xfrm>
-            <a:off x="942597" y="1557053"/>
-            <a:ext cx="5608830" cy="3743893"/>
+            <a:off x="7729652" y="1859078"/>
+            <a:ext cx="3821102" cy="3821102"/>
           </a:xfrm>
           <a:prstGeom prst="rect">
             <a:avLst/>
           </a:prstGeom>
+          <a:ln>
+            <a:noFill/>
+          </a:ln>
         </p:spPr>
       </p:pic>
     </p:spTree>
     <p:extLst>
       <p:ext uri="{BB962C8B-B14F-4D97-AF65-F5344CB8AC3E}">
-        <p14:creationId xmlns:p14="http://schemas.microsoft.com/office/powerpoint/2010/main" val="109857222"/>
+        <p14:creationId xmlns:p14="http://schemas.microsoft.com/office/powerpoint/2010/main" val="856093590"/>
       </p:ext>
     </p:extLst>
   </p:cSld>
@@ -3325,7 +7005,7 @@
 </p:sld>
 </file>
 
-<file path=ppt/slides/slide10.xml><?xml version="1.0" encoding="utf-8"?>
+<file path=ppt/slides/slide11.xml><?xml version="1.0" encoding="utf-8"?>
 <p:sld xmlns:a="http://schemas.openxmlformats.org/drawingml/2006/main" xmlns:r="http://schemas.openxmlformats.org/officeDocument/2006/relationships" xmlns:p="http://schemas.openxmlformats.org/presentationml/2006/main">
   <p:cSld>
     <p:bg>
@@ -3478,7 +7158,7 @@
           <p:cNvPr id="2" name="Title 1">
             <a:extLst>
               <a:ext uri="{FF2B5EF4-FFF2-40B4-BE49-F238E27FC236}">
-                <a16:creationId xmlns:a16="http://schemas.microsoft.com/office/drawing/2014/main" id="{8E1B22BF-6CF2-8805-1D60-F23047B75EC9}"/>
+                <a16:creationId xmlns:a16="http://schemas.microsoft.com/office/drawing/2014/main" id="{7F40B946-1050-1CCC-0BC4-95834BA1FDB7}"/>
               </a:ext>
             </a:extLst>
           </p:cNvPr>
@@ -3510,7 +7190,7 @@
                 <a:ea typeface="+mj-ea"/>
                 <a:cs typeface="+mj-cs"/>
               </a:rPr>
-              <a:t>Questions ?</a:t>
+              <a:t>Thanks</a:t>
             </a:r>
           </a:p>
         </p:txBody>
@@ -6764,3498 +10444,6 @@
       </p:grpSp>
       <p:pic>
         <p:nvPicPr>
-          <p:cNvPr id="6" name="Graphic 5" descr="Questions">
-            <a:extLst>
-              <a:ext uri="{FF2B5EF4-FFF2-40B4-BE49-F238E27FC236}">
-                <a16:creationId xmlns:a16="http://schemas.microsoft.com/office/drawing/2014/main" id="{5175CB1B-1AA4-A112-D1DD-CBB7035D05DC}"/>
-              </a:ext>
-            </a:extLst>
-          </p:cNvPr>
-          <p:cNvPicPr>
-            <a:picLocks noChangeAspect="1"/>
-          </p:cNvPicPr>
-          <p:nvPr/>
-        </p:nvPicPr>
-        <p:blipFill>
-          <a:blip r:embed="rId2">
-            <a:extLst>
-              <a:ext uri="{28A0092B-C50C-407E-A947-70E740481C1C}">
-                <a14:useLocalDpi xmlns:a14="http://schemas.microsoft.com/office/drawing/2010/main" val="0"/>
-              </a:ext>
-              <a:ext uri="{96DAC541-7B7A-43D3-8B79-37D633B846F1}">
-                <asvg:svgBlip xmlns:asvg="http://schemas.microsoft.com/office/drawing/2016/SVG/main" r:embed="rId3"/>
-              </a:ext>
-            </a:extLst>
-          </a:blip>
-          <a:stretch>
-            <a:fillRect/>
-          </a:stretch>
-        </p:blipFill>
-        <p:spPr>
-          <a:xfrm>
-            <a:off x="7729652" y="1859078"/>
-            <a:ext cx="3821102" cy="3821102"/>
-          </a:xfrm>
-          <a:prstGeom prst="rect">
-            <a:avLst/>
-          </a:prstGeom>
-          <a:ln>
-            <a:noFill/>
-          </a:ln>
-        </p:spPr>
-      </p:pic>
-    </p:spTree>
-    <p:extLst>
-      <p:ext uri="{BB962C8B-B14F-4D97-AF65-F5344CB8AC3E}">
-        <p14:creationId xmlns:p14="http://schemas.microsoft.com/office/powerpoint/2010/main" val="3053707135"/>
-      </p:ext>
-    </p:extLst>
-  </p:cSld>
-  <p:clrMapOvr>
-    <a:masterClrMapping/>
-  </p:clrMapOvr>
-</p:sld>
-</file>
-
-<file path=ppt/slides/slide11.xml><?xml version="1.0" encoding="utf-8"?>
-<p:sld xmlns:a="http://schemas.openxmlformats.org/drawingml/2006/main" xmlns:r="http://schemas.openxmlformats.org/officeDocument/2006/relationships" xmlns:p="http://schemas.openxmlformats.org/presentationml/2006/main">
-  <p:cSld>
-    <p:bg>
-      <p:bgPr>
-        <a:solidFill>
-          <a:schemeClr val="bg1"/>
-        </a:solidFill>
-        <a:effectLst/>
-      </p:bgPr>
-    </p:bg>
-    <p:spTree>
-      <p:nvGrpSpPr>
-        <p:cNvPr id="1" name=""/>
-        <p:cNvGrpSpPr/>
-        <p:nvPr/>
-      </p:nvGrpSpPr>
-      <p:grpSpPr>
-        <a:xfrm>
-          <a:off x="0" y="0"/>
-          <a:ext cx="0" cy="0"/>
-          <a:chOff x="0" y="0"/>
-          <a:chExt cx="0" cy="0"/>
-        </a:xfrm>
-      </p:grpSpPr>
-      <p:sp useBgFill="1">
-        <p:nvSpPr>
-          <p:cNvPr id="9" name="Rectangle 8">
-            <a:extLst>
-              <a:ext uri="{FF2B5EF4-FFF2-40B4-BE49-F238E27FC236}">
-                <a16:creationId xmlns:a16="http://schemas.microsoft.com/office/drawing/2014/main" id="{65219498-D544-41AC-98FE-8F956EF66A62}"/>
-              </a:ext>
-              <a:ext uri="{C183D7F6-B498-43B3-948B-1728B52AA6E4}">
-                <adec:decorative xmlns:adec="http://schemas.microsoft.com/office/drawing/2017/decorative" val="1"/>
-              </a:ext>
-            </a:extLst>
-          </p:cNvPr>
-          <p:cNvSpPr>
-            <a:spLocks noGrp="1" noRot="1" noChangeAspect="1" noMove="1" noResize="1" noEditPoints="1" noAdjustHandles="1" noChangeArrowheads="1" noChangeShapeType="1" noTextEdit="1"/>
-          </p:cNvSpPr>
-          <p:nvPr>
-            <p:extLst>
-              <p:ext uri="{386F3935-93C4-4BCD-93E2-E3B085C9AB24}">
-                <p16:designElem xmlns:p16="http://schemas.microsoft.com/office/powerpoint/2015/main" val="1"/>
-              </p:ext>
-            </p:extLst>
-          </p:nvPr>
-        </p:nvSpPr>
-        <p:spPr>
-          <a:xfrm>
-            <a:off x="0" y="0"/>
-            <a:ext cx="12191695" cy="6858000"/>
-          </a:xfrm>
-          <a:prstGeom prst="rect">
-            <a:avLst/>
-          </a:prstGeom>
-          <a:ln>
-            <a:noFill/>
-          </a:ln>
-        </p:spPr>
-        <p:style>
-          <a:lnRef idx="2">
-            <a:schemeClr val="accent1">
-              <a:shade val="50000"/>
-            </a:schemeClr>
-          </a:lnRef>
-          <a:fillRef idx="1">
-            <a:schemeClr val="accent1"/>
-          </a:fillRef>
-          <a:effectRef idx="0">
-            <a:schemeClr val="accent1"/>
-          </a:effectRef>
-          <a:fontRef idx="minor">
-            <a:schemeClr val="lt1"/>
-          </a:fontRef>
-        </p:style>
-        <p:txBody>
-          <a:bodyPr rtlCol="0" anchor="ctr"/>
-          <a:lstStyle/>
-          <a:p>
-            <a:pPr algn="ctr"/>
-            <a:endParaRPr lang="en-US"/>
-          </a:p>
-        </p:txBody>
-      </p:sp>
-      <p:sp>
-        <p:nvSpPr>
-          <p:cNvPr id="11" name="Rectangle 10">
-            <a:extLst>
-              <a:ext uri="{FF2B5EF4-FFF2-40B4-BE49-F238E27FC236}">
-                <a16:creationId xmlns:a16="http://schemas.microsoft.com/office/drawing/2014/main" id="{F500DBFC-17A9-4E0A-AEE2-A49F9AEEF0FD}"/>
-              </a:ext>
-              <a:ext uri="{C183D7F6-B498-43B3-948B-1728B52AA6E4}">
-                <adec:decorative xmlns:adec="http://schemas.microsoft.com/office/drawing/2017/decorative" val="1"/>
-              </a:ext>
-            </a:extLst>
-          </p:cNvPr>
-          <p:cNvSpPr>
-            <a:spLocks noGrp="1" noRot="1" noChangeAspect="1" noMove="1" noResize="1" noEditPoints="1" noAdjustHandles="1" noChangeArrowheads="1" noChangeShapeType="1" noTextEdit="1"/>
-          </p:cNvSpPr>
-          <p:nvPr>
-            <p:extLst>
-              <p:ext uri="{386F3935-93C4-4BCD-93E2-E3B085C9AB24}">
-                <p16:designElem xmlns:p16="http://schemas.microsoft.com/office/powerpoint/2015/main" val="1"/>
-              </p:ext>
-            </p:extLst>
-          </p:nvPr>
-        </p:nvSpPr>
-        <p:spPr>
-          <a:xfrm>
-            <a:off x="305" y="0"/>
-            <a:ext cx="12191695" cy="6858000"/>
-          </a:xfrm>
-          <a:prstGeom prst="rect">
-            <a:avLst/>
-          </a:prstGeom>
-          <a:solidFill>
-            <a:schemeClr val="bg1"/>
-          </a:solidFill>
-          <a:ln>
-            <a:noFill/>
-          </a:ln>
-        </p:spPr>
-        <p:style>
-          <a:lnRef idx="2">
-            <a:schemeClr val="accent1">
-              <a:shade val="50000"/>
-            </a:schemeClr>
-          </a:lnRef>
-          <a:fillRef idx="1">
-            <a:schemeClr val="accent1"/>
-          </a:fillRef>
-          <a:effectRef idx="0">
-            <a:schemeClr val="accent1"/>
-          </a:effectRef>
-          <a:fontRef idx="minor">
-            <a:schemeClr val="lt1"/>
-          </a:fontRef>
-        </p:style>
-        <p:txBody>
-          <a:bodyPr rtlCol="0" anchor="ctr"/>
-          <a:lstStyle/>
-          <a:p>
-            <a:pPr algn="ctr"/>
-            <a:endParaRPr lang="en-US"/>
-          </a:p>
-        </p:txBody>
-      </p:sp>
-      <p:sp>
-        <p:nvSpPr>
-          <p:cNvPr id="2" name="Title 1">
-            <a:extLst>
-              <a:ext uri="{FF2B5EF4-FFF2-40B4-BE49-F238E27FC236}">
-                <a16:creationId xmlns:a16="http://schemas.microsoft.com/office/drawing/2014/main" id="{7F40B946-1050-1CCC-0BC4-95834BA1FDB7}"/>
-              </a:ext>
-            </a:extLst>
-          </p:cNvPr>
-          <p:cNvSpPr>
-            <a:spLocks noGrp="1"/>
-          </p:cNvSpPr>
-          <p:nvPr>
-            <p:ph type="title"/>
-          </p:nvPr>
-        </p:nvSpPr>
-        <p:spPr>
-          <a:xfrm>
-            <a:off x="804672" y="4267832"/>
-            <a:ext cx="4805996" cy="1297115"/>
-          </a:xfrm>
-        </p:spPr>
-        <p:txBody>
-          <a:bodyPr vert="horz" lIns="91440" tIns="45720" rIns="91440" bIns="45720" rtlCol="0" anchor="t">
-            <a:normAutofit/>
-          </a:bodyPr>
-          <a:lstStyle/>
-          <a:p>
-            <a:r>
-              <a:rPr lang="en-US" sz="4000" kern="1200">
-                <a:solidFill>
-                  <a:schemeClr val="tx2"/>
-                </a:solidFill>
-                <a:latin typeface="+mj-lt"/>
-                <a:ea typeface="+mj-ea"/>
-                <a:cs typeface="+mj-cs"/>
-              </a:rPr>
-              <a:t>Thanks</a:t>
-            </a:r>
-          </a:p>
-        </p:txBody>
-      </p:sp>
-      <p:grpSp>
-        <p:nvGrpSpPr>
-          <p:cNvPr id="13" name="Group 12">
-            <a:extLst>
-              <a:ext uri="{FF2B5EF4-FFF2-40B4-BE49-F238E27FC236}">
-                <a16:creationId xmlns:a16="http://schemas.microsoft.com/office/drawing/2014/main" id="{D74613BB-817C-4C4F-8A24-4936F2F064C0}"/>
-              </a:ext>
-              <a:ext uri="{C183D7F6-B498-43B3-948B-1728B52AA6E4}">
-                <adec:decorative xmlns:adec="http://schemas.microsoft.com/office/drawing/2017/decorative" val="1"/>
-              </a:ext>
-            </a:extLst>
-          </p:cNvPr>
-          <p:cNvGrpSpPr>
-            <a:grpSpLocks noGrp="1" noUngrp="1" noRot="1" noChangeAspect="1" noMove="1" noResize="1"/>
-          </p:cNvGrpSpPr>
-          <p:nvPr>
-            <p:extLst>
-              <p:ext uri="{386F3935-93C4-4BCD-93E2-E3B085C9AB24}">
-                <p16:designElem xmlns:p16="http://schemas.microsoft.com/office/powerpoint/2015/main" val="1"/>
-              </p:ext>
-            </p:extLst>
-          </p:nvPr>
-        </p:nvGrpSpPr>
-        <p:grpSpPr>
-          <a:xfrm>
-            <a:off x="6101023" y="52996"/>
-            <a:ext cx="6093363" cy="6805005"/>
-            <a:chOff x="6101023" y="52996"/>
-            <a:chExt cx="6093363" cy="6805005"/>
-          </a:xfrm>
-        </p:grpSpPr>
-        <p:sp>
-          <p:nvSpPr>
-            <p:cNvPr id="14" name="Freeform: Shape 13">
-              <a:extLst>
-                <a:ext uri="{FF2B5EF4-FFF2-40B4-BE49-F238E27FC236}">
-                  <a16:creationId xmlns:a16="http://schemas.microsoft.com/office/drawing/2014/main" id="{926C820D-9A01-44F0-AE18-C2DAB089B8C3}"/>
-                </a:ext>
-                <a:ext uri="{C183D7F6-B498-43B3-948B-1728B52AA6E4}">
-                  <adec:decorative xmlns:adec="http://schemas.microsoft.com/office/drawing/2017/decorative" val="1"/>
-                </a:ext>
-              </a:extLst>
-            </p:cNvPr>
-            <p:cNvSpPr/>
-            <p:nvPr>
-              <p:extLst>
-                <p:ext uri="{386F3935-93C4-4BCD-93E2-E3B085C9AB24}">
-                  <p16:designElem xmlns:p16="http://schemas.microsoft.com/office/powerpoint/2015/main" val="1"/>
-                </p:ext>
-              </p:extLst>
-            </p:nvPr>
-          </p:nvSpPr>
-          <p:spPr>
-            <a:xfrm>
-              <a:off x="6101024" y="52997"/>
-              <a:ext cx="6093362" cy="6805004"/>
-            </a:xfrm>
-            <a:custGeom>
-              <a:avLst/>
-              <a:gdLst>
-                <a:gd name="connsiteX0" fmla="*/ 3517682 w 5890490"/>
-                <a:gd name="connsiteY0" fmla="*/ 0 h 6578439"/>
-                <a:gd name="connsiteX1" fmla="*/ 5849513 w 5890490"/>
-                <a:gd name="connsiteY1" fmla="*/ 841730 h 6578439"/>
-                <a:gd name="connsiteX2" fmla="*/ 5890490 w 5890490"/>
-                <a:gd name="connsiteY2" fmla="*/ 879060 h 6578439"/>
-                <a:gd name="connsiteX3" fmla="*/ 5890490 w 5890490"/>
-                <a:gd name="connsiteY3" fmla="*/ 1816052 h 6578439"/>
-                <a:gd name="connsiteX4" fmla="*/ 5856961 w 5890490"/>
-                <a:gd name="connsiteY4" fmla="*/ 1771023 h 6578439"/>
-                <a:gd name="connsiteX5" fmla="*/ 5655397 w 5890490"/>
-                <a:gd name="connsiteY5" fmla="*/ 1548813 h 6578439"/>
-                <a:gd name="connsiteX6" fmla="*/ 3517682 w 5890490"/>
-                <a:gd name="connsiteY6" fmla="*/ 658717 h 6578439"/>
-                <a:gd name="connsiteX7" fmla="*/ 2395696 w 5890490"/>
-                <a:gd name="connsiteY7" fmla="*/ 850721 h 6578439"/>
-                <a:gd name="connsiteX8" fmla="*/ 1519955 w 5890490"/>
-                <a:gd name="connsiteY8" fmla="*/ 1450441 h 6578439"/>
-                <a:gd name="connsiteX9" fmla="*/ 1223630 w 5890490"/>
-                <a:gd name="connsiteY9" fmla="*/ 1841430 h 6578439"/>
-                <a:gd name="connsiteX10" fmla="*/ 1075857 w 5890490"/>
-                <a:gd name="connsiteY10" fmla="*/ 2329343 h 6578439"/>
-                <a:gd name="connsiteX11" fmla="*/ 731010 w 5890490"/>
-                <a:gd name="connsiteY11" fmla="*/ 3483744 h 6578439"/>
-                <a:gd name="connsiteX12" fmla="*/ 741000 w 5890490"/>
-                <a:gd name="connsiteY12" fmla="*/ 4479719 h 6578439"/>
-                <a:gd name="connsiteX13" fmla="*/ 1315615 w 5890490"/>
-                <a:gd name="connsiteY13" fmla="*/ 5443827 h 6578439"/>
-                <a:gd name="connsiteX14" fmla="*/ 2277503 w 5890490"/>
-                <a:gd name="connsiteY14" fmla="*/ 6259386 h 6578439"/>
-                <a:gd name="connsiteX15" fmla="*/ 3439448 w 5890490"/>
-                <a:gd name="connsiteY15" fmla="*/ 6551739 h 6578439"/>
-                <a:gd name="connsiteX16" fmla="*/ 4408732 w 5890490"/>
-                <a:gd name="connsiteY16" fmla="*/ 6255172 h 6578439"/>
-                <a:gd name="connsiteX17" fmla="*/ 5343243 w 5890490"/>
-                <a:gd name="connsiteY17" fmla="*/ 5442509 h 6578439"/>
-                <a:gd name="connsiteX18" fmla="*/ 5745566 w 5890490"/>
-                <a:gd name="connsiteY18" fmla="*/ 5056656 h 6578439"/>
-                <a:gd name="connsiteX19" fmla="*/ 5890490 w 5890490"/>
-                <a:gd name="connsiteY19" fmla="*/ 4920880 h 6578439"/>
-                <a:gd name="connsiteX20" fmla="*/ 5890490 w 5890490"/>
-                <a:gd name="connsiteY20" fmla="*/ 5821966 h 6578439"/>
-                <a:gd name="connsiteX21" fmla="*/ 5802002 w 5890490"/>
-                <a:gd name="connsiteY21" fmla="*/ 5907904 h 6578439"/>
-                <a:gd name="connsiteX22" fmla="*/ 5294358 w 5890490"/>
-                <a:gd name="connsiteY22" fmla="*/ 6397505 h 6578439"/>
-                <a:gd name="connsiteX23" fmla="*/ 5077178 w 5890490"/>
-                <a:gd name="connsiteY23" fmla="*/ 6578439 h 6578439"/>
-                <a:gd name="connsiteX24" fmla="*/ 1567290 w 5890490"/>
-                <a:gd name="connsiteY24" fmla="*/ 6578439 h 6578439"/>
-                <a:gd name="connsiteX25" fmla="*/ 1508588 w 5890490"/>
-                <a:gd name="connsiteY25" fmla="*/ 6535186 h 6578439"/>
-                <a:gd name="connsiteX26" fmla="*/ 826498 w 5890490"/>
-                <a:gd name="connsiteY26" fmla="*/ 5876034 h 6578439"/>
-                <a:gd name="connsiteX27" fmla="*/ 122403 w 5890490"/>
-                <a:gd name="connsiteY27" fmla="*/ 3255655 h 6578439"/>
-                <a:gd name="connsiteX28" fmla="*/ 1061197 w 5890490"/>
-                <a:gd name="connsiteY28" fmla="*/ 984650 h 6578439"/>
-                <a:gd name="connsiteX29" fmla="*/ 3517682 w 5890490"/>
-                <a:gd name="connsiteY29" fmla="*/ 0 h 6578439"/>
-              </a:gdLst>
-              <a:ahLst/>
-              <a:cxnLst>
-                <a:cxn ang="0">
-                  <a:pos x="connsiteX0" y="connsiteY0"/>
-                </a:cxn>
-                <a:cxn ang="0">
-                  <a:pos x="connsiteX1" y="connsiteY1"/>
-                </a:cxn>
-                <a:cxn ang="0">
-                  <a:pos x="connsiteX2" y="connsiteY2"/>
-                </a:cxn>
-                <a:cxn ang="0">
-                  <a:pos x="connsiteX3" y="connsiteY3"/>
-                </a:cxn>
-                <a:cxn ang="0">
-                  <a:pos x="connsiteX4" y="connsiteY4"/>
-                </a:cxn>
-                <a:cxn ang="0">
-                  <a:pos x="connsiteX5" y="connsiteY5"/>
-                </a:cxn>
-                <a:cxn ang="0">
-                  <a:pos x="connsiteX6" y="connsiteY6"/>
-                </a:cxn>
-                <a:cxn ang="0">
-                  <a:pos x="connsiteX7" y="connsiteY7"/>
-                </a:cxn>
-                <a:cxn ang="0">
-                  <a:pos x="connsiteX8" y="connsiteY8"/>
-                </a:cxn>
-                <a:cxn ang="0">
-                  <a:pos x="connsiteX9" y="connsiteY9"/>
-                </a:cxn>
-                <a:cxn ang="0">
-                  <a:pos x="connsiteX10" y="connsiteY10"/>
-                </a:cxn>
-                <a:cxn ang="0">
-                  <a:pos x="connsiteX11" y="connsiteY11"/>
-                </a:cxn>
-                <a:cxn ang="0">
-                  <a:pos x="connsiteX12" y="connsiteY12"/>
-                </a:cxn>
-                <a:cxn ang="0">
-                  <a:pos x="connsiteX13" y="connsiteY13"/>
-                </a:cxn>
-                <a:cxn ang="0">
-                  <a:pos x="connsiteX14" y="connsiteY14"/>
-                </a:cxn>
-                <a:cxn ang="0">
-                  <a:pos x="connsiteX15" y="connsiteY15"/>
-                </a:cxn>
-                <a:cxn ang="0">
-                  <a:pos x="connsiteX16" y="connsiteY16"/>
-                </a:cxn>
-                <a:cxn ang="0">
-                  <a:pos x="connsiteX17" y="connsiteY17"/>
-                </a:cxn>
-                <a:cxn ang="0">
-                  <a:pos x="connsiteX18" y="connsiteY18"/>
-                </a:cxn>
-                <a:cxn ang="0">
-                  <a:pos x="connsiteX19" y="connsiteY19"/>
-                </a:cxn>
-                <a:cxn ang="0">
-                  <a:pos x="connsiteX20" y="connsiteY20"/>
-                </a:cxn>
-                <a:cxn ang="0">
-                  <a:pos x="connsiteX21" y="connsiteY21"/>
-                </a:cxn>
-                <a:cxn ang="0">
-                  <a:pos x="connsiteX22" y="connsiteY22"/>
-                </a:cxn>
-                <a:cxn ang="0">
-                  <a:pos x="connsiteX23" y="connsiteY23"/>
-                </a:cxn>
-                <a:cxn ang="0">
-                  <a:pos x="connsiteX24" y="connsiteY24"/>
-                </a:cxn>
-                <a:cxn ang="0">
-                  <a:pos x="connsiteX25" y="connsiteY25"/>
-                </a:cxn>
-                <a:cxn ang="0">
-                  <a:pos x="connsiteX26" y="connsiteY26"/>
-                </a:cxn>
-                <a:cxn ang="0">
-                  <a:pos x="connsiteX27" y="connsiteY27"/>
-                </a:cxn>
-                <a:cxn ang="0">
-                  <a:pos x="connsiteX28" y="connsiteY28"/>
-                </a:cxn>
-                <a:cxn ang="0">
-                  <a:pos x="connsiteX29" y="connsiteY29"/>
-                </a:cxn>
-              </a:cxnLst>
-              <a:rect l="l" t="t" r="r" b="b"/>
-              <a:pathLst>
-                <a:path w="5890490" h="6578439">
-                  <a:moveTo>
-                    <a:pt x="3517682" y="0"/>
-                  </a:moveTo>
-                  <a:cubicBezTo>
-                    <a:pt x="4402016" y="0"/>
-                    <a:pt x="5213741" y="315483"/>
-                    <a:pt x="5849513" y="841730"/>
-                  </a:cubicBezTo>
-                  <a:lnTo>
-                    <a:pt x="5890490" y="879060"/>
-                  </a:lnTo>
-                  <a:lnTo>
-                    <a:pt x="5890490" y="1816052"/>
-                  </a:lnTo>
-                  <a:lnTo>
-                    <a:pt x="5856961" y="1771023"/>
-                  </a:lnTo>
-                  <a:cubicBezTo>
-                    <a:pt x="5793650" y="1694076"/>
-                    <a:pt x="5726429" y="1619959"/>
-                    <a:pt x="5655397" y="1548813"/>
-                  </a:cubicBezTo>
-                  <a:cubicBezTo>
-                    <a:pt x="5082208" y="974906"/>
-                    <a:pt x="4322973" y="658717"/>
-                    <a:pt x="3517682" y="658717"/>
-                  </a:cubicBezTo>
-                  <a:cubicBezTo>
-                    <a:pt x="3085520" y="658717"/>
-                    <a:pt x="2718488" y="721533"/>
-                    <a:pt x="2395696" y="850721"/>
-                  </a:cubicBezTo>
-                  <a:cubicBezTo>
-                    <a:pt x="2079132" y="977407"/>
-                    <a:pt x="1792668" y="1173626"/>
-                    <a:pt x="1519955" y="1450441"/>
-                  </a:cubicBezTo>
-                  <a:cubicBezTo>
-                    <a:pt x="1330275" y="1642840"/>
-                    <a:pt x="1263719" y="1756094"/>
-                    <a:pt x="1223630" y="1841430"/>
-                  </a:cubicBezTo>
-                  <a:cubicBezTo>
-                    <a:pt x="1166545" y="1962981"/>
-                    <a:pt x="1128532" y="2116663"/>
-                    <a:pt x="1075857" y="2329343"/>
-                  </a:cubicBezTo>
-                  <a:cubicBezTo>
-                    <a:pt x="1008652" y="2601153"/>
-                    <a:pt x="916537" y="2973574"/>
-                    <a:pt x="731010" y="3483744"/>
-                  </a:cubicBezTo>
-                  <a:cubicBezTo>
-                    <a:pt x="617488" y="3795981"/>
-                    <a:pt x="620731" y="4121653"/>
-                    <a:pt x="741000" y="4479719"/>
-                  </a:cubicBezTo>
-                  <a:cubicBezTo>
-                    <a:pt x="847257" y="4796172"/>
-                    <a:pt x="1045888" y="5129481"/>
-                    <a:pt x="1315615" y="5443827"/>
-                  </a:cubicBezTo>
-                  <a:cubicBezTo>
-                    <a:pt x="1630753" y="5810980"/>
-                    <a:pt x="1945371" y="6077784"/>
-                    <a:pt x="2277503" y="6259386"/>
-                  </a:cubicBezTo>
-                  <a:cubicBezTo>
-                    <a:pt x="2637530" y="6456133"/>
-                    <a:pt x="3017536" y="6551739"/>
-                    <a:pt x="3439448" y="6551739"/>
-                  </a:cubicBezTo>
-                  <a:cubicBezTo>
-                    <a:pt x="3781571" y="6551739"/>
-                    <a:pt x="4089573" y="6457449"/>
-                    <a:pt x="4408732" y="6255172"/>
-                  </a:cubicBezTo>
-                  <a:cubicBezTo>
-                    <a:pt x="4738010" y="6046310"/>
-                    <a:pt x="5050941" y="5739207"/>
-                    <a:pt x="5343243" y="5442509"/>
-                  </a:cubicBezTo>
-                  <a:cubicBezTo>
-                    <a:pt x="5479860" y="5303970"/>
-                    <a:pt x="5614918" y="5178206"/>
-                    <a:pt x="5745566" y="5056656"/>
-                  </a:cubicBezTo>
-                  <a:lnTo>
-                    <a:pt x="5890490" y="4920880"/>
-                  </a:lnTo>
-                  <a:lnTo>
-                    <a:pt x="5890490" y="5821966"/>
-                  </a:lnTo>
-                  <a:lnTo>
-                    <a:pt x="5802002" y="5907904"/>
-                  </a:lnTo>
-                  <a:cubicBezTo>
-                    <a:pt x="5634962" y="6077456"/>
-                    <a:pt x="5467509" y="6243625"/>
-                    <a:pt x="5294358" y="6397505"/>
-                  </a:cubicBezTo>
-                  <a:lnTo>
-                    <a:pt x="5077178" y="6578439"/>
-                  </a:lnTo>
-                  <a:lnTo>
-                    <a:pt x="1567290" y="6578439"/>
-                  </a:lnTo>
-                  <a:lnTo>
-                    <a:pt x="1508588" y="6535186"/>
-                  </a:lnTo>
-                  <a:cubicBezTo>
-                    <a:pt x="1263991" y="6345442"/>
-                    <a:pt x="1038054" y="6122666"/>
-                    <a:pt x="826498" y="5876034"/>
-                  </a:cubicBezTo>
-                  <a:cubicBezTo>
-                    <a:pt x="261613" y="5217713"/>
-                    <a:pt x="-239182" y="4250314"/>
-                    <a:pt x="122403" y="3255655"/>
-                  </a:cubicBezTo>
-                  <a:cubicBezTo>
-                    <a:pt x="607497" y="1921629"/>
-                    <a:pt x="393040" y="1662857"/>
-                    <a:pt x="1061197" y="984650"/>
-                  </a:cubicBezTo>
-                  <a:cubicBezTo>
-                    <a:pt x="1729484" y="306444"/>
-                    <a:pt x="2498060" y="0"/>
-                    <a:pt x="3517682" y="0"/>
-                  </a:cubicBezTo>
-                  <a:close/>
-                </a:path>
-              </a:pathLst>
-            </a:custGeom>
-            <a:gradFill flip="none" rotWithShape="1">
-              <a:gsLst>
-                <a:gs pos="2000">
-                  <a:schemeClr val="bg1">
-                    <a:alpha val="10000"/>
-                  </a:schemeClr>
-                </a:gs>
-                <a:gs pos="16000">
-                  <a:schemeClr val="accent6">
-                    <a:alpha val="5000"/>
-                  </a:schemeClr>
-                </a:gs>
-                <a:gs pos="100000">
-                  <a:schemeClr val="bg1">
-                    <a:alpha val="10000"/>
-                  </a:schemeClr>
-                </a:gs>
-                <a:gs pos="85000">
-                  <a:schemeClr val="accent1">
-                    <a:alpha val="5000"/>
-                  </a:schemeClr>
-                </a:gs>
-              </a:gsLst>
-              <a:lin ang="12000000" scaled="0"/>
-              <a:tileRect/>
-            </a:gradFill>
-            <a:ln>
-              <a:noFill/>
-            </a:ln>
-          </p:spPr>
-          <p:style>
-            <a:lnRef idx="2">
-              <a:schemeClr val="accent1">
-                <a:shade val="50000"/>
-              </a:schemeClr>
-            </a:lnRef>
-            <a:fillRef idx="1">
-              <a:schemeClr val="accent1"/>
-            </a:fillRef>
-            <a:effectRef idx="0">
-              <a:schemeClr val="accent1"/>
-            </a:effectRef>
-            <a:fontRef idx="minor">
-              <a:schemeClr val="lt1"/>
-            </a:fontRef>
-          </p:style>
-          <p:txBody>
-            <a:bodyPr rtlCol="0" anchor="ctr"/>
-            <a:lstStyle/>
-            <a:p>
-              <a:pPr algn="ctr"/>
-              <a:endParaRPr lang="en-US"/>
-            </a:p>
-          </p:txBody>
-        </p:sp>
-        <p:sp>
-          <p:nvSpPr>
-            <p:cNvPr id="15" name="Freeform: Shape 14">
-              <a:extLst>
-                <a:ext uri="{FF2B5EF4-FFF2-40B4-BE49-F238E27FC236}">
-                  <a16:creationId xmlns:a16="http://schemas.microsoft.com/office/drawing/2014/main" id="{458B604F-996E-4349-B131-E04ED285D8DA}"/>
-                </a:ext>
-                <a:ext uri="{C183D7F6-B498-43B3-948B-1728B52AA6E4}">
-                  <adec:decorative xmlns:adec="http://schemas.microsoft.com/office/drawing/2017/decorative" val="1"/>
-                </a:ext>
-              </a:extLst>
-            </p:cNvPr>
-            <p:cNvSpPr/>
-            <p:nvPr>
-              <p:extLst>
-                <p:ext uri="{386F3935-93C4-4BCD-93E2-E3B085C9AB24}">
-                  <p16:designElem xmlns:p16="http://schemas.microsoft.com/office/powerpoint/2015/main" val="1"/>
-                </p:ext>
-              </p:extLst>
-            </p:nvPr>
-          </p:nvSpPr>
-          <p:spPr>
-            <a:xfrm>
-              <a:off x="6101025" y="52996"/>
-              <a:ext cx="6093361" cy="6805003"/>
-            </a:xfrm>
-            <a:custGeom>
-              <a:avLst/>
-              <a:gdLst>
-                <a:gd name="connsiteX0" fmla="*/ 3391253 w 5890489"/>
-                <a:gd name="connsiteY0" fmla="*/ 0 h 6578438"/>
-                <a:gd name="connsiteX1" fmla="*/ 3434974 w 5890489"/>
-                <a:gd name="connsiteY1" fmla="*/ 646 h 6578438"/>
-                <a:gd name="connsiteX2" fmla="*/ 3522419 w 5890489"/>
-                <a:gd name="connsiteY2" fmla="*/ 2712 h 6578438"/>
-                <a:gd name="connsiteX3" fmla="*/ 3610261 w 5890489"/>
-                <a:gd name="connsiteY3" fmla="*/ 6458 h 6578438"/>
-                <a:gd name="connsiteX4" fmla="*/ 3786872 w 5890489"/>
-                <a:gd name="connsiteY4" fmla="*/ 20667 h 6578438"/>
-                <a:gd name="connsiteX5" fmla="*/ 3962291 w 5890489"/>
-                <a:gd name="connsiteY5" fmla="*/ 43530 h 6578438"/>
-                <a:gd name="connsiteX6" fmla="*/ 4135855 w 5890489"/>
-                <a:gd name="connsiteY6" fmla="*/ 75176 h 6578438"/>
-                <a:gd name="connsiteX7" fmla="*/ 4307299 w 5890489"/>
-                <a:gd name="connsiteY7" fmla="*/ 114315 h 6578438"/>
-                <a:gd name="connsiteX8" fmla="*/ 4476358 w 5890489"/>
-                <a:gd name="connsiteY8" fmla="*/ 160816 h 6578438"/>
-                <a:gd name="connsiteX9" fmla="*/ 4559829 w 5890489"/>
-                <a:gd name="connsiteY9" fmla="*/ 186779 h 6578438"/>
-                <a:gd name="connsiteX10" fmla="*/ 4642901 w 5890489"/>
-                <a:gd name="connsiteY10" fmla="*/ 213648 h 6578438"/>
-                <a:gd name="connsiteX11" fmla="*/ 5280847 w 5890489"/>
-                <a:gd name="connsiteY11" fmla="*/ 485936 h 6578438"/>
-                <a:gd name="connsiteX12" fmla="*/ 5865400 w 5890489"/>
-                <a:gd name="connsiteY12" fmla="*/ 851099 h 6578438"/>
-                <a:gd name="connsiteX13" fmla="*/ 5890489 w 5890489"/>
-                <a:gd name="connsiteY13" fmla="*/ 870950 h 6578438"/>
-                <a:gd name="connsiteX14" fmla="*/ 5890489 w 5890489"/>
-                <a:gd name="connsiteY14" fmla="*/ 1321814 h 6578438"/>
-                <a:gd name="connsiteX15" fmla="*/ 5887395 w 5890489"/>
-                <a:gd name="connsiteY15" fmla="*/ 1318952 h 6578438"/>
-                <a:gd name="connsiteX16" fmla="*/ 5830291 w 5890489"/>
-                <a:gd name="connsiteY16" fmla="*/ 1265992 h 6578438"/>
-                <a:gd name="connsiteX17" fmla="*/ 5815981 w 5890489"/>
-                <a:gd name="connsiteY17" fmla="*/ 1252687 h 6578438"/>
-                <a:gd name="connsiteX18" fmla="*/ 5801142 w 5890489"/>
-                <a:gd name="connsiteY18" fmla="*/ 1240158 h 6578438"/>
-                <a:gd name="connsiteX19" fmla="*/ 5771464 w 5890489"/>
-                <a:gd name="connsiteY19" fmla="*/ 1214969 h 6578438"/>
-                <a:gd name="connsiteX20" fmla="*/ 5651030 w 5890489"/>
-                <a:gd name="connsiteY20" fmla="*/ 1115767 h 6578438"/>
-                <a:gd name="connsiteX21" fmla="*/ 5123183 w 5890489"/>
-                <a:gd name="connsiteY21" fmla="*/ 780443 h 6578438"/>
-                <a:gd name="connsiteX22" fmla="*/ 4533860 w 5890489"/>
-                <a:gd name="connsiteY22" fmla="*/ 567701 h 6578438"/>
-                <a:gd name="connsiteX23" fmla="*/ 4457281 w 5890489"/>
-                <a:gd name="connsiteY23" fmla="*/ 550780 h 6578438"/>
-                <a:gd name="connsiteX24" fmla="*/ 4380568 w 5890489"/>
-                <a:gd name="connsiteY24" fmla="*/ 535279 h 6578438"/>
-                <a:gd name="connsiteX25" fmla="*/ 4303325 w 5890489"/>
-                <a:gd name="connsiteY25" fmla="*/ 522879 h 6578438"/>
-                <a:gd name="connsiteX26" fmla="*/ 4264769 w 5890489"/>
-                <a:gd name="connsiteY26" fmla="*/ 516679 h 6578438"/>
-                <a:gd name="connsiteX27" fmla="*/ 4226082 w 5890489"/>
-                <a:gd name="connsiteY27" fmla="*/ 511253 h 6578438"/>
-                <a:gd name="connsiteX28" fmla="*/ 4070934 w 5890489"/>
-                <a:gd name="connsiteY28" fmla="*/ 494848 h 6578438"/>
-                <a:gd name="connsiteX29" fmla="*/ 3915521 w 5890489"/>
-                <a:gd name="connsiteY29" fmla="*/ 486065 h 6578438"/>
-                <a:gd name="connsiteX30" fmla="*/ 3760241 w 5890489"/>
-                <a:gd name="connsiteY30" fmla="*/ 484257 h 6578438"/>
-                <a:gd name="connsiteX31" fmla="*/ 3682734 w 5890489"/>
-                <a:gd name="connsiteY31" fmla="*/ 486581 h 6578438"/>
-                <a:gd name="connsiteX32" fmla="*/ 3605491 w 5890489"/>
-                <a:gd name="connsiteY32" fmla="*/ 488907 h 6578438"/>
-                <a:gd name="connsiteX33" fmla="*/ 3527454 w 5890489"/>
-                <a:gd name="connsiteY33" fmla="*/ 493169 h 6578438"/>
-                <a:gd name="connsiteX34" fmla="*/ 3449151 w 5890489"/>
-                <a:gd name="connsiteY34" fmla="*/ 498336 h 6578438"/>
-                <a:gd name="connsiteX35" fmla="*/ 3410067 w 5890489"/>
-                <a:gd name="connsiteY35" fmla="*/ 500532 h 6578438"/>
-                <a:gd name="connsiteX36" fmla="*/ 3371246 w 5890489"/>
-                <a:gd name="connsiteY36" fmla="*/ 504279 h 6578438"/>
-                <a:gd name="connsiteX37" fmla="*/ 3293739 w 5890489"/>
-                <a:gd name="connsiteY37" fmla="*/ 511512 h 6578438"/>
-                <a:gd name="connsiteX38" fmla="*/ 2689445 w 5890489"/>
-                <a:gd name="connsiteY38" fmla="*/ 610198 h 6578438"/>
-                <a:gd name="connsiteX39" fmla="*/ 2117875 w 5890489"/>
-                <a:gd name="connsiteY39" fmla="*/ 800335 h 6578438"/>
-                <a:gd name="connsiteX40" fmla="*/ 1981276 w 5890489"/>
-                <a:gd name="connsiteY40" fmla="*/ 865566 h 6578438"/>
-                <a:gd name="connsiteX41" fmla="*/ 1847991 w 5890489"/>
-                <a:gd name="connsiteY41" fmla="*/ 938676 h 6578438"/>
-                <a:gd name="connsiteX42" fmla="*/ 1783069 w 5890489"/>
-                <a:gd name="connsiteY42" fmla="*/ 978718 h 6578438"/>
-                <a:gd name="connsiteX43" fmla="*/ 1750609 w 5890489"/>
-                <a:gd name="connsiteY43" fmla="*/ 998869 h 6578438"/>
-                <a:gd name="connsiteX44" fmla="*/ 1734312 w 5890489"/>
-                <a:gd name="connsiteY44" fmla="*/ 1008945 h 6578438"/>
-                <a:gd name="connsiteX45" fmla="*/ 1718547 w 5890489"/>
-                <a:gd name="connsiteY45" fmla="*/ 1019924 h 6578438"/>
-                <a:gd name="connsiteX46" fmla="*/ 1655481 w 5890489"/>
-                <a:gd name="connsiteY46" fmla="*/ 1063582 h 6578438"/>
-                <a:gd name="connsiteX47" fmla="*/ 1593077 w 5890489"/>
-                <a:gd name="connsiteY47" fmla="*/ 1108664 h 6578438"/>
-                <a:gd name="connsiteX48" fmla="*/ 1532263 w 5890489"/>
-                <a:gd name="connsiteY48" fmla="*/ 1156197 h 6578438"/>
-                <a:gd name="connsiteX49" fmla="*/ 1472509 w 5890489"/>
-                <a:gd name="connsiteY49" fmla="*/ 1205152 h 6578438"/>
-                <a:gd name="connsiteX50" fmla="*/ 1414212 w 5890489"/>
-                <a:gd name="connsiteY50" fmla="*/ 1256175 h 6578438"/>
-                <a:gd name="connsiteX51" fmla="*/ 1357242 w 5890489"/>
-                <a:gd name="connsiteY51" fmla="*/ 1308359 h 6578438"/>
-                <a:gd name="connsiteX52" fmla="*/ 1153072 w 5890489"/>
-                <a:gd name="connsiteY52" fmla="*/ 1529498 h 6578438"/>
-                <a:gd name="connsiteX53" fmla="*/ 1002694 w 5890489"/>
-                <a:gd name="connsiteY53" fmla="*/ 1770658 h 6578438"/>
-                <a:gd name="connsiteX54" fmla="*/ 974076 w 5890489"/>
-                <a:gd name="connsiteY54" fmla="*/ 1835371 h 6578438"/>
-                <a:gd name="connsiteX55" fmla="*/ 949564 w 5890489"/>
-                <a:gd name="connsiteY55" fmla="*/ 1903573 h 6578438"/>
-                <a:gd name="connsiteX56" fmla="*/ 927173 w 5890489"/>
-                <a:gd name="connsiteY56" fmla="*/ 1974229 h 6578438"/>
-                <a:gd name="connsiteX57" fmla="*/ 906107 w 5890489"/>
-                <a:gd name="connsiteY57" fmla="*/ 2046952 h 6578438"/>
-                <a:gd name="connsiteX58" fmla="*/ 751092 w 5890489"/>
-                <a:gd name="connsiteY58" fmla="*/ 2676266 h 6578438"/>
-                <a:gd name="connsiteX59" fmla="*/ 547189 w 5890489"/>
-                <a:gd name="connsiteY59" fmla="*/ 3308422 h 6578438"/>
-                <a:gd name="connsiteX60" fmla="*/ 441195 w 5890489"/>
-                <a:gd name="connsiteY60" fmla="*/ 3866306 h 6578438"/>
-                <a:gd name="connsiteX61" fmla="*/ 527182 w 5890489"/>
-                <a:gd name="connsiteY61" fmla="*/ 4439174 h 6578438"/>
-                <a:gd name="connsiteX62" fmla="*/ 775073 w 5890489"/>
-                <a:gd name="connsiteY62" fmla="*/ 4987240 h 6578438"/>
-                <a:gd name="connsiteX63" fmla="*/ 943206 w 5890489"/>
-                <a:gd name="connsiteY63" fmla="*/ 5244933 h 6578438"/>
-                <a:gd name="connsiteX64" fmla="*/ 1133728 w 5890489"/>
-                <a:gd name="connsiteY64" fmla="*/ 5490356 h 6578438"/>
-                <a:gd name="connsiteX65" fmla="*/ 1359626 w 5890489"/>
-                <a:gd name="connsiteY65" fmla="*/ 5709815 h 6578438"/>
-                <a:gd name="connsiteX66" fmla="*/ 1481254 w 5890489"/>
-                <a:gd name="connsiteY66" fmla="*/ 5809146 h 6578438"/>
-                <a:gd name="connsiteX67" fmla="*/ 1543260 w 5890489"/>
-                <a:gd name="connsiteY67" fmla="*/ 5856940 h 6578438"/>
-                <a:gd name="connsiteX68" fmla="*/ 1607518 w 5890489"/>
-                <a:gd name="connsiteY68" fmla="*/ 5901374 h 6578438"/>
-                <a:gd name="connsiteX69" fmla="*/ 2145566 w 5890489"/>
-                <a:gd name="connsiteY69" fmla="*/ 6193814 h 6578438"/>
-                <a:gd name="connsiteX70" fmla="*/ 2214991 w 5890489"/>
-                <a:gd name="connsiteY70" fmla="*/ 6221844 h 6578438"/>
-                <a:gd name="connsiteX71" fmla="*/ 2249307 w 5890489"/>
-                <a:gd name="connsiteY71" fmla="*/ 6236182 h 6578438"/>
-                <a:gd name="connsiteX72" fmla="*/ 2284285 w 5890489"/>
-                <a:gd name="connsiteY72" fmla="*/ 6248711 h 6578438"/>
-                <a:gd name="connsiteX73" fmla="*/ 2354241 w 5890489"/>
-                <a:gd name="connsiteY73" fmla="*/ 6273124 h 6578438"/>
-                <a:gd name="connsiteX74" fmla="*/ 2371597 w 5890489"/>
-                <a:gd name="connsiteY74" fmla="*/ 6279324 h 6578438"/>
-                <a:gd name="connsiteX75" fmla="*/ 2387894 w 5890489"/>
-                <a:gd name="connsiteY75" fmla="*/ 6287719 h 6578438"/>
-                <a:gd name="connsiteX76" fmla="*/ 2421414 w 5890489"/>
-                <a:gd name="connsiteY76" fmla="*/ 6302186 h 6578438"/>
-                <a:gd name="connsiteX77" fmla="*/ 2489117 w 5890489"/>
-                <a:gd name="connsiteY77" fmla="*/ 6329441 h 6578438"/>
-                <a:gd name="connsiteX78" fmla="*/ 2522902 w 5890489"/>
-                <a:gd name="connsiteY78" fmla="*/ 6343134 h 6578438"/>
-                <a:gd name="connsiteX79" fmla="*/ 2556953 w 5890489"/>
-                <a:gd name="connsiteY79" fmla="*/ 6356051 h 6578438"/>
-                <a:gd name="connsiteX80" fmla="*/ 2695009 w 5890489"/>
-                <a:gd name="connsiteY80" fmla="*/ 6401905 h 6578438"/>
-                <a:gd name="connsiteX81" fmla="*/ 3268035 w 5890489"/>
-                <a:gd name="connsiteY81" fmla="*/ 6501238 h 6578438"/>
-                <a:gd name="connsiteX82" fmla="*/ 3341038 w 5890489"/>
-                <a:gd name="connsiteY82" fmla="*/ 6506145 h 6578438"/>
-                <a:gd name="connsiteX83" fmla="*/ 3414703 w 5890489"/>
-                <a:gd name="connsiteY83" fmla="*/ 6507050 h 6578438"/>
-                <a:gd name="connsiteX84" fmla="*/ 3488237 w 5890489"/>
-                <a:gd name="connsiteY84" fmla="*/ 6508212 h 6578438"/>
-                <a:gd name="connsiteX85" fmla="*/ 3524142 w 5890489"/>
-                <a:gd name="connsiteY85" fmla="*/ 6507955 h 6578438"/>
-                <a:gd name="connsiteX86" fmla="*/ 3559252 w 5890489"/>
-                <a:gd name="connsiteY86" fmla="*/ 6506921 h 6578438"/>
-                <a:gd name="connsiteX87" fmla="*/ 3629207 w 5890489"/>
-                <a:gd name="connsiteY87" fmla="*/ 6503045 h 6578438"/>
-                <a:gd name="connsiteX88" fmla="*/ 3698633 w 5890489"/>
-                <a:gd name="connsiteY88" fmla="*/ 6496845 h 6578438"/>
-                <a:gd name="connsiteX89" fmla="*/ 3733213 w 5890489"/>
-                <a:gd name="connsiteY89" fmla="*/ 6493357 h 6578438"/>
-                <a:gd name="connsiteX90" fmla="*/ 3767529 w 5890489"/>
-                <a:gd name="connsiteY90" fmla="*/ 6488707 h 6578438"/>
-                <a:gd name="connsiteX91" fmla="*/ 3801845 w 5890489"/>
-                <a:gd name="connsiteY91" fmla="*/ 6484057 h 6578438"/>
-                <a:gd name="connsiteX92" fmla="*/ 3835895 w 5890489"/>
-                <a:gd name="connsiteY92" fmla="*/ 6478116 h 6578438"/>
-                <a:gd name="connsiteX93" fmla="*/ 4364801 w 5890489"/>
-                <a:gd name="connsiteY93" fmla="*/ 6308517 h 6578438"/>
-                <a:gd name="connsiteX94" fmla="*/ 4861379 w 5890489"/>
-                <a:gd name="connsiteY94" fmla="*/ 6000576 h 6578438"/>
-                <a:gd name="connsiteX95" fmla="*/ 5341263 w 5890489"/>
-                <a:gd name="connsiteY95" fmla="*/ 5605834 h 6578438"/>
-                <a:gd name="connsiteX96" fmla="*/ 5587301 w 5890489"/>
-                <a:gd name="connsiteY96" fmla="*/ 5390379 h 6578438"/>
-                <a:gd name="connsiteX97" fmla="*/ 5849105 w 5890489"/>
-                <a:gd name="connsiteY97" fmla="*/ 5176344 h 6578438"/>
-                <a:gd name="connsiteX98" fmla="*/ 5890489 w 5890489"/>
-                <a:gd name="connsiteY98" fmla="*/ 5145260 h 6578438"/>
-                <a:gd name="connsiteX99" fmla="*/ 5890489 w 5890489"/>
-                <a:gd name="connsiteY99" fmla="*/ 5995323 h 6578438"/>
-                <a:gd name="connsiteX100" fmla="*/ 5811477 w 5890489"/>
-                <a:gd name="connsiteY100" fmla="*/ 6077819 h 6578438"/>
-                <a:gd name="connsiteX101" fmla="*/ 5301384 w 5890489"/>
-                <a:gd name="connsiteY101" fmla="*/ 6542958 h 6578438"/>
-                <a:gd name="connsiteX102" fmla="*/ 5252008 w 5890489"/>
-                <a:gd name="connsiteY102" fmla="*/ 6578438 h 6578438"/>
-                <a:gd name="connsiteX103" fmla="*/ 1653730 w 5890489"/>
-                <a:gd name="connsiteY103" fmla="*/ 6578438 h 6578438"/>
-                <a:gd name="connsiteX104" fmla="*/ 1549768 w 5890489"/>
-                <a:gd name="connsiteY104" fmla="*/ 6488821 h 6578438"/>
-                <a:gd name="connsiteX105" fmla="*/ 1298282 w 5890489"/>
-                <a:gd name="connsiteY105" fmla="*/ 6243932 h 6578438"/>
-                <a:gd name="connsiteX106" fmla="*/ 1237999 w 5890489"/>
-                <a:gd name="connsiteY106" fmla="*/ 6181671 h 6578438"/>
-                <a:gd name="connsiteX107" fmla="*/ 1179967 w 5890489"/>
-                <a:gd name="connsiteY107" fmla="*/ 6117862 h 6578438"/>
-                <a:gd name="connsiteX108" fmla="*/ 1121936 w 5890489"/>
-                <a:gd name="connsiteY108" fmla="*/ 6054569 h 6578438"/>
-                <a:gd name="connsiteX109" fmla="*/ 1065628 w 5890489"/>
-                <a:gd name="connsiteY109" fmla="*/ 5990243 h 6578438"/>
-                <a:gd name="connsiteX110" fmla="*/ 954335 w 5890489"/>
-                <a:gd name="connsiteY110" fmla="*/ 5861460 h 6578438"/>
-                <a:gd name="connsiteX111" fmla="*/ 898953 w 5890489"/>
-                <a:gd name="connsiteY111" fmla="*/ 5797393 h 6578438"/>
-                <a:gd name="connsiteX112" fmla="*/ 842908 w 5890489"/>
-                <a:gd name="connsiteY112" fmla="*/ 5733582 h 6578438"/>
-                <a:gd name="connsiteX113" fmla="*/ 622442 w 5890489"/>
-                <a:gd name="connsiteY113" fmla="*/ 5471884 h 6578438"/>
-                <a:gd name="connsiteX114" fmla="*/ 425559 w 5890489"/>
-                <a:gd name="connsiteY114" fmla="*/ 5190036 h 6578438"/>
-                <a:gd name="connsiteX115" fmla="*/ 123877 w 5890489"/>
-                <a:gd name="connsiteY115" fmla="*/ 4564210 h 6578438"/>
-                <a:gd name="connsiteX116" fmla="*/ 130 w 5890489"/>
-                <a:gd name="connsiteY116" fmla="*/ 3865530 h 6578438"/>
-                <a:gd name="connsiteX117" fmla="*/ 30602 w 5890489"/>
-                <a:gd name="connsiteY117" fmla="*/ 3505793 h 6578438"/>
-                <a:gd name="connsiteX118" fmla="*/ 126924 w 5890489"/>
-                <a:gd name="connsiteY118" fmla="*/ 3157164 h 6578438"/>
-                <a:gd name="connsiteX119" fmla="*/ 334803 w 5890489"/>
-                <a:gd name="connsiteY119" fmla="*/ 2560530 h 6578438"/>
-                <a:gd name="connsiteX120" fmla="*/ 381176 w 5890489"/>
-                <a:gd name="connsiteY120" fmla="*/ 2409144 h 6578438"/>
-                <a:gd name="connsiteX121" fmla="*/ 425825 w 5890489"/>
-                <a:gd name="connsiteY121" fmla="*/ 2255819 h 6578438"/>
-                <a:gd name="connsiteX122" fmla="*/ 470210 w 5890489"/>
-                <a:gd name="connsiteY122" fmla="*/ 2099523 h 6578438"/>
-                <a:gd name="connsiteX123" fmla="*/ 492998 w 5890489"/>
-                <a:gd name="connsiteY123" fmla="*/ 2020213 h 6578438"/>
-                <a:gd name="connsiteX124" fmla="*/ 517509 w 5890489"/>
-                <a:gd name="connsiteY124" fmla="*/ 1939224 h 6578438"/>
-                <a:gd name="connsiteX125" fmla="*/ 544007 w 5890489"/>
-                <a:gd name="connsiteY125" fmla="*/ 1857201 h 6578438"/>
-                <a:gd name="connsiteX126" fmla="*/ 573288 w 5890489"/>
-                <a:gd name="connsiteY126" fmla="*/ 1774274 h 6578438"/>
-                <a:gd name="connsiteX127" fmla="*/ 606146 w 5890489"/>
-                <a:gd name="connsiteY127" fmla="*/ 1690832 h 6578438"/>
-                <a:gd name="connsiteX128" fmla="*/ 644569 w 5890489"/>
-                <a:gd name="connsiteY128" fmla="*/ 1607775 h 6578438"/>
-                <a:gd name="connsiteX129" fmla="*/ 837874 w 5890489"/>
-                <a:gd name="connsiteY129" fmla="*/ 1297638 h 6578438"/>
-                <a:gd name="connsiteX130" fmla="*/ 1069602 w 5890489"/>
-                <a:gd name="connsiteY130" fmla="*/ 1032194 h 6578438"/>
-                <a:gd name="connsiteX131" fmla="*/ 1130548 w 5890489"/>
-                <a:gd name="connsiteY131" fmla="*/ 970839 h 6578438"/>
-                <a:gd name="connsiteX132" fmla="*/ 1192024 w 5890489"/>
-                <a:gd name="connsiteY132" fmla="*/ 910129 h 6578438"/>
-                <a:gd name="connsiteX133" fmla="*/ 1255356 w 5890489"/>
-                <a:gd name="connsiteY133" fmla="*/ 850841 h 6578438"/>
-                <a:gd name="connsiteX134" fmla="*/ 1319614 w 5890489"/>
-                <a:gd name="connsiteY134" fmla="*/ 792068 h 6578438"/>
-                <a:gd name="connsiteX135" fmla="*/ 1385728 w 5890489"/>
-                <a:gd name="connsiteY135" fmla="*/ 734975 h 6578438"/>
-                <a:gd name="connsiteX136" fmla="*/ 1452768 w 5890489"/>
-                <a:gd name="connsiteY136" fmla="*/ 678528 h 6578438"/>
-                <a:gd name="connsiteX137" fmla="*/ 1469594 w 5890489"/>
-                <a:gd name="connsiteY137" fmla="*/ 664449 h 6578438"/>
-                <a:gd name="connsiteX138" fmla="*/ 1487083 w 5890489"/>
-                <a:gd name="connsiteY138" fmla="*/ 651015 h 6578438"/>
-                <a:gd name="connsiteX139" fmla="*/ 1522193 w 5890489"/>
-                <a:gd name="connsiteY139" fmla="*/ 624277 h 6578438"/>
-                <a:gd name="connsiteX140" fmla="*/ 1592415 w 5890489"/>
-                <a:gd name="connsiteY140" fmla="*/ 570671 h 6578438"/>
-                <a:gd name="connsiteX141" fmla="*/ 1738287 w 5890489"/>
-                <a:gd name="connsiteY141" fmla="*/ 469402 h 6578438"/>
-                <a:gd name="connsiteX142" fmla="*/ 1890918 w 5890489"/>
-                <a:gd name="connsiteY142" fmla="*/ 376530 h 6578438"/>
-                <a:gd name="connsiteX143" fmla="*/ 2555363 w 5890489"/>
-                <a:gd name="connsiteY143" fmla="*/ 105274 h 6578438"/>
-                <a:gd name="connsiteX144" fmla="*/ 3259291 w 5890489"/>
-                <a:gd name="connsiteY144" fmla="*/ 3229 h 6578438"/>
-                <a:gd name="connsiteX145" fmla="*/ 3347265 w 5890489"/>
-                <a:gd name="connsiteY145" fmla="*/ 903 h 6578438"/>
-              </a:gdLst>
-              <a:ahLst/>
-              <a:cxnLst>
-                <a:cxn ang="0">
-                  <a:pos x="connsiteX0" y="connsiteY0"/>
-                </a:cxn>
-                <a:cxn ang="0">
-                  <a:pos x="connsiteX1" y="connsiteY1"/>
-                </a:cxn>
-                <a:cxn ang="0">
-                  <a:pos x="connsiteX2" y="connsiteY2"/>
-                </a:cxn>
-                <a:cxn ang="0">
-                  <a:pos x="connsiteX3" y="connsiteY3"/>
-                </a:cxn>
-                <a:cxn ang="0">
-                  <a:pos x="connsiteX4" y="connsiteY4"/>
-                </a:cxn>
-                <a:cxn ang="0">
-                  <a:pos x="connsiteX5" y="connsiteY5"/>
-                </a:cxn>
-                <a:cxn ang="0">
-                  <a:pos x="connsiteX6" y="connsiteY6"/>
-                </a:cxn>
-                <a:cxn ang="0">
-                  <a:pos x="connsiteX7" y="connsiteY7"/>
-                </a:cxn>
-                <a:cxn ang="0">
-                  <a:pos x="connsiteX8" y="connsiteY8"/>
-                </a:cxn>
-                <a:cxn ang="0">
-                  <a:pos x="connsiteX9" y="connsiteY9"/>
-                </a:cxn>
-                <a:cxn ang="0">
-                  <a:pos x="connsiteX10" y="connsiteY10"/>
-                </a:cxn>
-                <a:cxn ang="0">
-                  <a:pos x="connsiteX11" y="connsiteY11"/>
-                </a:cxn>
-                <a:cxn ang="0">
-                  <a:pos x="connsiteX12" y="connsiteY12"/>
-                </a:cxn>
-                <a:cxn ang="0">
-                  <a:pos x="connsiteX13" y="connsiteY13"/>
-                </a:cxn>
-                <a:cxn ang="0">
-                  <a:pos x="connsiteX14" y="connsiteY14"/>
-                </a:cxn>
-                <a:cxn ang="0">
-                  <a:pos x="connsiteX15" y="connsiteY15"/>
-                </a:cxn>
-                <a:cxn ang="0">
-                  <a:pos x="connsiteX16" y="connsiteY16"/>
-                </a:cxn>
-                <a:cxn ang="0">
-                  <a:pos x="connsiteX17" y="connsiteY17"/>
-                </a:cxn>
-                <a:cxn ang="0">
-                  <a:pos x="connsiteX18" y="connsiteY18"/>
-                </a:cxn>
-                <a:cxn ang="0">
-                  <a:pos x="connsiteX19" y="connsiteY19"/>
-                </a:cxn>
-                <a:cxn ang="0">
-                  <a:pos x="connsiteX20" y="connsiteY20"/>
-                </a:cxn>
-                <a:cxn ang="0">
-                  <a:pos x="connsiteX21" y="connsiteY21"/>
-                </a:cxn>
-                <a:cxn ang="0">
-                  <a:pos x="connsiteX22" y="connsiteY22"/>
-                </a:cxn>
-                <a:cxn ang="0">
-                  <a:pos x="connsiteX23" y="connsiteY23"/>
-                </a:cxn>
-                <a:cxn ang="0">
-                  <a:pos x="connsiteX24" y="connsiteY24"/>
-                </a:cxn>
-                <a:cxn ang="0">
-                  <a:pos x="connsiteX25" y="connsiteY25"/>
-                </a:cxn>
-                <a:cxn ang="0">
-                  <a:pos x="connsiteX26" y="connsiteY26"/>
-                </a:cxn>
-                <a:cxn ang="0">
-                  <a:pos x="connsiteX27" y="connsiteY27"/>
-                </a:cxn>
-                <a:cxn ang="0">
-                  <a:pos x="connsiteX28" y="connsiteY28"/>
-                </a:cxn>
-                <a:cxn ang="0">
-                  <a:pos x="connsiteX29" y="connsiteY29"/>
-                </a:cxn>
-                <a:cxn ang="0">
-                  <a:pos x="connsiteX30" y="connsiteY30"/>
-                </a:cxn>
-                <a:cxn ang="0">
-                  <a:pos x="connsiteX31" y="connsiteY31"/>
-                </a:cxn>
-                <a:cxn ang="0">
-                  <a:pos x="connsiteX32" y="connsiteY32"/>
-                </a:cxn>
-                <a:cxn ang="0">
-                  <a:pos x="connsiteX33" y="connsiteY33"/>
-                </a:cxn>
-                <a:cxn ang="0">
-                  <a:pos x="connsiteX34" y="connsiteY34"/>
-                </a:cxn>
-                <a:cxn ang="0">
-                  <a:pos x="connsiteX35" y="connsiteY35"/>
-                </a:cxn>
-                <a:cxn ang="0">
-                  <a:pos x="connsiteX36" y="connsiteY36"/>
-                </a:cxn>
-                <a:cxn ang="0">
-                  <a:pos x="connsiteX37" y="connsiteY37"/>
-                </a:cxn>
-                <a:cxn ang="0">
-                  <a:pos x="connsiteX38" y="connsiteY38"/>
-                </a:cxn>
-                <a:cxn ang="0">
-                  <a:pos x="connsiteX39" y="connsiteY39"/>
-                </a:cxn>
-                <a:cxn ang="0">
-                  <a:pos x="connsiteX40" y="connsiteY40"/>
-                </a:cxn>
-                <a:cxn ang="0">
-                  <a:pos x="connsiteX41" y="connsiteY41"/>
-                </a:cxn>
-                <a:cxn ang="0">
-                  <a:pos x="connsiteX42" y="connsiteY42"/>
-                </a:cxn>
-                <a:cxn ang="0">
-                  <a:pos x="connsiteX43" y="connsiteY43"/>
-                </a:cxn>
-                <a:cxn ang="0">
-                  <a:pos x="connsiteX44" y="connsiteY44"/>
-                </a:cxn>
-                <a:cxn ang="0">
-                  <a:pos x="connsiteX45" y="connsiteY45"/>
-                </a:cxn>
-                <a:cxn ang="0">
-                  <a:pos x="connsiteX46" y="connsiteY46"/>
-                </a:cxn>
-                <a:cxn ang="0">
-                  <a:pos x="connsiteX47" y="connsiteY47"/>
-                </a:cxn>
-                <a:cxn ang="0">
-                  <a:pos x="connsiteX48" y="connsiteY48"/>
-                </a:cxn>
-                <a:cxn ang="0">
-                  <a:pos x="connsiteX49" y="connsiteY49"/>
-                </a:cxn>
-                <a:cxn ang="0">
-                  <a:pos x="connsiteX50" y="connsiteY50"/>
-                </a:cxn>
-                <a:cxn ang="0">
-                  <a:pos x="connsiteX51" y="connsiteY51"/>
-                </a:cxn>
-                <a:cxn ang="0">
-                  <a:pos x="connsiteX52" y="connsiteY52"/>
-                </a:cxn>
-                <a:cxn ang="0">
-                  <a:pos x="connsiteX53" y="connsiteY53"/>
-                </a:cxn>
-                <a:cxn ang="0">
-                  <a:pos x="connsiteX54" y="connsiteY54"/>
-                </a:cxn>
-                <a:cxn ang="0">
-                  <a:pos x="connsiteX55" y="connsiteY55"/>
-                </a:cxn>
-                <a:cxn ang="0">
-                  <a:pos x="connsiteX56" y="connsiteY56"/>
-                </a:cxn>
-                <a:cxn ang="0">
-                  <a:pos x="connsiteX57" y="connsiteY57"/>
-                </a:cxn>
-                <a:cxn ang="0">
-                  <a:pos x="connsiteX58" y="connsiteY58"/>
-                </a:cxn>
-                <a:cxn ang="0">
-                  <a:pos x="connsiteX59" y="connsiteY59"/>
-                </a:cxn>
-                <a:cxn ang="0">
-                  <a:pos x="connsiteX60" y="connsiteY60"/>
-                </a:cxn>
-                <a:cxn ang="0">
-                  <a:pos x="connsiteX61" y="connsiteY61"/>
-                </a:cxn>
-                <a:cxn ang="0">
-                  <a:pos x="connsiteX62" y="connsiteY62"/>
-                </a:cxn>
-                <a:cxn ang="0">
-                  <a:pos x="connsiteX63" y="connsiteY63"/>
-                </a:cxn>
-                <a:cxn ang="0">
-                  <a:pos x="connsiteX64" y="connsiteY64"/>
-                </a:cxn>
-                <a:cxn ang="0">
-                  <a:pos x="connsiteX65" y="connsiteY65"/>
-                </a:cxn>
-                <a:cxn ang="0">
-                  <a:pos x="connsiteX66" y="connsiteY66"/>
-                </a:cxn>
-                <a:cxn ang="0">
-                  <a:pos x="connsiteX67" y="connsiteY67"/>
-                </a:cxn>
-                <a:cxn ang="0">
-                  <a:pos x="connsiteX68" y="connsiteY68"/>
-                </a:cxn>
-                <a:cxn ang="0">
-                  <a:pos x="connsiteX69" y="connsiteY69"/>
-                </a:cxn>
-                <a:cxn ang="0">
-                  <a:pos x="connsiteX70" y="connsiteY70"/>
-                </a:cxn>
-                <a:cxn ang="0">
-                  <a:pos x="connsiteX71" y="connsiteY71"/>
-                </a:cxn>
-                <a:cxn ang="0">
-                  <a:pos x="connsiteX72" y="connsiteY72"/>
-                </a:cxn>
-                <a:cxn ang="0">
-                  <a:pos x="connsiteX73" y="connsiteY73"/>
-                </a:cxn>
-                <a:cxn ang="0">
-                  <a:pos x="connsiteX74" y="connsiteY74"/>
-                </a:cxn>
-                <a:cxn ang="0">
-                  <a:pos x="connsiteX75" y="connsiteY75"/>
-                </a:cxn>
-                <a:cxn ang="0">
-                  <a:pos x="connsiteX76" y="connsiteY76"/>
-                </a:cxn>
-                <a:cxn ang="0">
-                  <a:pos x="connsiteX77" y="connsiteY77"/>
-                </a:cxn>
-                <a:cxn ang="0">
-                  <a:pos x="connsiteX78" y="connsiteY78"/>
-                </a:cxn>
-                <a:cxn ang="0">
-                  <a:pos x="connsiteX79" y="connsiteY79"/>
-                </a:cxn>
-                <a:cxn ang="0">
-                  <a:pos x="connsiteX80" y="connsiteY80"/>
-                </a:cxn>
-                <a:cxn ang="0">
-                  <a:pos x="connsiteX81" y="connsiteY81"/>
-                </a:cxn>
-                <a:cxn ang="0">
-                  <a:pos x="connsiteX82" y="connsiteY82"/>
-                </a:cxn>
-                <a:cxn ang="0">
-                  <a:pos x="connsiteX83" y="connsiteY83"/>
-                </a:cxn>
-                <a:cxn ang="0">
-                  <a:pos x="connsiteX84" y="connsiteY84"/>
-                </a:cxn>
-                <a:cxn ang="0">
-                  <a:pos x="connsiteX85" y="connsiteY85"/>
-                </a:cxn>
-                <a:cxn ang="0">
-                  <a:pos x="connsiteX86" y="connsiteY86"/>
-                </a:cxn>
-                <a:cxn ang="0">
-                  <a:pos x="connsiteX87" y="connsiteY87"/>
-                </a:cxn>
-                <a:cxn ang="0">
-                  <a:pos x="connsiteX88" y="connsiteY88"/>
-                </a:cxn>
-                <a:cxn ang="0">
-                  <a:pos x="connsiteX89" y="connsiteY89"/>
-                </a:cxn>
-                <a:cxn ang="0">
-                  <a:pos x="connsiteX90" y="connsiteY90"/>
-                </a:cxn>
-                <a:cxn ang="0">
-                  <a:pos x="connsiteX91" y="connsiteY91"/>
-                </a:cxn>
-                <a:cxn ang="0">
-                  <a:pos x="connsiteX92" y="connsiteY92"/>
-                </a:cxn>
-                <a:cxn ang="0">
-                  <a:pos x="connsiteX93" y="connsiteY93"/>
-                </a:cxn>
-                <a:cxn ang="0">
-                  <a:pos x="connsiteX94" y="connsiteY94"/>
-                </a:cxn>
-                <a:cxn ang="0">
-                  <a:pos x="connsiteX95" y="connsiteY95"/>
-                </a:cxn>
-                <a:cxn ang="0">
-                  <a:pos x="connsiteX96" y="connsiteY96"/>
-                </a:cxn>
-                <a:cxn ang="0">
-                  <a:pos x="connsiteX97" y="connsiteY97"/>
-                </a:cxn>
-                <a:cxn ang="0">
-                  <a:pos x="connsiteX98" y="connsiteY98"/>
-                </a:cxn>
-                <a:cxn ang="0">
-                  <a:pos x="connsiteX99" y="connsiteY99"/>
-                </a:cxn>
-                <a:cxn ang="0">
-                  <a:pos x="connsiteX100" y="connsiteY100"/>
-                </a:cxn>
-                <a:cxn ang="0">
-                  <a:pos x="connsiteX101" y="connsiteY101"/>
-                </a:cxn>
-                <a:cxn ang="0">
-                  <a:pos x="connsiteX102" y="connsiteY102"/>
-                </a:cxn>
-                <a:cxn ang="0">
-                  <a:pos x="connsiteX103" y="connsiteY103"/>
-                </a:cxn>
-                <a:cxn ang="0">
-                  <a:pos x="connsiteX104" y="connsiteY104"/>
-                </a:cxn>
-                <a:cxn ang="0">
-                  <a:pos x="connsiteX105" y="connsiteY105"/>
-                </a:cxn>
-                <a:cxn ang="0">
-                  <a:pos x="connsiteX106" y="connsiteY106"/>
-                </a:cxn>
-                <a:cxn ang="0">
-                  <a:pos x="connsiteX107" y="connsiteY107"/>
-                </a:cxn>
-                <a:cxn ang="0">
-                  <a:pos x="connsiteX108" y="connsiteY108"/>
-                </a:cxn>
-                <a:cxn ang="0">
-                  <a:pos x="connsiteX109" y="connsiteY109"/>
-                </a:cxn>
-                <a:cxn ang="0">
-                  <a:pos x="connsiteX110" y="connsiteY110"/>
-                </a:cxn>
-                <a:cxn ang="0">
-                  <a:pos x="connsiteX111" y="connsiteY111"/>
-                </a:cxn>
-                <a:cxn ang="0">
-                  <a:pos x="connsiteX112" y="connsiteY112"/>
-                </a:cxn>
-                <a:cxn ang="0">
-                  <a:pos x="connsiteX113" y="connsiteY113"/>
-                </a:cxn>
-                <a:cxn ang="0">
-                  <a:pos x="connsiteX114" y="connsiteY114"/>
-                </a:cxn>
-                <a:cxn ang="0">
-                  <a:pos x="connsiteX115" y="connsiteY115"/>
-                </a:cxn>
-                <a:cxn ang="0">
-                  <a:pos x="connsiteX116" y="connsiteY116"/>
-                </a:cxn>
-                <a:cxn ang="0">
-                  <a:pos x="connsiteX117" y="connsiteY117"/>
-                </a:cxn>
-                <a:cxn ang="0">
-                  <a:pos x="connsiteX118" y="connsiteY118"/>
-                </a:cxn>
-                <a:cxn ang="0">
-                  <a:pos x="connsiteX119" y="connsiteY119"/>
-                </a:cxn>
-                <a:cxn ang="0">
-                  <a:pos x="connsiteX120" y="connsiteY120"/>
-                </a:cxn>
-                <a:cxn ang="0">
-                  <a:pos x="connsiteX121" y="connsiteY121"/>
-                </a:cxn>
-                <a:cxn ang="0">
-                  <a:pos x="connsiteX122" y="connsiteY122"/>
-                </a:cxn>
-                <a:cxn ang="0">
-                  <a:pos x="connsiteX123" y="connsiteY123"/>
-                </a:cxn>
-                <a:cxn ang="0">
-                  <a:pos x="connsiteX124" y="connsiteY124"/>
-                </a:cxn>
-                <a:cxn ang="0">
-                  <a:pos x="connsiteX125" y="connsiteY125"/>
-                </a:cxn>
-                <a:cxn ang="0">
-                  <a:pos x="connsiteX126" y="connsiteY126"/>
-                </a:cxn>
-                <a:cxn ang="0">
-                  <a:pos x="connsiteX127" y="connsiteY127"/>
-                </a:cxn>
-                <a:cxn ang="0">
-                  <a:pos x="connsiteX128" y="connsiteY128"/>
-                </a:cxn>
-                <a:cxn ang="0">
-                  <a:pos x="connsiteX129" y="connsiteY129"/>
-                </a:cxn>
-                <a:cxn ang="0">
-                  <a:pos x="connsiteX130" y="connsiteY130"/>
-                </a:cxn>
-                <a:cxn ang="0">
-                  <a:pos x="connsiteX131" y="connsiteY131"/>
-                </a:cxn>
-                <a:cxn ang="0">
-                  <a:pos x="connsiteX132" y="connsiteY132"/>
-                </a:cxn>
-                <a:cxn ang="0">
-                  <a:pos x="connsiteX133" y="connsiteY133"/>
-                </a:cxn>
-                <a:cxn ang="0">
-                  <a:pos x="connsiteX134" y="connsiteY134"/>
-                </a:cxn>
-                <a:cxn ang="0">
-                  <a:pos x="connsiteX135" y="connsiteY135"/>
-                </a:cxn>
-                <a:cxn ang="0">
-                  <a:pos x="connsiteX136" y="connsiteY136"/>
-                </a:cxn>
-                <a:cxn ang="0">
-                  <a:pos x="connsiteX137" y="connsiteY137"/>
-                </a:cxn>
-                <a:cxn ang="0">
-                  <a:pos x="connsiteX138" y="connsiteY138"/>
-                </a:cxn>
-                <a:cxn ang="0">
-                  <a:pos x="connsiteX139" y="connsiteY139"/>
-                </a:cxn>
-                <a:cxn ang="0">
-                  <a:pos x="connsiteX140" y="connsiteY140"/>
-                </a:cxn>
-                <a:cxn ang="0">
-                  <a:pos x="connsiteX141" y="connsiteY141"/>
-                </a:cxn>
-                <a:cxn ang="0">
-                  <a:pos x="connsiteX142" y="connsiteY142"/>
-                </a:cxn>
-                <a:cxn ang="0">
-                  <a:pos x="connsiteX143" y="connsiteY143"/>
-                </a:cxn>
-                <a:cxn ang="0">
-                  <a:pos x="connsiteX144" y="connsiteY144"/>
-                </a:cxn>
-                <a:cxn ang="0">
-                  <a:pos x="connsiteX145" y="connsiteY145"/>
-                </a:cxn>
-              </a:cxnLst>
-              <a:rect l="l" t="t" r="r" b="b"/>
-              <a:pathLst>
-                <a:path w="5890489" h="6578438">
-                  <a:moveTo>
-                    <a:pt x="3391253" y="0"/>
-                  </a:moveTo>
-                  <a:lnTo>
-                    <a:pt x="3434974" y="646"/>
-                  </a:lnTo>
-                  <a:lnTo>
-                    <a:pt x="3522419" y="2712"/>
-                  </a:lnTo>
-                  <a:cubicBezTo>
-                    <a:pt x="3551567" y="3488"/>
-                    <a:pt x="3580451" y="3746"/>
-                    <a:pt x="3610261" y="6458"/>
-                  </a:cubicBezTo>
-                  <a:cubicBezTo>
-                    <a:pt x="3669353" y="10850"/>
-                    <a:pt x="3728179" y="14337"/>
-                    <a:pt x="3786872" y="20667"/>
-                  </a:cubicBezTo>
-                  <a:lnTo>
-                    <a:pt x="3962291" y="43530"/>
-                  </a:lnTo>
-                  <a:lnTo>
-                    <a:pt x="4135855" y="75176"/>
-                  </a:lnTo>
-                  <a:cubicBezTo>
-                    <a:pt x="4193224" y="87836"/>
-                    <a:pt x="4250328" y="101398"/>
-                    <a:pt x="4307299" y="114315"/>
-                  </a:cubicBezTo>
-                  <a:cubicBezTo>
-                    <a:pt x="4364139" y="128394"/>
-                    <a:pt x="4420050" y="145575"/>
-                    <a:pt x="4476358" y="160816"/>
-                  </a:cubicBezTo>
-                  <a:cubicBezTo>
-                    <a:pt x="4504580" y="167921"/>
-                    <a:pt x="4532138" y="177995"/>
-                    <a:pt x="4559829" y="186779"/>
-                  </a:cubicBezTo>
-                  <a:lnTo>
-                    <a:pt x="4642901" y="213648"/>
-                  </a:lnTo>
-                  <a:cubicBezTo>
-                    <a:pt x="4863234" y="288307"/>
-                    <a:pt x="5076414" y="379371"/>
-                    <a:pt x="5280847" y="485936"/>
-                  </a:cubicBezTo>
-                  <a:cubicBezTo>
-                    <a:pt x="5485018" y="592631"/>
-                    <a:pt x="5681768" y="713145"/>
-                    <a:pt x="5865400" y="851099"/>
-                  </a:cubicBezTo>
-                  <a:lnTo>
-                    <a:pt x="5890489" y="870950"/>
-                  </a:lnTo>
-                  <a:lnTo>
-                    <a:pt x="5890489" y="1321814"/>
-                  </a:lnTo>
-                  <a:lnTo>
-                    <a:pt x="5887395" y="1318952"/>
-                  </a:lnTo>
-                  <a:lnTo>
-                    <a:pt x="5830291" y="1265992"/>
-                  </a:lnTo>
-                  <a:lnTo>
-                    <a:pt x="5815981" y="1252687"/>
-                  </a:lnTo>
-                  <a:lnTo>
-                    <a:pt x="5801142" y="1240158"/>
-                  </a:lnTo>
-                  <a:lnTo>
-                    <a:pt x="5771464" y="1214969"/>
-                  </a:lnTo>
-                  <a:cubicBezTo>
-                    <a:pt x="5731849" y="1181385"/>
-                    <a:pt x="5692897" y="1146896"/>
-                    <a:pt x="5651030" y="1115767"/>
-                  </a:cubicBezTo>
-                  <a:cubicBezTo>
-                    <a:pt x="5487534" y="986985"/>
-                    <a:pt x="5311321" y="872542"/>
-                    <a:pt x="5123183" y="780443"/>
-                  </a:cubicBezTo>
-                  <a:cubicBezTo>
-                    <a:pt x="4935309" y="688087"/>
-                    <a:pt x="4737102" y="616398"/>
-                    <a:pt x="4533860" y="567701"/>
-                  </a:cubicBezTo>
-                  <a:lnTo>
-                    <a:pt x="4457281" y="550780"/>
-                  </a:lnTo>
-                  <a:cubicBezTo>
-                    <a:pt x="4431709" y="545484"/>
-                    <a:pt x="4406536" y="538896"/>
-                    <a:pt x="4380568" y="535279"/>
-                  </a:cubicBezTo>
-                  <a:lnTo>
-                    <a:pt x="4303325" y="522879"/>
-                  </a:lnTo>
-                  <a:lnTo>
-                    <a:pt x="4264769" y="516679"/>
-                  </a:lnTo>
-                  <a:cubicBezTo>
-                    <a:pt x="4251918" y="514612"/>
-                    <a:pt x="4239067" y="512415"/>
-                    <a:pt x="4226082" y="511253"/>
-                  </a:cubicBezTo>
-                  <a:cubicBezTo>
-                    <a:pt x="4174145" y="505829"/>
-                    <a:pt x="4122606" y="499498"/>
-                    <a:pt x="4070934" y="494848"/>
-                  </a:cubicBezTo>
-                  <a:lnTo>
-                    <a:pt x="3915521" y="486065"/>
-                  </a:lnTo>
-                  <a:lnTo>
-                    <a:pt x="3760241" y="484257"/>
-                  </a:lnTo>
-                  <a:cubicBezTo>
-                    <a:pt x="3734405" y="483869"/>
-                    <a:pt x="3708571" y="485936"/>
-                    <a:pt x="3682734" y="486581"/>
-                  </a:cubicBezTo>
-                  <a:lnTo>
-                    <a:pt x="3605491" y="488907"/>
-                  </a:lnTo>
-                  <a:cubicBezTo>
-                    <a:pt x="3579921" y="489165"/>
-                    <a:pt x="3553555" y="491490"/>
-                    <a:pt x="3527454" y="493169"/>
-                  </a:cubicBezTo>
-                  <a:lnTo>
-                    <a:pt x="3449151" y="498336"/>
-                  </a:lnTo>
-                  <a:lnTo>
-                    <a:pt x="3410067" y="500532"/>
-                  </a:lnTo>
-                  <a:lnTo>
-                    <a:pt x="3371246" y="504279"/>
-                  </a:lnTo>
-                  <a:cubicBezTo>
-                    <a:pt x="3345410" y="506862"/>
-                    <a:pt x="3319575" y="509315"/>
-                    <a:pt x="3293739" y="511512"/>
-                  </a:cubicBezTo>
-                  <a:cubicBezTo>
-                    <a:pt x="3087450" y="531662"/>
-                    <a:pt x="2885531" y="563180"/>
-                    <a:pt x="2689445" y="610198"/>
-                  </a:cubicBezTo>
-                  <a:cubicBezTo>
-                    <a:pt x="2493357" y="657344"/>
-                    <a:pt x="2302303" y="719088"/>
-                    <a:pt x="2117875" y="800335"/>
-                  </a:cubicBezTo>
-                  <a:cubicBezTo>
-                    <a:pt x="2072298" y="821648"/>
-                    <a:pt x="2026854" y="843606"/>
-                    <a:pt x="1981276" y="865566"/>
-                  </a:cubicBezTo>
-                  <a:cubicBezTo>
-                    <a:pt x="1937025" y="889978"/>
-                    <a:pt x="1891978" y="913229"/>
-                    <a:pt x="1847991" y="938676"/>
-                  </a:cubicBezTo>
-                  <a:lnTo>
-                    <a:pt x="1783069" y="978718"/>
-                  </a:lnTo>
-                  <a:lnTo>
-                    <a:pt x="1750609" y="998869"/>
-                  </a:lnTo>
-                  <a:lnTo>
-                    <a:pt x="1734312" y="1008945"/>
-                  </a:lnTo>
-                  <a:lnTo>
-                    <a:pt x="1718547" y="1019924"/>
-                  </a:lnTo>
-                  <a:lnTo>
-                    <a:pt x="1655481" y="1063582"/>
-                  </a:lnTo>
-                  <a:cubicBezTo>
-                    <a:pt x="1634414" y="1078178"/>
-                    <a:pt x="1612950" y="1092259"/>
-                    <a:pt x="1593077" y="1108664"/>
-                  </a:cubicBezTo>
-                  <a:lnTo>
-                    <a:pt x="1532263" y="1156197"/>
-                  </a:lnTo>
-                  <a:cubicBezTo>
-                    <a:pt x="1511992" y="1172085"/>
-                    <a:pt x="1491587" y="1187844"/>
-                    <a:pt x="1472509" y="1205152"/>
-                  </a:cubicBezTo>
-                  <a:lnTo>
-                    <a:pt x="1414212" y="1256175"/>
-                  </a:lnTo>
-                  <a:cubicBezTo>
-                    <a:pt x="1395001" y="1273354"/>
-                    <a:pt x="1375127" y="1290147"/>
-                    <a:pt x="1357242" y="1308359"/>
-                  </a:cubicBezTo>
-                  <a:cubicBezTo>
-                    <a:pt x="1283178" y="1379532"/>
-                    <a:pt x="1212163" y="1452513"/>
-                    <a:pt x="1153072" y="1529498"/>
-                  </a:cubicBezTo>
-                  <a:cubicBezTo>
-                    <a:pt x="1090933" y="1605578"/>
-                    <a:pt x="1043501" y="1685794"/>
-                    <a:pt x="1002694" y="1770658"/>
-                  </a:cubicBezTo>
-                  <a:lnTo>
-                    <a:pt x="974076" y="1835371"/>
-                  </a:lnTo>
-                  <a:lnTo>
-                    <a:pt x="949564" y="1903573"/>
-                  </a:lnTo>
-                  <a:cubicBezTo>
-                    <a:pt x="940820" y="1925661"/>
-                    <a:pt x="934593" y="1950719"/>
-                    <a:pt x="927173" y="1974229"/>
-                  </a:cubicBezTo>
-                  <a:cubicBezTo>
-                    <a:pt x="920019" y="1998254"/>
-                    <a:pt x="912468" y="2021504"/>
-                    <a:pt x="906107" y="2046952"/>
-                  </a:cubicBezTo>
-                  <a:cubicBezTo>
-                    <a:pt x="853906" y="2245614"/>
-                    <a:pt x="809918" y="2463136"/>
-                    <a:pt x="751092" y="2676266"/>
-                  </a:cubicBezTo>
-                  <a:cubicBezTo>
-                    <a:pt x="693458" y="2889912"/>
-                    <a:pt x="624166" y="3100976"/>
-                    <a:pt x="547189" y="3308422"/>
-                  </a:cubicBezTo>
-                  <a:cubicBezTo>
-                    <a:pt x="479617" y="3487580"/>
-                    <a:pt x="444109" y="3675523"/>
-                    <a:pt x="441195" y="3866306"/>
-                  </a:cubicBezTo>
-                  <a:cubicBezTo>
-                    <a:pt x="438014" y="4057089"/>
-                    <a:pt x="469282" y="4250456"/>
-                    <a:pt x="527182" y="4439174"/>
-                  </a:cubicBezTo>
-                  <a:cubicBezTo>
-                    <a:pt x="584815" y="4628278"/>
-                    <a:pt x="671067" y="4811828"/>
-                    <a:pt x="775073" y="4987240"/>
-                  </a:cubicBezTo>
-                  <a:cubicBezTo>
-                    <a:pt x="827009" y="5075075"/>
-                    <a:pt x="884246" y="5160327"/>
-                    <a:pt x="943206" y="5244933"/>
-                  </a:cubicBezTo>
-                  <a:cubicBezTo>
-                    <a:pt x="1002296" y="5329411"/>
-                    <a:pt x="1064964" y="5412337"/>
-                    <a:pt x="1133728" y="5490356"/>
-                  </a:cubicBezTo>
-                  <a:cubicBezTo>
-                    <a:pt x="1203949" y="5567728"/>
-                    <a:pt x="1279337" y="5642259"/>
-                    <a:pt x="1359626" y="5709815"/>
-                  </a:cubicBezTo>
-                  <a:cubicBezTo>
-                    <a:pt x="1398711" y="5744949"/>
-                    <a:pt x="1439916" y="5777241"/>
-                    <a:pt x="1481254" y="5809146"/>
-                  </a:cubicBezTo>
-                  <a:cubicBezTo>
-                    <a:pt x="1501922" y="5825163"/>
-                    <a:pt x="1522325" y="5841309"/>
-                    <a:pt x="1543260" y="5856940"/>
-                  </a:cubicBezTo>
-                  <a:cubicBezTo>
-                    <a:pt x="1564591" y="5871923"/>
-                    <a:pt x="1585921" y="5886777"/>
-                    <a:pt x="1607518" y="5901374"/>
-                  </a:cubicBezTo>
-                  <a:cubicBezTo>
-                    <a:pt x="1778565" y="6019693"/>
-                    <a:pt x="1961271" y="6115924"/>
-                    <a:pt x="2145566" y="6193814"/>
-                  </a:cubicBezTo>
-                  <a:lnTo>
-                    <a:pt x="2214991" y="6221844"/>
-                  </a:lnTo>
-                  <a:lnTo>
-                    <a:pt x="2249307" y="6236182"/>
-                  </a:lnTo>
-                  <a:cubicBezTo>
-                    <a:pt x="2260702" y="6241089"/>
-                    <a:pt x="2272625" y="6244577"/>
-                    <a:pt x="2284285" y="6248711"/>
-                  </a:cubicBezTo>
-                  <a:lnTo>
-                    <a:pt x="2354241" y="6273124"/>
-                  </a:lnTo>
-                  <a:cubicBezTo>
-                    <a:pt x="2360070" y="6275190"/>
-                    <a:pt x="2365899" y="6277128"/>
-                    <a:pt x="2371597" y="6279324"/>
-                  </a:cubicBezTo>
-                  <a:cubicBezTo>
-                    <a:pt x="2377161" y="6281778"/>
-                    <a:pt x="2382329" y="6285007"/>
-                    <a:pt x="2387894" y="6287719"/>
-                  </a:cubicBezTo>
-                  <a:cubicBezTo>
-                    <a:pt x="2398757" y="6293274"/>
-                    <a:pt x="2410153" y="6297666"/>
-                    <a:pt x="2421414" y="6302186"/>
-                  </a:cubicBezTo>
-                  <a:lnTo>
-                    <a:pt x="2489117" y="6329441"/>
-                  </a:lnTo>
-                  <a:lnTo>
-                    <a:pt x="2522902" y="6343134"/>
-                  </a:lnTo>
-                  <a:cubicBezTo>
-                    <a:pt x="2534165" y="6347654"/>
-                    <a:pt x="2545294" y="6352563"/>
-                    <a:pt x="2556953" y="6356051"/>
-                  </a:cubicBezTo>
-                  <a:lnTo>
-                    <a:pt x="2695009" y="6401905"/>
-                  </a:lnTo>
-                  <a:cubicBezTo>
-                    <a:pt x="2880895" y="6457190"/>
-                    <a:pt x="3073141" y="6489095"/>
-                    <a:pt x="3268035" y="6501238"/>
-                  </a:cubicBezTo>
-                  <a:cubicBezTo>
-                    <a:pt x="3292413" y="6502659"/>
-                    <a:pt x="3316527" y="6505629"/>
-                    <a:pt x="3341038" y="6506145"/>
-                  </a:cubicBezTo>
-                  <a:lnTo>
-                    <a:pt x="3414703" y="6507050"/>
-                  </a:lnTo>
-                  <a:lnTo>
-                    <a:pt x="3488237" y="6508212"/>
-                  </a:lnTo>
-                  <a:cubicBezTo>
-                    <a:pt x="3500690" y="6508729"/>
-                    <a:pt x="3512483" y="6508471"/>
-                    <a:pt x="3524142" y="6507955"/>
-                  </a:cubicBezTo>
-                  <a:lnTo>
-                    <a:pt x="3559252" y="6506921"/>
-                  </a:lnTo>
-                  <a:cubicBezTo>
-                    <a:pt x="3582835" y="6506792"/>
-                    <a:pt x="3605889" y="6504467"/>
-                    <a:pt x="3629207" y="6503045"/>
-                  </a:cubicBezTo>
-                  <a:cubicBezTo>
-                    <a:pt x="3652526" y="6502012"/>
-                    <a:pt x="3675579" y="6499171"/>
-                    <a:pt x="3698633" y="6496845"/>
-                  </a:cubicBezTo>
-                  <a:cubicBezTo>
-                    <a:pt x="3710160" y="6495683"/>
-                    <a:pt x="3721819" y="6494907"/>
-                    <a:pt x="3733213" y="6493357"/>
-                  </a:cubicBezTo>
-                  <a:lnTo>
-                    <a:pt x="3767529" y="6488707"/>
-                  </a:lnTo>
-                  <a:lnTo>
-                    <a:pt x="3801845" y="6484057"/>
-                  </a:lnTo>
-                  <a:lnTo>
-                    <a:pt x="3835895" y="6478116"/>
-                  </a:lnTo>
-                  <a:cubicBezTo>
-                    <a:pt x="4017673" y="6446727"/>
-                    <a:pt x="4194152" y="6390281"/>
-                    <a:pt x="4364801" y="6308517"/>
-                  </a:cubicBezTo>
-                  <a:cubicBezTo>
-                    <a:pt x="4535583" y="6227139"/>
-                    <a:pt x="4700138" y="6120962"/>
-                    <a:pt x="4861379" y="6000576"/>
-                  </a:cubicBezTo>
-                  <a:cubicBezTo>
-                    <a:pt x="5022621" y="5879931"/>
-                    <a:pt x="5180684" y="5745337"/>
-                    <a:pt x="5341263" y="5605834"/>
-                  </a:cubicBezTo>
-                  <a:lnTo>
-                    <a:pt x="5587301" y="5390379"/>
-                  </a:lnTo>
-                  <a:cubicBezTo>
-                    <a:pt x="5674216" y="5315718"/>
-                    <a:pt x="5761527" y="5244416"/>
-                    <a:pt x="5849105" y="5176344"/>
-                  </a:cubicBezTo>
-                  <a:lnTo>
-                    <a:pt x="5890489" y="5145260"/>
-                  </a:lnTo>
-                  <a:lnTo>
-                    <a:pt x="5890489" y="5995323"/>
-                  </a:lnTo>
-                  <a:lnTo>
-                    <a:pt x="5811477" y="6077819"/>
-                  </a:lnTo>
-                  <a:cubicBezTo>
-                    <a:pt x="5654739" y="6238377"/>
-                    <a:pt x="5487138" y="6396093"/>
-                    <a:pt x="5301384" y="6542958"/>
-                  </a:cubicBezTo>
-                  <a:lnTo>
-                    <a:pt x="5252008" y="6578438"/>
-                  </a:lnTo>
-                  <a:lnTo>
-                    <a:pt x="1653730" y="6578438"/>
-                  </a:lnTo>
-                  <a:lnTo>
-                    <a:pt x="1549768" y="6488821"/>
-                  </a:lnTo>
-                  <a:cubicBezTo>
-                    <a:pt x="1461976" y="6409495"/>
-                    <a:pt x="1378573" y="6327182"/>
-                    <a:pt x="1298282" y="6243932"/>
-                  </a:cubicBezTo>
-                  <a:cubicBezTo>
-                    <a:pt x="1278277" y="6223006"/>
-                    <a:pt x="1258138" y="6202210"/>
-                    <a:pt x="1237999" y="6181671"/>
-                  </a:cubicBezTo>
-                  <a:lnTo>
-                    <a:pt x="1179967" y="6117862"/>
-                  </a:lnTo>
-                  <a:lnTo>
-                    <a:pt x="1121936" y="6054569"/>
-                  </a:lnTo>
-                  <a:cubicBezTo>
-                    <a:pt x="1102328" y="6033644"/>
-                    <a:pt x="1084573" y="6011427"/>
-                    <a:pt x="1065628" y="5990243"/>
-                  </a:cubicBezTo>
-                  <a:cubicBezTo>
-                    <a:pt x="1028662" y="5947099"/>
-                    <a:pt x="990239" y="5904991"/>
-                    <a:pt x="954335" y="5861460"/>
-                  </a:cubicBezTo>
-                  <a:cubicBezTo>
-                    <a:pt x="936050" y="5840018"/>
-                    <a:pt x="917634" y="5818446"/>
-                    <a:pt x="898953" y="5797393"/>
-                  </a:cubicBezTo>
-                  <a:cubicBezTo>
-                    <a:pt x="880404" y="5776208"/>
-                    <a:pt x="861325" y="5755412"/>
-                    <a:pt x="842908" y="5733582"/>
-                  </a:cubicBezTo>
-                  <a:cubicBezTo>
-                    <a:pt x="767919" y="5647942"/>
-                    <a:pt x="693061" y="5561786"/>
-                    <a:pt x="622442" y="5471884"/>
-                  </a:cubicBezTo>
-                  <a:cubicBezTo>
-                    <a:pt x="551559" y="5382112"/>
-                    <a:pt x="486639" y="5287430"/>
-                    <a:pt x="425559" y="5190036"/>
-                  </a:cubicBezTo>
-                  <a:cubicBezTo>
-                    <a:pt x="303668" y="4994990"/>
-                    <a:pt x="200193" y="4786123"/>
-                    <a:pt x="123877" y="4564210"/>
-                  </a:cubicBezTo>
-                  <a:cubicBezTo>
-                    <a:pt x="47694" y="4342555"/>
-                    <a:pt x="2249" y="4106045"/>
-                    <a:pt x="130" y="3865530"/>
-                  </a:cubicBezTo>
-                  <a:cubicBezTo>
-                    <a:pt x="-1328" y="3745403"/>
-                    <a:pt x="9537" y="3624629"/>
-                    <a:pt x="30602" y="3505793"/>
-                  </a:cubicBezTo>
-                  <a:cubicBezTo>
-                    <a:pt x="51802" y="3386828"/>
-                    <a:pt x="84659" y="3270059"/>
-                    <a:pt x="126924" y="3157164"/>
-                  </a:cubicBezTo>
-                  <a:cubicBezTo>
-                    <a:pt x="200457" y="2959276"/>
-                    <a:pt x="271737" y="2761388"/>
-                    <a:pt x="334803" y="2560530"/>
-                  </a:cubicBezTo>
-                  <a:lnTo>
-                    <a:pt x="381176" y="2409144"/>
-                  </a:lnTo>
-                  <a:lnTo>
-                    <a:pt x="425825" y="2255819"/>
-                  </a:lnTo>
-                  <a:lnTo>
-                    <a:pt x="470210" y="2099523"/>
-                  </a:lnTo>
-                  <a:lnTo>
-                    <a:pt x="492998" y="2020213"/>
-                  </a:lnTo>
-                  <a:lnTo>
-                    <a:pt x="517509" y="1939224"/>
-                  </a:lnTo>
-                  <a:cubicBezTo>
-                    <a:pt x="525061" y="1912485"/>
-                    <a:pt x="534866" y="1884586"/>
-                    <a:pt x="544007" y="1857201"/>
-                  </a:cubicBezTo>
-                  <a:cubicBezTo>
-                    <a:pt x="553680" y="1829559"/>
-                    <a:pt x="561496" y="1802304"/>
-                    <a:pt x="573288" y="1774274"/>
-                  </a:cubicBezTo>
-                  <a:lnTo>
-                    <a:pt x="606146" y="1690832"/>
-                  </a:lnTo>
-                  <a:cubicBezTo>
-                    <a:pt x="618467" y="1663060"/>
-                    <a:pt x="631716" y="1635417"/>
-                    <a:pt x="644569" y="1607775"/>
-                  </a:cubicBezTo>
-                  <a:cubicBezTo>
-                    <a:pt x="698625" y="1498368"/>
-                    <a:pt x="763413" y="1391287"/>
-                    <a:pt x="837874" y="1297638"/>
-                  </a:cubicBezTo>
-                  <a:cubicBezTo>
-                    <a:pt x="910348" y="1201278"/>
-                    <a:pt x="990107" y="1115897"/>
-                    <a:pt x="1069602" y="1032194"/>
-                  </a:cubicBezTo>
-                  <a:cubicBezTo>
-                    <a:pt x="1089079" y="1010624"/>
-                    <a:pt x="1110012" y="990990"/>
-                    <a:pt x="1130548" y="970839"/>
-                  </a:cubicBezTo>
-                  <a:lnTo>
-                    <a:pt x="1192024" y="910129"/>
-                  </a:lnTo>
-                  <a:cubicBezTo>
-                    <a:pt x="1212031" y="889462"/>
-                    <a:pt x="1234024" y="870475"/>
-                    <a:pt x="1255356" y="850841"/>
-                  </a:cubicBezTo>
-                  <a:lnTo>
-                    <a:pt x="1319614" y="792068"/>
-                  </a:lnTo>
-                  <a:cubicBezTo>
-                    <a:pt x="1340680" y="772176"/>
-                    <a:pt x="1363469" y="753834"/>
-                    <a:pt x="1385728" y="734975"/>
-                  </a:cubicBezTo>
-                  <a:lnTo>
-                    <a:pt x="1452768" y="678528"/>
-                  </a:lnTo>
-                  <a:lnTo>
-                    <a:pt x="1469594" y="664449"/>
-                  </a:lnTo>
-                  <a:lnTo>
-                    <a:pt x="1487083" y="651015"/>
-                  </a:lnTo>
-                  <a:lnTo>
-                    <a:pt x="1522193" y="624277"/>
-                  </a:lnTo>
-                  <a:lnTo>
-                    <a:pt x="1592415" y="570671"/>
-                  </a:lnTo>
-                  <a:cubicBezTo>
-                    <a:pt x="1640110" y="535925"/>
-                    <a:pt x="1689531" y="503245"/>
-                    <a:pt x="1738287" y="469402"/>
-                  </a:cubicBezTo>
-                  <a:cubicBezTo>
-                    <a:pt x="1788634" y="438015"/>
-                    <a:pt x="1839643" y="407013"/>
-                    <a:pt x="1890918" y="376530"/>
-                  </a:cubicBezTo>
-                  <a:cubicBezTo>
-                    <a:pt x="2098400" y="258209"/>
-                    <a:pt x="2323503" y="166241"/>
-                    <a:pt x="2555363" y="105274"/>
-                  </a:cubicBezTo>
-                  <a:cubicBezTo>
-                    <a:pt x="2787223" y="44047"/>
-                    <a:pt x="3024516" y="12013"/>
-                    <a:pt x="3259291" y="3229"/>
-                  </a:cubicBezTo>
-                  <a:lnTo>
-                    <a:pt x="3347265" y="903"/>
-                  </a:lnTo>
-                  <a:close/>
-                </a:path>
-              </a:pathLst>
-            </a:custGeom>
-            <a:gradFill flip="none" rotWithShape="1">
-              <a:gsLst>
-                <a:gs pos="2000">
-                  <a:schemeClr val="bg1">
-                    <a:alpha val="10000"/>
-                  </a:schemeClr>
-                </a:gs>
-                <a:gs pos="16000">
-                  <a:schemeClr val="accent6">
-                    <a:alpha val="5000"/>
-                  </a:schemeClr>
-                </a:gs>
-                <a:gs pos="100000">
-                  <a:schemeClr val="bg1">
-                    <a:alpha val="10000"/>
-                  </a:schemeClr>
-                </a:gs>
-                <a:gs pos="85000">
-                  <a:schemeClr val="accent1">
-                    <a:alpha val="5000"/>
-                  </a:schemeClr>
-                </a:gs>
-              </a:gsLst>
-              <a:lin ang="12000000" scaled="0"/>
-              <a:tileRect/>
-            </a:gradFill>
-            <a:ln>
-              <a:noFill/>
-            </a:ln>
-          </p:spPr>
-          <p:style>
-            <a:lnRef idx="2">
-              <a:schemeClr val="accent1">
-                <a:shade val="50000"/>
-              </a:schemeClr>
-            </a:lnRef>
-            <a:fillRef idx="1">
-              <a:schemeClr val="accent1"/>
-            </a:fillRef>
-            <a:effectRef idx="0">
-              <a:schemeClr val="accent1"/>
-            </a:effectRef>
-            <a:fontRef idx="minor">
-              <a:schemeClr val="lt1"/>
-            </a:fontRef>
-          </p:style>
-          <p:txBody>
-            <a:bodyPr rtlCol="0" anchor="ctr"/>
-            <a:lstStyle/>
-            <a:p>
-              <a:pPr algn="ctr"/>
-              <a:endParaRPr lang="en-US"/>
-            </a:p>
-          </p:txBody>
-        </p:sp>
-        <p:sp>
-          <p:nvSpPr>
-            <p:cNvPr id="16" name="Freeform: Shape 15">
-              <a:extLst>
-                <a:ext uri="{FF2B5EF4-FFF2-40B4-BE49-F238E27FC236}">
-                  <a16:creationId xmlns:a16="http://schemas.microsoft.com/office/drawing/2014/main" id="{27CCEAF3-651B-4605-AE58-F96E22703636}"/>
-                </a:ext>
-                <a:ext uri="{C183D7F6-B498-43B3-948B-1728B52AA6E4}">
-                  <adec:decorative xmlns:adec="http://schemas.microsoft.com/office/drawing/2017/decorative" val="1"/>
-                </a:ext>
-              </a:extLst>
-            </p:cNvPr>
-            <p:cNvSpPr/>
-            <p:nvPr>
-              <p:extLst>
-                <p:ext uri="{386F3935-93C4-4BCD-93E2-E3B085C9AB24}">
-                  <p16:designElem xmlns:p16="http://schemas.microsoft.com/office/powerpoint/2015/main" val="1"/>
-                </p:ext>
-              </p:extLst>
-            </p:nvPr>
-          </p:nvSpPr>
-          <p:spPr>
-            <a:xfrm>
-              <a:off x="6101023" y="52997"/>
-              <a:ext cx="6093363" cy="6805004"/>
-            </a:xfrm>
-            <a:custGeom>
-              <a:avLst/>
-              <a:gdLst>
-                <a:gd name="connsiteX0" fmla="*/ 3517682 w 5890491"/>
-                <a:gd name="connsiteY0" fmla="*/ 0 h 6578439"/>
-                <a:gd name="connsiteX1" fmla="*/ 5849513 w 5890491"/>
-                <a:gd name="connsiteY1" fmla="*/ 841730 h 6578439"/>
-                <a:gd name="connsiteX2" fmla="*/ 5890491 w 5890491"/>
-                <a:gd name="connsiteY2" fmla="*/ 879061 h 6578439"/>
-                <a:gd name="connsiteX3" fmla="*/ 5890491 w 5890491"/>
-                <a:gd name="connsiteY3" fmla="*/ 2034114 h 6578439"/>
-                <a:gd name="connsiteX4" fmla="*/ 5757065 w 5890491"/>
-                <a:gd name="connsiteY4" fmla="*/ 1854938 h 6578439"/>
-                <a:gd name="connsiteX5" fmla="*/ 5564060 w 5890491"/>
-                <a:gd name="connsiteY5" fmla="*/ 1642182 h 6578439"/>
-                <a:gd name="connsiteX6" fmla="*/ 3517551 w 5890491"/>
-                <a:gd name="connsiteY6" fmla="*/ 790012 h 6578439"/>
-                <a:gd name="connsiteX7" fmla="*/ 1611552 w 5890491"/>
-                <a:gd name="connsiteY7" fmla="*/ 1543282 h 6578439"/>
-                <a:gd name="connsiteX8" fmla="*/ 1340656 w 5890491"/>
-                <a:gd name="connsiteY8" fmla="*/ 1897925 h 6578439"/>
-                <a:gd name="connsiteX9" fmla="*/ 1201705 w 5890491"/>
-                <a:gd name="connsiteY9" fmla="*/ 2361213 h 6578439"/>
-                <a:gd name="connsiteX10" fmla="*/ 852705 w 5890491"/>
-                <a:gd name="connsiteY10" fmla="*/ 3529176 h 6578439"/>
-                <a:gd name="connsiteX11" fmla="*/ 863863 w 5890491"/>
-                <a:gd name="connsiteY11" fmla="*/ 4437051 h 6578439"/>
-                <a:gd name="connsiteX12" fmla="*/ 1413569 w 5890491"/>
-                <a:gd name="connsiteY12" fmla="*/ 5357174 h 6578439"/>
-                <a:gd name="connsiteX13" fmla="*/ 2339129 w 5890491"/>
-                <a:gd name="connsiteY13" fmla="*/ 6143367 h 6578439"/>
-                <a:gd name="connsiteX14" fmla="*/ 3439449 w 5890491"/>
-                <a:gd name="connsiteY14" fmla="*/ 6420049 h 6578439"/>
-                <a:gd name="connsiteX15" fmla="*/ 5251388 w 5890491"/>
-                <a:gd name="connsiteY15" fmla="*/ 5349009 h 6578439"/>
-                <a:gd name="connsiteX16" fmla="*/ 5657731 w 5890491"/>
-                <a:gd name="connsiteY16" fmla="*/ 4959205 h 6578439"/>
-                <a:gd name="connsiteX17" fmla="*/ 5836127 w 5890491"/>
-                <a:gd name="connsiteY17" fmla="*/ 4792052 h 6578439"/>
-                <a:gd name="connsiteX18" fmla="*/ 5890491 w 5890491"/>
-                <a:gd name="connsiteY18" fmla="*/ 4738662 h 6578439"/>
-                <a:gd name="connsiteX19" fmla="*/ 5890491 w 5890491"/>
-                <a:gd name="connsiteY19" fmla="*/ 5821964 h 6578439"/>
-                <a:gd name="connsiteX20" fmla="*/ 5802001 w 5890491"/>
-                <a:gd name="connsiteY20" fmla="*/ 5907904 h 6578439"/>
-                <a:gd name="connsiteX21" fmla="*/ 5294358 w 5890491"/>
-                <a:gd name="connsiteY21" fmla="*/ 6397505 h 6578439"/>
-                <a:gd name="connsiteX22" fmla="*/ 5077178 w 5890491"/>
-                <a:gd name="connsiteY22" fmla="*/ 6578439 h 6578439"/>
-                <a:gd name="connsiteX23" fmla="*/ 1567290 w 5890491"/>
-                <a:gd name="connsiteY23" fmla="*/ 6578439 h 6578439"/>
-                <a:gd name="connsiteX24" fmla="*/ 1508588 w 5890491"/>
-                <a:gd name="connsiteY24" fmla="*/ 6535186 h 6578439"/>
-                <a:gd name="connsiteX25" fmla="*/ 826498 w 5890491"/>
-                <a:gd name="connsiteY25" fmla="*/ 5876034 h 6578439"/>
-                <a:gd name="connsiteX26" fmla="*/ 122403 w 5890491"/>
-                <a:gd name="connsiteY26" fmla="*/ 3255655 h 6578439"/>
-                <a:gd name="connsiteX27" fmla="*/ 1061197 w 5890491"/>
-                <a:gd name="connsiteY27" fmla="*/ 984650 h 6578439"/>
-                <a:gd name="connsiteX28" fmla="*/ 3517682 w 5890491"/>
-                <a:gd name="connsiteY28" fmla="*/ 0 h 6578439"/>
-              </a:gdLst>
-              <a:ahLst/>
-              <a:cxnLst>
-                <a:cxn ang="0">
-                  <a:pos x="connsiteX0" y="connsiteY0"/>
-                </a:cxn>
-                <a:cxn ang="0">
-                  <a:pos x="connsiteX1" y="connsiteY1"/>
-                </a:cxn>
-                <a:cxn ang="0">
-                  <a:pos x="connsiteX2" y="connsiteY2"/>
-                </a:cxn>
-                <a:cxn ang="0">
-                  <a:pos x="connsiteX3" y="connsiteY3"/>
-                </a:cxn>
-                <a:cxn ang="0">
-                  <a:pos x="connsiteX4" y="connsiteY4"/>
-                </a:cxn>
-                <a:cxn ang="0">
-                  <a:pos x="connsiteX5" y="connsiteY5"/>
-                </a:cxn>
-                <a:cxn ang="0">
-                  <a:pos x="connsiteX6" y="connsiteY6"/>
-                </a:cxn>
-                <a:cxn ang="0">
-                  <a:pos x="connsiteX7" y="connsiteY7"/>
-                </a:cxn>
-                <a:cxn ang="0">
-                  <a:pos x="connsiteX8" y="connsiteY8"/>
-                </a:cxn>
-                <a:cxn ang="0">
-                  <a:pos x="connsiteX9" y="connsiteY9"/>
-                </a:cxn>
-                <a:cxn ang="0">
-                  <a:pos x="connsiteX10" y="connsiteY10"/>
-                </a:cxn>
-                <a:cxn ang="0">
-                  <a:pos x="connsiteX11" y="connsiteY11"/>
-                </a:cxn>
-                <a:cxn ang="0">
-                  <a:pos x="connsiteX12" y="connsiteY12"/>
-                </a:cxn>
-                <a:cxn ang="0">
-                  <a:pos x="connsiteX13" y="connsiteY13"/>
-                </a:cxn>
-                <a:cxn ang="0">
-                  <a:pos x="connsiteX14" y="connsiteY14"/>
-                </a:cxn>
-                <a:cxn ang="0">
-                  <a:pos x="connsiteX15" y="connsiteY15"/>
-                </a:cxn>
-                <a:cxn ang="0">
-                  <a:pos x="connsiteX16" y="connsiteY16"/>
-                </a:cxn>
-                <a:cxn ang="0">
-                  <a:pos x="connsiteX17" y="connsiteY17"/>
-                </a:cxn>
-                <a:cxn ang="0">
-                  <a:pos x="connsiteX18" y="connsiteY18"/>
-                </a:cxn>
-                <a:cxn ang="0">
-                  <a:pos x="connsiteX19" y="connsiteY19"/>
-                </a:cxn>
-                <a:cxn ang="0">
-                  <a:pos x="connsiteX20" y="connsiteY20"/>
-                </a:cxn>
-                <a:cxn ang="0">
-                  <a:pos x="connsiteX21" y="connsiteY21"/>
-                </a:cxn>
-                <a:cxn ang="0">
-                  <a:pos x="connsiteX22" y="connsiteY22"/>
-                </a:cxn>
-                <a:cxn ang="0">
-                  <a:pos x="connsiteX23" y="connsiteY23"/>
-                </a:cxn>
-                <a:cxn ang="0">
-                  <a:pos x="connsiteX24" y="connsiteY24"/>
-                </a:cxn>
-                <a:cxn ang="0">
-                  <a:pos x="connsiteX25" y="connsiteY25"/>
-                </a:cxn>
-                <a:cxn ang="0">
-                  <a:pos x="connsiteX26" y="connsiteY26"/>
-                </a:cxn>
-                <a:cxn ang="0">
-                  <a:pos x="connsiteX27" y="connsiteY27"/>
-                </a:cxn>
-                <a:cxn ang="0">
-                  <a:pos x="connsiteX28" y="connsiteY28"/>
-                </a:cxn>
-              </a:cxnLst>
-              <a:rect l="l" t="t" r="r" b="b"/>
-              <a:pathLst>
-                <a:path w="5890491" h="6578439">
-                  <a:moveTo>
-                    <a:pt x="3517682" y="0"/>
-                  </a:moveTo>
-                  <a:cubicBezTo>
-                    <a:pt x="4402017" y="0"/>
-                    <a:pt x="5213742" y="315483"/>
-                    <a:pt x="5849513" y="841730"/>
-                  </a:cubicBezTo>
-                  <a:lnTo>
-                    <a:pt x="5890491" y="879061"/>
-                  </a:lnTo>
-                  <a:lnTo>
-                    <a:pt x="5890491" y="2034114"/>
-                  </a:lnTo>
-                  <a:lnTo>
-                    <a:pt x="5757065" y="1854938"/>
-                  </a:lnTo>
-                  <a:cubicBezTo>
-                    <a:pt x="5696443" y="1781264"/>
-                    <a:pt x="5632076" y="1710299"/>
-                    <a:pt x="5564060" y="1642182"/>
-                  </a:cubicBezTo>
-                  <a:cubicBezTo>
-                    <a:pt x="5015393" y="1092636"/>
-                    <a:pt x="4288592" y="790012"/>
-                    <a:pt x="3517551" y="790012"/>
-                  </a:cubicBezTo>
-                  <a:cubicBezTo>
-                    <a:pt x="2701750" y="790012"/>
-                    <a:pt x="2131676" y="1015335"/>
-                    <a:pt x="1611552" y="1543282"/>
-                  </a:cubicBezTo>
-                  <a:cubicBezTo>
-                    <a:pt x="1435754" y="1721722"/>
-                    <a:pt x="1375945" y="1822729"/>
-                    <a:pt x="1340656" y="1897925"/>
-                  </a:cubicBezTo>
-                  <a:cubicBezTo>
-                    <a:pt x="1289148" y="2007623"/>
-                    <a:pt x="1252432" y="2155907"/>
-                    <a:pt x="1201705" y="2361213"/>
-                  </a:cubicBezTo>
-                  <a:cubicBezTo>
-                    <a:pt x="1133721" y="2635919"/>
-                    <a:pt x="1040568" y="3012290"/>
-                    <a:pt x="852705" y="3529176"/>
-                  </a:cubicBezTo>
-                  <a:cubicBezTo>
-                    <a:pt x="749952" y="3811784"/>
-                    <a:pt x="753584" y="4108747"/>
-                    <a:pt x="863863" y="4437051"/>
-                  </a:cubicBezTo>
-                  <a:cubicBezTo>
-                    <a:pt x="964800" y="4737438"/>
-                    <a:pt x="1154869" y="5055603"/>
-                    <a:pt x="1413569" y="5357174"/>
-                  </a:cubicBezTo>
-                  <a:cubicBezTo>
-                    <a:pt x="1718326" y="5712343"/>
-                    <a:pt x="2021008" y="5969404"/>
-                    <a:pt x="2339129" y="6143367"/>
-                  </a:cubicBezTo>
-                  <a:cubicBezTo>
-                    <a:pt x="2679565" y="6329577"/>
-                    <a:pt x="3039591" y="6420049"/>
-                    <a:pt x="3439449" y="6420049"/>
-                  </a:cubicBezTo>
-                  <a:cubicBezTo>
-                    <a:pt x="4142246" y="6420049"/>
-                    <a:pt x="4633828" y="5976251"/>
-                    <a:pt x="5251388" y="5349009"/>
-                  </a:cubicBezTo>
-                  <a:cubicBezTo>
-                    <a:pt x="5389949" y="5208364"/>
-                    <a:pt x="5526047" y="5081677"/>
-                    <a:pt x="5657731" y="4959205"/>
-                  </a:cubicBezTo>
-                  <a:cubicBezTo>
-                    <a:pt x="5719520" y="4901722"/>
-                    <a:pt x="5779200" y="4846206"/>
-                    <a:pt x="5836127" y="4792052"/>
-                  </a:cubicBezTo>
-                  <a:lnTo>
-                    <a:pt x="5890491" y="4738662"/>
-                  </a:lnTo>
-                  <a:lnTo>
-                    <a:pt x="5890491" y="5821964"/>
-                  </a:lnTo>
-                  <a:lnTo>
-                    <a:pt x="5802001" y="5907904"/>
-                  </a:lnTo>
-                  <a:cubicBezTo>
-                    <a:pt x="5634962" y="6077456"/>
-                    <a:pt x="5467509" y="6243625"/>
-                    <a:pt x="5294358" y="6397505"/>
-                  </a:cubicBezTo>
-                  <a:lnTo>
-                    <a:pt x="5077178" y="6578439"/>
-                  </a:lnTo>
-                  <a:lnTo>
-                    <a:pt x="1567290" y="6578439"/>
-                  </a:lnTo>
-                  <a:lnTo>
-                    <a:pt x="1508588" y="6535186"/>
-                  </a:lnTo>
-                  <a:cubicBezTo>
-                    <a:pt x="1263991" y="6345442"/>
-                    <a:pt x="1038054" y="6122666"/>
-                    <a:pt x="826498" y="5876034"/>
-                  </a:cubicBezTo>
-                  <a:cubicBezTo>
-                    <a:pt x="261613" y="5217713"/>
-                    <a:pt x="-239182" y="4250314"/>
-                    <a:pt x="122403" y="3255655"/>
-                  </a:cubicBezTo>
-                  <a:cubicBezTo>
-                    <a:pt x="607497" y="1921629"/>
-                    <a:pt x="393040" y="1662857"/>
-                    <a:pt x="1061197" y="984650"/>
-                  </a:cubicBezTo>
-                  <a:cubicBezTo>
-                    <a:pt x="1729484" y="306444"/>
-                    <a:pt x="2498060" y="0"/>
-                    <a:pt x="3517682" y="0"/>
-                  </a:cubicBezTo>
-                  <a:close/>
-                </a:path>
-              </a:pathLst>
-            </a:custGeom>
-            <a:gradFill flip="none" rotWithShape="1">
-              <a:gsLst>
-                <a:gs pos="2000">
-                  <a:schemeClr val="bg1"/>
-                </a:gs>
-                <a:gs pos="16000">
-                  <a:schemeClr val="accent6">
-                    <a:alpha val="10000"/>
-                  </a:schemeClr>
-                </a:gs>
-                <a:gs pos="100000">
-                  <a:schemeClr val="bg1">
-                    <a:alpha val="10000"/>
-                  </a:schemeClr>
-                </a:gs>
-                <a:gs pos="85000">
-                  <a:schemeClr val="accent1">
-                    <a:alpha val="10000"/>
-                  </a:schemeClr>
-                </a:gs>
-              </a:gsLst>
-              <a:lin ang="12000000" scaled="0"/>
-              <a:tileRect/>
-            </a:gradFill>
-            <a:ln>
-              <a:noFill/>
-            </a:ln>
-          </p:spPr>
-          <p:style>
-            <a:lnRef idx="2">
-              <a:schemeClr val="accent1">
-                <a:shade val="50000"/>
-              </a:schemeClr>
-            </a:lnRef>
-            <a:fillRef idx="1">
-              <a:schemeClr val="accent1"/>
-            </a:fillRef>
-            <a:effectRef idx="0">
-              <a:schemeClr val="accent1"/>
-            </a:effectRef>
-            <a:fontRef idx="minor">
-              <a:schemeClr val="lt1"/>
-            </a:fontRef>
-          </p:style>
-          <p:txBody>
-            <a:bodyPr rtlCol="0" anchor="ctr"/>
-            <a:lstStyle/>
-            <a:p>
-              <a:pPr algn="ctr"/>
-              <a:endParaRPr lang="en-US" dirty="0"/>
-            </a:p>
-          </p:txBody>
-        </p:sp>
-        <p:sp>
-          <p:nvSpPr>
-            <p:cNvPr id="17" name="Freeform: Shape 16">
-              <a:extLst>
-                <a:ext uri="{FF2B5EF4-FFF2-40B4-BE49-F238E27FC236}">
-                  <a16:creationId xmlns:a16="http://schemas.microsoft.com/office/drawing/2014/main" id="{ED519330-E5F1-4248-B58C-1AA0D9E6DABA}"/>
-                </a:ext>
-                <a:ext uri="{C183D7F6-B498-43B3-948B-1728B52AA6E4}">
-                  <adec:decorative xmlns:adec="http://schemas.microsoft.com/office/drawing/2017/decorative" val="1"/>
-                </a:ext>
-              </a:extLst>
-            </p:cNvPr>
-            <p:cNvSpPr/>
-            <p:nvPr>
-              <p:extLst>
-                <p:ext uri="{386F3935-93C4-4BCD-93E2-E3B085C9AB24}">
-                  <p16:designElem xmlns:p16="http://schemas.microsoft.com/office/powerpoint/2015/main" val="1"/>
-                </p:ext>
-              </p:extLst>
-            </p:nvPr>
-          </p:nvSpPr>
-          <p:spPr>
-            <a:xfrm>
-              <a:off x="6101024" y="52997"/>
-              <a:ext cx="6093362" cy="6805004"/>
-            </a:xfrm>
-            <a:custGeom>
-              <a:avLst/>
-              <a:gdLst>
-                <a:gd name="connsiteX0" fmla="*/ 5890490 w 5890490"/>
-                <a:gd name="connsiteY0" fmla="*/ 5389037 h 6578439"/>
-                <a:gd name="connsiteX1" fmla="*/ 5890490 w 5890490"/>
-                <a:gd name="connsiteY1" fmla="*/ 5855587 h 6578439"/>
-                <a:gd name="connsiteX2" fmla="*/ 5784593 w 5890490"/>
-                <a:gd name="connsiteY2" fmla="*/ 5962054 h 6578439"/>
-                <a:gd name="connsiteX3" fmla="*/ 5663414 w 5890490"/>
-                <a:gd name="connsiteY3" fmla="*/ 6082564 h 6578439"/>
-                <a:gd name="connsiteX4" fmla="*/ 5147099 w 5890490"/>
-                <a:gd name="connsiteY4" fmla="*/ 6547726 h 6578439"/>
-                <a:gd name="connsiteX5" fmla="*/ 5105015 w 5890490"/>
-                <a:gd name="connsiteY5" fmla="*/ 6578439 h 6578439"/>
-                <a:gd name="connsiteX6" fmla="*/ 4385601 w 5890490"/>
-                <a:gd name="connsiteY6" fmla="*/ 6578439 h 6578439"/>
-                <a:gd name="connsiteX7" fmla="*/ 4507252 w 5890490"/>
-                <a:gd name="connsiteY7" fmla="*/ 6515968 h 6578439"/>
-                <a:gd name="connsiteX8" fmla="*/ 4909330 w 5890490"/>
-                <a:gd name="connsiteY8" fmla="*/ 6253453 h 6578439"/>
-                <a:gd name="connsiteX9" fmla="*/ 5411374 w 5890490"/>
-                <a:gd name="connsiteY9" fmla="*/ 5828544 h 6578439"/>
-                <a:gd name="connsiteX10" fmla="*/ 5533570 w 5890490"/>
-                <a:gd name="connsiteY10" fmla="*/ 5714534 h 6578439"/>
-                <a:gd name="connsiteX11" fmla="*/ 5657425 w 5890490"/>
-                <a:gd name="connsiteY11" fmla="*/ 5597650 h 6578439"/>
-                <a:gd name="connsiteX12" fmla="*/ 3336813 w 5890490"/>
-                <a:gd name="connsiteY12" fmla="*/ 499 h 6578439"/>
-                <a:gd name="connsiteX13" fmla="*/ 3513674 w 5890490"/>
-                <a:gd name="connsiteY13" fmla="*/ 1202 h 6578439"/>
-                <a:gd name="connsiteX14" fmla="*/ 3602743 w 5890490"/>
-                <a:gd name="connsiteY14" fmla="*/ 4827 h 6578439"/>
-                <a:gd name="connsiteX15" fmla="*/ 3647213 w 5890490"/>
-                <a:gd name="connsiteY15" fmla="*/ 6703 h 6578439"/>
-                <a:gd name="connsiteX16" fmla="*/ 3691684 w 5890490"/>
-                <a:gd name="connsiteY16" fmla="*/ 9453 h 6578439"/>
-                <a:gd name="connsiteX17" fmla="*/ 3868927 w 5890490"/>
-                <a:gd name="connsiteY17" fmla="*/ 27080 h 6578439"/>
-                <a:gd name="connsiteX18" fmla="*/ 5200872 w 5890490"/>
-                <a:gd name="connsiteY18" fmla="*/ 472240 h 6578439"/>
-                <a:gd name="connsiteX19" fmla="*/ 5772711 w 5890490"/>
-                <a:gd name="connsiteY19" fmla="*/ 866334 h 6578439"/>
-                <a:gd name="connsiteX20" fmla="*/ 5890490 w 5890490"/>
-                <a:gd name="connsiteY20" fmla="*/ 972426 h 6578439"/>
-                <a:gd name="connsiteX21" fmla="*/ 5890490 w 5890490"/>
-                <a:gd name="connsiteY21" fmla="*/ 1158576 h 6578439"/>
-                <a:gd name="connsiteX22" fmla="*/ 5676045 w 5890490"/>
-                <a:gd name="connsiteY22" fmla="*/ 986969 h 6578439"/>
-                <a:gd name="connsiteX23" fmla="*/ 5103776 w 5890490"/>
-                <a:gd name="connsiteY23" fmla="*/ 655879 h 6578439"/>
-                <a:gd name="connsiteX24" fmla="*/ 4482465 w 5890490"/>
-                <a:gd name="connsiteY24" fmla="*/ 440363 h 6578439"/>
-                <a:gd name="connsiteX25" fmla="*/ 4402444 w 5890490"/>
-                <a:gd name="connsiteY25" fmla="*/ 422111 h 6578439"/>
-                <a:gd name="connsiteX26" fmla="*/ 4322423 w 5890490"/>
-                <a:gd name="connsiteY26" fmla="*/ 404610 h 6578439"/>
-                <a:gd name="connsiteX27" fmla="*/ 4241892 w 5890490"/>
-                <a:gd name="connsiteY27" fmla="*/ 389858 h 6578439"/>
-                <a:gd name="connsiteX28" fmla="*/ 4201627 w 5890490"/>
-                <a:gd name="connsiteY28" fmla="*/ 382483 h 6578439"/>
-                <a:gd name="connsiteX29" fmla="*/ 4161234 w 5890490"/>
-                <a:gd name="connsiteY29" fmla="*/ 375857 h 6578439"/>
-                <a:gd name="connsiteX30" fmla="*/ 3999280 w 5890490"/>
-                <a:gd name="connsiteY30" fmla="*/ 353606 h 6578439"/>
-                <a:gd name="connsiteX31" fmla="*/ 3836817 w 5890490"/>
-                <a:gd name="connsiteY31" fmla="*/ 338480 h 6578439"/>
-                <a:gd name="connsiteX32" fmla="*/ 3673972 w 5890490"/>
-                <a:gd name="connsiteY32" fmla="*/ 330604 h 6578439"/>
-                <a:gd name="connsiteX33" fmla="*/ 3511126 w 5890490"/>
-                <a:gd name="connsiteY33" fmla="*/ 328978 h 6578439"/>
-                <a:gd name="connsiteX34" fmla="*/ 3183142 w 5890490"/>
-                <a:gd name="connsiteY34" fmla="*/ 342854 h 6578439"/>
-                <a:gd name="connsiteX35" fmla="*/ 2541444 w 5890490"/>
-                <a:gd name="connsiteY35" fmla="*/ 439988 h 6578439"/>
-                <a:gd name="connsiteX36" fmla="*/ 1933895 w 5890490"/>
-                <a:gd name="connsiteY36" fmla="*/ 650505 h 6578439"/>
-                <a:gd name="connsiteX37" fmla="*/ 1378079 w 5890490"/>
-                <a:gd name="connsiteY37" fmla="*/ 983905 h 6578439"/>
-                <a:gd name="connsiteX38" fmla="*/ 1312967 w 5890490"/>
-                <a:gd name="connsiteY38" fmla="*/ 1033660 h 6578439"/>
-                <a:gd name="connsiteX39" fmla="*/ 1248364 w 5890490"/>
-                <a:gd name="connsiteY39" fmla="*/ 1084413 h 6578439"/>
-                <a:gd name="connsiteX40" fmla="*/ 1185163 w 5890490"/>
-                <a:gd name="connsiteY40" fmla="*/ 1137168 h 6578439"/>
-                <a:gd name="connsiteX41" fmla="*/ 1122852 w 5890490"/>
-                <a:gd name="connsiteY41" fmla="*/ 1190922 h 6578439"/>
-                <a:gd name="connsiteX42" fmla="*/ 892092 w 5890490"/>
-                <a:gd name="connsiteY42" fmla="*/ 1421440 h 6578439"/>
-                <a:gd name="connsiteX43" fmla="*/ 707202 w 5890490"/>
-                <a:gd name="connsiteY43" fmla="*/ 1684212 h 6578439"/>
-                <a:gd name="connsiteX44" fmla="*/ 670121 w 5890490"/>
-                <a:gd name="connsiteY44" fmla="*/ 1756093 h 6578439"/>
-                <a:gd name="connsiteX45" fmla="*/ 637630 w 5890490"/>
-                <a:gd name="connsiteY45" fmla="*/ 1830724 h 6578439"/>
-                <a:gd name="connsiteX46" fmla="*/ 607685 w 5890490"/>
-                <a:gd name="connsiteY46" fmla="*/ 1907105 h 6578439"/>
-                <a:gd name="connsiteX47" fmla="*/ 580034 w 5890490"/>
-                <a:gd name="connsiteY47" fmla="*/ 1984986 h 6578439"/>
-                <a:gd name="connsiteX48" fmla="*/ 481919 w 5890490"/>
-                <a:gd name="connsiteY48" fmla="*/ 2304386 h 6578439"/>
-                <a:gd name="connsiteX49" fmla="*/ 433881 w 5890490"/>
-                <a:gd name="connsiteY49" fmla="*/ 2465399 h 6578439"/>
-                <a:gd name="connsiteX50" fmla="*/ 384442 w 5890490"/>
-                <a:gd name="connsiteY50" fmla="*/ 2626163 h 6578439"/>
-                <a:gd name="connsiteX51" fmla="*/ 166039 w 5890490"/>
-                <a:gd name="connsiteY51" fmla="*/ 3261338 h 6578439"/>
-                <a:gd name="connsiteX52" fmla="*/ 56202 w 5890490"/>
-                <a:gd name="connsiteY52" fmla="*/ 3910265 h 6578439"/>
-                <a:gd name="connsiteX53" fmla="*/ 93664 w 5890490"/>
-                <a:gd name="connsiteY53" fmla="*/ 4237292 h 6578439"/>
-                <a:gd name="connsiteX54" fmla="*/ 111758 w 5890490"/>
-                <a:gd name="connsiteY54" fmla="*/ 4317548 h 6578439"/>
-                <a:gd name="connsiteX55" fmla="*/ 133038 w 5890490"/>
-                <a:gd name="connsiteY55" fmla="*/ 4397054 h 6578439"/>
-                <a:gd name="connsiteX56" fmla="*/ 157757 w 5890490"/>
-                <a:gd name="connsiteY56" fmla="*/ 4475560 h 6578439"/>
-                <a:gd name="connsiteX57" fmla="*/ 185153 w 5890490"/>
-                <a:gd name="connsiteY57" fmla="*/ 4553066 h 6578439"/>
-                <a:gd name="connsiteX58" fmla="*/ 493642 w 5890490"/>
-                <a:gd name="connsiteY58" fmla="*/ 5132239 h 6578439"/>
-                <a:gd name="connsiteX59" fmla="*/ 914391 w 5890490"/>
-                <a:gd name="connsiteY59" fmla="*/ 5636528 h 6578439"/>
-                <a:gd name="connsiteX60" fmla="*/ 1402034 w 5890490"/>
-                <a:gd name="connsiteY60" fmla="*/ 6076188 h 6578439"/>
-                <a:gd name="connsiteX61" fmla="*/ 1664397 w 5890490"/>
-                <a:gd name="connsiteY61" fmla="*/ 6267079 h 6578439"/>
-                <a:gd name="connsiteX62" fmla="*/ 1938992 w 5890490"/>
-                <a:gd name="connsiteY62" fmla="*/ 6434343 h 6578439"/>
-                <a:gd name="connsiteX63" fmla="*/ 2225931 w 5890490"/>
-                <a:gd name="connsiteY63" fmla="*/ 6574322 h 6578439"/>
-                <a:gd name="connsiteX64" fmla="*/ 2236328 w 5890490"/>
-                <a:gd name="connsiteY64" fmla="*/ 6578439 h 6578439"/>
-                <a:gd name="connsiteX65" fmla="*/ 1504665 w 5890490"/>
-                <a:gd name="connsiteY65" fmla="*/ 6578439 h 6578439"/>
-                <a:gd name="connsiteX66" fmla="*/ 1456827 w 5890490"/>
-                <a:gd name="connsiteY66" fmla="*/ 6543476 h 6578439"/>
-                <a:gd name="connsiteX67" fmla="*/ 1188475 w 5890490"/>
-                <a:gd name="connsiteY67" fmla="*/ 6314083 h 6578439"/>
-                <a:gd name="connsiteX68" fmla="*/ 721728 w 5890490"/>
-                <a:gd name="connsiteY68" fmla="*/ 5798666 h 6578439"/>
-                <a:gd name="connsiteX69" fmla="*/ 344175 w 5890490"/>
-                <a:gd name="connsiteY69" fmla="*/ 5219495 h 6578439"/>
-                <a:gd name="connsiteX70" fmla="*/ 87293 w 5890490"/>
-                <a:gd name="connsiteY70" fmla="*/ 4583569 h 6578439"/>
-                <a:gd name="connsiteX71" fmla="*/ 65886 w 5890490"/>
-                <a:gd name="connsiteY71" fmla="*/ 4500813 h 6578439"/>
-                <a:gd name="connsiteX72" fmla="*/ 47409 w 5890490"/>
-                <a:gd name="connsiteY72" fmla="*/ 4417431 h 6578439"/>
-                <a:gd name="connsiteX73" fmla="*/ 39000 w 5890490"/>
-                <a:gd name="connsiteY73" fmla="*/ 4375677 h 6578439"/>
-                <a:gd name="connsiteX74" fmla="*/ 31610 w 5890490"/>
-                <a:gd name="connsiteY74" fmla="*/ 4333674 h 6578439"/>
-                <a:gd name="connsiteX75" fmla="*/ 18868 w 5890490"/>
-                <a:gd name="connsiteY75" fmla="*/ 4249417 h 6578439"/>
-                <a:gd name="connsiteX76" fmla="*/ 646 w 5890490"/>
-                <a:gd name="connsiteY76" fmla="*/ 3910265 h 6578439"/>
-                <a:gd name="connsiteX77" fmla="*/ 130234 w 5890490"/>
-                <a:gd name="connsiteY77" fmla="*/ 3248337 h 6578439"/>
-                <a:gd name="connsiteX78" fmla="*/ 335383 w 5890490"/>
-                <a:gd name="connsiteY78" fmla="*/ 2611911 h 6578439"/>
-                <a:gd name="connsiteX79" fmla="*/ 487272 w 5890490"/>
-                <a:gd name="connsiteY79" fmla="*/ 1958609 h 6578439"/>
-                <a:gd name="connsiteX80" fmla="*/ 508550 w 5890490"/>
-                <a:gd name="connsiteY80" fmla="*/ 1876227 h 6578439"/>
-                <a:gd name="connsiteX81" fmla="*/ 531742 w 5890490"/>
-                <a:gd name="connsiteY81" fmla="*/ 1793721 h 6578439"/>
-                <a:gd name="connsiteX82" fmla="*/ 558245 w 5890490"/>
-                <a:gd name="connsiteY82" fmla="*/ 1711465 h 6578439"/>
-                <a:gd name="connsiteX83" fmla="*/ 590100 w 5890490"/>
-                <a:gd name="connsiteY83" fmla="*/ 1630332 h 6578439"/>
-                <a:gd name="connsiteX84" fmla="*/ 758680 w 5890490"/>
-                <a:gd name="connsiteY84" fmla="*/ 1322433 h 6578439"/>
-                <a:gd name="connsiteX85" fmla="*/ 976317 w 5890490"/>
-                <a:gd name="connsiteY85" fmla="*/ 1049286 h 6578439"/>
-                <a:gd name="connsiteX86" fmla="*/ 1035314 w 5890490"/>
-                <a:gd name="connsiteY86" fmla="*/ 985406 h 6578439"/>
-                <a:gd name="connsiteX87" fmla="*/ 1095329 w 5890490"/>
-                <a:gd name="connsiteY87" fmla="*/ 922526 h 6578439"/>
-                <a:gd name="connsiteX88" fmla="*/ 1157384 w 5890490"/>
-                <a:gd name="connsiteY88" fmla="*/ 861271 h 6578439"/>
-                <a:gd name="connsiteX89" fmla="*/ 1220841 w 5890490"/>
-                <a:gd name="connsiteY89" fmla="*/ 801017 h 6578439"/>
-                <a:gd name="connsiteX90" fmla="*/ 1286462 w 5890490"/>
-                <a:gd name="connsiteY90" fmla="*/ 742886 h 6578439"/>
-                <a:gd name="connsiteX91" fmla="*/ 1353233 w 5890490"/>
-                <a:gd name="connsiteY91" fmla="*/ 685632 h 6578439"/>
-                <a:gd name="connsiteX92" fmla="*/ 1369924 w 5890490"/>
-                <a:gd name="connsiteY92" fmla="*/ 671256 h 6578439"/>
-                <a:gd name="connsiteX93" fmla="*/ 1387380 w 5890490"/>
-                <a:gd name="connsiteY93" fmla="*/ 657755 h 6578439"/>
-                <a:gd name="connsiteX94" fmla="*/ 1422422 w 5890490"/>
-                <a:gd name="connsiteY94" fmla="*/ 630877 h 6578439"/>
-                <a:gd name="connsiteX95" fmla="*/ 1492759 w 5890490"/>
-                <a:gd name="connsiteY95" fmla="*/ 577248 h 6578439"/>
-                <a:gd name="connsiteX96" fmla="*/ 1528820 w 5890490"/>
-                <a:gd name="connsiteY96" fmla="*/ 551496 h 6578439"/>
-                <a:gd name="connsiteX97" fmla="*/ 1565390 w 5890490"/>
-                <a:gd name="connsiteY97" fmla="*/ 526370 h 6578439"/>
-                <a:gd name="connsiteX98" fmla="*/ 1639040 w 5890490"/>
-                <a:gd name="connsiteY98" fmla="*/ 476490 h 6578439"/>
-                <a:gd name="connsiteX99" fmla="*/ 1792075 w 5890490"/>
-                <a:gd name="connsiteY99" fmla="*/ 384859 h 6578439"/>
-                <a:gd name="connsiteX100" fmla="*/ 2455943 w 5890490"/>
-                <a:gd name="connsiteY100" fmla="*/ 117836 h 6578439"/>
-                <a:gd name="connsiteX101" fmla="*/ 3159952 w 5890490"/>
-                <a:gd name="connsiteY101" fmla="*/ 7203 h 6578439"/>
-                <a:gd name="connsiteX102" fmla="*/ 3336813 w 5890490"/>
-                <a:gd name="connsiteY102" fmla="*/ 499 h 6578439"/>
-              </a:gdLst>
-              <a:ahLst/>
-              <a:cxnLst>
-                <a:cxn ang="0">
-                  <a:pos x="connsiteX0" y="connsiteY0"/>
-                </a:cxn>
-                <a:cxn ang="0">
-                  <a:pos x="connsiteX1" y="connsiteY1"/>
-                </a:cxn>
-                <a:cxn ang="0">
-                  <a:pos x="connsiteX2" y="connsiteY2"/>
-                </a:cxn>
-                <a:cxn ang="0">
-                  <a:pos x="connsiteX3" y="connsiteY3"/>
-                </a:cxn>
-                <a:cxn ang="0">
-                  <a:pos x="connsiteX4" y="connsiteY4"/>
-                </a:cxn>
-                <a:cxn ang="0">
-                  <a:pos x="connsiteX5" y="connsiteY5"/>
-                </a:cxn>
-                <a:cxn ang="0">
-                  <a:pos x="connsiteX6" y="connsiteY6"/>
-                </a:cxn>
-                <a:cxn ang="0">
-                  <a:pos x="connsiteX7" y="connsiteY7"/>
-                </a:cxn>
-                <a:cxn ang="0">
-                  <a:pos x="connsiteX8" y="connsiteY8"/>
-                </a:cxn>
-                <a:cxn ang="0">
-                  <a:pos x="connsiteX9" y="connsiteY9"/>
-                </a:cxn>
-                <a:cxn ang="0">
-                  <a:pos x="connsiteX10" y="connsiteY10"/>
-                </a:cxn>
-                <a:cxn ang="0">
-                  <a:pos x="connsiteX11" y="connsiteY11"/>
-                </a:cxn>
-                <a:cxn ang="0">
-                  <a:pos x="connsiteX12" y="connsiteY12"/>
-                </a:cxn>
-                <a:cxn ang="0">
-                  <a:pos x="connsiteX13" y="connsiteY13"/>
-                </a:cxn>
-                <a:cxn ang="0">
-                  <a:pos x="connsiteX14" y="connsiteY14"/>
-                </a:cxn>
-                <a:cxn ang="0">
-                  <a:pos x="connsiteX15" y="connsiteY15"/>
-                </a:cxn>
-                <a:cxn ang="0">
-                  <a:pos x="connsiteX16" y="connsiteY16"/>
-                </a:cxn>
-                <a:cxn ang="0">
-                  <a:pos x="connsiteX17" y="connsiteY17"/>
-                </a:cxn>
-                <a:cxn ang="0">
-                  <a:pos x="connsiteX18" y="connsiteY18"/>
-                </a:cxn>
-                <a:cxn ang="0">
-                  <a:pos x="connsiteX19" y="connsiteY19"/>
-                </a:cxn>
-                <a:cxn ang="0">
-                  <a:pos x="connsiteX20" y="connsiteY20"/>
-                </a:cxn>
-                <a:cxn ang="0">
-                  <a:pos x="connsiteX21" y="connsiteY21"/>
-                </a:cxn>
-                <a:cxn ang="0">
-                  <a:pos x="connsiteX22" y="connsiteY22"/>
-                </a:cxn>
-                <a:cxn ang="0">
-                  <a:pos x="connsiteX23" y="connsiteY23"/>
-                </a:cxn>
-                <a:cxn ang="0">
-                  <a:pos x="connsiteX24" y="connsiteY24"/>
-                </a:cxn>
-                <a:cxn ang="0">
-                  <a:pos x="connsiteX25" y="connsiteY25"/>
-                </a:cxn>
-                <a:cxn ang="0">
-                  <a:pos x="connsiteX26" y="connsiteY26"/>
-                </a:cxn>
-                <a:cxn ang="0">
-                  <a:pos x="connsiteX27" y="connsiteY27"/>
-                </a:cxn>
-                <a:cxn ang="0">
-                  <a:pos x="connsiteX28" y="connsiteY28"/>
-                </a:cxn>
-                <a:cxn ang="0">
-                  <a:pos x="connsiteX29" y="connsiteY29"/>
-                </a:cxn>
-                <a:cxn ang="0">
-                  <a:pos x="connsiteX30" y="connsiteY30"/>
-                </a:cxn>
-                <a:cxn ang="0">
-                  <a:pos x="connsiteX31" y="connsiteY31"/>
-                </a:cxn>
-                <a:cxn ang="0">
-                  <a:pos x="connsiteX32" y="connsiteY32"/>
-                </a:cxn>
-                <a:cxn ang="0">
-                  <a:pos x="connsiteX33" y="connsiteY33"/>
-                </a:cxn>
-                <a:cxn ang="0">
-                  <a:pos x="connsiteX34" y="connsiteY34"/>
-                </a:cxn>
-                <a:cxn ang="0">
-                  <a:pos x="connsiteX35" y="connsiteY35"/>
-                </a:cxn>
-                <a:cxn ang="0">
-                  <a:pos x="connsiteX36" y="connsiteY36"/>
-                </a:cxn>
-                <a:cxn ang="0">
-                  <a:pos x="connsiteX37" y="connsiteY37"/>
-                </a:cxn>
-                <a:cxn ang="0">
-                  <a:pos x="connsiteX38" y="connsiteY38"/>
-                </a:cxn>
-                <a:cxn ang="0">
-                  <a:pos x="connsiteX39" y="connsiteY39"/>
-                </a:cxn>
-                <a:cxn ang="0">
-                  <a:pos x="connsiteX40" y="connsiteY40"/>
-                </a:cxn>
-                <a:cxn ang="0">
-                  <a:pos x="connsiteX41" y="connsiteY41"/>
-                </a:cxn>
-                <a:cxn ang="0">
-                  <a:pos x="connsiteX42" y="connsiteY42"/>
-                </a:cxn>
-                <a:cxn ang="0">
-                  <a:pos x="connsiteX43" y="connsiteY43"/>
-                </a:cxn>
-                <a:cxn ang="0">
-                  <a:pos x="connsiteX44" y="connsiteY44"/>
-                </a:cxn>
-                <a:cxn ang="0">
-                  <a:pos x="connsiteX45" y="connsiteY45"/>
-                </a:cxn>
-                <a:cxn ang="0">
-                  <a:pos x="connsiteX46" y="connsiteY46"/>
-                </a:cxn>
-                <a:cxn ang="0">
-                  <a:pos x="connsiteX47" y="connsiteY47"/>
-                </a:cxn>
-                <a:cxn ang="0">
-                  <a:pos x="connsiteX48" y="connsiteY48"/>
-                </a:cxn>
-                <a:cxn ang="0">
-                  <a:pos x="connsiteX49" y="connsiteY49"/>
-                </a:cxn>
-                <a:cxn ang="0">
-                  <a:pos x="connsiteX50" y="connsiteY50"/>
-                </a:cxn>
-                <a:cxn ang="0">
-                  <a:pos x="connsiteX51" y="connsiteY51"/>
-                </a:cxn>
-                <a:cxn ang="0">
-                  <a:pos x="connsiteX52" y="connsiteY52"/>
-                </a:cxn>
-                <a:cxn ang="0">
-                  <a:pos x="connsiteX53" y="connsiteY53"/>
-                </a:cxn>
-                <a:cxn ang="0">
-                  <a:pos x="connsiteX54" y="connsiteY54"/>
-                </a:cxn>
-                <a:cxn ang="0">
-                  <a:pos x="connsiteX55" y="connsiteY55"/>
-                </a:cxn>
-                <a:cxn ang="0">
-                  <a:pos x="connsiteX56" y="connsiteY56"/>
-                </a:cxn>
-                <a:cxn ang="0">
-                  <a:pos x="connsiteX57" y="connsiteY57"/>
-                </a:cxn>
-                <a:cxn ang="0">
-                  <a:pos x="connsiteX58" y="connsiteY58"/>
-                </a:cxn>
-                <a:cxn ang="0">
-                  <a:pos x="connsiteX59" y="connsiteY59"/>
-                </a:cxn>
-                <a:cxn ang="0">
-                  <a:pos x="connsiteX60" y="connsiteY60"/>
-                </a:cxn>
-                <a:cxn ang="0">
-                  <a:pos x="connsiteX61" y="connsiteY61"/>
-                </a:cxn>
-                <a:cxn ang="0">
-                  <a:pos x="connsiteX62" y="connsiteY62"/>
-                </a:cxn>
-                <a:cxn ang="0">
-                  <a:pos x="connsiteX63" y="connsiteY63"/>
-                </a:cxn>
-                <a:cxn ang="0">
-                  <a:pos x="connsiteX64" y="connsiteY64"/>
-                </a:cxn>
-                <a:cxn ang="0">
-                  <a:pos x="connsiteX65" y="connsiteY65"/>
-                </a:cxn>
-                <a:cxn ang="0">
-                  <a:pos x="connsiteX66" y="connsiteY66"/>
-                </a:cxn>
-                <a:cxn ang="0">
-                  <a:pos x="connsiteX67" y="connsiteY67"/>
-                </a:cxn>
-                <a:cxn ang="0">
-                  <a:pos x="connsiteX68" y="connsiteY68"/>
-                </a:cxn>
-                <a:cxn ang="0">
-                  <a:pos x="connsiteX69" y="connsiteY69"/>
-                </a:cxn>
-                <a:cxn ang="0">
-                  <a:pos x="connsiteX70" y="connsiteY70"/>
-                </a:cxn>
-                <a:cxn ang="0">
-                  <a:pos x="connsiteX71" y="connsiteY71"/>
-                </a:cxn>
-                <a:cxn ang="0">
-                  <a:pos x="connsiteX72" y="connsiteY72"/>
-                </a:cxn>
-                <a:cxn ang="0">
-                  <a:pos x="connsiteX73" y="connsiteY73"/>
-                </a:cxn>
-                <a:cxn ang="0">
-                  <a:pos x="connsiteX74" y="connsiteY74"/>
-                </a:cxn>
-                <a:cxn ang="0">
-                  <a:pos x="connsiteX75" y="connsiteY75"/>
-                </a:cxn>
-                <a:cxn ang="0">
-                  <a:pos x="connsiteX76" y="connsiteY76"/>
-                </a:cxn>
-                <a:cxn ang="0">
-                  <a:pos x="connsiteX77" y="connsiteY77"/>
-                </a:cxn>
-                <a:cxn ang="0">
-                  <a:pos x="connsiteX78" y="connsiteY78"/>
-                </a:cxn>
-                <a:cxn ang="0">
-                  <a:pos x="connsiteX79" y="connsiteY79"/>
-                </a:cxn>
-                <a:cxn ang="0">
-                  <a:pos x="connsiteX80" y="connsiteY80"/>
-                </a:cxn>
-                <a:cxn ang="0">
-                  <a:pos x="connsiteX81" y="connsiteY81"/>
-                </a:cxn>
-                <a:cxn ang="0">
-                  <a:pos x="connsiteX82" y="connsiteY82"/>
-                </a:cxn>
-                <a:cxn ang="0">
-                  <a:pos x="connsiteX83" y="connsiteY83"/>
-                </a:cxn>
-                <a:cxn ang="0">
-                  <a:pos x="connsiteX84" y="connsiteY84"/>
-                </a:cxn>
-                <a:cxn ang="0">
-                  <a:pos x="connsiteX85" y="connsiteY85"/>
-                </a:cxn>
-                <a:cxn ang="0">
-                  <a:pos x="connsiteX86" y="connsiteY86"/>
-                </a:cxn>
-                <a:cxn ang="0">
-                  <a:pos x="connsiteX87" y="connsiteY87"/>
-                </a:cxn>
-                <a:cxn ang="0">
-                  <a:pos x="connsiteX88" y="connsiteY88"/>
-                </a:cxn>
-                <a:cxn ang="0">
-                  <a:pos x="connsiteX89" y="connsiteY89"/>
-                </a:cxn>
-                <a:cxn ang="0">
-                  <a:pos x="connsiteX90" y="connsiteY90"/>
-                </a:cxn>
-                <a:cxn ang="0">
-                  <a:pos x="connsiteX91" y="connsiteY91"/>
-                </a:cxn>
-                <a:cxn ang="0">
-                  <a:pos x="connsiteX92" y="connsiteY92"/>
-                </a:cxn>
-                <a:cxn ang="0">
-                  <a:pos x="connsiteX93" y="connsiteY93"/>
-                </a:cxn>
-                <a:cxn ang="0">
-                  <a:pos x="connsiteX94" y="connsiteY94"/>
-                </a:cxn>
-                <a:cxn ang="0">
-                  <a:pos x="connsiteX95" y="connsiteY95"/>
-                </a:cxn>
-                <a:cxn ang="0">
-                  <a:pos x="connsiteX96" y="connsiteY96"/>
-                </a:cxn>
-                <a:cxn ang="0">
-                  <a:pos x="connsiteX97" y="connsiteY97"/>
-                </a:cxn>
-                <a:cxn ang="0">
-                  <a:pos x="connsiteX98" y="connsiteY98"/>
-                </a:cxn>
-                <a:cxn ang="0">
-                  <a:pos x="connsiteX99" y="connsiteY99"/>
-                </a:cxn>
-                <a:cxn ang="0">
-                  <a:pos x="connsiteX100" y="connsiteY100"/>
-                </a:cxn>
-                <a:cxn ang="0">
-                  <a:pos x="connsiteX101" y="connsiteY101"/>
-                </a:cxn>
-                <a:cxn ang="0">
-                  <a:pos x="connsiteX102" y="connsiteY102"/>
-                </a:cxn>
-              </a:cxnLst>
-              <a:rect l="l" t="t" r="r" b="b"/>
-              <a:pathLst>
-                <a:path w="5890490" h="6578439">
-                  <a:moveTo>
-                    <a:pt x="5890490" y="5389037"/>
-                  </a:moveTo>
-                  <a:lnTo>
-                    <a:pt x="5890490" y="5855587"/>
-                  </a:lnTo>
-                  <a:lnTo>
-                    <a:pt x="5784593" y="5962054"/>
-                  </a:lnTo>
-                  <a:cubicBezTo>
-                    <a:pt x="5744454" y="6002308"/>
-                    <a:pt x="5704062" y="6042436"/>
-                    <a:pt x="5663414" y="6082564"/>
-                  </a:cubicBezTo>
-                  <a:cubicBezTo>
-                    <a:pt x="5500314" y="6242577"/>
-                    <a:pt x="5330970" y="6400714"/>
-                    <a:pt x="5147099" y="6547726"/>
-                  </a:cubicBezTo>
-                  <a:lnTo>
-                    <a:pt x="5105015" y="6578439"/>
-                  </a:lnTo>
-                  <a:lnTo>
-                    <a:pt x="4385601" y="6578439"/>
-                  </a:lnTo>
-                  <a:lnTo>
-                    <a:pt x="4507252" y="6515968"/>
-                  </a:lnTo>
-                  <a:cubicBezTo>
-                    <a:pt x="4645901" y="6439679"/>
-                    <a:pt x="4779837" y="6350961"/>
-                    <a:pt x="4909330" y="6253453"/>
-                  </a:cubicBezTo>
-                  <a:cubicBezTo>
-                    <a:pt x="5082369" y="6123567"/>
-                    <a:pt x="5248145" y="5979180"/>
-                    <a:pt x="5411374" y="5828544"/>
-                  </a:cubicBezTo>
-                  <a:cubicBezTo>
-                    <a:pt x="5452149" y="5790791"/>
-                    <a:pt x="5492924" y="5752788"/>
-                    <a:pt x="5533570" y="5714534"/>
-                  </a:cubicBezTo>
-                  <a:lnTo>
-                    <a:pt x="5657425" y="5597650"/>
-                  </a:lnTo>
-                  <a:close/>
-                  <a:moveTo>
-                    <a:pt x="3336813" y="499"/>
-                  </a:moveTo>
-                  <a:cubicBezTo>
-                    <a:pt x="3395682" y="-392"/>
-                    <a:pt x="3454550" y="-48"/>
-                    <a:pt x="3513674" y="1202"/>
-                  </a:cubicBezTo>
-                  <a:lnTo>
-                    <a:pt x="3602743" y="4827"/>
-                  </a:lnTo>
-                  <a:lnTo>
-                    <a:pt x="3647213" y="6703"/>
-                  </a:lnTo>
-                  <a:cubicBezTo>
-                    <a:pt x="3661994" y="7327"/>
-                    <a:pt x="3676903" y="7703"/>
-                    <a:pt x="3691684" y="9453"/>
-                  </a:cubicBezTo>
-                  <a:lnTo>
-                    <a:pt x="3868927" y="27080"/>
-                  </a:lnTo>
-                  <a:cubicBezTo>
-                    <a:pt x="4340645" y="85584"/>
-                    <a:pt x="4795160" y="243221"/>
-                    <a:pt x="5200872" y="472240"/>
-                  </a:cubicBezTo>
-                  <a:cubicBezTo>
-                    <a:pt x="5403855" y="587124"/>
-                    <a:pt x="5594988" y="719447"/>
-                    <a:pt x="5772711" y="866334"/>
-                  </a:cubicBezTo>
-                  <a:lnTo>
-                    <a:pt x="5890490" y="972426"/>
-                  </a:lnTo>
-                  <a:lnTo>
-                    <a:pt x="5890490" y="1158576"/>
-                  </a:lnTo>
-                  <a:lnTo>
-                    <a:pt x="5676045" y="986969"/>
-                  </a:lnTo>
-                  <a:cubicBezTo>
-                    <a:pt x="5496587" y="857740"/>
-                    <a:pt x="5304275" y="746699"/>
-                    <a:pt x="5103776" y="655879"/>
-                  </a:cubicBezTo>
-                  <a:cubicBezTo>
-                    <a:pt x="4903214" y="564747"/>
-                    <a:pt x="4695006" y="492492"/>
-                    <a:pt x="4482465" y="440363"/>
-                  </a:cubicBezTo>
-                  <a:lnTo>
-                    <a:pt x="4402444" y="422111"/>
-                  </a:lnTo>
-                  <a:cubicBezTo>
-                    <a:pt x="4375813" y="416111"/>
-                    <a:pt x="4349436" y="408859"/>
-                    <a:pt x="4322423" y="404610"/>
-                  </a:cubicBezTo>
-                  <a:lnTo>
-                    <a:pt x="4241892" y="389858"/>
-                  </a:lnTo>
-                  <a:lnTo>
-                    <a:pt x="4201627" y="382483"/>
-                  </a:lnTo>
-                  <a:cubicBezTo>
-                    <a:pt x="4188248" y="379983"/>
-                    <a:pt x="4174869" y="377483"/>
-                    <a:pt x="4161234" y="375857"/>
-                  </a:cubicBezTo>
-                  <a:cubicBezTo>
-                    <a:pt x="4107208" y="368482"/>
-                    <a:pt x="4053308" y="360482"/>
-                    <a:pt x="3999280" y="353606"/>
-                  </a:cubicBezTo>
-                  <a:cubicBezTo>
-                    <a:pt x="3944999" y="348855"/>
-                    <a:pt x="3890844" y="343854"/>
-                    <a:pt x="3836817" y="338480"/>
-                  </a:cubicBezTo>
-                  <a:lnTo>
-                    <a:pt x="3673972" y="330604"/>
-                  </a:lnTo>
-                  <a:cubicBezTo>
-                    <a:pt x="3619690" y="329104"/>
-                    <a:pt x="3565281" y="329604"/>
-                    <a:pt x="3511126" y="328978"/>
-                  </a:cubicBezTo>
-                  <a:cubicBezTo>
-                    <a:pt x="3402054" y="330728"/>
-                    <a:pt x="3291706" y="334604"/>
-                    <a:pt x="3183142" y="342854"/>
-                  </a:cubicBezTo>
-                  <a:cubicBezTo>
-                    <a:pt x="2965505" y="358855"/>
-                    <a:pt x="2750670" y="389733"/>
-                    <a:pt x="2541444" y="439988"/>
-                  </a:cubicBezTo>
-                  <a:cubicBezTo>
-                    <a:pt x="2332216" y="490117"/>
-                    <a:pt x="2128850" y="559997"/>
-                    <a:pt x="1933895" y="650505"/>
-                  </a:cubicBezTo>
-                  <a:cubicBezTo>
-                    <a:pt x="1738939" y="741261"/>
-                    <a:pt x="1553540" y="854146"/>
-                    <a:pt x="1378079" y="983905"/>
-                  </a:cubicBezTo>
-                  <a:lnTo>
-                    <a:pt x="1312967" y="1033660"/>
-                  </a:lnTo>
-                  <a:cubicBezTo>
-                    <a:pt x="1291178" y="1050286"/>
-                    <a:pt x="1269006" y="1066412"/>
-                    <a:pt x="1248364" y="1084413"/>
-                  </a:cubicBezTo>
-                  <a:lnTo>
-                    <a:pt x="1185163" y="1137168"/>
-                  </a:lnTo>
-                  <a:cubicBezTo>
-                    <a:pt x="1164138" y="1154794"/>
-                    <a:pt x="1142603" y="1172046"/>
-                    <a:pt x="1122852" y="1190922"/>
-                  </a:cubicBezTo>
-                  <a:cubicBezTo>
-                    <a:pt x="1041557" y="1264303"/>
-                    <a:pt x="961663" y="1339309"/>
-                    <a:pt x="892092" y="1421440"/>
-                  </a:cubicBezTo>
-                  <a:cubicBezTo>
-                    <a:pt x="819589" y="1501822"/>
-                    <a:pt x="759827" y="1590329"/>
-                    <a:pt x="707202" y="1684212"/>
-                  </a:cubicBezTo>
-                  <a:cubicBezTo>
-                    <a:pt x="694715" y="1708089"/>
-                    <a:pt x="682227" y="1731841"/>
-                    <a:pt x="670121" y="1756093"/>
-                  </a:cubicBezTo>
-                  <a:lnTo>
-                    <a:pt x="637630" y="1830724"/>
-                  </a:lnTo>
-                  <a:cubicBezTo>
-                    <a:pt x="626161" y="1855350"/>
-                    <a:pt x="617624" y="1881603"/>
-                    <a:pt x="607685" y="1907105"/>
-                  </a:cubicBezTo>
-                  <a:cubicBezTo>
-                    <a:pt x="598128" y="1932857"/>
-                    <a:pt x="588317" y="1958483"/>
-                    <a:pt x="580034" y="1984986"/>
-                  </a:cubicBezTo>
-                  <a:cubicBezTo>
-                    <a:pt x="544611" y="2089620"/>
-                    <a:pt x="513393" y="2197128"/>
-                    <a:pt x="481919" y="2304386"/>
-                  </a:cubicBezTo>
-                  <a:lnTo>
-                    <a:pt x="433881" y="2465399"/>
-                  </a:lnTo>
-                  <a:lnTo>
-                    <a:pt x="384442" y="2626163"/>
-                  </a:lnTo>
-                  <a:cubicBezTo>
-                    <a:pt x="317672" y="2839680"/>
-                    <a:pt x="243129" y="3050946"/>
-                    <a:pt x="166039" y="3261338"/>
-                  </a:cubicBezTo>
-                  <a:cubicBezTo>
-                    <a:pt x="88822" y="3468979"/>
-                    <a:pt x="50850" y="3690248"/>
-                    <a:pt x="56202" y="3910265"/>
-                  </a:cubicBezTo>
-                  <a:cubicBezTo>
-                    <a:pt x="58495" y="4020274"/>
-                    <a:pt x="71493" y="4129783"/>
-                    <a:pt x="93664" y="4237292"/>
-                  </a:cubicBezTo>
-                  <a:cubicBezTo>
-                    <a:pt x="99143" y="4264168"/>
-                    <a:pt x="104623" y="4291045"/>
-                    <a:pt x="111758" y="4317548"/>
-                  </a:cubicBezTo>
-                  <a:cubicBezTo>
-                    <a:pt x="118384" y="4344176"/>
-                    <a:pt x="124627" y="4370802"/>
-                    <a:pt x="133038" y="4397054"/>
-                  </a:cubicBezTo>
-                  <a:cubicBezTo>
-                    <a:pt x="140810" y="4423307"/>
-                    <a:pt x="148456" y="4449683"/>
-                    <a:pt x="157757" y="4475560"/>
-                  </a:cubicBezTo>
-                  <a:cubicBezTo>
-                    <a:pt x="166549" y="4501562"/>
-                    <a:pt x="175087" y="4527564"/>
-                    <a:pt x="185153" y="4553066"/>
-                  </a:cubicBezTo>
-                  <a:cubicBezTo>
-                    <a:pt x="262371" y="4758458"/>
-                    <a:pt x="368895" y="4951974"/>
-                    <a:pt x="493642" y="5132239"/>
-                  </a:cubicBezTo>
-                  <a:cubicBezTo>
-                    <a:pt x="618389" y="5312627"/>
-                    <a:pt x="760846" y="5480391"/>
-                    <a:pt x="914391" y="5636528"/>
-                  </a:cubicBezTo>
-                  <a:cubicBezTo>
-                    <a:pt x="1069081" y="5793166"/>
-                    <a:pt x="1231544" y="5941677"/>
-                    <a:pt x="1402034" y="6076188"/>
-                  </a:cubicBezTo>
-                  <a:cubicBezTo>
-                    <a:pt x="1487535" y="6143320"/>
-                    <a:pt x="1574565" y="6207574"/>
-                    <a:pt x="1664397" y="6267079"/>
-                  </a:cubicBezTo>
-                  <a:cubicBezTo>
-                    <a:pt x="1753592" y="6327459"/>
-                    <a:pt x="1845336" y="6383088"/>
-                    <a:pt x="1938992" y="6434343"/>
-                  </a:cubicBezTo>
-                  <a:cubicBezTo>
-                    <a:pt x="2032647" y="6485659"/>
-                    <a:pt x="2128309" y="6532600"/>
-                    <a:pt x="2225931" y="6574322"/>
-                  </a:cubicBezTo>
-                  <a:lnTo>
-                    <a:pt x="2236328" y="6578439"/>
-                  </a:lnTo>
-                  <a:lnTo>
-                    <a:pt x="1504665" y="6578439"/>
-                  </a:lnTo>
-                  <a:lnTo>
-                    <a:pt x="1456827" y="6543476"/>
-                  </a:lnTo>
-                  <a:cubicBezTo>
-                    <a:pt x="1363554" y="6470595"/>
-                    <a:pt x="1273848" y="6394340"/>
-                    <a:pt x="1188475" y="6314083"/>
-                  </a:cubicBezTo>
-                  <a:cubicBezTo>
-                    <a:pt x="1017856" y="6153445"/>
-                    <a:pt x="863803" y="5979931"/>
-                    <a:pt x="721728" y="5798666"/>
-                  </a:cubicBezTo>
-                  <a:cubicBezTo>
-                    <a:pt x="579397" y="5616027"/>
-                    <a:pt x="452103" y="5422511"/>
-                    <a:pt x="344175" y="5219495"/>
-                  </a:cubicBezTo>
-                  <a:cubicBezTo>
-                    <a:pt x="236505" y="5016354"/>
-                    <a:pt x="147946" y="4803586"/>
-                    <a:pt x="87293" y="4583569"/>
-                  </a:cubicBezTo>
-                  <a:cubicBezTo>
-                    <a:pt x="79138" y="4556193"/>
-                    <a:pt x="72639" y="4528440"/>
-                    <a:pt x="65886" y="4500813"/>
-                  </a:cubicBezTo>
-                  <a:cubicBezTo>
-                    <a:pt x="58751" y="4473311"/>
-                    <a:pt x="53144" y="4445308"/>
-                    <a:pt x="47409" y="4417431"/>
-                  </a:cubicBezTo>
-                  <a:cubicBezTo>
-                    <a:pt x="44733" y="4403430"/>
-                    <a:pt x="41294" y="4389679"/>
-                    <a:pt x="39000" y="4375677"/>
-                  </a:cubicBezTo>
-                  <a:lnTo>
-                    <a:pt x="31610" y="4333674"/>
-                  </a:lnTo>
-                  <a:cubicBezTo>
-                    <a:pt x="26258" y="4305797"/>
-                    <a:pt x="22563" y="4277544"/>
-                    <a:pt x="18868" y="4249417"/>
-                  </a:cubicBezTo>
-                  <a:cubicBezTo>
-                    <a:pt x="4214" y="4136784"/>
-                    <a:pt x="-2158" y="4023275"/>
-                    <a:pt x="646" y="3910265"/>
-                  </a:cubicBezTo>
-                  <a:cubicBezTo>
-                    <a:pt x="5997" y="3683872"/>
-                    <a:pt x="50596" y="3459605"/>
-                    <a:pt x="130234" y="3248337"/>
-                  </a:cubicBezTo>
-                  <a:cubicBezTo>
-                    <a:pt x="207961" y="3039196"/>
-                    <a:pt x="278044" y="2827179"/>
-                    <a:pt x="335383" y="2611911"/>
-                  </a:cubicBezTo>
-                  <a:cubicBezTo>
-                    <a:pt x="393743" y="2396644"/>
-                    <a:pt x="435792" y="2178627"/>
-                    <a:pt x="487272" y="1958609"/>
-                  </a:cubicBezTo>
-                  <a:cubicBezTo>
-                    <a:pt x="493259" y="1931107"/>
-                    <a:pt x="501287" y="1903730"/>
-                    <a:pt x="508550" y="1876227"/>
-                  </a:cubicBezTo>
-                  <a:cubicBezTo>
-                    <a:pt x="516195" y="1848725"/>
-                    <a:pt x="522312" y="1820972"/>
-                    <a:pt x="531742" y="1793721"/>
-                  </a:cubicBezTo>
-                  <a:lnTo>
-                    <a:pt x="558245" y="1711465"/>
-                  </a:lnTo>
-                  <a:cubicBezTo>
-                    <a:pt x="568439" y="1684337"/>
-                    <a:pt x="579652" y="1657459"/>
-                    <a:pt x="590100" y="1630332"/>
-                  </a:cubicBezTo>
-                  <a:cubicBezTo>
-                    <a:pt x="635080" y="1523075"/>
-                    <a:pt x="690637" y="1417566"/>
-                    <a:pt x="758680" y="1322433"/>
-                  </a:cubicBezTo>
-                  <a:cubicBezTo>
-                    <a:pt x="824430" y="1225051"/>
-                    <a:pt x="899610" y="1136168"/>
-                    <a:pt x="976317" y="1049286"/>
-                  </a:cubicBezTo>
-                  <a:cubicBezTo>
-                    <a:pt x="995049" y="1027035"/>
-                    <a:pt x="1015436" y="1006533"/>
-                    <a:pt x="1035314" y="985406"/>
-                  </a:cubicBezTo>
-                  <a:lnTo>
-                    <a:pt x="1095329" y="922526"/>
-                  </a:lnTo>
-                  <a:cubicBezTo>
-                    <a:pt x="1114953" y="901149"/>
-                    <a:pt x="1136359" y="881397"/>
-                    <a:pt x="1157384" y="861271"/>
-                  </a:cubicBezTo>
-                  <a:lnTo>
-                    <a:pt x="1220841" y="801017"/>
-                  </a:lnTo>
-                  <a:cubicBezTo>
-                    <a:pt x="1241610" y="780514"/>
-                    <a:pt x="1264418" y="762014"/>
-                    <a:pt x="1286462" y="742886"/>
-                  </a:cubicBezTo>
-                  <a:lnTo>
-                    <a:pt x="1353233" y="685632"/>
-                  </a:lnTo>
-                  <a:lnTo>
-                    <a:pt x="1369924" y="671256"/>
-                  </a:lnTo>
-                  <a:cubicBezTo>
-                    <a:pt x="1375658" y="666631"/>
-                    <a:pt x="1381520" y="662255"/>
-                    <a:pt x="1387380" y="657755"/>
-                  </a:cubicBezTo>
-                  <a:lnTo>
-                    <a:pt x="1422422" y="630877"/>
-                  </a:lnTo>
-                  <a:lnTo>
-                    <a:pt x="1492759" y="577248"/>
-                  </a:lnTo>
-                  <a:cubicBezTo>
-                    <a:pt x="1504355" y="567997"/>
-                    <a:pt x="1516714" y="559997"/>
-                    <a:pt x="1528820" y="551496"/>
-                  </a:cubicBezTo>
-                  <a:lnTo>
-                    <a:pt x="1565390" y="526370"/>
-                  </a:lnTo>
-                  <a:lnTo>
-                    <a:pt x="1639040" y="476490"/>
-                  </a:lnTo>
-                  <a:cubicBezTo>
-                    <a:pt x="1689754" y="445613"/>
-                    <a:pt x="1740723" y="414986"/>
-                    <a:pt x="1792075" y="384859"/>
-                  </a:cubicBezTo>
-                  <a:cubicBezTo>
-                    <a:pt x="2000282" y="268724"/>
-                    <a:pt x="2224927" y="179467"/>
-                    <a:pt x="2455943" y="117836"/>
-                  </a:cubicBezTo>
-                  <a:cubicBezTo>
-                    <a:pt x="2687088" y="55957"/>
-                    <a:pt x="2923964" y="21204"/>
-                    <a:pt x="3159952" y="7203"/>
-                  </a:cubicBezTo>
-                  <a:cubicBezTo>
-                    <a:pt x="3219076" y="3515"/>
-                    <a:pt x="3277945" y="1389"/>
-                    <a:pt x="3336813" y="499"/>
-                  </a:cubicBezTo>
-                  <a:close/>
-                </a:path>
-              </a:pathLst>
-            </a:custGeom>
-            <a:gradFill flip="none" rotWithShape="1">
-              <a:gsLst>
-                <a:gs pos="2000">
-                  <a:schemeClr val="bg1">
-                    <a:alpha val="10000"/>
-                  </a:schemeClr>
-                </a:gs>
-                <a:gs pos="16000">
-                  <a:schemeClr val="accent6">
-                    <a:alpha val="5000"/>
-                  </a:schemeClr>
-                </a:gs>
-                <a:gs pos="100000">
-                  <a:schemeClr val="bg1">
-                    <a:alpha val="10000"/>
-                  </a:schemeClr>
-                </a:gs>
-                <a:gs pos="85000">
-                  <a:schemeClr val="accent1">
-                    <a:alpha val="10000"/>
-                  </a:schemeClr>
-                </a:gs>
-              </a:gsLst>
-              <a:lin ang="12000000" scaled="0"/>
-              <a:tileRect/>
-            </a:gradFill>
-            <a:ln>
-              <a:noFill/>
-            </a:ln>
-          </p:spPr>
-          <p:style>
-            <a:lnRef idx="2">
-              <a:schemeClr val="accent1">
-                <a:shade val="50000"/>
-              </a:schemeClr>
-            </a:lnRef>
-            <a:fillRef idx="1">
-              <a:schemeClr val="accent1"/>
-            </a:fillRef>
-            <a:effectRef idx="0">
-              <a:schemeClr val="accent1"/>
-            </a:effectRef>
-            <a:fontRef idx="minor">
-              <a:schemeClr val="lt1"/>
-            </a:fontRef>
-          </p:style>
-          <p:txBody>
-            <a:bodyPr rtlCol="0" anchor="ctr"/>
-            <a:lstStyle/>
-            <a:p>
-              <a:pPr algn="ctr"/>
-              <a:endParaRPr lang="en-US" dirty="0"/>
-            </a:p>
-          </p:txBody>
-        </p:sp>
-      </p:grpSp>
-      <p:pic>
-        <p:nvPicPr>
           <p:cNvPr id="6" name="Graphic 5" descr="Smiling Face with No Fill">
             <a:extLst>
               <a:ext uri="{FF2B5EF4-FFF2-40B4-BE49-F238E27FC236}">
@@ -11310,7 +11498,7 @@
       </p:grpSpPr>
       <p:sp useBgFill="1">
         <p:nvSpPr>
-          <p:cNvPr id="33" name="Rectangle 32">
+          <p:cNvPr id="2055" name="Rectangle 2054">
             <a:extLst>
               <a:ext uri="{FF2B5EF4-FFF2-40B4-BE49-F238E27FC236}">
                 <a16:creationId xmlns:a16="http://schemas.microsoft.com/office/drawing/2014/main" id="{F0A604E4-7307-451C-93BE-F1F7E1BF3BF8}"/>
@@ -11370,7 +11558,7 @@
       </p:sp>
       <p:sp>
         <p:nvSpPr>
-          <p:cNvPr id="35" name="Rectangle 34">
+          <p:cNvPr id="2057" name="Rectangle 2056">
             <a:extLst>
               <a:ext uri="{FF2B5EF4-FFF2-40B4-BE49-F238E27FC236}">
                 <a16:creationId xmlns:a16="http://schemas.microsoft.com/office/drawing/2014/main" id="{F7F3A0AA-35E5-4085-942B-737839030604}"/>
@@ -11443,7 +11631,7 @@
       </p:sp>
       <p:sp>
         <p:nvSpPr>
-          <p:cNvPr id="32" name="Rectangle 31">
+          <p:cNvPr id="2059" name="Rectangle 2058">
             <a:extLst>
               <a:ext uri="{FF2B5EF4-FFF2-40B4-BE49-F238E27FC236}">
                 <a16:creationId xmlns:a16="http://schemas.microsoft.com/office/drawing/2014/main" id="{402F5C38-C747-4173-ABBF-656E39E82130}"/>
@@ -11519,7 +11707,7 @@
       </p:sp>
       <p:sp>
         <p:nvSpPr>
-          <p:cNvPr id="34" name="Rectangle 33">
+          <p:cNvPr id="2061" name="Rectangle 2060">
             <a:extLst>
               <a:ext uri="{FF2B5EF4-FFF2-40B4-BE49-F238E27FC236}">
                 <a16:creationId xmlns:a16="http://schemas.microsoft.com/office/drawing/2014/main" id="{E37EECFC-A684-4391-AE85-4CDAF5565F61}"/>
@@ -11597,7 +11785,7 @@
           <p:cNvPr id="2" name="Title 1">
             <a:extLst>
               <a:ext uri="{FF2B5EF4-FFF2-40B4-BE49-F238E27FC236}">
-                <a16:creationId xmlns:a16="http://schemas.microsoft.com/office/drawing/2014/main" id="{D565121A-04CE-EE35-8B31-61722E37F2DD}"/>
+                <a16:creationId xmlns:a16="http://schemas.microsoft.com/office/drawing/2014/main" id="{B17A8EB7-2A71-E7ED-DEF3-1329CB177866}"/>
               </a:ext>
             </a:extLst>
           </p:cNvPr>
@@ -11629,30 +11817,38 @@
                 <a:ea typeface="+mj-ea"/>
                 <a:cs typeface="+mj-cs"/>
               </a:rPr>
-              <a:t>SQL/NoSQL</a:t>
+              <a:t>NoSQL DBs</a:t>
             </a:r>
           </a:p>
         </p:txBody>
       </p:sp>
       <p:pic>
         <p:nvPicPr>
-          <p:cNvPr id="4" name="Picture 3" descr="Database Schema Design">
+          <p:cNvPr id="2050" name="Picture 2" descr="Design (LLD) NoSQL database - Machine Coding">
             <a:extLst>
               <a:ext uri="{FF2B5EF4-FFF2-40B4-BE49-F238E27FC236}">
-                <a16:creationId xmlns:a16="http://schemas.microsoft.com/office/drawing/2014/main" id="{16E1E44B-9D3C-8E9C-F3B0-801D39B87DE1}"/>
+                <a16:creationId xmlns:a16="http://schemas.microsoft.com/office/drawing/2014/main" id="{3B8045F8-7622-3506-A9E1-FCE88AA5CE0A}"/>
               </a:ext>
             </a:extLst>
           </p:cNvPr>
           <p:cNvPicPr>
-            <a:picLocks noChangeAspect="1"/>
+            <a:picLocks noChangeAspect="1" noChangeArrowheads="1"/>
           </p:cNvPicPr>
           <p:nvPr/>
         </p:nvPicPr>
         <p:blipFill>
-          <a:blip r:embed="rId2"/>
-          <a:stretch/>
+          <a:blip r:embed="rId2">
+            <a:extLst>
+              <a:ext uri="{28A0092B-C50C-407E-A947-70E740481C1C}">
+                <a14:useLocalDpi xmlns:a14="http://schemas.microsoft.com/office/drawing/2010/main" val="0"/>
+              </a:ext>
+            </a:extLst>
+          </a:blip>
+          <a:stretch>
+            <a:fillRect/>
+          </a:stretch>
         </p:blipFill>
-        <p:spPr>
+        <p:spPr bwMode="auto">
           <a:xfrm>
             <a:off x="2125319" y="390832"/>
             <a:ext cx="8033981" cy="4519114"/>
@@ -11660,99 +11856,16 @@
           <a:prstGeom prst="rect">
             <a:avLst/>
           </a:prstGeom>
-        </p:spPr>
-      </p:pic>
-    </p:spTree>
-    <p:extLst>
-      <p:ext uri="{BB962C8B-B14F-4D97-AF65-F5344CB8AC3E}">
-        <p14:creationId xmlns:p14="http://schemas.microsoft.com/office/powerpoint/2010/main" val="1157362336"/>
-      </p:ext>
-    </p:extLst>
-  </p:cSld>
-  <p:clrMapOvr>
-    <a:masterClrMapping/>
-  </p:clrMapOvr>
-</p:sld>
-</file>
-
-<file path=ppt/slides/slide5.xml><?xml version="1.0" encoding="utf-8"?>
-<p:sld xmlns:a="http://schemas.openxmlformats.org/drawingml/2006/main" xmlns:r="http://schemas.openxmlformats.org/officeDocument/2006/relationships" xmlns:p="http://schemas.openxmlformats.org/presentationml/2006/main">
-  <p:cSld>
-    <p:spTree>
-      <p:nvGrpSpPr>
-        <p:cNvPr id="1" name=""/>
-        <p:cNvGrpSpPr/>
-        <p:nvPr/>
-      </p:nvGrpSpPr>
-      <p:grpSpPr>
-        <a:xfrm>
-          <a:off x="0" y="0"/>
-          <a:ext cx="0" cy="0"/>
-          <a:chOff x="0" y="0"/>
-          <a:chExt cx="0" cy="0"/>
-        </a:xfrm>
-      </p:grpSpPr>
-      <p:sp>
-        <p:nvSpPr>
-          <p:cNvPr id="2" name="Title 1">
-            <a:extLst>
-              <a:ext uri="{FF2B5EF4-FFF2-40B4-BE49-F238E27FC236}">
-                <a16:creationId xmlns:a16="http://schemas.microsoft.com/office/drawing/2014/main" id="{B17A8EB7-2A71-E7ED-DEF3-1329CB177866}"/>
-              </a:ext>
-            </a:extLst>
-          </p:cNvPr>
-          <p:cNvSpPr>
-            <a:spLocks noGrp="1"/>
-          </p:cNvSpPr>
-          <p:nvPr>
-            <p:ph type="title"/>
-          </p:nvPr>
-        </p:nvSpPr>
-        <p:spPr>
-          <a:xfrm>
-            <a:off x="140776" y="197227"/>
-            <a:ext cx="2443567" cy="1338478"/>
-          </a:xfrm>
-        </p:spPr>
-        <p:txBody>
-          <a:bodyPr/>
-          <a:lstStyle/>
-          <a:p>
-            <a:r>
-              <a:rPr lang="en-US" dirty="0"/>
-              <a:t>NoSQL DBs</a:t>
-            </a:r>
-          </a:p>
-        </p:txBody>
-      </p:sp>
-      <p:pic>
-        <p:nvPicPr>
-          <p:cNvPr id="4" name="Picture 3">
-            <a:extLst>
-              <a:ext uri="{FF2B5EF4-FFF2-40B4-BE49-F238E27FC236}">
-                <a16:creationId xmlns:a16="http://schemas.microsoft.com/office/drawing/2014/main" id="{96C64FF6-19E6-61B8-9F4C-C783D25BC9FE}"/>
-              </a:ext>
-            </a:extLst>
-          </p:cNvPr>
-          <p:cNvPicPr>
-            <a:picLocks noChangeAspect="1"/>
-          </p:cNvPicPr>
-          <p:nvPr/>
-        </p:nvPicPr>
-        <p:blipFill>
-          <a:blip r:embed="rId2"/>
-          <a:stretch>
-            <a:fillRect/>
-          </a:stretch>
-        </p:blipFill>
-        <p:spPr>
-          <a:xfrm>
-            <a:off x="1934705" y="692434"/>
-            <a:ext cx="10079060" cy="5783099"/>
-          </a:xfrm>
-          <a:prstGeom prst="rect">
-            <a:avLst/>
-          </a:prstGeom>
+          <a:noFill/>
+          <a:extLst>
+            <a:ext uri="{909E8E84-426E-40DD-AFC4-6F175D3DCCD1}">
+              <a14:hiddenFill xmlns:a14="http://schemas.microsoft.com/office/drawing/2010/main">
+                <a:solidFill>
+                  <a:srgbClr val="FFFFFF"/>
+                </a:solidFill>
+              </a14:hiddenFill>
+            </a:ext>
+          </a:extLst>
         </p:spPr>
       </p:pic>
     </p:spTree>
@@ -11768,7 +11881,7 @@
 </p:sld>
 </file>
 
-<file path=ppt/slides/slide6.xml><?xml version="1.0" encoding="utf-8"?>
+<file path=ppt/slides/slide5.xml><?xml version="1.0" encoding="utf-8"?>
 <p:sld xmlns:a="http://schemas.openxmlformats.org/drawingml/2006/main" xmlns:r="http://schemas.openxmlformats.org/officeDocument/2006/relationships" xmlns:p="http://schemas.openxmlformats.org/presentationml/2006/main">
   <p:cSld>
     <p:spTree>
@@ -11880,7 +11993,7 @@
 </p:sld>
 </file>
 
-<file path=ppt/slides/slide7.xml><?xml version="1.0" encoding="utf-8"?>
+<file path=ppt/slides/slide6.xml><?xml version="1.0" encoding="utf-8"?>
 <p:sld xmlns:a="http://schemas.openxmlformats.org/drawingml/2006/main" xmlns:r="http://schemas.openxmlformats.org/officeDocument/2006/relationships" xmlns:p="http://schemas.openxmlformats.org/presentationml/2006/main">
   <p:cSld>
     <p:spTree>
@@ -12186,7 +12299,7 @@
 </p:sld>
 </file>
 
-<file path=ppt/slides/slide8.xml><?xml version="1.0" encoding="utf-8"?>
+<file path=ppt/slides/slide7.xml><?xml version="1.0" encoding="utf-8"?>
 <p:sld xmlns:a="http://schemas.openxmlformats.org/drawingml/2006/main" xmlns:r="http://schemas.openxmlformats.org/officeDocument/2006/relationships" xmlns:p="http://schemas.openxmlformats.org/presentationml/2006/main">
   <p:cSld>
     <p:bg>
@@ -12360,7 +12473,7 @@
 </p:sld>
 </file>
 
-<file path=ppt/slides/slide9.xml><?xml version="1.0" encoding="utf-8"?>
+<file path=ppt/slides/slide8.xml><?xml version="1.0" encoding="utf-8"?>
 <p:sld xmlns:a="http://schemas.openxmlformats.org/drawingml/2006/main" xmlns:r="http://schemas.openxmlformats.org/officeDocument/2006/relationships" xmlns:p="http://schemas.openxmlformats.org/presentationml/2006/main">
   <p:cSld>
     <p:spTree>
@@ -12424,7 +12537,7 @@
         <p:spPr>
           <a:xfrm>
             <a:off x="838200" y="1825625"/>
-            <a:ext cx="10515600" cy="3223578"/>
+            <a:ext cx="10515600" cy="4055222"/>
           </a:xfrm>
         </p:spPr>
         <p:txBody>
@@ -12434,18 +12547,49 @@
           <a:lstStyle/>
           <a:p>
             <a:r>
-              <a:rPr lang="en-US" dirty="0">
+              <a:rPr lang="en-US" sz="2000" dirty="0">
                 <a:ea typeface="+mn-lt"/>
                 <a:cs typeface="+mn-lt"/>
                 <a:hlinkClick r:id="rId2"/>
               </a:rPr>
               <a:t>https://github.com/olearno/workshops/blob/dev/mongo/mongo_basic_shell_commands.pdf</a:t>
             </a:r>
-            <a:endParaRPr lang="en-US"/>
-          </a:p>
-          <a:p>
+            <a:endParaRPr lang="en-US" sz="2000" dirty="0">
+              <a:ea typeface="+mn-lt"/>
+              <a:cs typeface="+mn-lt"/>
+            </a:endParaRPr>
+          </a:p>
+          <a:p>
+            <a:endParaRPr lang="en-US" sz="2000" dirty="0">
+              <a:ea typeface="+mn-lt"/>
+              <a:cs typeface="+mn-lt"/>
+            </a:endParaRPr>
+          </a:p>
+          <a:p>
+            <a:pPr marL="0" indent="0">
+              <a:buNone/>
+            </a:pPr>
             <a:r>
-              <a:rPr lang="en-US" dirty="0">
+              <a:rPr lang="en-US" sz="2000" dirty="0">
+                <a:ea typeface="+mn-lt"/>
+                <a:cs typeface="+mn-lt"/>
+              </a:rPr>
+              <a:t>You can practice more here</a:t>
+            </a:r>
+          </a:p>
+          <a:p>
+            <a:r>
+              <a:rPr lang="en-US" sz="2000" dirty="0">
+                <a:ea typeface="+mn-lt"/>
+                <a:cs typeface="+mn-lt"/>
+                <a:hlinkClick r:id="rId2"/>
+              </a:rPr>
+              <a:t>https://www.w3schools.com/mongodb/</a:t>
+            </a:r>
+          </a:p>
+          <a:p>
+            <a:r>
+              <a:rPr lang="en-US" sz="2000" dirty="0">
                 <a:ea typeface="+mn-lt"/>
                 <a:cs typeface="+mn-lt"/>
                 <a:hlinkClick r:id="rId3"/>
@@ -12455,26 +12599,14 @@
           </a:p>
           <a:p>
             <a:r>
-              <a:rPr lang="en-US" dirty="0">
+              <a:rPr lang="en-US" sz="2000" dirty="0">
                 <a:ea typeface="+mn-lt"/>
                 <a:cs typeface="+mn-lt"/>
                 <a:hlinkClick r:id="rId4"/>
               </a:rPr>
               <a:t>https://www.tutorialspoint.com/mongodb/mongodb_tutorial.pdf</a:t>
             </a:r>
-            <a:endParaRPr lang="en-US">
-              <a:ea typeface="+mn-lt"/>
-              <a:cs typeface="+mn-lt"/>
-            </a:endParaRPr>
-          </a:p>
-          <a:p>
-            <a:endParaRPr lang="en-US" dirty="0">
-              <a:ea typeface="+mn-lt"/>
-              <a:cs typeface="+mn-lt"/>
-            </a:endParaRPr>
-          </a:p>
-          <a:p>
-            <a:endParaRPr lang="en-US" dirty="0">
+            <a:endParaRPr lang="en-US" sz="2000" dirty="0">
               <a:ea typeface="+mn-lt"/>
               <a:cs typeface="+mn-lt"/>
             </a:endParaRPr>
@@ -12485,6 +12617,698 @@
     <p:extLst>
       <p:ext uri="{BB962C8B-B14F-4D97-AF65-F5344CB8AC3E}">
         <p14:creationId xmlns:p14="http://schemas.microsoft.com/office/powerpoint/2010/main" val="3669799422"/>
+      </p:ext>
+    </p:extLst>
+  </p:cSld>
+  <p:clrMapOvr>
+    <a:masterClrMapping/>
+  </p:clrMapOvr>
+</p:sld>
+</file>
+
+<file path=ppt/slides/slide9.xml><?xml version="1.0" encoding="utf-8"?>
+<p:sld xmlns:a="http://schemas.openxmlformats.org/drawingml/2006/main" xmlns:r="http://schemas.openxmlformats.org/officeDocument/2006/relationships" xmlns:p="http://schemas.openxmlformats.org/presentationml/2006/main">
+  <p:cSld>
+    <p:bg>
+      <p:bgPr>
+        <a:solidFill>
+          <a:schemeClr val="bg1"/>
+        </a:solidFill>
+        <a:effectLst/>
+      </p:bgPr>
+    </p:bg>
+    <p:spTree>
+      <p:nvGrpSpPr>
+        <p:cNvPr id="1" name=""/>
+        <p:cNvGrpSpPr/>
+        <p:nvPr/>
+      </p:nvGrpSpPr>
+      <p:grpSpPr>
+        <a:xfrm>
+          <a:off x="0" y="0"/>
+          <a:ext cx="0" cy="0"/>
+          <a:chOff x="0" y="0"/>
+          <a:chExt cx="0" cy="0"/>
+        </a:xfrm>
+      </p:grpSpPr>
+      <p:sp useBgFill="1">
+        <p:nvSpPr>
+          <p:cNvPr id="30" name="Rectangle 29">
+            <a:extLst>
+              <a:ext uri="{FF2B5EF4-FFF2-40B4-BE49-F238E27FC236}">
+                <a16:creationId xmlns:a16="http://schemas.microsoft.com/office/drawing/2014/main" id="{5DCB5928-DC7D-4612-9922-441966E15627}"/>
+              </a:ext>
+              <a:ext uri="{C183D7F6-B498-43B3-948B-1728B52AA6E4}">
+                <adec:decorative xmlns:adec="http://schemas.microsoft.com/office/drawing/2017/decorative" val="1"/>
+              </a:ext>
+            </a:extLst>
+          </p:cNvPr>
+          <p:cNvSpPr>
+            <a:spLocks noGrp="1" noRot="1" noChangeAspect="1" noMove="1" noResize="1" noEditPoints="1" noAdjustHandles="1" noChangeArrowheads="1" noChangeShapeType="1" noTextEdit="1"/>
+          </p:cNvSpPr>
+          <p:nvPr>
+            <p:extLst>
+              <p:ext uri="{386F3935-93C4-4BCD-93E2-E3B085C9AB24}">
+                <p16:designElem xmlns:p16="http://schemas.microsoft.com/office/powerpoint/2015/main" val="1"/>
+              </p:ext>
+            </p:extLst>
+          </p:nvPr>
+        </p:nvSpPr>
+        <p:spPr>
+          <a:xfrm>
+            <a:off x="0" y="0"/>
+            <a:ext cx="12192000" cy="6858000"/>
+          </a:xfrm>
+          <a:prstGeom prst="rect">
+            <a:avLst/>
+          </a:prstGeom>
+          <a:ln>
+            <a:noFill/>
+          </a:ln>
+        </p:spPr>
+        <p:style>
+          <a:lnRef idx="2">
+            <a:schemeClr val="accent1">
+              <a:shade val="50000"/>
+            </a:schemeClr>
+          </a:lnRef>
+          <a:fillRef idx="1">
+            <a:schemeClr val="accent1"/>
+          </a:fillRef>
+          <a:effectRef idx="0">
+            <a:schemeClr val="accent1"/>
+          </a:effectRef>
+          <a:fontRef idx="minor">
+            <a:schemeClr val="lt1"/>
+          </a:fontRef>
+        </p:style>
+        <p:txBody>
+          <a:bodyPr rtlCol="0" anchor="ctr"/>
+          <a:lstStyle/>
+          <a:p>
+            <a:pPr algn="ctr"/>
+            <a:endParaRPr lang="en-US"/>
+          </a:p>
+        </p:txBody>
+      </p:sp>
+      <p:sp useBgFill="1">
+        <p:nvSpPr>
+          <p:cNvPr id="32" name="Freeform: Shape 31">
+            <a:extLst>
+              <a:ext uri="{FF2B5EF4-FFF2-40B4-BE49-F238E27FC236}">
+                <a16:creationId xmlns:a16="http://schemas.microsoft.com/office/drawing/2014/main" id="{682C1161-1736-45EC-99B7-33F3CAE9D517}"/>
+              </a:ext>
+              <a:ext uri="{C183D7F6-B498-43B3-948B-1728B52AA6E4}">
+                <adec:decorative xmlns:adec="http://schemas.microsoft.com/office/drawing/2017/decorative" val="1"/>
+              </a:ext>
+            </a:extLst>
+          </p:cNvPr>
+          <p:cNvSpPr>
+            <a:spLocks noGrp="1" noRot="1" noChangeAspect="1" noMove="1" noResize="1" noEditPoints="1" noAdjustHandles="1" noChangeArrowheads="1" noChangeShapeType="1" noTextEdit="1"/>
+          </p:cNvSpPr>
+          <p:nvPr>
+            <p:extLst>
+              <p:ext uri="{386F3935-93C4-4BCD-93E2-E3B085C9AB24}">
+                <p16:designElem xmlns:p16="http://schemas.microsoft.com/office/powerpoint/2015/main" val="1"/>
+              </p:ext>
+            </p:extLst>
+          </p:nvPr>
+        </p:nvSpPr>
+        <p:spPr>
+          <a:xfrm>
+            <a:off x="0" y="0"/>
+            <a:ext cx="4959047" cy="6858000"/>
+          </a:xfrm>
+          <a:custGeom>
+            <a:avLst/>
+            <a:gdLst>
+              <a:gd name="connsiteX0" fmla="*/ 0 w 4959047"/>
+              <a:gd name="connsiteY0" fmla="*/ 0 h 6858000"/>
+              <a:gd name="connsiteX1" fmla="*/ 4110127 w 4959047"/>
+              <a:gd name="connsiteY1" fmla="*/ 0 h 6858000"/>
+              <a:gd name="connsiteX2" fmla="*/ 4179024 w 4959047"/>
+              <a:gd name="connsiteY2" fmla="*/ 123368 h 6858000"/>
+              <a:gd name="connsiteX3" fmla="*/ 4959047 w 4959047"/>
+              <a:gd name="connsiteY3" fmla="*/ 3429000 h 6858000"/>
+              <a:gd name="connsiteX4" fmla="*/ 4179024 w 4959047"/>
+              <a:gd name="connsiteY4" fmla="*/ 6734633 h 6858000"/>
+              <a:gd name="connsiteX5" fmla="*/ 4110127 w 4959047"/>
+              <a:gd name="connsiteY5" fmla="*/ 6858000 h 6858000"/>
+              <a:gd name="connsiteX6" fmla="*/ 0 w 4959047"/>
+              <a:gd name="connsiteY6" fmla="*/ 6858000 h 6858000"/>
+            </a:gdLst>
+            <a:ahLst/>
+            <a:cxnLst>
+              <a:cxn ang="0">
+                <a:pos x="connsiteX0" y="connsiteY0"/>
+              </a:cxn>
+              <a:cxn ang="0">
+                <a:pos x="connsiteX1" y="connsiteY1"/>
+              </a:cxn>
+              <a:cxn ang="0">
+                <a:pos x="connsiteX2" y="connsiteY2"/>
+              </a:cxn>
+              <a:cxn ang="0">
+                <a:pos x="connsiteX3" y="connsiteY3"/>
+              </a:cxn>
+              <a:cxn ang="0">
+                <a:pos x="connsiteX4" y="connsiteY4"/>
+              </a:cxn>
+              <a:cxn ang="0">
+                <a:pos x="connsiteX5" y="connsiteY5"/>
+              </a:cxn>
+              <a:cxn ang="0">
+                <a:pos x="connsiteX6" y="connsiteY6"/>
+              </a:cxn>
+            </a:cxnLst>
+            <a:rect l="l" t="t" r="r" b="b"/>
+            <a:pathLst>
+              <a:path w="4959047" h="6858000">
+                <a:moveTo>
+                  <a:pt x="0" y="0"/>
+                </a:moveTo>
+                <a:lnTo>
+                  <a:pt x="4110127" y="0"/>
+                </a:lnTo>
+                <a:lnTo>
+                  <a:pt x="4179024" y="123368"/>
+                </a:lnTo>
+                <a:cubicBezTo>
+                  <a:pt x="4668929" y="1045156"/>
+                  <a:pt x="4959047" y="2189404"/>
+                  <a:pt x="4959047" y="3429000"/>
+                </a:cubicBezTo>
+                <a:cubicBezTo>
+                  <a:pt x="4959047" y="4668597"/>
+                  <a:pt x="4668929" y="5812845"/>
+                  <a:pt x="4179024" y="6734633"/>
+                </a:cubicBezTo>
+                <a:lnTo>
+                  <a:pt x="4110127" y="6858000"/>
+                </a:lnTo>
+                <a:lnTo>
+                  <a:pt x="0" y="6858000"/>
+                </a:lnTo>
+                <a:close/>
+              </a:path>
+            </a:pathLst>
+          </a:custGeom>
+          <a:ln w="9525">
+            <a:solidFill>
+              <a:srgbClr val="E6E6E6"/>
+            </a:solidFill>
+          </a:ln>
+          <a:effectLst>
+            <a:outerShdw blurRad="76200" dist="38100" algn="l" rotWithShape="0">
+              <a:schemeClr val="bg1">
+                <a:lumMod val="85000"/>
+                <a:alpha val="50000"/>
+              </a:schemeClr>
+            </a:outerShdw>
+          </a:effectLst>
+        </p:spPr>
+        <p:style>
+          <a:lnRef idx="2">
+            <a:schemeClr val="accent1">
+              <a:shade val="50000"/>
+            </a:schemeClr>
+          </a:lnRef>
+          <a:fillRef idx="1">
+            <a:schemeClr val="accent1"/>
+          </a:fillRef>
+          <a:effectRef idx="0">
+            <a:schemeClr val="accent1"/>
+          </a:effectRef>
+          <a:fontRef idx="minor">
+            <a:schemeClr val="lt1"/>
+          </a:fontRef>
+        </p:style>
+        <p:txBody>
+          <a:bodyPr wrap="square" rtlCol="0" anchor="ctr">
+            <a:noAutofit/>
+          </a:bodyPr>
+          <a:lstStyle/>
+          <a:p>
+            <a:pPr marL="0" marR="0" lvl="0" indent="0" algn="ctr" defTabSz="914400" rtl="0" eaLnBrk="1" fontAlgn="auto" latinLnBrk="0" hangingPunct="1">
+              <a:lnSpc>
+                <a:spcPct val="100000"/>
+              </a:lnSpc>
+              <a:spcBef>
+                <a:spcPts val="0"/>
+              </a:spcBef>
+              <a:spcAft>
+                <a:spcPts val="0"/>
+              </a:spcAft>
+              <a:buClrTx/>
+              <a:buSzTx/>
+              <a:buFontTx/>
+              <a:buNone/>
+              <a:tabLst/>
+              <a:defRPr/>
+            </a:pPr>
+            <a:endParaRPr kumimoji="0" lang="en-US" sz="1800" b="0" i="0" u="none" strike="noStrike" kern="1200" cap="none" spc="0" normalizeH="0" baseline="0" noProof="0">
+              <a:ln>
+                <a:noFill/>
+              </a:ln>
+              <a:solidFill>
+                <a:prstClr val="white"/>
+              </a:solidFill>
+              <a:effectLst/>
+              <a:uLnTx/>
+              <a:uFillTx/>
+              <a:latin typeface="Calibri" panose="020F0502020204030204"/>
+              <a:ea typeface="+mn-ea"/>
+              <a:cs typeface="+mn-cs"/>
+            </a:endParaRPr>
+          </a:p>
+        </p:txBody>
+      </p:sp>
+      <p:sp useBgFill="1">
+        <p:nvSpPr>
+          <p:cNvPr id="33" name="Freeform: Shape 32">
+            <a:extLst>
+              <a:ext uri="{FF2B5EF4-FFF2-40B4-BE49-F238E27FC236}">
+                <a16:creationId xmlns:a16="http://schemas.microsoft.com/office/drawing/2014/main" id="{84D4DDB8-B68F-45B0-9F62-C4279996F672}"/>
+              </a:ext>
+              <a:ext uri="{C183D7F6-B498-43B3-948B-1728B52AA6E4}">
+                <adec:decorative xmlns:adec="http://schemas.microsoft.com/office/drawing/2017/decorative" val="1"/>
+              </a:ext>
+            </a:extLst>
+          </p:cNvPr>
+          <p:cNvSpPr>
+            <a:spLocks noGrp="1" noRot="1" noChangeAspect="1" noMove="1" noResize="1" noEditPoints="1" noAdjustHandles="1" noChangeArrowheads="1" noChangeShapeType="1" noTextEdit="1"/>
+          </p:cNvSpPr>
+          <p:nvPr>
+            <p:extLst>
+              <p:ext uri="{386F3935-93C4-4BCD-93E2-E3B085C9AB24}">
+                <p16:designElem xmlns:p16="http://schemas.microsoft.com/office/powerpoint/2015/main" val="1"/>
+              </p:ext>
+            </p:extLst>
+          </p:nvPr>
+        </p:nvSpPr>
+        <p:spPr>
+          <a:xfrm>
+            <a:off x="0" y="0"/>
+            <a:ext cx="4948887" cy="6858000"/>
+          </a:xfrm>
+          <a:custGeom>
+            <a:avLst/>
+            <a:gdLst>
+              <a:gd name="connsiteX0" fmla="*/ 0 w 4948887"/>
+              <a:gd name="connsiteY0" fmla="*/ 0 h 6858000"/>
+              <a:gd name="connsiteX1" fmla="*/ 4099967 w 4948887"/>
+              <a:gd name="connsiteY1" fmla="*/ 0 h 6858000"/>
+              <a:gd name="connsiteX2" fmla="*/ 4168864 w 4948887"/>
+              <a:gd name="connsiteY2" fmla="*/ 123368 h 6858000"/>
+              <a:gd name="connsiteX3" fmla="*/ 4948887 w 4948887"/>
+              <a:gd name="connsiteY3" fmla="*/ 3429000 h 6858000"/>
+              <a:gd name="connsiteX4" fmla="*/ 4168864 w 4948887"/>
+              <a:gd name="connsiteY4" fmla="*/ 6734633 h 6858000"/>
+              <a:gd name="connsiteX5" fmla="*/ 4099967 w 4948887"/>
+              <a:gd name="connsiteY5" fmla="*/ 6858000 h 6858000"/>
+              <a:gd name="connsiteX6" fmla="*/ 0 w 4948887"/>
+              <a:gd name="connsiteY6" fmla="*/ 6858000 h 6858000"/>
+            </a:gdLst>
+            <a:ahLst/>
+            <a:cxnLst>
+              <a:cxn ang="0">
+                <a:pos x="connsiteX0" y="connsiteY0"/>
+              </a:cxn>
+              <a:cxn ang="0">
+                <a:pos x="connsiteX1" y="connsiteY1"/>
+              </a:cxn>
+              <a:cxn ang="0">
+                <a:pos x="connsiteX2" y="connsiteY2"/>
+              </a:cxn>
+              <a:cxn ang="0">
+                <a:pos x="connsiteX3" y="connsiteY3"/>
+              </a:cxn>
+              <a:cxn ang="0">
+                <a:pos x="connsiteX4" y="connsiteY4"/>
+              </a:cxn>
+              <a:cxn ang="0">
+                <a:pos x="connsiteX5" y="connsiteY5"/>
+              </a:cxn>
+              <a:cxn ang="0">
+                <a:pos x="connsiteX6" y="connsiteY6"/>
+              </a:cxn>
+            </a:cxnLst>
+            <a:rect l="l" t="t" r="r" b="b"/>
+            <a:pathLst>
+              <a:path w="4948887" h="6858000">
+                <a:moveTo>
+                  <a:pt x="0" y="0"/>
+                </a:moveTo>
+                <a:lnTo>
+                  <a:pt x="4099967" y="0"/>
+                </a:lnTo>
+                <a:lnTo>
+                  <a:pt x="4168864" y="123368"/>
+                </a:lnTo>
+                <a:cubicBezTo>
+                  <a:pt x="4658769" y="1045156"/>
+                  <a:pt x="4948887" y="2189404"/>
+                  <a:pt x="4948887" y="3429000"/>
+                </a:cubicBezTo>
+                <a:cubicBezTo>
+                  <a:pt x="4948887" y="4668597"/>
+                  <a:pt x="4658769" y="5812845"/>
+                  <a:pt x="4168864" y="6734633"/>
+                </a:cubicBezTo>
+                <a:lnTo>
+                  <a:pt x="4099967" y="6858000"/>
+                </a:lnTo>
+                <a:lnTo>
+                  <a:pt x="0" y="6858000"/>
+                </a:lnTo>
+                <a:close/>
+              </a:path>
+            </a:pathLst>
+          </a:custGeom>
+          <a:ln w="9525">
+            <a:noFill/>
+          </a:ln>
+          <a:effectLst/>
+        </p:spPr>
+        <p:style>
+          <a:lnRef idx="2">
+            <a:schemeClr val="accent1">
+              <a:shade val="50000"/>
+            </a:schemeClr>
+          </a:lnRef>
+          <a:fillRef idx="1">
+            <a:schemeClr val="accent1"/>
+          </a:fillRef>
+          <a:effectRef idx="0">
+            <a:schemeClr val="accent1"/>
+          </a:effectRef>
+          <a:fontRef idx="minor">
+            <a:schemeClr val="lt1"/>
+          </a:fontRef>
+        </p:style>
+        <p:txBody>
+          <a:bodyPr wrap="square" rtlCol="0" anchor="ctr">
+            <a:noAutofit/>
+          </a:bodyPr>
+          <a:lstStyle/>
+          <a:p>
+            <a:pPr marL="0" marR="0" lvl="0" indent="0" algn="ctr" defTabSz="914400" rtl="0" eaLnBrk="1" fontAlgn="auto" latinLnBrk="0" hangingPunct="1">
+              <a:lnSpc>
+                <a:spcPct val="100000"/>
+              </a:lnSpc>
+              <a:spcBef>
+                <a:spcPts val="0"/>
+              </a:spcBef>
+              <a:spcAft>
+                <a:spcPts val="0"/>
+              </a:spcAft>
+              <a:buClrTx/>
+              <a:buSzTx/>
+              <a:buFontTx/>
+              <a:buNone/>
+              <a:tabLst/>
+              <a:defRPr/>
+            </a:pPr>
+            <a:endParaRPr kumimoji="0" lang="en-US" sz="1800" b="0" i="0" u="none" strike="noStrike" kern="1200" cap="none" spc="0" normalizeH="0" baseline="0" noProof="0">
+              <a:ln>
+                <a:noFill/>
+              </a:ln>
+              <a:solidFill>
+                <a:prstClr val="white"/>
+              </a:solidFill>
+              <a:effectLst/>
+              <a:uLnTx/>
+              <a:uFillTx/>
+              <a:latin typeface="Calibri" panose="020F0502020204030204"/>
+              <a:ea typeface="+mn-ea"/>
+              <a:cs typeface="+mn-cs"/>
+            </a:endParaRPr>
+          </a:p>
+        </p:txBody>
+      </p:sp>
+      <p:sp>
+        <p:nvSpPr>
+          <p:cNvPr id="2" name="Title 1">
+            <a:extLst>
+              <a:ext uri="{FF2B5EF4-FFF2-40B4-BE49-F238E27FC236}">
+                <a16:creationId xmlns:a16="http://schemas.microsoft.com/office/drawing/2014/main" id="{8E1B22BF-6CF2-8805-1D60-F23047B75EC9}"/>
+              </a:ext>
+            </a:extLst>
+          </p:cNvPr>
+          <p:cNvSpPr>
+            <a:spLocks noGrp="1"/>
+          </p:cNvSpPr>
+          <p:nvPr>
+            <p:ph type="title"/>
+          </p:nvPr>
+        </p:nvSpPr>
+        <p:spPr>
+          <a:xfrm>
+            <a:off x="477981" y="1122363"/>
+            <a:ext cx="4023360" cy="3204134"/>
+          </a:xfrm>
+        </p:spPr>
+        <p:txBody>
+          <a:bodyPr vert="horz" lIns="91440" tIns="45720" rIns="91440" bIns="45720" rtlCol="0" anchor="b">
+            <a:normAutofit/>
+          </a:bodyPr>
+          <a:lstStyle/>
+          <a:p>
+            <a:r>
+              <a:rPr lang="en-US" sz="4800" kern="1200">
+                <a:solidFill>
+                  <a:schemeClr val="tx1"/>
+                </a:solidFill>
+                <a:latin typeface="+mj-lt"/>
+                <a:ea typeface="+mj-ea"/>
+                <a:cs typeface="+mj-cs"/>
+              </a:rPr>
+              <a:t>Real-World Applications Using MongoDB</a:t>
+            </a:r>
+          </a:p>
+        </p:txBody>
+      </p:sp>
+      <p:sp>
+        <p:nvSpPr>
+          <p:cNvPr id="29" name="Rectangle 28">
+            <a:extLst>
+              <a:ext uri="{FF2B5EF4-FFF2-40B4-BE49-F238E27FC236}">
+                <a16:creationId xmlns:a16="http://schemas.microsoft.com/office/drawing/2014/main" id="{AF2F604E-43BE-4DC3-B983-E071523364F8}"/>
+              </a:ext>
+              <a:ext uri="{C183D7F6-B498-43B3-948B-1728B52AA6E4}">
+                <adec:decorative xmlns:adec="http://schemas.microsoft.com/office/drawing/2017/decorative" val="1"/>
+              </a:ext>
+            </a:extLst>
+          </p:cNvPr>
+          <p:cNvSpPr>
+            <a:spLocks noGrp="1" noRot="1" noChangeAspect="1" noMove="1" noResize="1" noEditPoints="1" noAdjustHandles="1" noChangeArrowheads="1" noChangeShapeType="1" noTextEdit="1"/>
+          </p:cNvSpPr>
+          <p:nvPr>
+            <p:extLst>
+              <p:ext uri="{386F3935-93C4-4BCD-93E2-E3B085C9AB24}">
+                <p16:designElem xmlns:p16="http://schemas.microsoft.com/office/powerpoint/2015/main" val="1"/>
+              </p:ext>
+            </p:extLst>
+          </p:nvPr>
+        </p:nvSpPr>
+        <p:spPr>
+          <a:xfrm rot="5400000">
+            <a:off x="759921" y="346791"/>
+            <a:ext cx="146304" cy="704088"/>
+          </a:xfrm>
+          <a:prstGeom prst="rect">
+            <a:avLst/>
+          </a:prstGeom>
+          <a:solidFill>
+            <a:schemeClr val="accent2"/>
+          </a:solidFill>
+          <a:ln>
+            <a:noFill/>
+          </a:ln>
+        </p:spPr>
+        <p:style>
+          <a:lnRef idx="2">
+            <a:schemeClr val="accent1">
+              <a:shade val="50000"/>
+            </a:schemeClr>
+          </a:lnRef>
+          <a:fillRef idx="1">
+            <a:schemeClr val="accent1"/>
+          </a:fillRef>
+          <a:effectRef idx="0">
+            <a:schemeClr val="accent1"/>
+          </a:effectRef>
+          <a:fontRef idx="minor">
+            <a:schemeClr val="lt1"/>
+          </a:fontRef>
+        </p:style>
+        <p:txBody>
+          <a:bodyPr rtlCol="0" anchor="ctr"/>
+          <a:lstStyle/>
+          <a:p>
+            <a:pPr algn="ctr"/>
+            <a:endParaRPr lang="en-US">
+              <a:solidFill>
+                <a:prstClr val="white"/>
+              </a:solidFill>
+              <a:latin typeface="Calibri" panose="020F0502020204030204"/>
+            </a:endParaRPr>
+          </a:p>
+        </p:txBody>
+      </p:sp>
+      <p:sp>
+        <p:nvSpPr>
+          <p:cNvPr id="31" name="Rectangle 30">
+            <a:extLst>
+              <a:ext uri="{FF2B5EF4-FFF2-40B4-BE49-F238E27FC236}">
+                <a16:creationId xmlns:a16="http://schemas.microsoft.com/office/drawing/2014/main" id="{08C9B587-E65E-4B52-B37C-ABEBB6E87928}"/>
+              </a:ext>
+              <a:ext uri="{C183D7F6-B498-43B3-948B-1728B52AA6E4}">
+                <adec:decorative xmlns:adec="http://schemas.microsoft.com/office/drawing/2017/decorative" val="1"/>
+              </a:ext>
+            </a:extLst>
+          </p:cNvPr>
+          <p:cNvSpPr>
+            <a:spLocks noGrp="1" noRot="1" noChangeAspect="1" noMove="1" noResize="1" noEditPoints="1" noAdjustHandles="1" noChangeArrowheads="1" noChangeShapeType="1" noTextEdit="1"/>
+          </p:cNvSpPr>
+          <p:nvPr>
+            <p:extLst>
+              <p:ext uri="{386F3935-93C4-4BCD-93E2-E3B085C9AB24}">
+                <p16:designElem xmlns:p16="http://schemas.microsoft.com/office/powerpoint/2015/main" val="1"/>
+              </p:ext>
+            </p:extLst>
+          </p:nvPr>
+        </p:nvSpPr>
+        <p:spPr>
+          <a:xfrm>
+            <a:off x="481029" y="4546920"/>
+            <a:ext cx="4023360" cy="18288"/>
+          </a:xfrm>
+          <a:prstGeom prst="rect">
+            <a:avLst/>
+          </a:prstGeom>
+          <a:solidFill>
+            <a:srgbClr val="D5D5D5"/>
+          </a:solidFill>
+          <a:ln w="3175">
+            <a:noFill/>
+          </a:ln>
+          <a:effectLst/>
+        </p:spPr>
+        <p:style>
+          <a:lnRef idx="2">
+            <a:schemeClr val="accent1">
+              <a:shade val="50000"/>
+            </a:schemeClr>
+          </a:lnRef>
+          <a:fillRef idx="1">
+            <a:schemeClr val="accent1"/>
+          </a:fillRef>
+          <a:effectRef idx="0">
+            <a:schemeClr val="accent1"/>
+          </a:effectRef>
+          <a:fontRef idx="minor">
+            <a:schemeClr val="lt1"/>
+          </a:fontRef>
+        </p:style>
+        <p:txBody>
+          <a:bodyPr rtlCol="0" anchor="ctr"/>
+          <a:lstStyle/>
+          <a:p>
+            <a:pPr marL="0" marR="0" lvl="0" indent="0" algn="ctr" defTabSz="914400" rtl="0" eaLnBrk="1" fontAlgn="auto" latinLnBrk="0" hangingPunct="1">
+              <a:lnSpc>
+                <a:spcPct val="100000"/>
+              </a:lnSpc>
+              <a:spcBef>
+                <a:spcPts val="0"/>
+              </a:spcBef>
+              <a:spcAft>
+                <a:spcPts val="0"/>
+              </a:spcAft>
+              <a:buClrTx/>
+              <a:buSzTx/>
+              <a:buFontTx/>
+              <a:buNone/>
+              <a:tabLst/>
+              <a:defRPr/>
+            </a:pPr>
+            <a:endParaRPr kumimoji="0" lang="en-US" sz="1800" b="0" i="0" u="none" strike="noStrike" kern="1200" cap="none" spc="0" normalizeH="0" baseline="0" noProof="0">
+              <a:ln>
+                <a:noFill/>
+              </a:ln>
+              <a:solidFill>
+                <a:prstClr val="white"/>
+              </a:solidFill>
+              <a:effectLst/>
+              <a:uLnTx/>
+              <a:uFillTx/>
+              <a:latin typeface="Calibri" panose="020F0502020204030204"/>
+              <a:ea typeface="+mn-ea"/>
+              <a:cs typeface="+mn-cs"/>
+            </a:endParaRPr>
+          </a:p>
+        </p:txBody>
+      </p:sp>
+      <p:pic>
+        <p:nvPicPr>
+          <p:cNvPr id="12" name="Picture 11">
+            <a:extLst>
+              <a:ext uri="{FF2B5EF4-FFF2-40B4-BE49-F238E27FC236}">
+                <a16:creationId xmlns:a16="http://schemas.microsoft.com/office/drawing/2014/main" id="{85D78DCF-B4BA-8A6C-2B61-AB416CCC2B8D}"/>
+              </a:ext>
+            </a:extLst>
+          </p:cNvPr>
+          <p:cNvPicPr>
+            <a:picLocks noChangeAspect="1"/>
+          </p:cNvPicPr>
+          <p:nvPr/>
+        </p:nvPicPr>
+        <p:blipFill>
+          <a:blip r:embed="rId2"/>
+          <a:stretch>
+            <a:fillRect/>
+          </a:stretch>
+        </p:blipFill>
+        <p:spPr>
+          <a:xfrm>
+            <a:off x="5437028" y="525855"/>
+            <a:ext cx="6089745" cy="5806289"/>
+          </a:xfrm>
+          <a:prstGeom prst="roundRect">
+            <a:avLst>
+              <a:gd name="adj" fmla="val 4167"/>
+            </a:avLst>
+          </a:prstGeom>
+          <a:solidFill>
+            <a:srgbClr val="FFFFFF"/>
+          </a:solidFill>
+          <a:ln w="76200" cap="sq">
+            <a:solidFill>
+              <a:srgbClr val="EAEAEA"/>
+            </a:solidFill>
+            <a:miter lim="800000"/>
+          </a:ln>
+          <a:effectLst>
+            <a:reflection blurRad="12700" stA="33000" endPos="28000" dist="5000" dir="5400000" sy="-100000" algn="bl" rotWithShape="0"/>
+          </a:effectLst>
+          <a:scene3d>
+            <a:camera prst="orthographicFront"/>
+            <a:lightRig rig="threePt" dir="t">
+              <a:rot lat="0" lon="0" rev="2700000"/>
+            </a:lightRig>
+          </a:scene3d>
+          <a:sp3d contourW="6350">
+            <a:bevelT h="38100"/>
+            <a:contourClr>
+              <a:srgbClr val="C0C0C0"/>
+            </a:contourClr>
+          </a:sp3d>
+        </p:spPr>
+      </p:pic>
+    </p:spTree>
+    <p:extLst>
+      <p:ext uri="{BB962C8B-B14F-4D97-AF65-F5344CB8AC3E}">
+        <p14:creationId xmlns:p14="http://schemas.microsoft.com/office/powerpoint/2010/main" val="3053707135"/>
       </p:ext>
     </p:extLst>
   </p:cSld>
